--- a/Probeklausur.pptx
+++ b/Probeklausur.pptx
@@ -5,13 +5,16 @@
     <p:sldMasterId id="2147483649" r:id="rId4"/>
   </p:sldMasterIdLst>
   <p:notesMasterIdLst>
-    <p:notesMasterId r:id="rId6"/>
+    <p:notesMasterId r:id="rId9"/>
   </p:notesMasterIdLst>
   <p:handoutMasterIdLst>
-    <p:handoutMasterId r:id="rId7"/>
+    <p:handoutMasterId r:id="rId10"/>
   </p:handoutMasterIdLst>
   <p:sldIdLst>
     <p:sldId id="1041" r:id="rId5"/>
+    <p:sldId id="1043" r:id="rId6"/>
+    <p:sldId id="1044" r:id="rId7"/>
+    <p:sldId id="1045" r:id="rId8"/>
   </p:sldIdLst>
   <p:sldSz cx="12192000" cy="6858000"/>
   <p:notesSz cx="6858000" cy="9144000"/>
@@ -146,6 +149,9 @@
         <p14:section name="Standardabschnitt" id="{90CC2B19-0152-48C4-9776-5E1C93263B9D}">
           <p14:sldIdLst>
             <p14:sldId id="1041"/>
+            <p14:sldId id="1043"/>
+            <p14:sldId id="1044"/>
+            <p14:sldId id="1045"/>
           </p14:sldIdLst>
         </p14:section>
         <p14:section name="Standardabschnitt" id="{43259912-C5ED-4E84-8ACD-EEBCC30AE9A6}">
@@ -384,7 +390,7 @@
             <a:fld id="{F99C6125-75A0-455B-936B-E52DC9776EFC}" type="slidenum">
               <a:rPr lang="de-DE"/>
               <a:pPr/>
-              <a:t>‹#›</a:t>
+              <a:t>‹Nr.›</a:t>
             </a:fld>
             <a:endParaRPr lang="de-DE"/>
           </a:p>
@@ -698,7 +704,7 @@
             <a:fld id="{A35D100B-8FB0-4F45-A8C0-3F8C65FEE5C2}" type="slidenum">
               <a:rPr lang="de-DE"/>
               <a:pPr/>
-              <a:t>‹#›</a:t>
+              <a:t>‹Nr.›</a:t>
             </a:fld>
             <a:endParaRPr lang="de-DE"/>
           </a:p>
@@ -979,7 +985,7 @@
             <a:fld id="{30B1EE28-4F67-4416-A18C-74FB63371EF5}" type="datetime1">
               <a:rPr lang="de-DE"/>
               <a:pPr/>
-              <a:t>05.02.2026</a:t>
+              <a:t>06.02.2026</a:t>
             </a:fld>
             <a:r>
               <a:rPr lang="de-DE"/>
@@ -3543,7 +3549,7 @@
                   <a:tab pos="10763250" algn="r"/>
                 </a:tabLst>
               </a:pPr>
-              <a:t>‹#›</a:t>
+              <a:t>‹Nr.›</a:t>
             </a:fld>
             <a:r>
               <a:rPr lang="de-DE" sz="1000" kern="1200">
@@ -4385,6 +4391,2583 @@
     <p:extLst>
       <p:ext uri="{BB962C8B-B14F-4D97-AF65-F5344CB8AC3E}">
         <p14:creationId xmlns:p14="http://schemas.microsoft.com/office/powerpoint/2010/main" val="2503854025"/>
+      </p:ext>
+    </p:extLst>
+  </p:cSld>
+  <p:clrMapOvr>
+    <a:masterClrMapping/>
+  </p:clrMapOvr>
+</p:sld>
+</file>
+
+<file path=ppt/slides/slide2.xml><?xml version="1.0" encoding="utf-8"?>
+<p:sld xmlns:a="http://schemas.openxmlformats.org/drawingml/2006/main" xmlns:r="http://schemas.openxmlformats.org/officeDocument/2006/relationships" xmlns:p="http://schemas.openxmlformats.org/presentationml/2006/main">
+  <p:cSld>
+    <p:spTree>
+      <p:nvGrpSpPr>
+        <p:cNvPr id="1" name=""/>
+        <p:cNvGrpSpPr/>
+        <p:nvPr/>
+      </p:nvGrpSpPr>
+      <p:grpSpPr>
+        <a:xfrm>
+          <a:off x="0" y="0"/>
+          <a:ext cx="0" cy="0"/>
+          <a:chOff x="0" y="0"/>
+          <a:chExt cx="0" cy="0"/>
+        </a:xfrm>
+      </p:grpSpPr>
+      <p:sp>
+        <p:nvSpPr>
+          <p:cNvPr id="2" name="Titel 1">
+            <a:extLst>
+              <a:ext uri="{FF2B5EF4-FFF2-40B4-BE49-F238E27FC236}">
+                <a16:creationId xmlns:a16="http://schemas.microsoft.com/office/drawing/2014/main" id="{BEAD745B-E118-DF90-1A6B-73549ADF1C83}"/>
+              </a:ext>
+            </a:extLst>
+          </p:cNvPr>
+          <p:cNvSpPr>
+            <a:spLocks noGrp="1"/>
+          </p:cNvSpPr>
+          <p:nvPr>
+            <p:ph type="title"/>
+          </p:nvPr>
+        </p:nvSpPr>
+        <p:spPr/>
+        <p:txBody>
+          <a:bodyPr/>
+          <a:lstStyle/>
+          <a:p>
+            <a:r>
+              <a:rPr lang="de-DE" dirty="0"/>
+              <a:t>Aufgabe 1.1</a:t>
+            </a:r>
+          </a:p>
+        </p:txBody>
+      </p:sp>
+      <p:graphicFrame>
+        <p:nvGraphicFramePr>
+          <p:cNvPr id="4" name="Inhaltsplatzhalter 3">
+            <a:extLst>
+              <a:ext uri="{FF2B5EF4-FFF2-40B4-BE49-F238E27FC236}">
+                <a16:creationId xmlns:a16="http://schemas.microsoft.com/office/drawing/2014/main" id="{F89A3222-6D0A-B583-3338-83DC8C4B38DA}"/>
+              </a:ext>
+            </a:extLst>
+          </p:cNvPr>
+          <p:cNvGraphicFramePr>
+            <a:graphicFrameLocks noGrp="1"/>
+          </p:cNvGraphicFramePr>
+          <p:nvPr>
+            <p:ph idx="1"/>
+            <p:extLst>
+              <p:ext uri="{D42A27DB-BD31-4B8C-83A1-F6EECF244321}">
+                <p14:modId xmlns:p14="http://schemas.microsoft.com/office/powerpoint/2010/main" val="398760966"/>
+              </p:ext>
+            </p:extLst>
+          </p:nvPr>
+        </p:nvGraphicFramePr>
+        <p:xfrm>
+          <a:off x="809625" y="1773237"/>
+          <a:ext cx="10580685" cy="2889554"/>
+        </p:xfrm>
+        <a:graphic>
+          <a:graphicData uri="http://schemas.openxmlformats.org/drawingml/2006/table">
+            <a:tbl>
+              <a:tblPr firstRow="1" bandRow="1">
+                <a:tableStyleId>{00A15C55-8517-42AA-B614-E9B94910E393}</a:tableStyleId>
+              </a:tblPr>
+              <a:tblGrid>
+                <a:gridCol w="1302204">
+                  <a:extLst>
+                    <a:ext uri="{9D8B030D-6E8A-4147-A177-3AD203B41FA5}">
+                      <a16:colId xmlns:a16="http://schemas.microsoft.com/office/drawing/2014/main" val="77739209"/>
+                    </a:ext>
+                  </a:extLst>
+                </a:gridCol>
+                <a:gridCol w="2449285">
+                  <a:extLst>
+                    <a:ext uri="{9D8B030D-6E8A-4147-A177-3AD203B41FA5}">
+                      <a16:colId xmlns:a16="http://schemas.microsoft.com/office/drawing/2014/main" val="3652360773"/>
+                    </a:ext>
+                  </a:extLst>
+                </a:gridCol>
+                <a:gridCol w="2046515">
+                  <a:extLst>
+                    <a:ext uri="{9D8B030D-6E8A-4147-A177-3AD203B41FA5}">
+                      <a16:colId xmlns:a16="http://schemas.microsoft.com/office/drawing/2014/main" val="3975084939"/>
+                    </a:ext>
+                  </a:extLst>
+                </a:gridCol>
+                <a:gridCol w="2318657">
+                  <a:extLst>
+                    <a:ext uri="{9D8B030D-6E8A-4147-A177-3AD203B41FA5}">
+                      <a16:colId xmlns:a16="http://schemas.microsoft.com/office/drawing/2014/main" val="3336663794"/>
+                    </a:ext>
+                  </a:extLst>
+                </a:gridCol>
+                <a:gridCol w="2464024">
+                  <a:extLst>
+                    <a:ext uri="{9D8B030D-6E8A-4147-A177-3AD203B41FA5}">
+                      <a16:colId xmlns:a16="http://schemas.microsoft.com/office/drawing/2014/main" val="2948349838"/>
+                    </a:ext>
+                  </a:extLst>
+                </a:gridCol>
+              </a:tblGrid>
+              <a:tr h="603719">
+                <a:tc>
+                  <a:txBody>
+                    <a:bodyPr/>
+                    <a:lstStyle/>
+                    <a:p>
+                      <a:r>
+                        <a:rPr lang="de-DE" dirty="0"/>
+                        <a:t>Zahl</a:t>
+                      </a:r>
+                    </a:p>
+                  </a:txBody>
+                  <a:tcPr/>
+                </a:tc>
+                <a:tc>
+                  <a:txBody>
+                    <a:bodyPr/>
+                    <a:lstStyle/>
+                    <a:p>
+                      <a:r>
+                        <a:rPr lang="de-DE" dirty="0"/>
+                        <a:t>Vorzeichenlos</a:t>
+                      </a:r>
+                    </a:p>
+                  </a:txBody>
+                  <a:tcPr/>
+                </a:tc>
+                <a:tc>
+                  <a:txBody>
+                    <a:bodyPr/>
+                    <a:lstStyle/>
+                    <a:p>
+                      <a:r>
+                        <a:rPr lang="de-DE" dirty="0"/>
+                        <a:t>Vorzeichenbit</a:t>
+                      </a:r>
+                    </a:p>
+                  </a:txBody>
+                  <a:tcPr/>
+                </a:tc>
+                <a:tc>
+                  <a:txBody>
+                    <a:bodyPr/>
+                    <a:lstStyle/>
+                    <a:p>
+                      <a:r>
+                        <a:rPr lang="de-DE" dirty="0"/>
+                        <a:t>Einerkomplement</a:t>
+                      </a:r>
+                    </a:p>
+                  </a:txBody>
+                  <a:tcPr/>
+                </a:tc>
+                <a:tc>
+                  <a:txBody>
+                    <a:bodyPr/>
+                    <a:lstStyle/>
+                    <a:p>
+                      <a:r>
+                        <a:rPr lang="de-DE" dirty="0"/>
+                        <a:t>Zweierkomplement</a:t>
+                      </a:r>
+                    </a:p>
+                  </a:txBody>
+                  <a:tcPr/>
+                </a:tc>
+                <a:extLst>
+                  <a:ext uri="{0D108BD9-81ED-4DB2-BD59-A6C34878D82A}">
+                    <a16:rowId xmlns:a16="http://schemas.microsoft.com/office/drawing/2014/main" val="1458009295"/>
+                  </a:ext>
+                </a:extLst>
+              </a:tr>
+              <a:tr h="603719">
+                <a:tc>
+                  <a:txBody>
+                    <a:bodyPr/>
+                    <a:lstStyle/>
+                    <a:p>
+                      <a:r>
+                        <a:rPr lang="de-DE" dirty="0"/>
+                        <a:t>37</a:t>
+                      </a:r>
+                    </a:p>
+                  </a:txBody>
+                  <a:tcPr/>
+                </a:tc>
+                <a:tc>
+                  <a:txBody>
+                    <a:bodyPr/>
+                    <a:lstStyle/>
+                    <a:p>
+                      <a:r>
+                        <a:rPr lang="de-DE" dirty="0"/>
+                        <a:t>100101 = 32 + 4 + 1</a:t>
+                      </a:r>
+                    </a:p>
+                  </a:txBody>
+                  <a:tcPr/>
+                </a:tc>
+                <a:tc>
+                  <a:txBody>
+                    <a:bodyPr/>
+                    <a:lstStyle/>
+                    <a:p>
+                      <a:r>
+                        <a:rPr lang="de-DE" dirty="0"/>
+                        <a:t>-</a:t>
+                      </a:r>
+                    </a:p>
+                  </a:txBody>
+                  <a:tcPr/>
+                </a:tc>
+                <a:tc>
+                  <a:txBody>
+                    <a:bodyPr/>
+                    <a:lstStyle/>
+                    <a:p>
+                      <a:r>
+                        <a:rPr lang="de-DE" dirty="0"/>
+                        <a:t>-</a:t>
+                      </a:r>
+                    </a:p>
+                  </a:txBody>
+                  <a:tcPr/>
+                </a:tc>
+                <a:tc>
+                  <a:txBody>
+                    <a:bodyPr/>
+                    <a:lstStyle/>
+                    <a:p>
+                      <a:r>
+                        <a:rPr lang="de-DE" dirty="0"/>
+                        <a:t>-</a:t>
+                      </a:r>
+                    </a:p>
+                  </a:txBody>
+                  <a:tcPr/>
+                </a:tc>
+                <a:extLst>
+                  <a:ext uri="{0D108BD9-81ED-4DB2-BD59-A6C34878D82A}">
+                    <a16:rowId xmlns:a16="http://schemas.microsoft.com/office/drawing/2014/main" val="3527702699"/>
+                  </a:ext>
+                </a:extLst>
+              </a:tr>
+              <a:tr h="1042036">
+                <a:tc>
+                  <a:txBody>
+                    <a:bodyPr/>
+                    <a:lstStyle/>
+                    <a:p>
+                      <a:r>
+                        <a:rPr lang="de-DE" dirty="0"/>
+                        <a:t>-1</a:t>
+                      </a:r>
+                    </a:p>
+                  </a:txBody>
+                  <a:tcPr/>
+                </a:tc>
+                <a:tc>
+                  <a:txBody>
+                    <a:bodyPr/>
+                    <a:lstStyle/>
+                    <a:p>
+                      <a:r>
+                        <a:rPr lang="de-DE" dirty="0"/>
+                        <a:t>-</a:t>
+                      </a:r>
+                    </a:p>
+                  </a:txBody>
+                  <a:tcPr/>
+                </a:tc>
+                <a:tc>
+                  <a:txBody>
+                    <a:bodyPr/>
+                    <a:lstStyle/>
+                    <a:p>
+                      <a:r>
+                        <a:rPr lang="de-DE" dirty="0"/>
+                        <a:t>100001 = -1 x (1)</a:t>
+                      </a:r>
+                    </a:p>
+                  </a:txBody>
+                  <a:tcPr/>
+                </a:tc>
+                <a:tc>
+                  <a:txBody>
+                    <a:bodyPr/>
+                    <a:lstStyle/>
+                    <a:p>
+                      <a:r>
+                        <a:rPr lang="de-DE" dirty="0"/>
+                        <a:t>111110, da 000001 = 1</a:t>
+                      </a:r>
+                    </a:p>
+                  </a:txBody>
+                  <a:tcPr/>
+                </a:tc>
+                <a:tc>
+                  <a:txBody>
+                    <a:bodyPr/>
+                    <a:lstStyle/>
+                    <a:p>
+                      <a:r>
+                        <a:rPr lang="de-DE" dirty="0"/>
+                        <a:t>111111 = -32 + 16 + 8 + 6 + 4 + 2 + 1</a:t>
+                      </a:r>
+                    </a:p>
+                  </a:txBody>
+                  <a:tcPr/>
+                </a:tc>
+                <a:extLst>
+                  <a:ext uri="{0D108BD9-81ED-4DB2-BD59-A6C34878D82A}">
+                    <a16:rowId xmlns:a16="http://schemas.microsoft.com/office/drawing/2014/main" val="3285527027"/>
+                  </a:ext>
+                </a:extLst>
+              </a:tr>
+              <a:tr h="603719">
+                <a:tc>
+                  <a:txBody>
+                    <a:bodyPr/>
+                    <a:lstStyle/>
+                    <a:p>
+                      <a:r>
+                        <a:rPr lang="de-DE" dirty="0"/>
+                        <a:t>-31</a:t>
+                      </a:r>
+                    </a:p>
+                  </a:txBody>
+                  <a:tcPr/>
+                </a:tc>
+                <a:tc>
+                  <a:txBody>
+                    <a:bodyPr/>
+                    <a:lstStyle/>
+                    <a:p>
+                      <a:r>
+                        <a:rPr lang="de-DE" dirty="0"/>
+                        <a:t>-</a:t>
+                      </a:r>
+                    </a:p>
+                  </a:txBody>
+                  <a:tcPr/>
+                </a:tc>
+                <a:tc>
+                  <a:txBody>
+                    <a:bodyPr/>
+                    <a:lstStyle/>
+                    <a:p>
+                      <a:r>
+                        <a:rPr lang="de-DE" dirty="0"/>
+                        <a:t>-</a:t>
+                      </a:r>
+                    </a:p>
+                  </a:txBody>
+                  <a:tcPr/>
+                </a:tc>
+                <a:tc>
+                  <a:txBody>
+                    <a:bodyPr/>
+                    <a:lstStyle/>
+                    <a:p>
+                      <a:r>
+                        <a:rPr lang="de-DE" dirty="0"/>
+                        <a:t>10000, da 011111 = 31</a:t>
+                      </a:r>
+                    </a:p>
+                  </a:txBody>
+                  <a:tcPr/>
+                </a:tc>
+                <a:tc>
+                  <a:txBody>
+                    <a:bodyPr/>
+                    <a:lstStyle/>
+                    <a:p>
+                      <a:r>
+                        <a:rPr lang="de-DE" dirty="0"/>
+                        <a:t>100001 = -32 + 1</a:t>
+                      </a:r>
+                    </a:p>
+                  </a:txBody>
+                  <a:tcPr/>
+                </a:tc>
+                <a:extLst>
+                  <a:ext uri="{0D108BD9-81ED-4DB2-BD59-A6C34878D82A}">
+                    <a16:rowId xmlns:a16="http://schemas.microsoft.com/office/drawing/2014/main" val="586399044"/>
+                  </a:ext>
+                </a:extLst>
+              </a:tr>
+            </a:tbl>
+          </a:graphicData>
+        </a:graphic>
+      </p:graphicFrame>
+      <p:sp>
+        <p:nvSpPr>
+          <p:cNvPr id="6" name="Textfeld 5">
+            <a:extLst>
+              <a:ext uri="{FF2B5EF4-FFF2-40B4-BE49-F238E27FC236}">
+                <a16:creationId xmlns:a16="http://schemas.microsoft.com/office/drawing/2014/main" id="{7E33D22C-6212-FDEF-4425-51F6F27B5241}"/>
+              </a:ext>
+            </a:extLst>
+          </p:cNvPr>
+          <p:cNvSpPr txBox="1"/>
+          <p:nvPr/>
+        </p:nvSpPr>
+        <p:spPr>
+          <a:xfrm>
+            <a:off x="809625" y="5050971"/>
+            <a:ext cx="10435318" cy="923330"/>
+          </a:xfrm>
+          <a:prstGeom prst="rect">
+            <a:avLst/>
+          </a:prstGeom>
+          <a:noFill/>
+        </p:spPr>
+        <p:txBody>
+          <a:bodyPr wrap="square" rtlCol="0">
+            <a:spAutoFit/>
+          </a:bodyPr>
+          <a:lstStyle/>
+          <a:p>
+            <a:pPr marL="342900" indent="-342900">
+              <a:buFont typeface="+mj-lt"/>
+              <a:buAutoNum type="arabicPeriod"/>
+            </a:pPr>
+            <a:r>
+              <a:rPr lang="de-DE" dirty="0"/>
+              <a:t>Denkt an den Betrag, den man maximal darstellen kann.</a:t>
+            </a:r>
+          </a:p>
+          <a:p>
+            <a:pPr marL="342900" indent="-342900">
+              <a:buFont typeface="+mj-lt"/>
+              <a:buAutoNum type="arabicPeriod"/>
+            </a:pPr>
+            <a:r>
+              <a:rPr lang="de-DE" dirty="0"/>
+              <a:t>Einerkomplement bildet man einfach über das Komplement der positiven Zahl.</a:t>
+            </a:r>
+          </a:p>
+          <a:p>
+            <a:pPr marL="342900" indent="-342900">
+              <a:buFont typeface="+mj-lt"/>
+              <a:buAutoNum type="arabicPeriod"/>
+            </a:pPr>
+            <a:r>
+              <a:rPr lang="de-DE" dirty="0"/>
+              <a:t>Ihr müsst das Zweierkomplement bilden und damit rechnen können.</a:t>
+            </a:r>
+          </a:p>
+        </p:txBody>
+      </p:sp>
+    </p:spTree>
+    <p:extLst>
+      <p:ext uri="{BB962C8B-B14F-4D97-AF65-F5344CB8AC3E}">
+        <p14:creationId xmlns:p14="http://schemas.microsoft.com/office/powerpoint/2010/main" val="553676267"/>
+      </p:ext>
+    </p:extLst>
+  </p:cSld>
+  <p:clrMapOvr>
+    <a:masterClrMapping/>
+  </p:clrMapOvr>
+  <p:timing>
+    <p:tnLst>
+      <p:par>
+        <p:cTn id="1" dur="indefinite" restart="never" nodeType="tmRoot">
+          <p:childTnLst>
+            <p:seq concurrent="1" nextAc="seek">
+              <p:cTn id="2" dur="indefinite" nodeType="mainSeq">
+                <p:childTnLst>
+                  <p:par>
+                    <p:cTn id="3" fill="hold">
+                      <p:stCondLst>
+                        <p:cond delay="indefinite"/>
+                      </p:stCondLst>
+                      <p:childTnLst>
+                        <p:par>
+                          <p:cTn id="4" fill="hold">
+                            <p:stCondLst>
+                              <p:cond delay="0"/>
+                            </p:stCondLst>
+                            <p:childTnLst>
+                              <p:par>
+                                <p:cTn id="5" presetID="1" presetClass="entr" presetSubtype="0" fill="hold" nodeType="clickEffect">
+                                  <p:stCondLst>
+                                    <p:cond delay="0"/>
+                                  </p:stCondLst>
+                                  <p:childTnLst>
+                                    <p:set>
+                                      <p:cBhvr>
+                                        <p:cTn id="6" dur="1" fill="hold">
+                                          <p:stCondLst>
+                                            <p:cond delay="0"/>
+                                          </p:stCondLst>
+                                        </p:cTn>
+                                        <p:tgtEl>
+                                          <p:spTgt spid="4"/>
+                                        </p:tgtEl>
+                                        <p:attrNameLst>
+                                          <p:attrName>style.visibility</p:attrName>
+                                        </p:attrNameLst>
+                                      </p:cBhvr>
+                                      <p:to>
+                                        <p:strVal val="visible"/>
+                                      </p:to>
+                                    </p:set>
+                                  </p:childTnLst>
+                                </p:cTn>
+                              </p:par>
+                            </p:childTnLst>
+                          </p:cTn>
+                        </p:par>
+                      </p:childTnLst>
+                    </p:cTn>
+                  </p:par>
+                  <p:par>
+                    <p:cTn id="7" fill="hold">
+                      <p:stCondLst>
+                        <p:cond delay="indefinite"/>
+                      </p:stCondLst>
+                      <p:childTnLst>
+                        <p:par>
+                          <p:cTn id="8" fill="hold">
+                            <p:stCondLst>
+                              <p:cond delay="0"/>
+                            </p:stCondLst>
+                            <p:childTnLst>
+                              <p:par>
+                                <p:cTn id="9" presetID="1" presetClass="entr" presetSubtype="0" fill="hold" nodeType="clickEffect">
+                                  <p:stCondLst>
+                                    <p:cond delay="0"/>
+                                  </p:stCondLst>
+                                  <p:childTnLst>
+                                    <p:set>
+                                      <p:cBhvr>
+                                        <p:cTn id="10" dur="1" fill="hold">
+                                          <p:stCondLst>
+                                            <p:cond delay="0"/>
+                                          </p:stCondLst>
+                                        </p:cTn>
+                                        <p:tgtEl>
+                                          <p:spTgt spid="6">
+                                            <p:txEl>
+                                              <p:pRg st="0" end="0"/>
+                                            </p:txEl>
+                                          </p:spTgt>
+                                        </p:tgtEl>
+                                        <p:attrNameLst>
+                                          <p:attrName>style.visibility</p:attrName>
+                                        </p:attrNameLst>
+                                      </p:cBhvr>
+                                      <p:to>
+                                        <p:strVal val="visible"/>
+                                      </p:to>
+                                    </p:set>
+                                  </p:childTnLst>
+                                </p:cTn>
+                              </p:par>
+                            </p:childTnLst>
+                          </p:cTn>
+                        </p:par>
+                      </p:childTnLst>
+                    </p:cTn>
+                  </p:par>
+                  <p:par>
+                    <p:cTn id="11" fill="hold">
+                      <p:stCondLst>
+                        <p:cond delay="indefinite"/>
+                      </p:stCondLst>
+                      <p:childTnLst>
+                        <p:par>
+                          <p:cTn id="12" fill="hold">
+                            <p:stCondLst>
+                              <p:cond delay="0"/>
+                            </p:stCondLst>
+                            <p:childTnLst>
+                              <p:par>
+                                <p:cTn id="13" presetID="1" presetClass="entr" presetSubtype="0" fill="hold" nodeType="clickEffect">
+                                  <p:stCondLst>
+                                    <p:cond delay="0"/>
+                                  </p:stCondLst>
+                                  <p:childTnLst>
+                                    <p:set>
+                                      <p:cBhvr>
+                                        <p:cTn id="14" dur="1" fill="hold">
+                                          <p:stCondLst>
+                                            <p:cond delay="0"/>
+                                          </p:stCondLst>
+                                        </p:cTn>
+                                        <p:tgtEl>
+                                          <p:spTgt spid="6">
+                                            <p:txEl>
+                                              <p:pRg st="1" end="1"/>
+                                            </p:txEl>
+                                          </p:spTgt>
+                                        </p:tgtEl>
+                                        <p:attrNameLst>
+                                          <p:attrName>style.visibility</p:attrName>
+                                        </p:attrNameLst>
+                                      </p:cBhvr>
+                                      <p:to>
+                                        <p:strVal val="visible"/>
+                                      </p:to>
+                                    </p:set>
+                                  </p:childTnLst>
+                                </p:cTn>
+                              </p:par>
+                            </p:childTnLst>
+                          </p:cTn>
+                        </p:par>
+                      </p:childTnLst>
+                    </p:cTn>
+                  </p:par>
+                  <p:par>
+                    <p:cTn id="15" fill="hold">
+                      <p:stCondLst>
+                        <p:cond delay="indefinite"/>
+                      </p:stCondLst>
+                      <p:childTnLst>
+                        <p:par>
+                          <p:cTn id="16" fill="hold">
+                            <p:stCondLst>
+                              <p:cond delay="0"/>
+                            </p:stCondLst>
+                            <p:childTnLst>
+                              <p:par>
+                                <p:cTn id="17" presetID="1" presetClass="entr" presetSubtype="0" fill="hold" nodeType="clickEffect">
+                                  <p:stCondLst>
+                                    <p:cond delay="0"/>
+                                  </p:stCondLst>
+                                  <p:childTnLst>
+                                    <p:set>
+                                      <p:cBhvr>
+                                        <p:cTn id="18" dur="1" fill="hold">
+                                          <p:stCondLst>
+                                            <p:cond delay="0"/>
+                                          </p:stCondLst>
+                                        </p:cTn>
+                                        <p:tgtEl>
+                                          <p:spTgt spid="6">
+                                            <p:txEl>
+                                              <p:pRg st="2" end="2"/>
+                                            </p:txEl>
+                                          </p:spTgt>
+                                        </p:tgtEl>
+                                        <p:attrNameLst>
+                                          <p:attrName>style.visibility</p:attrName>
+                                        </p:attrNameLst>
+                                      </p:cBhvr>
+                                      <p:to>
+                                        <p:strVal val="visible"/>
+                                      </p:to>
+                                    </p:set>
+                                  </p:childTnLst>
+                                </p:cTn>
+                              </p:par>
+                            </p:childTnLst>
+                          </p:cTn>
+                        </p:par>
+                      </p:childTnLst>
+                    </p:cTn>
+                  </p:par>
+                </p:childTnLst>
+              </p:cTn>
+              <p:prevCondLst>
+                <p:cond evt="onPrev" delay="0">
+                  <p:tgtEl>
+                    <p:sldTgt/>
+                  </p:tgtEl>
+                </p:cond>
+              </p:prevCondLst>
+              <p:nextCondLst>
+                <p:cond evt="onNext" delay="0">
+                  <p:tgtEl>
+                    <p:sldTgt/>
+                  </p:tgtEl>
+                </p:cond>
+              </p:nextCondLst>
+            </p:seq>
+          </p:childTnLst>
+        </p:cTn>
+      </p:par>
+    </p:tnLst>
+  </p:timing>
+</p:sld>
+</file>
+
+<file path=ppt/slides/slide3.xml><?xml version="1.0" encoding="utf-8"?>
+<p:sld xmlns:a="http://schemas.openxmlformats.org/drawingml/2006/main" xmlns:r="http://schemas.openxmlformats.org/officeDocument/2006/relationships" xmlns:p="http://schemas.openxmlformats.org/presentationml/2006/main">
+  <p:cSld>
+    <p:spTree>
+      <p:nvGrpSpPr>
+        <p:cNvPr id="1" name=""/>
+        <p:cNvGrpSpPr/>
+        <p:nvPr/>
+      </p:nvGrpSpPr>
+      <p:grpSpPr>
+        <a:xfrm>
+          <a:off x="0" y="0"/>
+          <a:ext cx="0" cy="0"/>
+          <a:chOff x="0" y="0"/>
+          <a:chExt cx="0" cy="0"/>
+        </a:xfrm>
+      </p:grpSpPr>
+      <p:sp>
+        <p:nvSpPr>
+          <p:cNvPr id="2" name="Titel 1">
+            <a:extLst>
+              <a:ext uri="{FF2B5EF4-FFF2-40B4-BE49-F238E27FC236}">
+                <a16:creationId xmlns:a16="http://schemas.microsoft.com/office/drawing/2014/main" id="{61691926-9E76-A14D-77E0-1D9FD89000FF}"/>
+              </a:ext>
+            </a:extLst>
+          </p:cNvPr>
+          <p:cNvSpPr>
+            <a:spLocks noGrp="1"/>
+          </p:cNvSpPr>
+          <p:nvPr>
+            <p:ph type="title"/>
+          </p:nvPr>
+        </p:nvSpPr>
+        <p:spPr/>
+        <p:txBody>
+          <a:bodyPr/>
+          <a:lstStyle/>
+          <a:p>
+            <a:r>
+              <a:rPr lang="de-DE" dirty="0"/>
+              <a:t>Aufgabe 1.2</a:t>
+            </a:r>
+          </a:p>
+        </p:txBody>
+      </p:sp>
+      <mc:AlternateContent xmlns:mc="http://schemas.openxmlformats.org/markup-compatibility/2006">
+        <mc:Choice xmlns:a14="http://schemas.microsoft.com/office/drawing/2010/main" Requires="a14">
+          <p:graphicFrame>
+            <p:nvGraphicFramePr>
+              <p:cNvPr id="4" name="Inhaltsplatzhalter 3">
+                <a:extLst>
+                  <a:ext uri="{FF2B5EF4-FFF2-40B4-BE49-F238E27FC236}">
+                    <a16:creationId xmlns:a16="http://schemas.microsoft.com/office/drawing/2014/main" id="{64B3C915-26EC-64D1-934B-ECD91534D7CD}"/>
+                  </a:ext>
+                </a:extLst>
+              </p:cNvPr>
+              <p:cNvGraphicFramePr>
+                <a:graphicFrameLocks noGrp="1"/>
+              </p:cNvGraphicFramePr>
+              <p:nvPr>
+                <p:ph idx="1"/>
+                <p:extLst>
+                  <p:ext uri="{D42A27DB-BD31-4B8C-83A1-F6EECF244321}">
+                    <p14:modId xmlns:p14="http://schemas.microsoft.com/office/powerpoint/2010/main" val="3776702303"/>
+                  </p:ext>
+                </p:extLst>
+              </p:nvPr>
+            </p:nvGraphicFramePr>
+            <p:xfrm>
+              <a:off x="809625" y="1773238"/>
+              <a:ext cx="10580688" cy="1854200"/>
+            </p:xfrm>
+            <a:graphic>
+              <a:graphicData uri="http://schemas.openxmlformats.org/drawingml/2006/table">
+                <a:tbl>
+                  <a:tblPr firstRow="1" bandRow="1">
+                    <a:tableStyleId>{00A15C55-8517-42AA-B614-E9B94910E393}</a:tableStyleId>
+                  </a:tblPr>
+                  <a:tblGrid>
+                    <a:gridCol w="3526896">
+                      <a:extLst>
+                        <a:ext uri="{9D8B030D-6E8A-4147-A177-3AD203B41FA5}">
+                          <a16:colId xmlns:a16="http://schemas.microsoft.com/office/drawing/2014/main" val="1652158833"/>
+                        </a:ext>
+                      </a:extLst>
+                    </a:gridCol>
+                    <a:gridCol w="3526896">
+                      <a:extLst>
+                        <a:ext uri="{9D8B030D-6E8A-4147-A177-3AD203B41FA5}">
+                          <a16:colId xmlns:a16="http://schemas.microsoft.com/office/drawing/2014/main" val="2374642796"/>
+                        </a:ext>
+                      </a:extLst>
+                    </a:gridCol>
+                    <a:gridCol w="3526896">
+                      <a:extLst>
+                        <a:ext uri="{9D8B030D-6E8A-4147-A177-3AD203B41FA5}">
+                          <a16:colId xmlns:a16="http://schemas.microsoft.com/office/drawing/2014/main" val="4173493018"/>
+                        </a:ext>
+                      </a:extLst>
+                    </a:gridCol>
+                  </a:tblGrid>
+                  <a:tr h="370840">
+                    <a:tc>
+                      <a:txBody>
+                        <a:bodyPr/>
+                        <a:lstStyle/>
+                        <a:p>
+                          <a:r>
+                            <a:rPr lang="de-DE" dirty="0"/>
+                            <a:t>A</a:t>
+                          </a:r>
+                        </a:p>
+                      </a:txBody>
+                      <a:tcPr/>
+                    </a:tc>
+                    <a:tc>
+                      <a:txBody>
+                        <a:bodyPr/>
+                        <a:lstStyle/>
+                        <a:p>
+                          <a:r>
+                            <a:rPr lang="de-DE" dirty="0"/>
+                            <a:t>Relation</a:t>
+                          </a:r>
+                        </a:p>
+                      </a:txBody>
+                      <a:tcPr/>
+                    </a:tc>
+                    <a:tc>
+                      <a:txBody>
+                        <a:bodyPr/>
+                        <a:lstStyle/>
+                        <a:p>
+                          <a:r>
+                            <a:rPr lang="de-DE" dirty="0"/>
+                            <a:t>B</a:t>
+                          </a:r>
+                        </a:p>
+                      </a:txBody>
+                      <a:tcPr/>
+                    </a:tc>
+                    <a:extLst>
+                      <a:ext uri="{0D108BD9-81ED-4DB2-BD59-A6C34878D82A}">
+                        <a16:rowId xmlns:a16="http://schemas.microsoft.com/office/drawing/2014/main" val="1625499165"/>
+                      </a:ext>
+                    </a:extLst>
+                  </a:tr>
+                  <a:tr h="370840">
+                    <a:tc>
+                      <a:txBody>
+                        <a:bodyPr/>
+                        <a:lstStyle/>
+                        <a:p>
+                          <a14:m>
+                            <m:oMathPara xmlns:m="http://schemas.openxmlformats.org/officeDocument/2006/math">
+                              <m:oMathParaPr>
+                                <m:jc m:val="centerGroup"/>
+                              </m:oMathParaPr>
+                              <m:oMath xmlns:m="http://schemas.openxmlformats.org/officeDocument/2006/math">
+                                <m:sSub>
+                                  <m:sSubPr>
+                                    <m:ctrlPr>
+                                      <a:rPr lang="de-DE" i="1" smtClean="0">
+                                        <a:latin typeface="Cambria Math" panose="02040503050406030204" pitchFamily="18" charset="0"/>
+                                      </a:rPr>
+                                    </m:ctrlPr>
+                                  </m:sSubPr>
+                                  <m:e>
+                                    <m:r>
+                                      <a:rPr lang="de-DE" b="0" i="1" smtClean="0">
+                                        <a:latin typeface="Cambria Math" panose="02040503050406030204" pitchFamily="18" charset="0"/>
+                                      </a:rPr>
+                                      <m:t>88</m:t>
+                                    </m:r>
+                                  </m:e>
+                                  <m:sub>
+                                    <m:r>
+                                      <a:rPr lang="de-DE" b="0" i="1" smtClean="0">
+                                        <a:latin typeface="Cambria Math" panose="02040503050406030204" pitchFamily="18" charset="0"/>
+                                      </a:rPr>
+                                      <m:t>10</m:t>
+                                    </m:r>
+                                  </m:sub>
+                                </m:sSub>
+                              </m:oMath>
+                            </m:oMathPara>
+                          </a14:m>
+                          <a:endParaRPr lang="de-DE" dirty="0"/>
+                        </a:p>
+                      </a:txBody>
+                      <a:tcPr/>
+                    </a:tc>
+                    <a:tc>
+                      <a:txBody>
+                        <a:bodyPr/>
+                        <a:lstStyle/>
+                        <a:p>
+                          <a:pPr algn="ctr"/>
+                          <a:r>
+                            <a:rPr lang="de-DE" dirty="0"/>
+                            <a:t>&gt;</a:t>
+                          </a:r>
+                        </a:p>
+                      </a:txBody>
+                      <a:tcPr/>
+                    </a:tc>
+                    <a:tc>
+                      <a:txBody>
+                        <a:bodyPr/>
+                        <a:lstStyle/>
+                        <a:p>
+                          <a14:m>
+                            <m:oMathPara xmlns:m="http://schemas.openxmlformats.org/officeDocument/2006/math">
+                              <m:oMathParaPr>
+                                <m:jc m:val="centerGroup"/>
+                              </m:oMathParaPr>
+                              <m:oMath xmlns:m="http://schemas.openxmlformats.org/officeDocument/2006/math">
+                                <m:sSub>
+                                  <m:sSubPr>
+                                    <m:ctrlPr>
+                                      <a:rPr lang="de-DE" i="1" smtClean="0">
+                                        <a:latin typeface="Cambria Math" panose="02040503050406030204" pitchFamily="18" charset="0"/>
+                                      </a:rPr>
+                                    </m:ctrlPr>
+                                  </m:sSubPr>
+                                  <m:e>
+                                    <m:r>
+                                      <a:rPr lang="de-DE" b="0" i="1" smtClean="0">
+                                        <a:latin typeface="Cambria Math" panose="02040503050406030204" pitchFamily="18" charset="0"/>
+                                      </a:rPr>
+                                      <m:t>88</m:t>
+                                    </m:r>
+                                  </m:e>
+                                  <m:sub>
+                                    <m:r>
+                                      <a:rPr lang="de-DE" b="0" i="1" smtClean="0">
+                                        <a:latin typeface="Cambria Math" panose="02040503050406030204" pitchFamily="18" charset="0"/>
+                                      </a:rPr>
+                                      <m:t>16</m:t>
+                                    </m:r>
+                                  </m:sub>
+                                </m:sSub>
+                              </m:oMath>
+                            </m:oMathPara>
+                          </a14:m>
+                          <a:endParaRPr lang="de-DE" dirty="0"/>
+                        </a:p>
+                      </a:txBody>
+                      <a:tcPr/>
+                    </a:tc>
+                    <a:extLst>
+                      <a:ext uri="{0D108BD9-81ED-4DB2-BD59-A6C34878D82A}">
+                        <a16:rowId xmlns:a16="http://schemas.microsoft.com/office/drawing/2014/main" val="476797659"/>
+                      </a:ext>
+                    </a:extLst>
+                  </a:tr>
+                  <a:tr h="370840">
+                    <a:tc>
+                      <a:txBody>
+                        <a:bodyPr/>
+                        <a:lstStyle/>
+                        <a:p>
+                          <a14:m>
+                            <m:oMathPara xmlns:m="http://schemas.openxmlformats.org/officeDocument/2006/math">
+                              <m:oMathParaPr>
+                                <m:jc m:val="centerGroup"/>
+                              </m:oMathParaPr>
+                              <m:oMath xmlns:m="http://schemas.openxmlformats.org/officeDocument/2006/math">
+                                <m:sSub>
+                                  <m:sSubPr>
+                                    <m:ctrlPr>
+                                      <a:rPr lang="de-DE" i="1" smtClean="0">
+                                        <a:latin typeface="Cambria Math" panose="02040503050406030204" pitchFamily="18" charset="0"/>
+                                      </a:rPr>
+                                    </m:ctrlPr>
+                                  </m:sSubPr>
+                                  <m:e>
+                                    <m:r>
+                                      <a:rPr lang="de-DE" b="0" i="1" smtClean="0">
+                                        <a:latin typeface="Cambria Math" panose="02040503050406030204" pitchFamily="18" charset="0"/>
+                                      </a:rPr>
+                                      <m:t>76</m:t>
+                                    </m:r>
+                                  </m:e>
+                                  <m:sub>
+                                    <m:r>
+                                      <a:rPr lang="de-DE" b="0" i="1" smtClean="0">
+                                        <a:latin typeface="Cambria Math" panose="02040503050406030204" pitchFamily="18" charset="0"/>
+                                      </a:rPr>
+                                      <m:t>10</m:t>
+                                    </m:r>
+                                  </m:sub>
+                                </m:sSub>
+                              </m:oMath>
+                            </m:oMathPara>
+                          </a14:m>
+                          <a:endParaRPr lang="de-DE" dirty="0"/>
+                        </a:p>
+                      </a:txBody>
+                      <a:tcPr/>
+                    </a:tc>
+                    <a:tc>
+                      <a:txBody>
+                        <a:bodyPr/>
+                        <a:lstStyle/>
+                        <a:p>
+                          <a:pPr algn="ctr"/>
+                          <a:r>
+                            <a:rPr lang="de-DE" dirty="0"/>
+                            <a:t> &lt;</a:t>
+                          </a:r>
+                        </a:p>
+                      </a:txBody>
+                      <a:tcPr/>
+                    </a:tc>
+                    <a:tc>
+                      <a:txBody>
+                        <a:bodyPr/>
+                        <a:lstStyle/>
+                        <a:p>
+                          <a14:m>
+                            <m:oMathPara xmlns:m="http://schemas.openxmlformats.org/officeDocument/2006/math">
+                              <m:oMathParaPr>
+                                <m:jc m:val="centerGroup"/>
+                              </m:oMathParaPr>
+                              <m:oMath xmlns:m="http://schemas.openxmlformats.org/officeDocument/2006/math">
+                                <m:sSub>
+                                  <m:sSubPr>
+                                    <m:ctrlPr>
+                                      <a:rPr lang="de-DE" i="1" smtClean="0">
+                                        <a:latin typeface="Cambria Math" panose="02040503050406030204" pitchFamily="18" charset="0"/>
+                                      </a:rPr>
+                                    </m:ctrlPr>
+                                  </m:sSubPr>
+                                  <m:e>
+                                    <m:r>
+                                      <a:rPr lang="de-DE" b="0" i="1" smtClean="0">
+                                        <a:latin typeface="Cambria Math" panose="02040503050406030204" pitchFamily="18" charset="0"/>
+                                      </a:rPr>
+                                      <m:t>122</m:t>
+                                    </m:r>
+                                  </m:e>
+                                  <m:sub>
+                                    <m:r>
+                                      <a:rPr lang="de-DE" b="0" i="1" smtClean="0">
+                                        <a:latin typeface="Cambria Math" panose="02040503050406030204" pitchFamily="18" charset="0"/>
+                                      </a:rPr>
+                                      <m:t>8</m:t>
+                                    </m:r>
+                                  </m:sub>
+                                </m:sSub>
+                              </m:oMath>
+                            </m:oMathPara>
+                          </a14:m>
+                          <a:endParaRPr lang="de-DE" dirty="0"/>
+                        </a:p>
+                      </a:txBody>
+                      <a:tcPr/>
+                    </a:tc>
+                    <a:extLst>
+                      <a:ext uri="{0D108BD9-81ED-4DB2-BD59-A6C34878D82A}">
+                        <a16:rowId xmlns:a16="http://schemas.microsoft.com/office/drawing/2014/main" val="1703270876"/>
+                      </a:ext>
+                    </a:extLst>
+                  </a:tr>
+                  <a:tr h="370840">
+                    <a:tc>
+                      <a:txBody>
+                        <a:bodyPr/>
+                        <a:lstStyle/>
+                        <a:p>
+                          <a14:m>
+                            <m:oMathPara xmlns:m="http://schemas.openxmlformats.org/officeDocument/2006/math">
+                              <m:oMathParaPr>
+                                <m:jc m:val="centerGroup"/>
+                              </m:oMathParaPr>
+                              <m:oMath xmlns:m="http://schemas.openxmlformats.org/officeDocument/2006/math">
+                                <m:sSub>
+                                  <m:sSubPr>
+                                    <m:ctrlPr>
+                                      <a:rPr lang="de-DE" i="1" smtClean="0">
+                                        <a:latin typeface="Cambria Math" panose="02040503050406030204" pitchFamily="18" charset="0"/>
+                                      </a:rPr>
+                                    </m:ctrlPr>
+                                  </m:sSubPr>
+                                  <m:e>
+                                    <m:r>
+                                      <a:rPr lang="de-DE" b="0" i="1" smtClean="0">
+                                        <a:latin typeface="Cambria Math" panose="02040503050406030204" pitchFamily="18" charset="0"/>
+                                      </a:rPr>
+                                      <m:t>𝐴𝐶</m:t>
+                                    </m:r>
+                                    <m:r>
+                                      <a:rPr lang="de-DE" b="0" i="1" smtClean="0">
+                                        <a:latin typeface="Cambria Math" panose="02040503050406030204" pitchFamily="18" charset="0"/>
+                                      </a:rPr>
+                                      <m:t>4</m:t>
+                                    </m:r>
+                                  </m:e>
+                                  <m:sub>
+                                    <m:r>
+                                      <a:rPr lang="de-DE" b="0" i="1" smtClean="0">
+                                        <a:latin typeface="Cambria Math" panose="02040503050406030204" pitchFamily="18" charset="0"/>
+                                      </a:rPr>
+                                      <m:t>1</m:t>
+                                    </m:r>
+                                    <m:r>
+                                      <a:rPr lang="de-DE" b="0" i="1" smtClean="0">
+                                        <a:latin typeface="Cambria Math" panose="02040503050406030204" pitchFamily="18" charset="0"/>
+                                      </a:rPr>
+                                      <m:t>6</m:t>
+                                    </m:r>
+                                  </m:sub>
+                                </m:sSub>
+                              </m:oMath>
+                            </m:oMathPara>
+                          </a14:m>
+                          <a:endParaRPr lang="de-DE" dirty="0"/>
+                        </a:p>
+                      </a:txBody>
+                      <a:tcPr/>
+                    </a:tc>
+                    <a:tc>
+                      <a:txBody>
+                        <a:bodyPr/>
+                        <a:lstStyle/>
+                        <a:p>
+                          <a:pPr algn="ctr"/>
+                          <a:r>
+                            <a:rPr lang="de-DE" dirty="0"/>
+                            <a:t>=</a:t>
+                          </a:r>
+                        </a:p>
+                      </a:txBody>
+                      <a:tcPr/>
+                    </a:tc>
+                    <a:tc>
+                      <a:txBody>
+                        <a:bodyPr/>
+                        <a:lstStyle/>
+                        <a:p>
+                          <a14:m>
+                            <m:oMathPara xmlns:m="http://schemas.openxmlformats.org/officeDocument/2006/math">
+                              <m:oMathParaPr>
+                                <m:jc m:val="centerGroup"/>
+                              </m:oMathParaPr>
+                              <m:oMath xmlns:m="http://schemas.openxmlformats.org/officeDocument/2006/math">
+                                <m:sSub>
+                                  <m:sSubPr>
+                                    <m:ctrlPr>
+                                      <a:rPr lang="de-DE" i="1" smtClean="0">
+                                        <a:latin typeface="Cambria Math" panose="02040503050406030204" pitchFamily="18" charset="0"/>
+                                      </a:rPr>
+                                    </m:ctrlPr>
+                                  </m:sSubPr>
+                                  <m:e>
+                                    <m:r>
+                                      <a:rPr lang="de-DE" b="0" i="1" smtClean="0">
+                                        <a:latin typeface="Cambria Math" panose="02040503050406030204" pitchFamily="18" charset="0"/>
+                                      </a:rPr>
+                                      <m:t>101011000100</m:t>
+                                    </m:r>
+                                  </m:e>
+                                  <m:sub>
+                                    <m:r>
+                                      <a:rPr lang="de-DE" b="0" i="1" smtClean="0">
+                                        <a:latin typeface="Cambria Math" panose="02040503050406030204" pitchFamily="18" charset="0"/>
+                                      </a:rPr>
+                                      <m:t>2</m:t>
+                                    </m:r>
+                                  </m:sub>
+                                </m:sSub>
+                              </m:oMath>
+                            </m:oMathPara>
+                          </a14:m>
+                          <a:endParaRPr lang="de-DE" dirty="0"/>
+                        </a:p>
+                      </a:txBody>
+                      <a:tcPr/>
+                    </a:tc>
+                    <a:extLst>
+                      <a:ext uri="{0D108BD9-81ED-4DB2-BD59-A6C34878D82A}">
+                        <a16:rowId xmlns:a16="http://schemas.microsoft.com/office/drawing/2014/main" val="2818478599"/>
+                      </a:ext>
+                    </a:extLst>
+                  </a:tr>
+                  <a:tr h="370840">
+                    <a:tc>
+                      <a:txBody>
+                        <a:bodyPr/>
+                        <a:lstStyle/>
+                        <a:p>
+                          <a14:m>
+                            <m:oMathPara xmlns:m="http://schemas.openxmlformats.org/officeDocument/2006/math">
+                              <m:oMathParaPr>
+                                <m:jc m:val="centerGroup"/>
+                              </m:oMathParaPr>
+                              <m:oMath xmlns:m="http://schemas.openxmlformats.org/officeDocument/2006/math">
+                                <m:sSub>
+                                  <m:sSubPr>
+                                    <m:ctrlPr>
+                                      <a:rPr lang="de-DE" i="1" smtClean="0">
+                                        <a:latin typeface="Cambria Math" panose="02040503050406030204" pitchFamily="18" charset="0"/>
+                                      </a:rPr>
+                                    </m:ctrlPr>
+                                  </m:sSubPr>
+                                  <m:e>
+                                    <m:r>
+                                      <a:rPr lang="de-DE" b="0" i="1" smtClean="0">
+                                        <a:latin typeface="Cambria Math" panose="02040503050406030204" pitchFamily="18" charset="0"/>
+                                      </a:rPr>
+                                      <m:t>6</m:t>
+                                    </m:r>
+                                    <m:r>
+                                      <a:rPr lang="de-DE" b="0" i="1" smtClean="0">
+                                        <a:latin typeface="Cambria Math" panose="02040503050406030204" pitchFamily="18" charset="0"/>
+                                      </a:rPr>
+                                      <m:t>6</m:t>
+                                    </m:r>
+                                  </m:e>
+                                  <m:sub>
+                                    <m:r>
+                                      <a:rPr lang="de-DE" b="0" i="1" smtClean="0">
+                                        <a:latin typeface="Cambria Math" panose="02040503050406030204" pitchFamily="18" charset="0"/>
+                                      </a:rPr>
+                                      <m:t>8</m:t>
+                                    </m:r>
+                                  </m:sub>
+                                </m:sSub>
+                              </m:oMath>
+                            </m:oMathPara>
+                          </a14:m>
+                          <a:endParaRPr lang="de-DE" dirty="0"/>
+                        </a:p>
+                      </a:txBody>
+                      <a:tcPr/>
+                    </a:tc>
+                    <a:tc>
+                      <a:txBody>
+                        <a:bodyPr/>
+                        <a:lstStyle/>
+                        <a:p>
+                          <a:pPr algn="ctr"/>
+                          <a:r>
+                            <a:rPr lang="de-DE" dirty="0"/>
+                            <a:t>&gt;</a:t>
+                          </a:r>
+                        </a:p>
+                      </a:txBody>
+                      <a:tcPr/>
+                    </a:tc>
+                    <a:tc>
+                      <a:txBody>
+                        <a:bodyPr/>
+                        <a:lstStyle/>
+                        <a:p>
+                          <a14:m>
+                            <m:oMathPara xmlns:m="http://schemas.openxmlformats.org/officeDocument/2006/math">
+                              <m:oMathParaPr>
+                                <m:jc m:val="centerGroup"/>
+                              </m:oMathParaPr>
+                              <m:oMath xmlns:m="http://schemas.openxmlformats.org/officeDocument/2006/math">
+                                <m:sSub>
+                                  <m:sSubPr>
+                                    <m:ctrlPr>
+                                      <a:rPr lang="de-DE" i="1" smtClean="0">
+                                        <a:latin typeface="Cambria Math" panose="02040503050406030204" pitchFamily="18" charset="0"/>
+                                      </a:rPr>
+                                    </m:ctrlPr>
+                                  </m:sSubPr>
+                                  <m:e>
+                                    <m:r>
+                                      <a:rPr lang="de-DE" b="0" i="1" smtClean="0">
+                                        <a:latin typeface="Cambria Math" panose="02040503050406030204" pitchFamily="18" charset="0"/>
+                                      </a:rPr>
+                                      <m:t>33</m:t>
+                                    </m:r>
+                                  </m:e>
+                                  <m:sub>
+                                    <m:r>
+                                      <a:rPr lang="de-DE" b="0" i="1" smtClean="0">
+                                        <a:latin typeface="Cambria Math" panose="02040503050406030204" pitchFamily="18" charset="0"/>
+                                      </a:rPr>
+                                      <m:t>16</m:t>
+                                    </m:r>
+                                  </m:sub>
+                                </m:sSub>
+                              </m:oMath>
+                            </m:oMathPara>
+                          </a14:m>
+                          <a:endParaRPr lang="de-DE" dirty="0"/>
+                        </a:p>
+                      </a:txBody>
+                      <a:tcPr/>
+                    </a:tc>
+                    <a:extLst>
+                      <a:ext uri="{0D108BD9-81ED-4DB2-BD59-A6C34878D82A}">
+                        <a16:rowId xmlns:a16="http://schemas.microsoft.com/office/drawing/2014/main" val="216001238"/>
+                      </a:ext>
+                    </a:extLst>
+                  </a:tr>
+                </a:tbl>
+              </a:graphicData>
+            </a:graphic>
+          </p:graphicFrame>
+        </mc:Choice>
+        <mc:Fallback>
+          <p:graphicFrame>
+            <p:nvGraphicFramePr>
+              <p:cNvPr id="4" name="Inhaltsplatzhalter 3">
+                <a:extLst>
+                  <a:ext uri="{FF2B5EF4-FFF2-40B4-BE49-F238E27FC236}">
+                    <a16:creationId xmlns:a16="http://schemas.microsoft.com/office/drawing/2014/main" id="{64B3C915-26EC-64D1-934B-ECD91534D7CD}"/>
+                  </a:ext>
+                </a:extLst>
+              </p:cNvPr>
+              <p:cNvGraphicFramePr>
+                <a:graphicFrameLocks noGrp="1"/>
+              </p:cNvGraphicFramePr>
+              <p:nvPr>
+                <p:ph idx="1"/>
+                <p:extLst>
+                  <p:ext uri="{D42A27DB-BD31-4B8C-83A1-F6EECF244321}">
+                    <p14:modId xmlns:p14="http://schemas.microsoft.com/office/powerpoint/2010/main" val="3776702303"/>
+                  </p:ext>
+                </p:extLst>
+              </p:nvPr>
+            </p:nvGraphicFramePr>
+            <p:xfrm>
+              <a:off x="809625" y="1773238"/>
+              <a:ext cx="10580688" cy="1854200"/>
+            </p:xfrm>
+            <a:graphic>
+              <a:graphicData uri="http://schemas.openxmlformats.org/drawingml/2006/table">
+                <a:tbl>
+                  <a:tblPr firstRow="1" bandRow="1">
+                    <a:tableStyleId>{00A15C55-8517-42AA-B614-E9B94910E393}</a:tableStyleId>
+                  </a:tblPr>
+                  <a:tblGrid>
+                    <a:gridCol w="3526896">
+                      <a:extLst>
+                        <a:ext uri="{9D8B030D-6E8A-4147-A177-3AD203B41FA5}">
+                          <a16:colId xmlns:a16="http://schemas.microsoft.com/office/drawing/2014/main" val="1652158833"/>
+                        </a:ext>
+                      </a:extLst>
+                    </a:gridCol>
+                    <a:gridCol w="3526896">
+                      <a:extLst>
+                        <a:ext uri="{9D8B030D-6E8A-4147-A177-3AD203B41FA5}">
+                          <a16:colId xmlns:a16="http://schemas.microsoft.com/office/drawing/2014/main" val="2374642796"/>
+                        </a:ext>
+                      </a:extLst>
+                    </a:gridCol>
+                    <a:gridCol w="3526896">
+                      <a:extLst>
+                        <a:ext uri="{9D8B030D-6E8A-4147-A177-3AD203B41FA5}">
+                          <a16:colId xmlns:a16="http://schemas.microsoft.com/office/drawing/2014/main" val="4173493018"/>
+                        </a:ext>
+                      </a:extLst>
+                    </a:gridCol>
+                  </a:tblGrid>
+                  <a:tr h="370840">
+                    <a:tc>
+                      <a:txBody>
+                        <a:bodyPr/>
+                        <a:lstStyle/>
+                        <a:p>
+                          <a:r>
+                            <a:rPr lang="de-DE" dirty="0"/>
+                            <a:t>A</a:t>
+                          </a:r>
+                        </a:p>
+                      </a:txBody>
+                      <a:tcPr/>
+                    </a:tc>
+                    <a:tc>
+                      <a:txBody>
+                        <a:bodyPr/>
+                        <a:lstStyle/>
+                        <a:p>
+                          <a:r>
+                            <a:rPr lang="de-DE" dirty="0"/>
+                            <a:t>Relation</a:t>
+                          </a:r>
+                        </a:p>
+                      </a:txBody>
+                      <a:tcPr/>
+                    </a:tc>
+                    <a:tc>
+                      <a:txBody>
+                        <a:bodyPr/>
+                        <a:lstStyle/>
+                        <a:p>
+                          <a:r>
+                            <a:rPr lang="de-DE" dirty="0"/>
+                            <a:t>B</a:t>
+                          </a:r>
+                        </a:p>
+                      </a:txBody>
+                      <a:tcPr/>
+                    </a:tc>
+                    <a:extLst>
+                      <a:ext uri="{0D108BD9-81ED-4DB2-BD59-A6C34878D82A}">
+                        <a16:rowId xmlns:a16="http://schemas.microsoft.com/office/drawing/2014/main" val="1625499165"/>
+                      </a:ext>
+                    </a:extLst>
+                  </a:tr>
+                  <a:tr h="370840">
+                    <a:tc>
+                      <a:txBody>
+                        <a:bodyPr/>
+                        <a:lstStyle/>
+                        <a:p>
+                          <a:endParaRPr lang="de-DE"/>
+                        </a:p>
+                      </a:txBody>
+                      <a:tcPr>
+                        <a:blipFill>
+                          <a:blip r:embed="rId2"/>
+                          <a:stretch>
+                            <a:fillRect l="-173" t="-108197" r="-200691" b="-324590"/>
+                          </a:stretch>
+                        </a:blipFill>
+                      </a:tcPr>
+                    </a:tc>
+                    <a:tc>
+                      <a:txBody>
+                        <a:bodyPr/>
+                        <a:lstStyle/>
+                        <a:p>
+                          <a:pPr algn="ctr"/>
+                          <a:r>
+                            <a:rPr lang="de-DE" dirty="0"/>
+                            <a:t>&gt;</a:t>
+                          </a:r>
+                        </a:p>
+                      </a:txBody>
+                      <a:tcPr/>
+                    </a:tc>
+                    <a:tc>
+                      <a:txBody>
+                        <a:bodyPr/>
+                        <a:lstStyle/>
+                        <a:p>
+                          <a:endParaRPr lang="de-DE"/>
+                        </a:p>
+                      </a:txBody>
+                      <a:tcPr>
+                        <a:blipFill>
+                          <a:blip r:embed="rId2"/>
+                          <a:stretch>
+                            <a:fillRect l="-200173" t="-108197" r="-691" b="-324590"/>
+                          </a:stretch>
+                        </a:blipFill>
+                      </a:tcPr>
+                    </a:tc>
+                    <a:extLst>
+                      <a:ext uri="{0D108BD9-81ED-4DB2-BD59-A6C34878D82A}">
+                        <a16:rowId xmlns:a16="http://schemas.microsoft.com/office/drawing/2014/main" val="476797659"/>
+                      </a:ext>
+                    </a:extLst>
+                  </a:tr>
+                  <a:tr h="370840">
+                    <a:tc>
+                      <a:txBody>
+                        <a:bodyPr/>
+                        <a:lstStyle/>
+                        <a:p>
+                          <a:endParaRPr lang="de-DE"/>
+                        </a:p>
+                      </a:txBody>
+                      <a:tcPr>
+                        <a:blipFill>
+                          <a:blip r:embed="rId2"/>
+                          <a:stretch>
+                            <a:fillRect l="-173" t="-204839" r="-200691" b="-219355"/>
+                          </a:stretch>
+                        </a:blipFill>
+                      </a:tcPr>
+                    </a:tc>
+                    <a:tc>
+                      <a:txBody>
+                        <a:bodyPr/>
+                        <a:lstStyle/>
+                        <a:p>
+                          <a:pPr algn="ctr"/>
+                          <a:r>
+                            <a:rPr lang="de-DE" dirty="0"/>
+                            <a:t> &lt;</a:t>
+                          </a:r>
+                        </a:p>
+                      </a:txBody>
+                      <a:tcPr/>
+                    </a:tc>
+                    <a:tc>
+                      <a:txBody>
+                        <a:bodyPr/>
+                        <a:lstStyle/>
+                        <a:p>
+                          <a:endParaRPr lang="de-DE"/>
+                        </a:p>
+                      </a:txBody>
+                      <a:tcPr>
+                        <a:blipFill>
+                          <a:blip r:embed="rId2"/>
+                          <a:stretch>
+                            <a:fillRect l="-200173" t="-204839" r="-691" b="-219355"/>
+                          </a:stretch>
+                        </a:blipFill>
+                      </a:tcPr>
+                    </a:tc>
+                    <a:extLst>
+                      <a:ext uri="{0D108BD9-81ED-4DB2-BD59-A6C34878D82A}">
+                        <a16:rowId xmlns:a16="http://schemas.microsoft.com/office/drawing/2014/main" val="1703270876"/>
+                      </a:ext>
+                    </a:extLst>
+                  </a:tr>
+                  <a:tr h="370840">
+                    <a:tc>
+                      <a:txBody>
+                        <a:bodyPr/>
+                        <a:lstStyle/>
+                        <a:p>
+                          <a:endParaRPr lang="de-DE"/>
+                        </a:p>
+                      </a:txBody>
+                      <a:tcPr>
+                        <a:blipFill>
+                          <a:blip r:embed="rId2"/>
+                          <a:stretch>
+                            <a:fillRect l="-173" t="-309836" r="-200691" b="-122951"/>
+                          </a:stretch>
+                        </a:blipFill>
+                      </a:tcPr>
+                    </a:tc>
+                    <a:tc>
+                      <a:txBody>
+                        <a:bodyPr/>
+                        <a:lstStyle/>
+                        <a:p>
+                          <a:pPr algn="ctr"/>
+                          <a:r>
+                            <a:rPr lang="de-DE" dirty="0"/>
+                            <a:t>=</a:t>
+                          </a:r>
+                        </a:p>
+                      </a:txBody>
+                      <a:tcPr/>
+                    </a:tc>
+                    <a:tc>
+                      <a:txBody>
+                        <a:bodyPr/>
+                        <a:lstStyle/>
+                        <a:p>
+                          <a:endParaRPr lang="de-DE"/>
+                        </a:p>
+                      </a:txBody>
+                      <a:tcPr>
+                        <a:blipFill>
+                          <a:blip r:embed="rId2"/>
+                          <a:stretch>
+                            <a:fillRect l="-200173" t="-309836" r="-691" b="-122951"/>
+                          </a:stretch>
+                        </a:blipFill>
+                      </a:tcPr>
+                    </a:tc>
+                    <a:extLst>
+                      <a:ext uri="{0D108BD9-81ED-4DB2-BD59-A6C34878D82A}">
+                        <a16:rowId xmlns:a16="http://schemas.microsoft.com/office/drawing/2014/main" val="2818478599"/>
+                      </a:ext>
+                    </a:extLst>
+                  </a:tr>
+                  <a:tr h="370840">
+                    <a:tc>
+                      <a:txBody>
+                        <a:bodyPr/>
+                        <a:lstStyle/>
+                        <a:p>
+                          <a:endParaRPr lang="de-DE"/>
+                        </a:p>
+                      </a:txBody>
+                      <a:tcPr>
+                        <a:blipFill>
+                          <a:blip r:embed="rId2"/>
+                          <a:stretch>
+                            <a:fillRect l="-173" t="-409836" r="-200691" b="-22951"/>
+                          </a:stretch>
+                        </a:blipFill>
+                      </a:tcPr>
+                    </a:tc>
+                    <a:tc>
+                      <a:txBody>
+                        <a:bodyPr/>
+                        <a:lstStyle/>
+                        <a:p>
+                          <a:pPr algn="ctr"/>
+                          <a:r>
+                            <a:rPr lang="de-DE" dirty="0"/>
+                            <a:t>&gt;</a:t>
+                          </a:r>
+                        </a:p>
+                      </a:txBody>
+                      <a:tcPr/>
+                    </a:tc>
+                    <a:tc>
+                      <a:txBody>
+                        <a:bodyPr/>
+                        <a:lstStyle/>
+                        <a:p>
+                          <a:endParaRPr lang="de-DE"/>
+                        </a:p>
+                      </a:txBody>
+                      <a:tcPr>
+                        <a:blipFill>
+                          <a:blip r:embed="rId2"/>
+                          <a:stretch>
+                            <a:fillRect l="-200173" t="-409836" r="-691" b="-22951"/>
+                          </a:stretch>
+                        </a:blipFill>
+                      </a:tcPr>
+                    </a:tc>
+                    <a:extLst>
+                      <a:ext uri="{0D108BD9-81ED-4DB2-BD59-A6C34878D82A}">
+                        <a16:rowId xmlns:a16="http://schemas.microsoft.com/office/drawing/2014/main" val="216001238"/>
+                      </a:ext>
+                    </a:extLst>
+                  </a:tr>
+                </a:tbl>
+              </a:graphicData>
+            </a:graphic>
+          </p:graphicFrame>
+        </mc:Fallback>
+      </mc:AlternateContent>
+      <mc:AlternateContent xmlns:mc="http://schemas.openxmlformats.org/markup-compatibility/2006">
+        <mc:Choice xmlns:a14="http://schemas.microsoft.com/office/drawing/2010/main" Requires="a14">
+          <p:sp>
+            <p:nvSpPr>
+              <p:cNvPr id="5" name="Textfeld 4">
+                <a:extLst>
+                  <a:ext uri="{FF2B5EF4-FFF2-40B4-BE49-F238E27FC236}">
+                    <a16:creationId xmlns:a16="http://schemas.microsoft.com/office/drawing/2014/main" id="{93EBFF3E-187A-B009-AC56-79D7C676CBAA}"/>
+                  </a:ext>
+                </a:extLst>
+              </p:cNvPr>
+              <p:cNvSpPr txBox="1"/>
+              <p:nvPr/>
+            </p:nvSpPr>
+            <p:spPr>
+              <a:xfrm>
+                <a:off x="809625" y="4147457"/>
+                <a:ext cx="10580688" cy="1200329"/>
+              </a:xfrm>
+              <a:prstGeom prst="rect">
+                <a:avLst/>
+              </a:prstGeom>
+              <a:noFill/>
+            </p:spPr>
+            <p:txBody>
+              <a:bodyPr wrap="square" rtlCol="0">
+                <a:spAutoFit/>
+              </a:bodyPr>
+              <a:lstStyle/>
+              <a:p>
+                <a:pPr marL="342900" indent="-342900">
+                  <a:buFont typeface="+mj-lt"/>
+                  <a:buAutoNum type="arabicPeriod"/>
+                </a:pPr>
+                <a:r>
+                  <a:rPr lang="de-DE" dirty="0"/>
+                  <a:t>Bei der gleichen Zahl gewinnt die höhere Basis.</a:t>
+                </a:r>
+              </a:p>
+              <a:p>
+                <a:pPr marL="342900" indent="-342900">
+                  <a:buFont typeface="+mj-lt"/>
+                  <a:buAutoNum type="arabicPeriod"/>
+                </a:pPr>
+                <a14:m>
+                  <m:oMath xmlns:m="http://schemas.openxmlformats.org/officeDocument/2006/math">
+                    <m:sSub>
+                      <m:sSubPr>
+                        <m:ctrlPr>
+                          <a:rPr lang="de-DE" i="1">
+                            <a:latin typeface="Cambria Math" panose="02040503050406030204" pitchFamily="18" charset="0"/>
+                          </a:rPr>
+                        </m:ctrlPr>
+                      </m:sSubPr>
+                      <m:e>
+                        <m:r>
+                          <a:rPr lang="de-DE" i="1">
+                            <a:latin typeface="Cambria Math" panose="02040503050406030204" pitchFamily="18" charset="0"/>
+                          </a:rPr>
+                          <m:t>122</m:t>
+                        </m:r>
+                      </m:e>
+                      <m:sub>
+                        <m:r>
+                          <a:rPr lang="de-DE" i="1">
+                            <a:latin typeface="Cambria Math" panose="02040503050406030204" pitchFamily="18" charset="0"/>
+                          </a:rPr>
+                          <m:t>8</m:t>
+                        </m:r>
+                      </m:sub>
+                    </m:sSub>
+                    <m:r>
+                      <a:rPr lang="de-DE" b="0" i="1" smtClean="0">
+                        <a:latin typeface="Cambria Math" panose="02040503050406030204" pitchFamily="18" charset="0"/>
+                      </a:rPr>
+                      <m:t>=64+2 ∗8+1=81</m:t>
+                    </m:r>
+                  </m:oMath>
+                </a14:m>
+                <a:endParaRPr lang="de-DE" dirty="0"/>
+              </a:p>
+              <a:p>
+                <a:pPr marL="342900" indent="-342900">
+                  <a:buFont typeface="+mj-lt"/>
+                  <a:buAutoNum type="arabicPeriod"/>
+                </a:pPr>
+                <a14:m>
+                  <m:oMath xmlns:m="http://schemas.openxmlformats.org/officeDocument/2006/math">
+                    <m:sSub>
+                      <m:sSubPr>
+                        <m:ctrlPr>
+                          <a:rPr lang="de-DE" i="1">
+                            <a:latin typeface="Cambria Math" panose="02040503050406030204" pitchFamily="18" charset="0"/>
+                          </a:rPr>
+                        </m:ctrlPr>
+                      </m:sSubPr>
+                      <m:e>
+                        <m:r>
+                          <a:rPr lang="de-DE" i="1">
+                            <a:latin typeface="Cambria Math" panose="02040503050406030204" pitchFamily="18" charset="0"/>
+                          </a:rPr>
+                          <m:t>𝐴𝐶</m:t>
+                        </m:r>
+                        <m:r>
+                          <a:rPr lang="de-DE" i="1">
+                            <a:latin typeface="Cambria Math" panose="02040503050406030204" pitchFamily="18" charset="0"/>
+                          </a:rPr>
+                          <m:t>4</m:t>
+                        </m:r>
+                      </m:e>
+                      <m:sub>
+                        <m:r>
+                          <a:rPr lang="de-DE" i="1">
+                            <a:latin typeface="Cambria Math" panose="02040503050406030204" pitchFamily="18" charset="0"/>
+                          </a:rPr>
+                          <m:t>16</m:t>
+                        </m:r>
+                      </m:sub>
+                    </m:sSub>
+                    <m:r>
+                      <a:rPr lang="de-DE" b="0" i="1" smtClean="0">
+                        <a:latin typeface="Cambria Math" panose="02040503050406030204" pitchFamily="18" charset="0"/>
+                      </a:rPr>
+                      <m:t>= </m:t>
+                    </m:r>
+                    <m:sSub>
+                      <m:sSubPr>
+                        <m:ctrlPr>
+                          <a:rPr lang="de-DE" b="0" i="1" smtClean="0">
+                            <a:latin typeface="Cambria Math" panose="02040503050406030204" pitchFamily="18" charset="0"/>
+                          </a:rPr>
+                        </m:ctrlPr>
+                      </m:sSubPr>
+                      <m:e>
+                        <m:r>
+                          <a:rPr lang="de-DE" b="0" i="1" smtClean="0">
+                            <a:latin typeface="Cambria Math" panose="02040503050406030204" pitchFamily="18" charset="0"/>
+                          </a:rPr>
+                          <m:t>1010 1100 0100</m:t>
+                        </m:r>
+                      </m:e>
+                      <m:sub>
+                        <m:r>
+                          <a:rPr lang="de-DE" b="0" i="1" smtClean="0">
+                            <a:latin typeface="Cambria Math" panose="02040503050406030204" pitchFamily="18" charset="0"/>
+                          </a:rPr>
+                          <m:t>2</m:t>
+                        </m:r>
+                      </m:sub>
+                    </m:sSub>
+                  </m:oMath>
+                </a14:m>
+                <a:endParaRPr lang="de-DE" dirty="0"/>
+              </a:p>
+              <a:p>
+                <a:pPr marL="342900" indent="-342900">
+                  <a:buFont typeface="+mj-lt"/>
+                  <a:buAutoNum type="arabicPeriod"/>
+                </a:pPr>
+                <a14:m>
+                  <m:oMath xmlns:m="http://schemas.openxmlformats.org/officeDocument/2006/math">
+                    <m:sSub>
+                      <m:sSubPr>
+                        <m:ctrlPr>
+                          <a:rPr lang="de-DE" i="1">
+                            <a:latin typeface="Cambria Math" panose="02040503050406030204" pitchFamily="18" charset="0"/>
+                          </a:rPr>
+                        </m:ctrlPr>
+                      </m:sSubPr>
+                      <m:e>
+                        <m:r>
+                          <a:rPr lang="de-DE" i="1">
+                            <a:latin typeface="Cambria Math" panose="02040503050406030204" pitchFamily="18" charset="0"/>
+                          </a:rPr>
+                          <m:t>66</m:t>
+                        </m:r>
+                      </m:e>
+                      <m:sub>
+                        <m:r>
+                          <a:rPr lang="de-DE" i="1">
+                            <a:latin typeface="Cambria Math" panose="02040503050406030204" pitchFamily="18" charset="0"/>
+                          </a:rPr>
+                          <m:t>8</m:t>
+                        </m:r>
+                      </m:sub>
+                    </m:sSub>
+                    <m:r>
+                      <a:rPr lang="de-DE" b="0" i="1" smtClean="0">
+                        <a:latin typeface="Cambria Math" panose="02040503050406030204" pitchFamily="18" charset="0"/>
+                      </a:rPr>
+                      <m:t>=6 ∗8+6 ∗1 </m:t>
+                    </m:r>
+                    <m:r>
+                      <a:rPr lang="de-DE" b="0" i="1" smtClean="0">
+                        <a:latin typeface="Cambria Math" panose="02040503050406030204" pitchFamily="18" charset="0"/>
+                        <a:ea typeface="Cambria Math" panose="02040503050406030204" pitchFamily="18" charset="0"/>
+                      </a:rPr>
+                      <m:t>≠3 ∗16+3</m:t>
+                    </m:r>
+                  </m:oMath>
+                </a14:m>
+                <a:endParaRPr lang="de-DE" dirty="0"/>
+              </a:p>
+            </p:txBody>
+          </p:sp>
+        </mc:Choice>
+        <mc:Fallback>
+          <p:sp>
+            <p:nvSpPr>
+              <p:cNvPr id="5" name="Textfeld 4">
+                <a:extLst>
+                  <a:ext uri="{FF2B5EF4-FFF2-40B4-BE49-F238E27FC236}">
+                    <a16:creationId xmlns:a16="http://schemas.microsoft.com/office/drawing/2014/main" id="{93EBFF3E-187A-B009-AC56-79D7C676CBAA}"/>
+                  </a:ext>
+                </a:extLst>
+              </p:cNvPr>
+              <p:cNvSpPr txBox="1">
+                <a:spLocks noRot="1" noChangeAspect="1" noMove="1" noResize="1" noEditPoints="1" noAdjustHandles="1" noChangeArrowheads="1" noChangeShapeType="1" noTextEdit="1"/>
+              </p:cNvSpPr>
+              <p:nvPr/>
+            </p:nvSpPr>
+            <p:spPr>
+              <a:xfrm>
+                <a:off x="809625" y="4147457"/>
+                <a:ext cx="10580688" cy="1200329"/>
+              </a:xfrm>
+              <a:prstGeom prst="rect">
+                <a:avLst/>
+              </a:prstGeom>
+              <a:blipFill>
+                <a:blip r:embed="rId3"/>
+                <a:stretch>
+                  <a:fillRect l="-461" t="-2538" b="-6091"/>
+                </a:stretch>
+              </a:blipFill>
+            </p:spPr>
+            <p:txBody>
+              <a:bodyPr/>
+              <a:lstStyle/>
+              <a:p>
+                <a:r>
+                  <a:rPr lang="de-DE">
+                    <a:noFill/>
+                  </a:rPr>
+                  <a:t> </a:t>
+                </a:r>
+              </a:p>
+            </p:txBody>
+          </p:sp>
+        </mc:Fallback>
+      </mc:AlternateContent>
+    </p:spTree>
+    <p:extLst>
+      <p:ext uri="{BB962C8B-B14F-4D97-AF65-F5344CB8AC3E}">
+        <p14:creationId xmlns:p14="http://schemas.microsoft.com/office/powerpoint/2010/main" val="1294376476"/>
+      </p:ext>
+    </p:extLst>
+  </p:cSld>
+  <p:clrMapOvr>
+    <a:masterClrMapping/>
+  </p:clrMapOvr>
+  <p:timing>
+    <p:tnLst>
+      <p:par>
+        <p:cTn id="1" dur="indefinite" restart="never" nodeType="tmRoot">
+          <p:childTnLst>
+            <p:seq concurrent="1" nextAc="seek">
+              <p:cTn id="2" dur="indefinite" nodeType="mainSeq">
+                <p:childTnLst>
+                  <p:par>
+                    <p:cTn id="3" fill="hold">
+                      <p:stCondLst>
+                        <p:cond delay="indefinite"/>
+                      </p:stCondLst>
+                      <p:childTnLst>
+                        <p:par>
+                          <p:cTn id="4" fill="hold">
+                            <p:stCondLst>
+                              <p:cond delay="0"/>
+                            </p:stCondLst>
+                            <p:childTnLst>
+                              <p:par>
+                                <p:cTn id="5" presetID="1" presetClass="entr" presetSubtype="0" fill="hold" nodeType="clickEffect">
+                                  <p:stCondLst>
+                                    <p:cond delay="0"/>
+                                  </p:stCondLst>
+                                  <p:childTnLst>
+                                    <p:set>
+                                      <p:cBhvr>
+                                        <p:cTn id="6" dur="1" fill="hold">
+                                          <p:stCondLst>
+                                            <p:cond delay="0"/>
+                                          </p:stCondLst>
+                                        </p:cTn>
+                                        <p:tgtEl>
+                                          <p:spTgt spid="4"/>
+                                        </p:tgtEl>
+                                        <p:attrNameLst>
+                                          <p:attrName>style.visibility</p:attrName>
+                                        </p:attrNameLst>
+                                      </p:cBhvr>
+                                      <p:to>
+                                        <p:strVal val="visible"/>
+                                      </p:to>
+                                    </p:set>
+                                  </p:childTnLst>
+                                </p:cTn>
+                              </p:par>
+                            </p:childTnLst>
+                          </p:cTn>
+                        </p:par>
+                      </p:childTnLst>
+                    </p:cTn>
+                  </p:par>
+                  <p:par>
+                    <p:cTn id="7" fill="hold">
+                      <p:stCondLst>
+                        <p:cond delay="indefinite"/>
+                      </p:stCondLst>
+                      <p:childTnLst>
+                        <p:par>
+                          <p:cTn id="8" fill="hold">
+                            <p:stCondLst>
+                              <p:cond delay="0"/>
+                            </p:stCondLst>
+                            <p:childTnLst>
+                              <p:par>
+                                <p:cTn id="9" presetID="1" presetClass="entr" presetSubtype="0" fill="hold" nodeType="clickEffect">
+                                  <p:stCondLst>
+                                    <p:cond delay="0"/>
+                                  </p:stCondLst>
+                                  <p:childTnLst>
+                                    <p:set>
+                                      <p:cBhvr>
+                                        <p:cTn id="10" dur="1" fill="hold">
+                                          <p:stCondLst>
+                                            <p:cond delay="0"/>
+                                          </p:stCondLst>
+                                        </p:cTn>
+                                        <p:tgtEl>
+                                          <p:spTgt spid="5">
+                                            <p:txEl>
+                                              <p:pRg st="0" end="0"/>
+                                            </p:txEl>
+                                          </p:spTgt>
+                                        </p:tgtEl>
+                                        <p:attrNameLst>
+                                          <p:attrName>style.visibility</p:attrName>
+                                        </p:attrNameLst>
+                                      </p:cBhvr>
+                                      <p:to>
+                                        <p:strVal val="visible"/>
+                                      </p:to>
+                                    </p:set>
+                                  </p:childTnLst>
+                                </p:cTn>
+                              </p:par>
+                            </p:childTnLst>
+                          </p:cTn>
+                        </p:par>
+                      </p:childTnLst>
+                    </p:cTn>
+                  </p:par>
+                  <p:par>
+                    <p:cTn id="11" fill="hold">
+                      <p:stCondLst>
+                        <p:cond delay="indefinite"/>
+                      </p:stCondLst>
+                      <p:childTnLst>
+                        <p:par>
+                          <p:cTn id="12" fill="hold">
+                            <p:stCondLst>
+                              <p:cond delay="0"/>
+                            </p:stCondLst>
+                            <p:childTnLst>
+                              <p:par>
+                                <p:cTn id="13" presetID="1" presetClass="entr" presetSubtype="0" fill="hold" nodeType="clickEffect">
+                                  <p:stCondLst>
+                                    <p:cond delay="0"/>
+                                  </p:stCondLst>
+                                  <p:childTnLst>
+                                    <p:set>
+                                      <p:cBhvr>
+                                        <p:cTn id="14" dur="1" fill="hold">
+                                          <p:stCondLst>
+                                            <p:cond delay="0"/>
+                                          </p:stCondLst>
+                                        </p:cTn>
+                                        <p:tgtEl>
+                                          <p:spTgt spid="5">
+                                            <p:txEl>
+                                              <p:pRg st="1" end="1"/>
+                                            </p:txEl>
+                                          </p:spTgt>
+                                        </p:tgtEl>
+                                        <p:attrNameLst>
+                                          <p:attrName>style.visibility</p:attrName>
+                                        </p:attrNameLst>
+                                      </p:cBhvr>
+                                      <p:to>
+                                        <p:strVal val="visible"/>
+                                      </p:to>
+                                    </p:set>
+                                  </p:childTnLst>
+                                </p:cTn>
+                              </p:par>
+                            </p:childTnLst>
+                          </p:cTn>
+                        </p:par>
+                      </p:childTnLst>
+                    </p:cTn>
+                  </p:par>
+                  <p:par>
+                    <p:cTn id="15" fill="hold">
+                      <p:stCondLst>
+                        <p:cond delay="indefinite"/>
+                      </p:stCondLst>
+                      <p:childTnLst>
+                        <p:par>
+                          <p:cTn id="16" fill="hold">
+                            <p:stCondLst>
+                              <p:cond delay="0"/>
+                            </p:stCondLst>
+                            <p:childTnLst>
+                              <p:par>
+                                <p:cTn id="17" presetID="1" presetClass="entr" presetSubtype="0" fill="hold" nodeType="clickEffect">
+                                  <p:stCondLst>
+                                    <p:cond delay="0"/>
+                                  </p:stCondLst>
+                                  <p:childTnLst>
+                                    <p:set>
+                                      <p:cBhvr>
+                                        <p:cTn id="18" dur="1" fill="hold">
+                                          <p:stCondLst>
+                                            <p:cond delay="0"/>
+                                          </p:stCondLst>
+                                        </p:cTn>
+                                        <p:tgtEl>
+                                          <p:spTgt spid="5">
+                                            <p:txEl>
+                                              <p:pRg st="2" end="2"/>
+                                            </p:txEl>
+                                          </p:spTgt>
+                                        </p:tgtEl>
+                                        <p:attrNameLst>
+                                          <p:attrName>style.visibility</p:attrName>
+                                        </p:attrNameLst>
+                                      </p:cBhvr>
+                                      <p:to>
+                                        <p:strVal val="visible"/>
+                                      </p:to>
+                                    </p:set>
+                                  </p:childTnLst>
+                                </p:cTn>
+                              </p:par>
+                            </p:childTnLst>
+                          </p:cTn>
+                        </p:par>
+                      </p:childTnLst>
+                    </p:cTn>
+                  </p:par>
+                  <p:par>
+                    <p:cTn id="19" fill="hold">
+                      <p:stCondLst>
+                        <p:cond delay="indefinite"/>
+                      </p:stCondLst>
+                      <p:childTnLst>
+                        <p:par>
+                          <p:cTn id="20" fill="hold">
+                            <p:stCondLst>
+                              <p:cond delay="0"/>
+                            </p:stCondLst>
+                            <p:childTnLst>
+                              <p:par>
+                                <p:cTn id="21" presetID="1" presetClass="entr" presetSubtype="0" fill="hold" nodeType="clickEffect">
+                                  <p:stCondLst>
+                                    <p:cond delay="0"/>
+                                  </p:stCondLst>
+                                  <p:childTnLst>
+                                    <p:set>
+                                      <p:cBhvr>
+                                        <p:cTn id="22" dur="1" fill="hold">
+                                          <p:stCondLst>
+                                            <p:cond delay="0"/>
+                                          </p:stCondLst>
+                                        </p:cTn>
+                                        <p:tgtEl>
+                                          <p:spTgt spid="5">
+                                            <p:txEl>
+                                              <p:pRg st="3" end="3"/>
+                                            </p:txEl>
+                                          </p:spTgt>
+                                        </p:tgtEl>
+                                        <p:attrNameLst>
+                                          <p:attrName>style.visibility</p:attrName>
+                                        </p:attrNameLst>
+                                      </p:cBhvr>
+                                      <p:to>
+                                        <p:strVal val="visible"/>
+                                      </p:to>
+                                    </p:set>
+                                  </p:childTnLst>
+                                </p:cTn>
+                              </p:par>
+                            </p:childTnLst>
+                          </p:cTn>
+                        </p:par>
+                      </p:childTnLst>
+                    </p:cTn>
+                  </p:par>
+                </p:childTnLst>
+              </p:cTn>
+              <p:prevCondLst>
+                <p:cond evt="onPrev" delay="0">
+                  <p:tgtEl>
+                    <p:sldTgt/>
+                  </p:tgtEl>
+                </p:cond>
+              </p:prevCondLst>
+              <p:nextCondLst>
+                <p:cond evt="onNext" delay="0">
+                  <p:tgtEl>
+                    <p:sldTgt/>
+                  </p:tgtEl>
+                </p:cond>
+              </p:nextCondLst>
+            </p:seq>
+          </p:childTnLst>
+        </p:cTn>
+      </p:par>
+    </p:tnLst>
+  </p:timing>
+</p:sld>
+</file>
+
+<file path=ppt/slides/slide4.xml><?xml version="1.0" encoding="utf-8"?>
+<p:sld xmlns:a="http://schemas.openxmlformats.org/drawingml/2006/main" xmlns:r="http://schemas.openxmlformats.org/officeDocument/2006/relationships" xmlns:p="http://schemas.openxmlformats.org/presentationml/2006/main">
+  <p:cSld>
+    <p:spTree>
+      <p:nvGrpSpPr>
+        <p:cNvPr id="1" name=""/>
+        <p:cNvGrpSpPr/>
+        <p:nvPr/>
+      </p:nvGrpSpPr>
+      <p:grpSpPr>
+        <a:xfrm>
+          <a:off x="0" y="0"/>
+          <a:ext cx="0" cy="0"/>
+          <a:chOff x="0" y="0"/>
+          <a:chExt cx="0" cy="0"/>
+        </a:xfrm>
+      </p:grpSpPr>
+      <p:sp>
+        <p:nvSpPr>
+          <p:cNvPr id="2" name="Titel 1">
+            <a:extLst>
+              <a:ext uri="{FF2B5EF4-FFF2-40B4-BE49-F238E27FC236}">
+                <a16:creationId xmlns:a16="http://schemas.microsoft.com/office/drawing/2014/main" id="{CD0365C6-A437-06FB-CD96-FC7C41317F66}"/>
+              </a:ext>
+            </a:extLst>
+          </p:cNvPr>
+          <p:cNvSpPr>
+            <a:spLocks noGrp="1"/>
+          </p:cNvSpPr>
+          <p:nvPr>
+            <p:ph type="title"/>
+          </p:nvPr>
+        </p:nvSpPr>
+        <p:spPr/>
+        <p:txBody>
+          <a:bodyPr/>
+          <a:lstStyle/>
+          <a:p>
+            <a:r>
+              <a:rPr lang="de-DE" dirty="0"/>
+              <a:t>Aufgabe 1.3</a:t>
+            </a:r>
+          </a:p>
+        </p:txBody>
+      </p:sp>
+      <mc:AlternateContent xmlns:mc="http://schemas.openxmlformats.org/markup-compatibility/2006">
+        <mc:Choice xmlns:a14="http://schemas.microsoft.com/office/drawing/2010/main" Requires="a14">
+          <p:sp>
+            <p:nvSpPr>
+              <p:cNvPr id="3" name="Inhaltsplatzhalter 2">
+                <a:extLst>
+                  <a:ext uri="{FF2B5EF4-FFF2-40B4-BE49-F238E27FC236}">
+                    <a16:creationId xmlns:a16="http://schemas.microsoft.com/office/drawing/2014/main" id="{261AFA42-045E-7C8E-4B68-7D93C937EE17}"/>
+                  </a:ext>
+                </a:extLst>
+              </p:cNvPr>
+              <p:cNvSpPr>
+                <a:spLocks noGrp="1"/>
+              </p:cNvSpPr>
+              <p:nvPr>
+                <p:ph idx="1"/>
+              </p:nvPr>
+            </p:nvSpPr>
+            <p:spPr>
+              <a:xfrm>
+                <a:off x="810000" y="1773239"/>
+                <a:ext cx="10580400" cy="1655761"/>
+              </a:xfrm>
+            </p:spPr>
+            <p:txBody>
+              <a:bodyPr/>
+              <a:lstStyle/>
+              <a:p>
+                <a:pPr marL="457200" indent="-457200">
+                  <a:buFont typeface="+mj-lt"/>
+                  <a:buAutoNum type="arabicPeriod"/>
+                </a:pPr>
+                <a14:m>
+                  <m:oMath xmlns:m="http://schemas.openxmlformats.org/officeDocument/2006/math">
+                    <m:r>
+                      <a:rPr lang="de-DE" sz="2800" b="0" i="1" smtClean="0">
+                        <a:latin typeface="Cambria Math" panose="02040503050406030204" pitchFamily="18" charset="0"/>
+                      </a:rPr>
+                      <m:t>𝐴</m:t>
+                    </m:r>
+                    <m:r>
+                      <a:rPr lang="de-DE" sz="2800" b="0" i="1" smtClean="0">
+                        <a:latin typeface="Cambria Math" panose="02040503050406030204" pitchFamily="18" charset="0"/>
+                      </a:rPr>
+                      <m:t>=−27= </m:t>
+                    </m:r>
+                    <m:sSub>
+                      <m:sSubPr>
+                        <m:ctrlPr>
+                          <a:rPr lang="de-DE" sz="2800" b="0" i="1" smtClean="0">
+                            <a:latin typeface="Cambria Math" panose="02040503050406030204" pitchFamily="18" charset="0"/>
+                          </a:rPr>
+                        </m:ctrlPr>
+                      </m:sSubPr>
+                      <m:e>
+                        <m:r>
+                          <a:rPr lang="de-DE" sz="2800" i="1">
+                            <a:latin typeface="Cambria Math" panose="02040503050406030204" pitchFamily="18" charset="0"/>
+                          </a:rPr>
+                          <m:t>1110</m:t>
+                        </m:r>
+                        <m:r>
+                          <a:rPr lang="de-DE" sz="2800" b="0" i="1" smtClean="0">
+                            <a:latin typeface="Cambria Math" panose="02040503050406030204" pitchFamily="18" charset="0"/>
+                          </a:rPr>
+                          <m:t> </m:t>
+                        </m:r>
+                        <m:r>
+                          <a:rPr lang="de-DE" sz="2800" i="1">
+                            <a:latin typeface="Cambria Math" panose="02040503050406030204" pitchFamily="18" charset="0"/>
+                          </a:rPr>
+                          <m:t>0101</m:t>
+                        </m:r>
+                      </m:e>
+                      <m:sub>
+                        <m:r>
+                          <a:rPr lang="de-DE" sz="2800" b="0" i="1" smtClean="0">
+                            <a:latin typeface="Cambria Math" panose="02040503050406030204" pitchFamily="18" charset="0"/>
+                          </a:rPr>
+                          <m:t>2</m:t>
+                        </m:r>
+                      </m:sub>
+                    </m:sSub>
+                  </m:oMath>
+                </a14:m>
+                <a:r>
+                  <a:rPr lang="de-DE" sz="2800" dirty="0"/>
+                  <a:t>, </a:t>
+                </a:r>
+                <a14:m>
+                  <m:oMath xmlns:m="http://schemas.openxmlformats.org/officeDocument/2006/math">
+                    <m:r>
+                      <m:rPr>
+                        <m:sty m:val="p"/>
+                      </m:rPr>
+                      <a:rPr lang="de-DE" sz="2800" b="0" i="0" smtClean="0">
+                        <a:latin typeface="Cambria Math" panose="02040503050406030204" pitchFamily="18" charset="0"/>
+                      </a:rPr>
+                      <m:t>B</m:t>
+                    </m:r>
+                    <m:r>
+                      <a:rPr lang="de-DE" sz="2800" i="1">
+                        <a:latin typeface="Cambria Math" panose="02040503050406030204" pitchFamily="18" charset="0"/>
+                      </a:rPr>
+                      <m:t>=−</m:t>
+                    </m:r>
+                    <m:r>
+                      <a:rPr lang="de-DE" sz="2800" b="0" i="1" smtClean="0">
+                        <a:latin typeface="Cambria Math" panose="02040503050406030204" pitchFamily="18" charset="0"/>
+                      </a:rPr>
+                      <m:t>13</m:t>
+                    </m:r>
+                    <m:r>
+                      <a:rPr lang="de-DE" sz="2800" i="1">
+                        <a:latin typeface="Cambria Math" panose="02040503050406030204" pitchFamily="18" charset="0"/>
+                      </a:rPr>
+                      <m:t>= </m:t>
+                    </m:r>
+                    <m:sSub>
+                      <m:sSubPr>
+                        <m:ctrlPr>
+                          <a:rPr lang="de-DE" sz="2800" i="1">
+                            <a:latin typeface="Cambria Math" panose="02040503050406030204" pitchFamily="18" charset="0"/>
+                          </a:rPr>
+                        </m:ctrlPr>
+                      </m:sSubPr>
+                      <m:e>
+                        <m:r>
+                          <a:rPr lang="de-DE" sz="2800" i="1">
+                            <a:latin typeface="Cambria Math" panose="02040503050406030204" pitchFamily="18" charset="0"/>
+                          </a:rPr>
+                          <m:t>1111</m:t>
+                        </m:r>
+                        <m:r>
+                          <a:rPr lang="de-DE" sz="2800" b="0" i="1" smtClean="0">
+                            <a:latin typeface="Cambria Math" panose="02040503050406030204" pitchFamily="18" charset="0"/>
+                          </a:rPr>
+                          <m:t> </m:t>
+                        </m:r>
+                        <m:r>
+                          <a:rPr lang="de-DE" sz="2800" i="1">
+                            <a:latin typeface="Cambria Math" panose="02040503050406030204" pitchFamily="18" charset="0"/>
+                          </a:rPr>
+                          <m:t>0011</m:t>
+                        </m:r>
+                      </m:e>
+                      <m:sub>
+                        <m:r>
+                          <a:rPr lang="de-DE" sz="2800" i="1">
+                            <a:latin typeface="Cambria Math" panose="02040503050406030204" pitchFamily="18" charset="0"/>
+                          </a:rPr>
+                          <m:t>2</m:t>
+                        </m:r>
+                      </m:sub>
+                    </m:sSub>
+                  </m:oMath>
+                </a14:m>
+                <a:endParaRPr lang="de-DE" sz="2800" dirty="0"/>
+              </a:p>
+              <a:p>
+                <a:pPr marL="457200" indent="-457200">
+                  <a:buFont typeface="+mj-lt"/>
+                  <a:buAutoNum type="arabicPeriod"/>
+                </a:pPr>
+                <a14:m>
+                  <m:oMath xmlns:m="http://schemas.openxmlformats.org/officeDocument/2006/math">
+                    <m:sSub>
+                      <m:sSubPr>
+                        <m:ctrlPr>
+                          <a:rPr lang="de-DE" sz="2800" b="0" i="1" smtClean="0">
+                            <a:latin typeface="Cambria Math" panose="02040503050406030204" pitchFamily="18" charset="0"/>
+                          </a:rPr>
+                        </m:ctrlPr>
+                      </m:sSubPr>
+                      <m:e>
+                        <m:r>
+                          <a:rPr lang="de-DE" sz="2800" i="1">
+                            <a:latin typeface="Cambria Math" panose="02040503050406030204" pitchFamily="18" charset="0"/>
+                          </a:rPr>
+                          <m:t>1110 0101</m:t>
+                        </m:r>
+                      </m:e>
+                      <m:sub>
+                        <m:r>
+                          <a:rPr lang="de-DE" sz="2800" b="0" i="1" smtClean="0">
+                            <a:latin typeface="Cambria Math" panose="02040503050406030204" pitchFamily="18" charset="0"/>
+                          </a:rPr>
+                          <m:t>2</m:t>
+                        </m:r>
+                      </m:sub>
+                    </m:sSub>
+                    <m:r>
+                      <a:rPr lang="de-DE" sz="2800" b="0" i="1" smtClean="0">
+                        <a:latin typeface="Cambria Math" panose="02040503050406030204" pitchFamily="18" charset="0"/>
+                      </a:rPr>
+                      <m:t>+</m:t>
+                    </m:r>
+                    <m:sSub>
+                      <m:sSubPr>
+                        <m:ctrlPr>
+                          <a:rPr lang="de-DE" sz="2800" b="0" i="1" smtClean="0">
+                            <a:latin typeface="Cambria Math" panose="02040503050406030204" pitchFamily="18" charset="0"/>
+                          </a:rPr>
+                        </m:ctrlPr>
+                      </m:sSubPr>
+                      <m:e>
+                        <m:r>
+                          <a:rPr lang="de-DE" sz="2800" i="1">
+                            <a:latin typeface="Cambria Math" panose="02040503050406030204" pitchFamily="18" charset="0"/>
+                          </a:rPr>
+                          <m:t>11110011</m:t>
+                        </m:r>
+                      </m:e>
+                      <m:sub>
+                        <m:r>
+                          <a:rPr lang="de-DE" sz="2800" b="0" i="1" smtClean="0">
+                            <a:latin typeface="Cambria Math" panose="02040503050406030204" pitchFamily="18" charset="0"/>
+                          </a:rPr>
+                          <m:t>2</m:t>
+                        </m:r>
+                      </m:sub>
+                    </m:sSub>
+                    <m:r>
+                      <a:rPr lang="de-DE" sz="2800" b="0" i="1" smtClean="0">
+                        <a:latin typeface="Cambria Math" panose="02040503050406030204" pitchFamily="18" charset="0"/>
+                      </a:rPr>
+                      <m:t>=</m:t>
+                    </m:r>
+                    <m:sSub>
+                      <m:sSubPr>
+                        <m:ctrlPr>
+                          <a:rPr lang="de-DE" sz="2800" b="0" i="1" smtClean="0">
+                            <a:latin typeface="Cambria Math" panose="02040503050406030204" pitchFamily="18" charset="0"/>
+                          </a:rPr>
+                        </m:ctrlPr>
+                      </m:sSubPr>
+                      <m:e>
+                        <m:r>
+                          <a:rPr lang="de-DE" sz="2800" i="1">
+                            <a:latin typeface="Cambria Math" panose="02040503050406030204" pitchFamily="18" charset="0"/>
+                          </a:rPr>
+                          <m:t>11011000</m:t>
+                        </m:r>
+                      </m:e>
+                      <m:sub>
+                        <m:r>
+                          <a:rPr lang="de-DE" sz="2800" b="0" i="1" smtClean="0">
+                            <a:latin typeface="Cambria Math" panose="02040503050406030204" pitchFamily="18" charset="0"/>
+                          </a:rPr>
+                          <m:t>2</m:t>
+                        </m:r>
+                      </m:sub>
+                    </m:sSub>
+                  </m:oMath>
+                </a14:m>
+                <a:endParaRPr lang="de-DE" sz="2800" dirty="0"/>
+              </a:p>
+              <a:p>
+                <a:pPr marL="457200" indent="-457200">
+                  <a:buFont typeface="+mj-lt"/>
+                  <a:buAutoNum type="arabicPeriod"/>
+                </a:pPr>
+                <a14:m>
+                  <m:oMath xmlns:m="http://schemas.openxmlformats.org/officeDocument/2006/math">
+                    <m:sSub>
+                      <m:sSubPr>
+                        <m:ctrlPr>
+                          <a:rPr lang="de-DE" sz="2800" i="1">
+                            <a:latin typeface="Cambria Math" panose="02040503050406030204" pitchFamily="18" charset="0"/>
+                          </a:rPr>
+                        </m:ctrlPr>
+                      </m:sSubPr>
+                      <m:e>
+                        <m:r>
+                          <a:rPr lang="de-DE" sz="2800" i="1">
+                            <a:latin typeface="Cambria Math" panose="02040503050406030204" pitchFamily="18" charset="0"/>
+                          </a:rPr>
+                          <m:t>11011000</m:t>
+                        </m:r>
+                      </m:e>
+                      <m:sub>
+                        <m:r>
+                          <a:rPr lang="de-DE" sz="2800" i="1">
+                            <a:latin typeface="Cambria Math" panose="02040503050406030204" pitchFamily="18" charset="0"/>
+                          </a:rPr>
+                          <m:t>2</m:t>
+                        </m:r>
+                      </m:sub>
+                    </m:sSub>
+                    <m:r>
+                      <a:rPr lang="de-DE" sz="2800" b="0" i="1" smtClean="0">
+                        <a:latin typeface="Cambria Math" panose="02040503050406030204" pitchFamily="18" charset="0"/>
+                      </a:rPr>
+                      <m:t>=−128+64+16+8=−40</m:t>
+                    </m:r>
+                  </m:oMath>
+                </a14:m>
+                <a:endParaRPr lang="de-DE" sz="2800" dirty="0"/>
+              </a:p>
+              <a:p>
+                <a:pPr marL="0" indent="0">
+                  <a:buNone/>
+                </a:pPr>
+                <a:endParaRPr lang="de-DE" dirty="0"/>
+              </a:p>
+            </p:txBody>
+          </p:sp>
+        </mc:Choice>
+        <mc:Fallback>
+          <p:sp>
+            <p:nvSpPr>
+              <p:cNvPr id="3" name="Inhaltsplatzhalter 2">
+                <a:extLst>
+                  <a:ext uri="{FF2B5EF4-FFF2-40B4-BE49-F238E27FC236}">
+                    <a16:creationId xmlns:a16="http://schemas.microsoft.com/office/drawing/2014/main" id="{261AFA42-045E-7C8E-4B68-7D93C937EE17}"/>
+                  </a:ext>
+                </a:extLst>
+              </p:cNvPr>
+              <p:cNvSpPr>
+                <a:spLocks noGrp="1" noRot="1" noChangeAspect="1" noMove="1" noResize="1" noEditPoints="1" noAdjustHandles="1" noChangeArrowheads="1" noChangeShapeType="1" noTextEdit="1"/>
+              </p:cNvSpPr>
+              <p:nvPr>
+                <p:ph idx="1"/>
+              </p:nvPr>
+            </p:nvSpPr>
+            <p:spPr>
+              <a:xfrm>
+                <a:off x="810000" y="1773239"/>
+                <a:ext cx="10580400" cy="1655761"/>
+              </a:xfrm>
+              <a:blipFill>
+                <a:blip r:embed="rId2"/>
+                <a:stretch>
+                  <a:fillRect t="-6250"/>
+                </a:stretch>
+              </a:blipFill>
+            </p:spPr>
+            <p:txBody>
+              <a:bodyPr/>
+              <a:lstStyle/>
+              <a:p>
+                <a:r>
+                  <a:rPr lang="de-DE">
+                    <a:noFill/>
+                  </a:rPr>
+                  <a:t> </a:t>
+                </a:r>
+              </a:p>
+            </p:txBody>
+          </p:sp>
+        </mc:Fallback>
+      </mc:AlternateContent>
+    </p:spTree>
+    <p:extLst>
+      <p:ext uri="{BB962C8B-B14F-4D97-AF65-F5344CB8AC3E}">
+        <p14:creationId xmlns:p14="http://schemas.microsoft.com/office/powerpoint/2010/main" val="1834097275"/>
       </p:ext>
     </p:extLst>
   </p:cSld>
@@ -5256,26 +7839,6 @@
 </file>
 
 <file path=customXml/item1.xml><?xml version="1.0" encoding="utf-8"?>
-<?mso-contentType ?>
-<FormTemplates xmlns="http://schemas.microsoft.com/sharepoint/v3/contenttype/forms">
-  <Display>DocumentLibraryForm</Display>
-  <Edit>DocumentLibraryForm</Edit>
-  <New>DocumentLibraryForm</New>
-</FormTemplates>
-</file>
-
-<file path=customXml/item2.xml><?xml version="1.0" encoding="utf-8"?>
-<p:properties xmlns:p="http://schemas.microsoft.com/office/2006/metadata/properties" xmlns:xsi="http://www.w3.org/2001/XMLSchema-instance" xmlns:pc="http://schemas.microsoft.com/office/infopath/2007/PartnerControls">
-  <documentManagement>
-    <TaxCatchAll xmlns="e08cfc56-8307-41e5-898e-b333c51beffa" xsi:nil="true"/>
-    <lcf76f155ced4ddcb4097134ff3c332f xmlns="f957fcc5-14ca-4ecf-9842-9f00d595875c">
-      <Terms xmlns="http://schemas.microsoft.com/office/infopath/2007/PartnerControls"/>
-    </lcf76f155ced4ddcb4097134ff3c332f>
-  </documentManagement>
-</p:properties>
-</file>
-
-<file path=customXml/item3.xml><?xml version="1.0" encoding="utf-8"?>
 <ct:contentTypeSchema xmlns:ct="http://schemas.microsoft.com/office/2006/metadata/contentType" xmlns:ma="http://schemas.microsoft.com/office/2006/metadata/properties/metaAttributes" ct:_="" ma:_="" ma:contentTypeName="Document" ma:contentTypeID="0x0101008799F1A435591F42BCDE2557FA51CDDA" ma:contentTypeVersion="15" ma:contentTypeDescription="Create a new document." ma:contentTypeScope="" ma:versionID="baa9c65a0a545f65583643df3cf8d9f4">
   <xsd:schema xmlns:xsd="http://www.w3.org/2001/XMLSchema" xmlns:xs="http://www.w3.org/2001/XMLSchema" xmlns:p="http://schemas.microsoft.com/office/2006/metadata/properties" xmlns:ns2="f957fcc5-14ca-4ecf-9842-9f00d595875c" xmlns:ns3="e08cfc56-8307-41e5-898e-b333c51beffa" targetNamespace="http://schemas.microsoft.com/office/2006/metadata/properties" ma:root="true" ma:fieldsID="015d39312a6521742bc57e13b2dae392" ns2:_="" ns3:_="">
     <xsd:import namespace="f957fcc5-14ca-4ecf-9842-9f00d595875c"/>
@@ -5512,10 +8075,41 @@
 </ct:contentTypeSchema>
 </file>
 
+<file path=customXml/item2.xml><?xml version="1.0" encoding="utf-8"?>
+<p:properties xmlns:p="http://schemas.microsoft.com/office/2006/metadata/properties" xmlns:xsi="http://www.w3.org/2001/XMLSchema-instance" xmlns:pc="http://schemas.microsoft.com/office/infopath/2007/PartnerControls">
+  <documentManagement>
+    <TaxCatchAll xmlns="e08cfc56-8307-41e5-898e-b333c51beffa" xsi:nil="true"/>
+    <lcf76f155ced4ddcb4097134ff3c332f xmlns="f957fcc5-14ca-4ecf-9842-9f00d595875c">
+      <Terms xmlns="http://schemas.microsoft.com/office/infopath/2007/PartnerControls"/>
+    </lcf76f155ced4ddcb4097134ff3c332f>
+  </documentManagement>
+</p:properties>
+</file>
+
+<file path=customXml/item3.xml><?xml version="1.0" encoding="utf-8"?>
+<?mso-contentType ?>
+<FormTemplates xmlns="http://schemas.microsoft.com/sharepoint/v3/contenttype/forms">
+  <Display>DocumentLibraryForm</Display>
+  <Edit>DocumentLibraryForm</Edit>
+  <New>DocumentLibraryForm</New>
+</FormTemplates>
+</file>
+
 <file path=customXml/itemProps1.xml><?xml version="1.0" encoding="utf-8"?>
-<ds:datastoreItem xmlns:ds="http://schemas.openxmlformats.org/officeDocument/2006/customXml" ds:itemID="{AC48F4C2-72FB-464C-8474-E470A160399A}">
+<ds:datastoreItem xmlns:ds="http://schemas.openxmlformats.org/officeDocument/2006/customXml" ds:itemID="{96F35E4A-19A6-42ED-B9B2-B9FDCAD1EAA1}">
   <ds:schemaRefs>
-    <ds:schemaRef ds:uri="http://schemas.microsoft.com/sharepoint/v3/contenttype/forms"/>
+    <ds:schemaRef ds:uri="e08cfc56-8307-41e5-898e-b333c51beffa"/>
+    <ds:schemaRef ds:uri="f957fcc5-14ca-4ecf-9842-9f00d595875c"/>
+    <ds:schemaRef ds:uri="http://purl.org/dc/elements/1.1/"/>
+    <ds:schemaRef ds:uri="http://purl.org/dc/terms/"/>
+    <ds:schemaRef ds:uri="http://schemas.microsoft.com/internal/obd"/>
+    <ds:schemaRef ds:uri="http://schemas.microsoft.com/office/2006/documentManagement/types"/>
+    <ds:schemaRef ds:uri="http://schemas.microsoft.com/office/2006/metadata/contentType"/>
+    <ds:schemaRef ds:uri="http://schemas.microsoft.com/office/2006/metadata/properties"/>
+    <ds:schemaRef ds:uri="http://schemas.microsoft.com/office/2006/metadata/properties/metaAttributes"/>
+    <ds:schemaRef ds:uri="http://schemas.microsoft.com/office/infopath/2007/PartnerControls"/>
+    <ds:schemaRef ds:uri="http://schemas.openxmlformats.org/package/2006/metadata/core-properties"/>
+    <ds:schemaRef ds:uri="http://www.w3.org/2001/XMLSchema"/>
   </ds:schemaRefs>
 </ds:datastoreItem>
 </file>
@@ -5538,20 +8132,9 @@
 </file>
 
 <file path=customXml/itemProps3.xml><?xml version="1.0" encoding="utf-8"?>
-<ds:datastoreItem xmlns:ds="http://schemas.openxmlformats.org/officeDocument/2006/customXml" ds:itemID="{96F35E4A-19A6-42ED-B9B2-B9FDCAD1EAA1}">
+<ds:datastoreItem xmlns:ds="http://schemas.openxmlformats.org/officeDocument/2006/customXml" ds:itemID="{AC48F4C2-72FB-464C-8474-E470A160399A}">
   <ds:schemaRefs>
-    <ds:schemaRef ds:uri="e08cfc56-8307-41e5-898e-b333c51beffa"/>
-    <ds:schemaRef ds:uri="f957fcc5-14ca-4ecf-9842-9f00d595875c"/>
-    <ds:schemaRef ds:uri="http://purl.org/dc/elements/1.1/"/>
-    <ds:schemaRef ds:uri="http://purl.org/dc/terms/"/>
-    <ds:schemaRef ds:uri="http://schemas.microsoft.com/internal/obd"/>
-    <ds:schemaRef ds:uri="http://schemas.microsoft.com/office/2006/documentManagement/types"/>
-    <ds:schemaRef ds:uri="http://schemas.microsoft.com/office/2006/metadata/contentType"/>
-    <ds:schemaRef ds:uri="http://schemas.microsoft.com/office/2006/metadata/properties"/>
-    <ds:schemaRef ds:uri="http://schemas.microsoft.com/office/2006/metadata/properties/metaAttributes"/>
-    <ds:schemaRef ds:uri="http://schemas.microsoft.com/office/infopath/2007/PartnerControls"/>
-    <ds:schemaRef ds:uri="http://schemas.openxmlformats.org/package/2006/metadata/core-properties"/>
-    <ds:schemaRef ds:uri="http://www.w3.org/2001/XMLSchema"/>
+    <ds:schemaRef ds:uri="http://schemas.microsoft.com/sharepoint/v3/contenttype/forms"/>
   </ds:schemaRefs>
 </ds:datastoreItem>
 </file>
--- a/Probeklausur.pptx
+++ b/Probeklausur.pptx
@@ -5,16 +5,18 @@
     <p:sldMasterId id="2147483649" r:id="rId4"/>
   </p:sldMasterIdLst>
   <p:notesMasterIdLst>
-    <p:notesMasterId r:id="rId9"/>
+    <p:notesMasterId r:id="rId11"/>
   </p:notesMasterIdLst>
   <p:handoutMasterIdLst>
-    <p:handoutMasterId r:id="rId10"/>
+    <p:handoutMasterId r:id="rId12"/>
   </p:handoutMasterIdLst>
   <p:sldIdLst>
     <p:sldId id="1041" r:id="rId5"/>
     <p:sldId id="1043" r:id="rId6"/>
     <p:sldId id="1044" r:id="rId7"/>
     <p:sldId id="1045" r:id="rId8"/>
+    <p:sldId id="1046" r:id="rId9"/>
+    <p:sldId id="1047" r:id="rId10"/>
   </p:sldIdLst>
   <p:sldSz cx="12192000" cy="6858000"/>
   <p:notesSz cx="6858000" cy="9144000"/>
@@ -152,6 +154,8 @@
             <p14:sldId id="1043"/>
             <p14:sldId id="1044"/>
             <p14:sldId id="1045"/>
+            <p14:sldId id="1046"/>
+            <p14:sldId id="1047"/>
           </p14:sldIdLst>
         </p14:section>
         <p14:section name="Standardabschnitt" id="{43259912-C5ED-4E84-8ACD-EEBCC30AE9A6}">
@@ -5144,8 +5148,8 @@
           </a:p>
         </p:txBody>
       </p:sp>
-      <mc:AlternateContent xmlns:mc="http://schemas.openxmlformats.org/markup-compatibility/2006">
-        <mc:Choice xmlns:a14="http://schemas.microsoft.com/office/drawing/2010/main" Requires="a14">
+      <mc:AlternateContent xmlns:mc="http://schemas.openxmlformats.org/markup-compatibility/2006" xmlns:a14="http://schemas.microsoft.com/office/drawing/2010/main">
+        <mc:Choice Requires="a14">
           <p:graphicFrame>
             <p:nvGraphicFramePr>
               <p:cNvPr id="4" name="Inhaltsplatzhalter 3">
@@ -5252,6 +5256,7 @@
                         <a:bodyPr/>
                         <a:lstStyle/>
                         <a:p>
+                          <a:pPr/>
                           <a14:m>
                             <m:oMathPara xmlns:m="http://schemas.openxmlformats.org/officeDocument/2006/math">
                               <m:oMathParaPr>
@@ -5310,6 +5315,7 @@
                         <a:bodyPr/>
                         <a:lstStyle/>
                         <a:p>
+                          <a:pPr/>
                           <a14:m>
                             <m:oMathPara xmlns:m="http://schemas.openxmlformats.org/officeDocument/2006/math">
                               <m:oMathParaPr>
@@ -5361,6 +5367,7 @@
                         <a:bodyPr/>
                         <a:lstStyle/>
                         <a:p>
+                          <a:pPr/>
                           <a14:m>
                             <m:oMathPara xmlns:m="http://schemas.openxmlformats.org/officeDocument/2006/math">
                               <m:oMathParaPr>
@@ -5419,6 +5426,7 @@
                         <a:bodyPr/>
                         <a:lstStyle/>
                         <a:p>
+                          <a:pPr/>
                           <a14:m>
                             <m:oMathPara xmlns:m="http://schemas.openxmlformats.org/officeDocument/2006/math">
                               <m:oMathParaPr>
@@ -5470,6 +5478,7 @@
                         <a:bodyPr/>
                         <a:lstStyle/>
                         <a:p>
+                          <a:pPr/>
                           <a14:m>
                             <m:oMathPara xmlns:m="http://schemas.openxmlformats.org/officeDocument/2006/math">
                               <m:oMathParaPr>
@@ -5503,13 +5512,7 @@
                                       <a:rPr lang="de-DE" b="0" i="1" smtClean="0">
                                         <a:latin typeface="Cambria Math" panose="02040503050406030204" pitchFamily="18" charset="0"/>
                                       </a:rPr>
-                                      <m:t>1</m:t>
-                                    </m:r>
-                                    <m:r>
-                                      <a:rPr lang="de-DE" b="0" i="1" smtClean="0">
-                                        <a:latin typeface="Cambria Math" panose="02040503050406030204" pitchFamily="18" charset="0"/>
-                                      </a:rPr>
-                                      <m:t>6</m:t>
+                                      <m:t>16</m:t>
                                     </m:r>
                                   </m:sub>
                                 </m:sSub>
@@ -5540,6 +5543,7 @@
                         <a:bodyPr/>
                         <a:lstStyle/>
                         <a:p>
+                          <a:pPr/>
                           <a14:m>
                             <m:oMathPara xmlns:m="http://schemas.openxmlformats.org/officeDocument/2006/math">
                               <m:oMathParaPr>
@@ -5591,6 +5595,7 @@
                         <a:bodyPr/>
                         <a:lstStyle/>
                         <a:p>
+                          <a:pPr/>
                           <a14:m>
                             <m:oMathPara xmlns:m="http://schemas.openxmlformats.org/officeDocument/2006/math">
                               <m:oMathParaPr>
@@ -5610,13 +5615,7 @@
                                       <a:rPr lang="de-DE" b="0" i="1" smtClean="0">
                                         <a:latin typeface="Cambria Math" panose="02040503050406030204" pitchFamily="18" charset="0"/>
                                       </a:rPr>
-                                      <m:t>6</m:t>
-                                    </m:r>
-                                    <m:r>
-                                      <a:rPr lang="de-DE" b="0" i="1" smtClean="0">
-                                        <a:latin typeface="Cambria Math" panose="02040503050406030204" pitchFamily="18" charset="0"/>
-                                      </a:rPr>
-                                      <m:t>6</m:t>
+                                      <m:t>66</m:t>
                                     </m:r>
                                   </m:e>
                                   <m:sub>
@@ -5655,6 +5654,7 @@
                         <a:bodyPr/>
                         <a:lstStyle/>
                         <a:p>
+                          <a:pPr/>
                           <a14:m>
                             <m:oMathPara xmlns:m="http://schemas.openxmlformats.org/officeDocument/2006/math">
                               <m:oMathParaPr>
@@ -5705,7 +5705,7 @@
             </a:graphic>
           </p:graphicFrame>
         </mc:Choice>
-        <mc:Fallback>
+        <mc:Fallback xmlns="">
           <p:graphicFrame>
             <p:nvGraphicFramePr>
               <p:cNvPr id="4" name="Inhaltsplatzhalter 3">
@@ -6032,8 +6032,8 @@
           </p:graphicFrame>
         </mc:Fallback>
       </mc:AlternateContent>
-      <mc:AlternateContent xmlns:mc="http://schemas.openxmlformats.org/markup-compatibility/2006">
-        <mc:Choice xmlns:a14="http://schemas.microsoft.com/office/drawing/2010/main" Requires="a14">
+      <mc:AlternateContent xmlns:mc="http://schemas.openxmlformats.org/markup-compatibility/2006" xmlns:a14="http://schemas.microsoft.com/office/drawing/2010/main">
+        <mc:Choice Requires="a14">
           <p:sp>
             <p:nvSpPr>
               <p:cNvPr id="5" name="Textfeld 4">
@@ -6238,7 +6238,7 @@
             </p:txBody>
           </p:sp>
         </mc:Choice>
-        <mc:Fallback>
+        <mc:Fallback xmlns="">
           <p:sp>
             <p:nvSpPr>
               <p:cNvPr id="5" name="Textfeld 4">
@@ -6612,8 +6612,8 @@
           </a:p>
         </p:txBody>
       </p:sp>
-      <mc:AlternateContent xmlns:mc="http://schemas.openxmlformats.org/markup-compatibility/2006">
-        <mc:Choice xmlns:a14="http://schemas.microsoft.com/office/drawing/2010/main" Requires="a14">
+      <mc:AlternateContent xmlns:mc="http://schemas.openxmlformats.org/markup-compatibility/2006" xmlns:a14="http://schemas.microsoft.com/office/drawing/2010/main">
+        <mc:Choice Requires="a14">
           <p:sp>
             <p:nvSpPr>
               <p:cNvPr id="3" name="Inhaltsplatzhalter 2">
@@ -6920,7 +6920,7 @@
             </p:txBody>
           </p:sp>
         </mc:Choice>
-        <mc:Fallback>
+        <mc:Fallback xmlns="">
           <p:sp>
             <p:nvSpPr>
               <p:cNvPr id="3" name="Inhaltsplatzhalter 2">
@@ -6968,6 +6968,1743 @@
     <p:extLst>
       <p:ext uri="{BB962C8B-B14F-4D97-AF65-F5344CB8AC3E}">
         <p14:creationId xmlns:p14="http://schemas.microsoft.com/office/powerpoint/2010/main" val="1834097275"/>
+      </p:ext>
+    </p:extLst>
+  </p:cSld>
+  <p:clrMapOvr>
+    <a:masterClrMapping/>
+  </p:clrMapOvr>
+</p:sld>
+</file>
+
+<file path=ppt/slides/slide5.xml><?xml version="1.0" encoding="utf-8"?>
+<p:sld xmlns:a="http://schemas.openxmlformats.org/drawingml/2006/main" xmlns:r="http://schemas.openxmlformats.org/officeDocument/2006/relationships" xmlns:p="http://schemas.openxmlformats.org/presentationml/2006/main">
+  <p:cSld>
+    <p:spTree>
+      <p:nvGrpSpPr>
+        <p:cNvPr id="1" name=""/>
+        <p:cNvGrpSpPr/>
+        <p:nvPr/>
+      </p:nvGrpSpPr>
+      <p:grpSpPr>
+        <a:xfrm>
+          <a:off x="0" y="0"/>
+          <a:ext cx="0" cy="0"/>
+          <a:chOff x="0" y="0"/>
+          <a:chExt cx="0" cy="0"/>
+        </a:xfrm>
+      </p:grpSpPr>
+      <p:sp>
+        <p:nvSpPr>
+          <p:cNvPr id="2" name="Titel 1">
+            <a:extLst>
+              <a:ext uri="{FF2B5EF4-FFF2-40B4-BE49-F238E27FC236}">
+                <a16:creationId xmlns:a16="http://schemas.microsoft.com/office/drawing/2014/main" id="{6C985989-7B55-F54A-5703-96922D403044}"/>
+              </a:ext>
+            </a:extLst>
+          </p:cNvPr>
+          <p:cNvSpPr>
+            <a:spLocks noGrp="1"/>
+          </p:cNvSpPr>
+          <p:nvPr>
+            <p:ph type="title"/>
+          </p:nvPr>
+        </p:nvSpPr>
+        <p:spPr/>
+        <p:txBody>
+          <a:bodyPr/>
+          <a:lstStyle/>
+          <a:p>
+            <a:r>
+              <a:rPr lang="de-DE" dirty="0"/>
+              <a:t>Aufgabe 2.1</a:t>
+            </a:r>
+          </a:p>
+        </p:txBody>
+      </p:sp>
+      <mc:AlternateContent xmlns:mc="http://schemas.openxmlformats.org/markup-compatibility/2006">
+        <mc:Choice xmlns:a14="http://schemas.microsoft.com/office/drawing/2010/main" Requires="a14">
+          <p:sp>
+            <p:nvSpPr>
+              <p:cNvPr id="3" name="Inhaltsplatzhalter 2">
+                <a:extLst>
+                  <a:ext uri="{FF2B5EF4-FFF2-40B4-BE49-F238E27FC236}">
+                    <a16:creationId xmlns:a16="http://schemas.microsoft.com/office/drawing/2014/main" id="{9F330B63-6E08-452B-76BE-DB1C8B90ED58}"/>
+                  </a:ext>
+                </a:extLst>
+              </p:cNvPr>
+              <p:cNvSpPr>
+                <a:spLocks noGrp="1"/>
+              </p:cNvSpPr>
+              <p:nvPr>
+                <p:ph idx="1"/>
+              </p:nvPr>
+            </p:nvSpPr>
+            <p:spPr/>
+            <p:txBody>
+              <a:bodyPr/>
+              <a:lstStyle/>
+              <a:p>
+                <a:pPr marL="0" indent="0">
+                  <a:buNone/>
+                </a:pPr>
+                <a14:m>
+                  <m:oMathPara xmlns:m="http://schemas.openxmlformats.org/officeDocument/2006/math">
+                    <m:oMathParaPr>
+                      <m:jc m:val="centerGroup"/>
+                    </m:oMathParaPr>
+                    <m:oMath xmlns:m="http://schemas.openxmlformats.org/officeDocument/2006/math">
+                      <m:acc>
+                        <m:accPr>
+                          <m:chr m:val="̅"/>
+                          <m:ctrlPr>
+                            <a:rPr lang="de-DE" i="1" smtClean="0">
+                              <a:latin typeface="Cambria Math" panose="02040503050406030204" pitchFamily="18" charset="0"/>
+                            </a:rPr>
+                          </m:ctrlPr>
+                        </m:accPr>
+                        <m:e>
+                          <m:r>
+                            <a:rPr lang="de-DE" b="0" i="1" smtClean="0">
+                              <a:latin typeface="Cambria Math" panose="02040503050406030204" pitchFamily="18" charset="0"/>
+                            </a:rPr>
+                            <m:t>𝑏</m:t>
+                          </m:r>
+                          <m:r>
+                            <a:rPr lang="de-DE" b="0" i="1" smtClean="0">
+                              <a:latin typeface="Cambria Math" panose="02040503050406030204" pitchFamily="18" charset="0"/>
+                            </a:rPr>
+                            <m:t> ∨(</m:t>
+                          </m:r>
+                          <m:acc>
+                            <m:accPr>
+                              <m:chr m:val="̅"/>
+                              <m:ctrlPr>
+                                <a:rPr lang="de-DE" i="1">
+                                  <a:latin typeface="Cambria Math" panose="02040503050406030204" pitchFamily="18" charset="0"/>
+                                  <a:ea typeface="Cambria Math" panose="02040503050406030204" pitchFamily="18" charset="0"/>
+                                </a:rPr>
+                              </m:ctrlPr>
+                            </m:accPr>
+                            <m:e>
+                              <m:r>
+                                <a:rPr lang="de-DE" i="1">
+                                  <a:latin typeface="Cambria Math" panose="02040503050406030204" pitchFamily="18" charset="0"/>
+                                  <a:ea typeface="Cambria Math" panose="02040503050406030204" pitchFamily="18" charset="0"/>
+                                </a:rPr>
+                                <m:t>𝑎</m:t>
+                              </m:r>
+                            </m:e>
+                          </m:acc>
+                          <m:r>
+                            <a:rPr lang="de-DE" i="1">
+                              <a:latin typeface="Cambria Math" panose="02040503050406030204" pitchFamily="18" charset="0"/>
+                              <a:ea typeface="Cambria Math" panose="02040503050406030204" pitchFamily="18" charset="0"/>
+                            </a:rPr>
+                            <m:t>∧</m:t>
+                          </m:r>
+                          <m:acc>
+                            <m:accPr>
+                              <m:chr m:val="̅"/>
+                              <m:ctrlPr>
+                                <a:rPr lang="de-DE" i="1">
+                                  <a:latin typeface="Cambria Math" panose="02040503050406030204" pitchFamily="18" charset="0"/>
+                                  <a:ea typeface="Cambria Math" panose="02040503050406030204" pitchFamily="18" charset="0"/>
+                                </a:rPr>
+                              </m:ctrlPr>
+                            </m:accPr>
+                            <m:e>
+                              <m:r>
+                                <a:rPr lang="de-DE" i="1">
+                                  <a:latin typeface="Cambria Math" panose="02040503050406030204" pitchFamily="18" charset="0"/>
+                                  <a:ea typeface="Cambria Math" panose="02040503050406030204" pitchFamily="18" charset="0"/>
+                                </a:rPr>
+                                <m:t>𝑏</m:t>
+                              </m:r>
+                            </m:e>
+                          </m:acc>
+                          <m:r>
+                            <a:rPr lang="de-DE" b="0" i="1" smtClean="0">
+                              <a:latin typeface="Cambria Math" panose="02040503050406030204" pitchFamily="18" charset="0"/>
+                              <a:ea typeface="Cambria Math" panose="02040503050406030204" pitchFamily="18" charset="0"/>
+                            </a:rPr>
+                            <m:t>)</m:t>
+                          </m:r>
+                        </m:e>
+                      </m:acc>
+                    </m:oMath>
+                  </m:oMathPara>
+                </a14:m>
+                <a:endParaRPr lang="de-DE" dirty="0"/>
+              </a:p>
+              <a:p>
+                <a:pPr marL="457200" indent="-457200">
+                  <a:buFont typeface="+mj-lt"/>
+                  <a:buAutoNum type="arabicPeriod"/>
+                </a:pPr>
+                <a14:m>
+                  <m:oMath xmlns:m="http://schemas.openxmlformats.org/officeDocument/2006/math">
+                    <m:acc>
+                      <m:accPr>
+                        <m:chr m:val="̅"/>
+                        <m:ctrlPr>
+                          <a:rPr lang="de-DE" i="1">
+                            <a:latin typeface="Cambria Math" panose="02040503050406030204" pitchFamily="18" charset="0"/>
+                          </a:rPr>
+                        </m:ctrlPr>
+                      </m:accPr>
+                      <m:e>
+                        <m:r>
+                          <a:rPr lang="de-DE" i="1">
+                            <a:latin typeface="Cambria Math" panose="02040503050406030204" pitchFamily="18" charset="0"/>
+                          </a:rPr>
+                          <m:t>𝑏</m:t>
+                        </m:r>
+                        <m:r>
+                          <a:rPr lang="de-DE" i="1">
+                            <a:latin typeface="Cambria Math" panose="02040503050406030204" pitchFamily="18" charset="0"/>
+                          </a:rPr>
+                          <m:t> ∨(</m:t>
+                        </m:r>
+                        <m:acc>
+                          <m:accPr>
+                            <m:chr m:val="̅"/>
+                            <m:ctrlPr>
+                              <a:rPr lang="de-DE" i="1">
+                                <a:latin typeface="Cambria Math" panose="02040503050406030204" pitchFamily="18" charset="0"/>
+                                <a:ea typeface="Cambria Math" panose="02040503050406030204" pitchFamily="18" charset="0"/>
+                              </a:rPr>
+                            </m:ctrlPr>
+                          </m:accPr>
+                          <m:e>
+                            <m:r>
+                              <a:rPr lang="de-DE" i="1">
+                                <a:latin typeface="Cambria Math" panose="02040503050406030204" pitchFamily="18" charset="0"/>
+                                <a:ea typeface="Cambria Math" panose="02040503050406030204" pitchFamily="18" charset="0"/>
+                              </a:rPr>
+                              <m:t>𝑎</m:t>
+                            </m:r>
+                          </m:e>
+                        </m:acc>
+                        <m:r>
+                          <a:rPr lang="de-DE" i="1">
+                            <a:latin typeface="Cambria Math" panose="02040503050406030204" pitchFamily="18" charset="0"/>
+                            <a:ea typeface="Cambria Math" panose="02040503050406030204" pitchFamily="18" charset="0"/>
+                          </a:rPr>
+                          <m:t>∧</m:t>
+                        </m:r>
+                        <m:acc>
+                          <m:accPr>
+                            <m:chr m:val="̅"/>
+                            <m:ctrlPr>
+                              <a:rPr lang="de-DE" i="1">
+                                <a:latin typeface="Cambria Math" panose="02040503050406030204" pitchFamily="18" charset="0"/>
+                                <a:ea typeface="Cambria Math" panose="02040503050406030204" pitchFamily="18" charset="0"/>
+                              </a:rPr>
+                            </m:ctrlPr>
+                          </m:accPr>
+                          <m:e>
+                            <m:r>
+                              <a:rPr lang="de-DE" i="1">
+                                <a:latin typeface="Cambria Math" panose="02040503050406030204" pitchFamily="18" charset="0"/>
+                                <a:ea typeface="Cambria Math" panose="02040503050406030204" pitchFamily="18" charset="0"/>
+                              </a:rPr>
+                              <m:t>𝑏</m:t>
+                            </m:r>
+                          </m:e>
+                        </m:acc>
+                        <m:r>
+                          <a:rPr lang="de-DE" i="1">
+                            <a:latin typeface="Cambria Math" panose="02040503050406030204" pitchFamily="18" charset="0"/>
+                            <a:ea typeface="Cambria Math" panose="02040503050406030204" pitchFamily="18" charset="0"/>
+                          </a:rPr>
+                          <m:t>)</m:t>
+                        </m:r>
+                      </m:e>
+                    </m:acc>
+                    <m:r>
+                      <a:rPr lang="de-DE" b="0" i="1" smtClean="0">
+                        <a:latin typeface="Cambria Math" panose="02040503050406030204" pitchFamily="18" charset="0"/>
+                        <a:ea typeface="Cambria Math" panose="02040503050406030204" pitchFamily="18" charset="0"/>
+                      </a:rPr>
+                      <m:t>= </m:t>
+                    </m:r>
+                    <m:acc>
+                      <m:accPr>
+                        <m:chr m:val="̅"/>
+                        <m:ctrlPr>
+                          <a:rPr lang="de-DE" b="0" i="1" smtClean="0">
+                            <a:latin typeface="Cambria Math" panose="02040503050406030204" pitchFamily="18" charset="0"/>
+                            <a:ea typeface="Cambria Math" panose="02040503050406030204" pitchFamily="18" charset="0"/>
+                          </a:rPr>
+                        </m:ctrlPr>
+                      </m:accPr>
+                      <m:e>
+                        <m:r>
+                          <a:rPr lang="de-DE" b="0" i="1" smtClean="0">
+                            <a:latin typeface="Cambria Math" panose="02040503050406030204" pitchFamily="18" charset="0"/>
+                            <a:ea typeface="Cambria Math" panose="02040503050406030204" pitchFamily="18" charset="0"/>
+                          </a:rPr>
+                          <m:t>𝑏</m:t>
+                        </m:r>
+                      </m:e>
+                    </m:acc>
+                    <m:r>
+                      <a:rPr lang="de-DE" i="1" smtClean="0">
+                        <a:latin typeface="Cambria Math" panose="02040503050406030204" pitchFamily="18" charset="0"/>
+                        <a:ea typeface="Cambria Math" panose="02040503050406030204" pitchFamily="18" charset="0"/>
+                      </a:rPr>
+                      <m:t>∧</m:t>
+                    </m:r>
+                    <m:r>
+                      <a:rPr lang="de-DE" b="0" i="1" smtClean="0">
+                        <a:latin typeface="Cambria Math" panose="02040503050406030204" pitchFamily="18" charset="0"/>
+                        <a:ea typeface="Cambria Math" panose="02040503050406030204" pitchFamily="18" charset="0"/>
+                      </a:rPr>
+                      <m:t> </m:t>
+                    </m:r>
+                    <m:acc>
+                      <m:accPr>
+                        <m:chr m:val="̅"/>
+                        <m:ctrlPr>
+                          <a:rPr lang="de-DE" b="0" i="1" smtClean="0">
+                            <a:latin typeface="Cambria Math" panose="02040503050406030204" pitchFamily="18" charset="0"/>
+                            <a:ea typeface="Cambria Math" panose="02040503050406030204" pitchFamily="18" charset="0"/>
+                          </a:rPr>
+                        </m:ctrlPr>
+                      </m:accPr>
+                      <m:e>
+                        <m:r>
+                          <a:rPr lang="de-DE" b="0" i="1" smtClean="0">
+                            <a:latin typeface="Cambria Math" panose="02040503050406030204" pitchFamily="18" charset="0"/>
+                            <a:ea typeface="Cambria Math" panose="02040503050406030204" pitchFamily="18" charset="0"/>
+                          </a:rPr>
+                          <m:t>(</m:t>
+                        </m:r>
+                        <m:acc>
+                          <m:accPr>
+                            <m:chr m:val="̅"/>
+                            <m:ctrlPr>
+                              <a:rPr lang="de-DE" i="1">
+                                <a:latin typeface="Cambria Math" panose="02040503050406030204" pitchFamily="18" charset="0"/>
+                                <a:ea typeface="Cambria Math" panose="02040503050406030204" pitchFamily="18" charset="0"/>
+                              </a:rPr>
+                            </m:ctrlPr>
+                          </m:accPr>
+                          <m:e>
+                            <m:r>
+                              <a:rPr lang="de-DE" i="1">
+                                <a:latin typeface="Cambria Math" panose="02040503050406030204" pitchFamily="18" charset="0"/>
+                                <a:ea typeface="Cambria Math" panose="02040503050406030204" pitchFamily="18" charset="0"/>
+                              </a:rPr>
+                              <m:t>𝑎</m:t>
+                            </m:r>
+                          </m:e>
+                        </m:acc>
+                        <m:r>
+                          <a:rPr lang="de-DE" i="1">
+                            <a:latin typeface="Cambria Math" panose="02040503050406030204" pitchFamily="18" charset="0"/>
+                            <a:ea typeface="Cambria Math" panose="02040503050406030204" pitchFamily="18" charset="0"/>
+                          </a:rPr>
+                          <m:t>∧</m:t>
+                        </m:r>
+                        <m:acc>
+                          <m:accPr>
+                            <m:chr m:val="̅"/>
+                            <m:ctrlPr>
+                              <a:rPr lang="de-DE" i="1">
+                                <a:latin typeface="Cambria Math" panose="02040503050406030204" pitchFamily="18" charset="0"/>
+                                <a:ea typeface="Cambria Math" panose="02040503050406030204" pitchFamily="18" charset="0"/>
+                              </a:rPr>
+                            </m:ctrlPr>
+                          </m:accPr>
+                          <m:e>
+                            <m:r>
+                              <a:rPr lang="de-DE" i="1">
+                                <a:latin typeface="Cambria Math" panose="02040503050406030204" pitchFamily="18" charset="0"/>
+                                <a:ea typeface="Cambria Math" panose="02040503050406030204" pitchFamily="18" charset="0"/>
+                              </a:rPr>
+                              <m:t>𝑏</m:t>
+                            </m:r>
+                          </m:e>
+                        </m:acc>
+                        <m:r>
+                          <a:rPr lang="de-DE" b="0" i="1" smtClean="0">
+                            <a:latin typeface="Cambria Math" panose="02040503050406030204" pitchFamily="18" charset="0"/>
+                            <a:ea typeface="Cambria Math" panose="02040503050406030204" pitchFamily="18" charset="0"/>
+                          </a:rPr>
+                          <m:t>)</m:t>
+                        </m:r>
+                      </m:e>
+                    </m:acc>
+                  </m:oMath>
+                </a14:m>
+                <a:endParaRPr lang="de-DE" dirty="0"/>
+              </a:p>
+              <a:p>
+                <a:pPr marL="457200" indent="-457200">
+                  <a:buFont typeface="+mj-lt"/>
+                  <a:buAutoNum type="arabicPeriod"/>
+                </a:pPr>
+                <a14:m>
+                  <m:oMath xmlns:m="http://schemas.openxmlformats.org/officeDocument/2006/math">
+                    <m:acc>
+                      <m:accPr>
+                        <m:chr m:val="̅"/>
+                        <m:ctrlPr>
+                          <a:rPr lang="de-DE" i="1">
+                            <a:latin typeface="Cambria Math" panose="02040503050406030204" pitchFamily="18" charset="0"/>
+                            <a:ea typeface="Cambria Math" panose="02040503050406030204" pitchFamily="18" charset="0"/>
+                          </a:rPr>
+                        </m:ctrlPr>
+                      </m:accPr>
+                      <m:e>
+                        <m:r>
+                          <a:rPr lang="de-DE" i="1">
+                            <a:latin typeface="Cambria Math" panose="02040503050406030204" pitchFamily="18" charset="0"/>
+                            <a:ea typeface="Cambria Math" panose="02040503050406030204" pitchFamily="18" charset="0"/>
+                          </a:rPr>
+                          <m:t>𝑏</m:t>
+                        </m:r>
+                      </m:e>
+                    </m:acc>
+                    <m:r>
+                      <a:rPr lang="de-DE" i="1">
+                        <a:latin typeface="Cambria Math" panose="02040503050406030204" pitchFamily="18" charset="0"/>
+                        <a:ea typeface="Cambria Math" panose="02040503050406030204" pitchFamily="18" charset="0"/>
+                      </a:rPr>
+                      <m:t>∧ </m:t>
+                    </m:r>
+                    <m:acc>
+                      <m:accPr>
+                        <m:chr m:val="̅"/>
+                        <m:ctrlPr>
+                          <a:rPr lang="de-DE" i="1">
+                            <a:latin typeface="Cambria Math" panose="02040503050406030204" pitchFamily="18" charset="0"/>
+                            <a:ea typeface="Cambria Math" panose="02040503050406030204" pitchFamily="18" charset="0"/>
+                          </a:rPr>
+                        </m:ctrlPr>
+                      </m:accPr>
+                      <m:e>
+                        <m:d>
+                          <m:dPr>
+                            <m:ctrlPr>
+                              <a:rPr lang="de-DE" i="1">
+                                <a:latin typeface="Cambria Math" panose="02040503050406030204" pitchFamily="18" charset="0"/>
+                                <a:ea typeface="Cambria Math" panose="02040503050406030204" pitchFamily="18" charset="0"/>
+                              </a:rPr>
+                            </m:ctrlPr>
+                          </m:dPr>
+                          <m:e>
+                            <m:acc>
+                              <m:accPr>
+                                <m:chr m:val="̅"/>
+                                <m:ctrlPr>
+                                  <a:rPr lang="de-DE" i="1">
+                                    <a:latin typeface="Cambria Math" panose="02040503050406030204" pitchFamily="18" charset="0"/>
+                                    <a:ea typeface="Cambria Math" panose="02040503050406030204" pitchFamily="18" charset="0"/>
+                                  </a:rPr>
+                                </m:ctrlPr>
+                              </m:accPr>
+                              <m:e>
+                                <m:r>
+                                  <a:rPr lang="de-DE" i="1">
+                                    <a:latin typeface="Cambria Math" panose="02040503050406030204" pitchFamily="18" charset="0"/>
+                                    <a:ea typeface="Cambria Math" panose="02040503050406030204" pitchFamily="18" charset="0"/>
+                                  </a:rPr>
+                                  <m:t>𝑎</m:t>
+                                </m:r>
+                              </m:e>
+                            </m:acc>
+                            <m:r>
+                              <a:rPr lang="de-DE" i="1">
+                                <a:latin typeface="Cambria Math" panose="02040503050406030204" pitchFamily="18" charset="0"/>
+                                <a:ea typeface="Cambria Math" panose="02040503050406030204" pitchFamily="18" charset="0"/>
+                              </a:rPr>
+                              <m:t>∧</m:t>
+                            </m:r>
+                            <m:acc>
+                              <m:accPr>
+                                <m:chr m:val="̅"/>
+                                <m:ctrlPr>
+                                  <a:rPr lang="de-DE" i="1">
+                                    <a:latin typeface="Cambria Math" panose="02040503050406030204" pitchFamily="18" charset="0"/>
+                                    <a:ea typeface="Cambria Math" panose="02040503050406030204" pitchFamily="18" charset="0"/>
+                                  </a:rPr>
+                                </m:ctrlPr>
+                              </m:accPr>
+                              <m:e>
+                                <m:r>
+                                  <a:rPr lang="de-DE" i="1">
+                                    <a:latin typeface="Cambria Math" panose="02040503050406030204" pitchFamily="18" charset="0"/>
+                                    <a:ea typeface="Cambria Math" panose="02040503050406030204" pitchFamily="18" charset="0"/>
+                                  </a:rPr>
+                                  <m:t>𝑏</m:t>
+                                </m:r>
+                              </m:e>
+                            </m:acc>
+                          </m:e>
+                        </m:d>
+                      </m:e>
+                    </m:acc>
+                    <m:r>
+                      <a:rPr lang="de-DE" b="0" i="1" smtClean="0">
+                        <a:latin typeface="Cambria Math" panose="02040503050406030204" pitchFamily="18" charset="0"/>
+                        <a:ea typeface="Cambria Math" panose="02040503050406030204" pitchFamily="18" charset="0"/>
+                      </a:rPr>
+                      <m:t>= </m:t>
+                    </m:r>
+                    <m:acc>
+                      <m:accPr>
+                        <m:chr m:val="̅"/>
+                        <m:ctrlPr>
+                          <a:rPr lang="de-DE" i="1">
+                            <a:latin typeface="Cambria Math" panose="02040503050406030204" pitchFamily="18" charset="0"/>
+                            <a:ea typeface="Cambria Math" panose="02040503050406030204" pitchFamily="18" charset="0"/>
+                          </a:rPr>
+                        </m:ctrlPr>
+                      </m:accPr>
+                      <m:e>
+                        <m:r>
+                          <a:rPr lang="de-DE" i="1">
+                            <a:latin typeface="Cambria Math" panose="02040503050406030204" pitchFamily="18" charset="0"/>
+                            <a:ea typeface="Cambria Math" panose="02040503050406030204" pitchFamily="18" charset="0"/>
+                          </a:rPr>
+                          <m:t>𝑏</m:t>
+                        </m:r>
+                      </m:e>
+                    </m:acc>
+                    <m:r>
+                      <a:rPr lang="de-DE" i="1">
+                        <a:latin typeface="Cambria Math" panose="02040503050406030204" pitchFamily="18" charset="0"/>
+                        <a:ea typeface="Cambria Math" panose="02040503050406030204" pitchFamily="18" charset="0"/>
+                      </a:rPr>
+                      <m:t>∧</m:t>
+                    </m:r>
+                    <m:r>
+                      <a:rPr lang="de-DE" b="0" i="1" smtClean="0">
+                        <a:latin typeface="Cambria Math" panose="02040503050406030204" pitchFamily="18" charset="0"/>
+                        <a:ea typeface="Cambria Math" panose="02040503050406030204" pitchFamily="18" charset="0"/>
+                      </a:rPr>
+                      <m:t>(</m:t>
+                    </m:r>
+                    <m:r>
+                      <a:rPr lang="de-DE" b="0" i="1" smtClean="0">
+                        <a:latin typeface="Cambria Math" panose="02040503050406030204" pitchFamily="18" charset="0"/>
+                        <a:ea typeface="Cambria Math" panose="02040503050406030204" pitchFamily="18" charset="0"/>
+                      </a:rPr>
+                      <m:t>𝑎</m:t>
+                    </m:r>
+                    <m:r>
+                      <a:rPr lang="de-DE" i="1">
+                        <a:latin typeface="Cambria Math" panose="02040503050406030204" pitchFamily="18" charset="0"/>
+                        <a:ea typeface="Cambria Math" panose="02040503050406030204" pitchFamily="18" charset="0"/>
+                      </a:rPr>
+                      <m:t>∨</m:t>
+                    </m:r>
+                    <m:r>
+                      <a:rPr lang="de-DE" b="0" i="1" smtClean="0">
+                        <a:latin typeface="Cambria Math" panose="02040503050406030204" pitchFamily="18" charset="0"/>
+                        <a:ea typeface="Cambria Math" panose="02040503050406030204" pitchFamily="18" charset="0"/>
+                      </a:rPr>
+                      <m:t>𝑏</m:t>
+                    </m:r>
+                    <m:r>
+                      <a:rPr lang="de-DE" b="0" i="1" smtClean="0">
+                        <a:latin typeface="Cambria Math" panose="02040503050406030204" pitchFamily="18" charset="0"/>
+                        <a:ea typeface="Cambria Math" panose="02040503050406030204" pitchFamily="18" charset="0"/>
+                      </a:rPr>
+                      <m:t>)</m:t>
+                    </m:r>
+                  </m:oMath>
+                </a14:m>
+                <a:endParaRPr lang="de-DE" dirty="0"/>
+              </a:p>
+              <a:p>
+                <a:pPr marL="457200" indent="-457200">
+                  <a:buFont typeface="+mj-lt"/>
+                  <a:buAutoNum type="arabicPeriod"/>
+                </a:pPr>
+                <a14:m>
+                  <m:oMath xmlns:m="http://schemas.openxmlformats.org/officeDocument/2006/math">
+                    <m:acc>
+                      <m:accPr>
+                        <m:chr m:val="̅"/>
+                        <m:ctrlPr>
+                          <a:rPr lang="de-DE" i="1">
+                            <a:latin typeface="Cambria Math" panose="02040503050406030204" pitchFamily="18" charset="0"/>
+                            <a:ea typeface="Cambria Math" panose="02040503050406030204" pitchFamily="18" charset="0"/>
+                          </a:rPr>
+                        </m:ctrlPr>
+                      </m:accPr>
+                      <m:e>
+                        <m:r>
+                          <a:rPr lang="de-DE" i="1">
+                            <a:latin typeface="Cambria Math" panose="02040503050406030204" pitchFamily="18" charset="0"/>
+                            <a:ea typeface="Cambria Math" panose="02040503050406030204" pitchFamily="18" charset="0"/>
+                          </a:rPr>
+                          <m:t>𝑏</m:t>
+                        </m:r>
+                      </m:e>
+                    </m:acc>
+                    <m:r>
+                      <a:rPr lang="de-DE" i="1">
+                        <a:latin typeface="Cambria Math" panose="02040503050406030204" pitchFamily="18" charset="0"/>
+                        <a:ea typeface="Cambria Math" panose="02040503050406030204" pitchFamily="18" charset="0"/>
+                      </a:rPr>
+                      <m:t>∧</m:t>
+                    </m:r>
+                    <m:d>
+                      <m:dPr>
+                        <m:ctrlPr>
+                          <a:rPr lang="de-DE" i="1">
+                            <a:latin typeface="Cambria Math" panose="02040503050406030204" pitchFamily="18" charset="0"/>
+                            <a:ea typeface="Cambria Math" panose="02040503050406030204" pitchFamily="18" charset="0"/>
+                          </a:rPr>
+                        </m:ctrlPr>
+                      </m:dPr>
+                      <m:e>
+                        <m:r>
+                          <a:rPr lang="de-DE" i="1">
+                            <a:latin typeface="Cambria Math" panose="02040503050406030204" pitchFamily="18" charset="0"/>
+                            <a:ea typeface="Cambria Math" panose="02040503050406030204" pitchFamily="18" charset="0"/>
+                          </a:rPr>
+                          <m:t>𝑎</m:t>
+                        </m:r>
+                        <m:r>
+                          <a:rPr lang="de-DE" i="1">
+                            <a:latin typeface="Cambria Math" panose="02040503050406030204" pitchFamily="18" charset="0"/>
+                            <a:ea typeface="Cambria Math" panose="02040503050406030204" pitchFamily="18" charset="0"/>
+                          </a:rPr>
+                          <m:t>∨</m:t>
+                        </m:r>
+                        <m:r>
+                          <a:rPr lang="de-DE" i="1">
+                            <a:latin typeface="Cambria Math" panose="02040503050406030204" pitchFamily="18" charset="0"/>
+                            <a:ea typeface="Cambria Math" panose="02040503050406030204" pitchFamily="18" charset="0"/>
+                          </a:rPr>
+                          <m:t>𝑏</m:t>
+                        </m:r>
+                      </m:e>
+                    </m:d>
+                    <m:r>
+                      <a:rPr lang="de-DE" b="0" i="1" smtClean="0">
+                        <a:latin typeface="Cambria Math" panose="02040503050406030204" pitchFamily="18" charset="0"/>
+                        <a:ea typeface="Cambria Math" panose="02040503050406030204" pitchFamily="18" charset="0"/>
+                      </a:rPr>
+                      <m:t>=</m:t>
+                    </m:r>
+                    <m:d>
+                      <m:dPr>
+                        <m:ctrlPr>
+                          <a:rPr lang="de-DE" b="0" i="1" smtClean="0">
+                            <a:latin typeface="Cambria Math" panose="02040503050406030204" pitchFamily="18" charset="0"/>
+                            <a:ea typeface="Cambria Math" panose="02040503050406030204" pitchFamily="18" charset="0"/>
+                          </a:rPr>
+                        </m:ctrlPr>
+                      </m:dPr>
+                      <m:e>
+                        <m:acc>
+                          <m:accPr>
+                            <m:chr m:val="̅"/>
+                            <m:ctrlPr>
+                              <a:rPr lang="de-DE" i="1">
+                                <a:latin typeface="Cambria Math" panose="02040503050406030204" pitchFamily="18" charset="0"/>
+                                <a:ea typeface="Cambria Math" panose="02040503050406030204" pitchFamily="18" charset="0"/>
+                              </a:rPr>
+                            </m:ctrlPr>
+                          </m:accPr>
+                          <m:e>
+                            <m:r>
+                              <a:rPr lang="de-DE" i="1">
+                                <a:latin typeface="Cambria Math" panose="02040503050406030204" pitchFamily="18" charset="0"/>
+                                <a:ea typeface="Cambria Math" panose="02040503050406030204" pitchFamily="18" charset="0"/>
+                              </a:rPr>
+                              <m:t>𝑏</m:t>
+                            </m:r>
+                          </m:e>
+                        </m:acc>
+                        <m:r>
+                          <a:rPr lang="de-DE" i="1">
+                            <a:latin typeface="Cambria Math" panose="02040503050406030204" pitchFamily="18" charset="0"/>
+                            <a:ea typeface="Cambria Math" panose="02040503050406030204" pitchFamily="18" charset="0"/>
+                          </a:rPr>
+                          <m:t>∧</m:t>
+                        </m:r>
+                        <m:r>
+                          <a:rPr lang="de-DE" b="0" i="1" smtClean="0">
+                            <a:latin typeface="Cambria Math" panose="02040503050406030204" pitchFamily="18" charset="0"/>
+                            <a:ea typeface="Cambria Math" panose="02040503050406030204" pitchFamily="18" charset="0"/>
+                          </a:rPr>
+                          <m:t>𝑎</m:t>
+                        </m:r>
+                      </m:e>
+                    </m:d>
+                    <m:r>
+                      <a:rPr lang="de-DE" b="0" i="1" smtClean="0">
+                        <a:latin typeface="Cambria Math" panose="02040503050406030204" pitchFamily="18" charset="0"/>
+                        <a:ea typeface="Cambria Math" panose="02040503050406030204" pitchFamily="18" charset="0"/>
+                      </a:rPr>
+                      <m:t>∨(</m:t>
+                    </m:r>
+                    <m:acc>
+                      <m:accPr>
+                        <m:chr m:val="̅"/>
+                        <m:ctrlPr>
+                          <a:rPr lang="de-DE" i="1">
+                            <a:latin typeface="Cambria Math" panose="02040503050406030204" pitchFamily="18" charset="0"/>
+                            <a:ea typeface="Cambria Math" panose="02040503050406030204" pitchFamily="18" charset="0"/>
+                          </a:rPr>
+                        </m:ctrlPr>
+                      </m:accPr>
+                      <m:e>
+                        <m:r>
+                          <a:rPr lang="de-DE" i="1">
+                            <a:latin typeface="Cambria Math" panose="02040503050406030204" pitchFamily="18" charset="0"/>
+                            <a:ea typeface="Cambria Math" panose="02040503050406030204" pitchFamily="18" charset="0"/>
+                          </a:rPr>
+                          <m:t>𝑏</m:t>
+                        </m:r>
+                      </m:e>
+                    </m:acc>
+                    <m:r>
+                      <a:rPr lang="de-DE" b="0" i="1" smtClean="0">
+                        <a:latin typeface="Cambria Math" panose="02040503050406030204" pitchFamily="18" charset="0"/>
+                        <a:ea typeface="Cambria Math" panose="02040503050406030204" pitchFamily="18" charset="0"/>
+                      </a:rPr>
+                      <m:t>∧</m:t>
+                    </m:r>
+                    <m:r>
+                      <a:rPr lang="de-DE" b="0" i="1" smtClean="0">
+                        <a:latin typeface="Cambria Math" panose="02040503050406030204" pitchFamily="18" charset="0"/>
+                        <a:ea typeface="Cambria Math" panose="02040503050406030204" pitchFamily="18" charset="0"/>
+                      </a:rPr>
+                      <m:t>𝑏</m:t>
+                    </m:r>
+                    <m:r>
+                      <a:rPr lang="de-DE" b="0" i="1" smtClean="0">
+                        <a:latin typeface="Cambria Math" panose="02040503050406030204" pitchFamily="18" charset="0"/>
+                        <a:ea typeface="Cambria Math" panose="02040503050406030204" pitchFamily="18" charset="0"/>
+                      </a:rPr>
+                      <m:t>)</m:t>
+                    </m:r>
+                  </m:oMath>
+                </a14:m>
+                <a:endParaRPr lang="de-DE" dirty="0"/>
+              </a:p>
+              <a:p>
+                <a:pPr marL="457200" indent="-457200">
+                  <a:buFont typeface="+mj-lt"/>
+                  <a:buAutoNum type="arabicPeriod"/>
+                </a:pPr>
+                <a14:m>
+                  <m:oMath xmlns:m="http://schemas.openxmlformats.org/officeDocument/2006/math">
+                    <m:d>
+                      <m:dPr>
+                        <m:ctrlPr>
+                          <a:rPr lang="de-DE" i="1">
+                            <a:latin typeface="Cambria Math" panose="02040503050406030204" pitchFamily="18" charset="0"/>
+                            <a:ea typeface="Cambria Math" panose="02040503050406030204" pitchFamily="18" charset="0"/>
+                          </a:rPr>
+                        </m:ctrlPr>
+                      </m:dPr>
+                      <m:e>
+                        <m:acc>
+                          <m:accPr>
+                            <m:chr m:val="̅"/>
+                            <m:ctrlPr>
+                              <a:rPr lang="de-DE" i="1">
+                                <a:latin typeface="Cambria Math" panose="02040503050406030204" pitchFamily="18" charset="0"/>
+                                <a:ea typeface="Cambria Math" panose="02040503050406030204" pitchFamily="18" charset="0"/>
+                              </a:rPr>
+                            </m:ctrlPr>
+                          </m:accPr>
+                          <m:e>
+                            <m:r>
+                              <a:rPr lang="de-DE" i="1">
+                                <a:latin typeface="Cambria Math" panose="02040503050406030204" pitchFamily="18" charset="0"/>
+                                <a:ea typeface="Cambria Math" panose="02040503050406030204" pitchFamily="18" charset="0"/>
+                              </a:rPr>
+                              <m:t>𝑏</m:t>
+                            </m:r>
+                          </m:e>
+                        </m:acc>
+                        <m:r>
+                          <a:rPr lang="de-DE" i="1">
+                            <a:latin typeface="Cambria Math" panose="02040503050406030204" pitchFamily="18" charset="0"/>
+                            <a:ea typeface="Cambria Math" panose="02040503050406030204" pitchFamily="18" charset="0"/>
+                          </a:rPr>
+                          <m:t>∧</m:t>
+                        </m:r>
+                        <m:r>
+                          <a:rPr lang="de-DE" i="1">
+                            <a:latin typeface="Cambria Math" panose="02040503050406030204" pitchFamily="18" charset="0"/>
+                            <a:ea typeface="Cambria Math" panose="02040503050406030204" pitchFamily="18" charset="0"/>
+                          </a:rPr>
+                          <m:t>𝑎</m:t>
+                        </m:r>
+                      </m:e>
+                    </m:d>
+                    <m:r>
+                      <a:rPr lang="de-DE" i="1">
+                        <a:latin typeface="Cambria Math" panose="02040503050406030204" pitchFamily="18" charset="0"/>
+                        <a:ea typeface="Cambria Math" panose="02040503050406030204" pitchFamily="18" charset="0"/>
+                      </a:rPr>
+                      <m:t>∨</m:t>
+                    </m:r>
+                    <m:d>
+                      <m:dPr>
+                        <m:ctrlPr>
+                          <a:rPr lang="de-DE" i="1">
+                            <a:latin typeface="Cambria Math" panose="02040503050406030204" pitchFamily="18" charset="0"/>
+                            <a:ea typeface="Cambria Math" panose="02040503050406030204" pitchFamily="18" charset="0"/>
+                          </a:rPr>
+                        </m:ctrlPr>
+                      </m:dPr>
+                      <m:e>
+                        <m:acc>
+                          <m:accPr>
+                            <m:chr m:val="̅"/>
+                            <m:ctrlPr>
+                              <a:rPr lang="de-DE" i="1">
+                                <a:latin typeface="Cambria Math" panose="02040503050406030204" pitchFamily="18" charset="0"/>
+                                <a:ea typeface="Cambria Math" panose="02040503050406030204" pitchFamily="18" charset="0"/>
+                              </a:rPr>
+                            </m:ctrlPr>
+                          </m:accPr>
+                          <m:e>
+                            <m:r>
+                              <a:rPr lang="de-DE" i="1">
+                                <a:latin typeface="Cambria Math" panose="02040503050406030204" pitchFamily="18" charset="0"/>
+                                <a:ea typeface="Cambria Math" panose="02040503050406030204" pitchFamily="18" charset="0"/>
+                              </a:rPr>
+                              <m:t>𝑏</m:t>
+                            </m:r>
+                          </m:e>
+                        </m:acc>
+                        <m:r>
+                          <a:rPr lang="de-DE" i="1">
+                            <a:latin typeface="Cambria Math" panose="02040503050406030204" pitchFamily="18" charset="0"/>
+                            <a:ea typeface="Cambria Math" panose="02040503050406030204" pitchFamily="18" charset="0"/>
+                          </a:rPr>
+                          <m:t>∧</m:t>
+                        </m:r>
+                        <m:r>
+                          <a:rPr lang="de-DE" i="1">
+                            <a:latin typeface="Cambria Math" panose="02040503050406030204" pitchFamily="18" charset="0"/>
+                            <a:ea typeface="Cambria Math" panose="02040503050406030204" pitchFamily="18" charset="0"/>
+                          </a:rPr>
+                          <m:t>𝑏</m:t>
+                        </m:r>
+                      </m:e>
+                    </m:d>
+                    <m:r>
+                      <a:rPr lang="de-DE" b="0" i="1" smtClean="0">
+                        <a:latin typeface="Cambria Math" panose="02040503050406030204" pitchFamily="18" charset="0"/>
+                        <a:ea typeface="Cambria Math" panose="02040503050406030204" pitchFamily="18" charset="0"/>
+                      </a:rPr>
+                      <m:t>=</m:t>
+                    </m:r>
+                    <m:d>
+                      <m:dPr>
+                        <m:ctrlPr>
+                          <a:rPr lang="de-DE" i="1">
+                            <a:latin typeface="Cambria Math" panose="02040503050406030204" pitchFamily="18" charset="0"/>
+                            <a:ea typeface="Cambria Math" panose="02040503050406030204" pitchFamily="18" charset="0"/>
+                          </a:rPr>
+                        </m:ctrlPr>
+                      </m:dPr>
+                      <m:e>
+                        <m:acc>
+                          <m:accPr>
+                            <m:chr m:val="̅"/>
+                            <m:ctrlPr>
+                              <a:rPr lang="de-DE" i="1">
+                                <a:latin typeface="Cambria Math" panose="02040503050406030204" pitchFamily="18" charset="0"/>
+                                <a:ea typeface="Cambria Math" panose="02040503050406030204" pitchFamily="18" charset="0"/>
+                              </a:rPr>
+                            </m:ctrlPr>
+                          </m:accPr>
+                          <m:e>
+                            <m:r>
+                              <a:rPr lang="de-DE" i="1">
+                                <a:latin typeface="Cambria Math" panose="02040503050406030204" pitchFamily="18" charset="0"/>
+                                <a:ea typeface="Cambria Math" panose="02040503050406030204" pitchFamily="18" charset="0"/>
+                              </a:rPr>
+                              <m:t>𝑏</m:t>
+                            </m:r>
+                          </m:e>
+                        </m:acc>
+                        <m:r>
+                          <a:rPr lang="de-DE" i="1">
+                            <a:latin typeface="Cambria Math" panose="02040503050406030204" pitchFamily="18" charset="0"/>
+                            <a:ea typeface="Cambria Math" panose="02040503050406030204" pitchFamily="18" charset="0"/>
+                          </a:rPr>
+                          <m:t>∧</m:t>
+                        </m:r>
+                        <m:r>
+                          <a:rPr lang="de-DE" i="1">
+                            <a:latin typeface="Cambria Math" panose="02040503050406030204" pitchFamily="18" charset="0"/>
+                            <a:ea typeface="Cambria Math" panose="02040503050406030204" pitchFamily="18" charset="0"/>
+                          </a:rPr>
+                          <m:t>𝑎</m:t>
+                        </m:r>
+                      </m:e>
+                    </m:d>
+                    <m:r>
+                      <a:rPr lang="de-DE" i="1">
+                        <a:latin typeface="Cambria Math" panose="02040503050406030204" pitchFamily="18" charset="0"/>
+                        <a:ea typeface="Cambria Math" panose="02040503050406030204" pitchFamily="18" charset="0"/>
+                      </a:rPr>
+                      <m:t>∨</m:t>
+                    </m:r>
+                    <m:r>
+                      <a:rPr lang="de-DE" b="0" i="1" smtClean="0">
+                        <a:latin typeface="Cambria Math" panose="02040503050406030204" pitchFamily="18" charset="0"/>
+                        <a:ea typeface="Cambria Math" panose="02040503050406030204" pitchFamily="18" charset="0"/>
+                      </a:rPr>
+                      <m:t>0</m:t>
+                    </m:r>
+                  </m:oMath>
+                </a14:m>
+                <a:endParaRPr lang="de-DE" dirty="0"/>
+              </a:p>
+              <a:p>
+                <a:pPr marL="457200" indent="-457200">
+                  <a:buFont typeface="+mj-lt"/>
+                  <a:buAutoNum type="arabicPeriod"/>
+                </a:pPr>
+                <a14:m>
+                  <m:oMath xmlns:m="http://schemas.openxmlformats.org/officeDocument/2006/math">
+                    <m:d>
+                      <m:dPr>
+                        <m:ctrlPr>
+                          <a:rPr lang="de-DE" i="1">
+                            <a:latin typeface="Cambria Math" panose="02040503050406030204" pitchFamily="18" charset="0"/>
+                            <a:ea typeface="Cambria Math" panose="02040503050406030204" pitchFamily="18" charset="0"/>
+                          </a:rPr>
+                        </m:ctrlPr>
+                      </m:dPr>
+                      <m:e>
+                        <m:acc>
+                          <m:accPr>
+                            <m:chr m:val="̅"/>
+                            <m:ctrlPr>
+                              <a:rPr lang="de-DE" i="1">
+                                <a:latin typeface="Cambria Math" panose="02040503050406030204" pitchFamily="18" charset="0"/>
+                                <a:ea typeface="Cambria Math" panose="02040503050406030204" pitchFamily="18" charset="0"/>
+                              </a:rPr>
+                            </m:ctrlPr>
+                          </m:accPr>
+                          <m:e>
+                            <m:r>
+                              <a:rPr lang="de-DE" i="1">
+                                <a:latin typeface="Cambria Math" panose="02040503050406030204" pitchFamily="18" charset="0"/>
+                                <a:ea typeface="Cambria Math" panose="02040503050406030204" pitchFamily="18" charset="0"/>
+                              </a:rPr>
+                              <m:t>𝑏</m:t>
+                            </m:r>
+                          </m:e>
+                        </m:acc>
+                        <m:r>
+                          <a:rPr lang="de-DE" i="1">
+                            <a:latin typeface="Cambria Math" panose="02040503050406030204" pitchFamily="18" charset="0"/>
+                            <a:ea typeface="Cambria Math" panose="02040503050406030204" pitchFamily="18" charset="0"/>
+                          </a:rPr>
+                          <m:t>∧</m:t>
+                        </m:r>
+                        <m:r>
+                          <a:rPr lang="de-DE" i="1">
+                            <a:latin typeface="Cambria Math" panose="02040503050406030204" pitchFamily="18" charset="0"/>
+                            <a:ea typeface="Cambria Math" panose="02040503050406030204" pitchFamily="18" charset="0"/>
+                          </a:rPr>
+                          <m:t>𝑎</m:t>
+                        </m:r>
+                      </m:e>
+                    </m:d>
+                    <m:r>
+                      <a:rPr lang="de-DE" i="1">
+                        <a:latin typeface="Cambria Math" panose="02040503050406030204" pitchFamily="18" charset="0"/>
+                        <a:ea typeface="Cambria Math" panose="02040503050406030204" pitchFamily="18" charset="0"/>
+                      </a:rPr>
+                      <m:t>∨</m:t>
+                    </m:r>
+                    <m:r>
+                      <a:rPr lang="de-DE" i="1">
+                        <a:latin typeface="Cambria Math" panose="02040503050406030204" pitchFamily="18" charset="0"/>
+                        <a:ea typeface="Cambria Math" panose="02040503050406030204" pitchFamily="18" charset="0"/>
+                      </a:rPr>
+                      <m:t>0</m:t>
+                    </m:r>
+                    <m:r>
+                      <a:rPr lang="de-DE" b="0" i="1" smtClean="0">
+                        <a:latin typeface="Cambria Math" panose="02040503050406030204" pitchFamily="18" charset="0"/>
+                        <a:ea typeface="Cambria Math" panose="02040503050406030204" pitchFamily="18" charset="0"/>
+                      </a:rPr>
+                      <m:t>=</m:t>
+                    </m:r>
+                    <m:acc>
+                      <m:accPr>
+                        <m:chr m:val="̅"/>
+                        <m:ctrlPr>
+                          <a:rPr lang="de-DE" i="1">
+                            <a:latin typeface="Cambria Math" panose="02040503050406030204" pitchFamily="18" charset="0"/>
+                            <a:ea typeface="Cambria Math" panose="02040503050406030204" pitchFamily="18" charset="0"/>
+                          </a:rPr>
+                        </m:ctrlPr>
+                      </m:accPr>
+                      <m:e>
+                        <m:r>
+                          <a:rPr lang="de-DE" i="1">
+                            <a:latin typeface="Cambria Math" panose="02040503050406030204" pitchFamily="18" charset="0"/>
+                            <a:ea typeface="Cambria Math" panose="02040503050406030204" pitchFamily="18" charset="0"/>
+                          </a:rPr>
+                          <m:t>𝑏</m:t>
+                        </m:r>
+                      </m:e>
+                    </m:acc>
+                    <m:r>
+                      <a:rPr lang="de-DE" i="1">
+                        <a:latin typeface="Cambria Math" panose="02040503050406030204" pitchFamily="18" charset="0"/>
+                        <a:ea typeface="Cambria Math" panose="02040503050406030204" pitchFamily="18" charset="0"/>
+                      </a:rPr>
+                      <m:t>∧</m:t>
+                    </m:r>
+                    <m:r>
+                      <a:rPr lang="de-DE" b="0" i="1" smtClean="0">
+                        <a:latin typeface="Cambria Math" panose="02040503050406030204" pitchFamily="18" charset="0"/>
+                        <a:ea typeface="Cambria Math" panose="02040503050406030204" pitchFamily="18" charset="0"/>
+                      </a:rPr>
+                      <m:t>𝑎</m:t>
+                    </m:r>
+                  </m:oMath>
+                </a14:m>
+                <a:endParaRPr lang="de-DE" dirty="0"/>
+              </a:p>
+            </p:txBody>
+          </p:sp>
+        </mc:Choice>
+        <mc:Fallback>
+          <p:sp>
+            <p:nvSpPr>
+              <p:cNvPr id="3" name="Inhaltsplatzhalter 2">
+                <a:extLst>
+                  <a:ext uri="{FF2B5EF4-FFF2-40B4-BE49-F238E27FC236}">
+                    <a16:creationId xmlns:a16="http://schemas.microsoft.com/office/drawing/2014/main" id="{9F330B63-6E08-452B-76BE-DB1C8B90ED58}"/>
+                  </a:ext>
+                </a:extLst>
+              </p:cNvPr>
+              <p:cNvSpPr>
+                <a:spLocks noGrp="1" noRot="1" noChangeAspect="1" noMove="1" noResize="1" noEditPoints="1" noAdjustHandles="1" noChangeArrowheads="1" noChangeShapeType="1" noTextEdit="1"/>
+              </p:cNvSpPr>
+              <p:nvPr>
+                <p:ph idx="1"/>
+              </p:nvPr>
+            </p:nvSpPr>
+            <p:spPr>
+              <a:blipFill>
+                <a:blip r:embed="rId2"/>
+                <a:stretch>
+                  <a:fillRect l="-1440"/>
+                </a:stretch>
+              </a:blipFill>
+            </p:spPr>
+            <p:txBody>
+              <a:bodyPr/>
+              <a:lstStyle/>
+              <a:p>
+                <a:r>
+                  <a:rPr lang="de-DE">
+                    <a:noFill/>
+                  </a:rPr>
+                  <a:t> </a:t>
+                </a:r>
+              </a:p>
+            </p:txBody>
+          </p:sp>
+        </mc:Fallback>
+      </mc:AlternateContent>
+    </p:spTree>
+    <p:extLst>
+      <p:ext uri="{BB962C8B-B14F-4D97-AF65-F5344CB8AC3E}">
+        <p14:creationId xmlns:p14="http://schemas.microsoft.com/office/powerpoint/2010/main" val="4000126662"/>
+      </p:ext>
+    </p:extLst>
+  </p:cSld>
+  <p:clrMapOvr>
+    <a:masterClrMapping/>
+  </p:clrMapOvr>
+</p:sld>
+</file>
+
+<file path=ppt/slides/slide6.xml><?xml version="1.0" encoding="utf-8"?>
+<p:sld xmlns:a="http://schemas.openxmlformats.org/drawingml/2006/main" xmlns:r="http://schemas.openxmlformats.org/officeDocument/2006/relationships" xmlns:p="http://schemas.openxmlformats.org/presentationml/2006/main">
+  <p:cSld>
+    <p:spTree>
+      <p:nvGrpSpPr>
+        <p:cNvPr id="1" name=""/>
+        <p:cNvGrpSpPr/>
+        <p:nvPr/>
+      </p:nvGrpSpPr>
+      <p:grpSpPr>
+        <a:xfrm>
+          <a:off x="0" y="0"/>
+          <a:ext cx="0" cy="0"/>
+          <a:chOff x="0" y="0"/>
+          <a:chExt cx="0" cy="0"/>
+        </a:xfrm>
+      </p:grpSpPr>
+      <p:sp>
+        <p:nvSpPr>
+          <p:cNvPr id="2" name="Titel 1">
+            <a:extLst>
+              <a:ext uri="{FF2B5EF4-FFF2-40B4-BE49-F238E27FC236}">
+                <a16:creationId xmlns:a16="http://schemas.microsoft.com/office/drawing/2014/main" id="{0329CD29-5B57-C9EC-FDD2-20A4CC4C1F9C}"/>
+              </a:ext>
+            </a:extLst>
+          </p:cNvPr>
+          <p:cNvSpPr>
+            <a:spLocks noGrp="1"/>
+          </p:cNvSpPr>
+          <p:nvPr>
+            <p:ph type="title"/>
+          </p:nvPr>
+        </p:nvSpPr>
+        <p:spPr/>
+        <p:txBody>
+          <a:bodyPr/>
+          <a:lstStyle/>
+          <a:p>
+            <a:r>
+              <a:rPr lang="de-DE" dirty="0"/>
+              <a:t>Aufgabe 2.1</a:t>
+            </a:r>
+          </a:p>
+        </p:txBody>
+      </p:sp>
+      <mc:AlternateContent xmlns:mc="http://schemas.openxmlformats.org/markup-compatibility/2006">
+        <mc:Choice xmlns:a14="http://schemas.microsoft.com/office/drawing/2010/main" Requires="a14">
+          <p:sp>
+            <p:nvSpPr>
+              <p:cNvPr id="3" name="Inhaltsplatzhalter 2">
+                <a:extLst>
+                  <a:ext uri="{FF2B5EF4-FFF2-40B4-BE49-F238E27FC236}">
+                    <a16:creationId xmlns:a16="http://schemas.microsoft.com/office/drawing/2014/main" id="{AEF999D7-5B8C-1EA8-8C8C-0A6268D70741}"/>
+                  </a:ext>
+                </a:extLst>
+              </p:cNvPr>
+              <p:cNvSpPr>
+                <a:spLocks noGrp="1"/>
+              </p:cNvSpPr>
+              <p:nvPr>
+                <p:ph idx="1"/>
+              </p:nvPr>
+            </p:nvSpPr>
+            <p:spPr/>
+            <p:txBody>
+              <a:bodyPr/>
+              <a:lstStyle/>
+              <a:p>
+                <a:pPr marL="0" indent="0">
+                  <a:buNone/>
+                </a:pPr>
+                <a14:m>
+                  <m:oMathPara xmlns:m="http://schemas.openxmlformats.org/officeDocument/2006/math">
+                    <m:oMathParaPr>
+                      <m:jc m:val="centerGroup"/>
+                    </m:oMathParaPr>
+                    <m:oMath xmlns:m="http://schemas.openxmlformats.org/officeDocument/2006/math">
+                      <m:d>
+                        <m:dPr>
+                          <m:ctrlPr>
+                            <a:rPr lang="de-DE" b="0" i="1" smtClean="0">
+                              <a:latin typeface="Cambria Math" panose="02040503050406030204" pitchFamily="18" charset="0"/>
+                            </a:rPr>
+                          </m:ctrlPr>
+                        </m:dPr>
+                        <m:e>
+                          <m:d>
+                            <m:dPr>
+                              <m:ctrlPr>
+                                <a:rPr lang="de-DE" b="0" i="1" smtClean="0">
+                                  <a:latin typeface="Cambria Math" panose="02040503050406030204" pitchFamily="18" charset="0"/>
+                                </a:rPr>
+                              </m:ctrlPr>
+                            </m:dPr>
+                            <m:e>
+                              <m:acc>
+                                <m:accPr>
+                                  <m:chr m:val="̅"/>
+                                  <m:ctrlPr>
+                                    <a:rPr lang="de-DE" b="0" i="1" smtClean="0">
+                                      <a:latin typeface="Cambria Math" panose="02040503050406030204" pitchFamily="18" charset="0"/>
+                                    </a:rPr>
+                                  </m:ctrlPr>
+                                </m:accPr>
+                                <m:e>
+                                  <m:r>
+                                    <a:rPr lang="de-DE" b="0" i="1" smtClean="0">
+                                      <a:latin typeface="Cambria Math" panose="02040503050406030204" pitchFamily="18" charset="0"/>
+                                    </a:rPr>
+                                    <m:t>𝑎</m:t>
+                                  </m:r>
+                                </m:e>
+                              </m:acc>
+                              <m:r>
+                                <a:rPr lang="de-DE" b="0" i="1" smtClean="0">
+                                  <a:latin typeface="Cambria Math" panose="02040503050406030204" pitchFamily="18" charset="0"/>
+                                  <a:ea typeface="Cambria Math" panose="02040503050406030204" pitchFamily="18" charset="0"/>
+                                </a:rPr>
+                                <m:t>∨</m:t>
+                              </m:r>
+                              <m:r>
+                                <a:rPr lang="de-DE" b="0" i="1" smtClean="0">
+                                  <a:latin typeface="Cambria Math" panose="02040503050406030204" pitchFamily="18" charset="0"/>
+                                  <a:ea typeface="Cambria Math" panose="02040503050406030204" pitchFamily="18" charset="0"/>
+                                </a:rPr>
+                                <m:t>𝑏</m:t>
+                              </m:r>
+                            </m:e>
+                          </m:d>
+                          <m:r>
+                            <a:rPr lang="de-DE" b="0" i="1" smtClean="0">
+                              <a:latin typeface="Cambria Math" panose="02040503050406030204" pitchFamily="18" charset="0"/>
+                              <a:ea typeface="Cambria Math" panose="02040503050406030204" pitchFamily="18" charset="0"/>
+                            </a:rPr>
+                            <m:t>∧</m:t>
+                          </m:r>
+                          <m:d>
+                            <m:dPr>
+                              <m:ctrlPr>
+                                <a:rPr lang="de-DE" b="0" i="1" smtClean="0">
+                                  <a:latin typeface="Cambria Math" panose="02040503050406030204" pitchFamily="18" charset="0"/>
+                                  <a:ea typeface="Cambria Math" panose="02040503050406030204" pitchFamily="18" charset="0"/>
+                                </a:rPr>
+                              </m:ctrlPr>
+                            </m:dPr>
+                            <m:e>
+                              <m:acc>
+                                <m:accPr>
+                                  <m:chr m:val="̅"/>
+                                  <m:ctrlPr>
+                                    <a:rPr lang="de-DE" b="0" i="1" smtClean="0">
+                                      <a:latin typeface="Cambria Math" panose="02040503050406030204" pitchFamily="18" charset="0"/>
+                                      <a:ea typeface="Cambria Math" panose="02040503050406030204" pitchFamily="18" charset="0"/>
+                                    </a:rPr>
+                                  </m:ctrlPr>
+                                </m:accPr>
+                                <m:e>
+                                  <m:r>
+                                    <a:rPr lang="de-DE" b="0" i="1" smtClean="0">
+                                      <a:latin typeface="Cambria Math" panose="02040503050406030204" pitchFamily="18" charset="0"/>
+                                      <a:ea typeface="Cambria Math" panose="02040503050406030204" pitchFamily="18" charset="0"/>
+                                    </a:rPr>
+                                    <m:t>𝑎</m:t>
+                                  </m:r>
+                                </m:e>
+                              </m:acc>
+                              <m:r>
+                                <a:rPr lang="de-DE" b="0" i="1" smtClean="0">
+                                  <a:latin typeface="Cambria Math" panose="02040503050406030204" pitchFamily="18" charset="0"/>
+                                  <a:ea typeface="Cambria Math" panose="02040503050406030204" pitchFamily="18" charset="0"/>
+                                </a:rPr>
+                                <m:t>∨</m:t>
+                              </m:r>
+                              <m:acc>
+                                <m:accPr>
+                                  <m:chr m:val="̅"/>
+                                  <m:ctrlPr>
+                                    <a:rPr lang="de-DE" b="0" i="1" smtClean="0">
+                                      <a:latin typeface="Cambria Math" panose="02040503050406030204" pitchFamily="18" charset="0"/>
+                                      <a:ea typeface="Cambria Math" panose="02040503050406030204" pitchFamily="18" charset="0"/>
+                                    </a:rPr>
+                                  </m:ctrlPr>
+                                </m:accPr>
+                                <m:e>
+                                  <m:r>
+                                    <a:rPr lang="de-DE" b="0" i="1" smtClean="0">
+                                      <a:latin typeface="Cambria Math" panose="02040503050406030204" pitchFamily="18" charset="0"/>
+                                      <a:ea typeface="Cambria Math" panose="02040503050406030204" pitchFamily="18" charset="0"/>
+                                    </a:rPr>
+                                    <m:t>𝑏</m:t>
+                                  </m:r>
+                                </m:e>
+                              </m:acc>
+                            </m:e>
+                          </m:d>
+                        </m:e>
+                      </m:d>
+                      <m:r>
+                        <a:rPr lang="de-DE" b="0" i="1" smtClean="0">
+                          <a:latin typeface="Cambria Math" panose="02040503050406030204" pitchFamily="18" charset="0"/>
+                          <a:ea typeface="Cambria Math" panose="02040503050406030204" pitchFamily="18" charset="0"/>
+                        </a:rPr>
+                        <m:t>∨</m:t>
+                      </m:r>
+                      <m:d>
+                        <m:dPr>
+                          <m:ctrlPr>
+                            <a:rPr lang="de-DE" b="0" i="1" smtClean="0">
+                              <a:latin typeface="Cambria Math" panose="02040503050406030204" pitchFamily="18" charset="0"/>
+                              <a:ea typeface="Cambria Math" panose="02040503050406030204" pitchFamily="18" charset="0"/>
+                            </a:rPr>
+                          </m:ctrlPr>
+                        </m:dPr>
+                        <m:e>
+                          <m:r>
+                            <a:rPr lang="de-DE" b="0" i="1" smtClean="0">
+                              <a:latin typeface="Cambria Math" panose="02040503050406030204" pitchFamily="18" charset="0"/>
+                              <a:ea typeface="Cambria Math" panose="02040503050406030204" pitchFamily="18" charset="0"/>
+                            </a:rPr>
+                            <m:t>𝑏</m:t>
+                          </m:r>
+                          <m:r>
+                            <a:rPr lang="de-DE" b="0" i="1" smtClean="0">
+                              <a:latin typeface="Cambria Math" panose="02040503050406030204" pitchFamily="18" charset="0"/>
+                              <a:ea typeface="Cambria Math" panose="02040503050406030204" pitchFamily="18" charset="0"/>
+                            </a:rPr>
+                            <m:t>∨</m:t>
+                          </m:r>
+                          <m:acc>
+                            <m:accPr>
+                              <m:chr m:val="̅"/>
+                              <m:ctrlPr>
+                                <a:rPr lang="de-DE" b="0" i="1" smtClean="0">
+                                  <a:latin typeface="Cambria Math" panose="02040503050406030204" pitchFamily="18" charset="0"/>
+                                  <a:ea typeface="Cambria Math" panose="02040503050406030204" pitchFamily="18" charset="0"/>
+                                </a:rPr>
+                              </m:ctrlPr>
+                            </m:accPr>
+                            <m:e>
+                              <m:r>
+                                <a:rPr lang="de-DE" b="0" i="1" smtClean="0">
+                                  <a:latin typeface="Cambria Math" panose="02040503050406030204" pitchFamily="18" charset="0"/>
+                                  <a:ea typeface="Cambria Math" panose="02040503050406030204" pitchFamily="18" charset="0"/>
+                                </a:rPr>
+                                <m:t>𝑎</m:t>
+                              </m:r>
+                            </m:e>
+                          </m:acc>
+                        </m:e>
+                      </m:d>
+                    </m:oMath>
+                  </m:oMathPara>
+                </a14:m>
+                <a:endParaRPr lang="de-DE" b="0" dirty="0">
+                  <a:ea typeface="Cambria Math" panose="02040503050406030204" pitchFamily="18" charset="0"/>
+                </a:endParaRPr>
+              </a:p>
+              <a:p>
+                <a:pPr marL="457200" indent="-457200">
+                  <a:buFont typeface="+mj-lt"/>
+                  <a:buAutoNum type="arabicPeriod"/>
+                </a:pPr>
+                <a14:m>
+                  <m:oMath xmlns:m="http://schemas.openxmlformats.org/officeDocument/2006/math">
+                    <m:d>
+                      <m:dPr>
+                        <m:ctrlPr>
+                          <a:rPr lang="de-DE" i="1">
+                            <a:latin typeface="Cambria Math" panose="02040503050406030204" pitchFamily="18" charset="0"/>
+                          </a:rPr>
+                        </m:ctrlPr>
+                      </m:dPr>
+                      <m:e>
+                        <m:d>
+                          <m:dPr>
+                            <m:ctrlPr>
+                              <a:rPr lang="de-DE" i="1">
+                                <a:latin typeface="Cambria Math" panose="02040503050406030204" pitchFamily="18" charset="0"/>
+                              </a:rPr>
+                            </m:ctrlPr>
+                          </m:dPr>
+                          <m:e>
+                            <m:acc>
+                              <m:accPr>
+                                <m:chr m:val="̅"/>
+                                <m:ctrlPr>
+                                  <a:rPr lang="de-DE" i="1">
+                                    <a:latin typeface="Cambria Math" panose="02040503050406030204" pitchFamily="18" charset="0"/>
+                                  </a:rPr>
+                                </m:ctrlPr>
+                              </m:accPr>
+                              <m:e>
+                                <m:r>
+                                  <a:rPr lang="de-DE" i="1">
+                                    <a:latin typeface="Cambria Math" panose="02040503050406030204" pitchFamily="18" charset="0"/>
+                                  </a:rPr>
+                                  <m:t>𝑎</m:t>
+                                </m:r>
+                              </m:e>
+                            </m:acc>
+                            <m:r>
+                              <a:rPr lang="de-DE" i="1">
+                                <a:latin typeface="Cambria Math" panose="02040503050406030204" pitchFamily="18" charset="0"/>
+                                <a:ea typeface="Cambria Math" panose="02040503050406030204" pitchFamily="18" charset="0"/>
+                              </a:rPr>
+                              <m:t>∨</m:t>
+                            </m:r>
+                            <m:r>
+                              <a:rPr lang="de-DE" i="1">
+                                <a:latin typeface="Cambria Math" panose="02040503050406030204" pitchFamily="18" charset="0"/>
+                                <a:ea typeface="Cambria Math" panose="02040503050406030204" pitchFamily="18" charset="0"/>
+                              </a:rPr>
+                              <m:t>𝑏</m:t>
+                            </m:r>
+                          </m:e>
+                        </m:d>
+                        <m:r>
+                          <a:rPr lang="de-DE" i="1">
+                            <a:latin typeface="Cambria Math" panose="02040503050406030204" pitchFamily="18" charset="0"/>
+                            <a:ea typeface="Cambria Math" panose="02040503050406030204" pitchFamily="18" charset="0"/>
+                          </a:rPr>
+                          <m:t>∧</m:t>
+                        </m:r>
+                        <m:d>
+                          <m:dPr>
+                            <m:ctrlPr>
+                              <a:rPr lang="de-DE" i="1">
+                                <a:latin typeface="Cambria Math" panose="02040503050406030204" pitchFamily="18" charset="0"/>
+                                <a:ea typeface="Cambria Math" panose="02040503050406030204" pitchFamily="18" charset="0"/>
+                              </a:rPr>
+                            </m:ctrlPr>
+                          </m:dPr>
+                          <m:e>
+                            <m:acc>
+                              <m:accPr>
+                                <m:chr m:val="̅"/>
+                                <m:ctrlPr>
+                                  <a:rPr lang="de-DE" i="1">
+                                    <a:latin typeface="Cambria Math" panose="02040503050406030204" pitchFamily="18" charset="0"/>
+                                    <a:ea typeface="Cambria Math" panose="02040503050406030204" pitchFamily="18" charset="0"/>
+                                  </a:rPr>
+                                </m:ctrlPr>
+                              </m:accPr>
+                              <m:e>
+                                <m:r>
+                                  <a:rPr lang="de-DE" i="1">
+                                    <a:latin typeface="Cambria Math" panose="02040503050406030204" pitchFamily="18" charset="0"/>
+                                    <a:ea typeface="Cambria Math" panose="02040503050406030204" pitchFamily="18" charset="0"/>
+                                  </a:rPr>
+                                  <m:t>𝑎</m:t>
+                                </m:r>
+                              </m:e>
+                            </m:acc>
+                            <m:r>
+                              <a:rPr lang="de-DE" i="1">
+                                <a:latin typeface="Cambria Math" panose="02040503050406030204" pitchFamily="18" charset="0"/>
+                                <a:ea typeface="Cambria Math" panose="02040503050406030204" pitchFamily="18" charset="0"/>
+                              </a:rPr>
+                              <m:t>∨</m:t>
+                            </m:r>
+                            <m:acc>
+                              <m:accPr>
+                                <m:chr m:val="̅"/>
+                                <m:ctrlPr>
+                                  <a:rPr lang="de-DE" i="1">
+                                    <a:latin typeface="Cambria Math" panose="02040503050406030204" pitchFamily="18" charset="0"/>
+                                    <a:ea typeface="Cambria Math" panose="02040503050406030204" pitchFamily="18" charset="0"/>
+                                  </a:rPr>
+                                </m:ctrlPr>
+                              </m:accPr>
+                              <m:e>
+                                <m:r>
+                                  <a:rPr lang="de-DE" i="1">
+                                    <a:latin typeface="Cambria Math" panose="02040503050406030204" pitchFamily="18" charset="0"/>
+                                    <a:ea typeface="Cambria Math" panose="02040503050406030204" pitchFamily="18" charset="0"/>
+                                  </a:rPr>
+                                  <m:t>𝑏</m:t>
+                                </m:r>
+                              </m:e>
+                            </m:acc>
+                          </m:e>
+                        </m:d>
+                      </m:e>
+                    </m:d>
+                    <m:r>
+                      <a:rPr lang="de-DE" i="1">
+                        <a:latin typeface="Cambria Math" panose="02040503050406030204" pitchFamily="18" charset="0"/>
+                        <a:ea typeface="Cambria Math" panose="02040503050406030204" pitchFamily="18" charset="0"/>
+                      </a:rPr>
+                      <m:t>∨</m:t>
+                    </m:r>
+                    <m:d>
+                      <m:dPr>
+                        <m:ctrlPr>
+                          <a:rPr lang="de-DE" i="1">
+                            <a:latin typeface="Cambria Math" panose="02040503050406030204" pitchFamily="18" charset="0"/>
+                            <a:ea typeface="Cambria Math" panose="02040503050406030204" pitchFamily="18" charset="0"/>
+                          </a:rPr>
+                        </m:ctrlPr>
+                      </m:dPr>
+                      <m:e>
+                        <m:r>
+                          <a:rPr lang="de-DE" i="1">
+                            <a:latin typeface="Cambria Math" panose="02040503050406030204" pitchFamily="18" charset="0"/>
+                            <a:ea typeface="Cambria Math" panose="02040503050406030204" pitchFamily="18" charset="0"/>
+                          </a:rPr>
+                          <m:t>𝑏</m:t>
+                        </m:r>
+                        <m:r>
+                          <a:rPr lang="de-DE" i="1">
+                            <a:latin typeface="Cambria Math" panose="02040503050406030204" pitchFamily="18" charset="0"/>
+                            <a:ea typeface="Cambria Math" panose="02040503050406030204" pitchFamily="18" charset="0"/>
+                          </a:rPr>
+                          <m:t>∨</m:t>
+                        </m:r>
+                        <m:acc>
+                          <m:accPr>
+                            <m:chr m:val="̅"/>
+                            <m:ctrlPr>
+                              <a:rPr lang="de-DE" i="1">
+                                <a:latin typeface="Cambria Math" panose="02040503050406030204" pitchFamily="18" charset="0"/>
+                                <a:ea typeface="Cambria Math" panose="02040503050406030204" pitchFamily="18" charset="0"/>
+                              </a:rPr>
+                            </m:ctrlPr>
+                          </m:accPr>
+                          <m:e>
+                            <m:r>
+                              <a:rPr lang="de-DE" i="1">
+                                <a:latin typeface="Cambria Math" panose="02040503050406030204" pitchFamily="18" charset="0"/>
+                                <a:ea typeface="Cambria Math" panose="02040503050406030204" pitchFamily="18" charset="0"/>
+                              </a:rPr>
+                              <m:t>𝑎</m:t>
+                            </m:r>
+                          </m:e>
+                        </m:acc>
+                      </m:e>
+                    </m:d>
+                    <m:r>
+                      <a:rPr lang="de-DE" b="0" i="1" smtClean="0">
+                        <a:latin typeface="Cambria Math" panose="02040503050406030204" pitchFamily="18" charset="0"/>
+                        <a:ea typeface="Cambria Math" panose="02040503050406030204" pitchFamily="18" charset="0"/>
+                      </a:rPr>
+                      <m:t>=</m:t>
+                    </m:r>
+                    <m:d>
+                      <m:dPr>
+                        <m:ctrlPr>
+                          <a:rPr lang="de-DE" i="1">
+                            <a:latin typeface="Cambria Math" panose="02040503050406030204" pitchFamily="18" charset="0"/>
+                          </a:rPr>
+                        </m:ctrlPr>
+                      </m:dPr>
+                      <m:e>
+                        <m:d>
+                          <m:dPr>
+                            <m:ctrlPr>
+                              <a:rPr lang="de-DE" i="1">
+                                <a:latin typeface="Cambria Math" panose="02040503050406030204" pitchFamily="18" charset="0"/>
+                              </a:rPr>
+                            </m:ctrlPr>
+                          </m:dPr>
+                          <m:e>
+                            <m:acc>
+                              <m:accPr>
+                                <m:chr m:val="̅"/>
+                                <m:ctrlPr>
+                                  <a:rPr lang="de-DE" i="1">
+                                    <a:latin typeface="Cambria Math" panose="02040503050406030204" pitchFamily="18" charset="0"/>
+                                  </a:rPr>
+                                </m:ctrlPr>
+                              </m:accPr>
+                              <m:e>
+                                <m:r>
+                                  <a:rPr lang="de-DE" i="1">
+                                    <a:latin typeface="Cambria Math" panose="02040503050406030204" pitchFamily="18" charset="0"/>
+                                  </a:rPr>
+                                  <m:t>𝑎</m:t>
+                                </m:r>
+                              </m:e>
+                            </m:acc>
+                            <m:r>
+                              <a:rPr lang="de-DE" i="1">
+                                <a:latin typeface="Cambria Math" panose="02040503050406030204" pitchFamily="18" charset="0"/>
+                                <a:ea typeface="Cambria Math" panose="02040503050406030204" pitchFamily="18" charset="0"/>
+                              </a:rPr>
+                              <m:t>∨</m:t>
+                            </m:r>
+                            <m:r>
+                              <a:rPr lang="de-DE" i="1">
+                                <a:latin typeface="Cambria Math" panose="02040503050406030204" pitchFamily="18" charset="0"/>
+                                <a:ea typeface="Cambria Math" panose="02040503050406030204" pitchFamily="18" charset="0"/>
+                              </a:rPr>
+                              <m:t>𝑏</m:t>
+                            </m:r>
+                          </m:e>
+                        </m:d>
+                        <m:r>
+                          <a:rPr lang="de-DE" i="1">
+                            <a:latin typeface="Cambria Math" panose="02040503050406030204" pitchFamily="18" charset="0"/>
+                            <a:ea typeface="Cambria Math" panose="02040503050406030204" pitchFamily="18" charset="0"/>
+                          </a:rPr>
+                          <m:t>∧</m:t>
+                        </m:r>
+                        <m:d>
+                          <m:dPr>
+                            <m:ctrlPr>
+                              <a:rPr lang="de-DE" i="1">
+                                <a:latin typeface="Cambria Math" panose="02040503050406030204" pitchFamily="18" charset="0"/>
+                                <a:ea typeface="Cambria Math" panose="02040503050406030204" pitchFamily="18" charset="0"/>
+                              </a:rPr>
+                            </m:ctrlPr>
+                          </m:dPr>
+                          <m:e>
+                            <m:acc>
+                              <m:accPr>
+                                <m:chr m:val="̅"/>
+                                <m:ctrlPr>
+                                  <a:rPr lang="de-DE" i="1">
+                                    <a:latin typeface="Cambria Math" panose="02040503050406030204" pitchFamily="18" charset="0"/>
+                                    <a:ea typeface="Cambria Math" panose="02040503050406030204" pitchFamily="18" charset="0"/>
+                                  </a:rPr>
+                                </m:ctrlPr>
+                              </m:accPr>
+                              <m:e>
+                                <m:r>
+                                  <a:rPr lang="de-DE" i="1">
+                                    <a:latin typeface="Cambria Math" panose="02040503050406030204" pitchFamily="18" charset="0"/>
+                                    <a:ea typeface="Cambria Math" panose="02040503050406030204" pitchFamily="18" charset="0"/>
+                                  </a:rPr>
+                                  <m:t>𝑎</m:t>
+                                </m:r>
+                              </m:e>
+                            </m:acc>
+                            <m:r>
+                              <a:rPr lang="de-DE" i="1">
+                                <a:latin typeface="Cambria Math" panose="02040503050406030204" pitchFamily="18" charset="0"/>
+                                <a:ea typeface="Cambria Math" panose="02040503050406030204" pitchFamily="18" charset="0"/>
+                              </a:rPr>
+                              <m:t>∨</m:t>
+                            </m:r>
+                            <m:acc>
+                              <m:accPr>
+                                <m:chr m:val="̅"/>
+                                <m:ctrlPr>
+                                  <a:rPr lang="de-DE" i="1">
+                                    <a:latin typeface="Cambria Math" panose="02040503050406030204" pitchFamily="18" charset="0"/>
+                                    <a:ea typeface="Cambria Math" panose="02040503050406030204" pitchFamily="18" charset="0"/>
+                                  </a:rPr>
+                                </m:ctrlPr>
+                              </m:accPr>
+                              <m:e>
+                                <m:r>
+                                  <a:rPr lang="de-DE" i="1">
+                                    <a:latin typeface="Cambria Math" panose="02040503050406030204" pitchFamily="18" charset="0"/>
+                                    <a:ea typeface="Cambria Math" panose="02040503050406030204" pitchFamily="18" charset="0"/>
+                                  </a:rPr>
+                                  <m:t>𝑏</m:t>
+                                </m:r>
+                              </m:e>
+                            </m:acc>
+                          </m:e>
+                        </m:d>
+                      </m:e>
+                    </m:d>
+                    <m:r>
+                      <a:rPr lang="de-DE" i="1">
+                        <a:latin typeface="Cambria Math" panose="02040503050406030204" pitchFamily="18" charset="0"/>
+                        <a:ea typeface="Cambria Math" panose="02040503050406030204" pitchFamily="18" charset="0"/>
+                      </a:rPr>
+                      <m:t>∨</m:t>
+                    </m:r>
+                    <m:d>
+                      <m:dPr>
+                        <m:ctrlPr>
+                          <a:rPr lang="de-DE" i="1">
+                            <a:latin typeface="Cambria Math" panose="02040503050406030204" pitchFamily="18" charset="0"/>
+                            <a:ea typeface="Cambria Math" panose="02040503050406030204" pitchFamily="18" charset="0"/>
+                          </a:rPr>
+                        </m:ctrlPr>
+                      </m:dPr>
+                      <m:e>
+                        <m:r>
+                          <a:rPr lang="de-DE" i="1">
+                            <a:latin typeface="Cambria Math" panose="02040503050406030204" pitchFamily="18" charset="0"/>
+                            <a:ea typeface="Cambria Math" panose="02040503050406030204" pitchFamily="18" charset="0"/>
+                          </a:rPr>
+                          <m:t>𝑏</m:t>
+                        </m:r>
+                        <m:r>
+                          <a:rPr lang="de-DE" i="1">
+                            <a:latin typeface="Cambria Math" panose="02040503050406030204" pitchFamily="18" charset="0"/>
+                            <a:ea typeface="Cambria Math" panose="02040503050406030204" pitchFamily="18" charset="0"/>
+                          </a:rPr>
+                          <m:t>∨</m:t>
+                        </m:r>
+                        <m:acc>
+                          <m:accPr>
+                            <m:chr m:val="̅"/>
+                            <m:ctrlPr>
+                              <a:rPr lang="de-DE" i="1">
+                                <a:latin typeface="Cambria Math" panose="02040503050406030204" pitchFamily="18" charset="0"/>
+                                <a:ea typeface="Cambria Math" panose="02040503050406030204" pitchFamily="18" charset="0"/>
+                              </a:rPr>
+                            </m:ctrlPr>
+                          </m:accPr>
+                          <m:e>
+                            <m:r>
+                              <a:rPr lang="de-DE" i="1">
+                                <a:latin typeface="Cambria Math" panose="02040503050406030204" pitchFamily="18" charset="0"/>
+                                <a:ea typeface="Cambria Math" panose="02040503050406030204" pitchFamily="18" charset="0"/>
+                              </a:rPr>
+                              <m:t>𝑎</m:t>
+                            </m:r>
+                          </m:e>
+                        </m:acc>
+                      </m:e>
+                    </m:d>
+                  </m:oMath>
+                </a14:m>
+                <a:endParaRPr lang="de-DE" dirty="0"/>
+              </a:p>
+            </p:txBody>
+          </p:sp>
+        </mc:Choice>
+        <mc:Fallback>
+          <p:sp>
+            <p:nvSpPr>
+              <p:cNvPr id="3" name="Inhaltsplatzhalter 2">
+                <a:extLst>
+                  <a:ext uri="{FF2B5EF4-FFF2-40B4-BE49-F238E27FC236}">
+                    <a16:creationId xmlns:a16="http://schemas.microsoft.com/office/drawing/2014/main" id="{AEF999D7-5B8C-1EA8-8C8C-0A6268D70741}"/>
+                  </a:ext>
+                </a:extLst>
+              </p:cNvPr>
+              <p:cNvSpPr>
+                <a:spLocks noGrp="1" noRot="1" noChangeAspect="1" noMove="1" noResize="1" noEditPoints="1" noAdjustHandles="1" noChangeArrowheads="1" noChangeShapeType="1" noTextEdit="1"/>
+              </p:cNvSpPr>
+              <p:nvPr>
+                <p:ph idx="1"/>
+              </p:nvPr>
+            </p:nvSpPr>
+            <p:spPr>
+              <a:blipFill>
+                <a:blip r:embed="rId2"/>
+                <a:stretch>
+                  <a:fillRect/>
+                </a:stretch>
+              </a:blipFill>
+            </p:spPr>
+            <p:txBody>
+              <a:bodyPr/>
+              <a:lstStyle/>
+              <a:p>
+                <a:r>
+                  <a:rPr lang="de-DE">
+                    <a:noFill/>
+                  </a:rPr>
+                  <a:t> </a:t>
+                </a:r>
+              </a:p>
+            </p:txBody>
+          </p:sp>
+        </mc:Fallback>
+      </mc:AlternateContent>
+    </p:spTree>
+    <p:extLst>
+      <p:ext uri="{BB962C8B-B14F-4D97-AF65-F5344CB8AC3E}">
+        <p14:creationId xmlns:p14="http://schemas.microsoft.com/office/powerpoint/2010/main" val="1675324615"/>
       </p:ext>
     </p:extLst>
   </p:cSld>
@@ -8076,6 +9813,15 @@
 </file>
 
 <file path=customXml/item2.xml><?xml version="1.0" encoding="utf-8"?>
+<?mso-contentType ?>
+<FormTemplates xmlns="http://schemas.microsoft.com/sharepoint/v3/contenttype/forms">
+  <Display>DocumentLibraryForm</Display>
+  <Edit>DocumentLibraryForm</Edit>
+  <New>DocumentLibraryForm</New>
+</FormTemplates>
+</file>
+
+<file path=customXml/item3.xml><?xml version="1.0" encoding="utf-8"?>
 <p:properties xmlns:p="http://schemas.microsoft.com/office/2006/metadata/properties" xmlns:xsi="http://www.w3.org/2001/XMLSchema-instance" xmlns:pc="http://schemas.microsoft.com/office/infopath/2007/PartnerControls">
   <documentManagement>
     <TaxCatchAll xmlns="e08cfc56-8307-41e5-898e-b333c51beffa" xsi:nil="true"/>
@@ -8084,15 +9830,6 @@
     </lcf76f155ced4ddcb4097134ff3c332f>
   </documentManagement>
 </p:properties>
-</file>
-
-<file path=customXml/item3.xml><?xml version="1.0" encoding="utf-8"?>
-<?mso-contentType ?>
-<FormTemplates xmlns="http://schemas.microsoft.com/sharepoint/v3/contenttype/forms">
-  <Display>DocumentLibraryForm</Display>
-  <Edit>DocumentLibraryForm</Edit>
-  <New>DocumentLibraryForm</New>
-</FormTemplates>
 </file>
 
 <file path=customXml/itemProps1.xml><?xml version="1.0" encoding="utf-8"?>
@@ -8115,6 +9852,14 @@
 </file>
 
 <file path=customXml/itemProps2.xml><?xml version="1.0" encoding="utf-8"?>
+<ds:datastoreItem xmlns:ds="http://schemas.openxmlformats.org/officeDocument/2006/customXml" ds:itemID="{AC48F4C2-72FB-464C-8474-E470A160399A}">
+  <ds:schemaRefs>
+    <ds:schemaRef ds:uri="http://schemas.microsoft.com/sharepoint/v3/contenttype/forms"/>
+  </ds:schemaRefs>
+</ds:datastoreItem>
+</file>
+
+<file path=customXml/itemProps3.xml><?xml version="1.0" encoding="utf-8"?>
 <ds:datastoreItem xmlns:ds="http://schemas.openxmlformats.org/officeDocument/2006/customXml" ds:itemID="{01C86142-AC43-4D34-9C61-6017C7A1D49D}">
   <ds:schemaRefs>
     <ds:schemaRef ds:uri="e08cfc56-8307-41e5-898e-b333c51beffa"/>
@@ -8129,12 +9874,4 @@
     <ds:schemaRef ds:uri="http://purl.org/dc/terms/"/>
   </ds:schemaRefs>
 </ds:datastoreItem>
-</file>
-
-<file path=customXml/itemProps3.xml><?xml version="1.0" encoding="utf-8"?>
-<ds:datastoreItem xmlns:ds="http://schemas.openxmlformats.org/officeDocument/2006/customXml" ds:itemID="{AC48F4C2-72FB-464C-8474-E470A160399A}">
-  <ds:schemaRefs>
-    <ds:schemaRef ds:uri="http://schemas.microsoft.com/sharepoint/v3/contenttype/forms"/>
-  </ds:schemaRefs>
-</ds:datastoreItem>
 </file>
--- a/Probeklausur.pptx
+++ b/Probeklausur.pptx
@@ -5,10 +5,10 @@
     <p:sldMasterId id="2147483649" r:id="rId4"/>
   </p:sldMasterIdLst>
   <p:notesMasterIdLst>
-    <p:notesMasterId r:id="rId11"/>
+    <p:notesMasterId r:id="rId15"/>
   </p:notesMasterIdLst>
   <p:handoutMasterIdLst>
-    <p:handoutMasterId r:id="rId12"/>
+    <p:handoutMasterId r:id="rId16"/>
   </p:handoutMasterIdLst>
   <p:sldIdLst>
     <p:sldId id="1041" r:id="rId5"/>
@@ -17,6 +17,10 @@
     <p:sldId id="1045" r:id="rId8"/>
     <p:sldId id="1046" r:id="rId9"/>
     <p:sldId id="1047" r:id="rId10"/>
+    <p:sldId id="1050" r:id="rId11"/>
+    <p:sldId id="1051" r:id="rId12"/>
+    <p:sldId id="1052" r:id="rId13"/>
+    <p:sldId id="1053" r:id="rId14"/>
   </p:sldIdLst>
   <p:sldSz cx="12192000" cy="6858000"/>
   <p:notesSz cx="6858000" cy="9144000"/>
@@ -156,6 +160,10 @@
             <p14:sldId id="1045"/>
             <p14:sldId id="1046"/>
             <p14:sldId id="1047"/>
+            <p14:sldId id="1050"/>
+            <p14:sldId id="1051"/>
+            <p14:sldId id="1052"/>
+            <p14:sldId id="1053"/>
           </p14:sldIdLst>
         </p14:section>
         <p14:section name="Standardabschnitt" id="{43259912-C5ED-4E84-8ACD-EEBCC30AE9A6}">
@@ -196,6 +204,15 @@
     </p:ext>
   </p:extLst>
 </p:presentation>
+</file>
+
+<file path=ppt/revisionInfo.xml><?xml version="1.0" encoding="utf-8"?>
+<p1510:revInfo xmlns:a="http://schemas.openxmlformats.org/drawingml/2006/main" xmlns:r="http://schemas.openxmlformats.org/officeDocument/2006/relationships" xmlns:p1510="http://schemas.microsoft.com/office/powerpoint/2015/10/main">
+  <p1510:revLst>
+    <p1510:client id="{CDEA013C-0C4C-7CC9-3073-C215768A4D35}" v="422" dt="2026-02-08T21:59:01.042"/>
+    <p1510:client id="{D9D7A87D-DE7C-D9BF-B02E-6FFACE30470C}" v="1" dt="2026-02-08T22:04:55.165"/>
+  </p1510:revLst>
+</p1510:revInfo>
 </file>
 
 <file path=ppt/handoutMasters/handoutMaster1.xml><?xml version="1.0" encoding="utf-8"?>
@@ -394,7 +411,7 @@
             <a:fld id="{F99C6125-75A0-455B-936B-E52DC9776EFC}" type="slidenum">
               <a:rPr lang="de-DE"/>
               <a:pPr/>
-              <a:t>‹Nr.›</a:t>
+              <a:t>‹#›</a:t>
             </a:fld>
             <a:endParaRPr lang="de-DE"/>
           </a:p>
@@ -708,7 +725,7 @@
             <a:fld id="{A35D100B-8FB0-4F45-A8C0-3F8C65FEE5C2}" type="slidenum">
               <a:rPr lang="de-DE"/>
               <a:pPr/>
-              <a:t>‹Nr.›</a:t>
+              <a:t>‹#›</a:t>
             </a:fld>
             <a:endParaRPr lang="de-DE"/>
           </a:p>
@@ -989,7 +1006,7 @@
             <a:fld id="{30B1EE28-4F67-4416-A18C-74FB63371EF5}" type="datetime1">
               <a:rPr lang="de-DE"/>
               <a:pPr/>
-              <a:t>06.02.2026</a:t>
+              <a:t>08.02.2026</a:t>
             </a:fld>
             <a:r>
               <a:rPr lang="de-DE"/>
@@ -3553,7 +3570,7 @@
                   <a:tab pos="10763250" algn="r"/>
                 </a:tabLst>
               </a:pPr>
-              <a:t>‹Nr.›</a:t>
+              <a:t>‹#›</a:t>
             </a:fld>
             <a:r>
               <a:rPr lang="de-DE" sz="1000" kern="1200">
@@ -4395,6 +4412,362 @@
     <p:extLst>
       <p:ext uri="{BB962C8B-B14F-4D97-AF65-F5344CB8AC3E}">
         <p14:creationId xmlns:p14="http://schemas.microsoft.com/office/powerpoint/2010/main" val="2503854025"/>
+      </p:ext>
+    </p:extLst>
+  </p:cSld>
+  <p:clrMapOvr>
+    <a:masterClrMapping/>
+  </p:clrMapOvr>
+</p:sld>
+</file>
+
+<file path=ppt/slides/slide10.xml><?xml version="1.0" encoding="utf-8"?>
+<p:sld xmlns:a="http://schemas.openxmlformats.org/drawingml/2006/main" xmlns:r="http://schemas.openxmlformats.org/officeDocument/2006/relationships" xmlns:p="http://schemas.openxmlformats.org/presentationml/2006/main">
+  <p:cSld>
+    <p:spTree>
+      <p:nvGrpSpPr>
+        <p:cNvPr id="1" name="">
+          <a:extLst>
+            <a:ext uri="{FF2B5EF4-FFF2-40B4-BE49-F238E27FC236}">
+              <a16:creationId xmlns:a16="http://schemas.microsoft.com/office/drawing/2014/main" id="{4B81B940-026F-E484-3F4F-52ABB7D17F13}"/>
+            </a:ext>
+          </a:extLst>
+        </p:cNvPr>
+        <p:cNvGrpSpPr/>
+        <p:nvPr/>
+      </p:nvGrpSpPr>
+      <p:grpSpPr>
+        <a:xfrm>
+          <a:off x="0" y="0"/>
+          <a:ext cx="0" cy="0"/>
+          <a:chOff x="0" y="0"/>
+          <a:chExt cx="0" cy="0"/>
+        </a:xfrm>
+      </p:grpSpPr>
+      <p:pic>
+        <p:nvPicPr>
+          <p:cNvPr id="3" name="Picture 2" descr="A grid of numbers and letters&#10;&#10;AI-generated content may be incorrect.">
+            <a:extLst>
+              <a:ext uri="{FF2B5EF4-FFF2-40B4-BE49-F238E27FC236}">
+                <a16:creationId xmlns:a16="http://schemas.microsoft.com/office/drawing/2014/main" id="{D724A065-72F8-EB05-EE34-5028B2C64FED}"/>
+              </a:ext>
+            </a:extLst>
+          </p:cNvPr>
+          <p:cNvPicPr>
+            <a:picLocks noChangeAspect="1"/>
+          </p:cNvPicPr>
+          <p:nvPr/>
+        </p:nvPicPr>
+        <p:blipFill>
+          <a:blip r:embed="rId2"/>
+          <a:stretch>
+            <a:fillRect/>
+          </a:stretch>
+        </p:blipFill>
+        <p:spPr>
+          <a:xfrm>
+            <a:off x="3715956" y="980110"/>
+            <a:ext cx="4769736" cy="4579476"/>
+          </a:xfrm>
+          <a:prstGeom prst="rect">
+            <a:avLst/>
+          </a:prstGeom>
+        </p:spPr>
+      </p:pic>
+      <p:sp>
+        <p:nvSpPr>
+          <p:cNvPr id="2" name="Titel 1">
+            <a:extLst>
+              <a:ext uri="{FF2B5EF4-FFF2-40B4-BE49-F238E27FC236}">
+                <a16:creationId xmlns:a16="http://schemas.microsoft.com/office/drawing/2014/main" id="{1BDFEE2C-ABEC-3F8E-2458-41DE7476A274}"/>
+              </a:ext>
+            </a:extLst>
+          </p:cNvPr>
+          <p:cNvSpPr>
+            <a:spLocks noGrp="1"/>
+          </p:cNvSpPr>
+          <p:nvPr>
+            <p:ph type="title"/>
+          </p:nvPr>
+        </p:nvSpPr>
+        <p:spPr/>
+        <p:txBody>
+          <a:bodyPr/>
+          <a:lstStyle/>
+          <a:p>
+            <a:r>
+              <a:rPr lang="de-DE" dirty="0"/>
+              <a:t>Aufgabe 3.1</a:t>
+            </a:r>
+          </a:p>
+        </p:txBody>
+      </p:sp>
+      <p:sp>
+        <p:nvSpPr>
+          <p:cNvPr id="5" name="Content Placeholder 4">
+            <a:extLst>
+              <a:ext uri="{FF2B5EF4-FFF2-40B4-BE49-F238E27FC236}">
+                <a16:creationId xmlns:a16="http://schemas.microsoft.com/office/drawing/2014/main" id="{27EBD01C-B180-5F37-09FC-6FBEB00E882E}"/>
+              </a:ext>
+            </a:extLst>
+          </p:cNvPr>
+          <p:cNvSpPr>
+            <a:spLocks noGrp="1"/>
+          </p:cNvSpPr>
+          <p:nvPr>
+            <p:ph idx="1"/>
+          </p:nvPr>
+        </p:nvSpPr>
+        <p:spPr/>
+        <p:txBody>
+          <a:bodyPr/>
+          <a:lstStyle/>
+          <a:p>
+            <a:pPr marL="0" indent="0">
+              <a:buNone/>
+            </a:pPr>
+            <a:r>
+              <a:rPr lang="en-GB" dirty="0">
+                <a:cs typeface="Arial"/>
+              </a:rPr>
+              <a:t>b)</a:t>
+            </a:r>
+          </a:p>
+        </p:txBody>
+      </p:sp>
+      <p:sp>
+        <p:nvSpPr>
+          <p:cNvPr id="12" name="Rectangle: Rounded Corners 11">
+            <a:extLst>
+              <a:ext uri="{FF2B5EF4-FFF2-40B4-BE49-F238E27FC236}">
+                <a16:creationId xmlns:a16="http://schemas.microsoft.com/office/drawing/2014/main" id="{5DBD8FDF-502B-F16B-4576-A0B8FA1BB406}"/>
+              </a:ext>
+            </a:extLst>
+          </p:cNvPr>
+          <p:cNvSpPr/>
+          <p:nvPr/>
+        </p:nvSpPr>
+        <p:spPr>
+          <a:xfrm>
+            <a:off x="6022814" y="2381610"/>
+            <a:ext cx="1406323" cy="1367741"/>
+          </a:xfrm>
+          <a:prstGeom prst="roundRect">
+            <a:avLst/>
+          </a:prstGeom>
+          <a:noFill/>
+          <a:ln w="28575">
+            <a:solidFill>
+              <a:schemeClr val="accent5">
+                <a:lumMod val="60000"/>
+                <a:lumOff val="40000"/>
+              </a:schemeClr>
+            </a:solidFill>
+          </a:ln>
+        </p:spPr>
+        <p:style>
+          <a:lnRef idx="2">
+            <a:schemeClr val="accent1">
+              <a:shade val="50000"/>
+            </a:schemeClr>
+          </a:lnRef>
+          <a:fillRef idx="1">
+            <a:schemeClr val="accent1"/>
+          </a:fillRef>
+          <a:effectRef idx="0">
+            <a:schemeClr val="accent1"/>
+          </a:effectRef>
+          <a:fontRef idx="minor">
+            <a:schemeClr val="lt1"/>
+          </a:fontRef>
+        </p:style>
+        <p:txBody>
+          <a:bodyPr rtlCol="0" anchor="ctr"/>
+          <a:lstStyle/>
+          <a:p>
+            <a:pPr algn="ctr"/>
+            <a:endParaRPr lang="en-GB"/>
+          </a:p>
+        </p:txBody>
+      </p:sp>
+      <p:sp>
+        <p:nvSpPr>
+          <p:cNvPr id="18" name="Rectangle: Rounded Corners 17">
+            <a:extLst>
+              <a:ext uri="{FF2B5EF4-FFF2-40B4-BE49-F238E27FC236}">
+                <a16:creationId xmlns:a16="http://schemas.microsoft.com/office/drawing/2014/main" id="{A9088859-044B-33F3-6524-7A5827CDD6BB}"/>
+              </a:ext>
+            </a:extLst>
+          </p:cNvPr>
+          <p:cNvSpPr/>
+          <p:nvPr/>
+        </p:nvSpPr>
+        <p:spPr>
+          <a:xfrm>
+            <a:off x="6726941" y="2371964"/>
+            <a:ext cx="1444905" cy="1377385"/>
+          </a:xfrm>
+          <a:prstGeom prst="roundRect">
+            <a:avLst/>
+          </a:prstGeom>
+          <a:noFill/>
+          <a:ln w="28575">
+            <a:solidFill>
+              <a:srgbClr val="7030A0"/>
+            </a:solidFill>
+          </a:ln>
+        </p:spPr>
+        <p:style>
+          <a:lnRef idx="2">
+            <a:schemeClr val="accent1">
+              <a:shade val="50000"/>
+            </a:schemeClr>
+          </a:lnRef>
+          <a:fillRef idx="1">
+            <a:schemeClr val="accent1"/>
+          </a:fillRef>
+          <a:effectRef idx="0">
+            <a:schemeClr val="accent1"/>
+          </a:effectRef>
+          <a:fontRef idx="minor">
+            <a:schemeClr val="lt1"/>
+          </a:fontRef>
+        </p:style>
+        <p:txBody>
+          <a:bodyPr rtlCol="0" anchor="ctr"/>
+          <a:lstStyle/>
+          <a:p>
+            <a:pPr algn="ctr"/>
+            <a:endParaRPr lang="en-GB"/>
+          </a:p>
+        </p:txBody>
+      </p:sp>
+      <p:pic>
+        <p:nvPicPr>
+          <p:cNvPr id="7" name="Picture 6">
+            <a:extLst>
+              <a:ext uri="{FF2B5EF4-FFF2-40B4-BE49-F238E27FC236}">
+                <a16:creationId xmlns:a16="http://schemas.microsoft.com/office/drawing/2014/main" id="{C782BF0B-C577-07D8-2731-265D9C2A2AFB}"/>
+              </a:ext>
+            </a:extLst>
+          </p:cNvPr>
+          <p:cNvPicPr>
+            <a:picLocks noChangeAspect="1"/>
+          </p:cNvPicPr>
+          <p:nvPr/>
+        </p:nvPicPr>
+        <p:blipFill>
+          <a:blip r:embed="rId3"/>
+          <a:stretch>
+            <a:fillRect/>
+          </a:stretch>
+        </p:blipFill>
+        <p:spPr>
+          <a:xfrm>
+            <a:off x="808419" y="5708007"/>
+            <a:ext cx="5810250" cy="419100"/>
+          </a:xfrm>
+          <a:prstGeom prst="rect">
+            <a:avLst/>
+          </a:prstGeom>
+        </p:spPr>
+      </p:pic>
+      <p:sp>
+        <p:nvSpPr>
+          <p:cNvPr id="14" name="Right Bracket 13">
+            <a:extLst>
+              <a:ext uri="{FF2B5EF4-FFF2-40B4-BE49-F238E27FC236}">
+                <a16:creationId xmlns:a16="http://schemas.microsoft.com/office/drawing/2014/main" id="{7C7AEB39-754A-289C-A57A-AE96D32BE786}"/>
+              </a:ext>
+            </a:extLst>
+          </p:cNvPr>
+          <p:cNvSpPr/>
+          <p:nvPr/>
+        </p:nvSpPr>
+        <p:spPr>
+          <a:xfrm rot="-5400000">
+            <a:off x="5266592" y="4709744"/>
+            <a:ext cx="556846" cy="627186"/>
+          </a:xfrm>
+          <a:prstGeom prst="rightBracket">
+            <a:avLst/>
+          </a:prstGeom>
+          <a:noFill/>
+          <a:ln/>
+        </p:spPr>
+        <p:style>
+          <a:lnRef idx="2">
+            <a:schemeClr val="accent4"/>
+          </a:lnRef>
+          <a:fillRef idx="1">
+            <a:schemeClr val="lt1"/>
+          </a:fillRef>
+          <a:effectRef idx="0">
+            <a:schemeClr val="accent4"/>
+          </a:effectRef>
+          <a:fontRef idx="minor">
+            <a:schemeClr val="dk1"/>
+          </a:fontRef>
+        </p:style>
+        <p:txBody>
+          <a:bodyPr rtlCol="0" anchor="ctr"/>
+          <a:lstStyle/>
+          <a:p>
+            <a:pPr algn="ctr"/>
+            <a:endParaRPr lang="en-GB"/>
+          </a:p>
+        </p:txBody>
+      </p:sp>
+      <p:sp>
+        <p:nvSpPr>
+          <p:cNvPr id="11" name="Right Bracket 10">
+            <a:extLst>
+              <a:ext uri="{FF2B5EF4-FFF2-40B4-BE49-F238E27FC236}">
+                <a16:creationId xmlns:a16="http://schemas.microsoft.com/office/drawing/2014/main" id="{C1EA404C-9570-CDEB-B589-7FA4E017C090}"/>
+              </a:ext>
+            </a:extLst>
+          </p:cNvPr>
+          <p:cNvSpPr/>
+          <p:nvPr/>
+        </p:nvSpPr>
+        <p:spPr>
+          <a:xfrm rot="5400000">
+            <a:off x="5272454" y="2312376"/>
+            <a:ext cx="556846" cy="627186"/>
+          </a:xfrm>
+          <a:prstGeom prst="rightBracket">
+            <a:avLst/>
+          </a:prstGeom>
+          <a:noFill/>
+          <a:ln/>
+        </p:spPr>
+        <p:style>
+          <a:lnRef idx="2">
+            <a:schemeClr val="accent4"/>
+          </a:lnRef>
+          <a:fillRef idx="1">
+            <a:schemeClr val="lt1"/>
+          </a:fillRef>
+          <a:effectRef idx="0">
+            <a:schemeClr val="accent4"/>
+          </a:effectRef>
+          <a:fontRef idx="minor">
+            <a:schemeClr val="dk1"/>
+          </a:fontRef>
+        </p:style>
+        <p:txBody>
+          <a:bodyPr rtlCol="0" anchor="ctr"/>
+          <a:lstStyle/>
+          <a:p>
+            <a:pPr algn="ctr"/>
+            <a:endParaRPr lang="en-GB"/>
+          </a:p>
+        </p:txBody>
+      </p:sp>
+    </p:spTree>
+    <p:extLst>
+      <p:ext uri="{BB962C8B-B14F-4D97-AF65-F5344CB8AC3E}">
+        <p14:creationId xmlns:p14="http://schemas.microsoft.com/office/powerpoint/2010/main" val="263461105"/>
       </p:ext>
     </p:extLst>
   </p:cSld>
@@ -7022,8 +7395,8 @@
           </a:p>
         </p:txBody>
       </p:sp>
-      <mc:AlternateContent xmlns:mc="http://schemas.openxmlformats.org/markup-compatibility/2006">
-        <mc:Choice xmlns:a14="http://schemas.microsoft.com/office/drawing/2010/main" Requires="a14">
+      <mc:AlternateContent xmlns:mc="http://schemas.openxmlformats.org/markup-compatibility/2006" xmlns:a14="http://schemas.microsoft.com/office/drawing/2010/main">
+        <mc:Choice Requires="a14">
           <p:sp>
             <p:nvSpPr>
               <p:cNvPr id="3" name="Inhaltsplatzhalter 2">
@@ -7927,14 +8300,7 @@
                         <a:latin typeface="Cambria Math" panose="02040503050406030204" pitchFamily="18" charset="0"/>
                         <a:ea typeface="Cambria Math" panose="02040503050406030204" pitchFamily="18" charset="0"/>
                       </a:rPr>
-                      <m:t>∨</m:t>
-                    </m:r>
-                    <m:r>
-                      <a:rPr lang="de-DE" i="1">
-                        <a:latin typeface="Cambria Math" panose="02040503050406030204" pitchFamily="18" charset="0"/>
-                        <a:ea typeface="Cambria Math" panose="02040503050406030204" pitchFamily="18" charset="0"/>
-                      </a:rPr>
-                      <m:t>0</m:t>
+                      <m:t>∨0</m:t>
                     </m:r>
                     <m:r>
                       <a:rPr lang="de-DE" b="0" i="1" smtClean="0">
@@ -7984,7 +8350,7 @@
             </p:txBody>
           </p:sp>
         </mc:Choice>
-        <mc:Fallback>
+        <mc:Fallback xmlns="">
           <p:sp>
             <p:nvSpPr>
               <p:cNvPr id="3" name="Inhaltsplatzhalter 2">
@@ -8082,8 +8448,8 @@
           </a:p>
         </p:txBody>
       </p:sp>
-      <mc:AlternateContent xmlns:mc="http://schemas.openxmlformats.org/markup-compatibility/2006">
-        <mc:Choice xmlns:a14="http://schemas.microsoft.com/office/drawing/2010/main" Requires="a14">
+      <mc:AlternateContent xmlns:mc="http://schemas.openxmlformats.org/markup-compatibility/2006" xmlns:a14="http://schemas.microsoft.com/office/drawing/2010/main">
+        <mc:Choice Requires="a14">
           <p:sp>
             <p:nvSpPr>
               <p:cNvPr id="3" name="Inhaltsplatzhalter 2">
@@ -8661,7 +9027,7 @@
             </p:txBody>
           </p:sp>
         </mc:Choice>
-        <mc:Fallback>
+        <mc:Fallback xmlns="">
           <p:sp>
             <p:nvSpPr>
               <p:cNvPr id="3" name="Inhaltsplatzhalter 2">
@@ -8705,6 +9071,2076 @@
     <p:extLst>
       <p:ext uri="{BB962C8B-B14F-4D97-AF65-F5344CB8AC3E}">
         <p14:creationId xmlns:p14="http://schemas.microsoft.com/office/powerpoint/2010/main" val="1675324615"/>
+      </p:ext>
+    </p:extLst>
+  </p:cSld>
+  <p:clrMapOvr>
+    <a:masterClrMapping/>
+  </p:clrMapOvr>
+</p:sld>
+</file>
+
+<file path=ppt/slides/slide7.xml><?xml version="1.0" encoding="utf-8"?>
+<p:sld xmlns:a="http://schemas.openxmlformats.org/drawingml/2006/main" xmlns:r="http://schemas.openxmlformats.org/officeDocument/2006/relationships" xmlns:p="http://schemas.openxmlformats.org/presentationml/2006/main">
+  <p:cSld>
+    <p:spTree>
+      <p:nvGrpSpPr>
+        <p:cNvPr id="1" name="">
+          <a:extLst>
+            <a:ext uri="{FF2B5EF4-FFF2-40B4-BE49-F238E27FC236}">
+              <a16:creationId xmlns:a16="http://schemas.microsoft.com/office/drawing/2014/main" id="{91693A8C-5D51-A15E-3500-B39601C36076}"/>
+            </a:ext>
+          </a:extLst>
+        </p:cNvPr>
+        <p:cNvGrpSpPr/>
+        <p:nvPr/>
+      </p:nvGrpSpPr>
+      <p:grpSpPr>
+        <a:xfrm>
+          <a:off x="0" y="0"/>
+          <a:ext cx="0" cy="0"/>
+          <a:chOff x="0" y="0"/>
+          <a:chExt cx="0" cy="0"/>
+        </a:xfrm>
+      </p:grpSpPr>
+      <p:sp>
+        <p:nvSpPr>
+          <p:cNvPr id="2" name="Titel 1">
+            <a:extLst>
+              <a:ext uri="{FF2B5EF4-FFF2-40B4-BE49-F238E27FC236}">
+                <a16:creationId xmlns:a16="http://schemas.microsoft.com/office/drawing/2014/main" id="{357DFFC3-21E4-FE58-5643-FC461C94DDF0}"/>
+              </a:ext>
+            </a:extLst>
+          </p:cNvPr>
+          <p:cNvSpPr>
+            <a:spLocks noGrp="1"/>
+          </p:cNvSpPr>
+          <p:nvPr>
+            <p:ph type="title"/>
+          </p:nvPr>
+        </p:nvSpPr>
+        <p:spPr/>
+        <p:txBody>
+          <a:bodyPr/>
+          <a:lstStyle/>
+          <a:p>
+            <a:r>
+              <a:rPr lang="de-DE" dirty="0"/>
+              <a:t>Aufgabe 3.1</a:t>
+            </a:r>
+          </a:p>
+        </p:txBody>
+      </p:sp>
+      <p:sp>
+        <p:nvSpPr>
+          <p:cNvPr id="5" name="Content Placeholder 4">
+            <a:extLst>
+              <a:ext uri="{FF2B5EF4-FFF2-40B4-BE49-F238E27FC236}">
+                <a16:creationId xmlns:a16="http://schemas.microsoft.com/office/drawing/2014/main" id="{8F834434-46D8-8169-D511-9D75F950E9E9}"/>
+              </a:ext>
+            </a:extLst>
+          </p:cNvPr>
+          <p:cNvSpPr>
+            <a:spLocks noGrp="1"/>
+          </p:cNvSpPr>
+          <p:nvPr>
+            <p:ph idx="1"/>
+          </p:nvPr>
+        </p:nvSpPr>
+        <p:spPr/>
+        <p:txBody>
+          <a:bodyPr/>
+          <a:lstStyle/>
+          <a:p>
+            <a:pPr marL="0" indent="0">
+              <a:buNone/>
+            </a:pPr>
+            <a:r>
+              <a:rPr lang="en-GB" dirty="0">
+                <a:cs typeface="Arial"/>
+              </a:rPr>
+              <a:t>a)</a:t>
+            </a:r>
+          </a:p>
+        </p:txBody>
+      </p:sp>
+      <p:pic>
+        <p:nvPicPr>
+          <p:cNvPr id="9" name="Content Placeholder 5">
+            <a:extLst>
+              <a:ext uri="{FF2B5EF4-FFF2-40B4-BE49-F238E27FC236}">
+                <a16:creationId xmlns:a16="http://schemas.microsoft.com/office/drawing/2014/main" id="{F19C1194-D512-59B2-523E-66BF752559E1}"/>
+              </a:ext>
+            </a:extLst>
+          </p:cNvPr>
+          <p:cNvPicPr>
+            <a:picLocks noChangeAspect="1"/>
+          </p:cNvPicPr>
+          <p:nvPr/>
+        </p:nvPicPr>
+        <p:blipFill>
+          <a:blip r:embed="rId2"/>
+          <a:stretch>
+            <a:fillRect/>
+          </a:stretch>
+        </p:blipFill>
+        <p:spPr bwMode="auto">
+          <a:xfrm>
+            <a:off x="4095170" y="1576992"/>
+            <a:ext cx="4010060" cy="4114800"/>
+          </a:xfrm>
+          <a:prstGeom prst="rect">
+            <a:avLst/>
+          </a:prstGeom>
+          <a:noFill/>
+          <a:ln w="9525">
+            <a:noFill/>
+            <a:miter lim="800000"/>
+            <a:headEnd/>
+            <a:tailEnd/>
+          </a:ln>
+          <a:effectLst/>
+        </p:spPr>
+      </p:pic>
+      <p:sp>
+        <p:nvSpPr>
+          <p:cNvPr id="13" name="TextBox 12">
+            <a:extLst>
+              <a:ext uri="{FF2B5EF4-FFF2-40B4-BE49-F238E27FC236}">
+                <a16:creationId xmlns:a16="http://schemas.microsoft.com/office/drawing/2014/main" id="{3A5E91B6-76E9-51B8-36C3-86ED6BBDB4F9}"/>
+              </a:ext>
+            </a:extLst>
+          </p:cNvPr>
+          <p:cNvSpPr txBox="1"/>
+          <p:nvPr/>
+        </p:nvSpPr>
+        <p:spPr>
+          <a:xfrm>
+            <a:off x="5456731" y="2955867"/>
+            <a:ext cx="274621" cy="461665"/>
+          </a:xfrm>
+          <a:prstGeom prst="rect">
+            <a:avLst/>
+          </a:prstGeom>
+          <a:noFill/>
+        </p:spPr>
+        <p:txBody>
+          <a:bodyPr rot="0" spcFirstLastPara="0" vertOverflow="overflow" horzOverflow="overflow" vert="horz" wrap="square" lIns="91440" tIns="45720" rIns="91440" bIns="45720" numCol="1" spcCol="0" rtlCol="0" fromWordArt="0" anchor="t" anchorCtr="0" forceAA="0" compatLnSpc="1">
+            <a:prstTxWarp prst="textNoShape">
+              <a:avLst/>
+            </a:prstTxWarp>
+            <a:spAutoFit/>
+          </a:bodyPr>
+          <a:lstStyle/>
+          <a:p>
+            <a:pPr algn="l"/>
+            <a:r>
+              <a:rPr lang="en-GB" sz="2400" dirty="0">
+                <a:latin typeface="Arial"/>
+                <a:cs typeface="Arial"/>
+              </a:rPr>
+              <a:t>*</a:t>
+            </a:r>
+            <a:endParaRPr lang="en-GB" sz="3200" dirty="0">
+              <a:latin typeface="Arial"/>
+              <a:cs typeface="Arial"/>
+            </a:endParaRPr>
+          </a:p>
+        </p:txBody>
+      </p:sp>
+      <p:sp>
+        <p:nvSpPr>
+          <p:cNvPr id="17" name="TextBox 16">
+            <a:extLst>
+              <a:ext uri="{FF2B5EF4-FFF2-40B4-BE49-F238E27FC236}">
+                <a16:creationId xmlns:a16="http://schemas.microsoft.com/office/drawing/2014/main" id="{93ACC331-FF69-69BF-C7DF-80F905F21287}"/>
+              </a:ext>
+            </a:extLst>
+          </p:cNvPr>
+          <p:cNvSpPr txBox="1"/>
+          <p:nvPr/>
+        </p:nvSpPr>
+        <p:spPr>
+          <a:xfrm>
+            <a:off x="5941671" y="2908416"/>
+            <a:ext cx="607670" cy="369332"/>
+          </a:xfrm>
+          <a:prstGeom prst="rect">
+            <a:avLst/>
+          </a:prstGeom>
+          <a:noFill/>
+        </p:spPr>
+        <p:txBody>
+          <a:bodyPr rot="0" spcFirstLastPara="0" vertOverflow="overflow" horzOverflow="overflow" vert="horz" wrap="square" lIns="91440" tIns="45720" rIns="91440" bIns="45720" numCol="1" spcCol="0" rtlCol="0" fromWordArt="0" anchor="ctr" anchorCtr="0" forceAA="0" compatLnSpc="1">
+            <a:prstTxWarp prst="textNoShape">
+              <a:avLst/>
+            </a:prstTxWarp>
+            <a:spAutoFit/>
+          </a:bodyPr>
+          <a:lstStyle/>
+          <a:p>
+            <a:pPr algn="ctr"/>
+            <a:r>
+              <a:rPr lang="en-GB" dirty="0">
+                <a:cs typeface="Arial"/>
+              </a:rPr>
+              <a:t>1</a:t>
+            </a:r>
+            <a:endParaRPr lang="en-GB" dirty="0">
+              <a:cs typeface="Arial" charset="0"/>
+            </a:endParaRPr>
+          </a:p>
+        </p:txBody>
+      </p:sp>
+      <p:sp>
+        <p:nvSpPr>
+          <p:cNvPr id="30" name="TextBox 29">
+            <a:extLst>
+              <a:ext uri="{FF2B5EF4-FFF2-40B4-BE49-F238E27FC236}">
+                <a16:creationId xmlns:a16="http://schemas.microsoft.com/office/drawing/2014/main" id="{5E5F0D07-7C60-E0FB-48C1-927CA23351F8}"/>
+              </a:ext>
+            </a:extLst>
+          </p:cNvPr>
+          <p:cNvSpPr txBox="1"/>
+          <p:nvPr/>
+        </p:nvSpPr>
+        <p:spPr>
+          <a:xfrm>
+            <a:off x="6554773" y="2908415"/>
+            <a:ext cx="607670" cy="369332"/>
+          </a:xfrm>
+          <a:prstGeom prst="rect">
+            <a:avLst/>
+          </a:prstGeom>
+          <a:noFill/>
+        </p:spPr>
+        <p:txBody>
+          <a:bodyPr rot="0" spcFirstLastPara="0" vertOverflow="overflow" horzOverflow="overflow" vert="horz" wrap="square" lIns="91440" tIns="45720" rIns="91440" bIns="45720" numCol="1" spcCol="0" rtlCol="0" fromWordArt="0" anchor="ctr" anchorCtr="0" forceAA="0" compatLnSpc="1">
+            <a:prstTxWarp prst="textNoShape">
+              <a:avLst/>
+            </a:prstTxWarp>
+            <a:spAutoFit/>
+          </a:bodyPr>
+          <a:lstStyle/>
+          <a:p>
+            <a:pPr algn="ctr"/>
+            <a:r>
+              <a:rPr lang="en-GB" dirty="0">
+                <a:latin typeface="Arial"/>
+                <a:cs typeface="Arial"/>
+              </a:rPr>
+              <a:t>0</a:t>
+            </a:r>
+            <a:endParaRPr lang="en-GB" dirty="0">
+              <a:cs typeface="Arial" charset="0"/>
+            </a:endParaRPr>
+          </a:p>
+        </p:txBody>
+      </p:sp>
+      <p:sp>
+        <p:nvSpPr>
+          <p:cNvPr id="32" name="TextBox 31">
+            <a:extLst>
+              <a:ext uri="{FF2B5EF4-FFF2-40B4-BE49-F238E27FC236}">
+                <a16:creationId xmlns:a16="http://schemas.microsoft.com/office/drawing/2014/main" id="{1707A129-3052-C33B-14A7-D1FE426047BD}"/>
+              </a:ext>
+            </a:extLst>
+          </p:cNvPr>
+          <p:cNvSpPr txBox="1"/>
+          <p:nvPr/>
+        </p:nvSpPr>
+        <p:spPr>
+          <a:xfrm>
+            <a:off x="7202909" y="2908414"/>
+            <a:ext cx="607670" cy="369332"/>
+          </a:xfrm>
+          <a:prstGeom prst="rect">
+            <a:avLst/>
+          </a:prstGeom>
+          <a:noFill/>
+        </p:spPr>
+        <p:txBody>
+          <a:bodyPr rot="0" spcFirstLastPara="0" vertOverflow="overflow" horzOverflow="overflow" vert="horz" wrap="square" lIns="91440" tIns="45720" rIns="91440" bIns="45720" numCol="1" spcCol="0" rtlCol="0" fromWordArt="0" anchor="ctr" anchorCtr="0" forceAA="0" compatLnSpc="1">
+            <a:prstTxWarp prst="textNoShape">
+              <a:avLst/>
+            </a:prstTxWarp>
+            <a:spAutoFit/>
+          </a:bodyPr>
+          <a:lstStyle/>
+          <a:p>
+            <a:pPr algn="ctr"/>
+            <a:r>
+              <a:rPr lang="en-GB" dirty="0">
+                <a:cs typeface="Arial"/>
+              </a:rPr>
+              <a:t>1</a:t>
+            </a:r>
+            <a:endParaRPr lang="en-GB" dirty="0">
+              <a:cs typeface="Arial" charset="0"/>
+            </a:endParaRPr>
+          </a:p>
+        </p:txBody>
+      </p:sp>
+      <p:sp>
+        <p:nvSpPr>
+          <p:cNvPr id="34" name="TextBox 33">
+            <a:extLst>
+              <a:ext uri="{FF2B5EF4-FFF2-40B4-BE49-F238E27FC236}">
+                <a16:creationId xmlns:a16="http://schemas.microsoft.com/office/drawing/2014/main" id="{2DEDDAB1-7AED-E4FD-0ED5-BA1B2B7D9743}"/>
+              </a:ext>
+            </a:extLst>
+          </p:cNvPr>
+          <p:cNvSpPr txBox="1"/>
+          <p:nvPr/>
+        </p:nvSpPr>
+        <p:spPr>
+          <a:xfrm>
+            <a:off x="7202908" y="3539034"/>
+            <a:ext cx="607670" cy="369332"/>
+          </a:xfrm>
+          <a:prstGeom prst="rect">
+            <a:avLst/>
+          </a:prstGeom>
+          <a:noFill/>
+        </p:spPr>
+        <p:txBody>
+          <a:bodyPr rot="0" spcFirstLastPara="0" vertOverflow="overflow" horzOverflow="overflow" vert="horz" wrap="square" lIns="91440" tIns="45720" rIns="91440" bIns="45720" numCol="1" spcCol="0" rtlCol="0" fromWordArt="0" anchor="ctr" anchorCtr="0" forceAA="0" compatLnSpc="1">
+            <a:prstTxWarp prst="textNoShape">
+              <a:avLst/>
+            </a:prstTxWarp>
+            <a:spAutoFit/>
+          </a:bodyPr>
+          <a:lstStyle/>
+          <a:p>
+            <a:pPr algn="ctr"/>
+            <a:r>
+              <a:rPr lang="en-GB" dirty="0">
+                <a:cs typeface="Arial"/>
+              </a:rPr>
+              <a:t>1</a:t>
+            </a:r>
+            <a:endParaRPr lang="en-GB" dirty="0">
+              <a:cs typeface="Arial" charset="0"/>
+            </a:endParaRPr>
+          </a:p>
+        </p:txBody>
+      </p:sp>
+      <p:sp>
+        <p:nvSpPr>
+          <p:cNvPr id="36" name="TextBox 35">
+            <a:extLst>
+              <a:ext uri="{FF2B5EF4-FFF2-40B4-BE49-F238E27FC236}">
+                <a16:creationId xmlns:a16="http://schemas.microsoft.com/office/drawing/2014/main" id="{8EF5CB92-7896-F983-D4BB-378381E0F4C7}"/>
+              </a:ext>
+            </a:extLst>
+          </p:cNvPr>
+          <p:cNvSpPr txBox="1"/>
+          <p:nvPr/>
+        </p:nvSpPr>
+        <p:spPr>
+          <a:xfrm>
+            <a:off x="6589804" y="3539033"/>
+            <a:ext cx="607670" cy="369332"/>
+          </a:xfrm>
+          <a:prstGeom prst="rect">
+            <a:avLst/>
+          </a:prstGeom>
+          <a:noFill/>
+        </p:spPr>
+        <p:txBody>
+          <a:bodyPr rot="0" spcFirstLastPara="0" vertOverflow="overflow" horzOverflow="overflow" vert="horz" wrap="square" lIns="91440" tIns="45720" rIns="91440" bIns="45720" numCol="1" spcCol="0" rtlCol="0" fromWordArt="0" anchor="ctr" anchorCtr="0" forceAA="0" compatLnSpc="1">
+            <a:prstTxWarp prst="textNoShape">
+              <a:avLst/>
+            </a:prstTxWarp>
+            <a:spAutoFit/>
+          </a:bodyPr>
+          <a:lstStyle/>
+          <a:p>
+            <a:pPr algn="ctr"/>
+            <a:r>
+              <a:rPr lang="en-GB" dirty="0">
+                <a:latin typeface="Arial"/>
+                <a:cs typeface="Arial"/>
+              </a:rPr>
+              <a:t>0</a:t>
+            </a:r>
+            <a:endParaRPr lang="en-GB" dirty="0">
+              <a:cs typeface="Arial" charset="0"/>
+            </a:endParaRPr>
+          </a:p>
+        </p:txBody>
+      </p:sp>
+      <p:sp>
+        <p:nvSpPr>
+          <p:cNvPr id="38" name="TextBox 37">
+            <a:extLst>
+              <a:ext uri="{FF2B5EF4-FFF2-40B4-BE49-F238E27FC236}">
+                <a16:creationId xmlns:a16="http://schemas.microsoft.com/office/drawing/2014/main" id="{6C08D9F1-6A02-3CF2-BF7F-0056D63A83D2}"/>
+              </a:ext>
+            </a:extLst>
+          </p:cNvPr>
+          <p:cNvSpPr txBox="1"/>
+          <p:nvPr/>
+        </p:nvSpPr>
+        <p:spPr>
+          <a:xfrm>
+            <a:off x="5941665" y="3539032"/>
+            <a:ext cx="607670" cy="369332"/>
+          </a:xfrm>
+          <a:prstGeom prst="rect">
+            <a:avLst/>
+          </a:prstGeom>
+          <a:noFill/>
+        </p:spPr>
+        <p:txBody>
+          <a:bodyPr rot="0" spcFirstLastPara="0" vertOverflow="overflow" horzOverflow="overflow" vert="horz" wrap="square" lIns="91440" tIns="45720" rIns="91440" bIns="45720" numCol="1" spcCol="0" rtlCol="0" fromWordArt="0" anchor="ctr" anchorCtr="0" forceAA="0" compatLnSpc="1">
+            <a:prstTxWarp prst="textNoShape">
+              <a:avLst/>
+            </a:prstTxWarp>
+            <a:spAutoFit/>
+          </a:bodyPr>
+          <a:lstStyle/>
+          <a:p>
+            <a:pPr algn="ctr"/>
+            <a:r>
+              <a:rPr lang="en-GB" dirty="0">
+                <a:latin typeface="Arial"/>
+                <a:cs typeface="Arial"/>
+              </a:rPr>
+              <a:t>0</a:t>
+            </a:r>
+            <a:endParaRPr lang="en-GB" dirty="0">
+              <a:cs typeface="Arial" charset="0"/>
+            </a:endParaRPr>
+          </a:p>
+        </p:txBody>
+      </p:sp>
+      <p:sp>
+        <p:nvSpPr>
+          <p:cNvPr id="40" name="TextBox 39">
+            <a:extLst>
+              <a:ext uri="{FF2B5EF4-FFF2-40B4-BE49-F238E27FC236}">
+                <a16:creationId xmlns:a16="http://schemas.microsoft.com/office/drawing/2014/main" id="{241470D8-C28C-6153-2E31-23B2B4804C96}"/>
+              </a:ext>
+            </a:extLst>
+          </p:cNvPr>
+          <p:cNvSpPr txBox="1"/>
+          <p:nvPr/>
+        </p:nvSpPr>
+        <p:spPr>
+          <a:xfrm>
+            <a:off x="5328561" y="3539031"/>
+            <a:ext cx="607670" cy="369332"/>
+          </a:xfrm>
+          <a:prstGeom prst="rect">
+            <a:avLst/>
+          </a:prstGeom>
+          <a:noFill/>
+        </p:spPr>
+        <p:txBody>
+          <a:bodyPr rot="0" spcFirstLastPara="0" vertOverflow="overflow" horzOverflow="overflow" vert="horz" wrap="square" lIns="91440" tIns="45720" rIns="91440" bIns="45720" numCol="1" spcCol="0" rtlCol="0" fromWordArt="0" anchor="ctr" anchorCtr="0" forceAA="0" compatLnSpc="1">
+            <a:prstTxWarp prst="textNoShape">
+              <a:avLst/>
+            </a:prstTxWarp>
+            <a:spAutoFit/>
+          </a:bodyPr>
+          <a:lstStyle/>
+          <a:p>
+            <a:pPr algn="ctr"/>
+            <a:r>
+              <a:rPr lang="en-GB" dirty="0">
+                <a:latin typeface="Arial"/>
+                <a:cs typeface="Arial"/>
+              </a:rPr>
+              <a:t>0</a:t>
+            </a:r>
+            <a:endParaRPr lang="en-GB" dirty="0">
+              <a:cs typeface="Arial" charset="0"/>
+            </a:endParaRPr>
+          </a:p>
+        </p:txBody>
+      </p:sp>
+      <p:sp>
+        <p:nvSpPr>
+          <p:cNvPr id="42" name="TextBox 41">
+            <a:extLst>
+              <a:ext uri="{FF2B5EF4-FFF2-40B4-BE49-F238E27FC236}">
+                <a16:creationId xmlns:a16="http://schemas.microsoft.com/office/drawing/2014/main" id="{0E495DEC-D92B-9098-8EE9-FADCBCE080D7}"/>
+              </a:ext>
+            </a:extLst>
+          </p:cNvPr>
+          <p:cNvSpPr txBox="1"/>
+          <p:nvPr/>
+        </p:nvSpPr>
+        <p:spPr>
+          <a:xfrm>
+            <a:off x="5328560" y="4195927"/>
+            <a:ext cx="607670" cy="369332"/>
+          </a:xfrm>
+          <a:prstGeom prst="rect">
+            <a:avLst/>
+          </a:prstGeom>
+          <a:noFill/>
+        </p:spPr>
+        <p:txBody>
+          <a:bodyPr rot="0" spcFirstLastPara="0" vertOverflow="overflow" horzOverflow="overflow" vert="horz" wrap="square" lIns="91440" tIns="45720" rIns="91440" bIns="45720" numCol="1" spcCol="0" rtlCol="0" fromWordArt="0" anchor="ctr" anchorCtr="0" forceAA="0" compatLnSpc="1">
+            <a:prstTxWarp prst="textNoShape">
+              <a:avLst/>
+            </a:prstTxWarp>
+            <a:spAutoFit/>
+          </a:bodyPr>
+          <a:lstStyle/>
+          <a:p>
+            <a:pPr algn="ctr"/>
+            <a:r>
+              <a:rPr lang="en-GB" dirty="0">
+                <a:latin typeface="Arial"/>
+                <a:cs typeface="Arial"/>
+              </a:rPr>
+              <a:t>0</a:t>
+            </a:r>
+            <a:endParaRPr lang="en-GB" dirty="0">
+              <a:cs typeface="Arial" charset="0"/>
+            </a:endParaRPr>
+          </a:p>
+        </p:txBody>
+      </p:sp>
+      <p:sp>
+        <p:nvSpPr>
+          <p:cNvPr id="44" name="TextBox 43">
+            <a:extLst>
+              <a:ext uri="{FF2B5EF4-FFF2-40B4-BE49-F238E27FC236}">
+                <a16:creationId xmlns:a16="http://schemas.microsoft.com/office/drawing/2014/main" id="{1961823D-D42B-5D56-236E-BCC50E29AF50}"/>
+              </a:ext>
+            </a:extLst>
+          </p:cNvPr>
+          <p:cNvSpPr txBox="1"/>
+          <p:nvPr/>
+        </p:nvSpPr>
+        <p:spPr>
+          <a:xfrm>
+            <a:off x="5941663" y="4195926"/>
+            <a:ext cx="607670" cy="369332"/>
+          </a:xfrm>
+          <a:prstGeom prst="rect">
+            <a:avLst/>
+          </a:prstGeom>
+          <a:noFill/>
+        </p:spPr>
+        <p:txBody>
+          <a:bodyPr rot="0" spcFirstLastPara="0" vertOverflow="overflow" horzOverflow="overflow" vert="horz" wrap="square" lIns="91440" tIns="45720" rIns="91440" bIns="45720" numCol="1" spcCol="0" rtlCol="0" fromWordArt="0" anchor="ctr" anchorCtr="0" forceAA="0" compatLnSpc="1">
+            <a:prstTxWarp prst="textNoShape">
+              <a:avLst/>
+            </a:prstTxWarp>
+            <a:spAutoFit/>
+          </a:bodyPr>
+          <a:lstStyle/>
+          <a:p>
+            <a:pPr algn="ctr"/>
+            <a:r>
+              <a:rPr lang="en-GB" dirty="0">
+                <a:cs typeface="Arial"/>
+              </a:rPr>
+              <a:t>1</a:t>
+            </a:r>
+            <a:endParaRPr lang="en-GB" dirty="0">
+              <a:cs typeface="Arial" charset="0"/>
+            </a:endParaRPr>
+          </a:p>
+        </p:txBody>
+      </p:sp>
+      <p:sp>
+        <p:nvSpPr>
+          <p:cNvPr id="46" name="TextBox 45">
+            <a:extLst>
+              <a:ext uri="{FF2B5EF4-FFF2-40B4-BE49-F238E27FC236}">
+                <a16:creationId xmlns:a16="http://schemas.microsoft.com/office/drawing/2014/main" id="{4FBC92C1-0A9A-5EEF-B14A-526C3C90441F}"/>
+              </a:ext>
+            </a:extLst>
+          </p:cNvPr>
+          <p:cNvSpPr txBox="1"/>
+          <p:nvPr/>
+        </p:nvSpPr>
+        <p:spPr>
+          <a:xfrm>
+            <a:off x="6554766" y="4195925"/>
+            <a:ext cx="607670" cy="369332"/>
+          </a:xfrm>
+          <a:prstGeom prst="rect">
+            <a:avLst/>
+          </a:prstGeom>
+          <a:noFill/>
+        </p:spPr>
+        <p:txBody>
+          <a:bodyPr rot="0" spcFirstLastPara="0" vertOverflow="overflow" horzOverflow="overflow" vert="horz" wrap="square" lIns="91440" tIns="45720" rIns="91440" bIns="45720" numCol="1" spcCol="0" rtlCol="0" fromWordArt="0" anchor="ctr" anchorCtr="0" forceAA="0" compatLnSpc="1">
+            <a:prstTxWarp prst="textNoShape">
+              <a:avLst/>
+            </a:prstTxWarp>
+            <a:spAutoFit/>
+          </a:bodyPr>
+          <a:lstStyle/>
+          <a:p>
+            <a:pPr algn="ctr"/>
+            <a:r>
+              <a:rPr lang="en-GB" dirty="0">
+                <a:latin typeface="Arial"/>
+                <a:cs typeface="Arial"/>
+              </a:rPr>
+              <a:t>0</a:t>
+            </a:r>
+            <a:endParaRPr lang="en-GB" dirty="0">
+              <a:cs typeface="Arial" charset="0"/>
+            </a:endParaRPr>
+          </a:p>
+        </p:txBody>
+      </p:sp>
+      <p:sp>
+        <p:nvSpPr>
+          <p:cNvPr id="48" name="TextBox 47">
+            <a:extLst>
+              <a:ext uri="{FF2B5EF4-FFF2-40B4-BE49-F238E27FC236}">
+                <a16:creationId xmlns:a16="http://schemas.microsoft.com/office/drawing/2014/main" id="{0BE25EEF-D057-064F-4AF7-8DEE647E18E5}"/>
+              </a:ext>
+            </a:extLst>
+          </p:cNvPr>
+          <p:cNvSpPr txBox="1"/>
+          <p:nvPr/>
+        </p:nvSpPr>
+        <p:spPr>
+          <a:xfrm>
+            <a:off x="7202903" y="4219827"/>
+            <a:ext cx="607670" cy="461665"/>
+          </a:xfrm>
+          <a:prstGeom prst="rect">
+            <a:avLst/>
+          </a:prstGeom>
+          <a:noFill/>
+        </p:spPr>
+        <p:txBody>
+          <a:bodyPr rot="0" spcFirstLastPara="0" vertOverflow="overflow" horzOverflow="overflow" vert="horz" wrap="square" lIns="91440" tIns="45720" rIns="91440" bIns="45720" numCol="1" spcCol="0" rtlCol="0" fromWordArt="0" anchor="ctr" anchorCtr="0" forceAA="0" compatLnSpc="1">
+            <a:prstTxWarp prst="textNoShape">
+              <a:avLst/>
+            </a:prstTxWarp>
+            <a:spAutoFit/>
+          </a:bodyPr>
+          <a:lstStyle/>
+          <a:p>
+            <a:pPr algn="ctr"/>
+            <a:r>
+              <a:rPr lang="en-GB" sz="2400" dirty="0">
+                <a:latin typeface="Arial"/>
+                <a:cs typeface="Arial"/>
+              </a:rPr>
+              <a:t>*</a:t>
+            </a:r>
+            <a:endParaRPr lang="en-GB" sz="2000" dirty="0">
+              <a:cs typeface="Arial" charset="0"/>
+            </a:endParaRPr>
+          </a:p>
+        </p:txBody>
+      </p:sp>
+      <p:sp>
+        <p:nvSpPr>
+          <p:cNvPr id="50" name="TextBox 49">
+            <a:extLst>
+              <a:ext uri="{FF2B5EF4-FFF2-40B4-BE49-F238E27FC236}">
+                <a16:creationId xmlns:a16="http://schemas.microsoft.com/office/drawing/2014/main" id="{D76BCE47-04F1-8183-65AE-B712574817C8}"/>
+              </a:ext>
+            </a:extLst>
+          </p:cNvPr>
+          <p:cNvSpPr txBox="1"/>
+          <p:nvPr/>
+        </p:nvSpPr>
+        <p:spPr>
+          <a:xfrm>
+            <a:off x="7202902" y="4800268"/>
+            <a:ext cx="607670" cy="369332"/>
+          </a:xfrm>
+          <a:prstGeom prst="rect">
+            <a:avLst/>
+          </a:prstGeom>
+          <a:noFill/>
+        </p:spPr>
+        <p:txBody>
+          <a:bodyPr rot="0" spcFirstLastPara="0" vertOverflow="overflow" horzOverflow="overflow" vert="horz" wrap="square" lIns="91440" tIns="45720" rIns="91440" bIns="45720" numCol="1" spcCol="0" rtlCol="0" fromWordArt="0" anchor="ctr" anchorCtr="0" forceAA="0" compatLnSpc="1">
+            <a:prstTxWarp prst="textNoShape">
+              <a:avLst/>
+            </a:prstTxWarp>
+            <a:spAutoFit/>
+          </a:bodyPr>
+          <a:lstStyle/>
+          <a:p>
+            <a:pPr algn="ctr"/>
+            <a:r>
+              <a:rPr lang="en-GB" dirty="0">
+                <a:cs typeface="Arial"/>
+              </a:rPr>
+              <a:t>1</a:t>
+            </a:r>
+            <a:endParaRPr lang="en-GB" dirty="0">
+              <a:cs typeface="Arial" charset="0"/>
+            </a:endParaRPr>
+          </a:p>
+        </p:txBody>
+      </p:sp>
+      <p:sp>
+        <p:nvSpPr>
+          <p:cNvPr id="52" name="TextBox 51">
+            <a:extLst>
+              <a:ext uri="{FF2B5EF4-FFF2-40B4-BE49-F238E27FC236}">
+                <a16:creationId xmlns:a16="http://schemas.microsoft.com/office/drawing/2014/main" id="{F5A4D55A-244B-A60C-96EC-E72DD58F2F2E}"/>
+              </a:ext>
+            </a:extLst>
+          </p:cNvPr>
+          <p:cNvSpPr txBox="1"/>
+          <p:nvPr/>
+        </p:nvSpPr>
+        <p:spPr>
+          <a:xfrm>
+            <a:off x="6589798" y="4800267"/>
+            <a:ext cx="607670" cy="369332"/>
+          </a:xfrm>
+          <a:prstGeom prst="rect">
+            <a:avLst/>
+          </a:prstGeom>
+          <a:noFill/>
+        </p:spPr>
+        <p:txBody>
+          <a:bodyPr rot="0" spcFirstLastPara="0" vertOverflow="overflow" horzOverflow="overflow" vert="horz" wrap="square" lIns="91440" tIns="45720" rIns="91440" bIns="45720" numCol="1" spcCol="0" rtlCol="0" fromWordArt="0" anchor="ctr" anchorCtr="0" forceAA="0" compatLnSpc="1">
+            <a:prstTxWarp prst="textNoShape">
+              <a:avLst/>
+            </a:prstTxWarp>
+            <a:spAutoFit/>
+          </a:bodyPr>
+          <a:lstStyle/>
+          <a:p>
+            <a:pPr algn="ctr"/>
+            <a:r>
+              <a:rPr lang="en-GB" dirty="0">
+                <a:latin typeface="Arial"/>
+                <a:cs typeface="Arial"/>
+              </a:rPr>
+              <a:t>0</a:t>
+            </a:r>
+            <a:endParaRPr lang="en-GB" dirty="0">
+              <a:cs typeface="Arial" charset="0"/>
+            </a:endParaRPr>
+          </a:p>
+        </p:txBody>
+      </p:sp>
+      <p:sp>
+        <p:nvSpPr>
+          <p:cNvPr id="54" name="TextBox 53">
+            <a:extLst>
+              <a:ext uri="{FF2B5EF4-FFF2-40B4-BE49-F238E27FC236}">
+                <a16:creationId xmlns:a16="http://schemas.microsoft.com/office/drawing/2014/main" id="{46BF1959-F8DB-CADF-FAEE-38D591B9EF63}"/>
+              </a:ext>
+            </a:extLst>
+          </p:cNvPr>
+          <p:cNvSpPr txBox="1"/>
+          <p:nvPr/>
+        </p:nvSpPr>
+        <p:spPr>
+          <a:xfrm>
+            <a:off x="5976694" y="4800266"/>
+            <a:ext cx="607670" cy="369332"/>
+          </a:xfrm>
+          <a:prstGeom prst="rect">
+            <a:avLst/>
+          </a:prstGeom>
+          <a:noFill/>
+        </p:spPr>
+        <p:txBody>
+          <a:bodyPr rot="0" spcFirstLastPara="0" vertOverflow="overflow" horzOverflow="overflow" vert="horz" wrap="square" lIns="91440" tIns="45720" rIns="91440" bIns="45720" numCol="1" spcCol="0" rtlCol="0" fromWordArt="0" anchor="ctr" anchorCtr="0" forceAA="0" compatLnSpc="1">
+            <a:prstTxWarp prst="textNoShape">
+              <a:avLst/>
+            </a:prstTxWarp>
+            <a:spAutoFit/>
+          </a:bodyPr>
+          <a:lstStyle/>
+          <a:p>
+            <a:pPr algn="ctr"/>
+            <a:r>
+              <a:rPr lang="en-GB" dirty="0">
+                <a:latin typeface="Arial"/>
+                <a:cs typeface="Arial"/>
+              </a:rPr>
+              <a:t>0</a:t>
+            </a:r>
+            <a:endParaRPr lang="en-US" dirty="0"/>
+          </a:p>
+        </p:txBody>
+      </p:sp>
+      <p:sp>
+        <p:nvSpPr>
+          <p:cNvPr id="56" name="TextBox 55">
+            <a:extLst>
+              <a:ext uri="{FF2B5EF4-FFF2-40B4-BE49-F238E27FC236}">
+                <a16:creationId xmlns:a16="http://schemas.microsoft.com/office/drawing/2014/main" id="{DAA6D3D3-2866-519A-141C-F3449518AEDB}"/>
+              </a:ext>
+            </a:extLst>
+          </p:cNvPr>
+          <p:cNvSpPr txBox="1"/>
+          <p:nvPr/>
+        </p:nvSpPr>
+        <p:spPr>
+          <a:xfrm>
+            <a:off x="5363590" y="4800265"/>
+            <a:ext cx="607670" cy="369332"/>
+          </a:xfrm>
+          <a:prstGeom prst="rect">
+            <a:avLst/>
+          </a:prstGeom>
+          <a:noFill/>
+        </p:spPr>
+        <p:txBody>
+          <a:bodyPr rot="0" spcFirstLastPara="0" vertOverflow="overflow" horzOverflow="overflow" vert="horz" wrap="square" lIns="91440" tIns="45720" rIns="91440" bIns="45720" numCol="1" spcCol="0" rtlCol="0" fromWordArt="0" anchor="ctr" anchorCtr="0" forceAA="0" compatLnSpc="1">
+            <a:prstTxWarp prst="textNoShape">
+              <a:avLst/>
+            </a:prstTxWarp>
+            <a:spAutoFit/>
+          </a:bodyPr>
+          <a:lstStyle/>
+          <a:p>
+            <a:pPr algn="ctr"/>
+            <a:r>
+              <a:rPr lang="en-GB" dirty="0">
+                <a:cs typeface="Arial"/>
+              </a:rPr>
+              <a:t>1</a:t>
+            </a:r>
+            <a:endParaRPr lang="en-GB" dirty="0">
+              <a:cs typeface="Arial" charset="0"/>
+            </a:endParaRPr>
+          </a:p>
+        </p:txBody>
+      </p:sp>
+    </p:spTree>
+    <p:extLst>
+      <p:ext uri="{BB962C8B-B14F-4D97-AF65-F5344CB8AC3E}">
+        <p14:creationId xmlns:p14="http://schemas.microsoft.com/office/powerpoint/2010/main" val="3230816440"/>
+      </p:ext>
+    </p:extLst>
+  </p:cSld>
+  <p:clrMapOvr>
+    <a:masterClrMapping/>
+  </p:clrMapOvr>
+</p:sld>
+</file>
+
+<file path=ppt/slides/slide8.xml><?xml version="1.0" encoding="utf-8"?>
+<p:sld xmlns:a="http://schemas.openxmlformats.org/drawingml/2006/main" xmlns:r="http://schemas.openxmlformats.org/officeDocument/2006/relationships" xmlns:p="http://schemas.openxmlformats.org/presentationml/2006/main">
+  <p:cSld>
+    <p:spTree>
+      <p:nvGrpSpPr>
+        <p:cNvPr id="1" name="">
+          <a:extLst>
+            <a:ext uri="{FF2B5EF4-FFF2-40B4-BE49-F238E27FC236}">
+              <a16:creationId xmlns:a16="http://schemas.microsoft.com/office/drawing/2014/main" id="{3229202E-5B88-1FDD-43F9-5805B3DA827A}"/>
+            </a:ext>
+          </a:extLst>
+        </p:cNvPr>
+        <p:cNvGrpSpPr/>
+        <p:nvPr/>
+      </p:nvGrpSpPr>
+      <p:grpSpPr>
+        <a:xfrm>
+          <a:off x="0" y="0"/>
+          <a:ext cx="0" cy="0"/>
+          <a:chOff x="0" y="0"/>
+          <a:chExt cx="0" cy="0"/>
+        </a:xfrm>
+      </p:grpSpPr>
+      <p:sp>
+        <p:nvSpPr>
+          <p:cNvPr id="2" name="Titel 1">
+            <a:extLst>
+              <a:ext uri="{FF2B5EF4-FFF2-40B4-BE49-F238E27FC236}">
+                <a16:creationId xmlns:a16="http://schemas.microsoft.com/office/drawing/2014/main" id="{07DCA97A-7303-4D36-1C9D-18B63B253F8C}"/>
+              </a:ext>
+            </a:extLst>
+          </p:cNvPr>
+          <p:cNvSpPr>
+            <a:spLocks noGrp="1"/>
+          </p:cNvSpPr>
+          <p:nvPr>
+            <p:ph type="title"/>
+          </p:nvPr>
+        </p:nvSpPr>
+        <p:spPr/>
+        <p:txBody>
+          <a:bodyPr/>
+          <a:lstStyle/>
+          <a:p>
+            <a:r>
+              <a:rPr lang="de-DE" dirty="0"/>
+              <a:t>Aufgabe 3.1</a:t>
+            </a:r>
+          </a:p>
+        </p:txBody>
+      </p:sp>
+      <p:sp>
+        <p:nvSpPr>
+          <p:cNvPr id="5" name="Content Placeholder 4">
+            <a:extLst>
+              <a:ext uri="{FF2B5EF4-FFF2-40B4-BE49-F238E27FC236}">
+                <a16:creationId xmlns:a16="http://schemas.microsoft.com/office/drawing/2014/main" id="{B612FB34-0072-D926-E12A-906CEA3BF51F}"/>
+              </a:ext>
+            </a:extLst>
+          </p:cNvPr>
+          <p:cNvSpPr>
+            <a:spLocks noGrp="1"/>
+          </p:cNvSpPr>
+          <p:nvPr>
+            <p:ph idx="1"/>
+          </p:nvPr>
+        </p:nvSpPr>
+        <p:spPr/>
+        <p:txBody>
+          <a:bodyPr/>
+          <a:lstStyle/>
+          <a:p>
+            <a:pPr marL="0" indent="0">
+              <a:buNone/>
+            </a:pPr>
+            <a:r>
+              <a:rPr lang="en-GB" dirty="0">
+                <a:cs typeface="Arial"/>
+              </a:rPr>
+              <a:t>a)</a:t>
+            </a:r>
+          </a:p>
+        </p:txBody>
+      </p:sp>
+      <p:pic>
+        <p:nvPicPr>
+          <p:cNvPr id="4" name="Content Placeholder 5">
+            <a:extLst>
+              <a:ext uri="{FF2B5EF4-FFF2-40B4-BE49-F238E27FC236}">
+                <a16:creationId xmlns:a16="http://schemas.microsoft.com/office/drawing/2014/main" id="{E87F6649-1C4C-01D1-2F55-28722CB223E8}"/>
+              </a:ext>
+            </a:extLst>
+          </p:cNvPr>
+          <p:cNvPicPr>
+            <a:picLocks noChangeAspect="1"/>
+          </p:cNvPicPr>
+          <p:nvPr/>
+        </p:nvPicPr>
+        <p:blipFill>
+          <a:blip r:embed="rId2"/>
+          <a:stretch>
+            <a:fillRect/>
+          </a:stretch>
+        </p:blipFill>
+        <p:spPr bwMode="auto">
+          <a:xfrm>
+            <a:off x="4112687" y="1550716"/>
+            <a:ext cx="4010060" cy="4114800"/>
+          </a:xfrm>
+          <a:prstGeom prst="rect">
+            <a:avLst/>
+          </a:prstGeom>
+          <a:noFill/>
+          <a:ln w="9525">
+            <a:noFill/>
+            <a:miter lim="800000"/>
+            <a:headEnd/>
+            <a:tailEnd/>
+          </a:ln>
+          <a:effectLst/>
+        </p:spPr>
+      </p:pic>
+      <p:sp>
+        <p:nvSpPr>
+          <p:cNvPr id="7" name="TextBox 6">
+            <a:extLst>
+              <a:ext uri="{FF2B5EF4-FFF2-40B4-BE49-F238E27FC236}">
+                <a16:creationId xmlns:a16="http://schemas.microsoft.com/office/drawing/2014/main" id="{F84F0549-4CA7-8937-B070-11B238BA2344}"/>
+              </a:ext>
+            </a:extLst>
+          </p:cNvPr>
+          <p:cNvSpPr txBox="1"/>
+          <p:nvPr/>
+        </p:nvSpPr>
+        <p:spPr>
+          <a:xfrm>
+            <a:off x="6122276" y="3573183"/>
+            <a:ext cx="274621" cy="461665"/>
+          </a:xfrm>
+          <a:prstGeom prst="rect">
+            <a:avLst/>
+          </a:prstGeom>
+          <a:noFill/>
+        </p:spPr>
+        <p:txBody>
+          <a:bodyPr rot="0" spcFirstLastPara="0" vertOverflow="overflow" horzOverflow="overflow" vert="horz" wrap="square" lIns="91440" tIns="45720" rIns="91440" bIns="45720" numCol="1" spcCol="0" rtlCol="0" fromWordArt="0" anchor="t" anchorCtr="0" forceAA="0" compatLnSpc="1">
+            <a:prstTxWarp prst="textNoShape">
+              <a:avLst/>
+            </a:prstTxWarp>
+            <a:spAutoFit/>
+          </a:bodyPr>
+          <a:lstStyle/>
+          <a:p>
+            <a:pPr algn="l"/>
+            <a:r>
+              <a:rPr lang="en-GB" sz="2400" dirty="0">
+                <a:latin typeface="Arial"/>
+                <a:cs typeface="Arial"/>
+              </a:rPr>
+              <a:t>*</a:t>
+            </a:r>
+            <a:endParaRPr lang="en-GB" sz="3200">
+              <a:latin typeface="Arial"/>
+              <a:cs typeface="Arial"/>
+            </a:endParaRPr>
+          </a:p>
+        </p:txBody>
+      </p:sp>
+      <p:sp>
+        <p:nvSpPr>
+          <p:cNvPr id="9" name="TextBox 8">
+            <a:extLst>
+              <a:ext uri="{FF2B5EF4-FFF2-40B4-BE49-F238E27FC236}">
+                <a16:creationId xmlns:a16="http://schemas.microsoft.com/office/drawing/2014/main" id="{1366A90F-255D-BBE2-E4FE-6E8C0A3CAE54}"/>
+              </a:ext>
+            </a:extLst>
+          </p:cNvPr>
+          <p:cNvSpPr txBox="1"/>
+          <p:nvPr/>
+        </p:nvSpPr>
+        <p:spPr>
+          <a:xfrm>
+            <a:off x="5324355" y="2908416"/>
+            <a:ext cx="607670" cy="369332"/>
+          </a:xfrm>
+          <a:prstGeom prst="rect">
+            <a:avLst/>
+          </a:prstGeom>
+          <a:noFill/>
+        </p:spPr>
+        <p:txBody>
+          <a:bodyPr rot="0" spcFirstLastPara="0" vertOverflow="overflow" horzOverflow="overflow" vert="horz" wrap="square" lIns="91440" tIns="45720" rIns="91440" bIns="45720" numCol="1" spcCol="0" rtlCol="0" fromWordArt="0" anchor="ctr" anchorCtr="0" forceAA="0" compatLnSpc="1">
+            <a:prstTxWarp prst="textNoShape">
+              <a:avLst/>
+            </a:prstTxWarp>
+            <a:spAutoFit/>
+          </a:bodyPr>
+          <a:lstStyle/>
+          <a:p>
+            <a:pPr algn="ctr"/>
+            <a:r>
+              <a:rPr lang="en-GB" dirty="0">
+                <a:cs typeface="Arial"/>
+              </a:rPr>
+              <a:t>1</a:t>
+            </a:r>
+            <a:endParaRPr lang="en-GB" dirty="0">
+              <a:cs typeface="Arial" charset="0"/>
+            </a:endParaRPr>
+          </a:p>
+        </p:txBody>
+      </p:sp>
+      <p:sp>
+        <p:nvSpPr>
+          <p:cNvPr id="11" name="TextBox 10">
+            <a:extLst>
+              <a:ext uri="{FF2B5EF4-FFF2-40B4-BE49-F238E27FC236}">
+                <a16:creationId xmlns:a16="http://schemas.microsoft.com/office/drawing/2014/main" id="{FD3B9CB3-7A84-8450-8957-9363EE9B9D3B}"/>
+              </a:ext>
+            </a:extLst>
+          </p:cNvPr>
+          <p:cNvSpPr txBox="1"/>
+          <p:nvPr/>
+        </p:nvSpPr>
+        <p:spPr>
+          <a:xfrm>
+            <a:off x="6554773" y="2908415"/>
+            <a:ext cx="607670" cy="369332"/>
+          </a:xfrm>
+          <a:prstGeom prst="rect">
+            <a:avLst/>
+          </a:prstGeom>
+          <a:noFill/>
+        </p:spPr>
+        <p:txBody>
+          <a:bodyPr rot="0" spcFirstLastPara="0" vertOverflow="overflow" horzOverflow="overflow" vert="horz" wrap="square" lIns="91440" tIns="45720" rIns="91440" bIns="45720" numCol="1" spcCol="0" rtlCol="0" fromWordArt="0" anchor="ctr" anchorCtr="0" forceAA="0" compatLnSpc="1">
+            <a:prstTxWarp prst="textNoShape">
+              <a:avLst/>
+            </a:prstTxWarp>
+            <a:spAutoFit/>
+          </a:bodyPr>
+          <a:lstStyle/>
+          <a:p>
+            <a:pPr algn="ctr"/>
+            <a:r>
+              <a:rPr lang="en-GB" dirty="0">
+                <a:latin typeface="Arial"/>
+                <a:cs typeface="Arial"/>
+              </a:rPr>
+              <a:t>1</a:t>
+            </a:r>
+            <a:endParaRPr lang="en-GB" dirty="0">
+              <a:cs typeface="Arial" charset="0"/>
+            </a:endParaRPr>
+          </a:p>
+        </p:txBody>
+      </p:sp>
+      <p:sp>
+        <p:nvSpPr>
+          <p:cNvPr id="13" name="TextBox 12">
+            <a:extLst>
+              <a:ext uri="{FF2B5EF4-FFF2-40B4-BE49-F238E27FC236}">
+                <a16:creationId xmlns:a16="http://schemas.microsoft.com/office/drawing/2014/main" id="{565449C4-9B79-36A6-55A1-56B9EF4CF786}"/>
+              </a:ext>
+            </a:extLst>
+          </p:cNvPr>
+          <p:cNvSpPr txBox="1"/>
+          <p:nvPr/>
+        </p:nvSpPr>
+        <p:spPr>
+          <a:xfrm>
+            <a:off x="7202909" y="2908414"/>
+            <a:ext cx="607670" cy="369332"/>
+          </a:xfrm>
+          <a:prstGeom prst="rect">
+            <a:avLst/>
+          </a:prstGeom>
+          <a:noFill/>
+        </p:spPr>
+        <p:txBody>
+          <a:bodyPr rot="0" spcFirstLastPara="0" vertOverflow="overflow" horzOverflow="overflow" vert="horz" wrap="square" lIns="91440" tIns="45720" rIns="91440" bIns="45720" numCol="1" spcCol="0" rtlCol="0" fromWordArt="0" anchor="ctr" anchorCtr="0" forceAA="0" compatLnSpc="1">
+            <a:prstTxWarp prst="textNoShape">
+              <a:avLst/>
+            </a:prstTxWarp>
+            <a:spAutoFit/>
+          </a:bodyPr>
+          <a:lstStyle/>
+          <a:p>
+            <a:pPr algn="ctr"/>
+            <a:r>
+              <a:rPr lang="en-GB" dirty="0">
+                <a:cs typeface="Arial"/>
+              </a:rPr>
+              <a:t>1</a:t>
+            </a:r>
+            <a:endParaRPr lang="en-GB" dirty="0">
+              <a:cs typeface="Arial" charset="0"/>
+            </a:endParaRPr>
+          </a:p>
+        </p:txBody>
+      </p:sp>
+      <p:sp>
+        <p:nvSpPr>
+          <p:cNvPr id="15" name="TextBox 14">
+            <a:extLst>
+              <a:ext uri="{FF2B5EF4-FFF2-40B4-BE49-F238E27FC236}">
+                <a16:creationId xmlns:a16="http://schemas.microsoft.com/office/drawing/2014/main" id="{8F7A043B-4F45-D658-3897-BB14D46318E3}"/>
+              </a:ext>
+            </a:extLst>
+          </p:cNvPr>
+          <p:cNvSpPr txBox="1"/>
+          <p:nvPr/>
+        </p:nvSpPr>
+        <p:spPr>
+          <a:xfrm>
+            <a:off x="6589804" y="3539033"/>
+            <a:ext cx="607670" cy="369332"/>
+          </a:xfrm>
+          <a:prstGeom prst="rect">
+            <a:avLst/>
+          </a:prstGeom>
+          <a:noFill/>
+        </p:spPr>
+        <p:txBody>
+          <a:bodyPr rot="0" spcFirstLastPara="0" vertOverflow="overflow" horzOverflow="overflow" vert="horz" wrap="square" lIns="91440" tIns="45720" rIns="91440" bIns="45720" numCol="1" spcCol="0" rtlCol="0" fromWordArt="0" anchor="ctr" anchorCtr="0" forceAA="0" compatLnSpc="1">
+            <a:prstTxWarp prst="textNoShape">
+              <a:avLst/>
+            </a:prstTxWarp>
+            <a:spAutoFit/>
+          </a:bodyPr>
+          <a:lstStyle/>
+          <a:p>
+            <a:pPr algn="ctr"/>
+            <a:r>
+              <a:rPr lang="en-GB" dirty="0">
+                <a:latin typeface="Arial"/>
+                <a:cs typeface="Arial"/>
+              </a:rPr>
+              <a:t>1</a:t>
+            </a:r>
+            <a:endParaRPr lang="en-GB" dirty="0">
+              <a:cs typeface="Arial" charset="0"/>
+            </a:endParaRPr>
+          </a:p>
+        </p:txBody>
+      </p:sp>
+      <p:sp>
+        <p:nvSpPr>
+          <p:cNvPr id="17" name="TextBox 16">
+            <a:extLst>
+              <a:ext uri="{FF2B5EF4-FFF2-40B4-BE49-F238E27FC236}">
+                <a16:creationId xmlns:a16="http://schemas.microsoft.com/office/drawing/2014/main" id="{48923B58-FE4C-754D-D2CB-29A3C0A97CBD}"/>
+              </a:ext>
+            </a:extLst>
+          </p:cNvPr>
+          <p:cNvSpPr txBox="1"/>
+          <p:nvPr/>
+        </p:nvSpPr>
+        <p:spPr>
+          <a:xfrm>
+            <a:off x="5970602" y="2912070"/>
+            <a:ext cx="607670" cy="369332"/>
+          </a:xfrm>
+          <a:prstGeom prst="rect">
+            <a:avLst/>
+          </a:prstGeom>
+          <a:noFill/>
+        </p:spPr>
+        <p:txBody>
+          <a:bodyPr rot="0" spcFirstLastPara="0" vertOverflow="overflow" horzOverflow="overflow" vert="horz" wrap="square" lIns="91440" tIns="45720" rIns="91440" bIns="45720" numCol="1" spcCol="0" rtlCol="0" fromWordArt="0" anchor="ctr" anchorCtr="0" forceAA="0" compatLnSpc="1">
+            <a:prstTxWarp prst="textNoShape">
+              <a:avLst/>
+            </a:prstTxWarp>
+            <a:spAutoFit/>
+          </a:bodyPr>
+          <a:lstStyle/>
+          <a:p>
+            <a:pPr algn="ctr"/>
+            <a:r>
+              <a:rPr lang="en-GB" dirty="0">
+                <a:latin typeface="Arial"/>
+                <a:cs typeface="Arial"/>
+              </a:rPr>
+              <a:t>0</a:t>
+            </a:r>
+            <a:endParaRPr lang="en-GB" dirty="0">
+              <a:cs typeface="Arial" charset="0"/>
+            </a:endParaRPr>
+          </a:p>
+        </p:txBody>
+      </p:sp>
+      <p:sp>
+        <p:nvSpPr>
+          <p:cNvPr id="19" name="TextBox 18">
+            <a:extLst>
+              <a:ext uri="{FF2B5EF4-FFF2-40B4-BE49-F238E27FC236}">
+                <a16:creationId xmlns:a16="http://schemas.microsoft.com/office/drawing/2014/main" id="{53ECBB0E-FB9A-1EB8-EFBD-443A7687B5A4}"/>
+              </a:ext>
+            </a:extLst>
+          </p:cNvPr>
+          <p:cNvSpPr txBox="1"/>
+          <p:nvPr/>
+        </p:nvSpPr>
+        <p:spPr>
+          <a:xfrm>
+            <a:off x="5328561" y="3539031"/>
+            <a:ext cx="607670" cy="369332"/>
+          </a:xfrm>
+          <a:prstGeom prst="rect">
+            <a:avLst/>
+          </a:prstGeom>
+          <a:noFill/>
+        </p:spPr>
+        <p:txBody>
+          <a:bodyPr rot="0" spcFirstLastPara="0" vertOverflow="overflow" horzOverflow="overflow" vert="horz" wrap="square" lIns="91440" tIns="45720" rIns="91440" bIns="45720" numCol="1" spcCol="0" rtlCol="0" fromWordArt="0" anchor="ctr" anchorCtr="0" forceAA="0" compatLnSpc="1">
+            <a:prstTxWarp prst="textNoShape">
+              <a:avLst/>
+            </a:prstTxWarp>
+            <a:spAutoFit/>
+          </a:bodyPr>
+          <a:lstStyle/>
+          <a:p>
+            <a:pPr algn="ctr"/>
+            <a:r>
+              <a:rPr lang="en-GB" dirty="0">
+                <a:latin typeface="Arial"/>
+                <a:cs typeface="Arial"/>
+              </a:rPr>
+              <a:t>0</a:t>
+            </a:r>
+            <a:endParaRPr lang="en-GB" dirty="0">
+              <a:cs typeface="Arial" charset="0"/>
+            </a:endParaRPr>
+          </a:p>
+        </p:txBody>
+      </p:sp>
+      <p:sp>
+        <p:nvSpPr>
+          <p:cNvPr id="21" name="TextBox 20">
+            <a:extLst>
+              <a:ext uri="{FF2B5EF4-FFF2-40B4-BE49-F238E27FC236}">
+                <a16:creationId xmlns:a16="http://schemas.microsoft.com/office/drawing/2014/main" id="{C343AF71-FEA0-E061-A979-3A58EFF0FD7F}"/>
+              </a:ext>
+            </a:extLst>
+          </p:cNvPr>
+          <p:cNvSpPr txBox="1"/>
+          <p:nvPr/>
+        </p:nvSpPr>
+        <p:spPr>
+          <a:xfrm>
+            <a:off x="5328560" y="4195927"/>
+            <a:ext cx="607670" cy="369332"/>
+          </a:xfrm>
+          <a:prstGeom prst="rect">
+            <a:avLst/>
+          </a:prstGeom>
+          <a:noFill/>
+        </p:spPr>
+        <p:txBody>
+          <a:bodyPr rot="0" spcFirstLastPara="0" vertOverflow="overflow" horzOverflow="overflow" vert="horz" wrap="square" lIns="91440" tIns="45720" rIns="91440" bIns="45720" numCol="1" spcCol="0" rtlCol="0" fromWordArt="0" anchor="ctr" anchorCtr="0" forceAA="0" compatLnSpc="1">
+            <a:prstTxWarp prst="textNoShape">
+              <a:avLst/>
+            </a:prstTxWarp>
+            <a:spAutoFit/>
+          </a:bodyPr>
+          <a:lstStyle/>
+          <a:p>
+            <a:pPr algn="ctr"/>
+            <a:r>
+              <a:rPr lang="en-GB" dirty="0">
+                <a:latin typeface="Arial"/>
+                <a:cs typeface="Arial"/>
+              </a:rPr>
+              <a:t>0</a:t>
+            </a:r>
+            <a:endParaRPr lang="en-GB" dirty="0">
+              <a:cs typeface="Arial" charset="0"/>
+            </a:endParaRPr>
+          </a:p>
+        </p:txBody>
+      </p:sp>
+      <p:sp>
+        <p:nvSpPr>
+          <p:cNvPr id="23" name="TextBox 22">
+            <a:extLst>
+              <a:ext uri="{FF2B5EF4-FFF2-40B4-BE49-F238E27FC236}">
+                <a16:creationId xmlns:a16="http://schemas.microsoft.com/office/drawing/2014/main" id="{EB720BB7-5A6D-9158-01D2-D332F6A00EDA}"/>
+              </a:ext>
+            </a:extLst>
+          </p:cNvPr>
+          <p:cNvSpPr txBox="1"/>
+          <p:nvPr/>
+        </p:nvSpPr>
+        <p:spPr>
+          <a:xfrm>
+            <a:off x="5941663" y="4195926"/>
+            <a:ext cx="607670" cy="369332"/>
+          </a:xfrm>
+          <a:prstGeom prst="rect">
+            <a:avLst/>
+          </a:prstGeom>
+          <a:noFill/>
+        </p:spPr>
+        <p:txBody>
+          <a:bodyPr rot="0" spcFirstLastPara="0" vertOverflow="overflow" horzOverflow="overflow" vert="horz" wrap="square" lIns="91440" tIns="45720" rIns="91440" bIns="45720" numCol="1" spcCol="0" rtlCol="0" fromWordArt="0" anchor="ctr" anchorCtr="0" forceAA="0" compatLnSpc="1">
+            <a:prstTxWarp prst="textNoShape">
+              <a:avLst/>
+            </a:prstTxWarp>
+            <a:spAutoFit/>
+          </a:bodyPr>
+          <a:lstStyle/>
+          <a:p>
+            <a:pPr algn="ctr"/>
+            <a:r>
+              <a:rPr lang="en-GB" dirty="0">
+                <a:cs typeface="Arial"/>
+              </a:rPr>
+              <a:t>1</a:t>
+            </a:r>
+            <a:endParaRPr lang="en-GB" dirty="0">
+              <a:cs typeface="Arial" charset="0"/>
+            </a:endParaRPr>
+          </a:p>
+        </p:txBody>
+      </p:sp>
+      <p:sp>
+        <p:nvSpPr>
+          <p:cNvPr id="25" name="TextBox 24">
+            <a:extLst>
+              <a:ext uri="{FF2B5EF4-FFF2-40B4-BE49-F238E27FC236}">
+                <a16:creationId xmlns:a16="http://schemas.microsoft.com/office/drawing/2014/main" id="{FC9257CA-00C2-098D-906C-C9A16ADF55AF}"/>
+              </a:ext>
+            </a:extLst>
+          </p:cNvPr>
+          <p:cNvSpPr txBox="1"/>
+          <p:nvPr/>
+        </p:nvSpPr>
+        <p:spPr>
+          <a:xfrm>
+            <a:off x="7201019" y="4195925"/>
+            <a:ext cx="607670" cy="369332"/>
+          </a:xfrm>
+          <a:prstGeom prst="rect">
+            <a:avLst/>
+          </a:prstGeom>
+          <a:noFill/>
+        </p:spPr>
+        <p:txBody>
+          <a:bodyPr rot="0" spcFirstLastPara="0" vertOverflow="overflow" horzOverflow="overflow" vert="horz" wrap="square" lIns="91440" tIns="45720" rIns="91440" bIns="45720" numCol="1" spcCol="0" rtlCol="0" fromWordArt="0" anchor="ctr" anchorCtr="0" forceAA="0" compatLnSpc="1">
+            <a:prstTxWarp prst="textNoShape">
+              <a:avLst/>
+            </a:prstTxWarp>
+            <a:spAutoFit/>
+          </a:bodyPr>
+          <a:lstStyle/>
+          <a:p>
+            <a:pPr algn="ctr"/>
+            <a:r>
+              <a:rPr lang="en-GB" dirty="0">
+                <a:latin typeface="Arial"/>
+                <a:cs typeface="Arial"/>
+              </a:rPr>
+              <a:t>0</a:t>
+            </a:r>
+            <a:endParaRPr lang="en-GB" dirty="0">
+              <a:cs typeface="Arial" charset="0"/>
+            </a:endParaRPr>
+          </a:p>
+        </p:txBody>
+      </p:sp>
+      <p:sp>
+        <p:nvSpPr>
+          <p:cNvPr id="27" name="TextBox 26">
+            <a:extLst>
+              <a:ext uri="{FF2B5EF4-FFF2-40B4-BE49-F238E27FC236}">
+                <a16:creationId xmlns:a16="http://schemas.microsoft.com/office/drawing/2014/main" id="{0D4291ED-7704-C31B-6A6B-7E0F220FF9FA}"/>
+              </a:ext>
+            </a:extLst>
+          </p:cNvPr>
+          <p:cNvSpPr txBox="1"/>
+          <p:nvPr/>
+        </p:nvSpPr>
+        <p:spPr>
+          <a:xfrm>
+            <a:off x="6595232" y="4200536"/>
+            <a:ext cx="607670" cy="461665"/>
+          </a:xfrm>
+          <a:prstGeom prst="rect">
+            <a:avLst/>
+          </a:prstGeom>
+          <a:noFill/>
+        </p:spPr>
+        <p:txBody>
+          <a:bodyPr rot="0" spcFirstLastPara="0" vertOverflow="overflow" horzOverflow="overflow" vert="horz" wrap="square" lIns="91440" tIns="45720" rIns="91440" bIns="45720" numCol="1" spcCol="0" rtlCol="0" fromWordArt="0" anchor="ctr" anchorCtr="0" forceAA="0" compatLnSpc="1">
+            <a:prstTxWarp prst="textNoShape">
+              <a:avLst/>
+            </a:prstTxWarp>
+            <a:spAutoFit/>
+          </a:bodyPr>
+          <a:lstStyle/>
+          <a:p>
+            <a:pPr algn="ctr"/>
+            <a:r>
+              <a:rPr lang="en-GB" sz="2400" dirty="0">
+                <a:latin typeface="Arial"/>
+                <a:cs typeface="Arial"/>
+              </a:rPr>
+              <a:t>*</a:t>
+            </a:r>
+            <a:endParaRPr lang="en-GB" sz="2000" dirty="0">
+              <a:cs typeface="Arial" charset="0"/>
+            </a:endParaRPr>
+          </a:p>
+        </p:txBody>
+      </p:sp>
+      <p:sp>
+        <p:nvSpPr>
+          <p:cNvPr id="29" name="TextBox 28">
+            <a:extLst>
+              <a:ext uri="{FF2B5EF4-FFF2-40B4-BE49-F238E27FC236}">
+                <a16:creationId xmlns:a16="http://schemas.microsoft.com/office/drawing/2014/main" id="{AC9BB120-EDBC-C25E-D75E-BC15F8173BC0}"/>
+              </a:ext>
+            </a:extLst>
+          </p:cNvPr>
+          <p:cNvSpPr txBox="1"/>
+          <p:nvPr/>
+        </p:nvSpPr>
+        <p:spPr>
+          <a:xfrm>
+            <a:off x="7202902" y="4800268"/>
+            <a:ext cx="607670" cy="369332"/>
+          </a:xfrm>
+          <a:prstGeom prst="rect">
+            <a:avLst/>
+          </a:prstGeom>
+          <a:noFill/>
+        </p:spPr>
+        <p:txBody>
+          <a:bodyPr rot="0" spcFirstLastPara="0" vertOverflow="overflow" horzOverflow="overflow" vert="horz" wrap="square" lIns="91440" tIns="45720" rIns="91440" bIns="45720" numCol="1" spcCol="0" rtlCol="0" fromWordArt="0" anchor="ctr" anchorCtr="0" forceAA="0" compatLnSpc="1">
+            <a:prstTxWarp prst="textNoShape">
+              <a:avLst/>
+            </a:prstTxWarp>
+            <a:spAutoFit/>
+          </a:bodyPr>
+          <a:lstStyle/>
+          <a:p>
+            <a:pPr algn="ctr"/>
+            <a:r>
+              <a:rPr lang="en-GB" dirty="0">
+                <a:latin typeface="Arial"/>
+                <a:cs typeface="Arial"/>
+              </a:rPr>
+              <a:t>0</a:t>
+            </a:r>
+            <a:endParaRPr lang="en-GB" dirty="0">
+              <a:cs typeface="Arial" charset="0"/>
+            </a:endParaRPr>
+          </a:p>
+        </p:txBody>
+      </p:sp>
+      <p:sp>
+        <p:nvSpPr>
+          <p:cNvPr id="31" name="TextBox 30">
+            <a:extLst>
+              <a:ext uri="{FF2B5EF4-FFF2-40B4-BE49-F238E27FC236}">
+                <a16:creationId xmlns:a16="http://schemas.microsoft.com/office/drawing/2014/main" id="{A4402B67-472A-E0EB-19EB-4FD283E1B466}"/>
+              </a:ext>
+            </a:extLst>
+          </p:cNvPr>
+          <p:cNvSpPr txBox="1"/>
+          <p:nvPr/>
+        </p:nvSpPr>
+        <p:spPr>
+          <a:xfrm>
+            <a:off x="6589798" y="4800267"/>
+            <a:ext cx="607670" cy="369332"/>
+          </a:xfrm>
+          <a:prstGeom prst="rect">
+            <a:avLst/>
+          </a:prstGeom>
+          <a:noFill/>
+        </p:spPr>
+        <p:txBody>
+          <a:bodyPr rot="0" spcFirstLastPara="0" vertOverflow="overflow" horzOverflow="overflow" vert="horz" wrap="square" lIns="91440" tIns="45720" rIns="91440" bIns="45720" numCol="1" spcCol="0" rtlCol="0" fromWordArt="0" anchor="ctr" anchorCtr="0" forceAA="0" compatLnSpc="1">
+            <a:prstTxWarp prst="textNoShape">
+              <a:avLst/>
+            </a:prstTxWarp>
+            <a:spAutoFit/>
+          </a:bodyPr>
+          <a:lstStyle/>
+          <a:p>
+            <a:pPr algn="ctr"/>
+            <a:r>
+              <a:rPr lang="en-GB" dirty="0">
+                <a:latin typeface="Arial"/>
+                <a:cs typeface="Arial"/>
+              </a:rPr>
+              <a:t>0</a:t>
+            </a:r>
+            <a:endParaRPr lang="en-GB" dirty="0">
+              <a:cs typeface="Arial" charset="0"/>
+            </a:endParaRPr>
+          </a:p>
+        </p:txBody>
+      </p:sp>
+      <p:sp>
+        <p:nvSpPr>
+          <p:cNvPr id="33" name="TextBox 32">
+            <a:extLst>
+              <a:ext uri="{FF2B5EF4-FFF2-40B4-BE49-F238E27FC236}">
+                <a16:creationId xmlns:a16="http://schemas.microsoft.com/office/drawing/2014/main" id="{74300943-6812-ABA0-F87D-5FB1CE5CA0C9}"/>
+              </a:ext>
+            </a:extLst>
+          </p:cNvPr>
+          <p:cNvSpPr txBox="1"/>
+          <p:nvPr/>
+        </p:nvSpPr>
+        <p:spPr>
+          <a:xfrm>
+            <a:off x="5976694" y="4800266"/>
+            <a:ext cx="607670" cy="369332"/>
+          </a:xfrm>
+          <a:prstGeom prst="rect">
+            <a:avLst/>
+          </a:prstGeom>
+          <a:noFill/>
+        </p:spPr>
+        <p:txBody>
+          <a:bodyPr rot="0" spcFirstLastPara="0" vertOverflow="overflow" horzOverflow="overflow" vert="horz" wrap="square" lIns="91440" tIns="45720" rIns="91440" bIns="45720" numCol="1" spcCol="0" rtlCol="0" fromWordArt="0" anchor="ctr" anchorCtr="0" forceAA="0" compatLnSpc="1">
+            <a:prstTxWarp prst="textNoShape">
+              <a:avLst/>
+            </a:prstTxWarp>
+            <a:spAutoFit/>
+          </a:bodyPr>
+          <a:lstStyle/>
+          <a:p>
+            <a:pPr algn="ctr"/>
+            <a:r>
+              <a:rPr lang="en-GB" dirty="0">
+                <a:latin typeface="Arial"/>
+                <a:cs typeface="Arial"/>
+              </a:rPr>
+              <a:t>0</a:t>
+            </a:r>
+            <a:endParaRPr lang="en-US" dirty="0"/>
+          </a:p>
+        </p:txBody>
+      </p:sp>
+      <p:sp>
+        <p:nvSpPr>
+          <p:cNvPr id="35" name="TextBox 34">
+            <a:extLst>
+              <a:ext uri="{FF2B5EF4-FFF2-40B4-BE49-F238E27FC236}">
+                <a16:creationId xmlns:a16="http://schemas.microsoft.com/office/drawing/2014/main" id="{93D54441-BC1E-3A06-02F1-C284E009B72A}"/>
+              </a:ext>
+            </a:extLst>
+          </p:cNvPr>
+          <p:cNvSpPr txBox="1"/>
+          <p:nvPr/>
+        </p:nvSpPr>
+        <p:spPr>
+          <a:xfrm>
+            <a:off x="5363590" y="4800265"/>
+            <a:ext cx="607670" cy="369332"/>
+          </a:xfrm>
+          <a:prstGeom prst="rect">
+            <a:avLst/>
+          </a:prstGeom>
+          <a:noFill/>
+        </p:spPr>
+        <p:txBody>
+          <a:bodyPr rot="0" spcFirstLastPara="0" vertOverflow="overflow" horzOverflow="overflow" vert="horz" wrap="square" lIns="91440" tIns="45720" rIns="91440" bIns="45720" numCol="1" spcCol="0" rtlCol="0" fromWordArt="0" anchor="ctr" anchorCtr="0" forceAA="0" compatLnSpc="1">
+            <a:prstTxWarp prst="textNoShape">
+              <a:avLst/>
+            </a:prstTxWarp>
+            <a:spAutoFit/>
+          </a:bodyPr>
+          <a:lstStyle/>
+          <a:p>
+            <a:pPr algn="ctr"/>
+            <a:r>
+              <a:rPr lang="en-GB" dirty="0">
+                <a:cs typeface="Arial"/>
+              </a:rPr>
+              <a:t>1</a:t>
+            </a:r>
+            <a:endParaRPr lang="en-GB" dirty="0">
+              <a:cs typeface="Arial" charset="0"/>
+            </a:endParaRPr>
+          </a:p>
+        </p:txBody>
+      </p:sp>
+      <p:sp>
+        <p:nvSpPr>
+          <p:cNvPr id="37" name="TextBox 36">
+            <a:extLst>
+              <a:ext uri="{FF2B5EF4-FFF2-40B4-BE49-F238E27FC236}">
+                <a16:creationId xmlns:a16="http://schemas.microsoft.com/office/drawing/2014/main" id="{0769D7DF-DDBF-6C5B-759F-EA2181DAFD31}"/>
+              </a:ext>
+            </a:extLst>
+          </p:cNvPr>
+          <p:cNvSpPr txBox="1"/>
+          <p:nvPr/>
+        </p:nvSpPr>
+        <p:spPr>
+          <a:xfrm>
+            <a:off x="7222193" y="3573573"/>
+            <a:ext cx="607670" cy="461665"/>
+          </a:xfrm>
+          <a:prstGeom prst="rect">
+            <a:avLst/>
+          </a:prstGeom>
+          <a:noFill/>
+        </p:spPr>
+        <p:txBody>
+          <a:bodyPr rot="0" spcFirstLastPara="0" vertOverflow="overflow" horzOverflow="overflow" vert="horz" wrap="square" lIns="91440" tIns="45720" rIns="91440" bIns="45720" numCol="1" spcCol="0" rtlCol="0" fromWordArt="0" anchor="ctr" anchorCtr="0" forceAA="0" compatLnSpc="1">
+            <a:prstTxWarp prst="textNoShape">
+              <a:avLst/>
+            </a:prstTxWarp>
+            <a:spAutoFit/>
+          </a:bodyPr>
+          <a:lstStyle/>
+          <a:p>
+            <a:pPr algn="ctr"/>
+            <a:r>
+              <a:rPr lang="en-GB" sz="2400" dirty="0">
+                <a:latin typeface="Arial"/>
+                <a:cs typeface="Arial"/>
+              </a:rPr>
+              <a:t>*</a:t>
+            </a:r>
+            <a:endParaRPr lang="en-GB" sz="2000" dirty="0">
+              <a:cs typeface="Arial" charset="0"/>
+            </a:endParaRPr>
+          </a:p>
+        </p:txBody>
+      </p:sp>
+    </p:spTree>
+    <p:extLst>
+      <p:ext uri="{BB962C8B-B14F-4D97-AF65-F5344CB8AC3E}">
+        <p14:creationId xmlns:p14="http://schemas.microsoft.com/office/powerpoint/2010/main" val="1386673720"/>
+      </p:ext>
+    </p:extLst>
+  </p:cSld>
+  <p:clrMapOvr>
+    <a:masterClrMapping/>
+  </p:clrMapOvr>
+</p:sld>
+</file>
+
+<file path=ppt/slides/slide9.xml><?xml version="1.0" encoding="utf-8"?>
+<p:sld xmlns:a="http://schemas.openxmlformats.org/drawingml/2006/main" xmlns:r="http://schemas.openxmlformats.org/officeDocument/2006/relationships" xmlns:p="http://schemas.openxmlformats.org/presentationml/2006/main">
+  <p:cSld>
+    <p:spTree>
+      <p:nvGrpSpPr>
+        <p:cNvPr id="1" name="">
+          <a:extLst>
+            <a:ext uri="{FF2B5EF4-FFF2-40B4-BE49-F238E27FC236}">
+              <a16:creationId xmlns:a16="http://schemas.microsoft.com/office/drawing/2014/main" id="{0093A24E-A6AC-D9C2-DC88-8D8841D0DFDC}"/>
+            </a:ext>
+          </a:extLst>
+        </p:cNvPr>
+        <p:cNvGrpSpPr/>
+        <p:nvPr/>
+      </p:nvGrpSpPr>
+      <p:grpSpPr>
+        <a:xfrm>
+          <a:off x="0" y="0"/>
+          <a:ext cx="0" cy="0"/>
+          <a:chOff x="0" y="0"/>
+          <a:chExt cx="0" cy="0"/>
+        </a:xfrm>
+      </p:grpSpPr>
+      <p:sp>
+        <p:nvSpPr>
+          <p:cNvPr id="2" name="Titel 1">
+            <a:extLst>
+              <a:ext uri="{FF2B5EF4-FFF2-40B4-BE49-F238E27FC236}">
+                <a16:creationId xmlns:a16="http://schemas.microsoft.com/office/drawing/2014/main" id="{5011167A-45ED-F823-18F7-E2D322E75A93}"/>
+              </a:ext>
+            </a:extLst>
+          </p:cNvPr>
+          <p:cNvSpPr>
+            <a:spLocks noGrp="1"/>
+          </p:cNvSpPr>
+          <p:nvPr>
+            <p:ph type="title"/>
+          </p:nvPr>
+        </p:nvSpPr>
+        <p:spPr/>
+        <p:txBody>
+          <a:bodyPr/>
+          <a:lstStyle/>
+          <a:p>
+            <a:r>
+              <a:rPr lang="de-DE" dirty="0"/>
+              <a:t>Aufgabe 3.1</a:t>
+            </a:r>
+          </a:p>
+        </p:txBody>
+      </p:sp>
+      <p:sp>
+        <p:nvSpPr>
+          <p:cNvPr id="5" name="Content Placeholder 4">
+            <a:extLst>
+              <a:ext uri="{FF2B5EF4-FFF2-40B4-BE49-F238E27FC236}">
+                <a16:creationId xmlns:a16="http://schemas.microsoft.com/office/drawing/2014/main" id="{4A9CC80F-28D4-5CB3-E2CE-0C184859CD48}"/>
+              </a:ext>
+            </a:extLst>
+          </p:cNvPr>
+          <p:cNvSpPr>
+            <a:spLocks noGrp="1"/>
+          </p:cNvSpPr>
+          <p:nvPr>
+            <p:ph idx="1"/>
+          </p:nvPr>
+        </p:nvSpPr>
+        <p:spPr/>
+        <p:txBody>
+          <a:bodyPr/>
+          <a:lstStyle/>
+          <a:p>
+            <a:pPr marL="0" indent="0">
+              <a:buNone/>
+            </a:pPr>
+            <a:r>
+              <a:rPr lang="en-GB" dirty="0">
+                <a:cs typeface="Arial"/>
+              </a:rPr>
+              <a:t>b)</a:t>
+            </a:r>
+          </a:p>
+        </p:txBody>
+      </p:sp>
+      <p:pic>
+        <p:nvPicPr>
+          <p:cNvPr id="6" name="Picture 5" descr="A grid of numbers and symbols&#10;&#10;AI-generated content may be incorrect.">
+            <a:extLst>
+              <a:ext uri="{FF2B5EF4-FFF2-40B4-BE49-F238E27FC236}">
+                <a16:creationId xmlns:a16="http://schemas.microsoft.com/office/drawing/2014/main" id="{C5359BD6-3716-127C-6B47-A72C8BB8C86A}"/>
+              </a:ext>
+            </a:extLst>
+          </p:cNvPr>
+          <p:cNvPicPr>
+            <a:picLocks noChangeAspect="1"/>
+          </p:cNvPicPr>
+          <p:nvPr/>
+        </p:nvPicPr>
+        <p:blipFill>
+          <a:blip r:embed="rId2"/>
+          <a:srcRect l="3473" t="1556" r="-183"/>
+          <a:stretch>
+            <a:fillRect/>
+          </a:stretch>
+        </p:blipFill>
+        <p:spPr>
+          <a:xfrm>
+            <a:off x="3631195" y="865690"/>
+            <a:ext cx="4929595" cy="4711938"/>
+          </a:xfrm>
+          <a:prstGeom prst="rect">
+            <a:avLst/>
+          </a:prstGeom>
+        </p:spPr>
+      </p:pic>
+      <p:sp>
+        <p:nvSpPr>
+          <p:cNvPr id="10" name="Rectangle: Rounded Corners 9">
+            <a:extLst>
+              <a:ext uri="{FF2B5EF4-FFF2-40B4-BE49-F238E27FC236}">
+                <a16:creationId xmlns:a16="http://schemas.microsoft.com/office/drawing/2014/main" id="{8B96E57C-0EA6-7A57-F1A5-778D2C38B064}"/>
+              </a:ext>
+            </a:extLst>
+          </p:cNvPr>
+          <p:cNvSpPr/>
+          <p:nvPr/>
+        </p:nvSpPr>
+        <p:spPr>
+          <a:xfrm>
+            <a:off x="5222232" y="2352674"/>
+            <a:ext cx="673260" cy="2939968"/>
+          </a:xfrm>
+          <a:prstGeom prst="roundRect">
+            <a:avLst/>
+          </a:prstGeom>
+          <a:noFill/>
+          <a:ln w="28575">
+            <a:solidFill>
+              <a:schemeClr val="accent4">
+                <a:lumMod val="60000"/>
+                <a:lumOff val="40000"/>
+              </a:schemeClr>
+            </a:solidFill>
+          </a:ln>
+        </p:spPr>
+        <p:style>
+          <a:lnRef idx="2">
+            <a:schemeClr val="accent1">
+              <a:shade val="50000"/>
+            </a:schemeClr>
+          </a:lnRef>
+          <a:fillRef idx="1">
+            <a:schemeClr val="accent1"/>
+          </a:fillRef>
+          <a:effectRef idx="0">
+            <a:schemeClr val="accent1"/>
+          </a:effectRef>
+          <a:fontRef idx="minor">
+            <a:schemeClr val="lt1"/>
+          </a:fontRef>
+        </p:style>
+        <p:txBody>
+          <a:bodyPr rtlCol="0" anchor="ctr"/>
+          <a:lstStyle/>
+          <a:p>
+            <a:pPr algn="ctr"/>
+            <a:endParaRPr lang="en-GB"/>
+          </a:p>
+        </p:txBody>
+      </p:sp>
+      <p:sp>
+        <p:nvSpPr>
+          <p:cNvPr id="12" name="Rectangle: Rounded Corners 11">
+            <a:extLst>
+              <a:ext uri="{FF2B5EF4-FFF2-40B4-BE49-F238E27FC236}">
+                <a16:creationId xmlns:a16="http://schemas.microsoft.com/office/drawing/2014/main" id="{8F680A90-76C8-0511-79F0-C5AC332D2A14}"/>
+              </a:ext>
+            </a:extLst>
+          </p:cNvPr>
+          <p:cNvSpPr/>
+          <p:nvPr/>
+        </p:nvSpPr>
+        <p:spPr>
+          <a:xfrm>
+            <a:off x="6022814" y="2381610"/>
+            <a:ext cx="1406323" cy="1367741"/>
+          </a:xfrm>
+          <a:prstGeom prst="roundRect">
+            <a:avLst/>
+          </a:prstGeom>
+          <a:noFill/>
+          <a:ln w="28575">
+            <a:solidFill>
+              <a:schemeClr val="accent5">
+                <a:lumMod val="60000"/>
+                <a:lumOff val="40000"/>
+              </a:schemeClr>
+            </a:solidFill>
+          </a:ln>
+        </p:spPr>
+        <p:style>
+          <a:lnRef idx="2">
+            <a:schemeClr val="accent1">
+              <a:shade val="50000"/>
+            </a:schemeClr>
+          </a:lnRef>
+          <a:fillRef idx="1">
+            <a:schemeClr val="accent1"/>
+          </a:fillRef>
+          <a:effectRef idx="0">
+            <a:schemeClr val="accent1"/>
+          </a:effectRef>
+          <a:fontRef idx="minor">
+            <a:schemeClr val="lt1"/>
+          </a:fontRef>
+        </p:style>
+        <p:txBody>
+          <a:bodyPr rtlCol="0" anchor="ctr"/>
+          <a:lstStyle/>
+          <a:p>
+            <a:pPr algn="ctr"/>
+            <a:endParaRPr lang="en-GB"/>
+          </a:p>
+        </p:txBody>
+      </p:sp>
+      <p:sp>
+        <p:nvSpPr>
+          <p:cNvPr id="16" name="Rectangle: Rounded Corners 15">
+            <a:extLst>
+              <a:ext uri="{FF2B5EF4-FFF2-40B4-BE49-F238E27FC236}">
+                <a16:creationId xmlns:a16="http://schemas.microsoft.com/office/drawing/2014/main" id="{9B573C8D-03A0-B4A9-CDBC-D7B55730E179}"/>
+              </a:ext>
+            </a:extLst>
+          </p:cNvPr>
+          <p:cNvSpPr/>
+          <p:nvPr/>
+        </p:nvSpPr>
+        <p:spPr>
+          <a:xfrm>
+            <a:off x="6765522" y="2358881"/>
+            <a:ext cx="673260" cy="2939968"/>
+          </a:xfrm>
+          <a:prstGeom prst="roundRect">
+            <a:avLst/>
+          </a:prstGeom>
+          <a:noFill/>
+          <a:ln w="28575">
+            <a:solidFill>
+              <a:srgbClr val="00B0F0"/>
+            </a:solidFill>
+          </a:ln>
+        </p:spPr>
+        <p:style>
+          <a:lnRef idx="2">
+            <a:schemeClr val="accent1">
+              <a:shade val="50000"/>
+            </a:schemeClr>
+          </a:lnRef>
+          <a:fillRef idx="1">
+            <a:schemeClr val="accent1"/>
+          </a:fillRef>
+          <a:effectRef idx="0">
+            <a:schemeClr val="accent1"/>
+          </a:effectRef>
+          <a:fontRef idx="minor">
+            <a:schemeClr val="lt1"/>
+          </a:fontRef>
+        </p:style>
+        <p:txBody>
+          <a:bodyPr rtlCol="0" anchor="ctr"/>
+          <a:lstStyle/>
+          <a:p>
+            <a:pPr algn="ctr"/>
+            <a:endParaRPr lang="en-GB"/>
+          </a:p>
+        </p:txBody>
+      </p:sp>
+      <p:sp>
+        <p:nvSpPr>
+          <p:cNvPr id="18" name="Rectangle: Rounded Corners 17">
+            <a:extLst>
+              <a:ext uri="{FF2B5EF4-FFF2-40B4-BE49-F238E27FC236}">
+                <a16:creationId xmlns:a16="http://schemas.microsoft.com/office/drawing/2014/main" id="{F550B69E-F381-9C0B-BF43-8B4B49042B4C}"/>
+              </a:ext>
+            </a:extLst>
+          </p:cNvPr>
+          <p:cNvSpPr/>
+          <p:nvPr/>
+        </p:nvSpPr>
+        <p:spPr>
+          <a:xfrm>
+            <a:off x="6804105" y="3886318"/>
+            <a:ext cx="1435259" cy="625032"/>
+          </a:xfrm>
+          <a:prstGeom prst="roundRect">
+            <a:avLst/>
+          </a:prstGeom>
+          <a:noFill/>
+          <a:ln w="28575">
+            <a:solidFill>
+              <a:srgbClr val="7030A0"/>
+            </a:solidFill>
+          </a:ln>
+        </p:spPr>
+        <p:style>
+          <a:lnRef idx="2">
+            <a:schemeClr val="accent1">
+              <a:shade val="50000"/>
+            </a:schemeClr>
+          </a:lnRef>
+          <a:fillRef idx="1">
+            <a:schemeClr val="accent1"/>
+          </a:fillRef>
+          <a:effectRef idx="0">
+            <a:schemeClr val="accent1"/>
+          </a:effectRef>
+          <a:fontRef idx="minor">
+            <a:schemeClr val="lt1"/>
+          </a:fontRef>
+        </p:style>
+        <p:txBody>
+          <a:bodyPr rtlCol="0" anchor="ctr"/>
+          <a:lstStyle/>
+          <a:p>
+            <a:pPr algn="ctr"/>
+            <a:endParaRPr lang="en-GB"/>
+          </a:p>
+        </p:txBody>
+      </p:sp>
+      <p:pic>
+        <p:nvPicPr>
+          <p:cNvPr id="22" name="Picture 21">
+            <a:extLst>
+              <a:ext uri="{FF2B5EF4-FFF2-40B4-BE49-F238E27FC236}">
+                <a16:creationId xmlns:a16="http://schemas.microsoft.com/office/drawing/2014/main" id="{AEBDE187-52BA-1B59-04C9-D44A31DCE7AC}"/>
+              </a:ext>
+            </a:extLst>
+          </p:cNvPr>
+          <p:cNvPicPr>
+            <a:picLocks noChangeAspect="1"/>
+          </p:cNvPicPr>
+          <p:nvPr/>
+        </p:nvPicPr>
+        <p:blipFill>
+          <a:blip r:embed="rId3"/>
+          <a:stretch>
+            <a:fillRect/>
+          </a:stretch>
+        </p:blipFill>
+        <p:spPr>
+          <a:xfrm>
+            <a:off x="808660" y="5708007"/>
+            <a:ext cx="7372350" cy="419100"/>
+          </a:xfrm>
+          <a:prstGeom prst="rect">
+            <a:avLst/>
+          </a:prstGeom>
+        </p:spPr>
+      </p:pic>
+    </p:spTree>
+    <p:extLst>
+      <p:ext uri="{BB962C8B-B14F-4D97-AF65-F5344CB8AC3E}">
+        <p14:creationId xmlns:p14="http://schemas.microsoft.com/office/powerpoint/2010/main" val="2401305513"/>
       </p:ext>
     </p:extLst>
   </p:cSld>

--- a/Probeklausur.pptx
+++ b/Probeklausur.pptx
@@ -5,10 +5,10 @@
     <p:sldMasterId id="2147483649" r:id="rId4"/>
   </p:sldMasterIdLst>
   <p:notesMasterIdLst>
-    <p:notesMasterId r:id="rId15"/>
+    <p:notesMasterId r:id="rId21"/>
   </p:notesMasterIdLst>
   <p:handoutMasterIdLst>
-    <p:handoutMasterId r:id="rId16"/>
+    <p:handoutMasterId r:id="rId22"/>
   </p:handoutMasterIdLst>
   <p:sldIdLst>
     <p:sldId id="1041" r:id="rId5"/>
@@ -21,6 +21,12 @@
     <p:sldId id="1051" r:id="rId12"/>
     <p:sldId id="1052" r:id="rId13"/>
     <p:sldId id="1053" r:id="rId14"/>
+    <p:sldId id="1054" r:id="rId15"/>
+    <p:sldId id="1055" r:id="rId16"/>
+    <p:sldId id="1056" r:id="rId17"/>
+    <p:sldId id="1057" r:id="rId18"/>
+    <p:sldId id="1058" r:id="rId19"/>
+    <p:sldId id="1059" r:id="rId20"/>
   </p:sldIdLst>
   <p:sldSz cx="12192000" cy="6858000"/>
   <p:notesSz cx="6858000" cy="9144000"/>
@@ -164,6 +170,12 @@
             <p14:sldId id="1051"/>
             <p14:sldId id="1052"/>
             <p14:sldId id="1053"/>
+            <p14:sldId id="1054"/>
+            <p14:sldId id="1055"/>
+            <p14:sldId id="1056"/>
+            <p14:sldId id="1057"/>
+            <p14:sldId id="1058"/>
+            <p14:sldId id="1059"/>
           </p14:sldIdLst>
         </p14:section>
         <p14:section name="Standardabschnitt" id="{43259912-C5ED-4E84-8ACD-EEBCC30AE9A6}">
@@ -210,6 +222,7 @@
 <p1510:revInfo xmlns:a="http://schemas.openxmlformats.org/drawingml/2006/main" xmlns:r="http://schemas.openxmlformats.org/officeDocument/2006/relationships" xmlns:p1510="http://schemas.microsoft.com/office/powerpoint/2015/10/main">
   <p1510:revLst>
     <p1510:client id="{CDEA013C-0C4C-7CC9-3073-C215768A4D35}" v="422" dt="2026-02-08T21:59:01.042"/>
+    <p1510:client id="{CF275D93-1AF9-5CD7-90BA-CB7126BBAC7F}" v="405" dt="2026-02-08T23:32:48.353"/>
     <p1510:client id="{D9D7A87D-DE7C-D9BF-B02E-6FFACE30470C}" v="1" dt="2026-02-08T22:04:55.165"/>
   </p1510:revLst>
 </p1510:revInfo>
@@ -4768,6 +4781,1154 @@
     <p:extLst>
       <p:ext uri="{BB962C8B-B14F-4D97-AF65-F5344CB8AC3E}">
         <p14:creationId xmlns:p14="http://schemas.microsoft.com/office/powerpoint/2010/main" val="263461105"/>
+      </p:ext>
+    </p:extLst>
+  </p:cSld>
+  <p:clrMapOvr>
+    <a:masterClrMapping/>
+  </p:clrMapOvr>
+</p:sld>
+</file>
+
+<file path=ppt/slides/slide11.xml><?xml version="1.0" encoding="utf-8"?>
+<p:sld xmlns:a="http://schemas.openxmlformats.org/drawingml/2006/main" xmlns:r="http://schemas.openxmlformats.org/officeDocument/2006/relationships" xmlns:p="http://schemas.openxmlformats.org/presentationml/2006/main">
+  <p:cSld>
+    <p:spTree>
+      <p:nvGrpSpPr>
+        <p:cNvPr id="1" name="">
+          <a:extLst>
+            <a:ext uri="{FF2B5EF4-FFF2-40B4-BE49-F238E27FC236}">
+              <a16:creationId xmlns:a16="http://schemas.microsoft.com/office/drawing/2014/main" id="{040F9FFB-6560-8F1E-6F4C-64511D3A3568}"/>
+            </a:ext>
+          </a:extLst>
+        </p:cNvPr>
+        <p:cNvGrpSpPr/>
+        <p:nvPr/>
+      </p:nvGrpSpPr>
+      <p:grpSpPr>
+        <a:xfrm>
+          <a:off x="0" y="0"/>
+          <a:ext cx="0" cy="0"/>
+          <a:chOff x="0" y="0"/>
+          <a:chExt cx="0" cy="0"/>
+        </a:xfrm>
+      </p:grpSpPr>
+      <p:sp>
+        <p:nvSpPr>
+          <p:cNvPr id="2" name="Titel 1">
+            <a:extLst>
+              <a:ext uri="{FF2B5EF4-FFF2-40B4-BE49-F238E27FC236}">
+                <a16:creationId xmlns:a16="http://schemas.microsoft.com/office/drawing/2014/main" id="{51F37715-0D59-D06B-AB2C-486BD68DCC6C}"/>
+              </a:ext>
+            </a:extLst>
+          </p:cNvPr>
+          <p:cNvSpPr>
+            <a:spLocks noGrp="1"/>
+          </p:cNvSpPr>
+          <p:nvPr>
+            <p:ph type="title"/>
+          </p:nvPr>
+        </p:nvSpPr>
+        <p:spPr/>
+        <p:txBody>
+          <a:bodyPr/>
+          <a:lstStyle/>
+          <a:p>
+            <a:r>
+              <a:rPr lang="de-DE" dirty="0"/>
+              <a:t>Aufgabe 4.1</a:t>
+            </a:r>
+          </a:p>
+        </p:txBody>
+      </p:sp>
+      <p:sp>
+        <p:nvSpPr>
+          <p:cNvPr id="6" name="Content Placeholder 5">
+            <a:extLst>
+              <a:ext uri="{FF2B5EF4-FFF2-40B4-BE49-F238E27FC236}">
+                <a16:creationId xmlns:a16="http://schemas.microsoft.com/office/drawing/2014/main" id="{2D5A77A4-8F6D-081F-9391-029226F59D56}"/>
+              </a:ext>
+            </a:extLst>
+          </p:cNvPr>
+          <p:cNvSpPr>
+            <a:spLocks noGrp="1"/>
+          </p:cNvSpPr>
+          <p:nvPr>
+            <p:ph idx="1"/>
+          </p:nvPr>
+        </p:nvSpPr>
+        <p:spPr/>
+        <p:txBody>
+          <a:bodyPr/>
+          <a:lstStyle/>
+          <a:p>
+            <a:pPr marL="0" indent="0">
+              <a:buNone/>
+            </a:pPr>
+            <a:r>
+              <a:rPr lang="en-GB" dirty="0">
+                <a:cs typeface="Arial"/>
+              </a:rPr>
+              <a:t>a)</a:t>
+            </a:r>
+          </a:p>
+          <a:p>
+            <a:pPr marL="0" indent="0">
+              <a:buNone/>
+            </a:pPr>
+            <a:endParaRPr lang="en-GB" dirty="0">
+              <a:cs typeface="Arial"/>
+            </a:endParaRPr>
+          </a:p>
+          <a:p>
+            <a:pPr marL="0" indent="0">
+              <a:buNone/>
+            </a:pPr>
+            <a:r>
+              <a:rPr lang="en-GB" dirty="0">
+                <a:cs typeface="Arial"/>
+              </a:rPr>
+              <a:t>b)</a:t>
+            </a:r>
+          </a:p>
+        </p:txBody>
+      </p:sp>
+      <p:pic>
+        <p:nvPicPr>
+          <p:cNvPr id="7" name="Picture 6">
+            <a:extLst>
+              <a:ext uri="{FF2B5EF4-FFF2-40B4-BE49-F238E27FC236}">
+                <a16:creationId xmlns:a16="http://schemas.microsoft.com/office/drawing/2014/main" id="{93AA5F5E-AA0F-BC6B-91AD-E52B0DB9A771}"/>
+              </a:ext>
+            </a:extLst>
+          </p:cNvPr>
+          <p:cNvPicPr>
+            <a:picLocks noChangeAspect="1"/>
+          </p:cNvPicPr>
+          <p:nvPr/>
+        </p:nvPicPr>
+        <p:blipFill>
+          <a:blip r:embed="rId2"/>
+          <a:stretch>
+            <a:fillRect/>
+          </a:stretch>
+        </p:blipFill>
+        <p:spPr>
+          <a:xfrm>
+            <a:off x="1173655" y="1716963"/>
+            <a:ext cx="6779172" cy="481176"/>
+          </a:xfrm>
+          <a:prstGeom prst="rect">
+            <a:avLst/>
+          </a:prstGeom>
+        </p:spPr>
+      </p:pic>
+      <p:pic>
+        <p:nvPicPr>
+          <p:cNvPr id="8" name="Picture 7" descr="A math equations with numbers and symbols&#10;&#10;AI-generated content may be incorrect.">
+            <a:extLst>
+              <a:ext uri="{FF2B5EF4-FFF2-40B4-BE49-F238E27FC236}">
+                <a16:creationId xmlns:a16="http://schemas.microsoft.com/office/drawing/2014/main" id="{B5197F23-D08C-F676-62EA-8F638688223F}"/>
+              </a:ext>
+            </a:extLst>
+          </p:cNvPr>
+          <p:cNvPicPr>
+            <a:picLocks noChangeAspect="1"/>
+          </p:cNvPicPr>
+          <p:nvPr/>
+        </p:nvPicPr>
+        <p:blipFill>
+          <a:blip r:embed="rId3"/>
+          <a:stretch>
+            <a:fillRect/>
+          </a:stretch>
+        </p:blipFill>
+        <p:spPr>
+          <a:xfrm>
+            <a:off x="1176064" y="2387271"/>
+            <a:ext cx="2815458" cy="2626491"/>
+          </a:xfrm>
+          <a:prstGeom prst="rect">
+            <a:avLst/>
+          </a:prstGeom>
+        </p:spPr>
+      </p:pic>
+      <p:pic>
+        <p:nvPicPr>
+          <p:cNvPr id="10" name="Picture 9">
+            <a:extLst>
+              <a:ext uri="{FF2B5EF4-FFF2-40B4-BE49-F238E27FC236}">
+                <a16:creationId xmlns:a16="http://schemas.microsoft.com/office/drawing/2014/main" id="{3F24FBF2-AFBB-CDCD-D989-844E3645298C}"/>
+              </a:ext>
+            </a:extLst>
+          </p:cNvPr>
+          <p:cNvPicPr>
+            <a:picLocks noChangeAspect="1"/>
+          </p:cNvPicPr>
+          <p:nvPr/>
+        </p:nvPicPr>
+        <p:blipFill>
+          <a:blip r:embed="rId4"/>
+          <a:stretch>
+            <a:fillRect/>
+          </a:stretch>
+        </p:blipFill>
+        <p:spPr>
+          <a:xfrm>
+            <a:off x="1166813" y="5102171"/>
+            <a:ext cx="3762375" cy="1190625"/>
+          </a:xfrm>
+          <a:prstGeom prst="rect">
+            <a:avLst/>
+          </a:prstGeom>
+        </p:spPr>
+      </p:pic>
+    </p:spTree>
+    <p:extLst>
+      <p:ext uri="{BB962C8B-B14F-4D97-AF65-F5344CB8AC3E}">
+        <p14:creationId xmlns:p14="http://schemas.microsoft.com/office/powerpoint/2010/main" val="3021401086"/>
+      </p:ext>
+    </p:extLst>
+  </p:cSld>
+  <p:clrMapOvr>
+    <a:masterClrMapping/>
+  </p:clrMapOvr>
+</p:sld>
+</file>
+
+<file path=ppt/slides/slide12.xml><?xml version="1.0" encoding="utf-8"?>
+<p:sld xmlns:a="http://schemas.openxmlformats.org/drawingml/2006/main" xmlns:r="http://schemas.openxmlformats.org/officeDocument/2006/relationships" xmlns:p="http://schemas.openxmlformats.org/presentationml/2006/main">
+  <p:cSld>
+    <p:spTree>
+      <p:nvGrpSpPr>
+        <p:cNvPr id="1" name="">
+          <a:extLst>
+            <a:ext uri="{FF2B5EF4-FFF2-40B4-BE49-F238E27FC236}">
+              <a16:creationId xmlns:a16="http://schemas.microsoft.com/office/drawing/2014/main" id="{A7BAF184-0C6A-2198-40C3-2817AA8E4BC7}"/>
+            </a:ext>
+          </a:extLst>
+        </p:cNvPr>
+        <p:cNvGrpSpPr/>
+        <p:nvPr/>
+      </p:nvGrpSpPr>
+      <p:grpSpPr>
+        <a:xfrm>
+          <a:off x="0" y="0"/>
+          <a:ext cx="0" cy="0"/>
+          <a:chOff x="0" y="0"/>
+          <a:chExt cx="0" cy="0"/>
+        </a:xfrm>
+      </p:grpSpPr>
+      <p:sp>
+        <p:nvSpPr>
+          <p:cNvPr id="2" name="Titel 1">
+            <a:extLst>
+              <a:ext uri="{FF2B5EF4-FFF2-40B4-BE49-F238E27FC236}">
+                <a16:creationId xmlns:a16="http://schemas.microsoft.com/office/drawing/2014/main" id="{3F951CA5-EC8B-CAFB-3356-16D9576EC0A8}"/>
+              </a:ext>
+            </a:extLst>
+          </p:cNvPr>
+          <p:cNvSpPr>
+            <a:spLocks noGrp="1"/>
+          </p:cNvSpPr>
+          <p:nvPr>
+            <p:ph type="title"/>
+          </p:nvPr>
+        </p:nvSpPr>
+        <p:spPr/>
+        <p:txBody>
+          <a:bodyPr/>
+          <a:lstStyle/>
+          <a:p>
+            <a:r>
+              <a:rPr lang="de-DE" dirty="0"/>
+              <a:t>Aufgabe 4.2</a:t>
+            </a:r>
+          </a:p>
+        </p:txBody>
+      </p:sp>
+      <p:sp>
+        <p:nvSpPr>
+          <p:cNvPr id="6" name="Content Placeholder 5">
+            <a:extLst>
+              <a:ext uri="{FF2B5EF4-FFF2-40B4-BE49-F238E27FC236}">
+                <a16:creationId xmlns:a16="http://schemas.microsoft.com/office/drawing/2014/main" id="{BE7E7E94-C46F-0348-AC8E-ADCCF4BACA24}"/>
+              </a:ext>
+            </a:extLst>
+          </p:cNvPr>
+          <p:cNvSpPr>
+            <a:spLocks noGrp="1"/>
+          </p:cNvSpPr>
+          <p:nvPr>
+            <p:ph idx="1"/>
+          </p:nvPr>
+        </p:nvSpPr>
+        <p:spPr/>
+        <p:txBody>
+          <a:bodyPr/>
+          <a:lstStyle/>
+          <a:p>
+            <a:pPr marL="457200" indent="-457200">
+              <a:buAutoNum type="alphaLcParenR"/>
+            </a:pPr>
+            <a:r>
+              <a:rPr lang="en-GB" dirty="0">
+                <a:cs typeface="Arial"/>
+              </a:rPr>
+              <a:t>6 Knoten und 10 </a:t>
+            </a:r>
+            <a:r>
+              <a:rPr lang="en-GB" dirty="0" err="1">
+                <a:cs typeface="Arial"/>
+              </a:rPr>
+              <a:t>Zweige</a:t>
+            </a:r>
+            <a:r>
+              <a:rPr lang="en-GB" dirty="0">
+                <a:cs typeface="Arial"/>
+              </a:rPr>
+              <a:t>: </a:t>
+            </a:r>
+            <a:endParaRPr lang="en-US" dirty="0"/>
+          </a:p>
+          <a:p>
+            <a:pPr marL="0" indent="0">
+              <a:buNone/>
+            </a:pPr>
+            <a:r>
+              <a:rPr lang="en-GB" dirty="0">
+                <a:cs typeface="Arial"/>
+              </a:rPr>
+              <a:t>    m = z - (k-1) = 10 – 5 = 5 </a:t>
+            </a:r>
+            <a:r>
+              <a:rPr lang="en-GB" dirty="0" err="1">
+                <a:cs typeface="Arial"/>
+              </a:rPr>
+              <a:t>unabhängige</a:t>
+            </a:r>
+            <a:r>
+              <a:rPr lang="en-GB" dirty="0">
+                <a:cs typeface="Arial"/>
+              </a:rPr>
+              <a:t> </a:t>
+            </a:r>
+            <a:r>
+              <a:rPr lang="en-GB" dirty="0" err="1">
+                <a:cs typeface="Arial"/>
+              </a:rPr>
+              <a:t>Maschengleichungen</a:t>
+            </a:r>
+            <a:endParaRPr lang="en-GB" dirty="0">
+              <a:cs typeface="Arial"/>
+            </a:endParaRPr>
+          </a:p>
+          <a:p>
+            <a:pPr marL="0" indent="0">
+              <a:buNone/>
+            </a:pPr>
+            <a:endParaRPr lang="en-GB" dirty="0">
+              <a:cs typeface="Arial"/>
+            </a:endParaRPr>
+          </a:p>
+          <a:p>
+            <a:pPr marL="0" indent="0">
+              <a:buNone/>
+            </a:pPr>
+            <a:endParaRPr lang="en-GB" dirty="0">
+              <a:cs typeface="Arial"/>
+            </a:endParaRPr>
+          </a:p>
+        </p:txBody>
+      </p:sp>
+      <p:pic>
+        <p:nvPicPr>
+          <p:cNvPr id="3" name="Picture 2" descr="A diagram of a diagram&#10;&#10;AI-generated content may be incorrect.">
+            <a:extLst>
+              <a:ext uri="{FF2B5EF4-FFF2-40B4-BE49-F238E27FC236}">
+                <a16:creationId xmlns:a16="http://schemas.microsoft.com/office/drawing/2014/main" id="{56576E2D-12A0-6B28-41FB-1D1AE4A72E7C}"/>
+              </a:ext>
+            </a:extLst>
+          </p:cNvPr>
+          <p:cNvPicPr>
+            <a:picLocks noChangeAspect="1"/>
+          </p:cNvPicPr>
+          <p:nvPr/>
+        </p:nvPicPr>
+        <p:blipFill>
+          <a:blip r:embed="rId2"/>
+          <a:stretch>
+            <a:fillRect/>
+          </a:stretch>
+        </p:blipFill>
+        <p:spPr>
+          <a:xfrm>
+            <a:off x="2303517" y="2426313"/>
+            <a:ext cx="7593725" cy="3835926"/>
+          </a:xfrm>
+          <a:prstGeom prst="rect">
+            <a:avLst/>
+          </a:prstGeom>
+        </p:spPr>
+      </p:pic>
+    </p:spTree>
+    <p:extLst>
+      <p:ext uri="{BB962C8B-B14F-4D97-AF65-F5344CB8AC3E}">
+        <p14:creationId xmlns:p14="http://schemas.microsoft.com/office/powerpoint/2010/main" val="2904793170"/>
+      </p:ext>
+    </p:extLst>
+  </p:cSld>
+  <p:clrMapOvr>
+    <a:masterClrMapping/>
+  </p:clrMapOvr>
+</p:sld>
+</file>
+
+<file path=ppt/slides/slide13.xml><?xml version="1.0" encoding="utf-8"?>
+<p:sld xmlns:a="http://schemas.openxmlformats.org/drawingml/2006/main" xmlns:r="http://schemas.openxmlformats.org/officeDocument/2006/relationships" xmlns:p="http://schemas.openxmlformats.org/presentationml/2006/main">
+  <p:cSld>
+    <p:spTree>
+      <p:nvGrpSpPr>
+        <p:cNvPr id="1" name="">
+          <a:extLst>
+            <a:ext uri="{FF2B5EF4-FFF2-40B4-BE49-F238E27FC236}">
+              <a16:creationId xmlns:a16="http://schemas.microsoft.com/office/drawing/2014/main" id="{7B50669D-181B-5457-72E4-733900FCAE6C}"/>
+            </a:ext>
+          </a:extLst>
+        </p:cNvPr>
+        <p:cNvGrpSpPr/>
+        <p:nvPr/>
+      </p:nvGrpSpPr>
+      <p:grpSpPr>
+        <a:xfrm>
+          <a:off x="0" y="0"/>
+          <a:ext cx="0" cy="0"/>
+          <a:chOff x="0" y="0"/>
+          <a:chExt cx="0" cy="0"/>
+        </a:xfrm>
+      </p:grpSpPr>
+      <p:sp>
+        <p:nvSpPr>
+          <p:cNvPr id="2" name="Titel 1">
+            <a:extLst>
+              <a:ext uri="{FF2B5EF4-FFF2-40B4-BE49-F238E27FC236}">
+                <a16:creationId xmlns:a16="http://schemas.microsoft.com/office/drawing/2014/main" id="{B25BE223-7331-D302-EA12-F7786CDBAB97}"/>
+              </a:ext>
+            </a:extLst>
+          </p:cNvPr>
+          <p:cNvSpPr>
+            <a:spLocks noGrp="1"/>
+          </p:cNvSpPr>
+          <p:nvPr>
+            <p:ph type="title"/>
+          </p:nvPr>
+        </p:nvSpPr>
+        <p:spPr/>
+        <p:txBody>
+          <a:bodyPr/>
+          <a:lstStyle/>
+          <a:p>
+            <a:r>
+              <a:rPr lang="de-DE" dirty="0"/>
+              <a:t>Aufgabe 4.2</a:t>
+            </a:r>
+          </a:p>
+        </p:txBody>
+      </p:sp>
+      <p:sp>
+        <p:nvSpPr>
+          <p:cNvPr id="6" name="Content Placeholder 5">
+            <a:extLst>
+              <a:ext uri="{FF2B5EF4-FFF2-40B4-BE49-F238E27FC236}">
+                <a16:creationId xmlns:a16="http://schemas.microsoft.com/office/drawing/2014/main" id="{D298CE90-EC75-4CE4-6BED-5925E90A217A}"/>
+              </a:ext>
+            </a:extLst>
+          </p:cNvPr>
+          <p:cNvSpPr>
+            <a:spLocks noGrp="1"/>
+          </p:cNvSpPr>
+          <p:nvPr>
+            <p:ph idx="1"/>
+          </p:nvPr>
+        </p:nvSpPr>
+        <p:spPr/>
+        <p:txBody>
+          <a:bodyPr/>
+          <a:lstStyle/>
+          <a:p>
+            <a:pPr marL="0" indent="0">
+              <a:buNone/>
+            </a:pPr>
+            <a:r>
+              <a:rPr lang="en-GB" dirty="0">
+                <a:cs typeface="Arial"/>
+              </a:rPr>
+              <a:t>b) </a:t>
+            </a:r>
+          </a:p>
+          <a:p>
+            <a:pPr marL="0" indent="0">
+              <a:buNone/>
+            </a:pPr>
+            <a:endParaRPr lang="en-GB" dirty="0">
+              <a:cs typeface="Arial"/>
+            </a:endParaRPr>
+          </a:p>
+          <a:p>
+            <a:pPr marL="0" indent="0">
+              <a:buNone/>
+            </a:pPr>
+            <a:endParaRPr lang="en-GB" dirty="0">
+              <a:cs typeface="Arial"/>
+            </a:endParaRPr>
+          </a:p>
+        </p:txBody>
+      </p:sp>
+      <p:pic>
+        <p:nvPicPr>
+          <p:cNvPr id="3" name="Picture 2" descr="A black background with white circles&#10;&#10;AI-generated content may be incorrect.">
+            <a:extLst>
+              <a:ext uri="{FF2B5EF4-FFF2-40B4-BE49-F238E27FC236}">
+                <a16:creationId xmlns:a16="http://schemas.microsoft.com/office/drawing/2014/main" id="{D7206A18-DF2A-8FD0-094B-28D39A8B8BDB}"/>
+              </a:ext>
+            </a:extLst>
+          </p:cNvPr>
+          <p:cNvPicPr>
+            <a:picLocks noChangeAspect="1"/>
+          </p:cNvPicPr>
+          <p:nvPr/>
+        </p:nvPicPr>
+        <p:blipFill>
+          <a:blip r:embed="rId2"/>
+          <a:stretch>
+            <a:fillRect/>
+          </a:stretch>
+        </p:blipFill>
+        <p:spPr>
+          <a:xfrm>
+            <a:off x="3521296" y="874190"/>
+            <a:ext cx="5294092" cy="5389342"/>
+          </a:xfrm>
+          <a:prstGeom prst="rect">
+            <a:avLst/>
+          </a:prstGeom>
+        </p:spPr>
+      </p:pic>
+    </p:spTree>
+    <p:extLst>
+      <p:ext uri="{BB962C8B-B14F-4D97-AF65-F5344CB8AC3E}">
+        <p14:creationId xmlns:p14="http://schemas.microsoft.com/office/powerpoint/2010/main" val="1601421726"/>
+      </p:ext>
+    </p:extLst>
+  </p:cSld>
+  <p:clrMapOvr>
+    <a:masterClrMapping/>
+  </p:clrMapOvr>
+</p:sld>
+</file>
+
+<file path=ppt/slides/slide14.xml><?xml version="1.0" encoding="utf-8"?>
+<p:sld xmlns:a="http://schemas.openxmlformats.org/drawingml/2006/main" xmlns:r="http://schemas.openxmlformats.org/officeDocument/2006/relationships" xmlns:p="http://schemas.openxmlformats.org/presentationml/2006/main">
+  <p:cSld>
+    <p:spTree>
+      <p:nvGrpSpPr>
+        <p:cNvPr id="1" name="">
+          <a:extLst>
+            <a:ext uri="{FF2B5EF4-FFF2-40B4-BE49-F238E27FC236}">
+              <a16:creationId xmlns:a16="http://schemas.microsoft.com/office/drawing/2014/main" id="{3EAEC84B-2F88-FFF8-B544-28345B3487D4}"/>
+            </a:ext>
+          </a:extLst>
+        </p:cNvPr>
+        <p:cNvGrpSpPr/>
+        <p:nvPr/>
+      </p:nvGrpSpPr>
+      <p:grpSpPr>
+        <a:xfrm>
+          <a:off x="0" y="0"/>
+          <a:ext cx="0" cy="0"/>
+          <a:chOff x="0" y="0"/>
+          <a:chExt cx="0" cy="0"/>
+        </a:xfrm>
+      </p:grpSpPr>
+      <p:sp>
+        <p:nvSpPr>
+          <p:cNvPr id="2" name="Titel 1">
+            <a:extLst>
+              <a:ext uri="{FF2B5EF4-FFF2-40B4-BE49-F238E27FC236}">
+                <a16:creationId xmlns:a16="http://schemas.microsoft.com/office/drawing/2014/main" id="{0474A6A7-28A8-85B5-3379-184F61E1951D}"/>
+              </a:ext>
+            </a:extLst>
+          </p:cNvPr>
+          <p:cNvSpPr>
+            <a:spLocks noGrp="1"/>
+          </p:cNvSpPr>
+          <p:nvPr>
+            <p:ph type="title"/>
+          </p:nvPr>
+        </p:nvSpPr>
+        <p:spPr/>
+        <p:txBody>
+          <a:bodyPr/>
+          <a:lstStyle/>
+          <a:p>
+            <a:r>
+              <a:rPr lang="de-DE" dirty="0"/>
+              <a:t>Aufgabe 4.2</a:t>
+            </a:r>
+          </a:p>
+        </p:txBody>
+      </p:sp>
+      <p:sp>
+        <p:nvSpPr>
+          <p:cNvPr id="6" name="Content Placeholder 5">
+            <a:extLst>
+              <a:ext uri="{FF2B5EF4-FFF2-40B4-BE49-F238E27FC236}">
+                <a16:creationId xmlns:a16="http://schemas.microsoft.com/office/drawing/2014/main" id="{5E683C92-8F9A-AC9D-C9C2-B2CF265C5CF8}"/>
+              </a:ext>
+            </a:extLst>
+          </p:cNvPr>
+          <p:cNvSpPr>
+            <a:spLocks noGrp="1"/>
+          </p:cNvSpPr>
+          <p:nvPr>
+            <p:ph idx="1"/>
+          </p:nvPr>
+        </p:nvSpPr>
+        <p:spPr/>
+        <p:txBody>
+          <a:bodyPr/>
+          <a:lstStyle/>
+          <a:p>
+            <a:pPr marL="0" indent="0">
+              <a:buNone/>
+            </a:pPr>
+            <a:r>
+              <a:rPr lang="en-GB" dirty="0">
+                <a:cs typeface="Arial"/>
+              </a:rPr>
+              <a:t>c) </a:t>
+            </a:r>
+          </a:p>
+          <a:p>
+            <a:pPr marL="0" indent="0">
+              <a:buNone/>
+            </a:pPr>
+            <a:endParaRPr lang="en-GB" dirty="0">
+              <a:cs typeface="Arial"/>
+            </a:endParaRPr>
+          </a:p>
+          <a:p>
+            <a:pPr marL="0" indent="0">
+              <a:buNone/>
+            </a:pPr>
+            <a:endParaRPr lang="en-GB" dirty="0">
+              <a:cs typeface="Arial"/>
+            </a:endParaRPr>
+          </a:p>
+        </p:txBody>
+      </p:sp>
+      <p:pic>
+        <p:nvPicPr>
+          <p:cNvPr id="5" name="Graphic 4">
+            <a:extLst>
+              <a:ext uri="{FF2B5EF4-FFF2-40B4-BE49-F238E27FC236}">
+                <a16:creationId xmlns:a16="http://schemas.microsoft.com/office/drawing/2014/main" id="{B4F185DE-55D1-6B84-64CF-616C64BD7748}"/>
+              </a:ext>
+            </a:extLst>
+          </p:cNvPr>
+          <p:cNvPicPr>
+            <a:picLocks noChangeAspect="1"/>
+          </p:cNvPicPr>
+          <p:nvPr/>
+        </p:nvPicPr>
+        <p:blipFill>
+          <a:blip r:embed="rId2">
+            <a:extLst>
+              <a:ext uri="{96DAC541-7B7A-43D3-8B79-37D633B846F1}">
+                <asvg:svgBlip xmlns:asvg="http://schemas.microsoft.com/office/drawing/2016/SVG/main" r:embed="rId3"/>
+              </a:ext>
+            </a:extLst>
+          </a:blip>
+          <a:stretch>
+            <a:fillRect/>
+          </a:stretch>
+        </p:blipFill>
+        <p:spPr>
+          <a:xfrm>
+            <a:off x="2469326" y="1647041"/>
+            <a:ext cx="7118309" cy="3563917"/>
+          </a:xfrm>
+          <a:prstGeom prst="rect">
+            <a:avLst/>
+          </a:prstGeom>
+        </p:spPr>
+      </p:pic>
+      <p:sp>
+        <p:nvSpPr>
+          <p:cNvPr id="7" name="Rectangle 6">
+            <a:extLst>
+              <a:ext uri="{FF2B5EF4-FFF2-40B4-BE49-F238E27FC236}">
+                <a16:creationId xmlns:a16="http://schemas.microsoft.com/office/drawing/2014/main" id="{1E72670B-9C3E-D71D-C990-1D720B0D9ECA}"/>
+              </a:ext>
+            </a:extLst>
+          </p:cNvPr>
+          <p:cNvSpPr/>
+          <p:nvPr/>
+        </p:nvSpPr>
+        <p:spPr>
+          <a:xfrm>
+            <a:off x="4770699" y="5016660"/>
+            <a:ext cx="3865943" cy="190982"/>
+          </a:xfrm>
+          <a:prstGeom prst="rect">
+            <a:avLst/>
+          </a:prstGeom>
+          <a:solidFill>
+            <a:schemeClr val="bg1"/>
+          </a:solidFill>
+          <a:ln w="12700">
+            <a:noFill/>
+          </a:ln>
+        </p:spPr>
+        <p:style>
+          <a:lnRef idx="2">
+            <a:schemeClr val="accent1">
+              <a:shade val="50000"/>
+            </a:schemeClr>
+          </a:lnRef>
+          <a:fillRef idx="1">
+            <a:schemeClr val="accent1"/>
+          </a:fillRef>
+          <a:effectRef idx="0">
+            <a:schemeClr val="accent1"/>
+          </a:effectRef>
+          <a:fontRef idx="minor">
+            <a:schemeClr val="lt1"/>
+          </a:fontRef>
+        </p:style>
+        <p:txBody>
+          <a:bodyPr rtlCol="0" anchor="ctr"/>
+          <a:lstStyle/>
+          <a:p>
+            <a:pPr algn="ctr"/>
+            <a:endParaRPr lang="en-GB"/>
+          </a:p>
+        </p:txBody>
+      </p:sp>
+    </p:spTree>
+    <p:extLst>
+      <p:ext uri="{BB962C8B-B14F-4D97-AF65-F5344CB8AC3E}">
+        <p14:creationId xmlns:p14="http://schemas.microsoft.com/office/powerpoint/2010/main" val="2529189648"/>
+      </p:ext>
+    </p:extLst>
+  </p:cSld>
+  <p:clrMapOvr>
+    <a:masterClrMapping/>
+  </p:clrMapOvr>
+</p:sld>
+</file>
+
+<file path=ppt/slides/slide15.xml><?xml version="1.0" encoding="utf-8"?>
+<p:sld xmlns:a="http://schemas.openxmlformats.org/drawingml/2006/main" xmlns:r="http://schemas.openxmlformats.org/officeDocument/2006/relationships" xmlns:p="http://schemas.openxmlformats.org/presentationml/2006/main">
+  <p:cSld>
+    <p:spTree>
+      <p:nvGrpSpPr>
+        <p:cNvPr id="1" name="">
+          <a:extLst>
+            <a:ext uri="{FF2B5EF4-FFF2-40B4-BE49-F238E27FC236}">
+              <a16:creationId xmlns:a16="http://schemas.microsoft.com/office/drawing/2014/main" id="{1C96CD1D-5743-2F49-851E-20BC8536E9AD}"/>
+            </a:ext>
+          </a:extLst>
+        </p:cNvPr>
+        <p:cNvGrpSpPr/>
+        <p:nvPr/>
+      </p:nvGrpSpPr>
+      <p:grpSpPr>
+        <a:xfrm>
+          <a:off x="0" y="0"/>
+          <a:ext cx="0" cy="0"/>
+          <a:chOff x="0" y="0"/>
+          <a:chExt cx="0" cy="0"/>
+        </a:xfrm>
+      </p:grpSpPr>
+      <p:sp>
+        <p:nvSpPr>
+          <p:cNvPr id="2" name="Titel 1">
+            <a:extLst>
+              <a:ext uri="{FF2B5EF4-FFF2-40B4-BE49-F238E27FC236}">
+                <a16:creationId xmlns:a16="http://schemas.microsoft.com/office/drawing/2014/main" id="{2C2378E7-2852-6F4B-4E59-7DAF596A613B}"/>
+              </a:ext>
+            </a:extLst>
+          </p:cNvPr>
+          <p:cNvSpPr>
+            <a:spLocks noGrp="1"/>
+          </p:cNvSpPr>
+          <p:nvPr>
+            <p:ph type="title"/>
+          </p:nvPr>
+        </p:nvSpPr>
+        <p:spPr/>
+        <p:txBody>
+          <a:bodyPr/>
+          <a:lstStyle/>
+          <a:p>
+            <a:r>
+              <a:rPr lang="de-DE" dirty="0"/>
+              <a:t>Aufgabe 4.2</a:t>
+            </a:r>
+          </a:p>
+        </p:txBody>
+      </p:sp>
+      <p:sp>
+        <p:nvSpPr>
+          <p:cNvPr id="6" name="Content Placeholder 5">
+            <a:extLst>
+              <a:ext uri="{FF2B5EF4-FFF2-40B4-BE49-F238E27FC236}">
+                <a16:creationId xmlns:a16="http://schemas.microsoft.com/office/drawing/2014/main" id="{A6F318D9-A6A2-C7B4-9E00-3326E6F318DA}"/>
+              </a:ext>
+            </a:extLst>
+          </p:cNvPr>
+          <p:cNvSpPr>
+            <a:spLocks noGrp="1"/>
+          </p:cNvSpPr>
+          <p:nvPr>
+            <p:ph idx="1"/>
+          </p:nvPr>
+        </p:nvSpPr>
+        <p:spPr/>
+        <p:txBody>
+          <a:bodyPr/>
+          <a:lstStyle/>
+          <a:p>
+            <a:pPr marL="0" indent="0">
+              <a:buNone/>
+            </a:pPr>
+            <a:r>
+              <a:rPr lang="en-GB" dirty="0">
+                <a:cs typeface="Arial"/>
+              </a:rPr>
+              <a:t>d) </a:t>
+            </a:r>
+          </a:p>
+          <a:p>
+            <a:pPr marL="0" indent="0">
+              <a:buNone/>
+            </a:pPr>
+            <a:endParaRPr lang="en-GB" dirty="0">
+              <a:cs typeface="Arial"/>
+            </a:endParaRPr>
+          </a:p>
+          <a:p>
+            <a:pPr marL="0" indent="0">
+              <a:buNone/>
+            </a:pPr>
+            <a:endParaRPr lang="en-GB" dirty="0">
+              <a:cs typeface="Arial"/>
+            </a:endParaRPr>
+          </a:p>
+        </p:txBody>
+      </p:sp>
+      <p:sp>
+        <p:nvSpPr>
+          <p:cNvPr id="7" name="Rectangle 6">
+            <a:extLst>
+              <a:ext uri="{FF2B5EF4-FFF2-40B4-BE49-F238E27FC236}">
+                <a16:creationId xmlns:a16="http://schemas.microsoft.com/office/drawing/2014/main" id="{E1D270DA-534A-18F0-6A32-7A1F004BCFF7}"/>
+              </a:ext>
+            </a:extLst>
+          </p:cNvPr>
+          <p:cNvSpPr/>
+          <p:nvPr/>
+        </p:nvSpPr>
+        <p:spPr>
+          <a:xfrm>
+            <a:off x="4770699" y="5016660"/>
+            <a:ext cx="3865943" cy="190982"/>
+          </a:xfrm>
+          <a:prstGeom prst="rect">
+            <a:avLst/>
+          </a:prstGeom>
+          <a:solidFill>
+            <a:schemeClr val="bg1"/>
+          </a:solidFill>
+          <a:ln w="12700">
+            <a:noFill/>
+          </a:ln>
+        </p:spPr>
+        <p:style>
+          <a:lnRef idx="2">
+            <a:schemeClr val="accent1">
+              <a:shade val="50000"/>
+            </a:schemeClr>
+          </a:lnRef>
+          <a:fillRef idx="1">
+            <a:schemeClr val="accent1"/>
+          </a:fillRef>
+          <a:effectRef idx="0">
+            <a:schemeClr val="accent1"/>
+          </a:effectRef>
+          <a:fontRef idx="minor">
+            <a:schemeClr val="lt1"/>
+          </a:fontRef>
+        </p:style>
+        <p:txBody>
+          <a:bodyPr rtlCol="0" anchor="ctr"/>
+          <a:lstStyle/>
+          <a:p>
+            <a:pPr algn="ctr"/>
+            <a:endParaRPr lang="en-GB"/>
+          </a:p>
+        </p:txBody>
+      </p:sp>
+      <p:pic>
+        <p:nvPicPr>
+          <p:cNvPr id="3" name="Picture 2" descr="A math equations with numbers and symbols&#10;&#10;AI-generated content may be incorrect.">
+            <a:extLst>
+              <a:ext uri="{FF2B5EF4-FFF2-40B4-BE49-F238E27FC236}">
+                <a16:creationId xmlns:a16="http://schemas.microsoft.com/office/drawing/2014/main" id="{DC2770F5-D99D-D103-198E-D3EA18146168}"/>
+              </a:ext>
+            </a:extLst>
+          </p:cNvPr>
+          <p:cNvPicPr>
+            <a:picLocks noChangeAspect="1"/>
+          </p:cNvPicPr>
+          <p:nvPr/>
+        </p:nvPicPr>
+        <p:blipFill>
+          <a:blip r:embed="rId2"/>
+          <a:srcRect t="2586" r="1042" b="1024"/>
+          <a:stretch>
+            <a:fillRect/>
+          </a:stretch>
+        </p:blipFill>
+        <p:spPr>
+          <a:xfrm>
+            <a:off x="1254466" y="1714500"/>
+            <a:ext cx="4590119" cy="2162115"/>
+          </a:xfrm>
+          <a:prstGeom prst="rect">
+            <a:avLst/>
+          </a:prstGeom>
+        </p:spPr>
+      </p:pic>
+    </p:spTree>
+    <p:extLst>
+      <p:ext uri="{BB962C8B-B14F-4D97-AF65-F5344CB8AC3E}">
+        <p14:creationId xmlns:p14="http://schemas.microsoft.com/office/powerpoint/2010/main" val="2752720947"/>
+      </p:ext>
+    </p:extLst>
+  </p:cSld>
+  <p:clrMapOvr>
+    <a:masterClrMapping/>
+  </p:clrMapOvr>
+</p:sld>
+</file>
+
+<file path=ppt/slides/slide16.xml><?xml version="1.0" encoding="utf-8"?>
+<p:sld xmlns:a="http://schemas.openxmlformats.org/drawingml/2006/main" xmlns:r="http://schemas.openxmlformats.org/officeDocument/2006/relationships" xmlns:p="http://schemas.openxmlformats.org/presentationml/2006/main">
+  <p:cSld>
+    <p:spTree>
+      <p:nvGrpSpPr>
+        <p:cNvPr id="1" name="">
+          <a:extLst>
+            <a:ext uri="{FF2B5EF4-FFF2-40B4-BE49-F238E27FC236}">
+              <a16:creationId xmlns:a16="http://schemas.microsoft.com/office/drawing/2014/main" id="{DDD47F33-5EC5-B9F7-B0D6-41508B790C12}"/>
+            </a:ext>
+          </a:extLst>
+        </p:cNvPr>
+        <p:cNvGrpSpPr/>
+        <p:nvPr/>
+      </p:nvGrpSpPr>
+      <p:grpSpPr>
+        <a:xfrm>
+          <a:off x="0" y="0"/>
+          <a:ext cx="0" cy="0"/>
+          <a:chOff x="0" y="0"/>
+          <a:chExt cx="0" cy="0"/>
+        </a:xfrm>
+      </p:grpSpPr>
+      <p:sp>
+        <p:nvSpPr>
+          <p:cNvPr id="2" name="Titel 1">
+            <a:extLst>
+              <a:ext uri="{FF2B5EF4-FFF2-40B4-BE49-F238E27FC236}">
+                <a16:creationId xmlns:a16="http://schemas.microsoft.com/office/drawing/2014/main" id="{1BCC4FAA-AFD2-C32C-3FE8-627193F1AC75}"/>
+              </a:ext>
+            </a:extLst>
+          </p:cNvPr>
+          <p:cNvSpPr>
+            <a:spLocks noGrp="1"/>
+          </p:cNvSpPr>
+          <p:nvPr>
+            <p:ph type="title"/>
+          </p:nvPr>
+        </p:nvSpPr>
+        <p:spPr/>
+        <p:txBody>
+          <a:bodyPr/>
+          <a:lstStyle/>
+          <a:p>
+            <a:r>
+              <a:rPr lang="de-DE" dirty="0"/>
+              <a:t>Aufgabe 4.2</a:t>
+            </a:r>
+          </a:p>
+        </p:txBody>
+      </p:sp>
+      <p:sp>
+        <p:nvSpPr>
+          <p:cNvPr id="6" name="Content Placeholder 5">
+            <a:extLst>
+              <a:ext uri="{FF2B5EF4-FFF2-40B4-BE49-F238E27FC236}">
+                <a16:creationId xmlns:a16="http://schemas.microsoft.com/office/drawing/2014/main" id="{E528317A-EEC7-8BD2-BF79-A50C4D90FE9B}"/>
+              </a:ext>
+            </a:extLst>
+          </p:cNvPr>
+          <p:cNvSpPr>
+            <a:spLocks noGrp="1"/>
+          </p:cNvSpPr>
+          <p:nvPr>
+            <p:ph idx="1"/>
+          </p:nvPr>
+        </p:nvSpPr>
+        <p:spPr/>
+        <p:txBody>
+          <a:bodyPr/>
+          <a:lstStyle/>
+          <a:p>
+            <a:pPr marL="0" indent="0">
+              <a:buNone/>
+            </a:pPr>
+            <a:r>
+              <a:rPr lang="en-GB" dirty="0">
+                <a:cs typeface="Arial"/>
+              </a:rPr>
+              <a:t>e) k-1 = 6-1 = 5 linear </a:t>
+            </a:r>
+            <a:r>
+              <a:rPr lang="en-GB" dirty="0" err="1">
+                <a:cs typeface="Arial"/>
+              </a:rPr>
+              <a:t>unabhängige</a:t>
+            </a:r>
+            <a:r>
+              <a:rPr lang="en-GB" dirty="0">
+                <a:cs typeface="Arial"/>
+              </a:rPr>
+              <a:t> </a:t>
+            </a:r>
+            <a:r>
+              <a:rPr lang="en-GB" dirty="0" err="1">
+                <a:cs typeface="Arial"/>
+              </a:rPr>
+              <a:t>Knotengleichungen</a:t>
+            </a:r>
+          </a:p>
+          <a:p>
+            <a:pPr marL="0" indent="0">
+              <a:buNone/>
+            </a:pPr>
+            <a:endParaRPr lang="en-GB" dirty="0">
+              <a:cs typeface="Arial"/>
+            </a:endParaRPr>
+          </a:p>
+          <a:p>
+            <a:pPr marL="0" indent="0">
+              <a:buNone/>
+            </a:pPr>
+            <a:endParaRPr lang="en-GB" dirty="0">
+              <a:cs typeface="Arial"/>
+            </a:endParaRPr>
+          </a:p>
+        </p:txBody>
+      </p:sp>
+      <p:sp>
+        <p:nvSpPr>
+          <p:cNvPr id="7" name="Rectangle 6">
+            <a:extLst>
+              <a:ext uri="{FF2B5EF4-FFF2-40B4-BE49-F238E27FC236}">
+                <a16:creationId xmlns:a16="http://schemas.microsoft.com/office/drawing/2014/main" id="{9EF66330-5259-E40E-1585-6C2EDADC4C34}"/>
+              </a:ext>
+            </a:extLst>
+          </p:cNvPr>
+          <p:cNvSpPr/>
+          <p:nvPr/>
+        </p:nvSpPr>
+        <p:spPr>
+          <a:xfrm>
+            <a:off x="4770699" y="5016660"/>
+            <a:ext cx="3865943" cy="190982"/>
+          </a:xfrm>
+          <a:prstGeom prst="rect">
+            <a:avLst/>
+          </a:prstGeom>
+          <a:solidFill>
+            <a:schemeClr val="bg1"/>
+          </a:solidFill>
+          <a:ln w="12700">
+            <a:noFill/>
+          </a:ln>
+        </p:spPr>
+        <p:style>
+          <a:lnRef idx="2">
+            <a:schemeClr val="accent1">
+              <a:shade val="50000"/>
+            </a:schemeClr>
+          </a:lnRef>
+          <a:fillRef idx="1">
+            <a:schemeClr val="accent1"/>
+          </a:fillRef>
+          <a:effectRef idx="0">
+            <a:schemeClr val="accent1"/>
+          </a:effectRef>
+          <a:fontRef idx="minor">
+            <a:schemeClr val="lt1"/>
+          </a:fontRef>
+        </p:style>
+        <p:txBody>
+          <a:bodyPr rtlCol="0" anchor="ctr"/>
+          <a:lstStyle/>
+          <a:p>
+            <a:pPr algn="ctr"/>
+            <a:endParaRPr lang="en-GB"/>
+          </a:p>
+        </p:txBody>
+      </p:sp>
+      <p:pic>
+        <p:nvPicPr>
+          <p:cNvPr id="4" name="Picture 3" descr="A math equations with black text&#10;&#10;AI-generated content may be incorrect.">
+            <a:extLst>
+              <a:ext uri="{FF2B5EF4-FFF2-40B4-BE49-F238E27FC236}">
+                <a16:creationId xmlns:a16="http://schemas.microsoft.com/office/drawing/2014/main" id="{5B826573-1DDA-DFFB-0561-49099777D3B0}"/>
+              </a:ext>
+            </a:extLst>
+          </p:cNvPr>
+          <p:cNvPicPr>
+            <a:picLocks noChangeAspect="1"/>
+          </p:cNvPicPr>
+          <p:nvPr/>
+        </p:nvPicPr>
+        <p:blipFill>
+          <a:blip r:embed="rId2"/>
+          <a:srcRect r="581" b="-347"/>
+          <a:stretch>
+            <a:fillRect/>
+          </a:stretch>
+        </p:blipFill>
+        <p:spPr>
+          <a:xfrm>
+            <a:off x="1054320" y="2325306"/>
+            <a:ext cx="6601291" cy="2795797"/>
+          </a:xfrm>
+          <a:prstGeom prst="rect">
+            <a:avLst/>
+          </a:prstGeom>
+        </p:spPr>
+      </p:pic>
+    </p:spTree>
+    <p:extLst>
+      <p:ext uri="{BB962C8B-B14F-4D97-AF65-F5344CB8AC3E}">
+        <p14:creationId xmlns:p14="http://schemas.microsoft.com/office/powerpoint/2010/main" val="2295157053"/>
       </p:ext>
     </p:extLst>
   </p:cSld>
@@ -12012,6 +13173,15 @@
 </file>
 
 <file path=customXml/item1.xml><?xml version="1.0" encoding="utf-8"?>
+<?mso-contentType ?>
+<FormTemplates xmlns="http://schemas.microsoft.com/sharepoint/v3/contenttype/forms">
+  <Display>DocumentLibraryForm</Display>
+  <Edit>DocumentLibraryForm</Edit>
+  <New>DocumentLibraryForm</New>
+</FormTemplates>
+</file>
+
+<file path=customXml/item2.xml><?xml version="1.0" encoding="utf-8"?>
 <ct:contentTypeSchema xmlns:ct="http://schemas.microsoft.com/office/2006/metadata/contentType" xmlns:ma="http://schemas.microsoft.com/office/2006/metadata/properties/metaAttributes" ct:_="" ma:_="" ma:contentTypeName="Document" ma:contentTypeID="0x0101008799F1A435591F42BCDE2557FA51CDDA" ma:contentTypeVersion="15" ma:contentTypeDescription="Create a new document." ma:contentTypeScope="" ma:versionID="baa9c65a0a545f65583643df3cf8d9f4">
   <xsd:schema xmlns:xsd="http://www.w3.org/2001/XMLSchema" xmlns:xs="http://www.w3.org/2001/XMLSchema" xmlns:p="http://schemas.microsoft.com/office/2006/metadata/properties" xmlns:ns2="f957fcc5-14ca-4ecf-9842-9f00d595875c" xmlns:ns3="e08cfc56-8307-41e5-898e-b333c51beffa" targetNamespace="http://schemas.microsoft.com/office/2006/metadata/properties" ma:root="true" ma:fieldsID="015d39312a6521742bc57e13b2dae392" ns2:_="" ns3:_="">
     <xsd:import namespace="f957fcc5-14ca-4ecf-9842-9f00d595875c"/>
@@ -12248,15 +13418,6 @@
 </ct:contentTypeSchema>
 </file>
 
-<file path=customXml/item2.xml><?xml version="1.0" encoding="utf-8"?>
-<?mso-contentType ?>
-<FormTemplates xmlns="http://schemas.microsoft.com/sharepoint/v3/contenttype/forms">
-  <Display>DocumentLibraryForm</Display>
-  <Edit>DocumentLibraryForm</Edit>
-  <New>DocumentLibraryForm</New>
-</FormTemplates>
-</file>
-
 <file path=customXml/item3.xml><?xml version="1.0" encoding="utf-8"?>
 <p:properties xmlns:p="http://schemas.microsoft.com/office/2006/metadata/properties" xmlns:xsi="http://www.w3.org/2001/XMLSchema-instance" xmlns:pc="http://schemas.microsoft.com/office/infopath/2007/PartnerControls">
   <documentManagement>
@@ -12269,6 +13430,14 @@
 </file>
 
 <file path=customXml/itemProps1.xml><?xml version="1.0" encoding="utf-8"?>
+<ds:datastoreItem xmlns:ds="http://schemas.openxmlformats.org/officeDocument/2006/customXml" ds:itemID="{AC48F4C2-72FB-464C-8474-E470A160399A}">
+  <ds:schemaRefs>
+    <ds:schemaRef ds:uri="http://schemas.microsoft.com/sharepoint/v3/contenttype/forms"/>
+  </ds:schemaRefs>
+</ds:datastoreItem>
+</file>
+
+<file path=customXml/itemProps2.xml><?xml version="1.0" encoding="utf-8"?>
 <ds:datastoreItem xmlns:ds="http://schemas.openxmlformats.org/officeDocument/2006/customXml" ds:itemID="{96F35E4A-19A6-42ED-B9B2-B9FDCAD1EAA1}">
   <ds:schemaRefs>
     <ds:schemaRef ds:uri="e08cfc56-8307-41e5-898e-b333c51beffa"/>
@@ -12283,14 +13452,6 @@
     <ds:schemaRef ds:uri="http://schemas.microsoft.com/office/infopath/2007/PartnerControls"/>
     <ds:schemaRef ds:uri="http://schemas.openxmlformats.org/package/2006/metadata/core-properties"/>
     <ds:schemaRef ds:uri="http://www.w3.org/2001/XMLSchema"/>
-  </ds:schemaRefs>
-</ds:datastoreItem>
-</file>
-
-<file path=customXml/itemProps2.xml><?xml version="1.0" encoding="utf-8"?>
-<ds:datastoreItem xmlns:ds="http://schemas.openxmlformats.org/officeDocument/2006/customXml" ds:itemID="{AC48F4C2-72FB-464C-8474-E470A160399A}">
-  <ds:schemaRefs>
-    <ds:schemaRef ds:uri="http://schemas.microsoft.com/sharepoint/v3/contenttype/forms"/>
   </ds:schemaRefs>
 </ds:datastoreItem>
 </file>

--- a/Probeklausur.pptx
+++ b/Probeklausur.pptx
@@ -5,10 +5,10 @@
     <p:sldMasterId id="2147483649" r:id="rId4"/>
   </p:sldMasterIdLst>
   <p:notesMasterIdLst>
-    <p:notesMasterId r:id="rId21"/>
+    <p:notesMasterId r:id="rId22"/>
   </p:notesMasterIdLst>
   <p:handoutMasterIdLst>
-    <p:handoutMasterId r:id="rId22"/>
+    <p:handoutMasterId r:id="rId23"/>
   </p:handoutMasterIdLst>
   <p:sldIdLst>
     <p:sldId id="1041" r:id="rId5"/>
@@ -27,6 +27,7 @@
     <p:sldId id="1057" r:id="rId18"/>
     <p:sldId id="1058" r:id="rId19"/>
     <p:sldId id="1059" r:id="rId20"/>
+    <p:sldId id="1060" r:id="rId21"/>
   </p:sldIdLst>
   <p:sldSz cx="12192000" cy="6858000"/>
   <p:notesSz cx="6858000" cy="9144000"/>
@@ -176,6 +177,7 @@
             <p14:sldId id="1057"/>
             <p14:sldId id="1058"/>
             <p14:sldId id="1059"/>
+            <p14:sldId id="1060"/>
           </p14:sldIdLst>
         </p14:section>
         <p14:section name="Standardabschnitt" id="{43259912-C5ED-4E84-8ACD-EEBCC30AE9A6}">
@@ -222,7 +224,7 @@
 <p1510:revInfo xmlns:a="http://schemas.openxmlformats.org/drawingml/2006/main" xmlns:r="http://schemas.openxmlformats.org/officeDocument/2006/relationships" xmlns:p1510="http://schemas.microsoft.com/office/powerpoint/2015/10/main">
   <p1510:revLst>
     <p1510:client id="{CDEA013C-0C4C-7CC9-3073-C215768A4D35}" v="422" dt="2026-02-08T21:59:01.042"/>
-    <p1510:client id="{CF275D93-1AF9-5CD7-90BA-CB7126BBAC7F}" v="405" dt="2026-02-08T23:32:48.353"/>
+    <p1510:client id="{CF275D93-1AF9-5CD7-90BA-CB7126BBAC7F}" v="444" dt="2026-02-08T23:43:25.877"/>
     <p1510:client id="{D9D7A87D-DE7C-D9BF-B02E-6FFACE30470C}" v="1" dt="2026-02-08T22:04:55.165"/>
   </p1510:revLst>
 </p1510:revInfo>
@@ -5935,6 +5937,1151 @@
   <p:clrMapOvr>
     <a:masterClrMapping/>
   </p:clrMapOvr>
+</p:sld>
+</file>
+
+<file path=ppt/slides/slide17.xml><?xml version="1.0" encoding="utf-8"?>
+<p:sld xmlns:a="http://schemas.openxmlformats.org/drawingml/2006/main" xmlns:r="http://schemas.openxmlformats.org/officeDocument/2006/relationships" xmlns:p="http://schemas.openxmlformats.org/presentationml/2006/main">
+  <p:cSld>
+    <p:spTree>
+      <p:nvGrpSpPr>
+        <p:cNvPr id="1" name="">
+          <a:extLst>
+            <a:ext uri="{FF2B5EF4-FFF2-40B4-BE49-F238E27FC236}">
+              <a16:creationId xmlns:a16="http://schemas.microsoft.com/office/drawing/2014/main" id="{66B59687-5460-4384-9550-05DF2AF0C081}"/>
+            </a:ext>
+          </a:extLst>
+        </p:cNvPr>
+        <p:cNvGrpSpPr/>
+        <p:nvPr/>
+      </p:nvGrpSpPr>
+      <p:grpSpPr>
+        <a:xfrm>
+          <a:off x="0" y="0"/>
+          <a:ext cx="0" cy="0"/>
+          <a:chOff x="0" y="0"/>
+          <a:chExt cx="0" cy="0"/>
+        </a:xfrm>
+      </p:grpSpPr>
+      <p:sp>
+        <p:nvSpPr>
+          <p:cNvPr id="2" name="Titel 1">
+            <a:extLst>
+              <a:ext uri="{FF2B5EF4-FFF2-40B4-BE49-F238E27FC236}">
+                <a16:creationId xmlns:a16="http://schemas.microsoft.com/office/drawing/2014/main" id="{8744CE10-4E39-D2F0-66FA-A29B94FD5130}"/>
+              </a:ext>
+            </a:extLst>
+          </p:cNvPr>
+          <p:cNvSpPr>
+            <a:spLocks noGrp="1"/>
+          </p:cNvSpPr>
+          <p:nvPr>
+            <p:ph type="title"/>
+          </p:nvPr>
+        </p:nvSpPr>
+        <p:spPr/>
+        <p:txBody>
+          <a:bodyPr/>
+          <a:lstStyle/>
+          <a:p>
+            <a:r>
+              <a:rPr lang="de-DE" dirty="0"/>
+              <a:t>Aufgabe 4.3</a:t>
+            </a:r>
+          </a:p>
+        </p:txBody>
+      </p:sp>
+      <p:sp>
+        <p:nvSpPr>
+          <p:cNvPr id="6" name="Content Placeholder 5">
+            <a:extLst>
+              <a:ext uri="{FF2B5EF4-FFF2-40B4-BE49-F238E27FC236}">
+                <a16:creationId xmlns:a16="http://schemas.microsoft.com/office/drawing/2014/main" id="{2DF0C196-0D08-E6B2-8213-2C56F168AF2A}"/>
+              </a:ext>
+            </a:extLst>
+          </p:cNvPr>
+          <p:cNvSpPr>
+            <a:spLocks noGrp="1"/>
+          </p:cNvSpPr>
+          <p:nvPr>
+            <p:ph idx="1"/>
+          </p:nvPr>
+        </p:nvSpPr>
+        <p:spPr/>
+        <p:txBody>
+          <a:bodyPr/>
+          <a:lstStyle/>
+          <a:p>
+            <a:pPr marL="0" indent="0">
+              <a:buNone/>
+            </a:pPr>
+            <a:endParaRPr lang="en-GB" dirty="0">
+              <a:cs typeface="Arial"/>
+            </a:endParaRPr>
+          </a:p>
+          <a:p>
+            <a:pPr marL="0" indent="0">
+              <a:buNone/>
+            </a:pPr>
+            <a:endParaRPr lang="en-GB" dirty="0">
+              <a:cs typeface="Arial"/>
+            </a:endParaRPr>
+          </a:p>
+          <a:p>
+            <a:pPr marL="0" indent="0">
+              <a:buNone/>
+            </a:pPr>
+            <a:endParaRPr lang="en-GB" dirty="0">
+              <a:cs typeface="Arial"/>
+            </a:endParaRPr>
+          </a:p>
+        </p:txBody>
+      </p:sp>
+      <p:sp>
+        <p:nvSpPr>
+          <p:cNvPr id="7" name="Rectangle 6">
+            <a:extLst>
+              <a:ext uri="{FF2B5EF4-FFF2-40B4-BE49-F238E27FC236}">
+                <a16:creationId xmlns:a16="http://schemas.microsoft.com/office/drawing/2014/main" id="{4FADCD99-1F1B-7E93-4C99-462A9DC46E54}"/>
+              </a:ext>
+            </a:extLst>
+          </p:cNvPr>
+          <p:cNvSpPr/>
+          <p:nvPr/>
+        </p:nvSpPr>
+        <p:spPr>
+          <a:xfrm>
+            <a:off x="4770699" y="5016660"/>
+            <a:ext cx="3865943" cy="190982"/>
+          </a:xfrm>
+          <a:prstGeom prst="rect">
+            <a:avLst/>
+          </a:prstGeom>
+          <a:solidFill>
+            <a:schemeClr val="bg1"/>
+          </a:solidFill>
+          <a:ln w="12700">
+            <a:noFill/>
+          </a:ln>
+        </p:spPr>
+        <p:style>
+          <a:lnRef idx="2">
+            <a:schemeClr val="accent1">
+              <a:shade val="50000"/>
+            </a:schemeClr>
+          </a:lnRef>
+          <a:fillRef idx="1">
+            <a:schemeClr val="accent1"/>
+          </a:fillRef>
+          <a:effectRef idx="0">
+            <a:schemeClr val="accent1"/>
+          </a:effectRef>
+          <a:fontRef idx="minor">
+            <a:schemeClr val="lt1"/>
+          </a:fontRef>
+        </p:style>
+        <p:txBody>
+          <a:bodyPr rtlCol="0" anchor="ctr"/>
+          <a:lstStyle/>
+          <a:p>
+            <a:pPr algn="ctr"/>
+            <a:endParaRPr lang="en-GB"/>
+          </a:p>
+        </p:txBody>
+      </p:sp>
+      <mc:AlternateContent xmlns:mc="http://schemas.openxmlformats.org/markup-compatibility/2006">
+        <mc:Choice xmlns:a14="http://schemas.microsoft.com/office/drawing/2010/main" Requires="a14">
+          <p:graphicFrame>
+            <p:nvGraphicFramePr>
+              <p:cNvPr id="5" name="Inhaltsplatzhalter 3">
+                <a:extLst>
+                  <a:ext uri="{FF2B5EF4-FFF2-40B4-BE49-F238E27FC236}">
+                    <a16:creationId xmlns:a16="http://schemas.microsoft.com/office/drawing/2014/main" id="{4065C672-6B47-4234-1C45-B8E3F418649C}"/>
+                  </a:ext>
+                </a:extLst>
+              </p:cNvPr>
+              <p:cNvGraphicFramePr>
+                <a:graphicFrameLocks/>
+              </p:cNvGraphicFramePr>
+              <p:nvPr>
+                <p:extLst>
+                  <p:ext uri="{D42A27DB-BD31-4B8C-83A1-F6EECF244321}">
+                    <p14:modId xmlns:p14="http://schemas.microsoft.com/office/powerpoint/2010/main" val="1092385781"/>
+                  </p:ext>
+                </p:extLst>
+              </p:nvPr>
+            </p:nvGraphicFramePr>
+            <p:xfrm>
+              <a:off x="2574764" y="1908276"/>
+              <a:ext cx="7053792" cy="2748280"/>
+            </p:xfrm>
+            <a:graphic>
+              <a:graphicData uri="http://schemas.openxmlformats.org/drawingml/2006/table">
+                <a:tbl>
+                  <a:tblPr firstRow="1" bandRow="1">
+                    <a:tableStyleId>{00A15C55-8517-42AA-B614-E9B94910E393}</a:tableStyleId>
+                  </a:tblPr>
+                  <a:tblGrid>
+                    <a:gridCol w="3526896">
+                      <a:extLst>
+                        <a:ext uri="{9D8B030D-6E8A-4147-A177-3AD203B41FA5}">
+                          <a16:colId xmlns:a16="http://schemas.microsoft.com/office/drawing/2014/main" val="1652158833"/>
+                        </a:ext>
+                      </a:extLst>
+                    </a:gridCol>
+                    <a:gridCol w="3526896">
+                      <a:extLst>
+                        <a:ext uri="{9D8B030D-6E8A-4147-A177-3AD203B41FA5}">
+                          <a16:colId xmlns:a16="http://schemas.microsoft.com/office/drawing/2014/main" val="4173493018"/>
+                        </a:ext>
+                      </a:extLst>
+                    </a:gridCol>
+                  </a:tblGrid>
+                  <a:tr h="370840">
+                    <a:tc>
+                      <a:txBody>
+                        <a:bodyPr/>
+                        <a:lstStyle/>
+                        <a:p>
+                          <a:r>
+                            <a:rPr lang="de-DE" dirty="0"/>
+                            <a:t>Größe</a:t>
+                          </a:r>
+                        </a:p>
+                      </a:txBody>
+                      <a:tcPr/>
+                    </a:tc>
+                    <a:tc>
+                      <a:txBody>
+                        <a:bodyPr/>
+                        <a:lstStyle/>
+                        <a:p>
+                          <a:r>
+                            <a:rPr lang="de-DE" dirty="0"/>
+                            <a:t>Verhalten A oder B</a:t>
+                          </a:r>
+                        </a:p>
+                      </a:txBody>
+                      <a:tcPr/>
+                    </a:tc>
+                    <a:extLst>
+                      <a:ext uri="{0D108BD9-81ED-4DB2-BD59-A6C34878D82A}">
+                        <a16:rowId xmlns:a16="http://schemas.microsoft.com/office/drawing/2014/main" val="1625499165"/>
+                      </a:ext>
+                    </a:extLst>
+                  </a:tr>
+                  <a:tr h="370840">
+                    <a:tc>
+                      <a:txBody>
+                        <a:bodyPr/>
+                        <a:lstStyle/>
+                        <a:p>
+                          <a:pPr lvl="0">
+                            <a:buNone/>
+                          </a:pPr>
+                          <a:r>
+                            <a:rPr lang="de-DE" sz="2000" dirty="0"/>
+                            <a:t>i</a:t>
+                          </a:r>
+                          <a14:m>
+                            <m:oMath xmlns:m="http://schemas.openxmlformats.org/officeDocument/2006/math">
+                              <m:sSub>
+                                <m:sSubPr>
+                                  <m:ctrlPr>
+                                    <a:rPr lang="de-DE" sz="2000" i="1" dirty="0" smtClean="0">
+                                      <a:latin typeface="Cambria Math" panose="02040503050406030204" pitchFamily="18" charset="0"/>
+                                    </a:rPr>
+                                  </m:ctrlPr>
+                                </m:sSubPr>
+                                <m:e>
+                                  <m:r>
+                                    <a:rPr lang="de-DE" b="0" i="1" smtClean="0">
+                                      <a:latin typeface="Cambria Math" panose="02040503050406030204" pitchFamily="18" charset="0"/>
+                                    </a:rPr>
+                                    <m:t>88</m:t>
+                                  </m:r>
+                                </m:e>
+                                <m:sub>
+                                  <m:r>
+                                    <a:rPr lang="de-DE" b="0" i="1" smtClean="0">
+                                      <a:latin typeface="Cambria Math" panose="02040503050406030204" pitchFamily="18" charset="0"/>
+                                    </a:rPr>
+                                    <m:t>10</m:t>
+                                  </m:r>
+                                </m:sub>
+                              </m:sSub>
+                            </m:oMath>
+                          </a14:m>
+                          <a:endParaRPr lang="de-DE" dirty="0"/>
+                        </a:p>
+                      </a:txBody>
+                      <a:tcPr/>
+                    </a:tc>
+                    <a:tc>
+                      <a:txBody>
+                        <a:bodyPr/>
+                        <a:lstStyle/>
+                        <a:p>
+                          <a:pPr/>
+                          <a:r>
+                            <a:rPr lang="de-DE" dirty="0"/>
+                            <a:t>A</a:t>
+                          </a:r>
+                          <a14:m>
+                            <m:oMath xmlns:m="http://schemas.openxmlformats.org/officeDocument/2006/math">
+                              <m:sSub>
+                                <m:sSubPr>
+                                  <m:ctrlPr>
+                                    <a:rPr lang="de-DE" i="1" dirty="0" smtClean="0">
+                                      <a:latin typeface="Cambria Math" panose="02040503050406030204" pitchFamily="18" charset="0"/>
+                                    </a:rPr>
+                                  </m:ctrlPr>
+                                </m:sSubPr>
+                                <m:e>
+                                  <m:r>
+                                    <a:rPr lang="de-DE" b="0" i="1" smtClean="0">
+                                      <a:latin typeface="Cambria Math" panose="02040503050406030204" pitchFamily="18" charset="0"/>
+                                    </a:rPr>
+                                    <m:t>88</m:t>
+                                  </m:r>
+                                </m:e>
+                                <m:sub>
+                                  <m:r>
+                                    <a:rPr lang="de-DE" b="0" i="1" smtClean="0">
+                                      <a:latin typeface="Cambria Math" panose="02040503050406030204" pitchFamily="18" charset="0"/>
+                                    </a:rPr>
+                                    <m:t>16</m:t>
+                                  </m:r>
+                                </m:sub>
+                              </m:sSub>
+                            </m:oMath>
+                          </a14:m>
+                          <a:endParaRPr lang="de-DE" dirty="0"/>
+                        </a:p>
+                      </a:txBody>
+                      <a:tcPr/>
+                    </a:tc>
+                    <a:extLst>
+                      <a:ext uri="{0D108BD9-81ED-4DB2-BD59-A6C34878D82A}">
+                        <a16:rowId xmlns:a16="http://schemas.microsoft.com/office/drawing/2014/main" val="476797659"/>
+                      </a:ext>
+                    </a:extLst>
+                  </a:tr>
+                  <a:tr h="370840">
+                    <a:tc>
+                      <a:txBody>
+                        <a:bodyPr/>
+                        <a:lstStyle/>
+                        <a:p>
+                          <a:pPr/>
+                          <a:r>
+                            <a:rPr lang="de-DE" sz="2000" dirty="0"/>
+                            <a:t>i</a:t>
+                          </a:r>
+                          <a:r>
+                            <a:rPr lang="de-DE" sz="1100" dirty="0"/>
+                            <a:t>1</a:t>
+                          </a:r>
+                          <a14:m>
+                            <m:oMath xmlns:m="http://schemas.openxmlformats.org/officeDocument/2006/math">
+                              <m:sSub>
+                                <m:sSubPr>
+                                  <m:ctrlPr>
+                                    <a:rPr lang="de-DE" sz="1100" i="1" dirty="0" smtClean="0">
+                                      <a:latin typeface="Cambria Math" panose="02040503050406030204" pitchFamily="18" charset="0"/>
+                                    </a:rPr>
+                                  </m:ctrlPr>
+                                </m:sSubPr>
+                                <m:e>
+                                  <m:r>
+                                    <a:rPr lang="de-DE" b="0" i="1" smtClean="0">
+                                      <a:latin typeface="Cambria Math" panose="02040503050406030204" pitchFamily="18" charset="0"/>
+                                    </a:rPr>
+                                    <m:t>76</m:t>
+                                  </m:r>
+                                </m:e>
+                                <m:sub>
+                                  <m:r>
+                                    <a:rPr lang="de-DE" b="0" i="1" smtClean="0">
+                                      <a:latin typeface="Cambria Math" panose="02040503050406030204" pitchFamily="18" charset="0"/>
+                                    </a:rPr>
+                                    <m:t>10</m:t>
+                                  </m:r>
+                                </m:sub>
+                              </m:sSub>
+                            </m:oMath>
+                          </a14:m>
+                          <a:endParaRPr lang="de-DE" dirty="0"/>
+                        </a:p>
+                      </a:txBody>
+                      <a:tcPr/>
+                    </a:tc>
+                    <a:tc>
+                      <a:txBody>
+                        <a:bodyPr/>
+                        <a:lstStyle/>
+                        <a:p>
+                          <a:pPr/>
+                          <a:r>
+                            <a:rPr lang="de-DE" dirty="0"/>
+                            <a:t>B</a:t>
+                          </a:r>
+                          <a14:m>
+                            <m:oMath xmlns:m="http://schemas.openxmlformats.org/officeDocument/2006/math">
+                              <m:sSub>
+                                <m:sSubPr>
+                                  <m:ctrlPr>
+                                    <a:rPr lang="de-DE" i="1" dirty="0" smtClean="0">
+                                      <a:latin typeface="Cambria Math" panose="02040503050406030204" pitchFamily="18" charset="0"/>
+                                    </a:rPr>
+                                  </m:ctrlPr>
+                                </m:sSubPr>
+                                <m:e>
+                                  <m:r>
+                                    <a:rPr lang="de-DE" b="0" i="1" smtClean="0">
+                                      <a:latin typeface="Cambria Math" panose="02040503050406030204" pitchFamily="18" charset="0"/>
+                                    </a:rPr>
+                                    <m:t>122</m:t>
+                                  </m:r>
+                                </m:e>
+                                <m:sub>
+                                  <m:r>
+                                    <a:rPr lang="de-DE" b="0" i="1" smtClean="0">
+                                      <a:latin typeface="Cambria Math" panose="02040503050406030204" pitchFamily="18" charset="0"/>
+                                    </a:rPr>
+                                    <m:t>8</m:t>
+                                  </m:r>
+                                </m:sub>
+                              </m:sSub>
+                            </m:oMath>
+                          </a14:m>
+                          <a:endParaRPr lang="de-DE" dirty="0"/>
+                        </a:p>
+                      </a:txBody>
+                      <a:tcPr/>
+                    </a:tc>
+                    <a:extLst>
+                      <a:ext uri="{0D108BD9-81ED-4DB2-BD59-A6C34878D82A}">
+                        <a16:rowId xmlns:a16="http://schemas.microsoft.com/office/drawing/2014/main" val="1703270876"/>
+                      </a:ext>
+                    </a:extLst>
+                  </a:tr>
+                  <a:tr h="370840">
+                    <a:tc>
+                      <a:txBody>
+                        <a:bodyPr/>
+                        <a:lstStyle/>
+                        <a:p>
+                          <a:pPr/>
+                          <a:r>
+                            <a:rPr lang="de-DE" sz="2000" dirty="0" err="1"/>
+                            <a:t>u</a:t>
+                          </a:r>
+                          <a:r>
+                            <a:rPr lang="de-DE" sz="1100" dirty="0" err="1"/>
+                            <a:t>L</a:t>
+                          </a:r>
+                          <a14:m>
+                            <m:oMath xmlns:m="http://schemas.openxmlformats.org/officeDocument/2006/math">
+                              <m:sSub>
+                                <m:sSubPr>
+                                  <m:ctrlPr>
+                                    <a:rPr lang="de-DE" sz="1100" i="1" dirty="0" err="1" smtClean="0">
+                                      <a:latin typeface="Cambria Math" panose="02040503050406030204" pitchFamily="18" charset="0"/>
+                                    </a:rPr>
+                                  </m:ctrlPr>
+                                </m:sSubPr>
+                                <m:e>
+                                  <m:r>
+                                    <a:rPr lang="de-DE" b="0" i="1" smtClean="0">
+                                      <a:latin typeface="Cambria Math" panose="02040503050406030204" pitchFamily="18" charset="0"/>
+                                    </a:rPr>
+                                    <m:t>𝐴𝐶</m:t>
+                                  </m:r>
+                                  <m:r>
+                                    <a:rPr lang="de-DE" b="0" i="1" smtClean="0">
+                                      <a:latin typeface="Cambria Math" panose="02040503050406030204" pitchFamily="18" charset="0"/>
+                                    </a:rPr>
+                                    <m:t>4</m:t>
+                                  </m:r>
+                                </m:e>
+                                <m:sub>
+                                  <m:r>
+                                    <a:rPr lang="de-DE" b="0" i="1" smtClean="0">
+                                      <a:latin typeface="Cambria Math" panose="02040503050406030204" pitchFamily="18" charset="0"/>
+                                    </a:rPr>
+                                    <m:t>16</m:t>
+                                  </m:r>
+                                </m:sub>
+                              </m:sSub>
+                            </m:oMath>
+                          </a14:m>
+                          <a:endParaRPr lang="de-DE" dirty="0"/>
+                        </a:p>
+                      </a:txBody>
+                      <a:tcPr/>
+                    </a:tc>
+                    <a:tc>
+                      <a:txBody>
+                        <a:bodyPr/>
+                        <a:lstStyle/>
+                        <a:p>
+                          <a:pPr/>
+                          <a:r>
+                            <a:rPr lang="de-DE" dirty="0"/>
+                            <a:t>B</a:t>
+                          </a:r>
+                          <a14:m>
+                            <m:oMath xmlns:m="http://schemas.openxmlformats.org/officeDocument/2006/math">
+                              <m:sSub>
+                                <m:sSubPr>
+                                  <m:ctrlPr>
+                                    <a:rPr lang="de-DE" i="1" dirty="0" smtClean="0">
+                                      <a:latin typeface="Cambria Math" panose="02040503050406030204" pitchFamily="18" charset="0"/>
+                                    </a:rPr>
+                                  </m:ctrlPr>
+                                </m:sSubPr>
+                                <m:e>
+                                  <m:r>
+                                    <a:rPr lang="de-DE" b="0" i="1" smtClean="0">
+                                      <a:latin typeface="Cambria Math" panose="02040503050406030204" pitchFamily="18" charset="0"/>
+                                    </a:rPr>
+                                    <m:t>101011000100</m:t>
+                                  </m:r>
+                                </m:e>
+                                <m:sub>
+                                  <m:r>
+                                    <a:rPr lang="de-DE" b="0" i="1" smtClean="0">
+                                      <a:latin typeface="Cambria Math" panose="02040503050406030204" pitchFamily="18" charset="0"/>
+                                    </a:rPr>
+                                    <m:t>2</m:t>
+                                  </m:r>
+                                </m:sub>
+                              </m:sSub>
+                            </m:oMath>
+                          </a14:m>
+                          <a:endParaRPr lang="de-DE" dirty="0"/>
+                        </a:p>
+                      </a:txBody>
+                      <a:tcPr/>
+                    </a:tc>
+                    <a:extLst>
+                      <a:ext uri="{0D108BD9-81ED-4DB2-BD59-A6C34878D82A}">
+                        <a16:rowId xmlns:a16="http://schemas.microsoft.com/office/drawing/2014/main" val="2818478599"/>
+                      </a:ext>
+                    </a:extLst>
+                  </a:tr>
+                  <a:tr h="370840">
+                    <a:tc>
+                      <a:txBody>
+                        <a:bodyPr/>
+                        <a:lstStyle/>
+                        <a:p>
+                          <a:pPr/>
+                          <a:r>
+                            <a:rPr lang="de-DE" sz="2000" dirty="0" err="1"/>
+                            <a:t>i</a:t>
+                          </a:r>
+                          <a:r>
+                            <a:rPr lang="de-DE" sz="1100" dirty="0" err="1"/>
+                            <a:t>L</a:t>
+                          </a:r>
+                          <a14:m>
+                            <m:oMath xmlns:m="http://schemas.openxmlformats.org/officeDocument/2006/math">
+                              <m:sSub>
+                                <m:sSubPr>
+                                  <m:ctrlPr>
+                                    <a:rPr lang="de-DE" sz="1100" i="1" dirty="0" err="1" smtClean="0">
+                                      <a:latin typeface="Cambria Math" panose="02040503050406030204" pitchFamily="18" charset="0"/>
+                                    </a:rPr>
+                                  </m:ctrlPr>
+                                </m:sSubPr>
+                                <m:e>
+                                  <m:r>
+                                    <a:rPr lang="de-DE" b="0" i="1" smtClean="0">
+                                      <a:latin typeface="Cambria Math" panose="02040503050406030204" pitchFamily="18" charset="0"/>
+                                    </a:rPr>
+                                    <m:t>66</m:t>
+                                  </m:r>
+                                </m:e>
+                                <m:sub>
+                                  <m:r>
+                                    <a:rPr lang="de-DE" b="0" i="1" smtClean="0">
+                                      <a:latin typeface="Cambria Math" panose="02040503050406030204" pitchFamily="18" charset="0"/>
+                                    </a:rPr>
+                                    <m:t>8</m:t>
+                                  </m:r>
+                                </m:sub>
+                              </m:sSub>
+                            </m:oMath>
+                          </a14:m>
+                          <a:endParaRPr lang="de-DE" dirty="0"/>
+                        </a:p>
+                      </a:txBody>
+                      <a:tcPr/>
+                    </a:tc>
+                    <a:tc>
+                      <a:txBody>
+                        <a:bodyPr/>
+                        <a:lstStyle/>
+                        <a:p>
+                          <a:pPr/>
+                          <a:r>
+                            <a:rPr lang="de-DE" dirty="0"/>
+                            <a:t>A</a:t>
+                          </a:r>
+                          <a14:m>
+                            <m:oMath xmlns:m="http://schemas.openxmlformats.org/officeDocument/2006/math">
+                              <m:sSub>
+                                <m:sSubPr>
+                                  <m:ctrlPr>
+                                    <a:rPr lang="de-DE" i="1" dirty="0" smtClean="0">
+                                      <a:latin typeface="Cambria Math" panose="02040503050406030204" pitchFamily="18" charset="0"/>
+                                    </a:rPr>
+                                  </m:ctrlPr>
+                                </m:sSubPr>
+                                <m:e>
+                                  <m:r>
+                                    <a:rPr lang="de-DE" b="0" i="1" smtClean="0">
+                                      <a:latin typeface="Cambria Math" panose="02040503050406030204" pitchFamily="18" charset="0"/>
+                                    </a:rPr>
+                                    <m:t>33</m:t>
+                                  </m:r>
+                                </m:e>
+                                <m:sub>
+                                  <m:r>
+                                    <a:rPr lang="de-DE" b="0" i="1" smtClean="0">
+                                      <a:latin typeface="Cambria Math" panose="02040503050406030204" pitchFamily="18" charset="0"/>
+                                    </a:rPr>
+                                    <m:t>16</m:t>
+                                  </m:r>
+                                </m:sub>
+                              </m:sSub>
+                            </m:oMath>
+                          </a14:m>
+                          <a:endParaRPr lang="de-DE" dirty="0"/>
+                        </a:p>
+                      </a:txBody>
+                      <a:tcPr/>
+                    </a:tc>
+                    <a:extLst>
+                      <a:ext uri="{0D108BD9-81ED-4DB2-BD59-A6C34878D82A}">
+                        <a16:rowId xmlns:a16="http://schemas.microsoft.com/office/drawing/2014/main" val="216001238"/>
+                      </a:ext>
+                    </a:extLst>
+                  </a:tr>
+                  <a:tr h="370839">
+                    <a:tc>
+                      <a:txBody>
+                        <a:bodyPr/>
+                        <a:lstStyle/>
+                        <a:p>
+                          <a:pPr lvl="0">
+                            <a:buNone/>
+                          </a:pPr>
+                          <a:r>
+                            <a:rPr lang="de-DE" sz="2000" dirty="0"/>
+                            <a:t>u</a:t>
+                          </a:r>
+                          <a:r>
+                            <a:rPr lang="de-DE" sz="1100" dirty="0"/>
+                            <a:t>1</a:t>
+                          </a:r>
+                        </a:p>
+                      </a:txBody>
+                      <a:tcPr/>
+                    </a:tc>
+                    <a:tc>
+                      <a:txBody>
+                        <a:bodyPr/>
+                        <a:lstStyle/>
+                        <a:p>
+                          <a:pPr lvl="0">
+                            <a:buNone/>
+                          </a:pPr>
+                          <a:r>
+                            <a:rPr lang="de-DE" dirty="0"/>
+                            <a:t>B</a:t>
+                          </a:r>
+                        </a:p>
+                      </a:txBody>
+                      <a:tcPr/>
+                    </a:tc>
+                    <a:extLst>
+                      <a:ext uri="{0D108BD9-81ED-4DB2-BD59-A6C34878D82A}">
+                        <a16:rowId xmlns:a16="http://schemas.microsoft.com/office/drawing/2014/main" val="4294844427"/>
+                      </a:ext>
+                    </a:extLst>
+                  </a:tr>
+                  <a:tr h="370838">
+                    <a:tc>
+                      <a:txBody>
+                        <a:bodyPr/>
+                        <a:lstStyle/>
+                        <a:p>
+                          <a:pPr lvl="0">
+                            <a:buNone/>
+                          </a:pPr>
+                          <a:r>
+                            <a:rPr lang="de-DE" sz="2000" dirty="0"/>
+                            <a:t>u</a:t>
+                          </a:r>
+                          <a:r>
+                            <a:rPr lang="de-DE" sz="1100" dirty="0"/>
+                            <a:t>2</a:t>
+                          </a:r>
+                        </a:p>
+                      </a:txBody>
+                      <a:tcPr/>
+                    </a:tc>
+                    <a:tc>
+                      <a:txBody>
+                        <a:bodyPr/>
+                        <a:lstStyle/>
+                        <a:p>
+                          <a:pPr lvl="0">
+                            <a:buNone/>
+                          </a:pPr>
+                          <a:r>
+                            <a:rPr lang="de-DE" dirty="0"/>
+                            <a:t>A</a:t>
+                          </a:r>
+                        </a:p>
+                      </a:txBody>
+                      <a:tcPr/>
+                    </a:tc>
+                    <a:extLst>
+                      <a:ext uri="{0D108BD9-81ED-4DB2-BD59-A6C34878D82A}">
+                        <a16:rowId xmlns:a16="http://schemas.microsoft.com/office/drawing/2014/main" val="2365580377"/>
+                      </a:ext>
+                    </a:extLst>
+                  </a:tr>
+                </a:tbl>
+              </a:graphicData>
+            </a:graphic>
+          </p:graphicFrame>
+        </mc:Choice>
+        <mc:Fallback>
+          <p:graphicFrame>
+            <p:nvGraphicFramePr>
+              <p:cNvPr id="5" name="Inhaltsplatzhalter 3">
+                <a:extLst>
+                  <a:ext uri="{FF2B5EF4-FFF2-40B4-BE49-F238E27FC236}">
+                    <a16:creationId xmlns:a16="http://schemas.microsoft.com/office/drawing/2014/main" id="{4065C672-6B47-4234-1C45-B8E3F418649C}"/>
+                  </a:ext>
+                </a:extLst>
+              </p:cNvPr>
+              <p:cNvGraphicFramePr>
+                <a:graphicFrameLocks/>
+              </p:cNvGraphicFramePr>
+              <p:nvPr>
+                <p:extLst>
+                  <p:ext uri="{D42A27DB-BD31-4B8C-83A1-F6EECF244321}">
+                    <p14:modId xmlns:p14="http://schemas.microsoft.com/office/powerpoint/2010/main" val="1092385781"/>
+                  </p:ext>
+                </p:extLst>
+              </p:nvPr>
+            </p:nvGraphicFramePr>
+            <p:xfrm>
+              <a:off x="2574764" y="1908276"/>
+              <a:ext cx="7053792" cy="2748280"/>
+            </p:xfrm>
+            <a:graphic>
+              <a:graphicData uri="http://schemas.openxmlformats.org/drawingml/2006/table">
+                <a:tbl>
+                  <a:tblPr firstRow="1" bandRow="1">
+                    <a:tableStyleId>{00A15C55-8517-42AA-B614-E9B94910E393}</a:tableStyleId>
+                  </a:tblPr>
+                  <a:tblGrid>
+                    <a:gridCol w="3526896">
+                      <a:extLst>
+                        <a:ext uri="{9D8B030D-6E8A-4147-A177-3AD203B41FA5}">
+                          <a16:colId xmlns:a16="http://schemas.microsoft.com/office/drawing/2014/main" val="1652158833"/>
+                        </a:ext>
+                      </a:extLst>
+                    </a:gridCol>
+                    <a:gridCol w="3526896">
+                      <a:extLst>
+                        <a:ext uri="{9D8B030D-6E8A-4147-A177-3AD203B41FA5}">
+                          <a16:colId xmlns:a16="http://schemas.microsoft.com/office/drawing/2014/main" val="4173493018"/>
+                        </a:ext>
+                      </a:extLst>
+                    </a:gridCol>
+                  </a:tblGrid>
+                  <a:tr h="370840">
+                    <a:tc>
+                      <a:txBody>
+                        <a:bodyPr/>
+                        <a:lstStyle/>
+                        <a:p>
+                          <a:r>
+                            <a:rPr lang="de-DE" dirty="0"/>
+                            <a:t>Größe</a:t>
+                          </a:r>
+                        </a:p>
+                      </a:txBody>
+                      <a:tcPr/>
+                    </a:tc>
+                    <a:tc>
+                      <a:txBody>
+                        <a:bodyPr/>
+                        <a:lstStyle/>
+                        <a:p>
+                          <a:r>
+                            <a:rPr lang="de-DE" dirty="0"/>
+                            <a:t>Verhalten A oder B</a:t>
+                          </a:r>
+                        </a:p>
+                      </a:txBody>
+                      <a:tcPr/>
+                    </a:tc>
+                    <a:extLst>
+                      <a:ext uri="{0D108BD9-81ED-4DB2-BD59-A6C34878D82A}">
+                        <a16:rowId xmlns:a16="http://schemas.microsoft.com/office/drawing/2014/main" val="1625499165"/>
+                      </a:ext>
+                    </a:extLst>
+                  </a:tr>
+                  <a:tr h="396240">
+                    <a:tc>
+                      <a:txBody>
+                        <a:bodyPr/>
+                        <a:lstStyle/>
+                        <a:p>
+                          <a:endParaRPr lang="en-US"/>
+                        </a:p>
+                      </a:txBody>
+                      <a:tcPr>
+                        <a:blipFill>
+                          <a:blip r:embed="rId2"/>
+                          <a:stretch>
+                            <a:fillRect l="-173" t="-101538" r="-100691" b="-529231"/>
+                          </a:stretch>
+                        </a:blipFill>
+                      </a:tcPr>
+                    </a:tc>
+                    <a:tc>
+                      <a:txBody>
+                        <a:bodyPr/>
+                        <a:lstStyle/>
+                        <a:p>
+                          <a:endParaRPr lang="en-US"/>
+                        </a:p>
+                      </a:txBody>
+                      <a:tcPr>
+                        <a:blipFill>
+                          <a:blip r:embed="rId2"/>
+                          <a:stretch>
+                            <a:fillRect l="-100173" t="-101538" r="-691" b="-529231"/>
+                          </a:stretch>
+                        </a:blipFill>
+                      </a:tcPr>
+                    </a:tc>
+                    <a:extLst>
+                      <a:ext uri="{0D108BD9-81ED-4DB2-BD59-A6C34878D82A}">
+                        <a16:rowId xmlns:a16="http://schemas.microsoft.com/office/drawing/2014/main" val="476797659"/>
+                      </a:ext>
+                    </a:extLst>
+                  </a:tr>
+                  <a:tr h="396240">
+                    <a:tc>
+                      <a:txBody>
+                        <a:bodyPr/>
+                        <a:lstStyle/>
+                        <a:p>
+                          <a:endParaRPr lang="en-US"/>
+                        </a:p>
+                      </a:txBody>
+                      <a:tcPr>
+                        <a:blipFill>
+                          <a:blip r:embed="rId2"/>
+                          <a:stretch>
+                            <a:fillRect l="-173" t="-201538" r="-100691" b="-429231"/>
+                          </a:stretch>
+                        </a:blipFill>
+                      </a:tcPr>
+                    </a:tc>
+                    <a:tc>
+                      <a:txBody>
+                        <a:bodyPr/>
+                        <a:lstStyle/>
+                        <a:p>
+                          <a:endParaRPr lang="en-US"/>
+                        </a:p>
+                      </a:txBody>
+                      <a:tcPr>
+                        <a:blipFill>
+                          <a:blip r:embed="rId2"/>
+                          <a:stretch>
+                            <a:fillRect l="-100173" t="-201538" r="-691" b="-429231"/>
+                          </a:stretch>
+                        </a:blipFill>
+                      </a:tcPr>
+                    </a:tc>
+                    <a:extLst>
+                      <a:ext uri="{0D108BD9-81ED-4DB2-BD59-A6C34878D82A}">
+                        <a16:rowId xmlns:a16="http://schemas.microsoft.com/office/drawing/2014/main" val="1703270876"/>
+                      </a:ext>
+                    </a:extLst>
+                  </a:tr>
+                  <a:tr h="396240">
+                    <a:tc>
+                      <a:txBody>
+                        <a:bodyPr/>
+                        <a:lstStyle/>
+                        <a:p>
+                          <a:endParaRPr lang="en-US"/>
+                        </a:p>
+                      </a:txBody>
+                      <a:tcPr>
+                        <a:blipFill>
+                          <a:blip r:embed="rId2"/>
+                          <a:stretch>
+                            <a:fillRect l="-173" t="-301538" r="-100691" b="-329231"/>
+                          </a:stretch>
+                        </a:blipFill>
+                      </a:tcPr>
+                    </a:tc>
+                    <a:tc>
+                      <a:txBody>
+                        <a:bodyPr/>
+                        <a:lstStyle/>
+                        <a:p>
+                          <a:endParaRPr lang="en-US"/>
+                        </a:p>
+                      </a:txBody>
+                      <a:tcPr>
+                        <a:blipFill>
+                          <a:blip r:embed="rId2"/>
+                          <a:stretch>
+                            <a:fillRect l="-100173" t="-301538" r="-691" b="-329231"/>
+                          </a:stretch>
+                        </a:blipFill>
+                      </a:tcPr>
+                    </a:tc>
+                    <a:extLst>
+                      <a:ext uri="{0D108BD9-81ED-4DB2-BD59-A6C34878D82A}">
+                        <a16:rowId xmlns:a16="http://schemas.microsoft.com/office/drawing/2014/main" val="2818478599"/>
+                      </a:ext>
+                    </a:extLst>
+                  </a:tr>
+                  <a:tr h="396240">
+                    <a:tc>
+                      <a:txBody>
+                        <a:bodyPr/>
+                        <a:lstStyle/>
+                        <a:p>
+                          <a:endParaRPr lang="en-US"/>
+                        </a:p>
+                      </a:txBody>
+                      <a:tcPr>
+                        <a:blipFill>
+                          <a:blip r:embed="rId2"/>
+                          <a:stretch>
+                            <a:fillRect l="-173" t="-401538" r="-100691" b="-229231"/>
+                          </a:stretch>
+                        </a:blipFill>
+                      </a:tcPr>
+                    </a:tc>
+                    <a:tc>
+                      <a:txBody>
+                        <a:bodyPr/>
+                        <a:lstStyle/>
+                        <a:p>
+                          <a:endParaRPr lang="en-US"/>
+                        </a:p>
+                      </a:txBody>
+                      <a:tcPr>
+                        <a:blipFill>
+                          <a:blip r:embed="rId2"/>
+                          <a:stretch>
+                            <a:fillRect l="-100173" t="-401538" r="-691" b="-229231"/>
+                          </a:stretch>
+                        </a:blipFill>
+                      </a:tcPr>
+                    </a:tc>
+                    <a:extLst>
+                      <a:ext uri="{0D108BD9-81ED-4DB2-BD59-A6C34878D82A}">
+                        <a16:rowId xmlns:a16="http://schemas.microsoft.com/office/drawing/2014/main" val="216001238"/>
+                      </a:ext>
+                    </a:extLst>
+                  </a:tr>
+                  <a:tr h="396240">
+                    <a:tc>
+                      <a:txBody>
+                        <a:bodyPr/>
+                        <a:lstStyle/>
+                        <a:p>
+                          <a:pPr lvl="0">
+                            <a:buNone/>
+                          </a:pPr>
+                          <a:r>
+                            <a:rPr lang="de-DE" sz="2000" dirty="0"/>
+                            <a:t>u</a:t>
+                          </a:r>
+                          <a:r>
+                            <a:rPr lang="de-DE" sz="1100" dirty="0"/>
+                            <a:t>1</a:t>
+                          </a:r>
+                        </a:p>
+                      </a:txBody>
+                      <a:tcPr/>
+                    </a:tc>
+                    <a:tc>
+                      <a:txBody>
+                        <a:bodyPr/>
+                        <a:lstStyle/>
+                        <a:p>
+                          <a:pPr lvl="0">
+                            <a:buNone/>
+                          </a:pPr>
+                          <a:r>
+                            <a:rPr lang="de-DE" dirty="0"/>
+                            <a:t>B</a:t>
+                          </a:r>
+                        </a:p>
+                      </a:txBody>
+                      <a:tcPr/>
+                    </a:tc>
+                    <a:extLst>
+                      <a:ext uri="{0D108BD9-81ED-4DB2-BD59-A6C34878D82A}">
+                        <a16:rowId xmlns:a16="http://schemas.microsoft.com/office/drawing/2014/main" val="4294844427"/>
+                      </a:ext>
+                    </a:extLst>
+                  </a:tr>
+                  <a:tr h="396240">
+                    <a:tc>
+                      <a:txBody>
+                        <a:bodyPr/>
+                        <a:lstStyle/>
+                        <a:p>
+                          <a:pPr lvl="0">
+                            <a:buNone/>
+                          </a:pPr>
+                          <a:r>
+                            <a:rPr lang="de-DE" sz="2000" dirty="0"/>
+                            <a:t>u</a:t>
+                          </a:r>
+                          <a:r>
+                            <a:rPr lang="de-DE" sz="1100" dirty="0"/>
+                            <a:t>2</a:t>
+                          </a:r>
+                        </a:p>
+                      </a:txBody>
+                      <a:tcPr/>
+                    </a:tc>
+                    <a:tc>
+                      <a:txBody>
+                        <a:bodyPr/>
+                        <a:lstStyle/>
+                        <a:p>
+                          <a:pPr lvl="0">
+                            <a:buNone/>
+                          </a:pPr>
+                          <a:r>
+                            <a:rPr lang="de-DE" dirty="0"/>
+                            <a:t>A</a:t>
+                          </a:r>
+                        </a:p>
+                      </a:txBody>
+                      <a:tcPr/>
+                    </a:tc>
+                    <a:extLst>
+                      <a:ext uri="{0D108BD9-81ED-4DB2-BD59-A6C34878D82A}">
+                        <a16:rowId xmlns:a16="http://schemas.microsoft.com/office/drawing/2014/main" val="2365580377"/>
+                      </a:ext>
+                    </a:extLst>
+                  </a:tr>
+                </a:tbl>
+              </a:graphicData>
+            </a:graphic>
+          </p:graphicFrame>
+        </mc:Fallback>
+      </mc:AlternateContent>
+    </p:spTree>
+    <p:extLst>
+      <p:ext uri="{BB962C8B-B14F-4D97-AF65-F5344CB8AC3E}">
+        <p14:creationId xmlns:p14="http://schemas.microsoft.com/office/powerpoint/2010/main" val="2666470350"/>
+      </p:ext>
+    </p:extLst>
+  </p:cSld>
+  <p:clrMapOvr>
+    <a:masterClrMapping/>
+  </p:clrMapOvr>
+  <p:timing>
+    <p:tnLst>
+      <p:par>
+        <p:cTn id="1" dur="indefinite" restart="never" nodeType="tmRoot">
+          <p:childTnLst>
+            <p:seq concurrent="1" nextAc="seek">
+              <p:cTn id="2" dur="indefinite" nodeType="mainSeq">
+                <p:childTnLst>
+                  <p:par>
+                    <p:cTn id="3" fill="hold">
+                      <p:stCondLst>
+                        <p:cond delay="indefinite"/>
+                      </p:stCondLst>
+                      <p:childTnLst>
+                        <p:par>
+                          <p:cTn id="4" fill="hold">
+                            <p:stCondLst>
+                              <p:cond delay="0"/>
+                            </p:stCondLst>
+                            <p:childTnLst>
+                              <p:par>
+                                <p:cTn id="5" presetID="1" presetClass="entr" presetSubtype="0" fill="hold" nodeType="clickEffect">
+                                  <p:stCondLst>
+                                    <p:cond delay="0"/>
+                                  </p:stCondLst>
+                                  <p:childTnLst>
+                                    <p:set>
+                                      <p:cBhvr>
+                                        <p:cTn id="6" dur="1" fill="hold">
+                                          <p:stCondLst>
+                                            <p:cond delay="0"/>
+                                          </p:stCondLst>
+                                        </p:cTn>
+                                        <p:tgtEl>
+                                          <p:spTgt spid="5"/>
+                                        </p:tgtEl>
+                                        <p:attrNameLst>
+                                          <p:attrName>style.visibility</p:attrName>
+                                        </p:attrNameLst>
+                                      </p:cBhvr>
+                                      <p:to>
+                                        <p:strVal val="visible"/>
+                                      </p:to>
+                                    </p:set>
+                                  </p:childTnLst>
+                                </p:cTn>
+                              </p:par>
+                            </p:childTnLst>
+                          </p:cTn>
+                        </p:par>
+                      </p:childTnLst>
+                    </p:cTn>
+                  </p:par>
+                </p:childTnLst>
+              </p:cTn>
+              <p:prevCondLst>
+                <p:cond evt="onPrev" delay="0">
+                  <p:tgtEl>
+                    <p:sldTgt/>
+                  </p:tgtEl>
+                </p:cond>
+              </p:prevCondLst>
+              <p:nextCondLst>
+                <p:cond evt="onNext" delay="0">
+                  <p:tgtEl>
+                    <p:sldTgt/>
+                  </p:tgtEl>
+                </p:cond>
+              </p:nextCondLst>
+            </p:seq>
+          </p:childTnLst>
+        </p:cTn>
+      </p:par>
+    </p:tnLst>
+  </p:timing>
 </p:sld>
 </file>
 

--- a/Probeklausur.pptx
+++ b/Probeklausur.pptx
@@ -5,10 +5,10 @@
     <p:sldMasterId id="2147483649" r:id="rId4"/>
   </p:sldMasterIdLst>
   <p:notesMasterIdLst>
-    <p:notesMasterId r:id="rId22"/>
+    <p:notesMasterId r:id="rId24"/>
   </p:notesMasterIdLst>
   <p:handoutMasterIdLst>
-    <p:handoutMasterId r:id="rId23"/>
+    <p:handoutMasterId r:id="rId25"/>
   </p:handoutMasterIdLst>
   <p:sldIdLst>
     <p:sldId id="1041" r:id="rId5"/>
@@ -28,6 +28,8 @@
     <p:sldId id="1058" r:id="rId19"/>
     <p:sldId id="1059" r:id="rId20"/>
     <p:sldId id="1060" r:id="rId21"/>
+    <p:sldId id="1061" r:id="rId22"/>
+    <p:sldId id="1062" r:id="rId23"/>
   </p:sldIdLst>
   <p:sldSz cx="12192000" cy="6858000"/>
   <p:notesSz cx="6858000" cy="9144000"/>
@@ -178,6 +180,8 @@
             <p14:sldId id="1058"/>
             <p14:sldId id="1059"/>
             <p14:sldId id="1060"/>
+            <p14:sldId id="1061"/>
+            <p14:sldId id="1062"/>
           </p14:sldIdLst>
         </p14:section>
         <p14:section name="Standardabschnitt" id="{43259912-C5ED-4E84-8ACD-EEBCC30AE9A6}">
@@ -224,7 +228,7 @@
 <p1510:revInfo xmlns:a="http://schemas.openxmlformats.org/drawingml/2006/main" xmlns:r="http://schemas.openxmlformats.org/officeDocument/2006/relationships" xmlns:p1510="http://schemas.microsoft.com/office/powerpoint/2015/10/main">
   <p1510:revLst>
     <p1510:client id="{CDEA013C-0C4C-7CC9-3073-C215768A4D35}" v="422" dt="2026-02-08T21:59:01.042"/>
-    <p1510:client id="{CF275D93-1AF9-5CD7-90BA-CB7126BBAC7F}" v="444" dt="2026-02-08T23:43:25.877"/>
+    <p1510:client id="{CF275D93-1AF9-5CD7-90BA-CB7126BBAC7F}" v="773" dt="2026-02-09T09:59:10.721"/>
     <p1510:client id="{D9D7A87D-DE7C-D9BF-B02E-6FFACE30470C}" v="1" dt="2026-02-08T22:04:55.165"/>
   </p1510:revLst>
 </p1510:revInfo>
@@ -1021,7 +1025,7 @@
             <a:fld id="{30B1EE28-4F67-4416-A18C-74FB63371EF5}" type="datetime1">
               <a:rPr lang="de-DE"/>
               <a:pPr/>
-              <a:t>08.02.2026</a:t>
+              <a:t>09.02.2026</a:t>
             </a:fld>
             <a:r>
               <a:rPr lang="de-DE"/>
@@ -6089,8 +6093,8 @@
           </a:p>
         </p:txBody>
       </p:sp>
-      <mc:AlternateContent xmlns:mc="http://schemas.openxmlformats.org/markup-compatibility/2006">
-        <mc:Choice xmlns:a14="http://schemas.microsoft.com/office/drawing/2010/main" Requires="a14">
+      <mc:AlternateContent xmlns:mc="http://schemas.openxmlformats.org/markup-compatibility/2006" xmlns:a14="http://schemas.microsoft.com/office/drawing/2010/main">
+        <mc:Choice Requires="a14">
           <p:graphicFrame>
             <p:nvGraphicFramePr>
               <p:cNvPr id="5" name="Inhaltsplatzhalter 3">
@@ -6222,7 +6226,6 @@
                         <a:bodyPr/>
                         <a:lstStyle/>
                         <a:p>
-                          <a:pPr/>
                           <a:r>
                             <a:rPr lang="de-DE" dirty="0"/>
                             <a:t>A</a:t>
@@ -6273,7 +6276,6 @@
                         <a:bodyPr/>
                         <a:lstStyle/>
                         <a:p>
-                          <a:pPr/>
                           <a:r>
                             <a:rPr lang="de-DE" sz="2000" dirty="0"/>
                             <a:t>i</a:t>
@@ -6321,7 +6323,6 @@
                         <a:bodyPr/>
                         <a:lstStyle/>
                         <a:p>
-                          <a:pPr/>
                           <a:r>
                             <a:rPr lang="de-DE" dirty="0"/>
                             <a:t>B</a:t>
@@ -6372,7 +6373,6 @@
                         <a:bodyPr/>
                         <a:lstStyle/>
                         <a:p>
-                          <a:pPr/>
                           <a:r>
                             <a:rPr lang="de-DE" sz="2000" dirty="0" err="1"/>
                             <a:t>u</a:t>
@@ -6426,7 +6426,6 @@
                         <a:bodyPr/>
                         <a:lstStyle/>
                         <a:p>
-                          <a:pPr/>
                           <a:r>
                             <a:rPr lang="de-DE" dirty="0"/>
                             <a:t>B</a:t>
@@ -6477,7 +6476,6 @@
                         <a:bodyPr/>
                         <a:lstStyle/>
                         <a:p>
-                          <a:pPr/>
                           <a:r>
                             <a:rPr lang="de-DE" sz="2000" dirty="0" err="1"/>
                             <a:t>i</a:t>
@@ -6525,7 +6523,6 @@
                         <a:bodyPr/>
                         <a:lstStyle/>
                         <a:p>
-                          <a:pPr/>
                           <a:r>
                             <a:rPr lang="de-DE" dirty="0"/>
                             <a:t>A</a:t>
@@ -6661,7 +6658,7 @@
             </a:graphic>
           </p:graphicFrame>
         </mc:Choice>
-        <mc:Fallback>
+        <mc:Fallback xmlns="">
           <p:graphicFrame>
             <p:nvGraphicFramePr>
               <p:cNvPr id="5" name="Inhaltsplatzhalter 3">
@@ -7082,6 +7079,2089 @@
       </p:par>
     </p:tnLst>
   </p:timing>
+</p:sld>
+</file>
+
+<file path=ppt/slides/slide18.xml><?xml version="1.0" encoding="utf-8"?>
+<p:sld xmlns:a="http://schemas.openxmlformats.org/drawingml/2006/main" xmlns:r="http://schemas.openxmlformats.org/officeDocument/2006/relationships" xmlns:p="http://schemas.openxmlformats.org/presentationml/2006/main">
+  <p:cSld>
+    <p:spTree>
+      <p:nvGrpSpPr>
+        <p:cNvPr id="1" name="">
+          <a:extLst>
+            <a:ext uri="{FF2B5EF4-FFF2-40B4-BE49-F238E27FC236}">
+              <a16:creationId xmlns:a16="http://schemas.microsoft.com/office/drawing/2014/main" id="{4914D45B-C504-0453-945E-CE4933B668E0}"/>
+            </a:ext>
+          </a:extLst>
+        </p:cNvPr>
+        <p:cNvGrpSpPr/>
+        <p:nvPr/>
+      </p:nvGrpSpPr>
+      <p:grpSpPr>
+        <a:xfrm>
+          <a:off x="0" y="0"/>
+          <a:ext cx="0" cy="0"/>
+          <a:chOff x="0" y="0"/>
+          <a:chExt cx="0" cy="0"/>
+        </a:xfrm>
+      </p:grpSpPr>
+      <p:sp>
+        <p:nvSpPr>
+          <p:cNvPr id="2" name="Titel 1">
+            <a:extLst>
+              <a:ext uri="{FF2B5EF4-FFF2-40B4-BE49-F238E27FC236}">
+                <a16:creationId xmlns:a16="http://schemas.microsoft.com/office/drawing/2014/main" id="{7C8DD80C-4601-6D09-8BE0-BB9C4C1485FE}"/>
+              </a:ext>
+            </a:extLst>
+          </p:cNvPr>
+          <p:cNvSpPr>
+            <a:spLocks noGrp="1"/>
+          </p:cNvSpPr>
+          <p:nvPr>
+            <p:ph type="title"/>
+          </p:nvPr>
+        </p:nvSpPr>
+        <p:spPr/>
+        <p:txBody>
+          <a:bodyPr/>
+          <a:lstStyle/>
+          <a:p>
+            <a:r>
+              <a:rPr lang="de-DE" dirty="0"/>
+              <a:t>Aufgabe 5.1</a:t>
+            </a:r>
+          </a:p>
+        </p:txBody>
+      </p:sp>
+      <p:sp>
+        <p:nvSpPr>
+          <p:cNvPr id="6" name="Content Placeholder 5">
+            <a:extLst>
+              <a:ext uri="{FF2B5EF4-FFF2-40B4-BE49-F238E27FC236}">
+                <a16:creationId xmlns:a16="http://schemas.microsoft.com/office/drawing/2014/main" id="{72134EE9-B2BA-7DB2-7FDF-19C1B2518313}"/>
+              </a:ext>
+            </a:extLst>
+          </p:cNvPr>
+          <p:cNvSpPr>
+            <a:spLocks noGrp="1"/>
+          </p:cNvSpPr>
+          <p:nvPr>
+            <p:ph idx="1"/>
+          </p:nvPr>
+        </p:nvSpPr>
+        <p:spPr/>
+        <p:txBody>
+          <a:bodyPr/>
+          <a:lstStyle/>
+          <a:p>
+            <a:pPr marL="0" indent="0">
+              <a:buNone/>
+            </a:pPr>
+            <a:endParaRPr lang="en-GB" dirty="0">
+              <a:cs typeface="Arial"/>
+            </a:endParaRPr>
+          </a:p>
+          <a:p>
+            <a:pPr marL="0" indent="0">
+              <a:buNone/>
+            </a:pPr>
+            <a:endParaRPr lang="en-GB" dirty="0">
+              <a:cs typeface="Arial"/>
+            </a:endParaRPr>
+          </a:p>
+          <a:p>
+            <a:pPr marL="0" indent="0">
+              <a:buNone/>
+            </a:pPr>
+            <a:endParaRPr lang="en-GB" dirty="0">
+              <a:cs typeface="Arial"/>
+            </a:endParaRPr>
+          </a:p>
+        </p:txBody>
+      </p:sp>
+      <p:sp>
+        <p:nvSpPr>
+          <p:cNvPr id="7" name="Rectangle 6">
+            <a:extLst>
+              <a:ext uri="{FF2B5EF4-FFF2-40B4-BE49-F238E27FC236}">
+                <a16:creationId xmlns:a16="http://schemas.microsoft.com/office/drawing/2014/main" id="{451B61B2-EF98-0CC3-6506-4CCE4C63CC8C}"/>
+              </a:ext>
+            </a:extLst>
+          </p:cNvPr>
+          <p:cNvSpPr/>
+          <p:nvPr/>
+        </p:nvSpPr>
+        <p:spPr>
+          <a:xfrm>
+            <a:off x="4770699" y="5016660"/>
+            <a:ext cx="3865943" cy="190982"/>
+          </a:xfrm>
+          <a:prstGeom prst="rect">
+            <a:avLst/>
+          </a:prstGeom>
+          <a:solidFill>
+            <a:schemeClr val="bg1"/>
+          </a:solidFill>
+          <a:ln w="12700">
+            <a:noFill/>
+          </a:ln>
+        </p:spPr>
+        <p:style>
+          <a:lnRef idx="2">
+            <a:schemeClr val="accent1">
+              <a:shade val="50000"/>
+            </a:schemeClr>
+          </a:lnRef>
+          <a:fillRef idx="1">
+            <a:schemeClr val="accent1"/>
+          </a:fillRef>
+          <a:effectRef idx="0">
+            <a:schemeClr val="accent1"/>
+          </a:effectRef>
+          <a:fontRef idx="minor">
+            <a:schemeClr val="lt1"/>
+          </a:fontRef>
+        </p:style>
+        <p:txBody>
+          <a:bodyPr rtlCol="0" anchor="ctr"/>
+          <a:lstStyle/>
+          <a:p>
+            <a:pPr algn="ctr"/>
+            <a:endParaRPr lang="en-GB"/>
+          </a:p>
+        </p:txBody>
+      </p:sp>
+      <mc:AlternateContent xmlns:mc="http://schemas.openxmlformats.org/markup-compatibility/2006" xmlns:a14="http://schemas.microsoft.com/office/drawing/2010/main">
+        <mc:Choice Requires="a14">
+          <p:graphicFrame>
+            <p:nvGraphicFramePr>
+              <p:cNvPr id="5" name="Inhaltsplatzhalter 3">
+                <a:extLst>
+                  <a:ext uri="{FF2B5EF4-FFF2-40B4-BE49-F238E27FC236}">
+                    <a16:creationId xmlns:a16="http://schemas.microsoft.com/office/drawing/2014/main" id="{1ABF4556-9B27-183D-CCBA-1BED8863B509}"/>
+                  </a:ext>
+                </a:extLst>
+              </p:cNvPr>
+              <p:cNvGraphicFramePr>
+                <a:graphicFrameLocks/>
+              </p:cNvGraphicFramePr>
+              <p:nvPr>
+                <p:extLst>
+                  <p:ext uri="{D42A27DB-BD31-4B8C-83A1-F6EECF244321}">
+                    <p14:modId xmlns:p14="http://schemas.microsoft.com/office/powerpoint/2010/main" val="3963067783"/>
+                  </p:ext>
+                </p:extLst>
+              </p:nvPr>
+            </p:nvGraphicFramePr>
+            <p:xfrm>
+              <a:off x="2121423" y="2438783"/>
+              <a:ext cx="3009415" cy="2185544"/>
+            </p:xfrm>
+            <a:graphic>
+              <a:graphicData uri="http://schemas.openxmlformats.org/drawingml/2006/table">
+                <a:tbl>
+                  <a:tblPr firstRow="1" bandRow="1">
+                    <a:tableStyleId>{00A15C55-8517-42AA-B614-E9B94910E393}</a:tableStyleId>
+                  </a:tblPr>
+                  <a:tblGrid>
+                    <a:gridCol w="925974">
+                      <a:extLst>
+                        <a:ext uri="{9D8B030D-6E8A-4147-A177-3AD203B41FA5}">
+                          <a16:colId xmlns:a16="http://schemas.microsoft.com/office/drawing/2014/main" val="1652158833"/>
+                        </a:ext>
+                      </a:extLst>
+                    </a:gridCol>
+                    <a:gridCol w="974201">
+                      <a:extLst>
+                        <a:ext uri="{9D8B030D-6E8A-4147-A177-3AD203B41FA5}">
+                          <a16:colId xmlns:a16="http://schemas.microsoft.com/office/drawing/2014/main" val="4173493018"/>
+                        </a:ext>
+                      </a:extLst>
+                    </a:gridCol>
+                    <a:gridCol w="1109240">
+                      <a:extLst>
+                        <a:ext uri="{9D8B030D-6E8A-4147-A177-3AD203B41FA5}">
+                          <a16:colId xmlns:a16="http://schemas.microsoft.com/office/drawing/2014/main" val="3919896541"/>
+                        </a:ext>
+                      </a:extLst>
+                    </a:gridCol>
+                  </a:tblGrid>
+                  <a:tr h="370840">
+                    <a:tc>
+                      <a:txBody>
+                        <a:bodyPr/>
+                        <a:lstStyle/>
+                        <a:p>
+                          <a:r>
+                            <a:rPr lang="de-DE" dirty="0"/>
+                            <a:t>a</a:t>
+                          </a:r>
+                        </a:p>
+                      </a:txBody>
+                      <a:tcPr/>
+                    </a:tc>
+                    <a:tc>
+                      <a:txBody>
+                        <a:bodyPr/>
+                        <a:lstStyle/>
+                        <a:p>
+                          <a:r>
+                            <a:rPr lang="de-DE" dirty="0"/>
+                            <a:t>b</a:t>
+                          </a:r>
+                        </a:p>
+                      </a:txBody>
+                      <a:tcPr/>
+                    </a:tc>
+                    <a:tc>
+                      <a:txBody>
+                        <a:bodyPr/>
+                        <a:lstStyle/>
+                        <a:p>
+                          <a:pPr lvl="0">
+                            <a:buNone/>
+                          </a:pPr>
+                          <a:r>
+                            <a:rPr lang="de-DE" dirty="0"/>
+                            <a:t>f</a:t>
+                          </a:r>
+                        </a:p>
+                      </a:txBody>
+                      <a:tcPr/>
+                    </a:tc>
+                    <a:extLst>
+                      <a:ext uri="{0D108BD9-81ED-4DB2-BD59-A6C34878D82A}">
+                        <a16:rowId xmlns:a16="http://schemas.microsoft.com/office/drawing/2014/main" val="1625499165"/>
+                      </a:ext>
+                    </a:extLst>
+                  </a:tr>
+                  <a:tr h="370840">
+                    <a:tc>
+                      <a:txBody>
+                        <a:bodyPr/>
+                        <a:lstStyle/>
+                        <a:p>
+                          <a:pPr lvl="0">
+                            <a:buNone/>
+                          </a:pPr>
+                          <a:r>
+                            <a:rPr lang="de-DE" sz="2000" dirty="0"/>
+                            <a:t>0</a:t>
+                          </a:r>
+                          <a14:m>
+                            <m:oMath xmlns:m="http://schemas.openxmlformats.org/officeDocument/2006/math">
+                              <m:sSub>
+                                <m:sSubPr>
+                                  <m:ctrlPr>
+                                    <a:rPr lang="de-DE" sz="2000" i="1" dirty="0" smtClean="0">
+                                      <a:latin typeface="Cambria Math" panose="02040503050406030204" pitchFamily="18" charset="0"/>
+                                    </a:rPr>
+                                  </m:ctrlPr>
+                                </m:sSubPr>
+                                <m:e>
+                                  <m:r>
+                                    <a:rPr lang="de-DE" b="0" i="1" smtClean="0">
+                                      <a:latin typeface="Cambria Math" panose="02040503050406030204" pitchFamily="18" charset="0"/>
+                                    </a:rPr>
+                                    <m:t>88</m:t>
+                                  </m:r>
+                                </m:e>
+                                <m:sub>
+                                  <m:r>
+                                    <a:rPr lang="de-DE" b="0" i="1" smtClean="0">
+                                      <a:latin typeface="Cambria Math" panose="02040503050406030204" pitchFamily="18" charset="0"/>
+                                    </a:rPr>
+                                    <m:t>10</m:t>
+                                  </m:r>
+                                </m:sub>
+                              </m:sSub>
+                            </m:oMath>
+                          </a14:m>
+                          <a:endParaRPr lang="de-DE" dirty="0"/>
+                        </a:p>
+                      </a:txBody>
+                      <a:tcPr/>
+                    </a:tc>
+                    <a:tc>
+                      <a:txBody>
+                        <a:bodyPr/>
+                        <a:lstStyle/>
+                        <a:p>
+                          <a:r>
+                            <a:rPr lang="de-DE" dirty="0"/>
+                            <a:t>0</a:t>
+                          </a:r>
+                          <a14:m>
+                            <m:oMath xmlns:m="http://schemas.openxmlformats.org/officeDocument/2006/math">
+                              <m:sSub>
+                                <m:sSubPr>
+                                  <m:ctrlPr>
+                                    <a:rPr lang="de-DE" i="1" dirty="0" smtClean="0">
+                                      <a:latin typeface="Cambria Math" panose="02040503050406030204" pitchFamily="18" charset="0"/>
+                                    </a:rPr>
+                                  </m:ctrlPr>
+                                </m:sSubPr>
+                                <m:e>
+                                  <m:r>
+                                    <a:rPr lang="de-DE" b="0" i="1" smtClean="0">
+                                      <a:latin typeface="Cambria Math" panose="02040503050406030204" pitchFamily="18" charset="0"/>
+                                    </a:rPr>
+                                    <m:t>88</m:t>
+                                  </m:r>
+                                </m:e>
+                                <m:sub>
+                                  <m:r>
+                                    <a:rPr lang="de-DE" b="0" i="1" smtClean="0">
+                                      <a:latin typeface="Cambria Math" panose="02040503050406030204" pitchFamily="18" charset="0"/>
+                                    </a:rPr>
+                                    <m:t>16</m:t>
+                                  </m:r>
+                                </m:sub>
+                              </m:sSub>
+                            </m:oMath>
+                          </a14:m>
+                          <a:endParaRPr lang="de-DE" dirty="0"/>
+                        </a:p>
+                      </a:txBody>
+                      <a:tcPr/>
+                    </a:tc>
+                    <a:tc>
+                      <a:txBody>
+                        <a:bodyPr/>
+                        <a:lstStyle/>
+                        <a:p>
+                          <a:pPr lvl="0">
+                            <a:buNone/>
+                          </a:pPr>
+                          <a:r>
+                            <a:rPr lang="de-DE" dirty="0"/>
+                            <a:t>0</a:t>
+                          </a:r>
+                        </a:p>
+                      </a:txBody>
+                      <a:tcPr/>
+                    </a:tc>
+                    <a:extLst>
+                      <a:ext uri="{0D108BD9-81ED-4DB2-BD59-A6C34878D82A}">
+                        <a16:rowId xmlns:a16="http://schemas.microsoft.com/office/drawing/2014/main" val="476797659"/>
+                      </a:ext>
+                    </a:extLst>
+                  </a:tr>
+                  <a:tr h="370840">
+                    <a:tc>
+                      <a:txBody>
+                        <a:bodyPr/>
+                        <a:lstStyle/>
+                        <a:p>
+                          <a:r>
+                            <a:rPr lang="de-DE" dirty="0"/>
+                            <a:t>0</a:t>
+                          </a:r>
+                          <a14:m>
+                            <m:oMath xmlns:m="http://schemas.openxmlformats.org/officeDocument/2006/math">
+                              <m:sSub>
+                                <m:sSubPr>
+                                  <m:ctrlPr>
+                                    <a:rPr lang="de-DE" sz="2000" i="1" dirty="0" smtClean="0">
+                                      <a:latin typeface="Cambria Math" panose="02040503050406030204" pitchFamily="18" charset="0"/>
+                                    </a:rPr>
+                                  </m:ctrlPr>
+                                </m:sSubPr>
+                                <m:e>
+                                  <m:r>
+                                    <a:rPr lang="de-DE" b="0" i="1" smtClean="0">
+                                      <a:latin typeface="Cambria Math" panose="02040503050406030204" pitchFamily="18" charset="0"/>
+                                    </a:rPr>
+                                    <m:t>76</m:t>
+                                  </m:r>
+                                </m:e>
+                                <m:sub>
+                                  <m:r>
+                                    <a:rPr lang="de-DE" b="0" i="1" smtClean="0">
+                                      <a:latin typeface="Cambria Math" panose="02040503050406030204" pitchFamily="18" charset="0"/>
+                                    </a:rPr>
+                                    <m:t>10</m:t>
+                                  </m:r>
+                                </m:sub>
+                              </m:sSub>
+                            </m:oMath>
+                          </a14:m>
+                          <a:endParaRPr lang="de-DE" dirty="0"/>
+                        </a:p>
+                      </a:txBody>
+                      <a:tcPr/>
+                    </a:tc>
+                    <a:tc>
+                      <a:txBody>
+                        <a:bodyPr/>
+                        <a:lstStyle/>
+                        <a:p>
+                          <a:r>
+                            <a:rPr lang="de-DE" dirty="0"/>
+                            <a:t>1</a:t>
+                          </a:r>
+                          <a14:m>
+                            <m:oMath xmlns:m="http://schemas.openxmlformats.org/officeDocument/2006/math">
+                              <m:sSub>
+                                <m:sSubPr>
+                                  <m:ctrlPr>
+                                    <a:rPr lang="de-DE" i="1" dirty="0" smtClean="0">
+                                      <a:latin typeface="Cambria Math" panose="02040503050406030204" pitchFamily="18" charset="0"/>
+                                    </a:rPr>
+                                  </m:ctrlPr>
+                                </m:sSubPr>
+                                <m:e>
+                                  <m:r>
+                                    <a:rPr lang="de-DE" b="0" i="1" smtClean="0">
+                                      <a:latin typeface="Cambria Math" panose="02040503050406030204" pitchFamily="18" charset="0"/>
+                                    </a:rPr>
+                                    <m:t>122</m:t>
+                                  </m:r>
+                                </m:e>
+                                <m:sub>
+                                  <m:r>
+                                    <a:rPr lang="de-DE" b="0" i="1" smtClean="0">
+                                      <a:latin typeface="Cambria Math" panose="02040503050406030204" pitchFamily="18" charset="0"/>
+                                    </a:rPr>
+                                    <m:t>8</m:t>
+                                  </m:r>
+                                </m:sub>
+                              </m:sSub>
+                            </m:oMath>
+                          </a14:m>
+                          <a:endParaRPr lang="de-DE" dirty="0"/>
+                        </a:p>
+                      </a:txBody>
+                      <a:tcPr/>
+                    </a:tc>
+                    <a:tc>
+                      <a:txBody>
+                        <a:bodyPr/>
+                        <a:lstStyle/>
+                        <a:p>
+                          <a:pPr lvl="0">
+                            <a:buNone/>
+                          </a:pPr>
+                          <a:r>
+                            <a:rPr lang="de-DE" dirty="0"/>
+                            <a:t>1</a:t>
+                          </a:r>
+                        </a:p>
+                      </a:txBody>
+                      <a:tcPr/>
+                    </a:tc>
+                    <a:extLst>
+                      <a:ext uri="{0D108BD9-81ED-4DB2-BD59-A6C34878D82A}">
+                        <a16:rowId xmlns:a16="http://schemas.microsoft.com/office/drawing/2014/main" val="1703270876"/>
+                      </a:ext>
+                    </a:extLst>
+                  </a:tr>
+                  <a:tr h="370840">
+                    <a:tc>
+                      <a:txBody>
+                        <a:bodyPr/>
+                        <a:lstStyle/>
+                        <a:p>
+                          <a:r>
+                            <a:rPr lang="de-DE" dirty="0"/>
+                            <a:t>1</a:t>
+                          </a:r>
+                          <a14:m>
+                            <m:oMath xmlns:m="http://schemas.openxmlformats.org/officeDocument/2006/math">
+                              <m:sSub>
+                                <m:sSubPr>
+                                  <m:ctrlPr>
+                                    <a:rPr lang="de-DE" sz="2000" i="1" dirty="0" err="1" smtClean="0">
+                                      <a:latin typeface="Cambria Math" panose="02040503050406030204" pitchFamily="18" charset="0"/>
+                                    </a:rPr>
+                                  </m:ctrlPr>
+                                </m:sSubPr>
+                                <m:e>
+                                  <m:r>
+                                    <a:rPr lang="de-DE" b="0" i="1" smtClean="0">
+                                      <a:latin typeface="Cambria Math" panose="02040503050406030204" pitchFamily="18" charset="0"/>
+                                    </a:rPr>
+                                    <m:t>𝐴𝐶</m:t>
+                                  </m:r>
+                                  <m:r>
+                                    <a:rPr lang="de-DE" b="0" i="1" smtClean="0">
+                                      <a:latin typeface="Cambria Math" panose="02040503050406030204" pitchFamily="18" charset="0"/>
+                                    </a:rPr>
+                                    <m:t>4</m:t>
+                                  </m:r>
+                                </m:e>
+                                <m:sub>
+                                  <m:r>
+                                    <a:rPr lang="de-DE" b="0" i="1" smtClean="0">
+                                      <a:latin typeface="Cambria Math" panose="02040503050406030204" pitchFamily="18" charset="0"/>
+                                    </a:rPr>
+                                    <m:t>16</m:t>
+                                  </m:r>
+                                </m:sub>
+                              </m:sSub>
+                            </m:oMath>
+                          </a14:m>
+                          <a:endParaRPr lang="de-DE" dirty="0"/>
+                        </a:p>
+                      </a:txBody>
+                      <a:tcPr/>
+                    </a:tc>
+                    <a:tc>
+                      <a:txBody>
+                        <a:bodyPr/>
+                        <a:lstStyle/>
+                        <a:p>
+                          <a:r>
+                            <a:rPr lang="de-DE" dirty="0"/>
+                            <a:t>0</a:t>
+                          </a:r>
+                          <a14:m>
+                            <m:oMath xmlns:m="http://schemas.openxmlformats.org/officeDocument/2006/math">
+                              <m:sSub>
+                                <m:sSubPr>
+                                  <m:ctrlPr>
+                                    <a:rPr lang="de-DE" i="1" dirty="0" smtClean="0">
+                                      <a:latin typeface="Cambria Math" panose="02040503050406030204" pitchFamily="18" charset="0"/>
+                                    </a:rPr>
+                                  </m:ctrlPr>
+                                </m:sSubPr>
+                                <m:e>
+                                  <m:r>
+                                    <a:rPr lang="de-DE" b="0" i="1" smtClean="0">
+                                      <a:latin typeface="Cambria Math" panose="02040503050406030204" pitchFamily="18" charset="0"/>
+                                    </a:rPr>
+                                    <m:t>101011000100</m:t>
+                                  </m:r>
+                                </m:e>
+                                <m:sub>
+                                  <m:r>
+                                    <a:rPr lang="de-DE" b="0" i="1" smtClean="0">
+                                      <a:latin typeface="Cambria Math" panose="02040503050406030204" pitchFamily="18" charset="0"/>
+                                    </a:rPr>
+                                    <m:t>2</m:t>
+                                  </m:r>
+                                </m:sub>
+                              </m:sSub>
+                            </m:oMath>
+                          </a14:m>
+                          <a:endParaRPr lang="de-DE" dirty="0"/>
+                        </a:p>
+                      </a:txBody>
+                      <a:tcPr/>
+                    </a:tc>
+                    <a:tc>
+                      <a:txBody>
+                        <a:bodyPr/>
+                        <a:lstStyle/>
+                        <a:p>
+                          <a:pPr lvl="0">
+                            <a:buNone/>
+                          </a:pPr>
+                          <a:r>
+                            <a:rPr lang="de-DE" dirty="0"/>
+                            <a:t>0</a:t>
+                          </a:r>
+                        </a:p>
+                      </a:txBody>
+                      <a:tcPr/>
+                    </a:tc>
+                    <a:extLst>
+                      <a:ext uri="{0D108BD9-81ED-4DB2-BD59-A6C34878D82A}">
+                        <a16:rowId xmlns:a16="http://schemas.microsoft.com/office/drawing/2014/main" val="2818478599"/>
+                      </a:ext>
+                    </a:extLst>
+                  </a:tr>
+                  <a:tr h="370840">
+                    <a:tc>
+                      <a:txBody>
+                        <a:bodyPr/>
+                        <a:lstStyle/>
+                        <a:p>
+                          <a:r>
+                            <a:rPr lang="de-DE" dirty="0"/>
+                            <a:t>1</a:t>
+                          </a:r>
+                          <a14:m>
+                            <m:oMath xmlns:m="http://schemas.openxmlformats.org/officeDocument/2006/math">
+                              <m:sSub>
+                                <m:sSubPr>
+                                  <m:ctrlPr>
+                                    <a:rPr lang="de-DE" sz="2000" i="1" dirty="0" err="1" smtClean="0">
+                                      <a:latin typeface="Cambria Math" panose="02040503050406030204" pitchFamily="18" charset="0"/>
+                                    </a:rPr>
+                                  </m:ctrlPr>
+                                </m:sSubPr>
+                                <m:e>
+                                  <m:r>
+                                    <a:rPr lang="de-DE" b="0" i="1" smtClean="0">
+                                      <a:latin typeface="Cambria Math" panose="02040503050406030204" pitchFamily="18" charset="0"/>
+                                    </a:rPr>
+                                    <m:t>66</m:t>
+                                  </m:r>
+                                </m:e>
+                                <m:sub>
+                                  <m:r>
+                                    <a:rPr lang="de-DE" b="0" i="1" smtClean="0">
+                                      <a:latin typeface="Cambria Math" panose="02040503050406030204" pitchFamily="18" charset="0"/>
+                                    </a:rPr>
+                                    <m:t>8</m:t>
+                                  </m:r>
+                                </m:sub>
+                              </m:sSub>
+                            </m:oMath>
+                          </a14:m>
+                          <a:endParaRPr lang="de-DE" dirty="0"/>
+                        </a:p>
+                      </a:txBody>
+                      <a:tcPr/>
+                    </a:tc>
+                    <a:tc>
+                      <a:txBody>
+                        <a:bodyPr/>
+                        <a:lstStyle/>
+                        <a:p>
+                          <a:r>
+                            <a:rPr lang="de-DE" dirty="0"/>
+                            <a:t>1</a:t>
+                          </a:r>
+                          <a14:m>
+                            <m:oMath xmlns:m="http://schemas.openxmlformats.org/officeDocument/2006/math">
+                              <m:sSub>
+                                <m:sSubPr>
+                                  <m:ctrlPr>
+                                    <a:rPr lang="de-DE" i="1" dirty="0" smtClean="0">
+                                      <a:latin typeface="Cambria Math" panose="02040503050406030204" pitchFamily="18" charset="0"/>
+                                    </a:rPr>
+                                  </m:ctrlPr>
+                                </m:sSubPr>
+                                <m:e>
+                                  <m:r>
+                                    <a:rPr lang="de-DE" b="0" i="1" smtClean="0">
+                                      <a:latin typeface="Cambria Math" panose="02040503050406030204" pitchFamily="18" charset="0"/>
+                                    </a:rPr>
+                                    <m:t>33</m:t>
+                                  </m:r>
+                                </m:e>
+                                <m:sub>
+                                  <m:r>
+                                    <a:rPr lang="de-DE" b="0" i="1" smtClean="0">
+                                      <a:latin typeface="Cambria Math" panose="02040503050406030204" pitchFamily="18" charset="0"/>
+                                    </a:rPr>
+                                    <m:t>16</m:t>
+                                  </m:r>
+                                </m:sub>
+                              </m:sSub>
+                            </m:oMath>
+                          </a14:m>
+                          <a:endParaRPr lang="de-DE" dirty="0"/>
+                        </a:p>
+                      </a:txBody>
+                      <a:tcPr/>
+                    </a:tc>
+                    <a:tc>
+                      <a:txBody>
+                        <a:bodyPr/>
+                        <a:lstStyle/>
+                        <a:p>
+                          <a:pPr lvl="0">
+                            <a:buNone/>
+                          </a:pPr>
+                          <a:r>
+                            <a:rPr lang="de-DE" dirty="0"/>
+                            <a:t>0</a:t>
+                          </a:r>
+                        </a:p>
+                      </a:txBody>
+                      <a:tcPr/>
+                    </a:tc>
+                    <a:extLst>
+                      <a:ext uri="{0D108BD9-81ED-4DB2-BD59-A6C34878D82A}">
+                        <a16:rowId xmlns:a16="http://schemas.microsoft.com/office/drawing/2014/main" val="216001238"/>
+                      </a:ext>
+                    </a:extLst>
+                  </a:tr>
+                </a:tbl>
+              </a:graphicData>
+            </a:graphic>
+          </p:graphicFrame>
+        </mc:Choice>
+        <mc:Fallback xmlns="">
+          <p:graphicFrame>
+            <p:nvGraphicFramePr>
+              <p:cNvPr id="5" name="Inhaltsplatzhalter 3">
+                <a:extLst>
+                  <a:ext uri="{FF2B5EF4-FFF2-40B4-BE49-F238E27FC236}">
+                    <a16:creationId xmlns:a16="http://schemas.microsoft.com/office/drawing/2014/main" id="{1ABF4556-9B27-183D-CCBA-1BED8863B509}"/>
+                  </a:ext>
+                </a:extLst>
+              </p:cNvPr>
+              <p:cNvGraphicFramePr>
+                <a:graphicFrameLocks/>
+              </p:cNvGraphicFramePr>
+              <p:nvPr>
+                <p:extLst>
+                  <p:ext uri="{D42A27DB-BD31-4B8C-83A1-F6EECF244321}">
+                    <p14:modId xmlns:p14="http://schemas.microsoft.com/office/powerpoint/2010/main" val="3963067783"/>
+                  </p:ext>
+                </p:extLst>
+              </p:nvPr>
+            </p:nvGraphicFramePr>
+            <p:xfrm>
+              <a:off x="2121423" y="2438783"/>
+              <a:ext cx="3009415" cy="2185544"/>
+            </p:xfrm>
+            <a:graphic>
+              <a:graphicData uri="http://schemas.openxmlformats.org/drawingml/2006/table">
+                <a:tbl>
+                  <a:tblPr firstRow="1" bandRow="1">
+                    <a:tableStyleId>{00A15C55-8517-42AA-B614-E9B94910E393}</a:tableStyleId>
+                  </a:tblPr>
+                  <a:tblGrid>
+                    <a:gridCol w="925974">
+                      <a:extLst>
+                        <a:ext uri="{9D8B030D-6E8A-4147-A177-3AD203B41FA5}">
+                          <a16:colId xmlns:a16="http://schemas.microsoft.com/office/drawing/2014/main" val="1652158833"/>
+                        </a:ext>
+                      </a:extLst>
+                    </a:gridCol>
+                    <a:gridCol w="974201">
+                      <a:extLst>
+                        <a:ext uri="{9D8B030D-6E8A-4147-A177-3AD203B41FA5}">
+                          <a16:colId xmlns:a16="http://schemas.microsoft.com/office/drawing/2014/main" val="4173493018"/>
+                        </a:ext>
+                      </a:extLst>
+                    </a:gridCol>
+                    <a:gridCol w="1109240">
+                      <a:extLst>
+                        <a:ext uri="{9D8B030D-6E8A-4147-A177-3AD203B41FA5}">
+                          <a16:colId xmlns:a16="http://schemas.microsoft.com/office/drawing/2014/main" val="3919896541"/>
+                        </a:ext>
+                      </a:extLst>
+                    </a:gridCol>
+                  </a:tblGrid>
+                  <a:tr h="370840">
+                    <a:tc>
+                      <a:txBody>
+                        <a:bodyPr/>
+                        <a:lstStyle/>
+                        <a:p>
+                          <a:r>
+                            <a:rPr lang="de-DE" dirty="0"/>
+                            <a:t>a</a:t>
+                          </a:r>
+                        </a:p>
+                      </a:txBody>
+                      <a:tcPr/>
+                    </a:tc>
+                    <a:tc>
+                      <a:txBody>
+                        <a:bodyPr/>
+                        <a:lstStyle/>
+                        <a:p>
+                          <a:r>
+                            <a:rPr lang="de-DE" dirty="0"/>
+                            <a:t>b</a:t>
+                          </a:r>
+                        </a:p>
+                      </a:txBody>
+                      <a:tcPr/>
+                    </a:tc>
+                    <a:tc>
+                      <a:txBody>
+                        <a:bodyPr/>
+                        <a:lstStyle/>
+                        <a:p>
+                          <a:pPr lvl="0">
+                            <a:buNone/>
+                          </a:pPr>
+                          <a:r>
+                            <a:rPr lang="de-DE" dirty="0"/>
+                            <a:t>f</a:t>
+                          </a:r>
+                        </a:p>
+                      </a:txBody>
+                      <a:tcPr/>
+                    </a:tc>
+                    <a:extLst>
+                      <a:ext uri="{0D108BD9-81ED-4DB2-BD59-A6C34878D82A}">
+                        <a16:rowId xmlns:a16="http://schemas.microsoft.com/office/drawing/2014/main" val="1625499165"/>
+                      </a:ext>
+                    </a:extLst>
+                  </a:tr>
+                  <a:tr h="396240">
+                    <a:tc>
+                      <a:txBody>
+                        <a:bodyPr/>
+                        <a:lstStyle/>
+                        <a:p>
+                          <a:endParaRPr lang="en-US"/>
+                        </a:p>
+                      </a:txBody>
+                      <a:tcPr>
+                        <a:blipFill>
+                          <a:blip r:embed="rId2"/>
+                          <a:stretch>
+                            <a:fillRect l="-1316" t="-101538" r="-227632" b="-383077"/>
+                          </a:stretch>
+                        </a:blipFill>
+                      </a:tcPr>
+                    </a:tc>
+                    <a:tc>
+                      <a:txBody>
+                        <a:bodyPr/>
+                        <a:lstStyle/>
+                        <a:p>
+                          <a:endParaRPr lang="en-US"/>
+                        </a:p>
+                      </a:txBody>
+                      <a:tcPr>
+                        <a:blipFill>
+                          <a:blip r:embed="rId2"/>
+                          <a:stretch>
+                            <a:fillRect l="-96250" t="-101538" r="-116250" b="-383077"/>
+                          </a:stretch>
+                        </a:blipFill>
+                      </a:tcPr>
+                    </a:tc>
+                    <a:tc>
+                      <a:txBody>
+                        <a:bodyPr/>
+                        <a:lstStyle/>
+                        <a:p>
+                          <a:pPr lvl="0">
+                            <a:buNone/>
+                          </a:pPr>
+                          <a:r>
+                            <a:rPr lang="de-DE" dirty="0"/>
+                            <a:t>0</a:t>
+                          </a:r>
+                        </a:p>
+                      </a:txBody>
+                      <a:tcPr/>
+                    </a:tc>
+                    <a:extLst>
+                      <a:ext uri="{0D108BD9-81ED-4DB2-BD59-A6C34878D82A}">
+                        <a16:rowId xmlns:a16="http://schemas.microsoft.com/office/drawing/2014/main" val="476797659"/>
+                      </a:ext>
+                    </a:extLst>
+                  </a:tr>
+                  <a:tr h="389192">
+                    <a:tc>
+                      <a:txBody>
+                        <a:bodyPr/>
+                        <a:lstStyle/>
+                        <a:p>
+                          <a:endParaRPr lang="en-US"/>
+                        </a:p>
+                      </a:txBody>
+                      <a:tcPr>
+                        <a:blipFill>
+                          <a:blip r:embed="rId2"/>
+                          <a:stretch>
+                            <a:fillRect l="-1316" t="-204688" r="-227632" b="-289063"/>
+                          </a:stretch>
+                        </a:blipFill>
+                      </a:tcPr>
+                    </a:tc>
+                    <a:tc>
+                      <a:txBody>
+                        <a:bodyPr/>
+                        <a:lstStyle/>
+                        <a:p>
+                          <a:endParaRPr lang="en-US"/>
+                        </a:p>
+                      </a:txBody>
+                      <a:tcPr>
+                        <a:blipFill>
+                          <a:blip r:embed="rId2"/>
+                          <a:stretch>
+                            <a:fillRect l="-96250" t="-204688" r="-116250" b="-289063"/>
+                          </a:stretch>
+                        </a:blipFill>
+                      </a:tcPr>
+                    </a:tc>
+                    <a:tc>
+                      <a:txBody>
+                        <a:bodyPr/>
+                        <a:lstStyle/>
+                        <a:p>
+                          <a:pPr lvl="0">
+                            <a:buNone/>
+                          </a:pPr>
+                          <a:r>
+                            <a:rPr lang="de-DE" dirty="0"/>
+                            <a:t>1</a:t>
+                          </a:r>
+                        </a:p>
+                      </a:txBody>
+                      <a:tcPr/>
+                    </a:tc>
+                    <a:extLst>
+                      <a:ext uri="{0D108BD9-81ED-4DB2-BD59-A6C34878D82A}">
+                        <a16:rowId xmlns:a16="http://schemas.microsoft.com/office/drawing/2014/main" val="1703270876"/>
+                      </a:ext>
+                    </a:extLst>
+                  </a:tr>
+                  <a:tr h="640080">
+                    <a:tc>
+                      <a:txBody>
+                        <a:bodyPr/>
+                        <a:lstStyle/>
+                        <a:p>
+                          <a:endParaRPr lang="en-US"/>
+                        </a:p>
+                      </a:txBody>
+                      <a:tcPr>
+                        <a:blipFill>
+                          <a:blip r:embed="rId2"/>
+                          <a:stretch>
+                            <a:fillRect l="-1316" t="-185714" r="-227632" b="-76190"/>
+                          </a:stretch>
+                        </a:blipFill>
+                      </a:tcPr>
+                    </a:tc>
+                    <a:tc>
+                      <a:txBody>
+                        <a:bodyPr/>
+                        <a:lstStyle/>
+                        <a:p>
+                          <a:endParaRPr lang="en-US"/>
+                        </a:p>
+                      </a:txBody>
+                      <a:tcPr>
+                        <a:blipFill>
+                          <a:blip r:embed="rId2"/>
+                          <a:stretch>
+                            <a:fillRect l="-96250" t="-185714" r="-116250" b="-76190"/>
+                          </a:stretch>
+                        </a:blipFill>
+                      </a:tcPr>
+                    </a:tc>
+                    <a:tc>
+                      <a:txBody>
+                        <a:bodyPr/>
+                        <a:lstStyle/>
+                        <a:p>
+                          <a:pPr lvl="0">
+                            <a:buNone/>
+                          </a:pPr>
+                          <a:r>
+                            <a:rPr lang="de-DE" dirty="0"/>
+                            <a:t>0</a:t>
+                          </a:r>
+                        </a:p>
+                      </a:txBody>
+                      <a:tcPr/>
+                    </a:tc>
+                    <a:extLst>
+                      <a:ext uri="{0D108BD9-81ED-4DB2-BD59-A6C34878D82A}">
+                        <a16:rowId xmlns:a16="http://schemas.microsoft.com/office/drawing/2014/main" val="2818478599"/>
+                      </a:ext>
+                    </a:extLst>
+                  </a:tr>
+                  <a:tr h="389192">
+                    <a:tc>
+                      <a:txBody>
+                        <a:bodyPr/>
+                        <a:lstStyle/>
+                        <a:p>
+                          <a:endParaRPr lang="en-US"/>
+                        </a:p>
+                      </a:txBody>
+                      <a:tcPr>
+                        <a:blipFill>
+                          <a:blip r:embed="rId2"/>
+                          <a:stretch>
+                            <a:fillRect l="-1316" t="-468750" r="-227632" b="-25000"/>
+                          </a:stretch>
+                        </a:blipFill>
+                      </a:tcPr>
+                    </a:tc>
+                    <a:tc>
+                      <a:txBody>
+                        <a:bodyPr/>
+                        <a:lstStyle/>
+                        <a:p>
+                          <a:endParaRPr lang="en-US"/>
+                        </a:p>
+                      </a:txBody>
+                      <a:tcPr>
+                        <a:blipFill>
+                          <a:blip r:embed="rId2"/>
+                          <a:stretch>
+                            <a:fillRect l="-96250" t="-468750" r="-116250" b="-25000"/>
+                          </a:stretch>
+                        </a:blipFill>
+                      </a:tcPr>
+                    </a:tc>
+                    <a:tc>
+                      <a:txBody>
+                        <a:bodyPr/>
+                        <a:lstStyle/>
+                        <a:p>
+                          <a:pPr lvl="0">
+                            <a:buNone/>
+                          </a:pPr>
+                          <a:r>
+                            <a:rPr lang="de-DE" dirty="0"/>
+                            <a:t>0</a:t>
+                          </a:r>
+                        </a:p>
+                      </a:txBody>
+                      <a:tcPr/>
+                    </a:tc>
+                    <a:extLst>
+                      <a:ext uri="{0D108BD9-81ED-4DB2-BD59-A6C34878D82A}">
+                        <a16:rowId xmlns:a16="http://schemas.microsoft.com/office/drawing/2014/main" val="216001238"/>
+                      </a:ext>
+                    </a:extLst>
+                  </a:tr>
+                </a:tbl>
+              </a:graphicData>
+            </a:graphic>
+          </p:graphicFrame>
+        </mc:Fallback>
+      </mc:AlternateContent>
+      <p:sp>
+        <p:nvSpPr>
+          <p:cNvPr id="4" name="Content Placeholder 5">
+            <a:extLst>
+              <a:ext uri="{FF2B5EF4-FFF2-40B4-BE49-F238E27FC236}">
+                <a16:creationId xmlns:a16="http://schemas.microsoft.com/office/drawing/2014/main" id="{17B8576D-3F6E-9269-1C5C-769B7A9B0A61}"/>
+              </a:ext>
+            </a:extLst>
+          </p:cNvPr>
+          <p:cNvSpPr txBox="1">
+            <a:spLocks/>
+          </p:cNvSpPr>
+          <p:nvPr/>
+        </p:nvSpPr>
+        <p:spPr bwMode="auto">
+          <a:xfrm>
+            <a:off x="962400" y="1771310"/>
+            <a:ext cx="10580400" cy="4352925"/>
+          </a:xfrm>
+          <a:prstGeom prst="rect">
+            <a:avLst/>
+          </a:prstGeom>
+          <a:noFill/>
+          <a:ln w="9525">
+            <a:noFill/>
+            <a:miter lim="800000"/>
+            <a:headEnd/>
+            <a:tailEnd/>
+          </a:ln>
+          <a:effectLst/>
+        </p:spPr>
+        <p:txBody>
+          <a:bodyPr vert="horz" wrap="square" lIns="0" tIns="0" rIns="0" bIns="0" numCol="1" anchor="t" anchorCtr="0" compatLnSpc="1">
+            <a:prstTxWarp prst="textNoShape">
+              <a:avLst/>
+            </a:prstTxWarp>
+            <a:normAutofit/>
+          </a:bodyPr>
+          <a:lstStyle>
+            <a:lvl1pPr marL="180975" indent="-180975" algn="l" rtl="0" eaLnBrk="1" fontAlgn="base" hangingPunct="1">
+              <a:lnSpc>
+                <a:spcPct val="110000"/>
+              </a:lnSpc>
+              <a:spcBef>
+                <a:spcPct val="0"/>
+              </a:spcBef>
+              <a:spcAft>
+                <a:spcPct val="0"/>
+              </a:spcAft>
+              <a:buClr>
+                <a:schemeClr val="tx1"/>
+              </a:buClr>
+              <a:buChar char="•"/>
+              <a:defRPr sz="2000">
+                <a:solidFill>
+                  <a:schemeClr val="tx1"/>
+                </a:solidFill>
+                <a:latin typeface="+mn-lt"/>
+                <a:ea typeface="+mn-ea"/>
+                <a:cs typeface="+mn-cs"/>
+              </a:defRPr>
+            </a:lvl1pPr>
+            <a:lvl2pPr marL="541338" indent="-180975" algn="l" rtl="0" eaLnBrk="1" fontAlgn="base" hangingPunct="1">
+              <a:lnSpc>
+                <a:spcPct val="110000"/>
+              </a:lnSpc>
+              <a:spcBef>
+                <a:spcPct val="0"/>
+              </a:spcBef>
+              <a:spcAft>
+                <a:spcPct val="0"/>
+              </a:spcAft>
+              <a:buClr>
+                <a:schemeClr val="tx1"/>
+              </a:buClr>
+              <a:buSzPct val="80000"/>
+              <a:buChar char="-"/>
+              <a:defRPr sz="2000">
+                <a:solidFill>
+                  <a:schemeClr val="tx1"/>
+                </a:solidFill>
+                <a:latin typeface="+mn-lt"/>
+              </a:defRPr>
+            </a:lvl2pPr>
+            <a:lvl3pPr marL="895350" indent="-174625" algn="l" rtl="0" eaLnBrk="1" fontAlgn="base" hangingPunct="1">
+              <a:lnSpc>
+                <a:spcPct val="110000"/>
+              </a:lnSpc>
+              <a:spcBef>
+                <a:spcPct val="0"/>
+              </a:spcBef>
+              <a:spcAft>
+                <a:spcPct val="0"/>
+              </a:spcAft>
+              <a:buClr>
+                <a:schemeClr val="tx1"/>
+              </a:buClr>
+              <a:buFont typeface="Wingdings" pitchFamily="2" charset="2"/>
+              <a:buChar char="§"/>
+              <a:defRPr sz="1600">
+                <a:solidFill>
+                  <a:schemeClr val="tx1"/>
+                </a:solidFill>
+                <a:latin typeface="+mn-lt"/>
+              </a:defRPr>
+            </a:lvl3pPr>
+            <a:lvl4pPr marL="1260475" indent="-185738" algn="l" rtl="0" eaLnBrk="1" fontAlgn="base" hangingPunct="1">
+              <a:lnSpc>
+                <a:spcPct val="110000"/>
+              </a:lnSpc>
+              <a:spcBef>
+                <a:spcPct val="0"/>
+              </a:spcBef>
+              <a:spcAft>
+                <a:spcPct val="0"/>
+              </a:spcAft>
+              <a:buClr>
+                <a:schemeClr val="tx1"/>
+              </a:buClr>
+              <a:buChar char="•"/>
+              <a:defRPr sz="1400">
+                <a:solidFill>
+                  <a:schemeClr val="tx1"/>
+                </a:solidFill>
+                <a:latin typeface="+mn-lt"/>
+              </a:defRPr>
+            </a:lvl4pPr>
+            <a:lvl5pPr marL="0" indent="0" algn="l" rtl="0" eaLnBrk="1" fontAlgn="base" hangingPunct="1">
+              <a:lnSpc>
+                <a:spcPct val="110000"/>
+              </a:lnSpc>
+              <a:spcBef>
+                <a:spcPts val="300"/>
+              </a:spcBef>
+              <a:spcAft>
+                <a:spcPts val="300"/>
+              </a:spcAft>
+              <a:buClr>
+                <a:schemeClr val="tx1"/>
+              </a:buClr>
+              <a:buFontTx/>
+              <a:buNone/>
+              <a:tabLst>
+                <a:tab pos="5292000" algn="ctr"/>
+                <a:tab pos="10512000" algn="r"/>
+              </a:tabLst>
+              <a:defRPr sz="2000">
+                <a:solidFill>
+                  <a:schemeClr val="tx1"/>
+                </a:solidFill>
+                <a:latin typeface="+mn-lt"/>
+              </a:defRPr>
+            </a:lvl5pPr>
+            <a:lvl6pPr marL="2079625" indent="-182563" algn="l" rtl="0" eaLnBrk="1" fontAlgn="base" hangingPunct="1">
+              <a:lnSpc>
+                <a:spcPct val="110000"/>
+              </a:lnSpc>
+              <a:spcBef>
+                <a:spcPct val="0"/>
+              </a:spcBef>
+              <a:spcAft>
+                <a:spcPct val="0"/>
+              </a:spcAft>
+              <a:buChar char="-"/>
+              <a:defRPr sz="1200">
+                <a:solidFill>
+                  <a:schemeClr val="tx1"/>
+                </a:solidFill>
+                <a:latin typeface="+mn-lt"/>
+              </a:defRPr>
+            </a:lvl6pPr>
+            <a:lvl7pPr marL="2536825" indent="-182563" algn="l" rtl="0" eaLnBrk="1" fontAlgn="base" hangingPunct="1">
+              <a:lnSpc>
+                <a:spcPct val="110000"/>
+              </a:lnSpc>
+              <a:spcBef>
+                <a:spcPct val="0"/>
+              </a:spcBef>
+              <a:spcAft>
+                <a:spcPct val="0"/>
+              </a:spcAft>
+              <a:buChar char="-"/>
+              <a:defRPr sz="1200">
+                <a:solidFill>
+                  <a:schemeClr val="tx1"/>
+                </a:solidFill>
+                <a:latin typeface="+mn-lt"/>
+              </a:defRPr>
+            </a:lvl7pPr>
+            <a:lvl8pPr marL="2994025" indent="-182563" algn="l" rtl="0" eaLnBrk="1" fontAlgn="base" hangingPunct="1">
+              <a:lnSpc>
+                <a:spcPct val="110000"/>
+              </a:lnSpc>
+              <a:spcBef>
+                <a:spcPct val="0"/>
+              </a:spcBef>
+              <a:spcAft>
+                <a:spcPct val="0"/>
+              </a:spcAft>
+              <a:buChar char="-"/>
+              <a:defRPr sz="1200">
+                <a:solidFill>
+                  <a:schemeClr val="tx1"/>
+                </a:solidFill>
+                <a:latin typeface="+mn-lt"/>
+              </a:defRPr>
+            </a:lvl8pPr>
+            <a:lvl9pPr marL="3451225" indent="-182563" algn="l" rtl="0" eaLnBrk="1" fontAlgn="base" hangingPunct="1">
+              <a:lnSpc>
+                <a:spcPct val="110000"/>
+              </a:lnSpc>
+              <a:spcBef>
+                <a:spcPct val="0"/>
+              </a:spcBef>
+              <a:spcAft>
+                <a:spcPct val="0"/>
+              </a:spcAft>
+              <a:buChar char="-"/>
+              <a:defRPr sz="1200">
+                <a:solidFill>
+                  <a:schemeClr val="tx1"/>
+                </a:solidFill>
+                <a:latin typeface="+mn-lt"/>
+              </a:defRPr>
+            </a:lvl9pPr>
+          </a:lstStyle>
+          <a:p>
+            <a:pPr marL="0" indent="0">
+              <a:buNone/>
+            </a:pPr>
+            <a:r>
+              <a:rPr lang="en-GB" kern="0" dirty="0">
+                <a:cs typeface="Arial"/>
+              </a:rPr>
+              <a:t>a) CMOS, da die </a:t>
+            </a:r>
+            <a:r>
+              <a:rPr lang="en-GB" kern="0" dirty="0" err="1">
+                <a:cs typeface="Arial"/>
+              </a:rPr>
+              <a:t>Schaltung</a:t>
+            </a:r>
+            <a:r>
+              <a:rPr lang="en-GB" kern="0" dirty="0">
+                <a:cs typeface="Arial"/>
+              </a:rPr>
+              <a:t> </a:t>
+            </a:r>
+            <a:r>
+              <a:rPr lang="en-GB" kern="0" dirty="0" err="1">
+                <a:cs typeface="Arial"/>
+              </a:rPr>
+              <a:t>aus</a:t>
+            </a:r>
+            <a:r>
+              <a:rPr lang="en-GB" kern="0" dirty="0">
+                <a:cs typeface="Arial"/>
+              </a:rPr>
+              <a:t> PMOS und NMOS </a:t>
+            </a:r>
+            <a:r>
+              <a:rPr lang="en-GB" kern="0" dirty="0" err="1">
+                <a:cs typeface="Arial"/>
+              </a:rPr>
+              <a:t>besteht</a:t>
+            </a:r>
+          </a:p>
+          <a:p>
+            <a:pPr marL="0" indent="0">
+              <a:buFontTx/>
+              <a:buNone/>
+            </a:pPr>
+            <a:endParaRPr lang="en-GB" kern="0" dirty="0">
+              <a:cs typeface="Arial"/>
+            </a:endParaRPr>
+          </a:p>
+          <a:p>
+            <a:pPr marL="0" indent="0">
+              <a:buFontTx/>
+              <a:buNone/>
+            </a:pPr>
+            <a:r>
+              <a:rPr lang="en-GB" kern="0" dirty="0">
+                <a:cs typeface="Arial"/>
+              </a:rPr>
+              <a:t>b)</a:t>
+            </a:r>
+          </a:p>
+          <a:p>
+            <a:pPr marL="0" indent="0">
+              <a:buNone/>
+            </a:pPr>
+            <a:endParaRPr lang="en-GB" kern="0" dirty="0">
+              <a:cs typeface="Arial"/>
+            </a:endParaRPr>
+          </a:p>
+          <a:p>
+            <a:pPr marL="0" indent="0">
+              <a:buNone/>
+            </a:pPr>
+            <a:endParaRPr lang="en-GB" kern="0" dirty="0">
+              <a:cs typeface="Arial"/>
+            </a:endParaRPr>
+          </a:p>
+          <a:p>
+            <a:pPr marL="0" indent="0">
+              <a:buNone/>
+            </a:pPr>
+            <a:endParaRPr lang="en-GB" kern="0" dirty="0">
+              <a:cs typeface="Arial"/>
+            </a:endParaRPr>
+          </a:p>
+          <a:p>
+            <a:pPr marL="0" indent="0">
+              <a:buNone/>
+            </a:pPr>
+            <a:endParaRPr lang="en-GB" kern="0" dirty="0">
+              <a:cs typeface="Arial"/>
+            </a:endParaRPr>
+          </a:p>
+          <a:p>
+            <a:pPr marL="0" indent="0">
+              <a:buNone/>
+            </a:pPr>
+            <a:endParaRPr lang="en-GB" kern="0" dirty="0">
+              <a:cs typeface="Arial"/>
+            </a:endParaRPr>
+          </a:p>
+          <a:p>
+            <a:pPr marL="0" indent="0">
+              <a:buNone/>
+            </a:pPr>
+            <a:endParaRPr lang="en-GB" kern="0" dirty="0">
+              <a:cs typeface="Arial"/>
+            </a:endParaRPr>
+          </a:p>
+          <a:p>
+            <a:pPr marL="0" indent="0">
+              <a:buNone/>
+            </a:pPr>
+            <a:endParaRPr lang="en-GB" kern="0" dirty="0">
+              <a:cs typeface="Arial"/>
+            </a:endParaRPr>
+          </a:p>
+          <a:p>
+            <a:pPr marL="0" indent="0">
+              <a:buNone/>
+            </a:pPr>
+            <a:endParaRPr lang="en-GB" kern="0" dirty="0">
+              <a:cs typeface="Arial"/>
+            </a:endParaRPr>
+          </a:p>
+        </p:txBody>
+      </p:sp>
+      <p:pic>
+        <p:nvPicPr>
+          <p:cNvPr id="8" name="Picture 7">
+            <a:extLst>
+              <a:ext uri="{FF2B5EF4-FFF2-40B4-BE49-F238E27FC236}">
+                <a16:creationId xmlns:a16="http://schemas.microsoft.com/office/drawing/2014/main" id="{119FA2A9-6B99-4BE1-C7ED-0D5639B8A77D}"/>
+              </a:ext>
+            </a:extLst>
+          </p:cNvPr>
+          <p:cNvPicPr>
+            <a:picLocks noChangeAspect="1"/>
+          </p:cNvPicPr>
+          <p:nvPr/>
+        </p:nvPicPr>
+        <p:blipFill>
+          <a:blip r:embed="rId3"/>
+          <a:srcRect t="764" r="-752" b="11667"/>
+          <a:stretch>
+            <a:fillRect/>
+          </a:stretch>
+        </p:blipFill>
+        <p:spPr>
+          <a:xfrm>
+            <a:off x="5983568" y="2438783"/>
+            <a:ext cx="1295543" cy="508799"/>
+          </a:xfrm>
+          <a:prstGeom prst="rect">
+            <a:avLst/>
+          </a:prstGeom>
+        </p:spPr>
+      </p:pic>
+    </p:spTree>
+    <p:extLst>
+      <p:ext uri="{BB962C8B-B14F-4D97-AF65-F5344CB8AC3E}">
+        <p14:creationId xmlns:p14="http://schemas.microsoft.com/office/powerpoint/2010/main" val="3703356725"/>
+      </p:ext>
+    </p:extLst>
+  </p:cSld>
+  <p:clrMapOvr>
+    <a:masterClrMapping/>
+  </p:clrMapOvr>
+  <p:timing>
+    <p:tnLst>
+      <p:par>
+        <p:cTn id="1" dur="indefinite" restart="never" nodeType="tmRoot">
+          <p:childTnLst>
+            <p:seq concurrent="1" nextAc="seek">
+              <p:cTn id="2" dur="indefinite" nodeType="mainSeq">
+                <p:childTnLst>
+                  <p:par>
+                    <p:cTn id="3" fill="hold">
+                      <p:stCondLst>
+                        <p:cond delay="indefinite"/>
+                      </p:stCondLst>
+                      <p:childTnLst>
+                        <p:par>
+                          <p:cTn id="4" fill="hold">
+                            <p:stCondLst>
+                              <p:cond delay="0"/>
+                            </p:stCondLst>
+                            <p:childTnLst>
+                              <p:par>
+                                <p:cTn id="5" presetID="1" presetClass="entr" presetSubtype="0" fill="hold" nodeType="clickEffect">
+                                  <p:stCondLst>
+                                    <p:cond delay="0"/>
+                                  </p:stCondLst>
+                                  <p:childTnLst>
+                                    <p:set>
+                                      <p:cBhvr>
+                                        <p:cTn id="6" dur="1" fill="hold">
+                                          <p:stCondLst>
+                                            <p:cond delay="0"/>
+                                          </p:stCondLst>
+                                        </p:cTn>
+                                        <p:tgtEl>
+                                          <p:spTgt spid="5"/>
+                                        </p:tgtEl>
+                                        <p:attrNameLst>
+                                          <p:attrName>style.visibility</p:attrName>
+                                        </p:attrNameLst>
+                                      </p:cBhvr>
+                                      <p:to>
+                                        <p:strVal val="visible"/>
+                                      </p:to>
+                                    </p:set>
+                                  </p:childTnLst>
+                                </p:cTn>
+                              </p:par>
+                            </p:childTnLst>
+                          </p:cTn>
+                        </p:par>
+                      </p:childTnLst>
+                    </p:cTn>
+                  </p:par>
+                </p:childTnLst>
+              </p:cTn>
+              <p:prevCondLst>
+                <p:cond evt="onPrev" delay="0">
+                  <p:tgtEl>
+                    <p:sldTgt/>
+                  </p:tgtEl>
+                </p:cond>
+              </p:prevCondLst>
+              <p:nextCondLst>
+                <p:cond evt="onNext" delay="0">
+                  <p:tgtEl>
+                    <p:sldTgt/>
+                  </p:tgtEl>
+                </p:cond>
+              </p:nextCondLst>
+            </p:seq>
+          </p:childTnLst>
+        </p:cTn>
+      </p:par>
+    </p:tnLst>
+  </p:timing>
+</p:sld>
+</file>
+
+<file path=ppt/slides/slide19.xml><?xml version="1.0" encoding="utf-8"?>
+<p:sld xmlns:a="http://schemas.openxmlformats.org/drawingml/2006/main" xmlns:r="http://schemas.openxmlformats.org/officeDocument/2006/relationships" xmlns:p="http://schemas.openxmlformats.org/presentationml/2006/main">
+  <p:cSld>
+    <p:spTree>
+      <p:nvGrpSpPr>
+        <p:cNvPr id="1" name="">
+          <a:extLst>
+            <a:ext uri="{FF2B5EF4-FFF2-40B4-BE49-F238E27FC236}">
+              <a16:creationId xmlns:a16="http://schemas.microsoft.com/office/drawing/2014/main" id="{334FF489-DAE4-DE09-DB09-90B9546E116B}"/>
+            </a:ext>
+          </a:extLst>
+        </p:cNvPr>
+        <p:cNvGrpSpPr/>
+        <p:nvPr/>
+      </p:nvGrpSpPr>
+      <p:grpSpPr>
+        <a:xfrm>
+          <a:off x="0" y="0"/>
+          <a:ext cx="0" cy="0"/>
+          <a:chOff x="0" y="0"/>
+          <a:chExt cx="0" cy="0"/>
+        </a:xfrm>
+      </p:grpSpPr>
+      <p:sp>
+        <p:nvSpPr>
+          <p:cNvPr id="2" name="Titel 1">
+            <a:extLst>
+              <a:ext uri="{FF2B5EF4-FFF2-40B4-BE49-F238E27FC236}">
+                <a16:creationId xmlns:a16="http://schemas.microsoft.com/office/drawing/2014/main" id="{B89F55D7-EEAD-70BD-EC81-73FF06DA1DF2}"/>
+              </a:ext>
+            </a:extLst>
+          </p:cNvPr>
+          <p:cNvSpPr>
+            <a:spLocks noGrp="1"/>
+          </p:cNvSpPr>
+          <p:nvPr>
+            <p:ph type="title"/>
+          </p:nvPr>
+        </p:nvSpPr>
+        <p:spPr/>
+        <p:txBody>
+          <a:bodyPr/>
+          <a:lstStyle/>
+          <a:p>
+            <a:r>
+              <a:rPr lang="de-DE" dirty="0"/>
+              <a:t>Aufgabe 5.1</a:t>
+            </a:r>
+          </a:p>
+        </p:txBody>
+      </p:sp>
+      <p:pic>
+        <p:nvPicPr>
+          <p:cNvPr id="8" name="Content Placeholder 7" descr="A diagram of a computer circuit&#10;&#10;AI-generated content may be incorrect.">
+            <a:extLst>
+              <a:ext uri="{FF2B5EF4-FFF2-40B4-BE49-F238E27FC236}">
+                <a16:creationId xmlns:a16="http://schemas.microsoft.com/office/drawing/2014/main" id="{1C5F5E8C-7205-0A40-8C73-9A71EA0BB849}"/>
+              </a:ext>
+            </a:extLst>
+          </p:cNvPr>
+          <p:cNvPicPr>
+            <a:picLocks noGrp="1" noChangeAspect="1"/>
+          </p:cNvPicPr>
+          <p:nvPr>
+            <p:ph idx="1"/>
+          </p:nvPr>
+        </p:nvPicPr>
+        <p:blipFill>
+          <a:blip r:embed="rId2"/>
+          <a:stretch>
+            <a:fillRect/>
+          </a:stretch>
+        </p:blipFill>
+        <p:spPr bwMode="auto">
+          <a:xfrm>
+            <a:off x="2115028" y="1842055"/>
+            <a:ext cx="7225862" cy="3724810"/>
+          </a:xfrm>
+          <a:prstGeom prst="rect">
+            <a:avLst/>
+          </a:prstGeom>
+          <a:noFill/>
+          <a:ln w="9525">
+            <a:noFill/>
+            <a:miter lim="800000"/>
+            <a:headEnd/>
+            <a:tailEnd/>
+          </a:ln>
+          <a:effectLst/>
+        </p:spPr>
+      </p:pic>
+      <p:sp>
+        <p:nvSpPr>
+          <p:cNvPr id="9" name="Rectangle 8">
+            <a:extLst>
+              <a:ext uri="{FF2B5EF4-FFF2-40B4-BE49-F238E27FC236}">
+                <a16:creationId xmlns:a16="http://schemas.microsoft.com/office/drawing/2014/main" id="{6FCD34C2-9610-37F2-ED4A-13C88E8A6DF2}"/>
+              </a:ext>
+            </a:extLst>
+          </p:cNvPr>
+          <p:cNvSpPr/>
+          <p:nvPr/>
+        </p:nvSpPr>
+        <p:spPr>
+          <a:xfrm>
+            <a:off x="4666593" y="2507593"/>
+            <a:ext cx="4006193" cy="1028263"/>
+          </a:xfrm>
+          <a:prstGeom prst="rect">
+            <a:avLst/>
+          </a:prstGeom>
+          <a:noFill/>
+          <a:ln w="28575">
+            <a:solidFill>
+              <a:srgbClr val="0070C0"/>
+            </a:solidFill>
+          </a:ln>
+        </p:spPr>
+        <p:style>
+          <a:lnRef idx="2">
+            <a:schemeClr val="accent1">
+              <a:shade val="50000"/>
+            </a:schemeClr>
+          </a:lnRef>
+          <a:fillRef idx="1">
+            <a:schemeClr val="accent1"/>
+          </a:fillRef>
+          <a:effectRef idx="0">
+            <a:schemeClr val="accent1"/>
+          </a:effectRef>
+          <a:fontRef idx="minor">
+            <a:schemeClr val="lt1"/>
+          </a:fontRef>
+        </p:style>
+        <p:txBody>
+          <a:bodyPr rtlCol="0" anchor="ctr"/>
+          <a:lstStyle/>
+          <a:p>
+            <a:pPr algn="ctr"/>
+            <a:endParaRPr lang="en-GB"/>
+          </a:p>
+        </p:txBody>
+      </p:sp>
+      <p:sp>
+        <p:nvSpPr>
+          <p:cNvPr id="11" name="Rectangle 10">
+            <a:extLst>
+              <a:ext uri="{FF2B5EF4-FFF2-40B4-BE49-F238E27FC236}">
+                <a16:creationId xmlns:a16="http://schemas.microsoft.com/office/drawing/2014/main" id="{10AE80AD-6DD8-19A8-5C74-2FC2DF8D263B}"/>
+              </a:ext>
+            </a:extLst>
+          </p:cNvPr>
+          <p:cNvSpPr/>
+          <p:nvPr/>
+        </p:nvSpPr>
+        <p:spPr>
+          <a:xfrm>
+            <a:off x="5270937" y="3777591"/>
+            <a:ext cx="3331780" cy="1282263"/>
+          </a:xfrm>
+          <a:prstGeom prst="rect">
+            <a:avLst/>
+          </a:prstGeom>
+          <a:noFill/>
+          <a:ln w="28575">
+            <a:solidFill>
+              <a:srgbClr val="C00000"/>
+            </a:solidFill>
+          </a:ln>
+        </p:spPr>
+        <p:style>
+          <a:lnRef idx="2">
+            <a:schemeClr val="accent1">
+              <a:shade val="50000"/>
+            </a:schemeClr>
+          </a:lnRef>
+          <a:fillRef idx="1">
+            <a:schemeClr val="accent1"/>
+          </a:fillRef>
+          <a:effectRef idx="0">
+            <a:schemeClr val="accent1"/>
+          </a:effectRef>
+          <a:fontRef idx="minor">
+            <a:schemeClr val="lt1"/>
+          </a:fontRef>
+        </p:style>
+        <p:txBody>
+          <a:bodyPr rtlCol="0" anchor="ctr"/>
+          <a:lstStyle/>
+          <a:p>
+            <a:pPr algn="ctr"/>
+            <a:endParaRPr lang="en-GB"/>
+          </a:p>
+        </p:txBody>
+      </p:sp>
+      <p:sp>
+        <p:nvSpPr>
+          <p:cNvPr id="12" name="Rectangle 11">
+            <a:extLst>
+              <a:ext uri="{FF2B5EF4-FFF2-40B4-BE49-F238E27FC236}">
+                <a16:creationId xmlns:a16="http://schemas.microsoft.com/office/drawing/2014/main" id="{96EBCB35-A047-D45B-E319-BF3B513BEFD8}"/>
+              </a:ext>
+            </a:extLst>
+          </p:cNvPr>
+          <p:cNvSpPr/>
+          <p:nvPr/>
+        </p:nvSpPr>
+        <p:spPr>
+          <a:xfrm>
+            <a:off x="3046246" y="3427245"/>
+            <a:ext cx="1194677" cy="537781"/>
+          </a:xfrm>
+          <a:prstGeom prst="rect">
+            <a:avLst/>
+          </a:prstGeom>
+          <a:noFill/>
+          <a:ln w="28575">
+            <a:solidFill>
+              <a:srgbClr val="C00000"/>
+            </a:solidFill>
+          </a:ln>
+        </p:spPr>
+        <p:style>
+          <a:lnRef idx="2">
+            <a:schemeClr val="accent1">
+              <a:shade val="50000"/>
+            </a:schemeClr>
+          </a:lnRef>
+          <a:fillRef idx="1">
+            <a:schemeClr val="accent1"/>
+          </a:fillRef>
+          <a:effectRef idx="0">
+            <a:schemeClr val="accent1"/>
+          </a:effectRef>
+          <a:fontRef idx="minor">
+            <a:schemeClr val="lt1"/>
+          </a:fontRef>
+        </p:style>
+        <p:txBody>
+          <a:bodyPr rtlCol="0" anchor="ctr"/>
+          <a:lstStyle/>
+          <a:p>
+            <a:pPr algn="ctr"/>
+            <a:endParaRPr lang="en-GB"/>
+          </a:p>
+        </p:txBody>
+      </p:sp>
+      <p:sp>
+        <p:nvSpPr>
+          <p:cNvPr id="13" name="Rectangle 12">
+            <a:extLst>
+              <a:ext uri="{FF2B5EF4-FFF2-40B4-BE49-F238E27FC236}">
+                <a16:creationId xmlns:a16="http://schemas.microsoft.com/office/drawing/2014/main" id="{C0FFEC96-183E-F2ED-3F71-B8FAB59E762B}"/>
+              </a:ext>
+            </a:extLst>
+          </p:cNvPr>
+          <p:cNvSpPr/>
+          <p:nvPr/>
+        </p:nvSpPr>
+        <p:spPr>
+          <a:xfrm>
+            <a:off x="3046248" y="2630212"/>
+            <a:ext cx="1194676" cy="572815"/>
+          </a:xfrm>
+          <a:prstGeom prst="rect">
+            <a:avLst/>
+          </a:prstGeom>
+          <a:noFill/>
+          <a:ln w="28575">
+            <a:solidFill>
+              <a:srgbClr val="0070C0"/>
+            </a:solidFill>
+          </a:ln>
+        </p:spPr>
+        <p:style>
+          <a:lnRef idx="2">
+            <a:schemeClr val="accent1">
+              <a:shade val="50000"/>
+            </a:schemeClr>
+          </a:lnRef>
+          <a:fillRef idx="1">
+            <a:schemeClr val="accent1"/>
+          </a:fillRef>
+          <a:effectRef idx="0">
+            <a:schemeClr val="accent1"/>
+          </a:effectRef>
+          <a:fontRef idx="minor">
+            <a:schemeClr val="lt1"/>
+          </a:fontRef>
+        </p:style>
+        <p:txBody>
+          <a:bodyPr rtlCol="0" anchor="ctr"/>
+          <a:lstStyle/>
+          <a:p>
+            <a:pPr algn="ctr"/>
+            <a:endParaRPr lang="en-GB"/>
+          </a:p>
+        </p:txBody>
+      </p:sp>
+      <p:sp>
+        <p:nvSpPr>
+          <p:cNvPr id="15" name="Content Placeholder 5">
+            <a:extLst>
+              <a:ext uri="{FF2B5EF4-FFF2-40B4-BE49-F238E27FC236}">
+                <a16:creationId xmlns:a16="http://schemas.microsoft.com/office/drawing/2014/main" id="{9025942B-C9F1-6462-88E7-256C849F3175}"/>
+              </a:ext>
+            </a:extLst>
+          </p:cNvPr>
+          <p:cNvSpPr txBox="1">
+            <a:spLocks/>
+          </p:cNvSpPr>
+          <p:nvPr/>
+        </p:nvSpPr>
+        <p:spPr bwMode="auto">
+          <a:xfrm>
+            <a:off x="810000" y="1773239"/>
+            <a:ext cx="10580400" cy="4352925"/>
+          </a:xfrm>
+          <a:prstGeom prst="rect">
+            <a:avLst/>
+          </a:prstGeom>
+          <a:noFill/>
+          <a:ln w="9525">
+            <a:noFill/>
+            <a:miter lim="800000"/>
+            <a:headEnd/>
+            <a:tailEnd/>
+          </a:ln>
+          <a:effectLst/>
+        </p:spPr>
+        <p:txBody>
+          <a:bodyPr vert="horz" wrap="square" lIns="0" tIns="0" rIns="0" bIns="0" numCol="1" anchor="t" anchorCtr="0" compatLnSpc="1">
+            <a:prstTxWarp prst="textNoShape">
+              <a:avLst/>
+            </a:prstTxWarp>
+            <a:normAutofit/>
+          </a:bodyPr>
+          <a:lstStyle>
+            <a:lvl1pPr marL="180975" indent="-180975" algn="l" rtl="0" eaLnBrk="1" fontAlgn="base" hangingPunct="1">
+              <a:lnSpc>
+                <a:spcPct val="110000"/>
+              </a:lnSpc>
+              <a:spcBef>
+                <a:spcPct val="0"/>
+              </a:spcBef>
+              <a:spcAft>
+                <a:spcPct val="0"/>
+              </a:spcAft>
+              <a:buClr>
+                <a:schemeClr val="tx1"/>
+              </a:buClr>
+              <a:buChar char="•"/>
+              <a:defRPr sz="2000">
+                <a:solidFill>
+                  <a:schemeClr val="tx1"/>
+                </a:solidFill>
+                <a:latin typeface="+mn-lt"/>
+                <a:ea typeface="+mn-ea"/>
+                <a:cs typeface="+mn-cs"/>
+              </a:defRPr>
+            </a:lvl1pPr>
+            <a:lvl2pPr marL="541338" indent="-180975" algn="l" rtl="0" eaLnBrk="1" fontAlgn="base" hangingPunct="1">
+              <a:lnSpc>
+                <a:spcPct val="110000"/>
+              </a:lnSpc>
+              <a:spcBef>
+                <a:spcPct val="0"/>
+              </a:spcBef>
+              <a:spcAft>
+                <a:spcPct val="0"/>
+              </a:spcAft>
+              <a:buClr>
+                <a:schemeClr val="tx1"/>
+              </a:buClr>
+              <a:buSzPct val="80000"/>
+              <a:buChar char="-"/>
+              <a:defRPr sz="2000">
+                <a:solidFill>
+                  <a:schemeClr val="tx1"/>
+                </a:solidFill>
+                <a:latin typeface="+mn-lt"/>
+              </a:defRPr>
+            </a:lvl2pPr>
+            <a:lvl3pPr marL="895350" indent="-174625" algn="l" rtl="0" eaLnBrk="1" fontAlgn="base" hangingPunct="1">
+              <a:lnSpc>
+                <a:spcPct val="110000"/>
+              </a:lnSpc>
+              <a:spcBef>
+                <a:spcPct val="0"/>
+              </a:spcBef>
+              <a:spcAft>
+                <a:spcPct val="0"/>
+              </a:spcAft>
+              <a:buClr>
+                <a:schemeClr val="tx1"/>
+              </a:buClr>
+              <a:buFont typeface="Wingdings" pitchFamily="2" charset="2"/>
+              <a:buChar char="§"/>
+              <a:defRPr sz="1600">
+                <a:solidFill>
+                  <a:schemeClr val="tx1"/>
+                </a:solidFill>
+                <a:latin typeface="+mn-lt"/>
+              </a:defRPr>
+            </a:lvl3pPr>
+            <a:lvl4pPr marL="1260475" indent="-185738" algn="l" rtl="0" eaLnBrk="1" fontAlgn="base" hangingPunct="1">
+              <a:lnSpc>
+                <a:spcPct val="110000"/>
+              </a:lnSpc>
+              <a:spcBef>
+                <a:spcPct val="0"/>
+              </a:spcBef>
+              <a:spcAft>
+                <a:spcPct val="0"/>
+              </a:spcAft>
+              <a:buClr>
+                <a:schemeClr val="tx1"/>
+              </a:buClr>
+              <a:buChar char="•"/>
+              <a:defRPr sz="1400">
+                <a:solidFill>
+                  <a:schemeClr val="tx1"/>
+                </a:solidFill>
+                <a:latin typeface="+mn-lt"/>
+              </a:defRPr>
+            </a:lvl4pPr>
+            <a:lvl5pPr marL="0" indent="0" algn="l" rtl="0" eaLnBrk="1" fontAlgn="base" hangingPunct="1">
+              <a:lnSpc>
+                <a:spcPct val="110000"/>
+              </a:lnSpc>
+              <a:spcBef>
+                <a:spcPts val="300"/>
+              </a:spcBef>
+              <a:spcAft>
+                <a:spcPts val="300"/>
+              </a:spcAft>
+              <a:buClr>
+                <a:schemeClr val="tx1"/>
+              </a:buClr>
+              <a:buFontTx/>
+              <a:buNone/>
+              <a:tabLst>
+                <a:tab pos="5292000" algn="ctr"/>
+                <a:tab pos="10512000" algn="r"/>
+              </a:tabLst>
+              <a:defRPr sz="2000">
+                <a:solidFill>
+                  <a:schemeClr val="tx1"/>
+                </a:solidFill>
+                <a:latin typeface="+mn-lt"/>
+              </a:defRPr>
+            </a:lvl5pPr>
+            <a:lvl6pPr marL="2079625" indent="-182563" algn="l" rtl="0" eaLnBrk="1" fontAlgn="base" hangingPunct="1">
+              <a:lnSpc>
+                <a:spcPct val="110000"/>
+              </a:lnSpc>
+              <a:spcBef>
+                <a:spcPct val="0"/>
+              </a:spcBef>
+              <a:spcAft>
+                <a:spcPct val="0"/>
+              </a:spcAft>
+              <a:buChar char="-"/>
+              <a:defRPr sz="1200">
+                <a:solidFill>
+                  <a:schemeClr val="tx1"/>
+                </a:solidFill>
+                <a:latin typeface="+mn-lt"/>
+              </a:defRPr>
+            </a:lvl6pPr>
+            <a:lvl7pPr marL="2536825" indent="-182563" algn="l" rtl="0" eaLnBrk="1" fontAlgn="base" hangingPunct="1">
+              <a:lnSpc>
+                <a:spcPct val="110000"/>
+              </a:lnSpc>
+              <a:spcBef>
+                <a:spcPct val="0"/>
+              </a:spcBef>
+              <a:spcAft>
+                <a:spcPct val="0"/>
+              </a:spcAft>
+              <a:buChar char="-"/>
+              <a:defRPr sz="1200">
+                <a:solidFill>
+                  <a:schemeClr val="tx1"/>
+                </a:solidFill>
+                <a:latin typeface="+mn-lt"/>
+              </a:defRPr>
+            </a:lvl7pPr>
+            <a:lvl8pPr marL="2994025" indent="-182563" algn="l" rtl="0" eaLnBrk="1" fontAlgn="base" hangingPunct="1">
+              <a:lnSpc>
+                <a:spcPct val="110000"/>
+              </a:lnSpc>
+              <a:spcBef>
+                <a:spcPct val="0"/>
+              </a:spcBef>
+              <a:spcAft>
+                <a:spcPct val="0"/>
+              </a:spcAft>
+              <a:buChar char="-"/>
+              <a:defRPr sz="1200">
+                <a:solidFill>
+                  <a:schemeClr val="tx1"/>
+                </a:solidFill>
+                <a:latin typeface="+mn-lt"/>
+              </a:defRPr>
+            </a:lvl8pPr>
+            <a:lvl9pPr marL="3451225" indent="-182563" algn="l" rtl="0" eaLnBrk="1" fontAlgn="base" hangingPunct="1">
+              <a:lnSpc>
+                <a:spcPct val="110000"/>
+              </a:lnSpc>
+              <a:spcBef>
+                <a:spcPct val="0"/>
+              </a:spcBef>
+              <a:spcAft>
+                <a:spcPct val="0"/>
+              </a:spcAft>
+              <a:buChar char="-"/>
+              <a:defRPr sz="1200">
+                <a:solidFill>
+                  <a:schemeClr val="tx1"/>
+                </a:solidFill>
+                <a:latin typeface="+mn-lt"/>
+              </a:defRPr>
+            </a:lvl9pPr>
+          </a:lstStyle>
+          <a:p>
+            <a:pPr marL="0" indent="0">
+              <a:buFontTx/>
+              <a:buNone/>
+            </a:pPr>
+            <a:r>
+              <a:rPr lang="en-GB" kern="0" dirty="0">
+                <a:cs typeface="Arial"/>
+              </a:rPr>
+              <a:t>c) </a:t>
+            </a:r>
+          </a:p>
+          <a:p>
+            <a:pPr marL="0" indent="0">
+              <a:buFontTx/>
+              <a:buNone/>
+            </a:pPr>
+            <a:endParaRPr lang="en-GB" kern="0" dirty="0">
+              <a:cs typeface="Arial"/>
+            </a:endParaRPr>
+          </a:p>
+          <a:p>
+            <a:pPr marL="0" indent="0">
+              <a:buFontTx/>
+              <a:buNone/>
+            </a:pPr>
+            <a:endParaRPr lang="en-GB" kern="0" dirty="0">
+              <a:cs typeface="Arial"/>
+            </a:endParaRPr>
+          </a:p>
+        </p:txBody>
+      </p:sp>
+    </p:spTree>
+    <p:extLst>
+      <p:ext uri="{BB962C8B-B14F-4D97-AF65-F5344CB8AC3E}">
+        <p14:creationId xmlns:p14="http://schemas.microsoft.com/office/powerpoint/2010/main" val="2217916623"/>
+      </p:ext>
+    </p:extLst>
+  </p:cSld>
+  <p:clrMapOvr>
+    <a:masterClrMapping/>
+  </p:clrMapOvr>
 </p:sld>
 </file>
 
@@ -14320,12 +16400,14 @@
 </file>
 
 <file path=customXml/item1.xml><?xml version="1.0" encoding="utf-8"?>
-<?mso-contentType ?>
-<FormTemplates xmlns="http://schemas.microsoft.com/sharepoint/v3/contenttype/forms">
-  <Display>DocumentLibraryForm</Display>
-  <Edit>DocumentLibraryForm</Edit>
-  <New>DocumentLibraryForm</New>
-</FormTemplates>
+<p:properties xmlns:p="http://schemas.microsoft.com/office/2006/metadata/properties" xmlns:xsi="http://www.w3.org/2001/XMLSchema-instance" xmlns:pc="http://schemas.microsoft.com/office/infopath/2007/PartnerControls">
+  <documentManagement>
+    <TaxCatchAll xmlns="e08cfc56-8307-41e5-898e-b333c51beffa" xsi:nil="true"/>
+    <lcf76f155ced4ddcb4097134ff3c332f xmlns="f957fcc5-14ca-4ecf-9842-9f00d595875c">
+      <Terms xmlns="http://schemas.microsoft.com/office/infopath/2007/PartnerControls"/>
+    </lcf76f155ced4ddcb4097134ff3c332f>
+  </documentManagement>
+</p:properties>
 </file>
 
 <file path=customXml/item2.xml><?xml version="1.0" encoding="utf-8"?>
@@ -14566,20 +16648,27 @@
 </file>
 
 <file path=customXml/item3.xml><?xml version="1.0" encoding="utf-8"?>
-<p:properties xmlns:p="http://schemas.microsoft.com/office/2006/metadata/properties" xmlns:xsi="http://www.w3.org/2001/XMLSchema-instance" xmlns:pc="http://schemas.microsoft.com/office/infopath/2007/PartnerControls">
-  <documentManagement>
-    <TaxCatchAll xmlns="e08cfc56-8307-41e5-898e-b333c51beffa" xsi:nil="true"/>
-    <lcf76f155ced4ddcb4097134ff3c332f xmlns="f957fcc5-14ca-4ecf-9842-9f00d595875c">
-      <Terms xmlns="http://schemas.microsoft.com/office/infopath/2007/PartnerControls"/>
-    </lcf76f155ced4ddcb4097134ff3c332f>
-  </documentManagement>
-</p:properties>
+<?mso-contentType ?>
+<FormTemplates xmlns="http://schemas.microsoft.com/sharepoint/v3/contenttype/forms">
+  <Display>DocumentLibraryForm</Display>
+  <Edit>DocumentLibraryForm</Edit>
+  <New>DocumentLibraryForm</New>
+</FormTemplates>
 </file>
 
 <file path=customXml/itemProps1.xml><?xml version="1.0" encoding="utf-8"?>
-<ds:datastoreItem xmlns:ds="http://schemas.openxmlformats.org/officeDocument/2006/customXml" ds:itemID="{AC48F4C2-72FB-464C-8474-E470A160399A}">
+<ds:datastoreItem xmlns:ds="http://schemas.openxmlformats.org/officeDocument/2006/customXml" ds:itemID="{01C86142-AC43-4D34-9C61-6017C7A1D49D}">
   <ds:schemaRefs>
-    <ds:schemaRef ds:uri="http://schemas.microsoft.com/sharepoint/v3/contenttype/forms"/>
+    <ds:schemaRef ds:uri="e08cfc56-8307-41e5-898e-b333c51beffa"/>
+    <ds:schemaRef ds:uri="f957fcc5-14ca-4ecf-9842-9f00d595875c"/>
+    <ds:schemaRef ds:uri="http://schemas.openxmlformats.org/package/2006/metadata/core-properties"/>
+    <ds:schemaRef ds:uri="http://purl.org/dc/elements/1.1/"/>
+    <ds:schemaRef ds:uri="http://schemas.microsoft.com/office/2006/documentManagement/types"/>
+    <ds:schemaRef ds:uri="http://www.w3.org/XML/1998/namespace"/>
+    <ds:schemaRef ds:uri="http://schemas.microsoft.com/office/infopath/2007/PartnerControls"/>
+    <ds:schemaRef ds:uri="http://schemas.microsoft.com/office/2006/metadata/properties"/>
+    <ds:schemaRef ds:uri="http://purl.org/dc/dcmitype/"/>
+    <ds:schemaRef ds:uri="http://purl.org/dc/terms/"/>
   </ds:schemaRefs>
 </ds:datastoreItem>
 </file>
@@ -14604,18 +16693,9 @@
 </file>
 
 <file path=customXml/itemProps3.xml><?xml version="1.0" encoding="utf-8"?>
-<ds:datastoreItem xmlns:ds="http://schemas.openxmlformats.org/officeDocument/2006/customXml" ds:itemID="{01C86142-AC43-4D34-9C61-6017C7A1D49D}">
+<ds:datastoreItem xmlns:ds="http://schemas.openxmlformats.org/officeDocument/2006/customXml" ds:itemID="{AC48F4C2-72FB-464C-8474-E470A160399A}">
   <ds:schemaRefs>
-    <ds:schemaRef ds:uri="e08cfc56-8307-41e5-898e-b333c51beffa"/>
-    <ds:schemaRef ds:uri="f957fcc5-14ca-4ecf-9842-9f00d595875c"/>
-    <ds:schemaRef ds:uri="http://schemas.openxmlformats.org/package/2006/metadata/core-properties"/>
-    <ds:schemaRef ds:uri="http://purl.org/dc/elements/1.1/"/>
-    <ds:schemaRef ds:uri="http://schemas.microsoft.com/office/2006/documentManagement/types"/>
-    <ds:schemaRef ds:uri="http://www.w3.org/XML/1998/namespace"/>
-    <ds:schemaRef ds:uri="http://schemas.microsoft.com/office/infopath/2007/PartnerControls"/>
-    <ds:schemaRef ds:uri="http://schemas.microsoft.com/office/2006/metadata/properties"/>
-    <ds:schemaRef ds:uri="http://purl.org/dc/dcmitype/"/>
-    <ds:schemaRef ds:uri="http://purl.org/dc/terms/"/>
+    <ds:schemaRef ds:uri="http://schemas.microsoft.com/sharepoint/v3/contenttype/forms"/>
   </ds:schemaRefs>
 </ds:datastoreItem>
 </file>
--- a/Probeklausur.pptx
+++ b/Probeklausur.pptx
@@ -5,10 +5,10 @@
     <p:sldMasterId id="2147483649" r:id="rId4"/>
   </p:sldMasterIdLst>
   <p:notesMasterIdLst>
-    <p:notesMasterId r:id="rId24"/>
+    <p:notesMasterId r:id="rId26"/>
   </p:notesMasterIdLst>
   <p:handoutMasterIdLst>
-    <p:handoutMasterId r:id="rId25"/>
+    <p:handoutMasterId r:id="rId27"/>
   </p:handoutMasterIdLst>
   <p:sldIdLst>
     <p:sldId id="1041" r:id="rId5"/>
@@ -21,15 +21,17 @@
     <p:sldId id="1051" r:id="rId12"/>
     <p:sldId id="1052" r:id="rId13"/>
     <p:sldId id="1053" r:id="rId14"/>
-    <p:sldId id="1054" r:id="rId15"/>
-    <p:sldId id="1055" r:id="rId16"/>
-    <p:sldId id="1056" r:id="rId17"/>
-    <p:sldId id="1057" r:id="rId18"/>
-    <p:sldId id="1058" r:id="rId19"/>
-    <p:sldId id="1059" r:id="rId20"/>
-    <p:sldId id="1060" r:id="rId21"/>
-    <p:sldId id="1061" r:id="rId22"/>
-    <p:sldId id="1062" r:id="rId23"/>
+    <p:sldId id="1063" r:id="rId15"/>
+    <p:sldId id="1064" r:id="rId16"/>
+    <p:sldId id="1054" r:id="rId17"/>
+    <p:sldId id="1055" r:id="rId18"/>
+    <p:sldId id="1056" r:id="rId19"/>
+    <p:sldId id="1057" r:id="rId20"/>
+    <p:sldId id="1058" r:id="rId21"/>
+    <p:sldId id="1059" r:id="rId22"/>
+    <p:sldId id="1060" r:id="rId23"/>
+    <p:sldId id="1061" r:id="rId24"/>
+    <p:sldId id="1062" r:id="rId25"/>
   </p:sldIdLst>
   <p:sldSz cx="12192000" cy="6858000"/>
   <p:notesSz cx="6858000" cy="9144000"/>
@@ -173,6 +175,8 @@
             <p14:sldId id="1051"/>
             <p14:sldId id="1052"/>
             <p14:sldId id="1053"/>
+            <p14:sldId id="1063"/>
+            <p14:sldId id="1064"/>
             <p14:sldId id="1054"/>
             <p14:sldId id="1055"/>
             <p14:sldId id="1056"/>
@@ -228,7 +232,7 @@
 <p1510:revInfo xmlns:a="http://schemas.openxmlformats.org/drawingml/2006/main" xmlns:r="http://schemas.openxmlformats.org/officeDocument/2006/relationships" xmlns:p1510="http://schemas.microsoft.com/office/powerpoint/2015/10/main">
   <p1510:revLst>
     <p1510:client id="{CDEA013C-0C4C-7CC9-3073-C215768A4D35}" v="422" dt="2026-02-08T21:59:01.042"/>
-    <p1510:client id="{CF275D93-1AF9-5CD7-90BA-CB7126BBAC7F}" v="773" dt="2026-02-09T09:59:10.721"/>
+    <p1510:client id="{CF275D93-1AF9-5CD7-90BA-CB7126BBAC7F}" v="818" dt="2026-02-09T10:32:47.950"/>
     <p1510:client id="{D9D7A87D-DE7C-D9BF-B02E-6FFACE30470C}" v="1" dt="2026-02-08T22:04:55.165"/>
   </p1510:revLst>
 </p1510:revInfo>
@@ -4804,6 +4808,376 @@
         <p:cNvPr id="1" name="">
           <a:extLst>
             <a:ext uri="{FF2B5EF4-FFF2-40B4-BE49-F238E27FC236}">
+              <a16:creationId xmlns:a16="http://schemas.microsoft.com/office/drawing/2014/main" id="{48770E80-5302-A39B-EC5C-BD4AD4117EA5}"/>
+            </a:ext>
+          </a:extLst>
+        </p:cNvPr>
+        <p:cNvGrpSpPr/>
+        <p:nvPr/>
+      </p:nvGrpSpPr>
+      <p:grpSpPr>
+        <a:xfrm>
+          <a:off x="0" y="0"/>
+          <a:ext cx="0" cy="0"/>
+          <a:chOff x="0" y="0"/>
+          <a:chExt cx="0" cy="0"/>
+        </a:xfrm>
+      </p:grpSpPr>
+      <p:sp>
+        <p:nvSpPr>
+          <p:cNvPr id="2" name="Titel 1">
+            <a:extLst>
+              <a:ext uri="{FF2B5EF4-FFF2-40B4-BE49-F238E27FC236}">
+                <a16:creationId xmlns:a16="http://schemas.microsoft.com/office/drawing/2014/main" id="{B23193CB-A82F-0CD1-8A45-A6C664A45AB1}"/>
+              </a:ext>
+            </a:extLst>
+          </p:cNvPr>
+          <p:cNvSpPr>
+            <a:spLocks noGrp="1"/>
+          </p:cNvSpPr>
+          <p:nvPr>
+            <p:ph type="title"/>
+          </p:nvPr>
+        </p:nvSpPr>
+        <p:spPr/>
+        <p:txBody>
+          <a:bodyPr/>
+          <a:lstStyle/>
+          <a:p>
+            <a:r>
+              <a:rPr lang="de-DE" dirty="0"/>
+              <a:t>Aufgabe 3.2</a:t>
+            </a:r>
+          </a:p>
+        </p:txBody>
+      </p:sp>
+      <p:sp>
+        <p:nvSpPr>
+          <p:cNvPr id="5" name="Content Placeholder 4">
+            <a:extLst>
+              <a:ext uri="{FF2B5EF4-FFF2-40B4-BE49-F238E27FC236}">
+                <a16:creationId xmlns:a16="http://schemas.microsoft.com/office/drawing/2014/main" id="{D88A46F8-0AEB-C5EE-978A-F13D3155BF60}"/>
+              </a:ext>
+            </a:extLst>
+          </p:cNvPr>
+          <p:cNvSpPr>
+            <a:spLocks noGrp="1"/>
+          </p:cNvSpPr>
+          <p:nvPr>
+            <p:ph idx="1"/>
+          </p:nvPr>
+        </p:nvSpPr>
+        <p:spPr/>
+        <p:txBody>
+          <a:bodyPr/>
+          <a:lstStyle/>
+          <a:p>
+            <a:pPr marL="0" indent="0">
+              <a:buNone/>
+            </a:pPr>
+            <a:r>
+              <a:rPr lang="en-GB" dirty="0">
+                <a:cs typeface="Arial"/>
+              </a:rPr>
+              <a:t>a)</a:t>
+            </a:r>
+          </a:p>
+        </p:txBody>
+      </p:sp>
+      <p:pic>
+        <p:nvPicPr>
+          <p:cNvPr id="4" name="Graphic 3">
+            <a:extLst>
+              <a:ext uri="{FF2B5EF4-FFF2-40B4-BE49-F238E27FC236}">
+                <a16:creationId xmlns:a16="http://schemas.microsoft.com/office/drawing/2014/main" id="{9C5A8A79-AEF8-D90F-BBA7-8A5EB167A8C6}"/>
+              </a:ext>
+            </a:extLst>
+          </p:cNvPr>
+          <p:cNvPicPr>
+            <a:picLocks noChangeAspect="1"/>
+          </p:cNvPicPr>
+          <p:nvPr/>
+        </p:nvPicPr>
+        <p:blipFill>
+          <a:blip r:embed="rId2">
+            <a:extLst>
+              <a:ext uri="{96DAC541-7B7A-43D3-8B79-37D633B846F1}">
+                <asvg:svgBlip xmlns:asvg="http://schemas.microsoft.com/office/drawing/2016/SVG/main" r:embed="rId3"/>
+              </a:ext>
+            </a:extLst>
+          </a:blip>
+          <a:stretch>
+            <a:fillRect/>
+          </a:stretch>
+        </p:blipFill>
+        <p:spPr>
+          <a:xfrm>
+            <a:off x="4541313" y="1371600"/>
+            <a:ext cx="3524133" cy="4664597"/>
+          </a:xfrm>
+          <a:prstGeom prst="rect">
+            <a:avLst/>
+          </a:prstGeom>
+        </p:spPr>
+      </p:pic>
+      <p:sp>
+        <p:nvSpPr>
+          <p:cNvPr id="6" name="Rectangle 5">
+            <a:extLst>
+              <a:ext uri="{FF2B5EF4-FFF2-40B4-BE49-F238E27FC236}">
+                <a16:creationId xmlns:a16="http://schemas.microsoft.com/office/drawing/2014/main" id="{B5ECDB47-0156-01D2-EFC5-81FFA71FFAB3}"/>
+              </a:ext>
+            </a:extLst>
+          </p:cNvPr>
+          <p:cNvSpPr/>
+          <p:nvPr/>
+        </p:nvSpPr>
+        <p:spPr>
+          <a:xfrm>
+            <a:off x="5465179" y="5740077"/>
+            <a:ext cx="1647462" cy="383893"/>
+          </a:xfrm>
+          <a:prstGeom prst="rect">
+            <a:avLst/>
+          </a:prstGeom>
+          <a:solidFill>
+            <a:schemeClr val="bg1"/>
+          </a:solidFill>
+          <a:ln w="12700">
+            <a:noFill/>
+          </a:ln>
+        </p:spPr>
+        <p:style>
+          <a:lnRef idx="2">
+            <a:schemeClr val="accent1">
+              <a:shade val="50000"/>
+            </a:schemeClr>
+          </a:lnRef>
+          <a:fillRef idx="1">
+            <a:schemeClr val="accent1"/>
+          </a:fillRef>
+          <a:effectRef idx="0">
+            <a:schemeClr val="accent1"/>
+          </a:effectRef>
+          <a:fontRef idx="minor">
+            <a:schemeClr val="lt1"/>
+          </a:fontRef>
+        </p:style>
+        <p:txBody>
+          <a:bodyPr rtlCol="0" anchor="ctr"/>
+          <a:lstStyle/>
+          <a:p>
+            <a:pPr algn="ctr"/>
+            <a:endParaRPr lang="en-GB"/>
+          </a:p>
+        </p:txBody>
+      </p:sp>
+    </p:spTree>
+    <p:extLst>
+      <p:ext uri="{BB962C8B-B14F-4D97-AF65-F5344CB8AC3E}">
+        <p14:creationId xmlns:p14="http://schemas.microsoft.com/office/powerpoint/2010/main" val="463156609"/>
+      </p:ext>
+    </p:extLst>
+  </p:cSld>
+  <p:clrMapOvr>
+    <a:masterClrMapping/>
+  </p:clrMapOvr>
+</p:sld>
+</file>
+
+<file path=ppt/slides/slide12.xml><?xml version="1.0" encoding="utf-8"?>
+<p:sld xmlns:a="http://schemas.openxmlformats.org/drawingml/2006/main" xmlns:r="http://schemas.openxmlformats.org/officeDocument/2006/relationships" xmlns:p="http://schemas.openxmlformats.org/presentationml/2006/main">
+  <p:cSld>
+    <p:spTree>
+      <p:nvGrpSpPr>
+        <p:cNvPr id="1" name="">
+          <a:extLst>
+            <a:ext uri="{FF2B5EF4-FFF2-40B4-BE49-F238E27FC236}">
+              <a16:creationId xmlns:a16="http://schemas.microsoft.com/office/drawing/2014/main" id="{0B6CA663-33F4-74DC-9DD7-5CA491C9CECD}"/>
+            </a:ext>
+          </a:extLst>
+        </p:cNvPr>
+        <p:cNvGrpSpPr/>
+        <p:nvPr/>
+      </p:nvGrpSpPr>
+      <p:grpSpPr>
+        <a:xfrm>
+          <a:off x="0" y="0"/>
+          <a:ext cx="0" cy="0"/>
+          <a:chOff x="0" y="0"/>
+          <a:chExt cx="0" cy="0"/>
+        </a:xfrm>
+      </p:grpSpPr>
+      <p:sp>
+        <p:nvSpPr>
+          <p:cNvPr id="2" name="Titel 1">
+            <a:extLst>
+              <a:ext uri="{FF2B5EF4-FFF2-40B4-BE49-F238E27FC236}">
+                <a16:creationId xmlns:a16="http://schemas.microsoft.com/office/drawing/2014/main" id="{6630170B-C4AA-916D-E7B9-332B800A1BD3}"/>
+              </a:ext>
+            </a:extLst>
+          </p:cNvPr>
+          <p:cNvSpPr>
+            <a:spLocks noGrp="1"/>
+          </p:cNvSpPr>
+          <p:nvPr>
+            <p:ph type="title"/>
+          </p:nvPr>
+        </p:nvSpPr>
+        <p:spPr/>
+        <p:txBody>
+          <a:bodyPr/>
+          <a:lstStyle/>
+          <a:p>
+            <a:r>
+              <a:rPr lang="de-DE" dirty="0"/>
+              <a:t>Aufgabe 3.2</a:t>
+            </a:r>
+          </a:p>
+        </p:txBody>
+      </p:sp>
+      <p:sp>
+        <p:nvSpPr>
+          <p:cNvPr id="5" name="Content Placeholder 4">
+            <a:extLst>
+              <a:ext uri="{FF2B5EF4-FFF2-40B4-BE49-F238E27FC236}">
+                <a16:creationId xmlns:a16="http://schemas.microsoft.com/office/drawing/2014/main" id="{5B232D0B-C2A4-932A-5ED7-B687AA0EEF72}"/>
+              </a:ext>
+            </a:extLst>
+          </p:cNvPr>
+          <p:cNvSpPr>
+            <a:spLocks noGrp="1"/>
+          </p:cNvSpPr>
+          <p:nvPr>
+            <p:ph idx="1"/>
+          </p:nvPr>
+        </p:nvSpPr>
+        <p:spPr/>
+        <p:txBody>
+          <a:bodyPr/>
+          <a:lstStyle/>
+          <a:p>
+            <a:pPr marL="0" indent="0">
+              <a:buNone/>
+            </a:pPr>
+            <a:r>
+              <a:rPr lang="en-GB" dirty="0">
+                <a:cs typeface="Arial"/>
+              </a:rPr>
+              <a:t>b)</a:t>
+            </a:r>
+          </a:p>
+        </p:txBody>
+      </p:sp>
+      <p:pic>
+        <p:nvPicPr>
+          <p:cNvPr id="3" name="Graphic 2">
+            <a:extLst>
+              <a:ext uri="{FF2B5EF4-FFF2-40B4-BE49-F238E27FC236}">
+                <a16:creationId xmlns:a16="http://schemas.microsoft.com/office/drawing/2014/main" id="{653868E3-6AE2-948C-AF1B-7508F146824B}"/>
+              </a:ext>
+            </a:extLst>
+          </p:cNvPr>
+          <p:cNvPicPr>
+            <a:picLocks noChangeAspect="1"/>
+          </p:cNvPicPr>
+          <p:nvPr/>
+        </p:nvPicPr>
+        <p:blipFill>
+          <a:blip r:embed="rId2">
+            <a:extLst>
+              <a:ext uri="{96DAC541-7B7A-43D3-8B79-37D633B846F1}">
+                <asvg:svgBlip xmlns:asvg="http://schemas.microsoft.com/office/drawing/2016/SVG/main" r:embed="rId3"/>
+              </a:ext>
+            </a:extLst>
+          </a:blip>
+          <a:stretch>
+            <a:fillRect/>
+          </a:stretch>
+        </p:blipFill>
+        <p:spPr>
+          <a:xfrm>
+            <a:off x="4493148" y="2102915"/>
+            <a:ext cx="2665553" cy="3317713"/>
+          </a:xfrm>
+          <a:prstGeom prst="rect">
+            <a:avLst/>
+          </a:prstGeom>
+        </p:spPr>
+      </p:pic>
+      <p:sp>
+        <p:nvSpPr>
+          <p:cNvPr id="7" name="Rectangle 6">
+            <a:extLst>
+              <a:ext uri="{FF2B5EF4-FFF2-40B4-BE49-F238E27FC236}">
+                <a16:creationId xmlns:a16="http://schemas.microsoft.com/office/drawing/2014/main" id="{04EE5D4B-FCB5-2134-B91A-F90957D7DC1B}"/>
+              </a:ext>
+            </a:extLst>
+          </p:cNvPr>
+          <p:cNvSpPr/>
+          <p:nvPr/>
+        </p:nvSpPr>
+        <p:spPr>
+          <a:xfrm>
+            <a:off x="4394521" y="5170989"/>
+            <a:ext cx="3422247" cy="393539"/>
+          </a:xfrm>
+          <a:prstGeom prst="rect">
+            <a:avLst/>
+          </a:prstGeom>
+          <a:solidFill>
+            <a:schemeClr val="bg1"/>
+          </a:solidFill>
+          <a:ln w="12700">
+            <a:noFill/>
+          </a:ln>
+        </p:spPr>
+        <p:style>
+          <a:lnRef idx="2">
+            <a:schemeClr val="accent1">
+              <a:shade val="50000"/>
+            </a:schemeClr>
+          </a:lnRef>
+          <a:fillRef idx="1">
+            <a:schemeClr val="accent1"/>
+          </a:fillRef>
+          <a:effectRef idx="0">
+            <a:schemeClr val="accent1"/>
+          </a:effectRef>
+          <a:fontRef idx="minor">
+            <a:schemeClr val="lt1"/>
+          </a:fontRef>
+        </p:style>
+        <p:txBody>
+          <a:bodyPr rtlCol="0" anchor="ctr"/>
+          <a:lstStyle/>
+          <a:p>
+            <a:pPr algn="ctr"/>
+            <a:endParaRPr lang="en-GB"/>
+          </a:p>
+        </p:txBody>
+      </p:sp>
+    </p:spTree>
+    <p:extLst>
+      <p:ext uri="{BB962C8B-B14F-4D97-AF65-F5344CB8AC3E}">
+        <p14:creationId xmlns:p14="http://schemas.microsoft.com/office/powerpoint/2010/main" val="3258203393"/>
+      </p:ext>
+    </p:extLst>
+  </p:cSld>
+  <p:clrMapOvr>
+    <a:masterClrMapping/>
+  </p:clrMapOvr>
+</p:sld>
+</file>
+
+<file path=ppt/slides/slide13.xml><?xml version="1.0" encoding="utf-8"?>
+<p:sld xmlns:a="http://schemas.openxmlformats.org/drawingml/2006/main" xmlns:r="http://schemas.openxmlformats.org/officeDocument/2006/relationships" xmlns:p="http://schemas.openxmlformats.org/presentationml/2006/main">
+  <p:cSld>
+    <p:spTree>
+      <p:nvGrpSpPr>
+        <p:cNvPr id="1" name="">
+          <a:extLst>
+            <a:ext uri="{FF2B5EF4-FFF2-40B4-BE49-F238E27FC236}">
               <a16:creationId xmlns:a16="http://schemas.microsoft.com/office/drawing/2014/main" id="{040F9FFB-6560-8F1E-6F4C-64511D3A3568}"/>
             </a:ext>
           </a:extLst>
@@ -5002,7 +5376,7 @@
 </p:sld>
 </file>
 
-<file path=ppt/slides/slide12.xml><?xml version="1.0" encoding="utf-8"?>
+<file path=ppt/slides/slide14.xml><?xml version="1.0" encoding="utf-8"?>
 <p:sld xmlns:a="http://schemas.openxmlformats.org/drawingml/2006/main" xmlns:r="http://schemas.openxmlformats.org/officeDocument/2006/relationships" xmlns:p="http://schemas.openxmlformats.org/presentationml/2006/main">
   <p:cSld>
     <p:spTree>
@@ -5190,7 +5564,7 @@
 </p:sld>
 </file>
 
-<file path=ppt/slides/slide13.xml><?xml version="1.0" encoding="utf-8"?>
+<file path=ppt/slides/slide15.xml><?xml version="1.0" encoding="utf-8"?>
 <p:sld xmlns:a="http://schemas.openxmlformats.org/drawingml/2006/main" xmlns:r="http://schemas.openxmlformats.org/officeDocument/2006/relationships" xmlns:p="http://schemas.openxmlformats.org/presentationml/2006/main">
   <p:cSld>
     <p:spTree>
@@ -5333,7 +5707,7 @@
 </p:sld>
 </file>
 
-<file path=ppt/slides/slide14.xml><?xml version="1.0" encoding="utf-8"?>
+<file path=ppt/slides/slide16.xml><?xml version="1.0" encoding="utf-8"?>
 <p:sld xmlns:a="http://schemas.openxmlformats.org/drawingml/2006/main" xmlns:r="http://schemas.openxmlformats.org/officeDocument/2006/relationships" xmlns:p="http://schemas.openxmlformats.org/presentationml/2006/main">
   <p:cSld>
     <p:spTree>
@@ -5534,7 +5908,7 @@
 </p:sld>
 </file>
 
-<file path=ppt/slides/slide15.xml><?xml version="1.0" encoding="utf-8"?>
+<file path=ppt/slides/slide17.xml><?xml version="1.0" encoding="utf-8"?>
 <p:sld xmlns:a="http://schemas.openxmlformats.org/drawingml/2006/main" xmlns:r="http://schemas.openxmlformats.org/officeDocument/2006/relationships" xmlns:p="http://schemas.openxmlformats.org/presentationml/2006/main">
   <p:cSld>
     <p:spTree>
@@ -5730,7 +6104,7 @@
 </p:sld>
 </file>
 
-<file path=ppt/slides/slide16.xml><?xml version="1.0" encoding="utf-8"?>
+<file path=ppt/slides/slide18.xml><?xml version="1.0" encoding="utf-8"?>
 <p:sld xmlns:a="http://schemas.openxmlformats.org/drawingml/2006/main" xmlns:r="http://schemas.openxmlformats.org/officeDocument/2006/relationships" xmlns:p="http://schemas.openxmlformats.org/presentationml/2006/main">
   <p:cSld>
     <p:spTree>
@@ -5944,7 +6318,7 @@
 </p:sld>
 </file>
 
-<file path=ppt/slides/slide17.xml><?xml version="1.0" encoding="utf-8"?>
+<file path=ppt/slides/slide19.xml><?xml version="1.0" encoding="utf-8"?>
 <p:sld xmlns:a="http://schemas.openxmlformats.org/drawingml/2006/main" xmlns:r="http://schemas.openxmlformats.org/officeDocument/2006/relationships" xmlns:p="http://schemas.openxmlformats.org/presentationml/2006/main">
   <p:cSld>
     <p:spTree>
@@ -7082,7 +7456,706 @@
 </p:sld>
 </file>
 
-<file path=ppt/slides/slide18.xml><?xml version="1.0" encoding="utf-8"?>
+<file path=ppt/slides/slide2.xml><?xml version="1.0" encoding="utf-8"?>
+<p:sld xmlns:a="http://schemas.openxmlformats.org/drawingml/2006/main" xmlns:r="http://schemas.openxmlformats.org/officeDocument/2006/relationships" xmlns:p="http://schemas.openxmlformats.org/presentationml/2006/main">
+  <p:cSld>
+    <p:spTree>
+      <p:nvGrpSpPr>
+        <p:cNvPr id="1" name=""/>
+        <p:cNvGrpSpPr/>
+        <p:nvPr/>
+      </p:nvGrpSpPr>
+      <p:grpSpPr>
+        <a:xfrm>
+          <a:off x="0" y="0"/>
+          <a:ext cx="0" cy="0"/>
+          <a:chOff x="0" y="0"/>
+          <a:chExt cx="0" cy="0"/>
+        </a:xfrm>
+      </p:grpSpPr>
+      <p:sp>
+        <p:nvSpPr>
+          <p:cNvPr id="2" name="Titel 1">
+            <a:extLst>
+              <a:ext uri="{FF2B5EF4-FFF2-40B4-BE49-F238E27FC236}">
+                <a16:creationId xmlns:a16="http://schemas.microsoft.com/office/drawing/2014/main" id="{BEAD745B-E118-DF90-1A6B-73549ADF1C83}"/>
+              </a:ext>
+            </a:extLst>
+          </p:cNvPr>
+          <p:cNvSpPr>
+            <a:spLocks noGrp="1"/>
+          </p:cNvSpPr>
+          <p:nvPr>
+            <p:ph type="title"/>
+          </p:nvPr>
+        </p:nvSpPr>
+        <p:spPr/>
+        <p:txBody>
+          <a:bodyPr/>
+          <a:lstStyle/>
+          <a:p>
+            <a:r>
+              <a:rPr lang="de-DE" dirty="0"/>
+              <a:t>Aufgabe 1.1</a:t>
+            </a:r>
+          </a:p>
+        </p:txBody>
+      </p:sp>
+      <p:graphicFrame>
+        <p:nvGraphicFramePr>
+          <p:cNvPr id="4" name="Inhaltsplatzhalter 3">
+            <a:extLst>
+              <a:ext uri="{FF2B5EF4-FFF2-40B4-BE49-F238E27FC236}">
+                <a16:creationId xmlns:a16="http://schemas.microsoft.com/office/drawing/2014/main" id="{F89A3222-6D0A-B583-3338-83DC8C4B38DA}"/>
+              </a:ext>
+            </a:extLst>
+          </p:cNvPr>
+          <p:cNvGraphicFramePr>
+            <a:graphicFrameLocks noGrp="1"/>
+          </p:cNvGraphicFramePr>
+          <p:nvPr>
+            <p:ph idx="1"/>
+            <p:extLst>
+              <p:ext uri="{D42A27DB-BD31-4B8C-83A1-F6EECF244321}">
+                <p14:modId xmlns:p14="http://schemas.microsoft.com/office/powerpoint/2010/main" val="398760966"/>
+              </p:ext>
+            </p:extLst>
+          </p:nvPr>
+        </p:nvGraphicFramePr>
+        <p:xfrm>
+          <a:off x="809625" y="1773237"/>
+          <a:ext cx="10580685" cy="2889554"/>
+        </p:xfrm>
+        <a:graphic>
+          <a:graphicData uri="http://schemas.openxmlformats.org/drawingml/2006/table">
+            <a:tbl>
+              <a:tblPr firstRow="1" bandRow="1">
+                <a:tableStyleId>{00A15C55-8517-42AA-B614-E9B94910E393}</a:tableStyleId>
+              </a:tblPr>
+              <a:tblGrid>
+                <a:gridCol w="1302204">
+                  <a:extLst>
+                    <a:ext uri="{9D8B030D-6E8A-4147-A177-3AD203B41FA5}">
+                      <a16:colId xmlns:a16="http://schemas.microsoft.com/office/drawing/2014/main" val="77739209"/>
+                    </a:ext>
+                  </a:extLst>
+                </a:gridCol>
+                <a:gridCol w="2449285">
+                  <a:extLst>
+                    <a:ext uri="{9D8B030D-6E8A-4147-A177-3AD203B41FA5}">
+                      <a16:colId xmlns:a16="http://schemas.microsoft.com/office/drawing/2014/main" val="3652360773"/>
+                    </a:ext>
+                  </a:extLst>
+                </a:gridCol>
+                <a:gridCol w="2046515">
+                  <a:extLst>
+                    <a:ext uri="{9D8B030D-6E8A-4147-A177-3AD203B41FA5}">
+                      <a16:colId xmlns:a16="http://schemas.microsoft.com/office/drawing/2014/main" val="3975084939"/>
+                    </a:ext>
+                  </a:extLst>
+                </a:gridCol>
+                <a:gridCol w="2318657">
+                  <a:extLst>
+                    <a:ext uri="{9D8B030D-6E8A-4147-A177-3AD203B41FA5}">
+                      <a16:colId xmlns:a16="http://schemas.microsoft.com/office/drawing/2014/main" val="3336663794"/>
+                    </a:ext>
+                  </a:extLst>
+                </a:gridCol>
+                <a:gridCol w="2464024">
+                  <a:extLst>
+                    <a:ext uri="{9D8B030D-6E8A-4147-A177-3AD203B41FA5}">
+                      <a16:colId xmlns:a16="http://schemas.microsoft.com/office/drawing/2014/main" val="2948349838"/>
+                    </a:ext>
+                  </a:extLst>
+                </a:gridCol>
+              </a:tblGrid>
+              <a:tr h="603719">
+                <a:tc>
+                  <a:txBody>
+                    <a:bodyPr/>
+                    <a:lstStyle/>
+                    <a:p>
+                      <a:r>
+                        <a:rPr lang="de-DE" dirty="0"/>
+                        <a:t>Zahl</a:t>
+                      </a:r>
+                    </a:p>
+                  </a:txBody>
+                  <a:tcPr/>
+                </a:tc>
+                <a:tc>
+                  <a:txBody>
+                    <a:bodyPr/>
+                    <a:lstStyle/>
+                    <a:p>
+                      <a:r>
+                        <a:rPr lang="de-DE" dirty="0"/>
+                        <a:t>Vorzeichenlos</a:t>
+                      </a:r>
+                    </a:p>
+                  </a:txBody>
+                  <a:tcPr/>
+                </a:tc>
+                <a:tc>
+                  <a:txBody>
+                    <a:bodyPr/>
+                    <a:lstStyle/>
+                    <a:p>
+                      <a:r>
+                        <a:rPr lang="de-DE" dirty="0"/>
+                        <a:t>Vorzeichenbit</a:t>
+                      </a:r>
+                    </a:p>
+                  </a:txBody>
+                  <a:tcPr/>
+                </a:tc>
+                <a:tc>
+                  <a:txBody>
+                    <a:bodyPr/>
+                    <a:lstStyle/>
+                    <a:p>
+                      <a:r>
+                        <a:rPr lang="de-DE" dirty="0"/>
+                        <a:t>Einerkomplement</a:t>
+                      </a:r>
+                    </a:p>
+                  </a:txBody>
+                  <a:tcPr/>
+                </a:tc>
+                <a:tc>
+                  <a:txBody>
+                    <a:bodyPr/>
+                    <a:lstStyle/>
+                    <a:p>
+                      <a:r>
+                        <a:rPr lang="de-DE" dirty="0"/>
+                        <a:t>Zweierkomplement</a:t>
+                      </a:r>
+                    </a:p>
+                  </a:txBody>
+                  <a:tcPr/>
+                </a:tc>
+                <a:extLst>
+                  <a:ext uri="{0D108BD9-81ED-4DB2-BD59-A6C34878D82A}">
+                    <a16:rowId xmlns:a16="http://schemas.microsoft.com/office/drawing/2014/main" val="1458009295"/>
+                  </a:ext>
+                </a:extLst>
+              </a:tr>
+              <a:tr h="603719">
+                <a:tc>
+                  <a:txBody>
+                    <a:bodyPr/>
+                    <a:lstStyle/>
+                    <a:p>
+                      <a:r>
+                        <a:rPr lang="de-DE" dirty="0"/>
+                        <a:t>37</a:t>
+                      </a:r>
+                    </a:p>
+                  </a:txBody>
+                  <a:tcPr/>
+                </a:tc>
+                <a:tc>
+                  <a:txBody>
+                    <a:bodyPr/>
+                    <a:lstStyle/>
+                    <a:p>
+                      <a:r>
+                        <a:rPr lang="de-DE" dirty="0"/>
+                        <a:t>100101 = 32 + 4 + 1</a:t>
+                      </a:r>
+                    </a:p>
+                  </a:txBody>
+                  <a:tcPr/>
+                </a:tc>
+                <a:tc>
+                  <a:txBody>
+                    <a:bodyPr/>
+                    <a:lstStyle/>
+                    <a:p>
+                      <a:r>
+                        <a:rPr lang="de-DE" dirty="0"/>
+                        <a:t>-</a:t>
+                      </a:r>
+                    </a:p>
+                  </a:txBody>
+                  <a:tcPr/>
+                </a:tc>
+                <a:tc>
+                  <a:txBody>
+                    <a:bodyPr/>
+                    <a:lstStyle/>
+                    <a:p>
+                      <a:r>
+                        <a:rPr lang="de-DE" dirty="0"/>
+                        <a:t>-</a:t>
+                      </a:r>
+                    </a:p>
+                  </a:txBody>
+                  <a:tcPr/>
+                </a:tc>
+                <a:tc>
+                  <a:txBody>
+                    <a:bodyPr/>
+                    <a:lstStyle/>
+                    <a:p>
+                      <a:r>
+                        <a:rPr lang="de-DE" dirty="0"/>
+                        <a:t>-</a:t>
+                      </a:r>
+                    </a:p>
+                  </a:txBody>
+                  <a:tcPr/>
+                </a:tc>
+                <a:extLst>
+                  <a:ext uri="{0D108BD9-81ED-4DB2-BD59-A6C34878D82A}">
+                    <a16:rowId xmlns:a16="http://schemas.microsoft.com/office/drawing/2014/main" val="3527702699"/>
+                  </a:ext>
+                </a:extLst>
+              </a:tr>
+              <a:tr h="1042036">
+                <a:tc>
+                  <a:txBody>
+                    <a:bodyPr/>
+                    <a:lstStyle/>
+                    <a:p>
+                      <a:r>
+                        <a:rPr lang="de-DE" dirty="0"/>
+                        <a:t>-1</a:t>
+                      </a:r>
+                    </a:p>
+                  </a:txBody>
+                  <a:tcPr/>
+                </a:tc>
+                <a:tc>
+                  <a:txBody>
+                    <a:bodyPr/>
+                    <a:lstStyle/>
+                    <a:p>
+                      <a:r>
+                        <a:rPr lang="de-DE" dirty="0"/>
+                        <a:t>-</a:t>
+                      </a:r>
+                    </a:p>
+                  </a:txBody>
+                  <a:tcPr/>
+                </a:tc>
+                <a:tc>
+                  <a:txBody>
+                    <a:bodyPr/>
+                    <a:lstStyle/>
+                    <a:p>
+                      <a:r>
+                        <a:rPr lang="de-DE" dirty="0"/>
+                        <a:t>100001 = -1 x (1)</a:t>
+                      </a:r>
+                    </a:p>
+                  </a:txBody>
+                  <a:tcPr/>
+                </a:tc>
+                <a:tc>
+                  <a:txBody>
+                    <a:bodyPr/>
+                    <a:lstStyle/>
+                    <a:p>
+                      <a:r>
+                        <a:rPr lang="de-DE" dirty="0"/>
+                        <a:t>111110, da 000001 = 1</a:t>
+                      </a:r>
+                    </a:p>
+                  </a:txBody>
+                  <a:tcPr/>
+                </a:tc>
+                <a:tc>
+                  <a:txBody>
+                    <a:bodyPr/>
+                    <a:lstStyle/>
+                    <a:p>
+                      <a:r>
+                        <a:rPr lang="de-DE" dirty="0"/>
+                        <a:t>111111 = -32 + 16 + 8 + 6 + 4 + 2 + 1</a:t>
+                      </a:r>
+                    </a:p>
+                  </a:txBody>
+                  <a:tcPr/>
+                </a:tc>
+                <a:extLst>
+                  <a:ext uri="{0D108BD9-81ED-4DB2-BD59-A6C34878D82A}">
+                    <a16:rowId xmlns:a16="http://schemas.microsoft.com/office/drawing/2014/main" val="3285527027"/>
+                  </a:ext>
+                </a:extLst>
+              </a:tr>
+              <a:tr h="603719">
+                <a:tc>
+                  <a:txBody>
+                    <a:bodyPr/>
+                    <a:lstStyle/>
+                    <a:p>
+                      <a:r>
+                        <a:rPr lang="de-DE" dirty="0"/>
+                        <a:t>-31</a:t>
+                      </a:r>
+                    </a:p>
+                  </a:txBody>
+                  <a:tcPr/>
+                </a:tc>
+                <a:tc>
+                  <a:txBody>
+                    <a:bodyPr/>
+                    <a:lstStyle/>
+                    <a:p>
+                      <a:r>
+                        <a:rPr lang="de-DE" dirty="0"/>
+                        <a:t>-</a:t>
+                      </a:r>
+                    </a:p>
+                  </a:txBody>
+                  <a:tcPr/>
+                </a:tc>
+                <a:tc>
+                  <a:txBody>
+                    <a:bodyPr/>
+                    <a:lstStyle/>
+                    <a:p>
+                      <a:r>
+                        <a:rPr lang="de-DE" dirty="0"/>
+                        <a:t>-</a:t>
+                      </a:r>
+                    </a:p>
+                  </a:txBody>
+                  <a:tcPr/>
+                </a:tc>
+                <a:tc>
+                  <a:txBody>
+                    <a:bodyPr/>
+                    <a:lstStyle/>
+                    <a:p>
+                      <a:r>
+                        <a:rPr lang="de-DE" dirty="0"/>
+                        <a:t>10000, da 011111 = 31</a:t>
+                      </a:r>
+                    </a:p>
+                  </a:txBody>
+                  <a:tcPr/>
+                </a:tc>
+                <a:tc>
+                  <a:txBody>
+                    <a:bodyPr/>
+                    <a:lstStyle/>
+                    <a:p>
+                      <a:r>
+                        <a:rPr lang="de-DE" dirty="0"/>
+                        <a:t>100001 = -32 + 1</a:t>
+                      </a:r>
+                    </a:p>
+                  </a:txBody>
+                  <a:tcPr/>
+                </a:tc>
+                <a:extLst>
+                  <a:ext uri="{0D108BD9-81ED-4DB2-BD59-A6C34878D82A}">
+                    <a16:rowId xmlns:a16="http://schemas.microsoft.com/office/drawing/2014/main" val="586399044"/>
+                  </a:ext>
+                </a:extLst>
+              </a:tr>
+            </a:tbl>
+          </a:graphicData>
+        </a:graphic>
+      </p:graphicFrame>
+      <p:sp>
+        <p:nvSpPr>
+          <p:cNvPr id="6" name="Textfeld 5">
+            <a:extLst>
+              <a:ext uri="{FF2B5EF4-FFF2-40B4-BE49-F238E27FC236}">
+                <a16:creationId xmlns:a16="http://schemas.microsoft.com/office/drawing/2014/main" id="{7E33D22C-6212-FDEF-4425-51F6F27B5241}"/>
+              </a:ext>
+            </a:extLst>
+          </p:cNvPr>
+          <p:cNvSpPr txBox="1"/>
+          <p:nvPr/>
+        </p:nvSpPr>
+        <p:spPr>
+          <a:xfrm>
+            <a:off x="809625" y="5050971"/>
+            <a:ext cx="10435318" cy="923330"/>
+          </a:xfrm>
+          <a:prstGeom prst="rect">
+            <a:avLst/>
+          </a:prstGeom>
+          <a:noFill/>
+        </p:spPr>
+        <p:txBody>
+          <a:bodyPr wrap="square" rtlCol="0">
+            <a:spAutoFit/>
+          </a:bodyPr>
+          <a:lstStyle/>
+          <a:p>
+            <a:pPr marL="342900" indent="-342900">
+              <a:buFont typeface="+mj-lt"/>
+              <a:buAutoNum type="arabicPeriod"/>
+            </a:pPr>
+            <a:r>
+              <a:rPr lang="de-DE" dirty="0"/>
+              <a:t>Denkt an den Betrag, den man maximal darstellen kann.</a:t>
+            </a:r>
+          </a:p>
+          <a:p>
+            <a:pPr marL="342900" indent="-342900">
+              <a:buFont typeface="+mj-lt"/>
+              <a:buAutoNum type="arabicPeriod"/>
+            </a:pPr>
+            <a:r>
+              <a:rPr lang="de-DE" dirty="0"/>
+              <a:t>Einerkomplement bildet man einfach über das Komplement der positiven Zahl.</a:t>
+            </a:r>
+          </a:p>
+          <a:p>
+            <a:pPr marL="342900" indent="-342900">
+              <a:buFont typeface="+mj-lt"/>
+              <a:buAutoNum type="arabicPeriod"/>
+            </a:pPr>
+            <a:r>
+              <a:rPr lang="de-DE" dirty="0"/>
+              <a:t>Ihr müsst das Zweierkomplement bilden und damit rechnen können.</a:t>
+            </a:r>
+          </a:p>
+        </p:txBody>
+      </p:sp>
+    </p:spTree>
+    <p:extLst>
+      <p:ext uri="{BB962C8B-B14F-4D97-AF65-F5344CB8AC3E}">
+        <p14:creationId xmlns:p14="http://schemas.microsoft.com/office/powerpoint/2010/main" val="553676267"/>
+      </p:ext>
+    </p:extLst>
+  </p:cSld>
+  <p:clrMapOvr>
+    <a:masterClrMapping/>
+  </p:clrMapOvr>
+  <p:timing>
+    <p:tnLst>
+      <p:par>
+        <p:cTn id="1" dur="indefinite" restart="never" nodeType="tmRoot">
+          <p:childTnLst>
+            <p:seq concurrent="1" nextAc="seek">
+              <p:cTn id="2" dur="indefinite" nodeType="mainSeq">
+                <p:childTnLst>
+                  <p:par>
+                    <p:cTn id="3" fill="hold">
+                      <p:stCondLst>
+                        <p:cond delay="indefinite"/>
+                      </p:stCondLst>
+                      <p:childTnLst>
+                        <p:par>
+                          <p:cTn id="4" fill="hold">
+                            <p:stCondLst>
+                              <p:cond delay="0"/>
+                            </p:stCondLst>
+                            <p:childTnLst>
+                              <p:par>
+                                <p:cTn id="5" presetID="1" presetClass="entr" presetSubtype="0" fill="hold" nodeType="clickEffect">
+                                  <p:stCondLst>
+                                    <p:cond delay="0"/>
+                                  </p:stCondLst>
+                                  <p:childTnLst>
+                                    <p:set>
+                                      <p:cBhvr>
+                                        <p:cTn id="6" dur="1" fill="hold">
+                                          <p:stCondLst>
+                                            <p:cond delay="0"/>
+                                          </p:stCondLst>
+                                        </p:cTn>
+                                        <p:tgtEl>
+                                          <p:spTgt spid="4"/>
+                                        </p:tgtEl>
+                                        <p:attrNameLst>
+                                          <p:attrName>style.visibility</p:attrName>
+                                        </p:attrNameLst>
+                                      </p:cBhvr>
+                                      <p:to>
+                                        <p:strVal val="visible"/>
+                                      </p:to>
+                                    </p:set>
+                                  </p:childTnLst>
+                                </p:cTn>
+                              </p:par>
+                            </p:childTnLst>
+                          </p:cTn>
+                        </p:par>
+                      </p:childTnLst>
+                    </p:cTn>
+                  </p:par>
+                  <p:par>
+                    <p:cTn id="7" fill="hold">
+                      <p:stCondLst>
+                        <p:cond delay="indefinite"/>
+                      </p:stCondLst>
+                      <p:childTnLst>
+                        <p:par>
+                          <p:cTn id="8" fill="hold">
+                            <p:stCondLst>
+                              <p:cond delay="0"/>
+                            </p:stCondLst>
+                            <p:childTnLst>
+                              <p:par>
+                                <p:cTn id="9" presetID="1" presetClass="entr" presetSubtype="0" fill="hold" nodeType="clickEffect">
+                                  <p:stCondLst>
+                                    <p:cond delay="0"/>
+                                  </p:stCondLst>
+                                  <p:childTnLst>
+                                    <p:set>
+                                      <p:cBhvr>
+                                        <p:cTn id="10" dur="1" fill="hold">
+                                          <p:stCondLst>
+                                            <p:cond delay="0"/>
+                                          </p:stCondLst>
+                                        </p:cTn>
+                                        <p:tgtEl>
+                                          <p:spTgt spid="6">
+                                            <p:txEl>
+                                              <p:pRg st="0" end="0"/>
+                                            </p:txEl>
+                                          </p:spTgt>
+                                        </p:tgtEl>
+                                        <p:attrNameLst>
+                                          <p:attrName>style.visibility</p:attrName>
+                                        </p:attrNameLst>
+                                      </p:cBhvr>
+                                      <p:to>
+                                        <p:strVal val="visible"/>
+                                      </p:to>
+                                    </p:set>
+                                  </p:childTnLst>
+                                </p:cTn>
+                              </p:par>
+                            </p:childTnLst>
+                          </p:cTn>
+                        </p:par>
+                      </p:childTnLst>
+                    </p:cTn>
+                  </p:par>
+                  <p:par>
+                    <p:cTn id="11" fill="hold">
+                      <p:stCondLst>
+                        <p:cond delay="indefinite"/>
+                      </p:stCondLst>
+                      <p:childTnLst>
+                        <p:par>
+                          <p:cTn id="12" fill="hold">
+                            <p:stCondLst>
+                              <p:cond delay="0"/>
+                            </p:stCondLst>
+                            <p:childTnLst>
+                              <p:par>
+                                <p:cTn id="13" presetID="1" presetClass="entr" presetSubtype="0" fill="hold" nodeType="clickEffect">
+                                  <p:stCondLst>
+                                    <p:cond delay="0"/>
+                                  </p:stCondLst>
+                                  <p:childTnLst>
+                                    <p:set>
+                                      <p:cBhvr>
+                                        <p:cTn id="14" dur="1" fill="hold">
+                                          <p:stCondLst>
+                                            <p:cond delay="0"/>
+                                          </p:stCondLst>
+                                        </p:cTn>
+                                        <p:tgtEl>
+                                          <p:spTgt spid="6">
+                                            <p:txEl>
+                                              <p:pRg st="1" end="1"/>
+                                            </p:txEl>
+                                          </p:spTgt>
+                                        </p:tgtEl>
+                                        <p:attrNameLst>
+                                          <p:attrName>style.visibility</p:attrName>
+                                        </p:attrNameLst>
+                                      </p:cBhvr>
+                                      <p:to>
+                                        <p:strVal val="visible"/>
+                                      </p:to>
+                                    </p:set>
+                                  </p:childTnLst>
+                                </p:cTn>
+                              </p:par>
+                            </p:childTnLst>
+                          </p:cTn>
+                        </p:par>
+                      </p:childTnLst>
+                    </p:cTn>
+                  </p:par>
+                  <p:par>
+                    <p:cTn id="15" fill="hold">
+                      <p:stCondLst>
+                        <p:cond delay="indefinite"/>
+                      </p:stCondLst>
+                      <p:childTnLst>
+                        <p:par>
+                          <p:cTn id="16" fill="hold">
+                            <p:stCondLst>
+                              <p:cond delay="0"/>
+                            </p:stCondLst>
+                            <p:childTnLst>
+                              <p:par>
+                                <p:cTn id="17" presetID="1" presetClass="entr" presetSubtype="0" fill="hold" nodeType="clickEffect">
+                                  <p:stCondLst>
+                                    <p:cond delay="0"/>
+                                  </p:stCondLst>
+                                  <p:childTnLst>
+                                    <p:set>
+                                      <p:cBhvr>
+                                        <p:cTn id="18" dur="1" fill="hold">
+                                          <p:stCondLst>
+                                            <p:cond delay="0"/>
+                                          </p:stCondLst>
+                                        </p:cTn>
+                                        <p:tgtEl>
+                                          <p:spTgt spid="6">
+                                            <p:txEl>
+                                              <p:pRg st="2" end="2"/>
+                                            </p:txEl>
+                                          </p:spTgt>
+                                        </p:tgtEl>
+                                        <p:attrNameLst>
+                                          <p:attrName>style.visibility</p:attrName>
+                                        </p:attrNameLst>
+                                      </p:cBhvr>
+                                      <p:to>
+                                        <p:strVal val="visible"/>
+                                      </p:to>
+                                    </p:set>
+                                  </p:childTnLst>
+                                </p:cTn>
+                              </p:par>
+                            </p:childTnLst>
+                          </p:cTn>
+                        </p:par>
+                      </p:childTnLst>
+                    </p:cTn>
+                  </p:par>
+                </p:childTnLst>
+              </p:cTn>
+              <p:prevCondLst>
+                <p:cond evt="onPrev" delay="0">
+                  <p:tgtEl>
+                    <p:sldTgt/>
+                  </p:tgtEl>
+                </p:cond>
+              </p:prevCondLst>
+              <p:nextCondLst>
+                <p:cond evt="onNext" delay="0">
+                  <p:tgtEl>
+                    <p:sldTgt/>
+                  </p:tgtEl>
+                </p:cond>
+              </p:nextCondLst>
+            </p:seq>
+          </p:childTnLst>
+        </p:cTn>
+      </p:par>
+    </p:tnLst>
+  </p:timing>
+</p:sld>
+</file>
+
+<file path=ppt/slides/slide20.xml><?xml version="1.0" encoding="utf-8"?>
 <p:sld xmlns:a="http://schemas.openxmlformats.org/drawingml/2006/main" xmlns:r="http://schemas.openxmlformats.org/officeDocument/2006/relationships" xmlns:p="http://schemas.openxmlformats.org/presentationml/2006/main">
   <p:cSld>
     <p:spTree>
@@ -8595,7 +9668,7 @@
 </p:sld>
 </file>
 
-<file path=ppt/slides/slide19.xml><?xml version="1.0" encoding="utf-8"?>
+<file path=ppt/slides/slide21.xml><?xml version="1.0" encoding="utf-8"?>
 <p:sld xmlns:a="http://schemas.openxmlformats.org/drawingml/2006/main" xmlns:r="http://schemas.openxmlformats.org/officeDocument/2006/relationships" xmlns:p="http://schemas.openxmlformats.org/presentationml/2006/main">
   <p:cSld>
     <p:spTree>
@@ -9162,705 +10235,6 @@
   <p:clrMapOvr>
     <a:masterClrMapping/>
   </p:clrMapOvr>
-</p:sld>
-</file>
-
-<file path=ppt/slides/slide2.xml><?xml version="1.0" encoding="utf-8"?>
-<p:sld xmlns:a="http://schemas.openxmlformats.org/drawingml/2006/main" xmlns:r="http://schemas.openxmlformats.org/officeDocument/2006/relationships" xmlns:p="http://schemas.openxmlformats.org/presentationml/2006/main">
-  <p:cSld>
-    <p:spTree>
-      <p:nvGrpSpPr>
-        <p:cNvPr id="1" name=""/>
-        <p:cNvGrpSpPr/>
-        <p:nvPr/>
-      </p:nvGrpSpPr>
-      <p:grpSpPr>
-        <a:xfrm>
-          <a:off x="0" y="0"/>
-          <a:ext cx="0" cy="0"/>
-          <a:chOff x="0" y="0"/>
-          <a:chExt cx="0" cy="0"/>
-        </a:xfrm>
-      </p:grpSpPr>
-      <p:sp>
-        <p:nvSpPr>
-          <p:cNvPr id="2" name="Titel 1">
-            <a:extLst>
-              <a:ext uri="{FF2B5EF4-FFF2-40B4-BE49-F238E27FC236}">
-                <a16:creationId xmlns:a16="http://schemas.microsoft.com/office/drawing/2014/main" id="{BEAD745B-E118-DF90-1A6B-73549ADF1C83}"/>
-              </a:ext>
-            </a:extLst>
-          </p:cNvPr>
-          <p:cNvSpPr>
-            <a:spLocks noGrp="1"/>
-          </p:cNvSpPr>
-          <p:nvPr>
-            <p:ph type="title"/>
-          </p:nvPr>
-        </p:nvSpPr>
-        <p:spPr/>
-        <p:txBody>
-          <a:bodyPr/>
-          <a:lstStyle/>
-          <a:p>
-            <a:r>
-              <a:rPr lang="de-DE" dirty="0"/>
-              <a:t>Aufgabe 1.1</a:t>
-            </a:r>
-          </a:p>
-        </p:txBody>
-      </p:sp>
-      <p:graphicFrame>
-        <p:nvGraphicFramePr>
-          <p:cNvPr id="4" name="Inhaltsplatzhalter 3">
-            <a:extLst>
-              <a:ext uri="{FF2B5EF4-FFF2-40B4-BE49-F238E27FC236}">
-                <a16:creationId xmlns:a16="http://schemas.microsoft.com/office/drawing/2014/main" id="{F89A3222-6D0A-B583-3338-83DC8C4B38DA}"/>
-              </a:ext>
-            </a:extLst>
-          </p:cNvPr>
-          <p:cNvGraphicFramePr>
-            <a:graphicFrameLocks noGrp="1"/>
-          </p:cNvGraphicFramePr>
-          <p:nvPr>
-            <p:ph idx="1"/>
-            <p:extLst>
-              <p:ext uri="{D42A27DB-BD31-4B8C-83A1-F6EECF244321}">
-                <p14:modId xmlns:p14="http://schemas.microsoft.com/office/powerpoint/2010/main" val="398760966"/>
-              </p:ext>
-            </p:extLst>
-          </p:nvPr>
-        </p:nvGraphicFramePr>
-        <p:xfrm>
-          <a:off x="809625" y="1773237"/>
-          <a:ext cx="10580685" cy="2889554"/>
-        </p:xfrm>
-        <a:graphic>
-          <a:graphicData uri="http://schemas.openxmlformats.org/drawingml/2006/table">
-            <a:tbl>
-              <a:tblPr firstRow="1" bandRow="1">
-                <a:tableStyleId>{00A15C55-8517-42AA-B614-E9B94910E393}</a:tableStyleId>
-              </a:tblPr>
-              <a:tblGrid>
-                <a:gridCol w="1302204">
-                  <a:extLst>
-                    <a:ext uri="{9D8B030D-6E8A-4147-A177-3AD203B41FA5}">
-                      <a16:colId xmlns:a16="http://schemas.microsoft.com/office/drawing/2014/main" val="77739209"/>
-                    </a:ext>
-                  </a:extLst>
-                </a:gridCol>
-                <a:gridCol w="2449285">
-                  <a:extLst>
-                    <a:ext uri="{9D8B030D-6E8A-4147-A177-3AD203B41FA5}">
-                      <a16:colId xmlns:a16="http://schemas.microsoft.com/office/drawing/2014/main" val="3652360773"/>
-                    </a:ext>
-                  </a:extLst>
-                </a:gridCol>
-                <a:gridCol w="2046515">
-                  <a:extLst>
-                    <a:ext uri="{9D8B030D-6E8A-4147-A177-3AD203B41FA5}">
-                      <a16:colId xmlns:a16="http://schemas.microsoft.com/office/drawing/2014/main" val="3975084939"/>
-                    </a:ext>
-                  </a:extLst>
-                </a:gridCol>
-                <a:gridCol w="2318657">
-                  <a:extLst>
-                    <a:ext uri="{9D8B030D-6E8A-4147-A177-3AD203B41FA5}">
-                      <a16:colId xmlns:a16="http://schemas.microsoft.com/office/drawing/2014/main" val="3336663794"/>
-                    </a:ext>
-                  </a:extLst>
-                </a:gridCol>
-                <a:gridCol w="2464024">
-                  <a:extLst>
-                    <a:ext uri="{9D8B030D-6E8A-4147-A177-3AD203B41FA5}">
-                      <a16:colId xmlns:a16="http://schemas.microsoft.com/office/drawing/2014/main" val="2948349838"/>
-                    </a:ext>
-                  </a:extLst>
-                </a:gridCol>
-              </a:tblGrid>
-              <a:tr h="603719">
-                <a:tc>
-                  <a:txBody>
-                    <a:bodyPr/>
-                    <a:lstStyle/>
-                    <a:p>
-                      <a:r>
-                        <a:rPr lang="de-DE" dirty="0"/>
-                        <a:t>Zahl</a:t>
-                      </a:r>
-                    </a:p>
-                  </a:txBody>
-                  <a:tcPr/>
-                </a:tc>
-                <a:tc>
-                  <a:txBody>
-                    <a:bodyPr/>
-                    <a:lstStyle/>
-                    <a:p>
-                      <a:r>
-                        <a:rPr lang="de-DE" dirty="0"/>
-                        <a:t>Vorzeichenlos</a:t>
-                      </a:r>
-                    </a:p>
-                  </a:txBody>
-                  <a:tcPr/>
-                </a:tc>
-                <a:tc>
-                  <a:txBody>
-                    <a:bodyPr/>
-                    <a:lstStyle/>
-                    <a:p>
-                      <a:r>
-                        <a:rPr lang="de-DE" dirty="0"/>
-                        <a:t>Vorzeichenbit</a:t>
-                      </a:r>
-                    </a:p>
-                  </a:txBody>
-                  <a:tcPr/>
-                </a:tc>
-                <a:tc>
-                  <a:txBody>
-                    <a:bodyPr/>
-                    <a:lstStyle/>
-                    <a:p>
-                      <a:r>
-                        <a:rPr lang="de-DE" dirty="0"/>
-                        <a:t>Einerkomplement</a:t>
-                      </a:r>
-                    </a:p>
-                  </a:txBody>
-                  <a:tcPr/>
-                </a:tc>
-                <a:tc>
-                  <a:txBody>
-                    <a:bodyPr/>
-                    <a:lstStyle/>
-                    <a:p>
-                      <a:r>
-                        <a:rPr lang="de-DE" dirty="0"/>
-                        <a:t>Zweierkomplement</a:t>
-                      </a:r>
-                    </a:p>
-                  </a:txBody>
-                  <a:tcPr/>
-                </a:tc>
-                <a:extLst>
-                  <a:ext uri="{0D108BD9-81ED-4DB2-BD59-A6C34878D82A}">
-                    <a16:rowId xmlns:a16="http://schemas.microsoft.com/office/drawing/2014/main" val="1458009295"/>
-                  </a:ext>
-                </a:extLst>
-              </a:tr>
-              <a:tr h="603719">
-                <a:tc>
-                  <a:txBody>
-                    <a:bodyPr/>
-                    <a:lstStyle/>
-                    <a:p>
-                      <a:r>
-                        <a:rPr lang="de-DE" dirty="0"/>
-                        <a:t>37</a:t>
-                      </a:r>
-                    </a:p>
-                  </a:txBody>
-                  <a:tcPr/>
-                </a:tc>
-                <a:tc>
-                  <a:txBody>
-                    <a:bodyPr/>
-                    <a:lstStyle/>
-                    <a:p>
-                      <a:r>
-                        <a:rPr lang="de-DE" dirty="0"/>
-                        <a:t>100101 = 32 + 4 + 1</a:t>
-                      </a:r>
-                    </a:p>
-                  </a:txBody>
-                  <a:tcPr/>
-                </a:tc>
-                <a:tc>
-                  <a:txBody>
-                    <a:bodyPr/>
-                    <a:lstStyle/>
-                    <a:p>
-                      <a:r>
-                        <a:rPr lang="de-DE" dirty="0"/>
-                        <a:t>-</a:t>
-                      </a:r>
-                    </a:p>
-                  </a:txBody>
-                  <a:tcPr/>
-                </a:tc>
-                <a:tc>
-                  <a:txBody>
-                    <a:bodyPr/>
-                    <a:lstStyle/>
-                    <a:p>
-                      <a:r>
-                        <a:rPr lang="de-DE" dirty="0"/>
-                        <a:t>-</a:t>
-                      </a:r>
-                    </a:p>
-                  </a:txBody>
-                  <a:tcPr/>
-                </a:tc>
-                <a:tc>
-                  <a:txBody>
-                    <a:bodyPr/>
-                    <a:lstStyle/>
-                    <a:p>
-                      <a:r>
-                        <a:rPr lang="de-DE" dirty="0"/>
-                        <a:t>-</a:t>
-                      </a:r>
-                    </a:p>
-                  </a:txBody>
-                  <a:tcPr/>
-                </a:tc>
-                <a:extLst>
-                  <a:ext uri="{0D108BD9-81ED-4DB2-BD59-A6C34878D82A}">
-                    <a16:rowId xmlns:a16="http://schemas.microsoft.com/office/drawing/2014/main" val="3527702699"/>
-                  </a:ext>
-                </a:extLst>
-              </a:tr>
-              <a:tr h="1042036">
-                <a:tc>
-                  <a:txBody>
-                    <a:bodyPr/>
-                    <a:lstStyle/>
-                    <a:p>
-                      <a:r>
-                        <a:rPr lang="de-DE" dirty="0"/>
-                        <a:t>-1</a:t>
-                      </a:r>
-                    </a:p>
-                  </a:txBody>
-                  <a:tcPr/>
-                </a:tc>
-                <a:tc>
-                  <a:txBody>
-                    <a:bodyPr/>
-                    <a:lstStyle/>
-                    <a:p>
-                      <a:r>
-                        <a:rPr lang="de-DE" dirty="0"/>
-                        <a:t>-</a:t>
-                      </a:r>
-                    </a:p>
-                  </a:txBody>
-                  <a:tcPr/>
-                </a:tc>
-                <a:tc>
-                  <a:txBody>
-                    <a:bodyPr/>
-                    <a:lstStyle/>
-                    <a:p>
-                      <a:r>
-                        <a:rPr lang="de-DE" dirty="0"/>
-                        <a:t>100001 = -1 x (1)</a:t>
-                      </a:r>
-                    </a:p>
-                  </a:txBody>
-                  <a:tcPr/>
-                </a:tc>
-                <a:tc>
-                  <a:txBody>
-                    <a:bodyPr/>
-                    <a:lstStyle/>
-                    <a:p>
-                      <a:r>
-                        <a:rPr lang="de-DE" dirty="0"/>
-                        <a:t>111110, da 000001 = 1</a:t>
-                      </a:r>
-                    </a:p>
-                  </a:txBody>
-                  <a:tcPr/>
-                </a:tc>
-                <a:tc>
-                  <a:txBody>
-                    <a:bodyPr/>
-                    <a:lstStyle/>
-                    <a:p>
-                      <a:r>
-                        <a:rPr lang="de-DE" dirty="0"/>
-                        <a:t>111111 = -32 + 16 + 8 + 6 + 4 + 2 + 1</a:t>
-                      </a:r>
-                    </a:p>
-                  </a:txBody>
-                  <a:tcPr/>
-                </a:tc>
-                <a:extLst>
-                  <a:ext uri="{0D108BD9-81ED-4DB2-BD59-A6C34878D82A}">
-                    <a16:rowId xmlns:a16="http://schemas.microsoft.com/office/drawing/2014/main" val="3285527027"/>
-                  </a:ext>
-                </a:extLst>
-              </a:tr>
-              <a:tr h="603719">
-                <a:tc>
-                  <a:txBody>
-                    <a:bodyPr/>
-                    <a:lstStyle/>
-                    <a:p>
-                      <a:r>
-                        <a:rPr lang="de-DE" dirty="0"/>
-                        <a:t>-31</a:t>
-                      </a:r>
-                    </a:p>
-                  </a:txBody>
-                  <a:tcPr/>
-                </a:tc>
-                <a:tc>
-                  <a:txBody>
-                    <a:bodyPr/>
-                    <a:lstStyle/>
-                    <a:p>
-                      <a:r>
-                        <a:rPr lang="de-DE" dirty="0"/>
-                        <a:t>-</a:t>
-                      </a:r>
-                    </a:p>
-                  </a:txBody>
-                  <a:tcPr/>
-                </a:tc>
-                <a:tc>
-                  <a:txBody>
-                    <a:bodyPr/>
-                    <a:lstStyle/>
-                    <a:p>
-                      <a:r>
-                        <a:rPr lang="de-DE" dirty="0"/>
-                        <a:t>-</a:t>
-                      </a:r>
-                    </a:p>
-                  </a:txBody>
-                  <a:tcPr/>
-                </a:tc>
-                <a:tc>
-                  <a:txBody>
-                    <a:bodyPr/>
-                    <a:lstStyle/>
-                    <a:p>
-                      <a:r>
-                        <a:rPr lang="de-DE" dirty="0"/>
-                        <a:t>10000, da 011111 = 31</a:t>
-                      </a:r>
-                    </a:p>
-                  </a:txBody>
-                  <a:tcPr/>
-                </a:tc>
-                <a:tc>
-                  <a:txBody>
-                    <a:bodyPr/>
-                    <a:lstStyle/>
-                    <a:p>
-                      <a:r>
-                        <a:rPr lang="de-DE" dirty="0"/>
-                        <a:t>100001 = -32 + 1</a:t>
-                      </a:r>
-                    </a:p>
-                  </a:txBody>
-                  <a:tcPr/>
-                </a:tc>
-                <a:extLst>
-                  <a:ext uri="{0D108BD9-81ED-4DB2-BD59-A6C34878D82A}">
-                    <a16:rowId xmlns:a16="http://schemas.microsoft.com/office/drawing/2014/main" val="586399044"/>
-                  </a:ext>
-                </a:extLst>
-              </a:tr>
-            </a:tbl>
-          </a:graphicData>
-        </a:graphic>
-      </p:graphicFrame>
-      <p:sp>
-        <p:nvSpPr>
-          <p:cNvPr id="6" name="Textfeld 5">
-            <a:extLst>
-              <a:ext uri="{FF2B5EF4-FFF2-40B4-BE49-F238E27FC236}">
-                <a16:creationId xmlns:a16="http://schemas.microsoft.com/office/drawing/2014/main" id="{7E33D22C-6212-FDEF-4425-51F6F27B5241}"/>
-              </a:ext>
-            </a:extLst>
-          </p:cNvPr>
-          <p:cNvSpPr txBox="1"/>
-          <p:nvPr/>
-        </p:nvSpPr>
-        <p:spPr>
-          <a:xfrm>
-            <a:off x="809625" y="5050971"/>
-            <a:ext cx="10435318" cy="923330"/>
-          </a:xfrm>
-          <a:prstGeom prst="rect">
-            <a:avLst/>
-          </a:prstGeom>
-          <a:noFill/>
-        </p:spPr>
-        <p:txBody>
-          <a:bodyPr wrap="square" rtlCol="0">
-            <a:spAutoFit/>
-          </a:bodyPr>
-          <a:lstStyle/>
-          <a:p>
-            <a:pPr marL="342900" indent="-342900">
-              <a:buFont typeface="+mj-lt"/>
-              <a:buAutoNum type="arabicPeriod"/>
-            </a:pPr>
-            <a:r>
-              <a:rPr lang="de-DE" dirty="0"/>
-              <a:t>Denkt an den Betrag, den man maximal darstellen kann.</a:t>
-            </a:r>
-          </a:p>
-          <a:p>
-            <a:pPr marL="342900" indent="-342900">
-              <a:buFont typeface="+mj-lt"/>
-              <a:buAutoNum type="arabicPeriod"/>
-            </a:pPr>
-            <a:r>
-              <a:rPr lang="de-DE" dirty="0"/>
-              <a:t>Einerkomplement bildet man einfach über das Komplement der positiven Zahl.</a:t>
-            </a:r>
-          </a:p>
-          <a:p>
-            <a:pPr marL="342900" indent="-342900">
-              <a:buFont typeface="+mj-lt"/>
-              <a:buAutoNum type="arabicPeriod"/>
-            </a:pPr>
-            <a:r>
-              <a:rPr lang="de-DE" dirty="0"/>
-              <a:t>Ihr müsst das Zweierkomplement bilden und damit rechnen können.</a:t>
-            </a:r>
-          </a:p>
-        </p:txBody>
-      </p:sp>
-    </p:spTree>
-    <p:extLst>
-      <p:ext uri="{BB962C8B-B14F-4D97-AF65-F5344CB8AC3E}">
-        <p14:creationId xmlns:p14="http://schemas.microsoft.com/office/powerpoint/2010/main" val="553676267"/>
-      </p:ext>
-    </p:extLst>
-  </p:cSld>
-  <p:clrMapOvr>
-    <a:masterClrMapping/>
-  </p:clrMapOvr>
-  <p:timing>
-    <p:tnLst>
-      <p:par>
-        <p:cTn id="1" dur="indefinite" restart="never" nodeType="tmRoot">
-          <p:childTnLst>
-            <p:seq concurrent="1" nextAc="seek">
-              <p:cTn id="2" dur="indefinite" nodeType="mainSeq">
-                <p:childTnLst>
-                  <p:par>
-                    <p:cTn id="3" fill="hold">
-                      <p:stCondLst>
-                        <p:cond delay="indefinite"/>
-                      </p:stCondLst>
-                      <p:childTnLst>
-                        <p:par>
-                          <p:cTn id="4" fill="hold">
-                            <p:stCondLst>
-                              <p:cond delay="0"/>
-                            </p:stCondLst>
-                            <p:childTnLst>
-                              <p:par>
-                                <p:cTn id="5" presetID="1" presetClass="entr" presetSubtype="0" fill="hold" nodeType="clickEffect">
-                                  <p:stCondLst>
-                                    <p:cond delay="0"/>
-                                  </p:stCondLst>
-                                  <p:childTnLst>
-                                    <p:set>
-                                      <p:cBhvr>
-                                        <p:cTn id="6" dur="1" fill="hold">
-                                          <p:stCondLst>
-                                            <p:cond delay="0"/>
-                                          </p:stCondLst>
-                                        </p:cTn>
-                                        <p:tgtEl>
-                                          <p:spTgt spid="4"/>
-                                        </p:tgtEl>
-                                        <p:attrNameLst>
-                                          <p:attrName>style.visibility</p:attrName>
-                                        </p:attrNameLst>
-                                      </p:cBhvr>
-                                      <p:to>
-                                        <p:strVal val="visible"/>
-                                      </p:to>
-                                    </p:set>
-                                  </p:childTnLst>
-                                </p:cTn>
-                              </p:par>
-                            </p:childTnLst>
-                          </p:cTn>
-                        </p:par>
-                      </p:childTnLst>
-                    </p:cTn>
-                  </p:par>
-                  <p:par>
-                    <p:cTn id="7" fill="hold">
-                      <p:stCondLst>
-                        <p:cond delay="indefinite"/>
-                      </p:stCondLst>
-                      <p:childTnLst>
-                        <p:par>
-                          <p:cTn id="8" fill="hold">
-                            <p:stCondLst>
-                              <p:cond delay="0"/>
-                            </p:stCondLst>
-                            <p:childTnLst>
-                              <p:par>
-                                <p:cTn id="9" presetID="1" presetClass="entr" presetSubtype="0" fill="hold" nodeType="clickEffect">
-                                  <p:stCondLst>
-                                    <p:cond delay="0"/>
-                                  </p:stCondLst>
-                                  <p:childTnLst>
-                                    <p:set>
-                                      <p:cBhvr>
-                                        <p:cTn id="10" dur="1" fill="hold">
-                                          <p:stCondLst>
-                                            <p:cond delay="0"/>
-                                          </p:stCondLst>
-                                        </p:cTn>
-                                        <p:tgtEl>
-                                          <p:spTgt spid="6">
-                                            <p:txEl>
-                                              <p:pRg st="0" end="0"/>
-                                            </p:txEl>
-                                          </p:spTgt>
-                                        </p:tgtEl>
-                                        <p:attrNameLst>
-                                          <p:attrName>style.visibility</p:attrName>
-                                        </p:attrNameLst>
-                                      </p:cBhvr>
-                                      <p:to>
-                                        <p:strVal val="visible"/>
-                                      </p:to>
-                                    </p:set>
-                                  </p:childTnLst>
-                                </p:cTn>
-                              </p:par>
-                            </p:childTnLst>
-                          </p:cTn>
-                        </p:par>
-                      </p:childTnLst>
-                    </p:cTn>
-                  </p:par>
-                  <p:par>
-                    <p:cTn id="11" fill="hold">
-                      <p:stCondLst>
-                        <p:cond delay="indefinite"/>
-                      </p:stCondLst>
-                      <p:childTnLst>
-                        <p:par>
-                          <p:cTn id="12" fill="hold">
-                            <p:stCondLst>
-                              <p:cond delay="0"/>
-                            </p:stCondLst>
-                            <p:childTnLst>
-                              <p:par>
-                                <p:cTn id="13" presetID="1" presetClass="entr" presetSubtype="0" fill="hold" nodeType="clickEffect">
-                                  <p:stCondLst>
-                                    <p:cond delay="0"/>
-                                  </p:stCondLst>
-                                  <p:childTnLst>
-                                    <p:set>
-                                      <p:cBhvr>
-                                        <p:cTn id="14" dur="1" fill="hold">
-                                          <p:stCondLst>
-                                            <p:cond delay="0"/>
-                                          </p:stCondLst>
-                                        </p:cTn>
-                                        <p:tgtEl>
-                                          <p:spTgt spid="6">
-                                            <p:txEl>
-                                              <p:pRg st="1" end="1"/>
-                                            </p:txEl>
-                                          </p:spTgt>
-                                        </p:tgtEl>
-                                        <p:attrNameLst>
-                                          <p:attrName>style.visibility</p:attrName>
-                                        </p:attrNameLst>
-                                      </p:cBhvr>
-                                      <p:to>
-                                        <p:strVal val="visible"/>
-                                      </p:to>
-                                    </p:set>
-                                  </p:childTnLst>
-                                </p:cTn>
-                              </p:par>
-                            </p:childTnLst>
-                          </p:cTn>
-                        </p:par>
-                      </p:childTnLst>
-                    </p:cTn>
-                  </p:par>
-                  <p:par>
-                    <p:cTn id="15" fill="hold">
-                      <p:stCondLst>
-                        <p:cond delay="indefinite"/>
-                      </p:stCondLst>
-                      <p:childTnLst>
-                        <p:par>
-                          <p:cTn id="16" fill="hold">
-                            <p:stCondLst>
-                              <p:cond delay="0"/>
-                            </p:stCondLst>
-                            <p:childTnLst>
-                              <p:par>
-                                <p:cTn id="17" presetID="1" presetClass="entr" presetSubtype="0" fill="hold" nodeType="clickEffect">
-                                  <p:stCondLst>
-                                    <p:cond delay="0"/>
-                                  </p:stCondLst>
-                                  <p:childTnLst>
-                                    <p:set>
-                                      <p:cBhvr>
-                                        <p:cTn id="18" dur="1" fill="hold">
-                                          <p:stCondLst>
-                                            <p:cond delay="0"/>
-                                          </p:stCondLst>
-                                        </p:cTn>
-                                        <p:tgtEl>
-                                          <p:spTgt spid="6">
-                                            <p:txEl>
-                                              <p:pRg st="2" end="2"/>
-                                            </p:txEl>
-                                          </p:spTgt>
-                                        </p:tgtEl>
-                                        <p:attrNameLst>
-                                          <p:attrName>style.visibility</p:attrName>
-                                        </p:attrNameLst>
-                                      </p:cBhvr>
-                                      <p:to>
-                                        <p:strVal val="visible"/>
-                                      </p:to>
-                                    </p:set>
-                                  </p:childTnLst>
-                                </p:cTn>
-                              </p:par>
-                            </p:childTnLst>
-                          </p:cTn>
-                        </p:par>
-                      </p:childTnLst>
-                    </p:cTn>
-                  </p:par>
-                </p:childTnLst>
-              </p:cTn>
-              <p:prevCondLst>
-                <p:cond evt="onPrev" delay="0">
-                  <p:tgtEl>
-                    <p:sldTgt/>
-                  </p:tgtEl>
-                </p:cond>
-              </p:prevCondLst>
-              <p:nextCondLst>
-                <p:cond evt="onNext" delay="0">
-                  <p:tgtEl>
-                    <p:sldTgt/>
-                  </p:tgtEl>
-                </p:cond>
-              </p:nextCondLst>
-            </p:seq>
-          </p:childTnLst>
-        </p:cTn>
-      </p:par>
-    </p:tnLst>
-  </p:timing>
 </p:sld>
 </file>
 
@@ -16400,14 +16774,12 @@
 </file>
 
 <file path=customXml/item1.xml><?xml version="1.0" encoding="utf-8"?>
-<p:properties xmlns:p="http://schemas.microsoft.com/office/2006/metadata/properties" xmlns:xsi="http://www.w3.org/2001/XMLSchema-instance" xmlns:pc="http://schemas.microsoft.com/office/infopath/2007/PartnerControls">
-  <documentManagement>
-    <TaxCatchAll xmlns="e08cfc56-8307-41e5-898e-b333c51beffa" xsi:nil="true"/>
-    <lcf76f155ced4ddcb4097134ff3c332f xmlns="f957fcc5-14ca-4ecf-9842-9f00d595875c">
-      <Terms xmlns="http://schemas.microsoft.com/office/infopath/2007/PartnerControls"/>
-    </lcf76f155ced4ddcb4097134ff3c332f>
-  </documentManagement>
-</p:properties>
+<?mso-contentType ?>
+<FormTemplates xmlns="http://schemas.microsoft.com/sharepoint/v3/contenttype/forms">
+  <Display>DocumentLibraryForm</Display>
+  <Edit>DocumentLibraryForm</Edit>
+  <New>DocumentLibraryForm</New>
+</FormTemplates>
 </file>
 
 <file path=customXml/item2.xml><?xml version="1.0" encoding="utf-8"?>
@@ -16648,27 +17020,20 @@
 </file>
 
 <file path=customXml/item3.xml><?xml version="1.0" encoding="utf-8"?>
-<?mso-contentType ?>
-<FormTemplates xmlns="http://schemas.microsoft.com/sharepoint/v3/contenttype/forms">
-  <Display>DocumentLibraryForm</Display>
-  <Edit>DocumentLibraryForm</Edit>
-  <New>DocumentLibraryForm</New>
-</FormTemplates>
+<p:properties xmlns:p="http://schemas.microsoft.com/office/2006/metadata/properties" xmlns:xsi="http://www.w3.org/2001/XMLSchema-instance" xmlns:pc="http://schemas.microsoft.com/office/infopath/2007/PartnerControls">
+  <documentManagement>
+    <TaxCatchAll xmlns="e08cfc56-8307-41e5-898e-b333c51beffa" xsi:nil="true"/>
+    <lcf76f155ced4ddcb4097134ff3c332f xmlns="f957fcc5-14ca-4ecf-9842-9f00d595875c">
+      <Terms xmlns="http://schemas.microsoft.com/office/infopath/2007/PartnerControls"/>
+    </lcf76f155ced4ddcb4097134ff3c332f>
+  </documentManagement>
+</p:properties>
 </file>
 
 <file path=customXml/itemProps1.xml><?xml version="1.0" encoding="utf-8"?>
-<ds:datastoreItem xmlns:ds="http://schemas.openxmlformats.org/officeDocument/2006/customXml" ds:itemID="{01C86142-AC43-4D34-9C61-6017C7A1D49D}">
+<ds:datastoreItem xmlns:ds="http://schemas.openxmlformats.org/officeDocument/2006/customXml" ds:itemID="{AC48F4C2-72FB-464C-8474-E470A160399A}">
   <ds:schemaRefs>
-    <ds:schemaRef ds:uri="e08cfc56-8307-41e5-898e-b333c51beffa"/>
-    <ds:schemaRef ds:uri="f957fcc5-14ca-4ecf-9842-9f00d595875c"/>
-    <ds:schemaRef ds:uri="http://schemas.openxmlformats.org/package/2006/metadata/core-properties"/>
-    <ds:schemaRef ds:uri="http://purl.org/dc/elements/1.1/"/>
-    <ds:schemaRef ds:uri="http://schemas.microsoft.com/office/2006/documentManagement/types"/>
-    <ds:schemaRef ds:uri="http://www.w3.org/XML/1998/namespace"/>
-    <ds:schemaRef ds:uri="http://schemas.microsoft.com/office/infopath/2007/PartnerControls"/>
-    <ds:schemaRef ds:uri="http://schemas.microsoft.com/office/2006/metadata/properties"/>
-    <ds:schemaRef ds:uri="http://purl.org/dc/dcmitype/"/>
-    <ds:schemaRef ds:uri="http://purl.org/dc/terms/"/>
+    <ds:schemaRef ds:uri="http://schemas.microsoft.com/sharepoint/v3/contenttype/forms"/>
   </ds:schemaRefs>
 </ds:datastoreItem>
 </file>
@@ -16693,9 +17058,18 @@
 </file>
 
 <file path=customXml/itemProps3.xml><?xml version="1.0" encoding="utf-8"?>
-<ds:datastoreItem xmlns:ds="http://schemas.openxmlformats.org/officeDocument/2006/customXml" ds:itemID="{AC48F4C2-72FB-464C-8474-E470A160399A}">
+<ds:datastoreItem xmlns:ds="http://schemas.openxmlformats.org/officeDocument/2006/customXml" ds:itemID="{01C86142-AC43-4D34-9C61-6017C7A1D49D}">
   <ds:schemaRefs>
-    <ds:schemaRef ds:uri="http://schemas.microsoft.com/sharepoint/v3/contenttype/forms"/>
+    <ds:schemaRef ds:uri="e08cfc56-8307-41e5-898e-b333c51beffa"/>
+    <ds:schemaRef ds:uri="f957fcc5-14ca-4ecf-9842-9f00d595875c"/>
+    <ds:schemaRef ds:uri="http://schemas.openxmlformats.org/package/2006/metadata/core-properties"/>
+    <ds:schemaRef ds:uri="http://purl.org/dc/elements/1.1/"/>
+    <ds:schemaRef ds:uri="http://schemas.microsoft.com/office/2006/documentManagement/types"/>
+    <ds:schemaRef ds:uri="http://www.w3.org/XML/1998/namespace"/>
+    <ds:schemaRef ds:uri="http://schemas.microsoft.com/office/infopath/2007/PartnerControls"/>
+    <ds:schemaRef ds:uri="http://schemas.microsoft.com/office/2006/metadata/properties"/>
+    <ds:schemaRef ds:uri="http://purl.org/dc/dcmitype/"/>
+    <ds:schemaRef ds:uri="http://purl.org/dc/terms/"/>
   </ds:schemaRefs>
 </ds:datastoreItem>
 </file>
--- a/Probeklausur.pptx
+++ b/Probeklausur.pptx
@@ -5,10 +5,10 @@
     <p:sldMasterId id="2147483649" r:id="rId4"/>
   </p:sldMasterIdLst>
   <p:notesMasterIdLst>
-    <p:notesMasterId r:id="rId26"/>
+    <p:notesMasterId r:id="rId27"/>
   </p:notesMasterIdLst>
   <p:handoutMasterIdLst>
-    <p:handoutMasterId r:id="rId27"/>
+    <p:handoutMasterId r:id="rId28"/>
   </p:handoutMasterIdLst>
   <p:sldIdLst>
     <p:sldId id="1041" r:id="rId5"/>
@@ -23,15 +23,16 @@
     <p:sldId id="1053" r:id="rId14"/>
     <p:sldId id="1063" r:id="rId15"/>
     <p:sldId id="1064" r:id="rId16"/>
-    <p:sldId id="1054" r:id="rId17"/>
-    <p:sldId id="1055" r:id="rId18"/>
-    <p:sldId id="1056" r:id="rId19"/>
-    <p:sldId id="1057" r:id="rId20"/>
-    <p:sldId id="1058" r:id="rId21"/>
-    <p:sldId id="1059" r:id="rId22"/>
-    <p:sldId id="1060" r:id="rId23"/>
-    <p:sldId id="1061" r:id="rId24"/>
-    <p:sldId id="1062" r:id="rId25"/>
+    <p:sldId id="1066" r:id="rId17"/>
+    <p:sldId id="1054" r:id="rId18"/>
+    <p:sldId id="1055" r:id="rId19"/>
+    <p:sldId id="1056" r:id="rId20"/>
+    <p:sldId id="1057" r:id="rId21"/>
+    <p:sldId id="1058" r:id="rId22"/>
+    <p:sldId id="1059" r:id="rId23"/>
+    <p:sldId id="1060" r:id="rId24"/>
+    <p:sldId id="1061" r:id="rId25"/>
+    <p:sldId id="1062" r:id="rId26"/>
   </p:sldIdLst>
   <p:sldSz cx="12192000" cy="6858000"/>
   <p:notesSz cx="6858000" cy="9144000"/>
@@ -177,6 +178,7 @@
             <p14:sldId id="1053"/>
             <p14:sldId id="1063"/>
             <p14:sldId id="1064"/>
+            <p14:sldId id="1066"/>
             <p14:sldId id="1054"/>
             <p14:sldId id="1055"/>
             <p14:sldId id="1056"/>
@@ -232,7 +234,7 @@
 <p1510:revInfo xmlns:a="http://schemas.openxmlformats.org/drawingml/2006/main" xmlns:r="http://schemas.openxmlformats.org/officeDocument/2006/relationships" xmlns:p1510="http://schemas.microsoft.com/office/powerpoint/2015/10/main">
   <p1510:revLst>
     <p1510:client id="{CDEA013C-0C4C-7CC9-3073-C215768A4D35}" v="422" dt="2026-02-08T21:59:01.042"/>
-    <p1510:client id="{CF275D93-1AF9-5CD7-90BA-CB7126BBAC7F}" v="818" dt="2026-02-09T10:32:47.950"/>
+    <p1510:client id="{CF275D93-1AF9-5CD7-90BA-CB7126BBAC7F}" v="1256" dt="2026-02-09T10:54:02.381"/>
     <p1510:client id="{D9D7A87D-DE7C-D9BF-B02E-6FFACE30470C}" v="1" dt="2026-02-08T22:04:55.165"/>
   </p1510:revLst>
 </p1510:revInfo>
@@ -5178,6 +5180,2728 @@
         <p:cNvPr id="1" name="">
           <a:extLst>
             <a:ext uri="{FF2B5EF4-FFF2-40B4-BE49-F238E27FC236}">
+              <a16:creationId xmlns:a16="http://schemas.microsoft.com/office/drawing/2014/main" id="{D5B75204-CD83-734E-6066-7AA89FC959FA}"/>
+            </a:ext>
+          </a:extLst>
+        </p:cNvPr>
+        <p:cNvGrpSpPr/>
+        <p:nvPr/>
+      </p:nvGrpSpPr>
+      <p:grpSpPr>
+        <a:xfrm>
+          <a:off x="0" y="0"/>
+          <a:ext cx="0" cy="0"/>
+          <a:chOff x="0" y="0"/>
+          <a:chExt cx="0" cy="0"/>
+        </a:xfrm>
+      </p:grpSpPr>
+      <p:sp>
+        <p:nvSpPr>
+          <p:cNvPr id="2" name="Titel 1">
+            <a:extLst>
+              <a:ext uri="{FF2B5EF4-FFF2-40B4-BE49-F238E27FC236}">
+                <a16:creationId xmlns:a16="http://schemas.microsoft.com/office/drawing/2014/main" id="{1DDECA35-74C4-379C-0D79-D8F54A0CE937}"/>
+              </a:ext>
+            </a:extLst>
+          </p:cNvPr>
+          <p:cNvSpPr>
+            <a:spLocks noGrp="1"/>
+          </p:cNvSpPr>
+          <p:nvPr>
+            <p:ph type="title"/>
+          </p:nvPr>
+        </p:nvSpPr>
+        <p:spPr/>
+        <p:txBody>
+          <a:bodyPr/>
+          <a:lstStyle/>
+          <a:p>
+            <a:r>
+              <a:rPr lang="de-DE" dirty="0"/>
+              <a:t>Aufgabe 3.3</a:t>
+            </a:r>
+          </a:p>
+        </p:txBody>
+      </p:sp>
+      <mc:AlternateContent xmlns:mc="http://schemas.openxmlformats.org/markup-compatibility/2006">
+        <mc:Choice xmlns:a14="http://schemas.microsoft.com/office/drawing/2010/main" Requires="a14">
+          <p:graphicFrame>
+            <p:nvGraphicFramePr>
+              <p:cNvPr id="4" name="Inhaltsplatzhalter 3">
+                <a:extLst>
+                  <a:ext uri="{FF2B5EF4-FFF2-40B4-BE49-F238E27FC236}">
+                    <a16:creationId xmlns:a16="http://schemas.microsoft.com/office/drawing/2014/main" id="{29D2D660-2835-B464-8BDC-5C28B0DEA492}"/>
+                  </a:ext>
+                </a:extLst>
+              </p:cNvPr>
+              <p:cNvGraphicFramePr>
+                <a:graphicFrameLocks noGrp="1"/>
+              </p:cNvGraphicFramePr>
+              <p:nvPr>
+                <p:ph idx="1"/>
+                <p:extLst>
+                  <p:ext uri="{D42A27DB-BD31-4B8C-83A1-F6EECF244321}">
+                    <p14:modId xmlns:p14="http://schemas.microsoft.com/office/powerpoint/2010/main" val="423623281"/>
+                  </p:ext>
+                </p:extLst>
+              </p:nvPr>
+            </p:nvGraphicFramePr>
+            <p:xfrm>
+              <a:off x="1137574" y="1773238"/>
+              <a:ext cx="10262350" cy="2123440"/>
+            </p:xfrm>
+            <a:graphic>
+              <a:graphicData uri="http://schemas.openxmlformats.org/drawingml/2006/table">
+                <a:tbl>
+                  <a:tblPr firstRow="1" bandRow="1">
+                    <a:tableStyleId>{00A15C55-8517-42AA-B614-E9B94910E393}</a:tableStyleId>
+                  </a:tblPr>
+                  <a:tblGrid>
+                    <a:gridCol w="1026235">
+                      <a:extLst>
+                        <a:ext uri="{9D8B030D-6E8A-4147-A177-3AD203B41FA5}">
+                          <a16:colId xmlns:a16="http://schemas.microsoft.com/office/drawing/2014/main" val="1652158833"/>
+                        </a:ext>
+                      </a:extLst>
+                    </a:gridCol>
+                    <a:gridCol w="1026235">
+                      <a:extLst>
+                        <a:ext uri="{9D8B030D-6E8A-4147-A177-3AD203B41FA5}">
+                          <a16:colId xmlns:a16="http://schemas.microsoft.com/office/drawing/2014/main" val="2926449063"/>
+                        </a:ext>
+                      </a:extLst>
+                    </a:gridCol>
+                    <a:gridCol w="1026235">
+                      <a:extLst>
+                        <a:ext uri="{9D8B030D-6E8A-4147-A177-3AD203B41FA5}">
+                          <a16:colId xmlns:a16="http://schemas.microsoft.com/office/drawing/2014/main" val="787207862"/>
+                        </a:ext>
+                      </a:extLst>
+                    </a:gridCol>
+                    <a:gridCol w="1026235">
+                      <a:extLst>
+                        <a:ext uri="{9D8B030D-6E8A-4147-A177-3AD203B41FA5}">
+                          <a16:colId xmlns:a16="http://schemas.microsoft.com/office/drawing/2014/main" val="3809945160"/>
+                        </a:ext>
+                      </a:extLst>
+                    </a:gridCol>
+                    <a:gridCol w="1026235">
+                      <a:extLst>
+                        <a:ext uri="{9D8B030D-6E8A-4147-A177-3AD203B41FA5}">
+                          <a16:colId xmlns:a16="http://schemas.microsoft.com/office/drawing/2014/main" val="2374642796"/>
+                        </a:ext>
+                      </a:extLst>
+                    </a:gridCol>
+                    <a:gridCol w="1026235">
+                      <a:extLst>
+                        <a:ext uri="{9D8B030D-6E8A-4147-A177-3AD203B41FA5}">
+                          <a16:colId xmlns:a16="http://schemas.microsoft.com/office/drawing/2014/main" val="4173493018"/>
+                        </a:ext>
+                      </a:extLst>
+                    </a:gridCol>
+                    <a:gridCol w="1026235">
+                      <a:extLst>
+                        <a:ext uri="{9D8B030D-6E8A-4147-A177-3AD203B41FA5}">
+                          <a16:colId xmlns:a16="http://schemas.microsoft.com/office/drawing/2014/main" val="3435224365"/>
+                        </a:ext>
+                      </a:extLst>
+                    </a:gridCol>
+                    <a:gridCol w="1026235">
+                      <a:extLst>
+                        <a:ext uri="{9D8B030D-6E8A-4147-A177-3AD203B41FA5}">
+                          <a16:colId xmlns:a16="http://schemas.microsoft.com/office/drawing/2014/main" val="1787115638"/>
+                        </a:ext>
+                      </a:extLst>
+                    </a:gridCol>
+                    <a:gridCol w="1026235">
+                      <a:extLst>
+                        <a:ext uri="{9D8B030D-6E8A-4147-A177-3AD203B41FA5}">
+                          <a16:colId xmlns:a16="http://schemas.microsoft.com/office/drawing/2014/main" val="1436126279"/>
+                        </a:ext>
+                      </a:extLst>
+                    </a:gridCol>
+                    <a:gridCol w="1026235">
+                      <a:extLst>
+                        <a:ext uri="{9D8B030D-6E8A-4147-A177-3AD203B41FA5}">
+                          <a16:colId xmlns:a16="http://schemas.microsoft.com/office/drawing/2014/main" val="4015443148"/>
+                        </a:ext>
+                      </a:extLst>
+                    </a:gridCol>
+                  </a:tblGrid>
+                  <a:tr h="370840">
+                    <a:tc>
+                      <a:txBody>
+                        <a:bodyPr/>
+                        <a:lstStyle/>
+                        <a:p>
+                          <a:pPr algn="ctr"/>
+                          <a:endParaRPr lang="de-DE" dirty="0"/>
+                        </a:p>
+                      </a:txBody>
+                      <a:tcPr/>
+                    </a:tc>
+                    <a:tc>
+                      <a:txBody>
+                        <a:bodyPr/>
+                        <a:lstStyle/>
+                        <a:p>
+                          <a:pPr lvl="0" algn="ctr">
+                            <a:buNone/>
+                          </a:pPr>
+                          <a:r>
+                            <a:rPr lang="de-DE" dirty="0"/>
+                            <a:t>Q2</a:t>
+                          </a:r>
+                        </a:p>
+                      </a:txBody>
+                      <a:tcPr/>
+                    </a:tc>
+                    <a:tc>
+                      <a:txBody>
+                        <a:bodyPr/>
+                        <a:lstStyle/>
+                        <a:p>
+                          <a:pPr lvl="0" algn="ctr">
+                            <a:buNone/>
+                          </a:pPr>
+                          <a:r>
+                            <a:rPr lang="de-DE" dirty="0"/>
+                            <a:t>Q1</a:t>
+                          </a:r>
+                        </a:p>
+                      </a:txBody>
+                      <a:tcPr/>
+                    </a:tc>
+                    <a:tc>
+                      <a:txBody>
+                        <a:bodyPr/>
+                        <a:lstStyle/>
+                        <a:p>
+                          <a:pPr lvl="0" algn="ctr">
+                            <a:buNone/>
+                          </a:pPr>
+                          <a:r>
+                            <a:rPr lang="de-DE" dirty="0"/>
+                            <a:t>Q0</a:t>
+                          </a:r>
+                        </a:p>
+                      </a:txBody>
+                      <a:tcPr/>
+                    </a:tc>
+                    <a:tc>
+                      <a:txBody>
+                        <a:bodyPr/>
+                        <a:lstStyle/>
+                        <a:p>
+                          <a:pPr lvl="0" algn="ctr">
+                            <a:buNone/>
+                          </a:pPr>
+                          <a:r>
+                            <a:rPr lang="de-DE" dirty="0"/>
+                            <a:t>J2</a:t>
+                          </a:r>
+                        </a:p>
+                      </a:txBody>
+                      <a:tcPr/>
+                    </a:tc>
+                    <a:tc>
+                      <a:txBody>
+                        <a:bodyPr/>
+                        <a:lstStyle/>
+                        <a:p>
+                          <a:pPr lvl="0" algn="ctr">
+                            <a:buNone/>
+                          </a:pPr>
+                          <a:r>
+                            <a:rPr lang="de-DE" dirty="0"/>
+                            <a:t>K2</a:t>
+                          </a:r>
+                        </a:p>
+                      </a:txBody>
+                      <a:tcPr/>
+                    </a:tc>
+                    <a:tc>
+                      <a:txBody>
+                        <a:bodyPr/>
+                        <a:lstStyle/>
+                        <a:p>
+                          <a:pPr lvl="0" algn="ctr">
+                            <a:buNone/>
+                          </a:pPr>
+                          <a:r>
+                            <a:rPr lang="de-DE" dirty="0"/>
+                            <a:t>J1</a:t>
+                          </a:r>
+                        </a:p>
+                      </a:txBody>
+                      <a:tcPr/>
+                    </a:tc>
+                    <a:tc>
+                      <a:txBody>
+                        <a:bodyPr/>
+                        <a:lstStyle/>
+                        <a:p>
+                          <a:pPr lvl="0" algn="ctr">
+                            <a:buNone/>
+                          </a:pPr>
+                          <a:r>
+                            <a:rPr lang="de-DE" dirty="0"/>
+                            <a:t>K1</a:t>
+                          </a:r>
+                        </a:p>
+                      </a:txBody>
+                      <a:tcPr/>
+                    </a:tc>
+                    <a:tc>
+                      <a:txBody>
+                        <a:bodyPr/>
+                        <a:lstStyle/>
+                        <a:p>
+                          <a:pPr lvl="0" algn="ctr">
+                            <a:buNone/>
+                          </a:pPr>
+                          <a:r>
+                            <a:rPr lang="de-DE" dirty="0"/>
+                            <a:t>J0</a:t>
+                          </a:r>
+                        </a:p>
+                      </a:txBody>
+                      <a:tcPr/>
+                    </a:tc>
+                    <a:tc>
+                      <a:txBody>
+                        <a:bodyPr/>
+                        <a:lstStyle/>
+                        <a:p>
+                          <a:pPr lvl="0" algn="ctr">
+                            <a:buNone/>
+                          </a:pPr>
+                          <a:r>
+                            <a:rPr lang="de-DE" dirty="0"/>
+                            <a:t>K0</a:t>
+                          </a:r>
+                        </a:p>
+                      </a:txBody>
+                      <a:tcPr/>
+                    </a:tc>
+                    <a:extLst>
+                      <a:ext uri="{0D108BD9-81ED-4DB2-BD59-A6C34878D82A}">
+                        <a16:rowId xmlns:a16="http://schemas.microsoft.com/office/drawing/2014/main" val="1625499165"/>
+                      </a:ext>
+                    </a:extLst>
+                  </a:tr>
+                  <a:tr h="370840">
+                    <a:tc>
+                      <a:txBody>
+                        <a:bodyPr/>
+                        <a:lstStyle/>
+                        <a:p>
+                          <a:pPr lvl="0" algn="ctr">
+                            <a:buNone/>
+                          </a:pPr>
+                          <a:r>
+                            <a:rPr lang="de-DE" dirty="0"/>
+                            <a:t>0</a:t>
+                          </a:r>
+                          <a14:m>
+                            <m:oMath xmlns:m="http://schemas.openxmlformats.org/officeDocument/2006/math">
+                              <m:sSub>
+                                <m:sSubPr>
+                                  <m:ctrlPr>
+                                    <a:rPr lang="de-DE" i="1" dirty="0" smtClean="0">
+                                      <a:latin typeface="Cambria Math" panose="02040503050406030204" pitchFamily="18" charset="0"/>
+                                    </a:rPr>
+                                  </m:ctrlPr>
+                                </m:sSubPr>
+                                <m:e>
+                                  <m:r>
+                                    <a:rPr lang="de-DE" b="0" i="1" smtClean="0">
+                                      <a:latin typeface="Cambria Math" panose="02040503050406030204" pitchFamily="18" charset="0"/>
+                                    </a:rPr>
+                                    <m:t>88</m:t>
+                                  </m:r>
+                                </m:e>
+                                <m:sub>
+                                  <m:r>
+                                    <a:rPr lang="de-DE" b="0" i="1" smtClean="0">
+                                      <a:latin typeface="Cambria Math" panose="02040503050406030204" pitchFamily="18" charset="0"/>
+                                    </a:rPr>
+                                    <m:t>10</m:t>
+                                  </m:r>
+                                </m:sub>
+                              </m:sSub>
+                            </m:oMath>
+                          </a14:m>
+                          <a:endParaRPr lang="de-DE" dirty="0"/>
+                        </a:p>
+                      </a:txBody>
+                      <a:tcPr/>
+                    </a:tc>
+                    <a:tc>
+                      <a:txBody>
+                        <a:bodyPr/>
+                        <a:lstStyle/>
+                        <a:p>
+                          <a:pPr lvl="0" algn="ctr">
+                            <a:buNone/>
+                          </a:pPr>
+                          <a:r>
+                            <a:rPr lang="de-DE" dirty="0"/>
+                            <a:t>0</a:t>
+                          </a:r>
+                        </a:p>
+                      </a:txBody>
+                      <a:tcPr/>
+                    </a:tc>
+                    <a:tc>
+                      <a:txBody>
+                        <a:bodyPr/>
+                        <a:lstStyle/>
+                        <a:p>
+                          <a:pPr lvl="0" algn="ctr">
+                            <a:buNone/>
+                          </a:pPr>
+                          <a:r>
+                            <a:rPr lang="de-DE" dirty="0"/>
+                            <a:t>0</a:t>
+                          </a:r>
+                        </a:p>
+                      </a:txBody>
+                      <a:tcPr/>
+                    </a:tc>
+                    <a:tc>
+                      <a:txBody>
+                        <a:bodyPr/>
+                        <a:lstStyle/>
+                        <a:p>
+                          <a:pPr lvl="0" algn="ctr">
+                            <a:buNone/>
+                          </a:pPr>
+                          <a:r>
+                            <a:rPr lang="de-DE" dirty="0"/>
+                            <a:t>0</a:t>
+                          </a:r>
+                        </a:p>
+                      </a:txBody>
+                      <a:tcPr/>
+                    </a:tc>
+                    <a:tc>
+                      <a:txBody>
+                        <a:bodyPr/>
+                        <a:lstStyle/>
+                        <a:p>
+                          <a:pPr algn="ctr"/>
+                          <a:r>
+                            <a:rPr lang="de-DE" dirty="0"/>
+                            <a:t>1</a:t>
+                          </a:r>
+                        </a:p>
+                      </a:txBody>
+                      <a:tcPr/>
+                    </a:tc>
+                    <a:tc>
+                      <a:txBody>
+                        <a:bodyPr/>
+                        <a:lstStyle/>
+                        <a:p>
+                          <a:pPr algn="ctr"/>
+                          <a:r>
+                            <a:rPr lang="de-DE" dirty="0"/>
+                            <a:t>1</a:t>
+                          </a:r>
+                          <a14:m>
+                            <m:oMath xmlns:m="http://schemas.openxmlformats.org/officeDocument/2006/math">
+                              <m:sSub>
+                                <m:sSubPr>
+                                  <m:ctrlPr>
+                                    <a:rPr lang="de-DE" i="1" dirty="0" smtClean="0">
+                                      <a:latin typeface="Cambria Math" panose="02040503050406030204" pitchFamily="18" charset="0"/>
+                                    </a:rPr>
+                                  </m:ctrlPr>
+                                </m:sSubPr>
+                                <m:e>
+                                  <m:r>
+                                    <a:rPr lang="de-DE" b="0" i="1" smtClean="0">
+                                      <a:latin typeface="Cambria Math" panose="02040503050406030204" pitchFamily="18" charset="0"/>
+                                    </a:rPr>
+                                    <m:t>88</m:t>
+                                  </m:r>
+                                </m:e>
+                                <m:sub>
+                                  <m:r>
+                                    <a:rPr lang="de-DE" b="0" i="1" smtClean="0">
+                                      <a:latin typeface="Cambria Math" panose="02040503050406030204" pitchFamily="18" charset="0"/>
+                                    </a:rPr>
+                                    <m:t>16</m:t>
+                                  </m:r>
+                                </m:sub>
+                              </m:sSub>
+                            </m:oMath>
+                          </a14:m>
+                          <a:endParaRPr lang="de-DE" dirty="0"/>
+                        </a:p>
+                      </a:txBody>
+                      <a:tcPr/>
+                    </a:tc>
+                    <a:tc>
+                      <a:txBody>
+                        <a:bodyPr/>
+                        <a:lstStyle/>
+                        <a:p>
+                          <a:pPr lvl="0" algn="ctr">
+                            <a:buNone/>
+                          </a:pPr>
+                          <a:r>
+                            <a:rPr lang="de-DE" dirty="0"/>
+                            <a:t>0</a:t>
+                          </a:r>
+                        </a:p>
+                      </a:txBody>
+                      <a:tcPr/>
+                    </a:tc>
+                    <a:tc>
+                      <a:txBody>
+                        <a:bodyPr/>
+                        <a:lstStyle/>
+                        <a:p>
+                          <a:pPr lvl="0" algn="ctr">
+                            <a:buNone/>
+                          </a:pPr>
+                          <a:r>
+                            <a:rPr lang="de-DE" dirty="0"/>
+                            <a:t>0</a:t>
+                          </a:r>
+                        </a:p>
+                      </a:txBody>
+                      <a:tcPr/>
+                    </a:tc>
+                    <a:tc>
+                      <a:txBody>
+                        <a:bodyPr/>
+                        <a:lstStyle/>
+                        <a:p>
+                          <a:pPr lvl="0" algn="ctr">
+                            <a:buNone/>
+                          </a:pPr>
+                          <a:r>
+                            <a:rPr lang="de-DE" dirty="0"/>
+                            <a:t>0</a:t>
+                          </a:r>
+                        </a:p>
+                      </a:txBody>
+                      <a:tcPr/>
+                    </a:tc>
+                    <a:tc>
+                      <a:txBody>
+                        <a:bodyPr/>
+                        <a:lstStyle/>
+                        <a:p>
+                          <a:pPr lvl="0" algn="ctr">
+                            <a:buNone/>
+                          </a:pPr>
+                          <a:r>
+                            <a:rPr lang="de-DE" dirty="0"/>
+                            <a:t>0</a:t>
+                          </a:r>
+                        </a:p>
+                      </a:txBody>
+                      <a:tcPr/>
+                    </a:tc>
+                    <a:extLst>
+                      <a:ext uri="{0D108BD9-81ED-4DB2-BD59-A6C34878D82A}">
+                        <a16:rowId xmlns:a16="http://schemas.microsoft.com/office/drawing/2014/main" val="476797659"/>
+                      </a:ext>
+                    </a:extLst>
+                  </a:tr>
+                  <a:tr h="370840">
+                    <a:tc>
+                      <a:txBody>
+                        <a:bodyPr/>
+                        <a:lstStyle/>
+                        <a:p>
+                          <a:pPr algn="ctr"/>
+                          <a:r>
+                            <a:rPr lang="de-DE" dirty="0"/>
+                            <a:t>1</a:t>
+                          </a:r>
+                          <a14:m>
+                            <m:oMath xmlns:m="http://schemas.openxmlformats.org/officeDocument/2006/math">
+                              <m:sSub>
+                                <m:sSubPr>
+                                  <m:ctrlPr>
+                                    <a:rPr lang="de-DE" i="1" dirty="0" smtClean="0">
+                                      <a:latin typeface="Cambria Math" panose="02040503050406030204" pitchFamily="18" charset="0"/>
+                                    </a:rPr>
+                                  </m:ctrlPr>
+                                </m:sSubPr>
+                                <m:e>
+                                  <m:r>
+                                    <a:rPr lang="de-DE" b="0" i="1" smtClean="0">
+                                      <a:latin typeface="Cambria Math" panose="02040503050406030204" pitchFamily="18" charset="0"/>
+                                    </a:rPr>
+                                    <m:t>76</m:t>
+                                  </m:r>
+                                </m:e>
+                                <m:sub>
+                                  <m:r>
+                                    <a:rPr lang="de-DE" b="0" i="1" smtClean="0">
+                                      <a:latin typeface="Cambria Math" panose="02040503050406030204" pitchFamily="18" charset="0"/>
+                                    </a:rPr>
+                                    <m:t>10</m:t>
+                                  </m:r>
+                                </m:sub>
+                              </m:sSub>
+                            </m:oMath>
+                          </a14:m>
+                          <a:endParaRPr lang="de-DE" dirty="0"/>
+                        </a:p>
+                      </a:txBody>
+                      <a:tcPr/>
+                    </a:tc>
+                    <a:tc>
+                      <a:txBody>
+                        <a:bodyPr/>
+                        <a:lstStyle/>
+                        <a:p>
+                          <a:pPr lvl="0" algn="ctr">
+                            <a:buNone/>
+                          </a:pPr>
+                          <a:r>
+                            <a:rPr lang="de-DE" dirty="0"/>
+                            <a:t>1</a:t>
+                          </a:r>
+                        </a:p>
+                      </a:txBody>
+                      <a:tcPr/>
+                    </a:tc>
+                    <a:tc>
+                      <a:txBody>
+                        <a:bodyPr/>
+                        <a:lstStyle/>
+                        <a:p>
+                          <a:pPr lvl="0" algn="ctr">
+                            <a:buNone/>
+                          </a:pPr>
+                          <a:r>
+                            <a:rPr lang="de-DE" dirty="0"/>
+                            <a:t>0</a:t>
+                          </a:r>
+                        </a:p>
+                      </a:txBody>
+                      <a:tcPr/>
+                    </a:tc>
+                    <a:tc>
+                      <a:txBody>
+                        <a:bodyPr/>
+                        <a:lstStyle/>
+                        <a:p>
+                          <a:pPr lvl="0" algn="ctr">
+                            <a:buNone/>
+                          </a:pPr>
+                          <a:r>
+                            <a:rPr lang="de-DE" dirty="0"/>
+                            <a:t>0</a:t>
+                          </a:r>
+                        </a:p>
+                      </a:txBody>
+                      <a:tcPr/>
+                    </a:tc>
+                    <a:tc>
+                      <a:txBody>
+                        <a:bodyPr/>
+                        <a:lstStyle/>
+                        <a:p>
+                          <a:pPr algn="ctr"/>
+                          <a:r>
+                            <a:rPr lang="de-DE" dirty="0"/>
+                            <a:t>0 </a:t>
+                          </a:r>
+                        </a:p>
+                      </a:txBody>
+                      <a:tcPr/>
+                    </a:tc>
+                    <a:tc>
+                      <a:txBody>
+                        <a:bodyPr/>
+                        <a:lstStyle/>
+                        <a:p>
+                          <a:pPr algn="ctr"/>
+                          <a:r>
+                            <a:rPr lang="de-DE" dirty="0"/>
+                            <a:t>1</a:t>
+                          </a:r>
+                          <a14:m>
+                            <m:oMath xmlns:m="http://schemas.openxmlformats.org/officeDocument/2006/math">
+                              <m:sSub>
+                                <m:sSubPr>
+                                  <m:ctrlPr>
+                                    <a:rPr lang="de-DE" i="1" dirty="0" smtClean="0">
+                                      <a:latin typeface="Cambria Math" panose="02040503050406030204" pitchFamily="18" charset="0"/>
+                                    </a:rPr>
+                                  </m:ctrlPr>
+                                </m:sSubPr>
+                                <m:e>
+                                  <m:r>
+                                    <a:rPr lang="de-DE" b="0" i="1" smtClean="0">
+                                      <a:latin typeface="Cambria Math" panose="02040503050406030204" pitchFamily="18" charset="0"/>
+                                    </a:rPr>
+                                    <m:t>122</m:t>
+                                  </m:r>
+                                </m:e>
+                                <m:sub>
+                                  <m:r>
+                                    <a:rPr lang="de-DE" b="0" i="1" smtClean="0">
+                                      <a:latin typeface="Cambria Math" panose="02040503050406030204" pitchFamily="18" charset="0"/>
+                                    </a:rPr>
+                                    <m:t>8</m:t>
+                                  </m:r>
+                                </m:sub>
+                              </m:sSub>
+                            </m:oMath>
+                          </a14:m>
+                          <a:endParaRPr lang="de-DE" dirty="0"/>
+                        </a:p>
+                      </a:txBody>
+                      <a:tcPr/>
+                    </a:tc>
+                    <a:tc>
+                      <a:txBody>
+                        <a:bodyPr/>
+                        <a:lstStyle/>
+                        <a:p>
+                          <a:pPr lvl="0" algn="ctr">
+                            <a:buNone/>
+                          </a:pPr>
+                          <a:r>
+                            <a:rPr lang="de-DE" dirty="0"/>
+                            <a:t>1</a:t>
+                          </a:r>
+                        </a:p>
+                      </a:txBody>
+                      <a:tcPr/>
+                    </a:tc>
+                    <a:tc>
+                      <a:txBody>
+                        <a:bodyPr/>
+                        <a:lstStyle/>
+                        <a:p>
+                          <a:pPr lvl="0" algn="ctr">
+                            <a:buNone/>
+                          </a:pPr>
+                          <a:r>
+                            <a:rPr lang="de-DE" dirty="0"/>
+                            <a:t>0</a:t>
+                          </a:r>
+                        </a:p>
+                      </a:txBody>
+                      <a:tcPr/>
+                    </a:tc>
+                    <a:tc>
+                      <a:txBody>
+                        <a:bodyPr/>
+                        <a:lstStyle/>
+                        <a:p>
+                          <a:pPr lvl="0" algn="ctr">
+                            <a:buNone/>
+                          </a:pPr>
+                          <a:r>
+                            <a:rPr lang="de-DE" dirty="0"/>
+                            <a:t>1</a:t>
+                          </a:r>
+                        </a:p>
+                      </a:txBody>
+                      <a:tcPr/>
+                    </a:tc>
+                    <a:tc>
+                      <a:txBody>
+                        <a:bodyPr/>
+                        <a:lstStyle/>
+                        <a:p>
+                          <a:pPr lvl="0" algn="ctr">
+                            <a:buNone/>
+                          </a:pPr>
+                          <a:r>
+                            <a:rPr lang="de-DE" dirty="0"/>
+                            <a:t>1</a:t>
+                          </a:r>
+                        </a:p>
+                      </a:txBody>
+                      <a:tcPr/>
+                    </a:tc>
+                    <a:extLst>
+                      <a:ext uri="{0D108BD9-81ED-4DB2-BD59-A6C34878D82A}">
+                        <a16:rowId xmlns:a16="http://schemas.microsoft.com/office/drawing/2014/main" val="1703270876"/>
+                      </a:ext>
+                    </a:extLst>
+                  </a:tr>
+                  <a:tr h="370840">
+                    <a:tc>
+                      <a:txBody>
+                        <a:bodyPr/>
+                        <a:lstStyle/>
+                        <a:p>
+                          <a:pPr algn="ctr"/>
+                          <a:r>
+                            <a:rPr lang="de-DE" dirty="0"/>
+                            <a:t>2</a:t>
+                          </a:r>
+                          <a14:m>
+                            <m:oMath xmlns:m="http://schemas.openxmlformats.org/officeDocument/2006/math">
+                              <m:sSub>
+                                <m:sSubPr>
+                                  <m:ctrlPr>
+                                    <a:rPr lang="de-DE" i="1" dirty="0" smtClean="0">
+                                      <a:latin typeface="Cambria Math" panose="02040503050406030204" pitchFamily="18" charset="0"/>
+                                    </a:rPr>
+                                  </m:ctrlPr>
+                                </m:sSubPr>
+                                <m:e>
+                                  <m:r>
+                                    <a:rPr lang="de-DE" b="0" i="1" smtClean="0">
+                                      <a:latin typeface="Cambria Math" panose="02040503050406030204" pitchFamily="18" charset="0"/>
+                                    </a:rPr>
+                                    <m:t>𝐴𝐶</m:t>
+                                  </m:r>
+                                  <m:r>
+                                    <a:rPr lang="de-DE" b="0" i="1" smtClean="0">
+                                      <a:latin typeface="Cambria Math" panose="02040503050406030204" pitchFamily="18" charset="0"/>
+                                    </a:rPr>
+                                    <m:t>4</m:t>
+                                  </m:r>
+                                </m:e>
+                                <m:sub>
+                                  <m:r>
+                                    <a:rPr lang="de-DE" b="0" i="1" smtClean="0">
+                                      <a:latin typeface="Cambria Math" panose="02040503050406030204" pitchFamily="18" charset="0"/>
+                                    </a:rPr>
+                                    <m:t>16</m:t>
+                                  </m:r>
+                                </m:sub>
+                              </m:sSub>
+                            </m:oMath>
+                          </a14:m>
+                          <a:endParaRPr lang="de-DE" dirty="0"/>
+                        </a:p>
+                      </a:txBody>
+                      <a:tcPr/>
+                    </a:tc>
+                    <a:tc>
+                      <a:txBody>
+                        <a:bodyPr/>
+                        <a:lstStyle/>
+                        <a:p>
+                          <a:pPr lvl="0" algn="ctr">
+                            <a:buNone/>
+                          </a:pPr>
+                          <a:r>
+                            <a:rPr lang="de-DE" dirty="0"/>
+                            <a:t>0</a:t>
+                          </a:r>
+                        </a:p>
+                      </a:txBody>
+                      <a:tcPr/>
+                    </a:tc>
+                    <a:tc>
+                      <a:txBody>
+                        <a:bodyPr/>
+                        <a:lstStyle/>
+                        <a:p>
+                          <a:pPr lvl="0" algn="ctr">
+                            <a:buNone/>
+                          </a:pPr>
+                          <a:r>
+                            <a:rPr lang="de-DE" dirty="0"/>
+                            <a:t>1</a:t>
+                          </a:r>
+                        </a:p>
+                      </a:txBody>
+                      <a:tcPr/>
+                    </a:tc>
+                    <a:tc>
+                      <a:txBody>
+                        <a:bodyPr/>
+                        <a:lstStyle/>
+                        <a:p>
+                          <a:pPr lvl="0" algn="ctr">
+                            <a:buNone/>
+                          </a:pPr>
+                          <a:r>
+                            <a:rPr lang="de-DE" dirty="0"/>
+                            <a:t>1</a:t>
+                          </a:r>
+                        </a:p>
+                      </a:txBody>
+                      <a:tcPr/>
+                    </a:tc>
+                    <a:tc>
+                      <a:txBody>
+                        <a:bodyPr/>
+                        <a:lstStyle/>
+                        <a:p>
+                          <a:pPr algn="ctr"/>
+                          <a:r>
+                            <a:rPr lang="de-DE" dirty="0"/>
+                            <a:t>1</a:t>
+                          </a:r>
+                        </a:p>
+                      </a:txBody>
+                      <a:tcPr/>
+                    </a:tc>
+                    <a:tc>
+                      <a:txBody>
+                        <a:bodyPr/>
+                        <a:lstStyle/>
+                        <a:p>
+                          <a:pPr algn="ctr"/>
+                          <a:r>
+                            <a:rPr lang="de-DE" dirty="0"/>
+                            <a:t>0</a:t>
+                          </a:r>
+                          <a14:m>
+                            <m:oMath xmlns:m="http://schemas.openxmlformats.org/officeDocument/2006/math">
+                              <m:sSub>
+                                <m:sSubPr>
+                                  <m:ctrlPr>
+                                    <a:rPr lang="de-DE" i="1" dirty="0" smtClean="0">
+                                      <a:latin typeface="Cambria Math" panose="02040503050406030204" pitchFamily="18" charset="0"/>
+                                    </a:rPr>
+                                  </m:ctrlPr>
+                                </m:sSubPr>
+                                <m:e>
+                                  <m:r>
+                                    <a:rPr lang="de-DE" b="0" i="1" smtClean="0">
+                                      <a:latin typeface="Cambria Math" panose="02040503050406030204" pitchFamily="18" charset="0"/>
+                                    </a:rPr>
+                                    <m:t>101011000100</m:t>
+                                  </m:r>
+                                </m:e>
+                                <m:sub>
+                                  <m:r>
+                                    <a:rPr lang="de-DE" b="0" i="1" smtClean="0">
+                                      <a:latin typeface="Cambria Math" panose="02040503050406030204" pitchFamily="18" charset="0"/>
+                                    </a:rPr>
+                                    <m:t>2</m:t>
+                                  </m:r>
+                                </m:sub>
+                              </m:sSub>
+                            </m:oMath>
+                          </a14:m>
+                          <a:endParaRPr lang="de-DE" dirty="0"/>
+                        </a:p>
+                      </a:txBody>
+                      <a:tcPr/>
+                    </a:tc>
+                    <a:tc>
+                      <a:txBody>
+                        <a:bodyPr/>
+                        <a:lstStyle/>
+                        <a:p>
+                          <a:pPr lvl="0" algn="ctr">
+                            <a:buNone/>
+                          </a:pPr>
+                          <a:r>
+                            <a:rPr lang="de-DE" dirty="0"/>
+                            <a:t>1</a:t>
+                          </a:r>
+                        </a:p>
+                      </a:txBody>
+                      <a:tcPr/>
+                    </a:tc>
+                    <a:tc>
+                      <a:txBody>
+                        <a:bodyPr/>
+                        <a:lstStyle/>
+                        <a:p>
+                          <a:pPr lvl="0" algn="ctr">
+                            <a:buNone/>
+                          </a:pPr>
+                          <a:r>
+                            <a:rPr lang="de-DE" dirty="0"/>
+                            <a:t>1</a:t>
+                          </a:r>
+                        </a:p>
+                      </a:txBody>
+                      <a:tcPr/>
+                    </a:tc>
+                    <a:tc>
+                      <a:txBody>
+                        <a:bodyPr/>
+                        <a:lstStyle/>
+                        <a:p>
+                          <a:pPr lvl="0" algn="ctr">
+                            <a:buNone/>
+                          </a:pPr>
+                          <a:r>
+                            <a:rPr lang="de-DE" dirty="0"/>
+                            <a:t>0</a:t>
+                          </a:r>
+                        </a:p>
+                      </a:txBody>
+                      <a:tcPr/>
+                    </a:tc>
+                    <a:tc>
+                      <a:txBody>
+                        <a:bodyPr/>
+                        <a:lstStyle/>
+                        <a:p>
+                          <a:pPr lvl="0" algn="ctr">
+                            <a:buNone/>
+                          </a:pPr>
+                          <a:r>
+                            <a:rPr lang="de-DE" dirty="0"/>
+                            <a:t>1</a:t>
+                          </a:r>
+                        </a:p>
+                      </a:txBody>
+                      <a:tcPr/>
+                    </a:tc>
+                    <a:extLst>
+                      <a:ext uri="{0D108BD9-81ED-4DB2-BD59-A6C34878D82A}">
+                        <a16:rowId xmlns:a16="http://schemas.microsoft.com/office/drawing/2014/main" val="2818478599"/>
+                      </a:ext>
+                    </a:extLst>
+                  </a:tr>
+                  <a:tr h="370840">
+                    <a:tc>
+                      <a:txBody>
+                        <a:bodyPr/>
+                        <a:lstStyle/>
+                        <a:p>
+                          <a:pPr algn="ctr"/>
+                          <a:r>
+                            <a:rPr lang="de-DE" dirty="0"/>
+                            <a:t>3</a:t>
+                          </a:r>
+                          <a14:m>
+                            <m:oMath xmlns:m="http://schemas.openxmlformats.org/officeDocument/2006/math">
+                              <m:sSub>
+                                <m:sSubPr>
+                                  <m:ctrlPr>
+                                    <a:rPr lang="de-DE" i="1" dirty="0" smtClean="0">
+                                      <a:latin typeface="Cambria Math" panose="02040503050406030204" pitchFamily="18" charset="0"/>
+                                    </a:rPr>
+                                  </m:ctrlPr>
+                                </m:sSubPr>
+                                <m:e>
+                                  <m:r>
+                                    <a:rPr lang="de-DE" b="0" i="1" smtClean="0">
+                                      <a:latin typeface="Cambria Math" panose="02040503050406030204" pitchFamily="18" charset="0"/>
+                                    </a:rPr>
+                                    <m:t>66</m:t>
+                                  </m:r>
+                                </m:e>
+                                <m:sub>
+                                  <m:r>
+                                    <a:rPr lang="de-DE" b="0" i="1" smtClean="0">
+                                      <a:latin typeface="Cambria Math" panose="02040503050406030204" pitchFamily="18" charset="0"/>
+                                    </a:rPr>
+                                    <m:t>8</m:t>
+                                  </m:r>
+                                </m:sub>
+                              </m:sSub>
+                            </m:oMath>
+                          </a14:m>
+                          <a:endParaRPr lang="de-DE" dirty="0"/>
+                        </a:p>
+                      </a:txBody>
+                      <a:tcPr/>
+                    </a:tc>
+                    <a:tc>
+                      <a:txBody>
+                        <a:bodyPr/>
+                        <a:lstStyle/>
+                        <a:p>
+                          <a:pPr lvl="0" algn="ctr">
+                            <a:buNone/>
+                          </a:pPr>
+                          <a:r>
+                            <a:rPr lang="de-DE" dirty="0"/>
+                            <a:t>1</a:t>
+                          </a:r>
+                        </a:p>
+                      </a:txBody>
+                      <a:tcPr/>
+                    </a:tc>
+                    <a:tc>
+                      <a:txBody>
+                        <a:bodyPr/>
+                        <a:lstStyle/>
+                        <a:p>
+                          <a:pPr lvl="0" algn="ctr">
+                            <a:buNone/>
+                          </a:pPr>
+                          <a:r>
+                            <a:rPr lang="de-DE" dirty="0"/>
+                            <a:t>0</a:t>
+                          </a:r>
+                        </a:p>
+                      </a:txBody>
+                      <a:tcPr/>
+                    </a:tc>
+                    <a:tc>
+                      <a:txBody>
+                        <a:bodyPr/>
+                        <a:lstStyle/>
+                        <a:p>
+                          <a:pPr lvl="0" algn="ctr">
+                            <a:buNone/>
+                          </a:pPr>
+                          <a:r>
+                            <a:rPr lang="de-DE" dirty="0"/>
+                            <a:t>0</a:t>
+                          </a:r>
+                        </a:p>
+                      </a:txBody>
+                      <a:tcPr/>
+                    </a:tc>
+                    <a:tc>
+                      <a:txBody>
+                        <a:bodyPr/>
+                        <a:lstStyle/>
+                        <a:p>
+                          <a:pPr algn="ctr"/>
+                          <a:r>
+                            <a:rPr lang="de-DE" dirty="0"/>
+                            <a:t>X</a:t>
+                          </a:r>
+                        </a:p>
+                      </a:txBody>
+                      <a:tcPr/>
+                    </a:tc>
+                    <a:tc>
+                      <a:txBody>
+                        <a:bodyPr/>
+                        <a:lstStyle/>
+                        <a:p>
+                          <a:pPr algn="ctr"/>
+                          <a:r>
+                            <a:rPr lang="de-DE" dirty="0"/>
+                            <a:t>X</a:t>
+                          </a:r>
+                          <a14:m>
+                            <m:oMath xmlns:m="http://schemas.openxmlformats.org/officeDocument/2006/math">
+                              <m:sSub>
+                                <m:sSubPr>
+                                  <m:ctrlPr>
+                                    <a:rPr lang="de-DE" i="1" dirty="0" smtClean="0">
+                                      <a:latin typeface="Cambria Math" panose="02040503050406030204" pitchFamily="18" charset="0"/>
+                                    </a:rPr>
+                                  </m:ctrlPr>
+                                </m:sSubPr>
+                                <m:e>
+                                  <m:r>
+                                    <a:rPr lang="de-DE" b="0" i="1" smtClean="0">
+                                      <a:latin typeface="Cambria Math" panose="02040503050406030204" pitchFamily="18" charset="0"/>
+                                    </a:rPr>
+                                    <m:t>33</m:t>
+                                  </m:r>
+                                </m:e>
+                                <m:sub>
+                                  <m:r>
+                                    <a:rPr lang="de-DE" b="0" i="1" smtClean="0">
+                                      <a:latin typeface="Cambria Math" panose="02040503050406030204" pitchFamily="18" charset="0"/>
+                                    </a:rPr>
+                                    <m:t>16</m:t>
+                                  </m:r>
+                                </m:sub>
+                              </m:sSub>
+                            </m:oMath>
+                          </a14:m>
+                          <a:endParaRPr lang="de-DE" dirty="0"/>
+                        </a:p>
+                      </a:txBody>
+                      <a:tcPr/>
+                    </a:tc>
+                    <a:tc>
+                      <a:txBody>
+                        <a:bodyPr/>
+                        <a:lstStyle/>
+                        <a:p>
+                          <a:pPr lvl="0" algn="ctr">
+                            <a:buNone/>
+                          </a:pPr>
+                          <a:r>
+                            <a:rPr lang="de-DE" dirty="0"/>
+                            <a:t>X</a:t>
+                          </a:r>
+                        </a:p>
+                      </a:txBody>
+                      <a:tcPr/>
+                    </a:tc>
+                    <a:tc>
+                      <a:txBody>
+                        <a:bodyPr/>
+                        <a:lstStyle/>
+                        <a:p>
+                          <a:pPr lvl="0" algn="ctr">
+                            <a:buNone/>
+                          </a:pPr>
+                          <a:r>
+                            <a:rPr lang="de-DE" dirty="0"/>
+                            <a:t>X</a:t>
+                          </a:r>
+                        </a:p>
+                      </a:txBody>
+                      <a:tcPr/>
+                    </a:tc>
+                    <a:tc>
+                      <a:txBody>
+                        <a:bodyPr/>
+                        <a:lstStyle/>
+                        <a:p>
+                          <a:pPr lvl="0" algn="ctr">
+                            <a:buNone/>
+                          </a:pPr>
+                          <a:r>
+                            <a:rPr lang="de-DE" dirty="0"/>
+                            <a:t>X</a:t>
+                          </a:r>
+                        </a:p>
+                      </a:txBody>
+                      <a:tcPr/>
+                    </a:tc>
+                    <a:tc>
+                      <a:txBody>
+                        <a:bodyPr/>
+                        <a:lstStyle/>
+                        <a:p>
+                          <a:pPr lvl="0" algn="ctr">
+                            <a:buNone/>
+                          </a:pPr>
+                          <a:r>
+                            <a:rPr lang="de-DE" dirty="0"/>
+                            <a:t>X</a:t>
+                          </a:r>
+                        </a:p>
+                      </a:txBody>
+                      <a:tcPr/>
+                    </a:tc>
+                    <a:extLst>
+                      <a:ext uri="{0D108BD9-81ED-4DB2-BD59-A6C34878D82A}">
+                        <a16:rowId xmlns:a16="http://schemas.microsoft.com/office/drawing/2014/main" val="216001238"/>
+                      </a:ext>
+                    </a:extLst>
+                  </a:tr>
+                </a:tbl>
+              </a:graphicData>
+            </a:graphic>
+          </p:graphicFrame>
+        </mc:Choice>
+        <mc:Fallback>
+          <p:graphicFrame>
+            <p:nvGraphicFramePr>
+              <p:cNvPr id="4" name="Inhaltsplatzhalter 3">
+                <a:extLst>
+                  <a:ext uri="{FF2B5EF4-FFF2-40B4-BE49-F238E27FC236}">
+                    <a16:creationId xmlns:a16="http://schemas.microsoft.com/office/drawing/2014/main" id="{29D2D660-2835-B464-8BDC-5C28B0DEA492}"/>
+                  </a:ext>
+                </a:extLst>
+              </p:cNvPr>
+              <p:cNvGraphicFramePr>
+                <a:graphicFrameLocks noGrp="1"/>
+              </p:cNvGraphicFramePr>
+              <p:nvPr>
+                <p:ph idx="1"/>
+                <p:extLst>
+                  <p:ext uri="{D42A27DB-BD31-4B8C-83A1-F6EECF244321}">
+                    <p14:modId xmlns:p14="http://schemas.microsoft.com/office/powerpoint/2010/main" val="423623281"/>
+                  </p:ext>
+                </p:extLst>
+              </p:nvPr>
+            </p:nvGraphicFramePr>
+            <p:xfrm>
+              <a:off x="1137574" y="1773238"/>
+              <a:ext cx="10262350" cy="2123440"/>
+            </p:xfrm>
+            <a:graphic>
+              <a:graphicData uri="http://schemas.openxmlformats.org/drawingml/2006/table">
+                <a:tbl>
+                  <a:tblPr firstRow="1" bandRow="1">
+                    <a:tableStyleId>{00A15C55-8517-42AA-B614-E9B94910E393}</a:tableStyleId>
+                  </a:tblPr>
+                  <a:tblGrid>
+                    <a:gridCol w="1026235">
+                      <a:extLst>
+                        <a:ext uri="{9D8B030D-6E8A-4147-A177-3AD203B41FA5}">
+                          <a16:colId xmlns:a16="http://schemas.microsoft.com/office/drawing/2014/main" val="1652158833"/>
+                        </a:ext>
+                      </a:extLst>
+                    </a:gridCol>
+                    <a:gridCol w="1026235">
+                      <a:extLst>
+                        <a:ext uri="{9D8B030D-6E8A-4147-A177-3AD203B41FA5}">
+                          <a16:colId xmlns:a16="http://schemas.microsoft.com/office/drawing/2014/main" val="2926449063"/>
+                        </a:ext>
+                      </a:extLst>
+                    </a:gridCol>
+                    <a:gridCol w="1026235">
+                      <a:extLst>
+                        <a:ext uri="{9D8B030D-6E8A-4147-A177-3AD203B41FA5}">
+                          <a16:colId xmlns:a16="http://schemas.microsoft.com/office/drawing/2014/main" val="787207862"/>
+                        </a:ext>
+                      </a:extLst>
+                    </a:gridCol>
+                    <a:gridCol w="1026235">
+                      <a:extLst>
+                        <a:ext uri="{9D8B030D-6E8A-4147-A177-3AD203B41FA5}">
+                          <a16:colId xmlns:a16="http://schemas.microsoft.com/office/drawing/2014/main" val="3809945160"/>
+                        </a:ext>
+                      </a:extLst>
+                    </a:gridCol>
+                    <a:gridCol w="1026235">
+                      <a:extLst>
+                        <a:ext uri="{9D8B030D-6E8A-4147-A177-3AD203B41FA5}">
+                          <a16:colId xmlns:a16="http://schemas.microsoft.com/office/drawing/2014/main" val="2374642796"/>
+                        </a:ext>
+                      </a:extLst>
+                    </a:gridCol>
+                    <a:gridCol w="1026235">
+                      <a:extLst>
+                        <a:ext uri="{9D8B030D-6E8A-4147-A177-3AD203B41FA5}">
+                          <a16:colId xmlns:a16="http://schemas.microsoft.com/office/drawing/2014/main" val="4173493018"/>
+                        </a:ext>
+                      </a:extLst>
+                    </a:gridCol>
+                    <a:gridCol w="1026235">
+                      <a:extLst>
+                        <a:ext uri="{9D8B030D-6E8A-4147-A177-3AD203B41FA5}">
+                          <a16:colId xmlns:a16="http://schemas.microsoft.com/office/drawing/2014/main" val="3435224365"/>
+                        </a:ext>
+                      </a:extLst>
+                    </a:gridCol>
+                    <a:gridCol w="1026235">
+                      <a:extLst>
+                        <a:ext uri="{9D8B030D-6E8A-4147-A177-3AD203B41FA5}">
+                          <a16:colId xmlns:a16="http://schemas.microsoft.com/office/drawing/2014/main" val="1787115638"/>
+                        </a:ext>
+                      </a:extLst>
+                    </a:gridCol>
+                    <a:gridCol w="1026235">
+                      <a:extLst>
+                        <a:ext uri="{9D8B030D-6E8A-4147-A177-3AD203B41FA5}">
+                          <a16:colId xmlns:a16="http://schemas.microsoft.com/office/drawing/2014/main" val="1436126279"/>
+                        </a:ext>
+                      </a:extLst>
+                    </a:gridCol>
+                    <a:gridCol w="1026235">
+                      <a:extLst>
+                        <a:ext uri="{9D8B030D-6E8A-4147-A177-3AD203B41FA5}">
+                          <a16:colId xmlns:a16="http://schemas.microsoft.com/office/drawing/2014/main" val="4015443148"/>
+                        </a:ext>
+                      </a:extLst>
+                    </a:gridCol>
+                  </a:tblGrid>
+                  <a:tr h="370840">
+                    <a:tc>
+                      <a:txBody>
+                        <a:bodyPr/>
+                        <a:lstStyle/>
+                        <a:p>
+                          <a:pPr algn="ctr"/>
+                          <a:endParaRPr lang="de-DE" dirty="0"/>
+                        </a:p>
+                      </a:txBody>
+                      <a:tcPr/>
+                    </a:tc>
+                    <a:tc>
+                      <a:txBody>
+                        <a:bodyPr/>
+                        <a:lstStyle/>
+                        <a:p>
+                          <a:pPr lvl="0" algn="ctr">
+                            <a:buNone/>
+                          </a:pPr>
+                          <a:r>
+                            <a:rPr lang="de-DE" dirty="0"/>
+                            <a:t>Q2</a:t>
+                          </a:r>
+                        </a:p>
+                      </a:txBody>
+                      <a:tcPr/>
+                    </a:tc>
+                    <a:tc>
+                      <a:txBody>
+                        <a:bodyPr/>
+                        <a:lstStyle/>
+                        <a:p>
+                          <a:pPr lvl="0" algn="ctr">
+                            <a:buNone/>
+                          </a:pPr>
+                          <a:r>
+                            <a:rPr lang="de-DE" dirty="0"/>
+                            <a:t>Q1</a:t>
+                          </a:r>
+                        </a:p>
+                      </a:txBody>
+                      <a:tcPr/>
+                    </a:tc>
+                    <a:tc>
+                      <a:txBody>
+                        <a:bodyPr/>
+                        <a:lstStyle/>
+                        <a:p>
+                          <a:pPr lvl="0" algn="ctr">
+                            <a:buNone/>
+                          </a:pPr>
+                          <a:r>
+                            <a:rPr lang="de-DE" dirty="0"/>
+                            <a:t>Q0</a:t>
+                          </a:r>
+                        </a:p>
+                      </a:txBody>
+                      <a:tcPr/>
+                    </a:tc>
+                    <a:tc>
+                      <a:txBody>
+                        <a:bodyPr/>
+                        <a:lstStyle/>
+                        <a:p>
+                          <a:pPr lvl="0" algn="ctr">
+                            <a:buNone/>
+                          </a:pPr>
+                          <a:r>
+                            <a:rPr lang="de-DE" dirty="0"/>
+                            <a:t>J2</a:t>
+                          </a:r>
+                        </a:p>
+                      </a:txBody>
+                      <a:tcPr/>
+                    </a:tc>
+                    <a:tc>
+                      <a:txBody>
+                        <a:bodyPr/>
+                        <a:lstStyle/>
+                        <a:p>
+                          <a:pPr lvl="0" algn="ctr">
+                            <a:buNone/>
+                          </a:pPr>
+                          <a:r>
+                            <a:rPr lang="de-DE" dirty="0"/>
+                            <a:t>K2</a:t>
+                          </a:r>
+                        </a:p>
+                      </a:txBody>
+                      <a:tcPr/>
+                    </a:tc>
+                    <a:tc>
+                      <a:txBody>
+                        <a:bodyPr/>
+                        <a:lstStyle/>
+                        <a:p>
+                          <a:pPr lvl="0" algn="ctr">
+                            <a:buNone/>
+                          </a:pPr>
+                          <a:r>
+                            <a:rPr lang="de-DE" dirty="0"/>
+                            <a:t>J1</a:t>
+                          </a:r>
+                        </a:p>
+                      </a:txBody>
+                      <a:tcPr/>
+                    </a:tc>
+                    <a:tc>
+                      <a:txBody>
+                        <a:bodyPr/>
+                        <a:lstStyle/>
+                        <a:p>
+                          <a:pPr lvl="0" algn="ctr">
+                            <a:buNone/>
+                          </a:pPr>
+                          <a:r>
+                            <a:rPr lang="de-DE" dirty="0"/>
+                            <a:t>K1</a:t>
+                          </a:r>
+                        </a:p>
+                      </a:txBody>
+                      <a:tcPr/>
+                    </a:tc>
+                    <a:tc>
+                      <a:txBody>
+                        <a:bodyPr/>
+                        <a:lstStyle/>
+                        <a:p>
+                          <a:pPr lvl="0" algn="ctr">
+                            <a:buNone/>
+                          </a:pPr>
+                          <a:r>
+                            <a:rPr lang="de-DE" dirty="0"/>
+                            <a:t>J0</a:t>
+                          </a:r>
+                        </a:p>
+                      </a:txBody>
+                      <a:tcPr/>
+                    </a:tc>
+                    <a:tc>
+                      <a:txBody>
+                        <a:bodyPr/>
+                        <a:lstStyle/>
+                        <a:p>
+                          <a:pPr lvl="0" algn="ctr">
+                            <a:buNone/>
+                          </a:pPr>
+                          <a:r>
+                            <a:rPr lang="de-DE" dirty="0"/>
+                            <a:t>K0</a:t>
+                          </a:r>
+                        </a:p>
+                      </a:txBody>
+                      <a:tcPr/>
+                    </a:tc>
+                    <a:extLst>
+                      <a:ext uri="{0D108BD9-81ED-4DB2-BD59-A6C34878D82A}">
+                        <a16:rowId xmlns:a16="http://schemas.microsoft.com/office/drawing/2014/main" val="1625499165"/>
+                      </a:ext>
+                    </a:extLst>
+                  </a:tr>
+                  <a:tr h="370840">
+                    <a:tc>
+                      <a:txBody>
+                        <a:bodyPr/>
+                        <a:lstStyle/>
+                        <a:p>
+                          <a:endParaRPr lang="en-US"/>
+                        </a:p>
+                      </a:txBody>
+                      <a:tcPr>
+                        <a:blipFill>
+                          <a:blip r:embed="rId2"/>
+                          <a:stretch>
+                            <a:fillRect l="-592" t="-108197" r="-899408" b="-396721"/>
+                          </a:stretch>
+                        </a:blipFill>
+                      </a:tcPr>
+                    </a:tc>
+                    <a:tc>
+                      <a:txBody>
+                        <a:bodyPr/>
+                        <a:lstStyle/>
+                        <a:p>
+                          <a:pPr lvl="0" algn="ctr">
+                            <a:buNone/>
+                          </a:pPr>
+                          <a:r>
+                            <a:rPr lang="de-DE" dirty="0"/>
+                            <a:t>0</a:t>
+                          </a:r>
+                        </a:p>
+                      </a:txBody>
+                      <a:tcPr/>
+                    </a:tc>
+                    <a:tc>
+                      <a:txBody>
+                        <a:bodyPr/>
+                        <a:lstStyle/>
+                        <a:p>
+                          <a:pPr lvl="0" algn="ctr">
+                            <a:buNone/>
+                          </a:pPr>
+                          <a:r>
+                            <a:rPr lang="de-DE" dirty="0"/>
+                            <a:t>0</a:t>
+                          </a:r>
+                        </a:p>
+                      </a:txBody>
+                      <a:tcPr/>
+                    </a:tc>
+                    <a:tc>
+                      <a:txBody>
+                        <a:bodyPr/>
+                        <a:lstStyle/>
+                        <a:p>
+                          <a:pPr lvl="0" algn="ctr">
+                            <a:buNone/>
+                          </a:pPr>
+                          <a:r>
+                            <a:rPr lang="de-DE" dirty="0"/>
+                            <a:t>0</a:t>
+                          </a:r>
+                        </a:p>
+                      </a:txBody>
+                      <a:tcPr/>
+                    </a:tc>
+                    <a:tc>
+                      <a:txBody>
+                        <a:bodyPr/>
+                        <a:lstStyle/>
+                        <a:p>
+                          <a:pPr algn="ctr"/>
+                          <a:r>
+                            <a:rPr lang="de-DE" dirty="0"/>
+                            <a:t>1</a:t>
+                          </a:r>
+                        </a:p>
+                      </a:txBody>
+                      <a:tcPr/>
+                    </a:tc>
+                    <a:tc>
+                      <a:txBody>
+                        <a:bodyPr/>
+                        <a:lstStyle/>
+                        <a:p>
+                          <a:endParaRPr lang="en-US"/>
+                        </a:p>
+                      </a:txBody>
+                      <a:tcPr>
+                        <a:blipFill>
+                          <a:blip r:embed="rId2"/>
+                          <a:stretch>
+                            <a:fillRect l="-502381" t="-108197" r="-403571" b="-396721"/>
+                          </a:stretch>
+                        </a:blipFill>
+                      </a:tcPr>
+                    </a:tc>
+                    <a:tc>
+                      <a:txBody>
+                        <a:bodyPr/>
+                        <a:lstStyle/>
+                        <a:p>
+                          <a:pPr lvl="0" algn="ctr">
+                            <a:buNone/>
+                          </a:pPr>
+                          <a:r>
+                            <a:rPr lang="de-DE" dirty="0"/>
+                            <a:t>0</a:t>
+                          </a:r>
+                        </a:p>
+                      </a:txBody>
+                      <a:tcPr/>
+                    </a:tc>
+                    <a:tc>
+                      <a:txBody>
+                        <a:bodyPr/>
+                        <a:lstStyle/>
+                        <a:p>
+                          <a:pPr lvl="0" algn="ctr">
+                            <a:buNone/>
+                          </a:pPr>
+                          <a:r>
+                            <a:rPr lang="de-DE" dirty="0"/>
+                            <a:t>0</a:t>
+                          </a:r>
+                        </a:p>
+                      </a:txBody>
+                      <a:tcPr/>
+                    </a:tc>
+                    <a:tc>
+                      <a:txBody>
+                        <a:bodyPr/>
+                        <a:lstStyle/>
+                        <a:p>
+                          <a:pPr lvl="0" algn="ctr">
+                            <a:buNone/>
+                          </a:pPr>
+                          <a:r>
+                            <a:rPr lang="de-DE" dirty="0"/>
+                            <a:t>0</a:t>
+                          </a:r>
+                        </a:p>
+                      </a:txBody>
+                      <a:tcPr/>
+                    </a:tc>
+                    <a:tc>
+                      <a:txBody>
+                        <a:bodyPr/>
+                        <a:lstStyle/>
+                        <a:p>
+                          <a:pPr lvl="0" algn="ctr">
+                            <a:buNone/>
+                          </a:pPr>
+                          <a:r>
+                            <a:rPr lang="de-DE" dirty="0"/>
+                            <a:t>0</a:t>
+                          </a:r>
+                        </a:p>
+                      </a:txBody>
+                      <a:tcPr/>
+                    </a:tc>
+                    <a:extLst>
+                      <a:ext uri="{0D108BD9-81ED-4DB2-BD59-A6C34878D82A}">
+                        <a16:rowId xmlns:a16="http://schemas.microsoft.com/office/drawing/2014/main" val="476797659"/>
+                      </a:ext>
+                    </a:extLst>
+                  </a:tr>
+                  <a:tr h="370840">
+                    <a:tc>
+                      <a:txBody>
+                        <a:bodyPr/>
+                        <a:lstStyle/>
+                        <a:p>
+                          <a:endParaRPr lang="en-US"/>
+                        </a:p>
+                      </a:txBody>
+                      <a:tcPr>
+                        <a:blipFill>
+                          <a:blip r:embed="rId2"/>
+                          <a:stretch>
+                            <a:fillRect l="-592" t="-208197" r="-899408" b="-296721"/>
+                          </a:stretch>
+                        </a:blipFill>
+                      </a:tcPr>
+                    </a:tc>
+                    <a:tc>
+                      <a:txBody>
+                        <a:bodyPr/>
+                        <a:lstStyle/>
+                        <a:p>
+                          <a:pPr lvl="0" algn="ctr">
+                            <a:buNone/>
+                          </a:pPr>
+                          <a:r>
+                            <a:rPr lang="de-DE" dirty="0"/>
+                            <a:t>1</a:t>
+                          </a:r>
+                        </a:p>
+                      </a:txBody>
+                      <a:tcPr/>
+                    </a:tc>
+                    <a:tc>
+                      <a:txBody>
+                        <a:bodyPr/>
+                        <a:lstStyle/>
+                        <a:p>
+                          <a:pPr lvl="0" algn="ctr">
+                            <a:buNone/>
+                          </a:pPr>
+                          <a:r>
+                            <a:rPr lang="de-DE" dirty="0"/>
+                            <a:t>0</a:t>
+                          </a:r>
+                        </a:p>
+                      </a:txBody>
+                      <a:tcPr/>
+                    </a:tc>
+                    <a:tc>
+                      <a:txBody>
+                        <a:bodyPr/>
+                        <a:lstStyle/>
+                        <a:p>
+                          <a:pPr lvl="0" algn="ctr">
+                            <a:buNone/>
+                          </a:pPr>
+                          <a:r>
+                            <a:rPr lang="de-DE" dirty="0"/>
+                            <a:t>0</a:t>
+                          </a:r>
+                        </a:p>
+                      </a:txBody>
+                      <a:tcPr/>
+                    </a:tc>
+                    <a:tc>
+                      <a:txBody>
+                        <a:bodyPr/>
+                        <a:lstStyle/>
+                        <a:p>
+                          <a:pPr algn="ctr"/>
+                          <a:r>
+                            <a:rPr lang="de-DE" dirty="0"/>
+                            <a:t>0 </a:t>
+                          </a:r>
+                        </a:p>
+                      </a:txBody>
+                      <a:tcPr/>
+                    </a:tc>
+                    <a:tc>
+                      <a:txBody>
+                        <a:bodyPr/>
+                        <a:lstStyle/>
+                        <a:p>
+                          <a:endParaRPr lang="en-US"/>
+                        </a:p>
+                      </a:txBody>
+                      <a:tcPr>
+                        <a:blipFill>
+                          <a:blip r:embed="rId2"/>
+                          <a:stretch>
+                            <a:fillRect l="-502381" t="-208197" r="-403571" b="-296721"/>
+                          </a:stretch>
+                        </a:blipFill>
+                      </a:tcPr>
+                    </a:tc>
+                    <a:tc>
+                      <a:txBody>
+                        <a:bodyPr/>
+                        <a:lstStyle/>
+                        <a:p>
+                          <a:pPr lvl="0" algn="ctr">
+                            <a:buNone/>
+                          </a:pPr>
+                          <a:r>
+                            <a:rPr lang="de-DE" dirty="0"/>
+                            <a:t>1</a:t>
+                          </a:r>
+                        </a:p>
+                      </a:txBody>
+                      <a:tcPr/>
+                    </a:tc>
+                    <a:tc>
+                      <a:txBody>
+                        <a:bodyPr/>
+                        <a:lstStyle/>
+                        <a:p>
+                          <a:pPr lvl="0" algn="ctr">
+                            <a:buNone/>
+                          </a:pPr>
+                          <a:r>
+                            <a:rPr lang="de-DE" dirty="0"/>
+                            <a:t>0</a:t>
+                          </a:r>
+                        </a:p>
+                      </a:txBody>
+                      <a:tcPr/>
+                    </a:tc>
+                    <a:tc>
+                      <a:txBody>
+                        <a:bodyPr/>
+                        <a:lstStyle/>
+                        <a:p>
+                          <a:pPr lvl="0" algn="ctr">
+                            <a:buNone/>
+                          </a:pPr>
+                          <a:r>
+                            <a:rPr lang="de-DE" dirty="0"/>
+                            <a:t>1</a:t>
+                          </a:r>
+                        </a:p>
+                      </a:txBody>
+                      <a:tcPr/>
+                    </a:tc>
+                    <a:tc>
+                      <a:txBody>
+                        <a:bodyPr/>
+                        <a:lstStyle/>
+                        <a:p>
+                          <a:pPr lvl="0" algn="ctr">
+                            <a:buNone/>
+                          </a:pPr>
+                          <a:r>
+                            <a:rPr lang="de-DE" dirty="0"/>
+                            <a:t>1</a:t>
+                          </a:r>
+                        </a:p>
+                      </a:txBody>
+                      <a:tcPr/>
+                    </a:tc>
+                    <a:extLst>
+                      <a:ext uri="{0D108BD9-81ED-4DB2-BD59-A6C34878D82A}">
+                        <a16:rowId xmlns:a16="http://schemas.microsoft.com/office/drawing/2014/main" val="1703270876"/>
+                      </a:ext>
+                    </a:extLst>
+                  </a:tr>
+                  <a:tr h="640080">
+                    <a:tc>
+                      <a:txBody>
+                        <a:bodyPr/>
+                        <a:lstStyle/>
+                        <a:p>
+                          <a:endParaRPr lang="en-US"/>
+                        </a:p>
+                      </a:txBody>
+                      <a:tcPr>
+                        <a:blipFill>
+                          <a:blip r:embed="rId2"/>
+                          <a:stretch>
+                            <a:fillRect l="-592" t="-177358" r="-899408" b="-70755"/>
+                          </a:stretch>
+                        </a:blipFill>
+                      </a:tcPr>
+                    </a:tc>
+                    <a:tc>
+                      <a:txBody>
+                        <a:bodyPr/>
+                        <a:lstStyle/>
+                        <a:p>
+                          <a:pPr lvl="0" algn="ctr">
+                            <a:buNone/>
+                          </a:pPr>
+                          <a:r>
+                            <a:rPr lang="de-DE" dirty="0"/>
+                            <a:t>0</a:t>
+                          </a:r>
+                        </a:p>
+                      </a:txBody>
+                      <a:tcPr/>
+                    </a:tc>
+                    <a:tc>
+                      <a:txBody>
+                        <a:bodyPr/>
+                        <a:lstStyle/>
+                        <a:p>
+                          <a:pPr lvl="0" algn="ctr">
+                            <a:buNone/>
+                          </a:pPr>
+                          <a:r>
+                            <a:rPr lang="de-DE" dirty="0"/>
+                            <a:t>1</a:t>
+                          </a:r>
+                        </a:p>
+                      </a:txBody>
+                      <a:tcPr/>
+                    </a:tc>
+                    <a:tc>
+                      <a:txBody>
+                        <a:bodyPr/>
+                        <a:lstStyle/>
+                        <a:p>
+                          <a:pPr lvl="0" algn="ctr">
+                            <a:buNone/>
+                          </a:pPr>
+                          <a:r>
+                            <a:rPr lang="de-DE" dirty="0"/>
+                            <a:t>1</a:t>
+                          </a:r>
+                        </a:p>
+                      </a:txBody>
+                      <a:tcPr/>
+                    </a:tc>
+                    <a:tc>
+                      <a:txBody>
+                        <a:bodyPr/>
+                        <a:lstStyle/>
+                        <a:p>
+                          <a:pPr algn="ctr"/>
+                          <a:r>
+                            <a:rPr lang="de-DE" dirty="0"/>
+                            <a:t>1</a:t>
+                          </a:r>
+                        </a:p>
+                      </a:txBody>
+                      <a:tcPr/>
+                    </a:tc>
+                    <a:tc>
+                      <a:txBody>
+                        <a:bodyPr/>
+                        <a:lstStyle/>
+                        <a:p>
+                          <a:endParaRPr lang="en-US"/>
+                        </a:p>
+                      </a:txBody>
+                      <a:tcPr>
+                        <a:blipFill>
+                          <a:blip r:embed="rId2"/>
+                          <a:stretch>
+                            <a:fillRect l="-502381" t="-177358" r="-403571" b="-70755"/>
+                          </a:stretch>
+                        </a:blipFill>
+                      </a:tcPr>
+                    </a:tc>
+                    <a:tc>
+                      <a:txBody>
+                        <a:bodyPr/>
+                        <a:lstStyle/>
+                        <a:p>
+                          <a:pPr lvl="0" algn="ctr">
+                            <a:buNone/>
+                          </a:pPr>
+                          <a:r>
+                            <a:rPr lang="de-DE" dirty="0"/>
+                            <a:t>1</a:t>
+                          </a:r>
+                        </a:p>
+                      </a:txBody>
+                      <a:tcPr/>
+                    </a:tc>
+                    <a:tc>
+                      <a:txBody>
+                        <a:bodyPr/>
+                        <a:lstStyle/>
+                        <a:p>
+                          <a:pPr lvl="0" algn="ctr">
+                            <a:buNone/>
+                          </a:pPr>
+                          <a:r>
+                            <a:rPr lang="de-DE" dirty="0"/>
+                            <a:t>1</a:t>
+                          </a:r>
+                        </a:p>
+                      </a:txBody>
+                      <a:tcPr/>
+                    </a:tc>
+                    <a:tc>
+                      <a:txBody>
+                        <a:bodyPr/>
+                        <a:lstStyle/>
+                        <a:p>
+                          <a:pPr lvl="0" algn="ctr">
+                            <a:buNone/>
+                          </a:pPr>
+                          <a:r>
+                            <a:rPr lang="de-DE" dirty="0"/>
+                            <a:t>0</a:t>
+                          </a:r>
+                        </a:p>
+                      </a:txBody>
+                      <a:tcPr/>
+                    </a:tc>
+                    <a:tc>
+                      <a:txBody>
+                        <a:bodyPr/>
+                        <a:lstStyle/>
+                        <a:p>
+                          <a:pPr lvl="0" algn="ctr">
+                            <a:buNone/>
+                          </a:pPr>
+                          <a:r>
+                            <a:rPr lang="de-DE" dirty="0"/>
+                            <a:t>1</a:t>
+                          </a:r>
+                        </a:p>
+                      </a:txBody>
+                      <a:tcPr/>
+                    </a:tc>
+                    <a:extLst>
+                      <a:ext uri="{0D108BD9-81ED-4DB2-BD59-A6C34878D82A}">
+                        <a16:rowId xmlns:a16="http://schemas.microsoft.com/office/drawing/2014/main" val="2818478599"/>
+                      </a:ext>
+                    </a:extLst>
+                  </a:tr>
+                  <a:tr h="370840">
+                    <a:tc>
+                      <a:txBody>
+                        <a:bodyPr/>
+                        <a:lstStyle/>
+                        <a:p>
+                          <a:endParaRPr lang="en-US"/>
+                        </a:p>
+                      </a:txBody>
+                      <a:tcPr>
+                        <a:blipFill>
+                          <a:blip r:embed="rId2"/>
+                          <a:stretch>
+                            <a:fillRect l="-592" t="-481967" r="-899408" b="-22951"/>
+                          </a:stretch>
+                        </a:blipFill>
+                      </a:tcPr>
+                    </a:tc>
+                    <a:tc>
+                      <a:txBody>
+                        <a:bodyPr/>
+                        <a:lstStyle/>
+                        <a:p>
+                          <a:pPr lvl="0" algn="ctr">
+                            <a:buNone/>
+                          </a:pPr>
+                          <a:r>
+                            <a:rPr lang="de-DE" dirty="0"/>
+                            <a:t>1</a:t>
+                          </a:r>
+                        </a:p>
+                      </a:txBody>
+                      <a:tcPr/>
+                    </a:tc>
+                    <a:tc>
+                      <a:txBody>
+                        <a:bodyPr/>
+                        <a:lstStyle/>
+                        <a:p>
+                          <a:pPr lvl="0" algn="ctr">
+                            <a:buNone/>
+                          </a:pPr>
+                          <a:r>
+                            <a:rPr lang="de-DE" dirty="0"/>
+                            <a:t>0</a:t>
+                          </a:r>
+                        </a:p>
+                      </a:txBody>
+                      <a:tcPr/>
+                    </a:tc>
+                    <a:tc>
+                      <a:txBody>
+                        <a:bodyPr/>
+                        <a:lstStyle/>
+                        <a:p>
+                          <a:pPr lvl="0" algn="ctr">
+                            <a:buNone/>
+                          </a:pPr>
+                          <a:r>
+                            <a:rPr lang="de-DE" dirty="0"/>
+                            <a:t>0</a:t>
+                          </a:r>
+                        </a:p>
+                      </a:txBody>
+                      <a:tcPr/>
+                    </a:tc>
+                    <a:tc>
+                      <a:txBody>
+                        <a:bodyPr/>
+                        <a:lstStyle/>
+                        <a:p>
+                          <a:pPr algn="ctr"/>
+                          <a:r>
+                            <a:rPr lang="de-DE" dirty="0"/>
+                            <a:t>X</a:t>
+                          </a:r>
+                        </a:p>
+                      </a:txBody>
+                      <a:tcPr/>
+                    </a:tc>
+                    <a:tc>
+                      <a:txBody>
+                        <a:bodyPr/>
+                        <a:lstStyle/>
+                        <a:p>
+                          <a:endParaRPr lang="en-US"/>
+                        </a:p>
+                      </a:txBody>
+                      <a:tcPr>
+                        <a:blipFill>
+                          <a:blip r:embed="rId2"/>
+                          <a:stretch>
+                            <a:fillRect l="-502381" t="-481967" r="-403571" b="-22951"/>
+                          </a:stretch>
+                        </a:blipFill>
+                      </a:tcPr>
+                    </a:tc>
+                    <a:tc>
+                      <a:txBody>
+                        <a:bodyPr/>
+                        <a:lstStyle/>
+                        <a:p>
+                          <a:pPr lvl="0" algn="ctr">
+                            <a:buNone/>
+                          </a:pPr>
+                          <a:r>
+                            <a:rPr lang="de-DE" dirty="0"/>
+                            <a:t>X</a:t>
+                          </a:r>
+                        </a:p>
+                      </a:txBody>
+                      <a:tcPr/>
+                    </a:tc>
+                    <a:tc>
+                      <a:txBody>
+                        <a:bodyPr/>
+                        <a:lstStyle/>
+                        <a:p>
+                          <a:pPr lvl="0" algn="ctr">
+                            <a:buNone/>
+                          </a:pPr>
+                          <a:r>
+                            <a:rPr lang="de-DE" dirty="0"/>
+                            <a:t>X</a:t>
+                          </a:r>
+                        </a:p>
+                      </a:txBody>
+                      <a:tcPr/>
+                    </a:tc>
+                    <a:tc>
+                      <a:txBody>
+                        <a:bodyPr/>
+                        <a:lstStyle/>
+                        <a:p>
+                          <a:pPr lvl="0" algn="ctr">
+                            <a:buNone/>
+                          </a:pPr>
+                          <a:r>
+                            <a:rPr lang="de-DE" dirty="0"/>
+                            <a:t>X</a:t>
+                          </a:r>
+                        </a:p>
+                      </a:txBody>
+                      <a:tcPr/>
+                    </a:tc>
+                    <a:tc>
+                      <a:txBody>
+                        <a:bodyPr/>
+                        <a:lstStyle/>
+                        <a:p>
+                          <a:pPr lvl="0" algn="ctr">
+                            <a:buNone/>
+                          </a:pPr>
+                          <a:r>
+                            <a:rPr lang="de-DE" dirty="0"/>
+                            <a:t>X</a:t>
+                          </a:r>
+                        </a:p>
+                      </a:txBody>
+                      <a:tcPr/>
+                    </a:tc>
+                    <a:extLst>
+                      <a:ext uri="{0D108BD9-81ED-4DB2-BD59-A6C34878D82A}">
+                        <a16:rowId xmlns:a16="http://schemas.microsoft.com/office/drawing/2014/main" val="216001238"/>
+                      </a:ext>
+                    </a:extLst>
+                  </a:tr>
+                </a:tbl>
+              </a:graphicData>
+            </a:graphic>
+          </p:graphicFrame>
+        </mc:Fallback>
+      </mc:AlternateContent>
+      <p:sp>
+        <p:nvSpPr>
+          <p:cNvPr id="6" name="Content Placeholder 4">
+            <a:extLst>
+              <a:ext uri="{FF2B5EF4-FFF2-40B4-BE49-F238E27FC236}">
+                <a16:creationId xmlns:a16="http://schemas.microsoft.com/office/drawing/2014/main" id="{4CCA6B87-AB16-DB78-DC78-143E2F13695F}"/>
+              </a:ext>
+            </a:extLst>
+          </p:cNvPr>
+          <p:cNvSpPr txBox="1">
+            <a:spLocks/>
+          </p:cNvSpPr>
+          <p:nvPr/>
+        </p:nvSpPr>
+        <p:spPr bwMode="auto">
+          <a:xfrm>
+            <a:off x="810000" y="1773239"/>
+            <a:ext cx="10580400" cy="4352925"/>
+          </a:xfrm>
+          <a:prstGeom prst="rect">
+            <a:avLst/>
+          </a:prstGeom>
+          <a:noFill/>
+          <a:ln w="9525">
+            <a:noFill/>
+            <a:miter lim="800000"/>
+            <a:headEnd/>
+            <a:tailEnd/>
+          </a:ln>
+          <a:effectLst/>
+        </p:spPr>
+        <p:txBody>
+          <a:bodyPr vert="horz" wrap="square" lIns="0" tIns="0" rIns="0" bIns="0" numCol="1" anchor="t" anchorCtr="0" compatLnSpc="1">
+            <a:prstTxWarp prst="textNoShape">
+              <a:avLst/>
+            </a:prstTxWarp>
+            <a:normAutofit/>
+          </a:bodyPr>
+          <a:lstStyle>
+            <a:lvl1pPr marL="180975" indent="-180975" algn="l" rtl="0" eaLnBrk="1" fontAlgn="base" hangingPunct="1">
+              <a:lnSpc>
+                <a:spcPct val="110000"/>
+              </a:lnSpc>
+              <a:spcBef>
+                <a:spcPct val="0"/>
+              </a:spcBef>
+              <a:spcAft>
+                <a:spcPct val="0"/>
+              </a:spcAft>
+              <a:buClr>
+                <a:schemeClr val="tx1"/>
+              </a:buClr>
+              <a:buChar char="•"/>
+              <a:defRPr sz="2000">
+                <a:solidFill>
+                  <a:schemeClr val="tx1"/>
+                </a:solidFill>
+                <a:latin typeface="+mn-lt"/>
+                <a:ea typeface="+mn-ea"/>
+                <a:cs typeface="+mn-cs"/>
+              </a:defRPr>
+            </a:lvl1pPr>
+            <a:lvl2pPr marL="541338" indent="-180975" algn="l" rtl="0" eaLnBrk="1" fontAlgn="base" hangingPunct="1">
+              <a:lnSpc>
+                <a:spcPct val="110000"/>
+              </a:lnSpc>
+              <a:spcBef>
+                <a:spcPct val="0"/>
+              </a:spcBef>
+              <a:spcAft>
+                <a:spcPct val="0"/>
+              </a:spcAft>
+              <a:buClr>
+                <a:schemeClr val="tx1"/>
+              </a:buClr>
+              <a:buSzPct val="80000"/>
+              <a:buChar char="-"/>
+              <a:defRPr sz="2000">
+                <a:solidFill>
+                  <a:schemeClr val="tx1"/>
+                </a:solidFill>
+                <a:latin typeface="+mn-lt"/>
+              </a:defRPr>
+            </a:lvl2pPr>
+            <a:lvl3pPr marL="895350" indent="-174625" algn="l" rtl="0" eaLnBrk="1" fontAlgn="base" hangingPunct="1">
+              <a:lnSpc>
+                <a:spcPct val="110000"/>
+              </a:lnSpc>
+              <a:spcBef>
+                <a:spcPct val="0"/>
+              </a:spcBef>
+              <a:spcAft>
+                <a:spcPct val="0"/>
+              </a:spcAft>
+              <a:buClr>
+                <a:schemeClr val="tx1"/>
+              </a:buClr>
+              <a:buFont typeface="Wingdings" pitchFamily="2" charset="2"/>
+              <a:buChar char="§"/>
+              <a:defRPr sz="1600">
+                <a:solidFill>
+                  <a:schemeClr val="tx1"/>
+                </a:solidFill>
+                <a:latin typeface="+mn-lt"/>
+              </a:defRPr>
+            </a:lvl3pPr>
+            <a:lvl4pPr marL="1260475" indent="-185738" algn="l" rtl="0" eaLnBrk="1" fontAlgn="base" hangingPunct="1">
+              <a:lnSpc>
+                <a:spcPct val="110000"/>
+              </a:lnSpc>
+              <a:spcBef>
+                <a:spcPct val="0"/>
+              </a:spcBef>
+              <a:spcAft>
+                <a:spcPct val="0"/>
+              </a:spcAft>
+              <a:buClr>
+                <a:schemeClr val="tx1"/>
+              </a:buClr>
+              <a:buChar char="•"/>
+              <a:defRPr sz="1400">
+                <a:solidFill>
+                  <a:schemeClr val="tx1"/>
+                </a:solidFill>
+                <a:latin typeface="+mn-lt"/>
+              </a:defRPr>
+            </a:lvl4pPr>
+            <a:lvl5pPr marL="0" indent="0" algn="l" rtl="0" eaLnBrk="1" fontAlgn="base" hangingPunct="1">
+              <a:lnSpc>
+                <a:spcPct val="110000"/>
+              </a:lnSpc>
+              <a:spcBef>
+                <a:spcPts val="300"/>
+              </a:spcBef>
+              <a:spcAft>
+                <a:spcPts val="300"/>
+              </a:spcAft>
+              <a:buClr>
+                <a:schemeClr val="tx1"/>
+              </a:buClr>
+              <a:buFontTx/>
+              <a:buNone/>
+              <a:tabLst>
+                <a:tab pos="5292000" algn="ctr"/>
+                <a:tab pos="10512000" algn="r"/>
+              </a:tabLst>
+              <a:defRPr sz="2000">
+                <a:solidFill>
+                  <a:schemeClr val="tx1"/>
+                </a:solidFill>
+                <a:latin typeface="+mn-lt"/>
+              </a:defRPr>
+            </a:lvl5pPr>
+            <a:lvl6pPr marL="2079625" indent="-182563" algn="l" rtl="0" eaLnBrk="1" fontAlgn="base" hangingPunct="1">
+              <a:lnSpc>
+                <a:spcPct val="110000"/>
+              </a:lnSpc>
+              <a:spcBef>
+                <a:spcPct val="0"/>
+              </a:spcBef>
+              <a:spcAft>
+                <a:spcPct val="0"/>
+              </a:spcAft>
+              <a:buChar char="-"/>
+              <a:defRPr sz="1200">
+                <a:solidFill>
+                  <a:schemeClr val="tx1"/>
+                </a:solidFill>
+                <a:latin typeface="+mn-lt"/>
+              </a:defRPr>
+            </a:lvl6pPr>
+            <a:lvl7pPr marL="2536825" indent="-182563" algn="l" rtl="0" eaLnBrk="1" fontAlgn="base" hangingPunct="1">
+              <a:lnSpc>
+                <a:spcPct val="110000"/>
+              </a:lnSpc>
+              <a:spcBef>
+                <a:spcPct val="0"/>
+              </a:spcBef>
+              <a:spcAft>
+                <a:spcPct val="0"/>
+              </a:spcAft>
+              <a:buChar char="-"/>
+              <a:defRPr sz="1200">
+                <a:solidFill>
+                  <a:schemeClr val="tx1"/>
+                </a:solidFill>
+                <a:latin typeface="+mn-lt"/>
+              </a:defRPr>
+            </a:lvl7pPr>
+            <a:lvl8pPr marL="2994025" indent="-182563" algn="l" rtl="0" eaLnBrk="1" fontAlgn="base" hangingPunct="1">
+              <a:lnSpc>
+                <a:spcPct val="110000"/>
+              </a:lnSpc>
+              <a:spcBef>
+                <a:spcPct val="0"/>
+              </a:spcBef>
+              <a:spcAft>
+                <a:spcPct val="0"/>
+              </a:spcAft>
+              <a:buChar char="-"/>
+              <a:defRPr sz="1200">
+                <a:solidFill>
+                  <a:schemeClr val="tx1"/>
+                </a:solidFill>
+                <a:latin typeface="+mn-lt"/>
+              </a:defRPr>
+            </a:lvl8pPr>
+            <a:lvl9pPr marL="3451225" indent="-182563" algn="l" rtl="0" eaLnBrk="1" fontAlgn="base" hangingPunct="1">
+              <a:lnSpc>
+                <a:spcPct val="110000"/>
+              </a:lnSpc>
+              <a:spcBef>
+                <a:spcPct val="0"/>
+              </a:spcBef>
+              <a:spcAft>
+                <a:spcPct val="0"/>
+              </a:spcAft>
+              <a:buChar char="-"/>
+              <a:defRPr sz="1200">
+                <a:solidFill>
+                  <a:schemeClr val="tx1"/>
+                </a:solidFill>
+                <a:latin typeface="+mn-lt"/>
+              </a:defRPr>
+            </a:lvl9pPr>
+          </a:lstStyle>
+          <a:p>
+            <a:pPr marL="0" indent="0">
+              <a:buFontTx/>
+              <a:buNone/>
+            </a:pPr>
+            <a:r>
+              <a:rPr lang="en-GB" kern="0" dirty="0">
+                <a:cs typeface="Arial"/>
+              </a:rPr>
+              <a:t>a)</a:t>
+            </a:r>
+          </a:p>
+          <a:p>
+            <a:pPr marL="0" indent="0">
+              <a:buNone/>
+            </a:pPr>
+            <a:endParaRPr lang="en-GB" kern="0" dirty="0">
+              <a:cs typeface="Arial"/>
+            </a:endParaRPr>
+          </a:p>
+          <a:p>
+            <a:pPr marL="0" indent="0">
+              <a:buNone/>
+            </a:pPr>
+            <a:endParaRPr lang="en-GB" kern="0" dirty="0">
+              <a:cs typeface="Arial"/>
+            </a:endParaRPr>
+          </a:p>
+          <a:p>
+            <a:pPr marL="0" indent="0">
+              <a:buNone/>
+            </a:pPr>
+            <a:endParaRPr lang="en-GB" kern="0" dirty="0">
+              <a:cs typeface="Arial"/>
+            </a:endParaRPr>
+          </a:p>
+          <a:p>
+            <a:pPr marL="0" indent="0">
+              <a:buNone/>
+            </a:pPr>
+            <a:endParaRPr lang="en-GB" kern="0" dirty="0">
+              <a:cs typeface="Arial"/>
+            </a:endParaRPr>
+          </a:p>
+          <a:p>
+            <a:pPr marL="0" indent="0">
+              <a:buNone/>
+            </a:pPr>
+            <a:endParaRPr lang="en-GB" kern="0" dirty="0">
+              <a:cs typeface="Arial"/>
+            </a:endParaRPr>
+          </a:p>
+          <a:p>
+            <a:pPr marL="0" indent="0">
+              <a:buNone/>
+            </a:pPr>
+            <a:endParaRPr lang="en-GB" kern="0" dirty="0">
+              <a:cs typeface="Arial"/>
+            </a:endParaRPr>
+          </a:p>
+          <a:p>
+            <a:pPr marL="0" indent="0">
+              <a:buNone/>
+            </a:pPr>
+            <a:r>
+              <a:rPr lang="en-GB" kern="0" dirty="0">
+                <a:cs typeface="Arial"/>
+              </a:rPr>
+              <a:t>b) Der </a:t>
+            </a:r>
+            <a:r>
+              <a:rPr lang="en-GB" kern="0" dirty="0" err="1">
+                <a:cs typeface="Arial"/>
+              </a:rPr>
+              <a:t>nächste</a:t>
+            </a:r>
+            <a:r>
+              <a:rPr lang="en-GB" kern="0" dirty="0">
+                <a:cs typeface="Arial"/>
+              </a:rPr>
+              <a:t> </a:t>
+            </a:r>
+            <a:r>
+              <a:rPr lang="en-GB" kern="0" dirty="0" err="1">
+                <a:cs typeface="Arial"/>
+              </a:rPr>
+              <a:t>Zustand</a:t>
+            </a:r>
+            <a:r>
+              <a:rPr lang="en-GB" kern="0" dirty="0">
+                <a:cs typeface="Arial"/>
+              </a:rPr>
+              <a:t> </a:t>
+            </a:r>
+            <a:r>
+              <a:rPr lang="en-GB" kern="0" dirty="0" err="1">
+                <a:cs typeface="Arial"/>
+              </a:rPr>
+              <a:t>ist</a:t>
+            </a:r>
+            <a:r>
+              <a:rPr lang="en-GB" kern="0" dirty="0">
+                <a:cs typeface="Arial"/>
+              </a:rPr>
+              <a:t> immer </a:t>
+            </a:r>
+            <a:r>
+              <a:rPr lang="en-GB" kern="0" dirty="0" err="1">
+                <a:cs typeface="Arial"/>
+              </a:rPr>
+              <a:t>nur</a:t>
+            </a:r>
+            <a:r>
+              <a:rPr lang="en-GB" kern="0" dirty="0">
+                <a:cs typeface="Arial"/>
+              </a:rPr>
+              <a:t> </a:t>
+            </a:r>
+            <a:r>
+              <a:rPr lang="en-GB" kern="0" dirty="0" err="1">
+                <a:cs typeface="Arial"/>
+              </a:rPr>
+              <a:t>vom</a:t>
+            </a:r>
+            <a:r>
+              <a:rPr lang="en-GB" kern="0" dirty="0">
+                <a:cs typeface="Arial"/>
+              </a:rPr>
+              <a:t> </a:t>
+            </a:r>
+            <a:r>
+              <a:rPr lang="en-GB" kern="0" dirty="0" err="1">
+                <a:cs typeface="Arial"/>
+              </a:rPr>
+              <a:t>aktuellen</a:t>
+            </a:r>
+            <a:r>
+              <a:rPr lang="en-GB" kern="0" dirty="0">
+                <a:cs typeface="Arial"/>
+              </a:rPr>
+              <a:t> </a:t>
+            </a:r>
+            <a:r>
+              <a:rPr lang="en-GB" kern="0" dirty="0" err="1">
+                <a:cs typeface="Arial"/>
+              </a:rPr>
+              <a:t>Zustand</a:t>
+            </a:r>
+            <a:r>
+              <a:rPr lang="en-GB" kern="0" dirty="0">
+                <a:cs typeface="Arial"/>
+              </a:rPr>
+              <a:t> </a:t>
+            </a:r>
+            <a:r>
+              <a:rPr lang="en-GB" kern="0" dirty="0" err="1">
+                <a:cs typeface="Arial"/>
+              </a:rPr>
+              <a:t>abhängig</a:t>
+            </a:r>
+            <a:r>
+              <a:rPr lang="en-GB" kern="0" dirty="0">
+                <a:cs typeface="Arial"/>
+              </a:rPr>
+              <a:t>, es </a:t>
+            </a:r>
+            <a:r>
+              <a:rPr lang="en-GB" kern="0" dirty="0" err="1">
+                <a:cs typeface="Arial"/>
+              </a:rPr>
+              <a:t>gibt</a:t>
+            </a:r>
+            <a:r>
+              <a:rPr lang="en-GB" kern="0" dirty="0">
+                <a:cs typeface="Arial"/>
+              </a:rPr>
+              <a:t> </a:t>
+            </a:r>
+            <a:r>
+              <a:rPr lang="en-GB" kern="0" dirty="0" err="1">
+                <a:cs typeface="Arial"/>
+              </a:rPr>
+              <a:t>keine</a:t>
+            </a:r>
+            <a:r>
+              <a:rPr lang="en-GB" kern="0" dirty="0">
+                <a:cs typeface="Arial"/>
+              </a:rPr>
+              <a:t> </a:t>
+            </a:r>
+            <a:r>
+              <a:rPr lang="en-GB" kern="0" dirty="0" err="1">
+                <a:cs typeface="Arial"/>
+              </a:rPr>
+              <a:t>weitere</a:t>
+            </a:r>
+            <a:r>
+              <a:rPr lang="en-GB" kern="0" dirty="0">
+                <a:cs typeface="Arial"/>
+              </a:rPr>
+              <a:t> </a:t>
+            </a:r>
+            <a:r>
+              <a:rPr lang="en-GB" kern="0" dirty="0" err="1">
+                <a:cs typeface="Arial"/>
+              </a:rPr>
+              <a:t>Abgabe</a:t>
+            </a:r>
+            <a:r>
+              <a:rPr lang="en-GB" kern="0" dirty="0">
+                <a:cs typeface="Arial"/>
+              </a:rPr>
+              <a:t>, die den </a:t>
+            </a:r>
+            <a:r>
+              <a:rPr lang="en-GB" kern="0" dirty="0" err="1">
+                <a:cs typeface="Arial"/>
+              </a:rPr>
+              <a:t>Folgezustand</a:t>
+            </a:r>
+            <a:r>
+              <a:rPr lang="en-GB" kern="0" dirty="0">
+                <a:cs typeface="Arial"/>
+              </a:rPr>
+              <a:t> mitbestimmt. Es handelt sich um </a:t>
+            </a:r>
+            <a:r>
+              <a:rPr lang="en-GB" kern="0" dirty="0" err="1">
+                <a:cs typeface="Arial"/>
+              </a:rPr>
+              <a:t>einen</a:t>
+            </a:r>
+            <a:r>
+              <a:rPr lang="en-GB" kern="0" dirty="0">
+                <a:cs typeface="Arial"/>
+              </a:rPr>
+              <a:t> Moore-</a:t>
+            </a:r>
+            <a:r>
+              <a:rPr lang="en-GB" kern="0" dirty="0" err="1">
+                <a:cs typeface="Arial"/>
+              </a:rPr>
+              <a:t>Automaten</a:t>
+            </a:r>
+            <a:r>
+              <a:rPr lang="en-GB" kern="0" dirty="0">
+                <a:cs typeface="Arial"/>
+              </a:rPr>
+              <a:t>.</a:t>
+            </a:r>
+          </a:p>
+        </p:txBody>
+      </p:sp>
+    </p:spTree>
+    <p:extLst>
+      <p:ext uri="{BB962C8B-B14F-4D97-AF65-F5344CB8AC3E}">
+        <p14:creationId xmlns:p14="http://schemas.microsoft.com/office/powerpoint/2010/main" val="3286534506"/>
+      </p:ext>
+    </p:extLst>
+  </p:cSld>
+  <p:clrMapOvr>
+    <a:masterClrMapping/>
+  </p:clrMapOvr>
+  <p:timing>
+    <p:tnLst>
+      <p:par>
+        <p:cTn id="1" dur="indefinite" restart="never" nodeType="tmRoot">
+          <p:childTnLst>
+            <p:seq concurrent="1" nextAc="seek">
+              <p:cTn id="2" dur="indefinite" nodeType="mainSeq">
+                <p:childTnLst>
+                  <p:par>
+                    <p:cTn id="3" fill="hold">
+                      <p:stCondLst>
+                        <p:cond delay="indefinite"/>
+                      </p:stCondLst>
+                      <p:childTnLst>
+                        <p:par>
+                          <p:cTn id="4" fill="hold">
+                            <p:stCondLst>
+                              <p:cond delay="0"/>
+                            </p:stCondLst>
+                            <p:childTnLst>
+                              <p:par>
+                                <p:cTn id="5" presetID="1" presetClass="entr" presetSubtype="0" fill="hold" nodeType="clickEffect">
+                                  <p:stCondLst>
+                                    <p:cond delay="0"/>
+                                  </p:stCondLst>
+                                  <p:childTnLst>
+                                    <p:set>
+                                      <p:cBhvr>
+                                        <p:cTn id="6" dur="1" fill="hold">
+                                          <p:stCondLst>
+                                            <p:cond delay="0"/>
+                                          </p:stCondLst>
+                                        </p:cTn>
+                                        <p:tgtEl>
+                                          <p:spTgt spid="4"/>
+                                        </p:tgtEl>
+                                        <p:attrNameLst>
+                                          <p:attrName>style.visibility</p:attrName>
+                                        </p:attrNameLst>
+                                      </p:cBhvr>
+                                      <p:to>
+                                        <p:strVal val="visible"/>
+                                      </p:to>
+                                    </p:set>
+                                  </p:childTnLst>
+                                </p:cTn>
+                              </p:par>
+                            </p:childTnLst>
+                          </p:cTn>
+                        </p:par>
+                      </p:childTnLst>
+                    </p:cTn>
+                  </p:par>
+                </p:childTnLst>
+              </p:cTn>
+              <p:prevCondLst>
+                <p:cond evt="onPrev" delay="0">
+                  <p:tgtEl>
+                    <p:sldTgt/>
+                  </p:tgtEl>
+                </p:cond>
+              </p:prevCondLst>
+              <p:nextCondLst>
+                <p:cond evt="onNext" delay="0">
+                  <p:tgtEl>
+                    <p:sldTgt/>
+                  </p:tgtEl>
+                </p:cond>
+              </p:nextCondLst>
+            </p:seq>
+          </p:childTnLst>
+        </p:cTn>
+      </p:par>
+    </p:tnLst>
+  </p:timing>
+</p:sld>
+</file>
+
+<file path=ppt/slides/slide14.xml><?xml version="1.0" encoding="utf-8"?>
+<p:sld xmlns:a="http://schemas.openxmlformats.org/drawingml/2006/main" xmlns:r="http://schemas.openxmlformats.org/officeDocument/2006/relationships" xmlns:p="http://schemas.openxmlformats.org/presentationml/2006/main">
+  <p:cSld>
+    <p:spTree>
+      <p:nvGrpSpPr>
+        <p:cNvPr id="1" name="">
+          <a:extLst>
+            <a:ext uri="{FF2B5EF4-FFF2-40B4-BE49-F238E27FC236}">
               <a16:creationId xmlns:a16="http://schemas.microsoft.com/office/drawing/2014/main" id="{040F9FFB-6560-8F1E-6F4C-64511D3A3568}"/>
             </a:ext>
           </a:extLst>
@@ -5376,7 +8100,7 @@
 </p:sld>
 </file>
 
-<file path=ppt/slides/slide14.xml><?xml version="1.0" encoding="utf-8"?>
+<file path=ppt/slides/slide15.xml><?xml version="1.0" encoding="utf-8"?>
 <p:sld xmlns:a="http://schemas.openxmlformats.org/drawingml/2006/main" xmlns:r="http://schemas.openxmlformats.org/officeDocument/2006/relationships" xmlns:p="http://schemas.openxmlformats.org/presentationml/2006/main">
   <p:cSld>
     <p:spTree>
@@ -5564,7 +8288,7 @@
 </p:sld>
 </file>
 
-<file path=ppt/slides/slide15.xml><?xml version="1.0" encoding="utf-8"?>
+<file path=ppt/slides/slide16.xml><?xml version="1.0" encoding="utf-8"?>
 <p:sld xmlns:a="http://schemas.openxmlformats.org/drawingml/2006/main" xmlns:r="http://schemas.openxmlformats.org/officeDocument/2006/relationships" xmlns:p="http://schemas.openxmlformats.org/presentationml/2006/main">
   <p:cSld>
     <p:spTree>
@@ -5707,7 +8431,7 @@
 </p:sld>
 </file>
 
-<file path=ppt/slides/slide16.xml><?xml version="1.0" encoding="utf-8"?>
+<file path=ppt/slides/slide17.xml><?xml version="1.0" encoding="utf-8"?>
 <p:sld xmlns:a="http://schemas.openxmlformats.org/drawingml/2006/main" xmlns:r="http://schemas.openxmlformats.org/officeDocument/2006/relationships" xmlns:p="http://schemas.openxmlformats.org/presentationml/2006/main">
   <p:cSld>
     <p:spTree>
@@ -5908,7 +8632,7 @@
 </p:sld>
 </file>
 
-<file path=ppt/slides/slide17.xml><?xml version="1.0" encoding="utf-8"?>
+<file path=ppt/slides/slide18.xml><?xml version="1.0" encoding="utf-8"?>
 <p:sld xmlns:a="http://schemas.openxmlformats.org/drawingml/2006/main" xmlns:r="http://schemas.openxmlformats.org/officeDocument/2006/relationships" xmlns:p="http://schemas.openxmlformats.org/presentationml/2006/main">
   <p:cSld>
     <p:spTree>
@@ -6104,7 +8828,7 @@
 </p:sld>
 </file>
 
-<file path=ppt/slides/slide18.xml><?xml version="1.0" encoding="utf-8"?>
+<file path=ppt/slides/slide19.xml><?xml version="1.0" encoding="utf-8"?>
 <p:sld xmlns:a="http://schemas.openxmlformats.org/drawingml/2006/main" xmlns:r="http://schemas.openxmlformats.org/officeDocument/2006/relationships" xmlns:p="http://schemas.openxmlformats.org/presentationml/2006/main">
   <p:cSld>
     <p:spTree>
@@ -6318,7 +9042,706 @@
 </p:sld>
 </file>
 
-<file path=ppt/slides/slide19.xml><?xml version="1.0" encoding="utf-8"?>
+<file path=ppt/slides/slide2.xml><?xml version="1.0" encoding="utf-8"?>
+<p:sld xmlns:a="http://schemas.openxmlformats.org/drawingml/2006/main" xmlns:r="http://schemas.openxmlformats.org/officeDocument/2006/relationships" xmlns:p="http://schemas.openxmlformats.org/presentationml/2006/main">
+  <p:cSld>
+    <p:spTree>
+      <p:nvGrpSpPr>
+        <p:cNvPr id="1" name=""/>
+        <p:cNvGrpSpPr/>
+        <p:nvPr/>
+      </p:nvGrpSpPr>
+      <p:grpSpPr>
+        <a:xfrm>
+          <a:off x="0" y="0"/>
+          <a:ext cx="0" cy="0"/>
+          <a:chOff x="0" y="0"/>
+          <a:chExt cx="0" cy="0"/>
+        </a:xfrm>
+      </p:grpSpPr>
+      <p:sp>
+        <p:nvSpPr>
+          <p:cNvPr id="2" name="Titel 1">
+            <a:extLst>
+              <a:ext uri="{FF2B5EF4-FFF2-40B4-BE49-F238E27FC236}">
+                <a16:creationId xmlns:a16="http://schemas.microsoft.com/office/drawing/2014/main" id="{BEAD745B-E118-DF90-1A6B-73549ADF1C83}"/>
+              </a:ext>
+            </a:extLst>
+          </p:cNvPr>
+          <p:cNvSpPr>
+            <a:spLocks noGrp="1"/>
+          </p:cNvSpPr>
+          <p:nvPr>
+            <p:ph type="title"/>
+          </p:nvPr>
+        </p:nvSpPr>
+        <p:spPr/>
+        <p:txBody>
+          <a:bodyPr/>
+          <a:lstStyle/>
+          <a:p>
+            <a:r>
+              <a:rPr lang="de-DE" dirty="0"/>
+              <a:t>Aufgabe 1.1</a:t>
+            </a:r>
+          </a:p>
+        </p:txBody>
+      </p:sp>
+      <p:graphicFrame>
+        <p:nvGraphicFramePr>
+          <p:cNvPr id="4" name="Inhaltsplatzhalter 3">
+            <a:extLst>
+              <a:ext uri="{FF2B5EF4-FFF2-40B4-BE49-F238E27FC236}">
+                <a16:creationId xmlns:a16="http://schemas.microsoft.com/office/drawing/2014/main" id="{F89A3222-6D0A-B583-3338-83DC8C4B38DA}"/>
+              </a:ext>
+            </a:extLst>
+          </p:cNvPr>
+          <p:cNvGraphicFramePr>
+            <a:graphicFrameLocks noGrp="1"/>
+          </p:cNvGraphicFramePr>
+          <p:nvPr>
+            <p:ph idx="1"/>
+            <p:extLst>
+              <p:ext uri="{D42A27DB-BD31-4B8C-83A1-F6EECF244321}">
+                <p14:modId xmlns:p14="http://schemas.microsoft.com/office/powerpoint/2010/main" val="398760966"/>
+              </p:ext>
+            </p:extLst>
+          </p:nvPr>
+        </p:nvGraphicFramePr>
+        <p:xfrm>
+          <a:off x="809625" y="1773237"/>
+          <a:ext cx="10580685" cy="2889554"/>
+        </p:xfrm>
+        <a:graphic>
+          <a:graphicData uri="http://schemas.openxmlformats.org/drawingml/2006/table">
+            <a:tbl>
+              <a:tblPr firstRow="1" bandRow="1">
+                <a:tableStyleId>{00A15C55-8517-42AA-B614-E9B94910E393}</a:tableStyleId>
+              </a:tblPr>
+              <a:tblGrid>
+                <a:gridCol w="1302204">
+                  <a:extLst>
+                    <a:ext uri="{9D8B030D-6E8A-4147-A177-3AD203B41FA5}">
+                      <a16:colId xmlns:a16="http://schemas.microsoft.com/office/drawing/2014/main" val="77739209"/>
+                    </a:ext>
+                  </a:extLst>
+                </a:gridCol>
+                <a:gridCol w="2449285">
+                  <a:extLst>
+                    <a:ext uri="{9D8B030D-6E8A-4147-A177-3AD203B41FA5}">
+                      <a16:colId xmlns:a16="http://schemas.microsoft.com/office/drawing/2014/main" val="3652360773"/>
+                    </a:ext>
+                  </a:extLst>
+                </a:gridCol>
+                <a:gridCol w="2046515">
+                  <a:extLst>
+                    <a:ext uri="{9D8B030D-6E8A-4147-A177-3AD203B41FA5}">
+                      <a16:colId xmlns:a16="http://schemas.microsoft.com/office/drawing/2014/main" val="3975084939"/>
+                    </a:ext>
+                  </a:extLst>
+                </a:gridCol>
+                <a:gridCol w="2318657">
+                  <a:extLst>
+                    <a:ext uri="{9D8B030D-6E8A-4147-A177-3AD203B41FA5}">
+                      <a16:colId xmlns:a16="http://schemas.microsoft.com/office/drawing/2014/main" val="3336663794"/>
+                    </a:ext>
+                  </a:extLst>
+                </a:gridCol>
+                <a:gridCol w="2464024">
+                  <a:extLst>
+                    <a:ext uri="{9D8B030D-6E8A-4147-A177-3AD203B41FA5}">
+                      <a16:colId xmlns:a16="http://schemas.microsoft.com/office/drawing/2014/main" val="2948349838"/>
+                    </a:ext>
+                  </a:extLst>
+                </a:gridCol>
+              </a:tblGrid>
+              <a:tr h="603719">
+                <a:tc>
+                  <a:txBody>
+                    <a:bodyPr/>
+                    <a:lstStyle/>
+                    <a:p>
+                      <a:r>
+                        <a:rPr lang="de-DE" dirty="0"/>
+                        <a:t>Zahl</a:t>
+                      </a:r>
+                    </a:p>
+                  </a:txBody>
+                  <a:tcPr/>
+                </a:tc>
+                <a:tc>
+                  <a:txBody>
+                    <a:bodyPr/>
+                    <a:lstStyle/>
+                    <a:p>
+                      <a:r>
+                        <a:rPr lang="de-DE" dirty="0"/>
+                        <a:t>Vorzeichenlos</a:t>
+                      </a:r>
+                    </a:p>
+                  </a:txBody>
+                  <a:tcPr/>
+                </a:tc>
+                <a:tc>
+                  <a:txBody>
+                    <a:bodyPr/>
+                    <a:lstStyle/>
+                    <a:p>
+                      <a:r>
+                        <a:rPr lang="de-DE" dirty="0"/>
+                        <a:t>Vorzeichenbit</a:t>
+                      </a:r>
+                    </a:p>
+                  </a:txBody>
+                  <a:tcPr/>
+                </a:tc>
+                <a:tc>
+                  <a:txBody>
+                    <a:bodyPr/>
+                    <a:lstStyle/>
+                    <a:p>
+                      <a:r>
+                        <a:rPr lang="de-DE" dirty="0"/>
+                        <a:t>Einerkomplement</a:t>
+                      </a:r>
+                    </a:p>
+                  </a:txBody>
+                  <a:tcPr/>
+                </a:tc>
+                <a:tc>
+                  <a:txBody>
+                    <a:bodyPr/>
+                    <a:lstStyle/>
+                    <a:p>
+                      <a:r>
+                        <a:rPr lang="de-DE" dirty="0"/>
+                        <a:t>Zweierkomplement</a:t>
+                      </a:r>
+                    </a:p>
+                  </a:txBody>
+                  <a:tcPr/>
+                </a:tc>
+                <a:extLst>
+                  <a:ext uri="{0D108BD9-81ED-4DB2-BD59-A6C34878D82A}">
+                    <a16:rowId xmlns:a16="http://schemas.microsoft.com/office/drawing/2014/main" val="1458009295"/>
+                  </a:ext>
+                </a:extLst>
+              </a:tr>
+              <a:tr h="603719">
+                <a:tc>
+                  <a:txBody>
+                    <a:bodyPr/>
+                    <a:lstStyle/>
+                    <a:p>
+                      <a:r>
+                        <a:rPr lang="de-DE" dirty="0"/>
+                        <a:t>37</a:t>
+                      </a:r>
+                    </a:p>
+                  </a:txBody>
+                  <a:tcPr/>
+                </a:tc>
+                <a:tc>
+                  <a:txBody>
+                    <a:bodyPr/>
+                    <a:lstStyle/>
+                    <a:p>
+                      <a:r>
+                        <a:rPr lang="de-DE" dirty="0"/>
+                        <a:t>100101 = 32 + 4 + 1</a:t>
+                      </a:r>
+                    </a:p>
+                  </a:txBody>
+                  <a:tcPr/>
+                </a:tc>
+                <a:tc>
+                  <a:txBody>
+                    <a:bodyPr/>
+                    <a:lstStyle/>
+                    <a:p>
+                      <a:r>
+                        <a:rPr lang="de-DE" dirty="0"/>
+                        <a:t>-</a:t>
+                      </a:r>
+                    </a:p>
+                  </a:txBody>
+                  <a:tcPr/>
+                </a:tc>
+                <a:tc>
+                  <a:txBody>
+                    <a:bodyPr/>
+                    <a:lstStyle/>
+                    <a:p>
+                      <a:r>
+                        <a:rPr lang="de-DE" dirty="0"/>
+                        <a:t>-</a:t>
+                      </a:r>
+                    </a:p>
+                  </a:txBody>
+                  <a:tcPr/>
+                </a:tc>
+                <a:tc>
+                  <a:txBody>
+                    <a:bodyPr/>
+                    <a:lstStyle/>
+                    <a:p>
+                      <a:r>
+                        <a:rPr lang="de-DE" dirty="0"/>
+                        <a:t>-</a:t>
+                      </a:r>
+                    </a:p>
+                  </a:txBody>
+                  <a:tcPr/>
+                </a:tc>
+                <a:extLst>
+                  <a:ext uri="{0D108BD9-81ED-4DB2-BD59-A6C34878D82A}">
+                    <a16:rowId xmlns:a16="http://schemas.microsoft.com/office/drawing/2014/main" val="3527702699"/>
+                  </a:ext>
+                </a:extLst>
+              </a:tr>
+              <a:tr h="1042036">
+                <a:tc>
+                  <a:txBody>
+                    <a:bodyPr/>
+                    <a:lstStyle/>
+                    <a:p>
+                      <a:r>
+                        <a:rPr lang="de-DE" dirty="0"/>
+                        <a:t>-1</a:t>
+                      </a:r>
+                    </a:p>
+                  </a:txBody>
+                  <a:tcPr/>
+                </a:tc>
+                <a:tc>
+                  <a:txBody>
+                    <a:bodyPr/>
+                    <a:lstStyle/>
+                    <a:p>
+                      <a:r>
+                        <a:rPr lang="de-DE" dirty="0"/>
+                        <a:t>-</a:t>
+                      </a:r>
+                    </a:p>
+                  </a:txBody>
+                  <a:tcPr/>
+                </a:tc>
+                <a:tc>
+                  <a:txBody>
+                    <a:bodyPr/>
+                    <a:lstStyle/>
+                    <a:p>
+                      <a:r>
+                        <a:rPr lang="de-DE" dirty="0"/>
+                        <a:t>100001 = -1 x (1)</a:t>
+                      </a:r>
+                    </a:p>
+                  </a:txBody>
+                  <a:tcPr/>
+                </a:tc>
+                <a:tc>
+                  <a:txBody>
+                    <a:bodyPr/>
+                    <a:lstStyle/>
+                    <a:p>
+                      <a:r>
+                        <a:rPr lang="de-DE" dirty="0"/>
+                        <a:t>111110, da 000001 = 1</a:t>
+                      </a:r>
+                    </a:p>
+                  </a:txBody>
+                  <a:tcPr/>
+                </a:tc>
+                <a:tc>
+                  <a:txBody>
+                    <a:bodyPr/>
+                    <a:lstStyle/>
+                    <a:p>
+                      <a:r>
+                        <a:rPr lang="de-DE" dirty="0"/>
+                        <a:t>111111 = -32 + 16 + 8 + 6 + 4 + 2 + 1</a:t>
+                      </a:r>
+                    </a:p>
+                  </a:txBody>
+                  <a:tcPr/>
+                </a:tc>
+                <a:extLst>
+                  <a:ext uri="{0D108BD9-81ED-4DB2-BD59-A6C34878D82A}">
+                    <a16:rowId xmlns:a16="http://schemas.microsoft.com/office/drawing/2014/main" val="3285527027"/>
+                  </a:ext>
+                </a:extLst>
+              </a:tr>
+              <a:tr h="603719">
+                <a:tc>
+                  <a:txBody>
+                    <a:bodyPr/>
+                    <a:lstStyle/>
+                    <a:p>
+                      <a:r>
+                        <a:rPr lang="de-DE" dirty="0"/>
+                        <a:t>-31</a:t>
+                      </a:r>
+                    </a:p>
+                  </a:txBody>
+                  <a:tcPr/>
+                </a:tc>
+                <a:tc>
+                  <a:txBody>
+                    <a:bodyPr/>
+                    <a:lstStyle/>
+                    <a:p>
+                      <a:r>
+                        <a:rPr lang="de-DE" dirty="0"/>
+                        <a:t>-</a:t>
+                      </a:r>
+                    </a:p>
+                  </a:txBody>
+                  <a:tcPr/>
+                </a:tc>
+                <a:tc>
+                  <a:txBody>
+                    <a:bodyPr/>
+                    <a:lstStyle/>
+                    <a:p>
+                      <a:r>
+                        <a:rPr lang="de-DE" dirty="0"/>
+                        <a:t>-</a:t>
+                      </a:r>
+                    </a:p>
+                  </a:txBody>
+                  <a:tcPr/>
+                </a:tc>
+                <a:tc>
+                  <a:txBody>
+                    <a:bodyPr/>
+                    <a:lstStyle/>
+                    <a:p>
+                      <a:r>
+                        <a:rPr lang="de-DE" dirty="0"/>
+                        <a:t>10000, da 011111 = 31</a:t>
+                      </a:r>
+                    </a:p>
+                  </a:txBody>
+                  <a:tcPr/>
+                </a:tc>
+                <a:tc>
+                  <a:txBody>
+                    <a:bodyPr/>
+                    <a:lstStyle/>
+                    <a:p>
+                      <a:r>
+                        <a:rPr lang="de-DE" dirty="0"/>
+                        <a:t>100001 = -32 + 1</a:t>
+                      </a:r>
+                    </a:p>
+                  </a:txBody>
+                  <a:tcPr/>
+                </a:tc>
+                <a:extLst>
+                  <a:ext uri="{0D108BD9-81ED-4DB2-BD59-A6C34878D82A}">
+                    <a16:rowId xmlns:a16="http://schemas.microsoft.com/office/drawing/2014/main" val="586399044"/>
+                  </a:ext>
+                </a:extLst>
+              </a:tr>
+            </a:tbl>
+          </a:graphicData>
+        </a:graphic>
+      </p:graphicFrame>
+      <p:sp>
+        <p:nvSpPr>
+          <p:cNvPr id="6" name="Textfeld 5">
+            <a:extLst>
+              <a:ext uri="{FF2B5EF4-FFF2-40B4-BE49-F238E27FC236}">
+                <a16:creationId xmlns:a16="http://schemas.microsoft.com/office/drawing/2014/main" id="{7E33D22C-6212-FDEF-4425-51F6F27B5241}"/>
+              </a:ext>
+            </a:extLst>
+          </p:cNvPr>
+          <p:cNvSpPr txBox="1"/>
+          <p:nvPr/>
+        </p:nvSpPr>
+        <p:spPr>
+          <a:xfrm>
+            <a:off x="809625" y="5050971"/>
+            <a:ext cx="10435318" cy="923330"/>
+          </a:xfrm>
+          <a:prstGeom prst="rect">
+            <a:avLst/>
+          </a:prstGeom>
+          <a:noFill/>
+        </p:spPr>
+        <p:txBody>
+          <a:bodyPr wrap="square" rtlCol="0">
+            <a:spAutoFit/>
+          </a:bodyPr>
+          <a:lstStyle/>
+          <a:p>
+            <a:pPr marL="342900" indent="-342900">
+              <a:buFont typeface="+mj-lt"/>
+              <a:buAutoNum type="arabicPeriod"/>
+            </a:pPr>
+            <a:r>
+              <a:rPr lang="de-DE" dirty="0"/>
+              <a:t>Denkt an den Betrag, den man maximal darstellen kann.</a:t>
+            </a:r>
+          </a:p>
+          <a:p>
+            <a:pPr marL="342900" indent="-342900">
+              <a:buFont typeface="+mj-lt"/>
+              <a:buAutoNum type="arabicPeriod"/>
+            </a:pPr>
+            <a:r>
+              <a:rPr lang="de-DE" dirty="0"/>
+              <a:t>Einerkomplement bildet man einfach über das Komplement der positiven Zahl.</a:t>
+            </a:r>
+          </a:p>
+          <a:p>
+            <a:pPr marL="342900" indent="-342900">
+              <a:buFont typeface="+mj-lt"/>
+              <a:buAutoNum type="arabicPeriod"/>
+            </a:pPr>
+            <a:r>
+              <a:rPr lang="de-DE" dirty="0"/>
+              <a:t>Ihr müsst das Zweierkomplement bilden und damit rechnen können.</a:t>
+            </a:r>
+          </a:p>
+        </p:txBody>
+      </p:sp>
+    </p:spTree>
+    <p:extLst>
+      <p:ext uri="{BB962C8B-B14F-4D97-AF65-F5344CB8AC3E}">
+        <p14:creationId xmlns:p14="http://schemas.microsoft.com/office/powerpoint/2010/main" val="553676267"/>
+      </p:ext>
+    </p:extLst>
+  </p:cSld>
+  <p:clrMapOvr>
+    <a:masterClrMapping/>
+  </p:clrMapOvr>
+  <p:timing>
+    <p:tnLst>
+      <p:par>
+        <p:cTn id="1" dur="indefinite" restart="never" nodeType="tmRoot">
+          <p:childTnLst>
+            <p:seq concurrent="1" nextAc="seek">
+              <p:cTn id="2" dur="indefinite" nodeType="mainSeq">
+                <p:childTnLst>
+                  <p:par>
+                    <p:cTn id="3" fill="hold">
+                      <p:stCondLst>
+                        <p:cond delay="indefinite"/>
+                      </p:stCondLst>
+                      <p:childTnLst>
+                        <p:par>
+                          <p:cTn id="4" fill="hold">
+                            <p:stCondLst>
+                              <p:cond delay="0"/>
+                            </p:stCondLst>
+                            <p:childTnLst>
+                              <p:par>
+                                <p:cTn id="5" presetID="1" presetClass="entr" presetSubtype="0" fill="hold" nodeType="clickEffect">
+                                  <p:stCondLst>
+                                    <p:cond delay="0"/>
+                                  </p:stCondLst>
+                                  <p:childTnLst>
+                                    <p:set>
+                                      <p:cBhvr>
+                                        <p:cTn id="6" dur="1" fill="hold">
+                                          <p:stCondLst>
+                                            <p:cond delay="0"/>
+                                          </p:stCondLst>
+                                        </p:cTn>
+                                        <p:tgtEl>
+                                          <p:spTgt spid="4"/>
+                                        </p:tgtEl>
+                                        <p:attrNameLst>
+                                          <p:attrName>style.visibility</p:attrName>
+                                        </p:attrNameLst>
+                                      </p:cBhvr>
+                                      <p:to>
+                                        <p:strVal val="visible"/>
+                                      </p:to>
+                                    </p:set>
+                                  </p:childTnLst>
+                                </p:cTn>
+                              </p:par>
+                            </p:childTnLst>
+                          </p:cTn>
+                        </p:par>
+                      </p:childTnLst>
+                    </p:cTn>
+                  </p:par>
+                  <p:par>
+                    <p:cTn id="7" fill="hold">
+                      <p:stCondLst>
+                        <p:cond delay="indefinite"/>
+                      </p:stCondLst>
+                      <p:childTnLst>
+                        <p:par>
+                          <p:cTn id="8" fill="hold">
+                            <p:stCondLst>
+                              <p:cond delay="0"/>
+                            </p:stCondLst>
+                            <p:childTnLst>
+                              <p:par>
+                                <p:cTn id="9" presetID="1" presetClass="entr" presetSubtype="0" fill="hold" nodeType="clickEffect">
+                                  <p:stCondLst>
+                                    <p:cond delay="0"/>
+                                  </p:stCondLst>
+                                  <p:childTnLst>
+                                    <p:set>
+                                      <p:cBhvr>
+                                        <p:cTn id="10" dur="1" fill="hold">
+                                          <p:stCondLst>
+                                            <p:cond delay="0"/>
+                                          </p:stCondLst>
+                                        </p:cTn>
+                                        <p:tgtEl>
+                                          <p:spTgt spid="6">
+                                            <p:txEl>
+                                              <p:pRg st="0" end="0"/>
+                                            </p:txEl>
+                                          </p:spTgt>
+                                        </p:tgtEl>
+                                        <p:attrNameLst>
+                                          <p:attrName>style.visibility</p:attrName>
+                                        </p:attrNameLst>
+                                      </p:cBhvr>
+                                      <p:to>
+                                        <p:strVal val="visible"/>
+                                      </p:to>
+                                    </p:set>
+                                  </p:childTnLst>
+                                </p:cTn>
+                              </p:par>
+                            </p:childTnLst>
+                          </p:cTn>
+                        </p:par>
+                      </p:childTnLst>
+                    </p:cTn>
+                  </p:par>
+                  <p:par>
+                    <p:cTn id="11" fill="hold">
+                      <p:stCondLst>
+                        <p:cond delay="indefinite"/>
+                      </p:stCondLst>
+                      <p:childTnLst>
+                        <p:par>
+                          <p:cTn id="12" fill="hold">
+                            <p:stCondLst>
+                              <p:cond delay="0"/>
+                            </p:stCondLst>
+                            <p:childTnLst>
+                              <p:par>
+                                <p:cTn id="13" presetID="1" presetClass="entr" presetSubtype="0" fill="hold" nodeType="clickEffect">
+                                  <p:stCondLst>
+                                    <p:cond delay="0"/>
+                                  </p:stCondLst>
+                                  <p:childTnLst>
+                                    <p:set>
+                                      <p:cBhvr>
+                                        <p:cTn id="14" dur="1" fill="hold">
+                                          <p:stCondLst>
+                                            <p:cond delay="0"/>
+                                          </p:stCondLst>
+                                        </p:cTn>
+                                        <p:tgtEl>
+                                          <p:spTgt spid="6">
+                                            <p:txEl>
+                                              <p:pRg st="1" end="1"/>
+                                            </p:txEl>
+                                          </p:spTgt>
+                                        </p:tgtEl>
+                                        <p:attrNameLst>
+                                          <p:attrName>style.visibility</p:attrName>
+                                        </p:attrNameLst>
+                                      </p:cBhvr>
+                                      <p:to>
+                                        <p:strVal val="visible"/>
+                                      </p:to>
+                                    </p:set>
+                                  </p:childTnLst>
+                                </p:cTn>
+                              </p:par>
+                            </p:childTnLst>
+                          </p:cTn>
+                        </p:par>
+                      </p:childTnLst>
+                    </p:cTn>
+                  </p:par>
+                  <p:par>
+                    <p:cTn id="15" fill="hold">
+                      <p:stCondLst>
+                        <p:cond delay="indefinite"/>
+                      </p:stCondLst>
+                      <p:childTnLst>
+                        <p:par>
+                          <p:cTn id="16" fill="hold">
+                            <p:stCondLst>
+                              <p:cond delay="0"/>
+                            </p:stCondLst>
+                            <p:childTnLst>
+                              <p:par>
+                                <p:cTn id="17" presetID="1" presetClass="entr" presetSubtype="0" fill="hold" nodeType="clickEffect">
+                                  <p:stCondLst>
+                                    <p:cond delay="0"/>
+                                  </p:stCondLst>
+                                  <p:childTnLst>
+                                    <p:set>
+                                      <p:cBhvr>
+                                        <p:cTn id="18" dur="1" fill="hold">
+                                          <p:stCondLst>
+                                            <p:cond delay="0"/>
+                                          </p:stCondLst>
+                                        </p:cTn>
+                                        <p:tgtEl>
+                                          <p:spTgt spid="6">
+                                            <p:txEl>
+                                              <p:pRg st="2" end="2"/>
+                                            </p:txEl>
+                                          </p:spTgt>
+                                        </p:tgtEl>
+                                        <p:attrNameLst>
+                                          <p:attrName>style.visibility</p:attrName>
+                                        </p:attrNameLst>
+                                      </p:cBhvr>
+                                      <p:to>
+                                        <p:strVal val="visible"/>
+                                      </p:to>
+                                    </p:set>
+                                  </p:childTnLst>
+                                </p:cTn>
+                              </p:par>
+                            </p:childTnLst>
+                          </p:cTn>
+                        </p:par>
+                      </p:childTnLst>
+                    </p:cTn>
+                  </p:par>
+                </p:childTnLst>
+              </p:cTn>
+              <p:prevCondLst>
+                <p:cond evt="onPrev" delay="0">
+                  <p:tgtEl>
+                    <p:sldTgt/>
+                  </p:tgtEl>
+                </p:cond>
+              </p:prevCondLst>
+              <p:nextCondLst>
+                <p:cond evt="onNext" delay="0">
+                  <p:tgtEl>
+                    <p:sldTgt/>
+                  </p:tgtEl>
+                </p:cond>
+              </p:nextCondLst>
+            </p:seq>
+          </p:childTnLst>
+        </p:cTn>
+      </p:par>
+    </p:tnLst>
+  </p:timing>
+</p:sld>
+</file>
+
+<file path=ppt/slides/slide20.xml><?xml version="1.0" encoding="utf-8"?>
 <p:sld xmlns:a="http://schemas.openxmlformats.org/drawingml/2006/main" xmlns:r="http://schemas.openxmlformats.org/officeDocument/2006/relationships" xmlns:p="http://schemas.openxmlformats.org/presentationml/2006/main">
   <p:cSld>
     <p:spTree>
@@ -7456,706 +10879,7 @@
 </p:sld>
 </file>
 
-<file path=ppt/slides/slide2.xml><?xml version="1.0" encoding="utf-8"?>
-<p:sld xmlns:a="http://schemas.openxmlformats.org/drawingml/2006/main" xmlns:r="http://schemas.openxmlformats.org/officeDocument/2006/relationships" xmlns:p="http://schemas.openxmlformats.org/presentationml/2006/main">
-  <p:cSld>
-    <p:spTree>
-      <p:nvGrpSpPr>
-        <p:cNvPr id="1" name=""/>
-        <p:cNvGrpSpPr/>
-        <p:nvPr/>
-      </p:nvGrpSpPr>
-      <p:grpSpPr>
-        <a:xfrm>
-          <a:off x="0" y="0"/>
-          <a:ext cx="0" cy="0"/>
-          <a:chOff x="0" y="0"/>
-          <a:chExt cx="0" cy="0"/>
-        </a:xfrm>
-      </p:grpSpPr>
-      <p:sp>
-        <p:nvSpPr>
-          <p:cNvPr id="2" name="Titel 1">
-            <a:extLst>
-              <a:ext uri="{FF2B5EF4-FFF2-40B4-BE49-F238E27FC236}">
-                <a16:creationId xmlns:a16="http://schemas.microsoft.com/office/drawing/2014/main" id="{BEAD745B-E118-DF90-1A6B-73549ADF1C83}"/>
-              </a:ext>
-            </a:extLst>
-          </p:cNvPr>
-          <p:cNvSpPr>
-            <a:spLocks noGrp="1"/>
-          </p:cNvSpPr>
-          <p:nvPr>
-            <p:ph type="title"/>
-          </p:nvPr>
-        </p:nvSpPr>
-        <p:spPr/>
-        <p:txBody>
-          <a:bodyPr/>
-          <a:lstStyle/>
-          <a:p>
-            <a:r>
-              <a:rPr lang="de-DE" dirty="0"/>
-              <a:t>Aufgabe 1.1</a:t>
-            </a:r>
-          </a:p>
-        </p:txBody>
-      </p:sp>
-      <p:graphicFrame>
-        <p:nvGraphicFramePr>
-          <p:cNvPr id="4" name="Inhaltsplatzhalter 3">
-            <a:extLst>
-              <a:ext uri="{FF2B5EF4-FFF2-40B4-BE49-F238E27FC236}">
-                <a16:creationId xmlns:a16="http://schemas.microsoft.com/office/drawing/2014/main" id="{F89A3222-6D0A-B583-3338-83DC8C4B38DA}"/>
-              </a:ext>
-            </a:extLst>
-          </p:cNvPr>
-          <p:cNvGraphicFramePr>
-            <a:graphicFrameLocks noGrp="1"/>
-          </p:cNvGraphicFramePr>
-          <p:nvPr>
-            <p:ph idx="1"/>
-            <p:extLst>
-              <p:ext uri="{D42A27DB-BD31-4B8C-83A1-F6EECF244321}">
-                <p14:modId xmlns:p14="http://schemas.microsoft.com/office/powerpoint/2010/main" val="398760966"/>
-              </p:ext>
-            </p:extLst>
-          </p:nvPr>
-        </p:nvGraphicFramePr>
-        <p:xfrm>
-          <a:off x="809625" y="1773237"/>
-          <a:ext cx="10580685" cy="2889554"/>
-        </p:xfrm>
-        <a:graphic>
-          <a:graphicData uri="http://schemas.openxmlformats.org/drawingml/2006/table">
-            <a:tbl>
-              <a:tblPr firstRow="1" bandRow="1">
-                <a:tableStyleId>{00A15C55-8517-42AA-B614-E9B94910E393}</a:tableStyleId>
-              </a:tblPr>
-              <a:tblGrid>
-                <a:gridCol w="1302204">
-                  <a:extLst>
-                    <a:ext uri="{9D8B030D-6E8A-4147-A177-3AD203B41FA5}">
-                      <a16:colId xmlns:a16="http://schemas.microsoft.com/office/drawing/2014/main" val="77739209"/>
-                    </a:ext>
-                  </a:extLst>
-                </a:gridCol>
-                <a:gridCol w="2449285">
-                  <a:extLst>
-                    <a:ext uri="{9D8B030D-6E8A-4147-A177-3AD203B41FA5}">
-                      <a16:colId xmlns:a16="http://schemas.microsoft.com/office/drawing/2014/main" val="3652360773"/>
-                    </a:ext>
-                  </a:extLst>
-                </a:gridCol>
-                <a:gridCol w="2046515">
-                  <a:extLst>
-                    <a:ext uri="{9D8B030D-6E8A-4147-A177-3AD203B41FA5}">
-                      <a16:colId xmlns:a16="http://schemas.microsoft.com/office/drawing/2014/main" val="3975084939"/>
-                    </a:ext>
-                  </a:extLst>
-                </a:gridCol>
-                <a:gridCol w="2318657">
-                  <a:extLst>
-                    <a:ext uri="{9D8B030D-6E8A-4147-A177-3AD203B41FA5}">
-                      <a16:colId xmlns:a16="http://schemas.microsoft.com/office/drawing/2014/main" val="3336663794"/>
-                    </a:ext>
-                  </a:extLst>
-                </a:gridCol>
-                <a:gridCol w="2464024">
-                  <a:extLst>
-                    <a:ext uri="{9D8B030D-6E8A-4147-A177-3AD203B41FA5}">
-                      <a16:colId xmlns:a16="http://schemas.microsoft.com/office/drawing/2014/main" val="2948349838"/>
-                    </a:ext>
-                  </a:extLst>
-                </a:gridCol>
-              </a:tblGrid>
-              <a:tr h="603719">
-                <a:tc>
-                  <a:txBody>
-                    <a:bodyPr/>
-                    <a:lstStyle/>
-                    <a:p>
-                      <a:r>
-                        <a:rPr lang="de-DE" dirty="0"/>
-                        <a:t>Zahl</a:t>
-                      </a:r>
-                    </a:p>
-                  </a:txBody>
-                  <a:tcPr/>
-                </a:tc>
-                <a:tc>
-                  <a:txBody>
-                    <a:bodyPr/>
-                    <a:lstStyle/>
-                    <a:p>
-                      <a:r>
-                        <a:rPr lang="de-DE" dirty="0"/>
-                        <a:t>Vorzeichenlos</a:t>
-                      </a:r>
-                    </a:p>
-                  </a:txBody>
-                  <a:tcPr/>
-                </a:tc>
-                <a:tc>
-                  <a:txBody>
-                    <a:bodyPr/>
-                    <a:lstStyle/>
-                    <a:p>
-                      <a:r>
-                        <a:rPr lang="de-DE" dirty="0"/>
-                        <a:t>Vorzeichenbit</a:t>
-                      </a:r>
-                    </a:p>
-                  </a:txBody>
-                  <a:tcPr/>
-                </a:tc>
-                <a:tc>
-                  <a:txBody>
-                    <a:bodyPr/>
-                    <a:lstStyle/>
-                    <a:p>
-                      <a:r>
-                        <a:rPr lang="de-DE" dirty="0"/>
-                        <a:t>Einerkomplement</a:t>
-                      </a:r>
-                    </a:p>
-                  </a:txBody>
-                  <a:tcPr/>
-                </a:tc>
-                <a:tc>
-                  <a:txBody>
-                    <a:bodyPr/>
-                    <a:lstStyle/>
-                    <a:p>
-                      <a:r>
-                        <a:rPr lang="de-DE" dirty="0"/>
-                        <a:t>Zweierkomplement</a:t>
-                      </a:r>
-                    </a:p>
-                  </a:txBody>
-                  <a:tcPr/>
-                </a:tc>
-                <a:extLst>
-                  <a:ext uri="{0D108BD9-81ED-4DB2-BD59-A6C34878D82A}">
-                    <a16:rowId xmlns:a16="http://schemas.microsoft.com/office/drawing/2014/main" val="1458009295"/>
-                  </a:ext>
-                </a:extLst>
-              </a:tr>
-              <a:tr h="603719">
-                <a:tc>
-                  <a:txBody>
-                    <a:bodyPr/>
-                    <a:lstStyle/>
-                    <a:p>
-                      <a:r>
-                        <a:rPr lang="de-DE" dirty="0"/>
-                        <a:t>37</a:t>
-                      </a:r>
-                    </a:p>
-                  </a:txBody>
-                  <a:tcPr/>
-                </a:tc>
-                <a:tc>
-                  <a:txBody>
-                    <a:bodyPr/>
-                    <a:lstStyle/>
-                    <a:p>
-                      <a:r>
-                        <a:rPr lang="de-DE" dirty="0"/>
-                        <a:t>100101 = 32 + 4 + 1</a:t>
-                      </a:r>
-                    </a:p>
-                  </a:txBody>
-                  <a:tcPr/>
-                </a:tc>
-                <a:tc>
-                  <a:txBody>
-                    <a:bodyPr/>
-                    <a:lstStyle/>
-                    <a:p>
-                      <a:r>
-                        <a:rPr lang="de-DE" dirty="0"/>
-                        <a:t>-</a:t>
-                      </a:r>
-                    </a:p>
-                  </a:txBody>
-                  <a:tcPr/>
-                </a:tc>
-                <a:tc>
-                  <a:txBody>
-                    <a:bodyPr/>
-                    <a:lstStyle/>
-                    <a:p>
-                      <a:r>
-                        <a:rPr lang="de-DE" dirty="0"/>
-                        <a:t>-</a:t>
-                      </a:r>
-                    </a:p>
-                  </a:txBody>
-                  <a:tcPr/>
-                </a:tc>
-                <a:tc>
-                  <a:txBody>
-                    <a:bodyPr/>
-                    <a:lstStyle/>
-                    <a:p>
-                      <a:r>
-                        <a:rPr lang="de-DE" dirty="0"/>
-                        <a:t>-</a:t>
-                      </a:r>
-                    </a:p>
-                  </a:txBody>
-                  <a:tcPr/>
-                </a:tc>
-                <a:extLst>
-                  <a:ext uri="{0D108BD9-81ED-4DB2-BD59-A6C34878D82A}">
-                    <a16:rowId xmlns:a16="http://schemas.microsoft.com/office/drawing/2014/main" val="3527702699"/>
-                  </a:ext>
-                </a:extLst>
-              </a:tr>
-              <a:tr h="1042036">
-                <a:tc>
-                  <a:txBody>
-                    <a:bodyPr/>
-                    <a:lstStyle/>
-                    <a:p>
-                      <a:r>
-                        <a:rPr lang="de-DE" dirty="0"/>
-                        <a:t>-1</a:t>
-                      </a:r>
-                    </a:p>
-                  </a:txBody>
-                  <a:tcPr/>
-                </a:tc>
-                <a:tc>
-                  <a:txBody>
-                    <a:bodyPr/>
-                    <a:lstStyle/>
-                    <a:p>
-                      <a:r>
-                        <a:rPr lang="de-DE" dirty="0"/>
-                        <a:t>-</a:t>
-                      </a:r>
-                    </a:p>
-                  </a:txBody>
-                  <a:tcPr/>
-                </a:tc>
-                <a:tc>
-                  <a:txBody>
-                    <a:bodyPr/>
-                    <a:lstStyle/>
-                    <a:p>
-                      <a:r>
-                        <a:rPr lang="de-DE" dirty="0"/>
-                        <a:t>100001 = -1 x (1)</a:t>
-                      </a:r>
-                    </a:p>
-                  </a:txBody>
-                  <a:tcPr/>
-                </a:tc>
-                <a:tc>
-                  <a:txBody>
-                    <a:bodyPr/>
-                    <a:lstStyle/>
-                    <a:p>
-                      <a:r>
-                        <a:rPr lang="de-DE" dirty="0"/>
-                        <a:t>111110, da 000001 = 1</a:t>
-                      </a:r>
-                    </a:p>
-                  </a:txBody>
-                  <a:tcPr/>
-                </a:tc>
-                <a:tc>
-                  <a:txBody>
-                    <a:bodyPr/>
-                    <a:lstStyle/>
-                    <a:p>
-                      <a:r>
-                        <a:rPr lang="de-DE" dirty="0"/>
-                        <a:t>111111 = -32 + 16 + 8 + 6 + 4 + 2 + 1</a:t>
-                      </a:r>
-                    </a:p>
-                  </a:txBody>
-                  <a:tcPr/>
-                </a:tc>
-                <a:extLst>
-                  <a:ext uri="{0D108BD9-81ED-4DB2-BD59-A6C34878D82A}">
-                    <a16:rowId xmlns:a16="http://schemas.microsoft.com/office/drawing/2014/main" val="3285527027"/>
-                  </a:ext>
-                </a:extLst>
-              </a:tr>
-              <a:tr h="603719">
-                <a:tc>
-                  <a:txBody>
-                    <a:bodyPr/>
-                    <a:lstStyle/>
-                    <a:p>
-                      <a:r>
-                        <a:rPr lang="de-DE" dirty="0"/>
-                        <a:t>-31</a:t>
-                      </a:r>
-                    </a:p>
-                  </a:txBody>
-                  <a:tcPr/>
-                </a:tc>
-                <a:tc>
-                  <a:txBody>
-                    <a:bodyPr/>
-                    <a:lstStyle/>
-                    <a:p>
-                      <a:r>
-                        <a:rPr lang="de-DE" dirty="0"/>
-                        <a:t>-</a:t>
-                      </a:r>
-                    </a:p>
-                  </a:txBody>
-                  <a:tcPr/>
-                </a:tc>
-                <a:tc>
-                  <a:txBody>
-                    <a:bodyPr/>
-                    <a:lstStyle/>
-                    <a:p>
-                      <a:r>
-                        <a:rPr lang="de-DE" dirty="0"/>
-                        <a:t>-</a:t>
-                      </a:r>
-                    </a:p>
-                  </a:txBody>
-                  <a:tcPr/>
-                </a:tc>
-                <a:tc>
-                  <a:txBody>
-                    <a:bodyPr/>
-                    <a:lstStyle/>
-                    <a:p>
-                      <a:r>
-                        <a:rPr lang="de-DE" dirty="0"/>
-                        <a:t>10000, da 011111 = 31</a:t>
-                      </a:r>
-                    </a:p>
-                  </a:txBody>
-                  <a:tcPr/>
-                </a:tc>
-                <a:tc>
-                  <a:txBody>
-                    <a:bodyPr/>
-                    <a:lstStyle/>
-                    <a:p>
-                      <a:r>
-                        <a:rPr lang="de-DE" dirty="0"/>
-                        <a:t>100001 = -32 + 1</a:t>
-                      </a:r>
-                    </a:p>
-                  </a:txBody>
-                  <a:tcPr/>
-                </a:tc>
-                <a:extLst>
-                  <a:ext uri="{0D108BD9-81ED-4DB2-BD59-A6C34878D82A}">
-                    <a16:rowId xmlns:a16="http://schemas.microsoft.com/office/drawing/2014/main" val="586399044"/>
-                  </a:ext>
-                </a:extLst>
-              </a:tr>
-            </a:tbl>
-          </a:graphicData>
-        </a:graphic>
-      </p:graphicFrame>
-      <p:sp>
-        <p:nvSpPr>
-          <p:cNvPr id="6" name="Textfeld 5">
-            <a:extLst>
-              <a:ext uri="{FF2B5EF4-FFF2-40B4-BE49-F238E27FC236}">
-                <a16:creationId xmlns:a16="http://schemas.microsoft.com/office/drawing/2014/main" id="{7E33D22C-6212-FDEF-4425-51F6F27B5241}"/>
-              </a:ext>
-            </a:extLst>
-          </p:cNvPr>
-          <p:cNvSpPr txBox="1"/>
-          <p:nvPr/>
-        </p:nvSpPr>
-        <p:spPr>
-          <a:xfrm>
-            <a:off x="809625" y="5050971"/>
-            <a:ext cx="10435318" cy="923330"/>
-          </a:xfrm>
-          <a:prstGeom prst="rect">
-            <a:avLst/>
-          </a:prstGeom>
-          <a:noFill/>
-        </p:spPr>
-        <p:txBody>
-          <a:bodyPr wrap="square" rtlCol="0">
-            <a:spAutoFit/>
-          </a:bodyPr>
-          <a:lstStyle/>
-          <a:p>
-            <a:pPr marL="342900" indent="-342900">
-              <a:buFont typeface="+mj-lt"/>
-              <a:buAutoNum type="arabicPeriod"/>
-            </a:pPr>
-            <a:r>
-              <a:rPr lang="de-DE" dirty="0"/>
-              <a:t>Denkt an den Betrag, den man maximal darstellen kann.</a:t>
-            </a:r>
-          </a:p>
-          <a:p>
-            <a:pPr marL="342900" indent="-342900">
-              <a:buFont typeface="+mj-lt"/>
-              <a:buAutoNum type="arabicPeriod"/>
-            </a:pPr>
-            <a:r>
-              <a:rPr lang="de-DE" dirty="0"/>
-              <a:t>Einerkomplement bildet man einfach über das Komplement der positiven Zahl.</a:t>
-            </a:r>
-          </a:p>
-          <a:p>
-            <a:pPr marL="342900" indent="-342900">
-              <a:buFont typeface="+mj-lt"/>
-              <a:buAutoNum type="arabicPeriod"/>
-            </a:pPr>
-            <a:r>
-              <a:rPr lang="de-DE" dirty="0"/>
-              <a:t>Ihr müsst das Zweierkomplement bilden und damit rechnen können.</a:t>
-            </a:r>
-          </a:p>
-        </p:txBody>
-      </p:sp>
-    </p:spTree>
-    <p:extLst>
-      <p:ext uri="{BB962C8B-B14F-4D97-AF65-F5344CB8AC3E}">
-        <p14:creationId xmlns:p14="http://schemas.microsoft.com/office/powerpoint/2010/main" val="553676267"/>
-      </p:ext>
-    </p:extLst>
-  </p:cSld>
-  <p:clrMapOvr>
-    <a:masterClrMapping/>
-  </p:clrMapOvr>
-  <p:timing>
-    <p:tnLst>
-      <p:par>
-        <p:cTn id="1" dur="indefinite" restart="never" nodeType="tmRoot">
-          <p:childTnLst>
-            <p:seq concurrent="1" nextAc="seek">
-              <p:cTn id="2" dur="indefinite" nodeType="mainSeq">
-                <p:childTnLst>
-                  <p:par>
-                    <p:cTn id="3" fill="hold">
-                      <p:stCondLst>
-                        <p:cond delay="indefinite"/>
-                      </p:stCondLst>
-                      <p:childTnLst>
-                        <p:par>
-                          <p:cTn id="4" fill="hold">
-                            <p:stCondLst>
-                              <p:cond delay="0"/>
-                            </p:stCondLst>
-                            <p:childTnLst>
-                              <p:par>
-                                <p:cTn id="5" presetID="1" presetClass="entr" presetSubtype="0" fill="hold" nodeType="clickEffect">
-                                  <p:stCondLst>
-                                    <p:cond delay="0"/>
-                                  </p:stCondLst>
-                                  <p:childTnLst>
-                                    <p:set>
-                                      <p:cBhvr>
-                                        <p:cTn id="6" dur="1" fill="hold">
-                                          <p:stCondLst>
-                                            <p:cond delay="0"/>
-                                          </p:stCondLst>
-                                        </p:cTn>
-                                        <p:tgtEl>
-                                          <p:spTgt spid="4"/>
-                                        </p:tgtEl>
-                                        <p:attrNameLst>
-                                          <p:attrName>style.visibility</p:attrName>
-                                        </p:attrNameLst>
-                                      </p:cBhvr>
-                                      <p:to>
-                                        <p:strVal val="visible"/>
-                                      </p:to>
-                                    </p:set>
-                                  </p:childTnLst>
-                                </p:cTn>
-                              </p:par>
-                            </p:childTnLst>
-                          </p:cTn>
-                        </p:par>
-                      </p:childTnLst>
-                    </p:cTn>
-                  </p:par>
-                  <p:par>
-                    <p:cTn id="7" fill="hold">
-                      <p:stCondLst>
-                        <p:cond delay="indefinite"/>
-                      </p:stCondLst>
-                      <p:childTnLst>
-                        <p:par>
-                          <p:cTn id="8" fill="hold">
-                            <p:stCondLst>
-                              <p:cond delay="0"/>
-                            </p:stCondLst>
-                            <p:childTnLst>
-                              <p:par>
-                                <p:cTn id="9" presetID="1" presetClass="entr" presetSubtype="0" fill="hold" nodeType="clickEffect">
-                                  <p:stCondLst>
-                                    <p:cond delay="0"/>
-                                  </p:stCondLst>
-                                  <p:childTnLst>
-                                    <p:set>
-                                      <p:cBhvr>
-                                        <p:cTn id="10" dur="1" fill="hold">
-                                          <p:stCondLst>
-                                            <p:cond delay="0"/>
-                                          </p:stCondLst>
-                                        </p:cTn>
-                                        <p:tgtEl>
-                                          <p:spTgt spid="6">
-                                            <p:txEl>
-                                              <p:pRg st="0" end="0"/>
-                                            </p:txEl>
-                                          </p:spTgt>
-                                        </p:tgtEl>
-                                        <p:attrNameLst>
-                                          <p:attrName>style.visibility</p:attrName>
-                                        </p:attrNameLst>
-                                      </p:cBhvr>
-                                      <p:to>
-                                        <p:strVal val="visible"/>
-                                      </p:to>
-                                    </p:set>
-                                  </p:childTnLst>
-                                </p:cTn>
-                              </p:par>
-                            </p:childTnLst>
-                          </p:cTn>
-                        </p:par>
-                      </p:childTnLst>
-                    </p:cTn>
-                  </p:par>
-                  <p:par>
-                    <p:cTn id="11" fill="hold">
-                      <p:stCondLst>
-                        <p:cond delay="indefinite"/>
-                      </p:stCondLst>
-                      <p:childTnLst>
-                        <p:par>
-                          <p:cTn id="12" fill="hold">
-                            <p:stCondLst>
-                              <p:cond delay="0"/>
-                            </p:stCondLst>
-                            <p:childTnLst>
-                              <p:par>
-                                <p:cTn id="13" presetID="1" presetClass="entr" presetSubtype="0" fill="hold" nodeType="clickEffect">
-                                  <p:stCondLst>
-                                    <p:cond delay="0"/>
-                                  </p:stCondLst>
-                                  <p:childTnLst>
-                                    <p:set>
-                                      <p:cBhvr>
-                                        <p:cTn id="14" dur="1" fill="hold">
-                                          <p:stCondLst>
-                                            <p:cond delay="0"/>
-                                          </p:stCondLst>
-                                        </p:cTn>
-                                        <p:tgtEl>
-                                          <p:spTgt spid="6">
-                                            <p:txEl>
-                                              <p:pRg st="1" end="1"/>
-                                            </p:txEl>
-                                          </p:spTgt>
-                                        </p:tgtEl>
-                                        <p:attrNameLst>
-                                          <p:attrName>style.visibility</p:attrName>
-                                        </p:attrNameLst>
-                                      </p:cBhvr>
-                                      <p:to>
-                                        <p:strVal val="visible"/>
-                                      </p:to>
-                                    </p:set>
-                                  </p:childTnLst>
-                                </p:cTn>
-                              </p:par>
-                            </p:childTnLst>
-                          </p:cTn>
-                        </p:par>
-                      </p:childTnLst>
-                    </p:cTn>
-                  </p:par>
-                  <p:par>
-                    <p:cTn id="15" fill="hold">
-                      <p:stCondLst>
-                        <p:cond delay="indefinite"/>
-                      </p:stCondLst>
-                      <p:childTnLst>
-                        <p:par>
-                          <p:cTn id="16" fill="hold">
-                            <p:stCondLst>
-                              <p:cond delay="0"/>
-                            </p:stCondLst>
-                            <p:childTnLst>
-                              <p:par>
-                                <p:cTn id="17" presetID="1" presetClass="entr" presetSubtype="0" fill="hold" nodeType="clickEffect">
-                                  <p:stCondLst>
-                                    <p:cond delay="0"/>
-                                  </p:stCondLst>
-                                  <p:childTnLst>
-                                    <p:set>
-                                      <p:cBhvr>
-                                        <p:cTn id="18" dur="1" fill="hold">
-                                          <p:stCondLst>
-                                            <p:cond delay="0"/>
-                                          </p:stCondLst>
-                                        </p:cTn>
-                                        <p:tgtEl>
-                                          <p:spTgt spid="6">
-                                            <p:txEl>
-                                              <p:pRg st="2" end="2"/>
-                                            </p:txEl>
-                                          </p:spTgt>
-                                        </p:tgtEl>
-                                        <p:attrNameLst>
-                                          <p:attrName>style.visibility</p:attrName>
-                                        </p:attrNameLst>
-                                      </p:cBhvr>
-                                      <p:to>
-                                        <p:strVal val="visible"/>
-                                      </p:to>
-                                    </p:set>
-                                  </p:childTnLst>
-                                </p:cTn>
-                              </p:par>
-                            </p:childTnLst>
-                          </p:cTn>
-                        </p:par>
-                      </p:childTnLst>
-                    </p:cTn>
-                  </p:par>
-                </p:childTnLst>
-              </p:cTn>
-              <p:prevCondLst>
-                <p:cond evt="onPrev" delay="0">
-                  <p:tgtEl>
-                    <p:sldTgt/>
-                  </p:tgtEl>
-                </p:cond>
-              </p:prevCondLst>
-              <p:nextCondLst>
-                <p:cond evt="onNext" delay="0">
-                  <p:tgtEl>
-                    <p:sldTgt/>
-                  </p:tgtEl>
-                </p:cond>
-              </p:nextCondLst>
-            </p:seq>
-          </p:childTnLst>
-        </p:cTn>
-      </p:par>
-    </p:tnLst>
-  </p:timing>
-</p:sld>
-</file>
-
-<file path=ppt/slides/slide20.xml><?xml version="1.0" encoding="utf-8"?>
+<file path=ppt/slides/slide21.xml><?xml version="1.0" encoding="utf-8"?>
 <p:sld xmlns:a="http://schemas.openxmlformats.org/drawingml/2006/main" xmlns:r="http://schemas.openxmlformats.org/officeDocument/2006/relationships" xmlns:p="http://schemas.openxmlformats.org/presentationml/2006/main">
   <p:cSld>
     <p:spTree>
@@ -9668,7 +12392,7 @@
 </p:sld>
 </file>
 
-<file path=ppt/slides/slide21.xml><?xml version="1.0" encoding="utf-8"?>
+<file path=ppt/slides/slide22.xml><?xml version="1.0" encoding="utf-8"?>
 <p:sld xmlns:a="http://schemas.openxmlformats.org/drawingml/2006/main" xmlns:r="http://schemas.openxmlformats.org/officeDocument/2006/relationships" xmlns:p="http://schemas.openxmlformats.org/presentationml/2006/main">
   <p:cSld>
     <p:spTree>

--- a/Probeklausur.pptx
+++ b/Probeklausur.pptx
@@ -6467,907 +6467,326 @@
           </a:p>
         </p:txBody>
       </p:sp>
-      <mc:AlternateContent xmlns:mc="http://schemas.openxmlformats.org/markup-compatibility/2006" xmlns:a14="http://schemas.microsoft.com/office/drawing/2010/main">
-        <mc:Choice Requires="a14">
-          <p:graphicFrame>
-            <p:nvGraphicFramePr>
-              <p:cNvPr id="5" name="Inhaltsplatzhalter 3">
+      <p:graphicFrame>
+        <p:nvGraphicFramePr>
+          <p:cNvPr id="5" name="Inhaltsplatzhalter 3">
+            <a:extLst>
+              <a:ext uri="{FF2B5EF4-FFF2-40B4-BE49-F238E27FC236}">
+                <a16:creationId xmlns:a16="http://schemas.microsoft.com/office/drawing/2014/main" id="{4065C672-6B47-4234-1C45-B8E3F418649C}"/>
+              </a:ext>
+            </a:extLst>
+          </p:cNvPr>
+          <p:cNvGraphicFramePr>
+            <a:graphicFrameLocks/>
+          </p:cNvGraphicFramePr>
+          <p:nvPr>
+            <p:extLst>
+              <p:ext uri="{D42A27DB-BD31-4B8C-83A1-F6EECF244321}">
+                <p14:modId xmlns:p14="http://schemas.microsoft.com/office/powerpoint/2010/main" val="2606719954"/>
+              </p:ext>
+            </p:extLst>
+          </p:nvPr>
+        </p:nvGraphicFramePr>
+        <p:xfrm>
+          <a:off x="2574764" y="1908276"/>
+          <a:ext cx="7053792" cy="2748280"/>
+        </p:xfrm>
+        <a:graphic>
+          <a:graphicData uri="http://schemas.openxmlformats.org/drawingml/2006/table">
+            <a:tbl>
+              <a:tblPr firstRow="1" bandRow="1">
+                <a:tableStyleId>{00A15C55-8517-42AA-B614-E9B94910E393}</a:tableStyleId>
+              </a:tblPr>
+              <a:tblGrid>
+                <a:gridCol w="3526896">
+                  <a:extLst>
+                    <a:ext uri="{9D8B030D-6E8A-4147-A177-3AD203B41FA5}">
+                      <a16:colId xmlns:a16="http://schemas.microsoft.com/office/drawing/2014/main" val="1652158833"/>
+                    </a:ext>
+                  </a:extLst>
+                </a:gridCol>
+                <a:gridCol w="3526896">
+                  <a:extLst>
+                    <a:ext uri="{9D8B030D-6E8A-4147-A177-3AD203B41FA5}">
+                      <a16:colId xmlns:a16="http://schemas.microsoft.com/office/drawing/2014/main" val="4173493018"/>
+                    </a:ext>
+                  </a:extLst>
+                </a:gridCol>
+              </a:tblGrid>
+              <a:tr h="370840">
+                <a:tc>
+                  <a:txBody>
+                    <a:bodyPr/>
+                    <a:lstStyle/>
+                    <a:p>
+                      <a:r>
+                        <a:rPr lang="de-DE" dirty="0"/>
+                        <a:t>Größe</a:t>
+                      </a:r>
+                    </a:p>
+                  </a:txBody>
+                  <a:tcPr/>
+                </a:tc>
+                <a:tc>
+                  <a:txBody>
+                    <a:bodyPr/>
+                    <a:lstStyle/>
+                    <a:p>
+                      <a:r>
+                        <a:rPr lang="de-DE" dirty="0"/>
+                        <a:t>Verhalten A oder B</a:t>
+                      </a:r>
+                    </a:p>
+                  </a:txBody>
+                  <a:tcPr/>
+                </a:tc>
                 <a:extLst>
-                  <a:ext uri="{FF2B5EF4-FFF2-40B4-BE49-F238E27FC236}">
-                    <a16:creationId xmlns:a16="http://schemas.microsoft.com/office/drawing/2014/main" id="{4065C672-6B47-4234-1C45-B8E3F418649C}"/>
+                  <a:ext uri="{0D108BD9-81ED-4DB2-BD59-A6C34878D82A}">
+                    <a16:rowId xmlns:a16="http://schemas.microsoft.com/office/drawing/2014/main" val="1625499165"/>
                   </a:ext>
                 </a:extLst>
-              </p:cNvPr>
-              <p:cNvGraphicFramePr>
-                <a:graphicFrameLocks/>
-              </p:cNvGraphicFramePr>
-              <p:nvPr>
-                <p:extLst>
-                  <p:ext uri="{D42A27DB-BD31-4B8C-83A1-F6EECF244321}">
-                    <p14:modId xmlns:p14="http://schemas.microsoft.com/office/powerpoint/2010/main" val="1092385781"/>
-                  </p:ext>
-                </p:extLst>
-              </p:nvPr>
-            </p:nvGraphicFramePr>
-            <p:xfrm>
-              <a:off x="2574764" y="1908276"/>
-              <a:ext cx="7053792" cy="2748280"/>
-            </p:xfrm>
-            <a:graphic>
-              <a:graphicData uri="http://schemas.openxmlformats.org/drawingml/2006/table">
-                <a:tbl>
-                  <a:tblPr firstRow="1" bandRow="1">
-                    <a:tableStyleId>{00A15C55-8517-42AA-B614-E9B94910E393}</a:tableStyleId>
-                  </a:tblPr>
-                  <a:tblGrid>
-                    <a:gridCol w="3526896">
-                      <a:extLst>
-                        <a:ext uri="{9D8B030D-6E8A-4147-A177-3AD203B41FA5}">
-                          <a16:colId xmlns:a16="http://schemas.microsoft.com/office/drawing/2014/main" val="1652158833"/>
-                        </a:ext>
-                      </a:extLst>
-                    </a:gridCol>
-                    <a:gridCol w="3526896">
-                      <a:extLst>
-                        <a:ext uri="{9D8B030D-6E8A-4147-A177-3AD203B41FA5}">
-                          <a16:colId xmlns:a16="http://schemas.microsoft.com/office/drawing/2014/main" val="4173493018"/>
-                        </a:ext>
-                      </a:extLst>
-                    </a:gridCol>
-                  </a:tblGrid>
-                  <a:tr h="370840">
-                    <a:tc>
-                      <a:txBody>
-                        <a:bodyPr/>
-                        <a:lstStyle/>
-                        <a:p>
-                          <a:r>
-                            <a:rPr lang="de-DE" dirty="0"/>
-                            <a:t>Größe</a:t>
-                          </a:r>
-                        </a:p>
-                      </a:txBody>
-                      <a:tcPr/>
-                    </a:tc>
-                    <a:tc>
-                      <a:txBody>
-                        <a:bodyPr/>
-                        <a:lstStyle/>
-                        <a:p>
-                          <a:r>
-                            <a:rPr lang="de-DE" dirty="0"/>
-                            <a:t>Verhalten A oder B</a:t>
-                          </a:r>
-                        </a:p>
-                      </a:txBody>
-                      <a:tcPr/>
-                    </a:tc>
-                    <a:extLst>
-                      <a:ext uri="{0D108BD9-81ED-4DB2-BD59-A6C34878D82A}">
-                        <a16:rowId xmlns:a16="http://schemas.microsoft.com/office/drawing/2014/main" val="1625499165"/>
-                      </a:ext>
-                    </a:extLst>
-                  </a:tr>
-                  <a:tr h="370840">
-                    <a:tc>
-                      <a:txBody>
-                        <a:bodyPr/>
-                        <a:lstStyle/>
-                        <a:p>
-                          <a:pPr lvl="0">
-                            <a:buNone/>
-                          </a:pPr>
-                          <a:r>
-                            <a:rPr lang="de-DE" sz="2000" dirty="0"/>
-                            <a:t>i</a:t>
-                          </a:r>
-                          <a14:m>
-                            <m:oMath xmlns:m="http://schemas.openxmlformats.org/officeDocument/2006/math">
-                              <m:sSub>
-                                <m:sSubPr>
-                                  <m:ctrlPr>
-                                    <a:rPr lang="de-DE" sz="2000" i="1" dirty="0" smtClean="0">
-                                      <a:latin typeface="Cambria Math" panose="02040503050406030204" pitchFamily="18" charset="0"/>
-                                    </a:rPr>
-                                  </m:ctrlPr>
-                                </m:sSubPr>
-                                <m:e>
-                                  <m:r>
-                                    <a:rPr lang="de-DE" b="0" i="1" smtClean="0">
-                                      <a:latin typeface="Cambria Math" panose="02040503050406030204" pitchFamily="18" charset="0"/>
-                                    </a:rPr>
-                                    <m:t>88</m:t>
-                                  </m:r>
-                                </m:e>
-                                <m:sub>
-                                  <m:r>
-                                    <a:rPr lang="de-DE" b="0" i="1" smtClean="0">
-                                      <a:latin typeface="Cambria Math" panose="02040503050406030204" pitchFamily="18" charset="0"/>
-                                    </a:rPr>
-                                    <m:t>10</m:t>
-                                  </m:r>
-                                </m:sub>
-                              </m:sSub>
-                            </m:oMath>
-                          </a14:m>
-                          <a:endParaRPr lang="de-DE" dirty="0"/>
-                        </a:p>
-                      </a:txBody>
-                      <a:tcPr/>
-                    </a:tc>
-                    <a:tc>
-                      <a:txBody>
-                        <a:bodyPr/>
-                        <a:lstStyle/>
-                        <a:p>
-                          <a:r>
-                            <a:rPr lang="de-DE" dirty="0"/>
-                            <a:t>A</a:t>
-                          </a:r>
-                          <a14:m>
-                            <m:oMath xmlns:m="http://schemas.openxmlformats.org/officeDocument/2006/math">
-                              <m:sSub>
-                                <m:sSubPr>
-                                  <m:ctrlPr>
-                                    <a:rPr lang="de-DE" i="1" dirty="0" smtClean="0">
-                                      <a:latin typeface="Cambria Math" panose="02040503050406030204" pitchFamily="18" charset="0"/>
-                                    </a:rPr>
-                                  </m:ctrlPr>
-                                </m:sSubPr>
-                                <m:e>
-                                  <m:r>
-                                    <a:rPr lang="de-DE" b="0" i="1" smtClean="0">
-                                      <a:latin typeface="Cambria Math" panose="02040503050406030204" pitchFamily="18" charset="0"/>
-                                    </a:rPr>
-                                    <m:t>88</m:t>
-                                  </m:r>
-                                </m:e>
-                                <m:sub>
-                                  <m:r>
-                                    <a:rPr lang="de-DE" b="0" i="1" smtClean="0">
-                                      <a:latin typeface="Cambria Math" panose="02040503050406030204" pitchFamily="18" charset="0"/>
-                                    </a:rPr>
-                                    <m:t>16</m:t>
-                                  </m:r>
-                                </m:sub>
-                              </m:sSub>
-                            </m:oMath>
-                          </a14:m>
-                          <a:endParaRPr lang="de-DE" dirty="0"/>
-                        </a:p>
-                      </a:txBody>
-                      <a:tcPr/>
-                    </a:tc>
-                    <a:extLst>
-                      <a:ext uri="{0D108BD9-81ED-4DB2-BD59-A6C34878D82A}">
-                        <a16:rowId xmlns:a16="http://schemas.microsoft.com/office/drawing/2014/main" val="476797659"/>
-                      </a:ext>
-                    </a:extLst>
-                  </a:tr>
-                  <a:tr h="370840">
-                    <a:tc>
-                      <a:txBody>
-                        <a:bodyPr/>
-                        <a:lstStyle/>
-                        <a:p>
-                          <a:r>
-                            <a:rPr lang="de-DE" sz="2000" dirty="0"/>
-                            <a:t>i</a:t>
-                          </a:r>
-                          <a:r>
-                            <a:rPr lang="de-DE" sz="1100" dirty="0"/>
-                            <a:t>1</a:t>
-                          </a:r>
-                          <a14:m>
-                            <m:oMath xmlns:m="http://schemas.openxmlformats.org/officeDocument/2006/math">
-                              <m:sSub>
-                                <m:sSubPr>
-                                  <m:ctrlPr>
-                                    <a:rPr lang="de-DE" sz="1100" i="1" dirty="0" smtClean="0">
-                                      <a:latin typeface="Cambria Math" panose="02040503050406030204" pitchFamily="18" charset="0"/>
-                                    </a:rPr>
-                                  </m:ctrlPr>
-                                </m:sSubPr>
-                                <m:e>
-                                  <m:r>
-                                    <a:rPr lang="de-DE" b="0" i="1" smtClean="0">
-                                      <a:latin typeface="Cambria Math" panose="02040503050406030204" pitchFamily="18" charset="0"/>
-                                    </a:rPr>
-                                    <m:t>76</m:t>
-                                  </m:r>
-                                </m:e>
-                                <m:sub>
-                                  <m:r>
-                                    <a:rPr lang="de-DE" b="0" i="1" smtClean="0">
-                                      <a:latin typeface="Cambria Math" panose="02040503050406030204" pitchFamily="18" charset="0"/>
-                                    </a:rPr>
-                                    <m:t>10</m:t>
-                                  </m:r>
-                                </m:sub>
-                              </m:sSub>
-                            </m:oMath>
-                          </a14:m>
-                          <a:endParaRPr lang="de-DE" dirty="0"/>
-                        </a:p>
-                      </a:txBody>
-                      <a:tcPr/>
-                    </a:tc>
-                    <a:tc>
-                      <a:txBody>
-                        <a:bodyPr/>
-                        <a:lstStyle/>
-                        <a:p>
-                          <a:r>
-                            <a:rPr lang="de-DE" dirty="0"/>
-                            <a:t>B</a:t>
-                          </a:r>
-                          <a14:m>
-                            <m:oMath xmlns:m="http://schemas.openxmlformats.org/officeDocument/2006/math">
-                              <m:sSub>
-                                <m:sSubPr>
-                                  <m:ctrlPr>
-                                    <a:rPr lang="de-DE" i="1" dirty="0" smtClean="0">
-                                      <a:latin typeface="Cambria Math" panose="02040503050406030204" pitchFamily="18" charset="0"/>
-                                    </a:rPr>
-                                  </m:ctrlPr>
-                                </m:sSubPr>
-                                <m:e>
-                                  <m:r>
-                                    <a:rPr lang="de-DE" b="0" i="1" smtClean="0">
-                                      <a:latin typeface="Cambria Math" panose="02040503050406030204" pitchFamily="18" charset="0"/>
-                                    </a:rPr>
-                                    <m:t>122</m:t>
-                                  </m:r>
-                                </m:e>
-                                <m:sub>
-                                  <m:r>
-                                    <a:rPr lang="de-DE" b="0" i="1" smtClean="0">
-                                      <a:latin typeface="Cambria Math" panose="02040503050406030204" pitchFamily="18" charset="0"/>
-                                    </a:rPr>
-                                    <m:t>8</m:t>
-                                  </m:r>
-                                </m:sub>
-                              </m:sSub>
-                            </m:oMath>
-                          </a14:m>
-                          <a:endParaRPr lang="de-DE" dirty="0"/>
-                        </a:p>
-                      </a:txBody>
-                      <a:tcPr/>
-                    </a:tc>
-                    <a:extLst>
-                      <a:ext uri="{0D108BD9-81ED-4DB2-BD59-A6C34878D82A}">
-                        <a16:rowId xmlns:a16="http://schemas.microsoft.com/office/drawing/2014/main" val="1703270876"/>
-                      </a:ext>
-                    </a:extLst>
-                  </a:tr>
-                  <a:tr h="370840">
-                    <a:tc>
-                      <a:txBody>
-                        <a:bodyPr/>
-                        <a:lstStyle/>
-                        <a:p>
-                          <a:r>
-                            <a:rPr lang="de-DE" sz="2000" dirty="0" err="1"/>
-                            <a:t>u</a:t>
-                          </a:r>
-                          <a:r>
-                            <a:rPr lang="de-DE" sz="1100" dirty="0" err="1"/>
-                            <a:t>L</a:t>
-                          </a:r>
-                          <a14:m>
-                            <m:oMath xmlns:m="http://schemas.openxmlformats.org/officeDocument/2006/math">
-                              <m:sSub>
-                                <m:sSubPr>
-                                  <m:ctrlPr>
-                                    <a:rPr lang="de-DE" sz="1100" i="1" dirty="0" err="1" smtClean="0">
-                                      <a:latin typeface="Cambria Math" panose="02040503050406030204" pitchFamily="18" charset="0"/>
-                                    </a:rPr>
-                                  </m:ctrlPr>
-                                </m:sSubPr>
-                                <m:e>
-                                  <m:r>
-                                    <a:rPr lang="de-DE" b="0" i="1" smtClean="0">
-                                      <a:latin typeface="Cambria Math" panose="02040503050406030204" pitchFamily="18" charset="0"/>
-                                    </a:rPr>
-                                    <m:t>𝐴𝐶</m:t>
-                                  </m:r>
-                                  <m:r>
-                                    <a:rPr lang="de-DE" b="0" i="1" smtClean="0">
-                                      <a:latin typeface="Cambria Math" panose="02040503050406030204" pitchFamily="18" charset="0"/>
-                                    </a:rPr>
-                                    <m:t>4</m:t>
-                                  </m:r>
-                                </m:e>
-                                <m:sub>
-                                  <m:r>
-                                    <a:rPr lang="de-DE" b="0" i="1" smtClean="0">
-                                      <a:latin typeface="Cambria Math" panose="02040503050406030204" pitchFamily="18" charset="0"/>
-                                    </a:rPr>
-                                    <m:t>16</m:t>
-                                  </m:r>
-                                </m:sub>
-                              </m:sSub>
-                            </m:oMath>
-                          </a14:m>
-                          <a:endParaRPr lang="de-DE" dirty="0"/>
-                        </a:p>
-                      </a:txBody>
-                      <a:tcPr/>
-                    </a:tc>
-                    <a:tc>
-                      <a:txBody>
-                        <a:bodyPr/>
-                        <a:lstStyle/>
-                        <a:p>
-                          <a:r>
-                            <a:rPr lang="de-DE" dirty="0"/>
-                            <a:t>B</a:t>
-                          </a:r>
-                          <a14:m>
-                            <m:oMath xmlns:m="http://schemas.openxmlformats.org/officeDocument/2006/math">
-                              <m:sSub>
-                                <m:sSubPr>
-                                  <m:ctrlPr>
-                                    <a:rPr lang="de-DE" i="1" dirty="0" smtClean="0">
-                                      <a:latin typeface="Cambria Math" panose="02040503050406030204" pitchFamily="18" charset="0"/>
-                                    </a:rPr>
-                                  </m:ctrlPr>
-                                </m:sSubPr>
-                                <m:e>
-                                  <m:r>
-                                    <a:rPr lang="de-DE" b="0" i="1" smtClean="0">
-                                      <a:latin typeface="Cambria Math" panose="02040503050406030204" pitchFamily="18" charset="0"/>
-                                    </a:rPr>
-                                    <m:t>101011000100</m:t>
-                                  </m:r>
-                                </m:e>
-                                <m:sub>
-                                  <m:r>
-                                    <a:rPr lang="de-DE" b="0" i="1" smtClean="0">
-                                      <a:latin typeface="Cambria Math" panose="02040503050406030204" pitchFamily="18" charset="0"/>
-                                    </a:rPr>
-                                    <m:t>2</m:t>
-                                  </m:r>
-                                </m:sub>
-                              </m:sSub>
-                            </m:oMath>
-                          </a14:m>
-                          <a:endParaRPr lang="de-DE" dirty="0"/>
-                        </a:p>
-                      </a:txBody>
-                      <a:tcPr/>
-                    </a:tc>
-                    <a:extLst>
-                      <a:ext uri="{0D108BD9-81ED-4DB2-BD59-A6C34878D82A}">
-                        <a16:rowId xmlns:a16="http://schemas.microsoft.com/office/drawing/2014/main" val="2818478599"/>
-                      </a:ext>
-                    </a:extLst>
-                  </a:tr>
-                  <a:tr h="370840">
-                    <a:tc>
-                      <a:txBody>
-                        <a:bodyPr/>
-                        <a:lstStyle/>
-                        <a:p>
-                          <a:r>
-                            <a:rPr lang="de-DE" sz="2000" dirty="0" err="1"/>
-                            <a:t>i</a:t>
-                          </a:r>
-                          <a:r>
-                            <a:rPr lang="de-DE" sz="1100" dirty="0" err="1"/>
-                            <a:t>L</a:t>
-                          </a:r>
-                          <a14:m>
-                            <m:oMath xmlns:m="http://schemas.openxmlformats.org/officeDocument/2006/math">
-                              <m:sSub>
-                                <m:sSubPr>
-                                  <m:ctrlPr>
-                                    <a:rPr lang="de-DE" sz="1100" i="1" dirty="0" err="1" smtClean="0">
-                                      <a:latin typeface="Cambria Math" panose="02040503050406030204" pitchFamily="18" charset="0"/>
-                                    </a:rPr>
-                                  </m:ctrlPr>
-                                </m:sSubPr>
-                                <m:e>
-                                  <m:r>
-                                    <a:rPr lang="de-DE" b="0" i="1" smtClean="0">
-                                      <a:latin typeface="Cambria Math" panose="02040503050406030204" pitchFamily="18" charset="0"/>
-                                    </a:rPr>
-                                    <m:t>66</m:t>
-                                  </m:r>
-                                </m:e>
-                                <m:sub>
-                                  <m:r>
-                                    <a:rPr lang="de-DE" b="0" i="1" smtClean="0">
-                                      <a:latin typeface="Cambria Math" panose="02040503050406030204" pitchFamily="18" charset="0"/>
-                                    </a:rPr>
-                                    <m:t>8</m:t>
-                                  </m:r>
-                                </m:sub>
-                              </m:sSub>
-                            </m:oMath>
-                          </a14:m>
-                          <a:endParaRPr lang="de-DE" dirty="0"/>
-                        </a:p>
-                      </a:txBody>
-                      <a:tcPr/>
-                    </a:tc>
-                    <a:tc>
-                      <a:txBody>
-                        <a:bodyPr/>
-                        <a:lstStyle/>
-                        <a:p>
-                          <a:r>
-                            <a:rPr lang="de-DE" dirty="0"/>
-                            <a:t>A</a:t>
-                          </a:r>
-                          <a14:m>
-                            <m:oMath xmlns:m="http://schemas.openxmlformats.org/officeDocument/2006/math">
-                              <m:sSub>
-                                <m:sSubPr>
-                                  <m:ctrlPr>
-                                    <a:rPr lang="de-DE" i="1" dirty="0" smtClean="0">
-                                      <a:latin typeface="Cambria Math" panose="02040503050406030204" pitchFamily="18" charset="0"/>
-                                    </a:rPr>
-                                  </m:ctrlPr>
-                                </m:sSubPr>
-                                <m:e>
-                                  <m:r>
-                                    <a:rPr lang="de-DE" b="0" i="1" smtClean="0">
-                                      <a:latin typeface="Cambria Math" panose="02040503050406030204" pitchFamily="18" charset="0"/>
-                                    </a:rPr>
-                                    <m:t>33</m:t>
-                                  </m:r>
-                                </m:e>
-                                <m:sub>
-                                  <m:r>
-                                    <a:rPr lang="de-DE" b="0" i="1" smtClean="0">
-                                      <a:latin typeface="Cambria Math" panose="02040503050406030204" pitchFamily="18" charset="0"/>
-                                    </a:rPr>
-                                    <m:t>16</m:t>
-                                  </m:r>
-                                </m:sub>
-                              </m:sSub>
-                            </m:oMath>
-                          </a14:m>
-                          <a:endParaRPr lang="de-DE" dirty="0"/>
-                        </a:p>
-                      </a:txBody>
-                      <a:tcPr/>
-                    </a:tc>
-                    <a:extLst>
-                      <a:ext uri="{0D108BD9-81ED-4DB2-BD59-A6C34878D82A}">
-                        <a16:rowId xmlns:a16="http://schemas.microsoft.com/office/drawing/2014/main" val="216001238"/>
-                      </a:ext>
-                    </a:extLst>
-                  </a:tr>
-                  <a:tr h="370839">
-                    <a:tc>
-                      <a:txBody>
-                        <a:bodyPr/>
-                        <a:lstStyle/>
-                        <a:p>
-                          <a:pPr lvl="0">
-                            <a:buNone/>
-                          </a:pPr>
-                          <a:r>
-                            <a:rPr lang="de-DE" sz="2000" dirty="0"/>
-                            <a:t>u</a:t>
-                          </a:r>
-                          <a:r>
-                            <a:rPr lang="de-DE" sz="1100" dirty="0"/>
-                            <a:t>1</a:t>
-                          </a:r>
-                        </a:p>
-                      </a:txBody>
-                      <a:tcPr/>
-                    </a:tc>
-                    <a:tc>
-                      <a:txBody>
-                        <a:bodyPr/>
-                        <a:lstStyle/>
-                        <a:p>
-                          <a:pPr lvl="0">
-                            <a:buNone/>
-                          </a:pPr>
-                          <a:r>
-                            <a:rPr lang="de-DE" dirty="0"/>
-                            <a:t>B</a:t>
-                          </a:r>
-                        </a:p>
-                      </a:txBody>
-                      <a:tcPr/>
-                    </a:tc>
-                    <a:extLst>
-                      <a:ext uri="{0D108BD9-81ED-4DB2-BD59-A6C34878D82A}">
-                        <a16:rowId xmlns:a16="http://schemas.microsoft.com/office/drawing/2014/main" val="4294844427"/>
-                      </a:ext>
-                    </a:extLst>
-                  </a:tr>
-                  <a:tr h="370838">
-                    <a:tc>
-                      <a:txBody>
-                        <a:bodyPr/>
-                        <a:lstStyle/>
-                        <a:p>
-                          <a:pPr lvl="0">
-                            <a:buNone/>
-                          </a:pPr>
-                          <a:r>
-                            <a:rPr lang="de-DE" sz="2000" dirty="0"/>
-                            <a:t>u</a:t>
-                          </a:r>
-                          <a:r>
-                            <a:rPr lang="de-DE" sz="1100" dirty="0"/>
-                            <a:t>2</a:t>
-                          </a:r>
-                        </a:p>
-                      </a:txBody>
-                      <a:tcPr/>
-                    </a:tc>
-                    <a:tc>
-                      <a:txBody>
-                        <a:bodyPr/>
-                        <a:lstStyle/>
-                        <a:p>
-                          <a:pPr lvl="0">
-                            <a:buNone/>
-                          </a:pPr>
-                          <a:r>
-                            <a:rPr lang="de-DE" dirty="0"/>
-                            <a:t>A</a:t>
-                          </a:r>
-                        </a:p>
-                      </a:txBody>
-                      <a:tcPr/>
-                    </a:tc>
-                    <a:extLst>
-                      <a:ext uri="{0D108BD9-81ED-4DB2-BD59-A6C34878D82A}">
-                        <a16:rowId xmlns:a16="http://schemas.microsoft.com/office/drawing/2014/main" val="2365580377"/>
-                      </a:ext>
-                    </a:extLst>
-                  </a:tr>
-                </a:tbl>
-              </a:graphicData>
-            </a:graphic>
-          </p:graphicFrame>
-        </mc:Choice>
-        <mc:Fallback xmlns="">
-          <p:graphicFrame>
-            <p:nvGraphicFramePr>
-              <p:cNvPr id="5" name="Inhaltsplatzhalter 3">
+              </a:tr>
+              <a:tr h="370840">
+                <a:tc>
+                  <a:txBody>
+                    <a:bodyPr/>
+                    <a:lstStyle/>
+                    <a:p>
+                      <a:pPr lvl="0">
+                        <a:buNone/>
+                      </a:pPr>
+                      <a:r>
+                        <a:rPr lang="de-DE" sz="2000" dirty="0"/>
+                        <a:t>i</a:t>
+                      </a:r>
+                      <a:endParaRPr lang="de-DE" dirty="0"/>
+                    </a:p>
+                  </a:txBody>
+                  <a:tcPr/>
+                </a:tc>
+                <a:tc>
+                  <a:txBody>
+                    <a:bodyPr/>
+                    <a:lstStyle/>
+                    <a:p>
+                      <a:r>
+                        <a:rPr lang="de-DE" dirty="0"/>
+                        <a:t>A</a:t>
+                      </a:r>
+                    </a:p>
+                  </a:txBody>
+                  <a:tcPr/>
+                </a:tc>
                 <a:extLst>
-                  <a:ext uri="{FF2B5EF4-FFF2-40B4-BE49-F238E27FC236}">
-                    <a16:creationId xmlns:a16="http://schemas.microsoft.com/office/drawing/2014/main" id="{4065C672-6B47-4234-1C45-B8E3F418649C}"/>
+                  <a:ext uri="{0D108BD9-81ED-4DB2-BD59-A6C34878D82A}">
+                    <a16:rowId xmlns:a16="http://schemas.microsoft.com/office/drawing/2014/main" val="476797659"/>
                   </a:ext>
                 </a:extLst>
-              </p:cNvPr>
-              <p:cNvGraphicFramePr>
-                <a:graphicFrameLocks/>
-              </p:cNvGraphicFramePr>
-              <p:nvPr>
-                <p:extLst>
-                  <p:ext uri="{D42A27DB-BD31-4B8C-83A1-F6EECF244321}">
-                    <p14:modId xmlns:p14="http://schemas.microsoft.com/office/powerpoint/2010/main" val="1092385781"/>
-                  </p:ext>
-                </p:extLst>
-              </p:nvPr>
-            </p:nvGraphicFramePr>
-            <p:xfrm>
-              <a:off x="2574764" y="1908276"/>
-              <a:ext cx="7053792" cy="2748280"/>
-            </p:xfrm>
-            <a:graphic>
-              <a:graphicData uri="http://schemas.openxmlformats.org/drawingml/2006/table">
-                <a:tbl>
-                  <a:tblPr firstRow="1" bandRow="1">
-                    <a:tableStyleId>{00A15C55-8517-42AA-B614-E9B94910E393}</a:tableStyleId>
-                  </a:tblPr>
-                  <a:tblGrid>
-                    <a:gridCol w="3526896">
-                      <a:extLst>
-                        <a:ext uri="{9D8B030D-6E8A-4147-A177-3AD203B41FA5}">
-                          <a16:colId xmlns:a16="http://schemas.microsoft.com/office/drawing/2014/main" val="1652158833"/>
-                        </a:ext>
-                      </a:extLst>
-                    </a:gridCol>
-                    <a:gridCol w="3526896">
-                      <a:extLst>
-                        <a:ext uri="{9D8B030D-6E8A-4147-A177-3AD203B41FA5}">
-                          <a16:colId xmlns:a16="http://schemas.microsoft.com/office/drawing/2014/main" val="4173493018"/>
-                        </a:ext>
-                      </a:extLst>
-                    </a:gridCol>
-                  </a:tblGrid>
-                  <a:tr h="370840">
-                    <a:tc>
-                      <a:txBody>
-                        <a:bodyPr/>
-                        <a:lstStyle/>
-                        <a:p>
-                          <a:r>
-                            <a:rPr lang="de-DE" dirty="0"/>
-                            <a:t>Größe</a:t>
-                          </a:r>
-                        </a:p>
-                      </a:txBody>
-                      <a:tcPr/>
-                    </a:tc>
-                    <a:tc>
-                      <a:txBody>
-                        <a:bodyPr/>
-                        <a:lstStyle/>
-                        <a:p>
-                          <a:r>
-                            <a:rPr lang="de-DE" dirty="0"/>
-                            <a:t>Verhalten A oder B</a:t>
-                          </a:r>
-                        </a:p>
-                      </a:txBody>
-                      <a:tcPr/>
-                    </a:tc>
-                    <a:extLst>
-                      <a:ext uri="{0D108BD9-81ED-4DB2-BD59-A6C34878D82A}">
-                        <a16:rowId xmlns:a16="http://schemas.microsoft.com/office/drawing/2014/main" val="1625499165"/>
-                      </a:ext>
-                    </a:extLst>
-                  </a:tr>
-                  <a:tr h="396240">
-                    <a:tc>
-                      <a:txBody>
-                        <a:bodyPr/>
-                        <a:lstStyle/>
-                        <a:p>
-                          <a:endParaRPr lang="en-US"/>
-                        </a:p>
-                      </a:txBody>
-                      <a:tcPr>
-                        <a:blipFill>
-                          <a:blip r:embed="rId2"/>
-                          <a:stretch>
-                            <a:fillRect l="-173" t="-101538" r="-100691" b="-529231"/>
-                          </a:stretch>
-                        </a:blipFill>
-                      </a:tcPr>
-                    </a:tc>
-                    <a:tc>
-                      <a:txBody>
-                        <a:bodyPr/>
-                        <a:lstStyle/>
-                        <a:p>
-                          <a:endParaRPr lang="en-US"/>
-                        </a:p>
-                      </a:txBody>
-                      <a:tcPr>
-                        <a:blipFill>
-                          <a:blip r:embed="rId2"/>
-                          <a:stretch>
-                            <a:fillRect l="-100173" t="-101538" r="-691" b="-529231"/>
-                          </a:stretch>
-                        </a:blipFill>
-                      </a:tcPr>
-                    </a:tc>
-                    <a:extLst>
-                      <a:ext uri="{0D108BD9-81ED-4DB2-BD59-A6C34878D82A}">
-                        <a16:rowId xmlns:a16="http://schemas.microsoft.com/office/drawing/2014/main" val="476797659"/>
-                      </a:ext>
-                    </a:extLst>
-                  </a:tr>
-                  <a:tr h="396240">
-                    <a:tc>
-                      <a:txBody>
-                        <a:bodyPr/>
-                        <a:lstStyle/>
-                        <a:p>
-                          <a:endParaRPr lang="en-US"/>
-                        </a:p>
-                      </a:txBody>
-                      <a:tcPr>
-                        <a:blipFill>
-                          <a:blip r:embed="rId2"/>
-                          <a:stretch>
-                            <a:fillRect l="-173" t="-201538" r="-100691" b="-429231"/>
-                          </a:stretch>
-                        </a:blipFill>
-                      </a:tcPr>
-                    </a:tc>
-                    <a:tc>
-                      <a:txBody>
-                        <a:bodyPr/>
-                        <a:lstStyle/>
-                        <a:p>
-                          <a:endParaRPr lang="en-US"/>
-                        </a:p>
-                      </a:txBody>
-                      <a:tcPr>
-                        <a:blipFill>
-                          <a:blip r:embed="rId2"/>
-                          <a:stretch>
-                            <a:fillRect l="-100173" t="-201538" r="-691" b="-429231"/>
-                          </a:stretch>
-                        </a:blipFill>
-                      </a:tcPr>
-                    </a:tc>
-                    <a:extLst>
-                      <a:ext uri="{0D108BD9-81ED-4DB2-BD59-A6C34878D82A}">
-                        <a16:rowId xmlns:a16="http://schemas.microsoft.com/office/drawing/2014/main" val="1703270876"/>
-                      </a:ext>
-                    </a:extLst>
-                  </a:tr>
-                  <a:tr h="396240">
-                    <a:tc>
-                      <a:txBody>
-                        <a:bodyPr/>
-                        <a:lstStyle/>
-                        <a:p>
-                          <a:endParaRPr lang="en-US"/>
-                        </a:p>
-                      </a:txBody>
-                      <a:tcPr>
-                        <a:blipFill>
-                          <a:blip r:embed="rId2"/>
-                          <a:stretch>
-                            <a:fillRect l="-173" t="-301538" r="-100691" b="-329231"/>
-                          </a:stretch>
-                        </a:blipFill>
-                      </a:tcPr>
-                    </a:tc>
-                    <a:tc>
-                      <a:txBody>
-                        <a:bodyPr/>
-                        <a:lstStyle/>
-                        <a:p>
-                          <a:endParaRPr lang="en-US"/>
-                        </a:p>
-                      </a:txBody>
-                      <a:tcPr>
-                        <a:blipFill>
-                          <a:blip r:embed="rId2"/>
-                          <a:stretch>
-                            <a:fillRect l="-100173" t="-301538" r="-691" b="-329231"/>
-                          </a:stretch>
-                        </a:blipFill>
-                      </a:tcPr>
-                    </a:tc>
-                    <a:extLst>
-                      <a:ext uri="{0D108BD9-81ED-4DB2-BD59-A6C34878D82A}">
-                        <a16:rowId xmlns:a16="http://schemas.microsoft.com/office/drawing/2014/main" val="2818478599"/>
-                      </a:ext>
-                    </a:extLst>
-                  </a:tr>
-                  <a:tr h="396240">
-                    <a:tc>
-                      <a:txBody>
-                        <a:bodyPr/>
-                        <a:lstStyle/>
-                        <a:p>
-                          <a:endParaRPr lang="en-US"/>
-                        </a:p>
-                      </a:txBody>
-                      <a:tcPr>
-                        <a:blipFill>
-                          <a:blip r:embed="rId2"/>
-                          <a:stretch>
-                            <a:fillRect l="-173" t="-401538" r="-100691" b="-229231"/>
-                          </a:stretch>
-                        </a:blipFill>
-                      </a:tcPr>
-                    </a:tc>
-                    <a:tc>
-                      <a:txBody>
-                        <a:bodyPr/>
-                        <a:lstStyle/>
-                        <a:p>
-                          <a:endParaRPr lang="en-US"/>
-                        </a:p>
-                      </a:txBody>
-                      <a:tcPr>
-                        <a:blipFill>
-                          <a:blip r:embed="rId2"/>
-                          <a:stretch>
-                            <a:fillRect l="-100173" t="-401538" r="-691" b="-229231"/>
-                          </a:stretch>
-                        </a:blipFill>
-                      </a:tcPr>
-                    </a:tc>
-                    <a:extLst>
-                      <a:ext uri="{0D108BD9-81ED-4DB2-BD59-A6C34878D82A}">
-                        <a16:rowId xmlns:a16="http://schemas.microsoft.com/office/drawing/2014/main" val="216001238"/>
-                      </a:ext>
-                    </a:extLst>
-                  </a:tr>
-                  <a:tr h="396240">
-                    <a:tc>
-                      <a:txBody>
-                        <a:bodyPr/>
-                        <a:lstStyle/>
-                        <a:p>
-                          <a:pPr lvl="0">
-                            <a:buNone/>
-                          </a:pPr>
-                          <a:r>
-                            <a:rPr lang="de-DE" sz="2000" dirty="0"/>
-                            <a:t>u</a:t>
-                          </a:r>
-                          <a:r>
-                            <a:rPr lang="de-DE" sz="1100" dirty="0"/>
-                            <a:t>1</a:t>
-                          </a:r>
-                        </a:p>
-                      </a:txBody>
-                      <a:tcPr/>
-                    </a:tc>
-                    <a:tc>
-                      <a:txBody>
-                        <a:bodyPr/>
-                        <a:lstStyle/>
-                        <a:p>
-                          <a:pPr lvl="0">
-                            <a:buNone/>
-                          </a:pPr>
-                          <a:r>
-                            <a:rPr lang="de-DE" dirty="0"/>
-                            <a:t>B</a:t>
-                          </a:r>
-                        </a:p>
-                      </a:txBody>
-                      <a:tcPr/>
-                    </a:tc>
-                    <a:extLst>
-                      <a:ext uri="{0D108BD9-81ED-4DB2-BD59-A6C34878D82A}">
-                        <a16:rowId xmlns:a16="http://schemas.microsoft.com/office/drawing/2014/main" val="4294844427"/>
-                      </a:ext>
-                    </a:extLst>
-                  </a:tr>
-                  <a:tr h="396240">
-                    <a:tc>
-                      <a:txBody>
-                        <a:bodyPr/>
-                        <a:lstStyle/>
-                        <a:p>
-                          <a:pPr lvl="0">
-                            <a:buNone/>
-                          </a:pPr>
-                          <a:r>
-                            <a:rPr lang="de-DE" sz="2000" dirty="0"/>
-                            <a:t>u</a:t>
-                          </a:r>
-                          <a:r>
-                            <a:rPr lang="de-DE" sz="1100" dirty="0"/>
-                            <a:t>2</a:t>
-                          </a:r>
-                        </a:p>
-                      </a:txBody>
-                      <a:tcPr/>
-                    </a:tc>
-                    <a:tc>
-                      <a:txBody>
-                        <a:bodyPr/>
-                        <a:lstStyle/>
-                        <a:p>
-                          <a:pPr lvl="0">
-                            <a:buNone/>
-                          </a:pPr>
-                          <a:r>
-                            <a:rPr lang="de-DE" dirty="0"/>
-                            <a:t>A</a:t>
-                          </a:r>
-                        </a:p>
-                      </a:txBody>
-                      <a:tcPr/>
-                    </a:tc>
-                    <a:extLst>
-                      <a:ext uri="{0D108BD9-81ED-4DB2-BD59-A6C34878D82A}">
-                        <a16:rowId xmlns:a16="http://schemas.microsoft.com/office/drawing/2014/main" val="2365580377"/>
-                      </a:ext>
-                    </a:extLst>
-                  </a:tr>
-                </a:tbl>
-              </a:graphicData>
-            </a:graphic>
-          </p:graphicFrame>
-        </mc:Fallback>
-      </mc:AlternateContent>
+              </a:tr>
+              <a:tr h="370840">
+                <a:tc>
+                  <a:txBody>
+                    <a:bodyPr/>
+                    <a:lstStyle/>
+                    <a:p>
+                      <a:r>
+                        <a:rPr lang="de-DE" sz="2000" dirty="0"/>
+                        <a:t>i</a:t>
+                      </a:r>
+                      <a:r>
+                        <a:rPr lang="de-DE" sz="1100" dirty="0"/>
+                        <a:t>1</a:t>
+                      </a:r>
+                      <a:endParaRPr lang="de-DE" dirty="0"/>
+                    </a:p>
+                  </a:txBody>
+                  <a:tcPr/>
+                </a:tc>
+                <a:tc>
+                  <a:txBody>
+                    <a:bodyPr/>
+                    <a:lstStyle/>
+                    <a:p>
+                      <a:r>
+                        <a:rPr lang="de-DE" dirty="0"/>
+                        <a:t>B</a:t>
+                      </a:r>
+                    </a:p>
+                  </a:txBody>
+                  <a:tcPr/>
+                </a:tc>
+                <a:extLst>
+                  <a:ext uri="{0D108BD9-81ED-4DB2-BD59-A6C34878D82A}">
+                    <a16:rowId xmlns:a16="http://schemas.microsoft.com/office/drawing/2014/main" val="1703270876"/>
+                  </a:ext>
+                </a:extLst>
+              </a:tr>
+              <a:tr h="370840">
+                <a:tc>
+                  <a:txBody>
+                    <a:bodyPr/>
+                    <a:lstStyle/>
+                    <a:p>
+                      <a:r>
+                        <a:rPr lang="de-DE" sz="2000" dirty="0"/>
+                        <a:t>u</a:t>
+                      </a:r>
+                      <a:r>
+                        <a:rPr lang="de-DE" sz="1100" dirty="0"/>
+                        <a:t>L</a:t>
+                      </a:r>
+                      <a:endParaRPr lang="de-DE" dirty="0"/>
+                    </a:p>
+                  </a:txBody>
+                  <a:tcPr/>
+                </a:tc>
+                <a:tc>
+                  <a:txBody>
+                    <a:bodyPr/>
+                    <a:lstStyle/>
+                    <a:p>
+                      <a:r>
+                        <a:rPr lang="de-DE" dirty="0"/>
+                        <a:t>B</a:t>
+                      </a:r>
+                    </a:p>
+                  </a:txBody>
+                  <a:tcPr/>
+                </a:tc>
+                <a:extLst>
+                  <a:ext uri="{0D108BD9-81ED-4DB2-BD59-A6C34878D82A}">
+                    <a16:rowId xmlns:a16="http://schemas.microsoft.com/office/drawing/2014/main" val="2818478599"/>
+                  </a:ext>
+                </a:extLst>
+              </a:tr>
+              <a:tr h="370840">
+                <a:tc>
+                  <a:txBody>
+                    <a:bodyPr/>
+                    <a:lstStyle/>
+                    <a:p>
+                      <a:r>
+                        <a:rPr lang="de-DE" sz="2000" dirty="0"/>
+                        <a:t>i</a:t>
+                      </a:r>
+                      <a:r>
+                        <a:rPr lang="de-DE" sz="1100" dirty="0"/>
+                        <a:t>L</a:t>
+                      </a:r>
+                      <a:endParaRPr lang="de-DE" dirty="0"/>
+                    </a:p>
+                  </a:txBody>
+                  <a:tcPr/>
+                </a:tc>
+                <a:tc>
+                  <a:txBody>
+                    <a:bodyPr/>
+                    <a:lstStyle/>
+                    <a:p>
+                      <a:r>
+                        <a:rPr lang="de-DE" dirty="0"/>
+                        <a:t>A</a:t>
+                      </a:r>
+                    </a:p>
+                  </a:txBody>
+                  <a:tcPr/>
+                </a:tc>
+                <a:extLst>
+                  <a:ext uri="{0D108BD9-81ED-4DB2-BD59-A6C34878D82A}">
+                    <a16:rowId xmlns:a16="http://schemas.microsoft.com/office/drawing/2014/main" val="216001238"/>
+                  </a:ext>
+                </a:extLst>
+              </a:tr>
+              <a:tr h="370839">
+                <a:tc>
+                  <a:txBody>
+                    <a:bodyPr/>
+                    <a:lstStyle/>
+                    <a:p>
+                      <a:pPr lvl="0">
+                        <a:buNone/>
+                      </a:pPr>
+                      <a:r>
+                        <a:rPr lang="de-DE" sz="2000" dirty="0"/>
+                        <a:t>u</a:t>
+                      </a:r>
+                      <a:r>
+                        <a:rPr lang="de-DE" sz="1100" dirty="0"/>
+                        <a:t>1</a:t>
+                      </a:r>
+                    </a:p>
+                  </a:txBody>
+                  <a:tcPr/>
+                </a:tc>
+                <a:tc>
+                  <a:txBody>
+                    <a:bodyPr/>
+                    <a:lstStyle/>
+                    <a:p>
+                      <a:pPr lvl="0">
+                        <a:buNone/>
+                      </a:pPr>
+                      <a:r>
+                        <a:rPr lang="de-DE" dirty="0"/>
+                        <a:t>B</a:t>
+                      </a:r>
+                    </a:p>
+                  </a:txBody>
+                  <a:tcPr/>
+                </a:tc>
+                <a:extLst>
+                  <a:ext uri="{0D108BD9-81ED-4DB2-BD59-A6C34878D82A}">
+                    <a16:rowId xmlns:a16="http://schemas.microsoft.com/office/drawing/2014/main" val="4294844427"/>
+                  </a:ext>
+                </a:extLst>
+              </a:tr>
+              <a:tr h="370838">
+                <a:tc>
+                  <a:txBody>
+                    <a:bodyPr/>
+                    <a:lstStyle/>
+                    <a:p>
+                      <a:pPr lvl="0">
+                        <a:buNone/>
+                      </a:pPr>
+                      <a:r>
+                        <a:rPr lang="de-DE" sz="2000" dirty="0"/>
+                        <a:t>u</a:t>
+                      </a:r>
+                      <a:r>
+                        <a:rPr lang="de-DE" sz="1100" dirty="0"/>
+                        <a:t>2</a:t>
+                      </a:r>
+                    </a:p>
+                  </a:txBody>
+                  <a:tcPr/>
+                </a:tc>
+                <a:tc>
+                  <a:txBody>
+                    <a:bodyPr/>
+                    <a:lstStyle/>
+                    <a:p>
+                      <a:pPr lvl="0">
+                        <a:buNone/>
+                      </a:pPr>
+                      <a:r>
+                        <a:rPr lang="de-DE" dirty="0"/>
+                        <a:t>A</a:t>
+                      </a:r>
+                    </a:p>
+                  </a:txBody>
+                  <a:tcPr/>
+                </a:tc>
+                <a:extLst>
+                  <a:ext uri="{0D108BD9-81ED-4DB2-BD59-A6C34878D82A}">
+                    <a16:rowId xmlns:a16="http://schemas.microsoft.com/office/drawing/2014/main" val="2365580377"/>
+                  </a:ext>
+                </a:extLst>
+              </a:tr>
+            </a:tbl>
+          </a:graphicData>
+        </a:graphic>
+      </p:graphicFrame>
     </p:spTree>
     <p:extLst>
       <p:ext uri="{BB962C8B-B14F-4D97-AF65-F5344CB8AC3E}">
@@ -16774,15 +16193,6 @@
 </file>
 
 <file path=customXml/item1.xml><?xml version="1.0" encoding="utf-8"?>
-<?mso-contentType ?>
-<FormTemplates xmlns="http://schemas.microsoft.com/sharepoint/v3/contenttype/forms">
-  <Display>DocumentLibraryForm</Display>
-  <Edit>DocumentLibraryForm</Edit>
-  <New>DocumentLibraryForm</New>
-</FormTemplates>
-</file>
-
-<file path=customXml/item2.xml><?xml version="1.0" encoding="utf-8"?>
 <ct:contentTypeSchema xmlns:ct="http://schemas.microsoft.com/office/2006/metadata/contentType" xmlns:ma="http://schemas.microsoft.com/office/2006/metadata/properties/metaAttributes" ct:_="" ma:_="" ma:contentTypeName="Document" ma:contentTypeID="0x0101008799F1A435591F42BCDE2557FA51CDDA" ma:contentTypeVersion="15" ma:contentTypeDescription="Create a new document." ma:contentTypeScope="" ma:versionID="baa9c65a0a545f65583643df3cf8d9f4">
   <xsd:schema xmlns:xsd="http://www.w3.org/2001/XMLSchema" xmlns:xs="http://www.w3.org/2001/XMLSchema" xmlns:p="http://schemas.microsoft.com/office/2006/metadata/properties" xmlns:ns2="f957fcc5-14ca-4ecf-9842-9f00d595875c" xmlns:ns3="e08cfc56-8307-41e5-898e-b333c51beffa" targetNamespace="http://schemas.microsoft.com/office/2006/metadata/properties" ma:root="true" ma:fieldsID="015d39312a6521742bc57e13b2dae392" ns2:_="" ns3:_="">
     <xsd:import namespace="f957fcc5-14ca-4ecf-9842-9f00d595875c"/>
@@ -17019,6 +16429,15 @@
 </ct:contentTypeSchema>
 </file>
 
+<file path=customXml/item2.xml><?xml version="1.0" encoding="utf-8"?>
+<?mso-contentType ?>
+<FormTemplates xmlns="http://schemas.microsoft.com/sharepoint/v3/contenttype/forms">
+  <Display>DocumentLibraryForm</Display>
+  <Edit>DocumentLibraryForm</Edit>
+  <New>DocumentLibraryForm</New>
+</FormTemplates>
+</file>
+
 <file path=customXml/item3.xml><?xml version="1.0" encoding="utf-8"?>
 <p:properties xmlns:p="http://schemas.microsoft.com/office/2006/metadata/properties" xmlns:xsi="http://www.w3.org/2001/XMLSchema-instance" xmlns:pc="http://schemas.microsoft.com/office/infopath/2007/PartnerControls">
   <documentManagement>
@@ -17031,14 +16450,6 @@
 </file>
 
 <file path=customXml/itemProps1.xml><?xml version="1.0" encoding="utf-8"?>
-<ds:datastoreItem xmlns:ds="http://schemas.openxmlformats.org/officeDocument/2006/customXml" ds:itemID="{AC48F4C2-72FB-464C-8474-E470A160399A}">
-  <ds:schemaRefs>
-    <ds:schemaRef ds:uri="http://schemas.microsoft.com/sharepoint/v3/contenttype/forms"/>
-  </ds:schemaRefs>
-</ds:datastoreItem>
-</file>
-
-<file path=customXml/itemProps2.xml><?xml version="1.0" encoding="utf-8"?>
 <ds:datastoreItem xmlns:ds="http://schemas.openxmlformats.org/officeDocument/2006/customXml" ds:itemID="{96F35E4A-19A6-42ED-B9B2-B9FDCAD1EAA1}">
   <ds:schemaRefs>
     <ds:schemaRef ds:uri="e08cfc56-8307-41e5-898e-b333c51beffa"/>
@@ -17053,6 +16464,14 @@
     <ds:schemaRef ds:uri="http://schemas.microsoft.com/office/infopath/2007/PartnerControls"/>
     <ds:schemaRef ds:uri="http://schemas.openxmlformats.org/package/2006/metadata/core-properties"/>
     <ds:schemaRef ds:uri="http://www.w3.org/2001/XMLSchema"/>
+  </ds:schemaRefs>
+</ds:datastoreItem>
+</file>
+
+<file path=customXml/itemProps2.xml><?xml version="1.0" encoding="utf-8"?>
+<ds:datastoreItem xmlns:ds="http://schemas.openxmlformats.org/officeDocument/2006/customXml" ds:itemID="{AC48F4C2-72FB-464C-8474-E470A160399A}">
+  <ds:schemaRefs>
+    <ds:schemaRef ds:uri="http://schemas.microsoft.com/sharepoint/v3/contenttype/forms"/>
   </ds:schemaRefs>
 </ds:datastoreItem>
 </file>

--- a/Probeklausur.pptx
+++ b/Probeklausur.pptx
@@ -5,10 +5,10 @@
     <p:sldMasterId id="2147483649" r:id="rId4"/>
   </p:sldMasterIdLst>
   <p:notesMasterIdLst>
-    <p:notesMasterId r:id="rId27"/>
+    <p:notesMasterId r:id="rId28"/>
   </p:notesMasterIdLst>
   <p:handoutMasterIdLst>
-    <p:handoutMasterId r:id="rId28"/>
+    <p:handoutMasterId r:id="rId29"/>
   </p:handoutMasterIdLst>
   <p:sldIdLst>
     <p:sldId id="1041" r:id="rId5"/>
@@ -24,15 +24,16 @@
     <p:sldId id="1063" r:id="rId15"/>
     <p:sldId id="1064" r:id="rId16"/>
     <p:sldId id="1066" r:id="rId17"/>
-    <p:sldId id="1054" r:id="rId18"/>
-    <p:sldId id="1055" r:id="rId19"/>
-    <p:sldId id="1056" r:id="rId20"/>
-    <p:sldId id="1057" r:id="rId21"/>
-    <p:sldId id="1058" r:id="rId22"/>
-    <p:sldId id="1059" r:id="rId23"/>
-    <p:sldId id="1060" r:id="rId24"/>
-    <p:sldId id="1061" r:id="rId25"/>
-    <p:sldId id="1062" r:id="rId26"/>
+    <p:sldId id="1067" r:id="rId18"/>
+    <p:sldId id="1054" r:id="rId19"/>
+    <p:sldId id="1055" r:id="rId20"/>
+    <p:sldId id="1056" r:id="rId21"/>
+    <p:sldId id="1057" r:id="rId22"/>
+    <p:sldId id="1058" r:id="rId23"/>
+    <p:sldId id="1059" r:id="rId24"/>
+    <p:sldId id="1060" r:id="rId25"/>
+    <p:sldId id="1061" r:id="rId26"/>
+    <p:sldId id="1062" r:id="rId27"/>
   </p:sldIdLst>
   <p:sldSz cx="12192000" cy="6858000"/>
   <p:notesSz cx="6858000" cy="9144000"/>
@@ -179,6 +180,7 @@
             <p14:sldId id="1063"/>
             <p14:sldId id="1064"/>
             <p14:sldId id="1066"/>
+            <p14:sldId id="1067"/>
             <p14:sldId id="1054"/>
             <p14:sldId id="1055"/>
             <p14:sldId id="1056"/>
@@ -233,8 +235,9 @@
 <file path=ppt/revisionInfo.xml><?xml version="1.0" encoding="utf-8"?>
 <p1510:revInfo xmlns:a="http://schemas.openxmlformats.org/drawingml/2006/main" xmlns:r="http://schemas.openxmlformats.org/officeDocument/2006/relationships" xmlns:p1510="http://schemas.microsoft.com/office/powerpoint/2015/10/main">
   <p1510:revLst>
+    <p1510:client id="{05E68480-3B10-9DDC-13A3-804E098ECB4E}" v="12" dt="2026-02-09T11:11:15.195"/>
     <p1510:client id="{CDEA013C-0C4C-7CC9-3073-C215768A4D35}" v="422" dt="2026-02-08T21:59:01.042"/>
-    <p1510:client id="{CF275D93-1AF9-5CD7-90BA-CB7126BBAC7F}" v="1256" dt="2026-02-09T10:54:02.381"/>
+    <p1510:client id="{CF275D93-1AF9-5CD7-90BA-CB7126BBAC7F}" v="1388" dt="2026-02-09T11:07:37.102"/>
     <p1510:client id="{D9D7A87D-DE7C-D9BF-B02E-6FFACE30470C}" v="1" dt="2026-02-08T22:04:55.165"/>
   </p1510:revLst>
 </p1510:revInfo>
@@ -5223,8 +5226,8 @@
           </a:p>
         </p:txBody>
       </p:sp>
-      <mc:AlternateContent xmlns:mc="http://schemas.openxmlformats.org/markup-compatibility/2006">
-        <mc:Choice xmlns:a14="http://schemas.microsoft.com/office/drawing/2010/main" Requires="a14">
+      <mc:AlternateContent xmlns:mc="http://schemas.openxmlformats.org/markup-compatibility/2006" xmlns:a14="http://schemas.microsoft.com/office/drawing/2010/main">
+        <mc:Choice Requires="a14">
           <p:graphicFrame>
             <p:nvGraphicFramePr>
               <p:cNvPr id="4" name="Inhaltsplatzhalter 3">
@@ -6387,7 +6390,7 @@
             </a:graphic>
           </p:graphicFrame>
         </mc:Choice>
-        <mc:Fallback>
+        <mc:Fallback xmlns="">
           <p:graphicFrame>
             <p:nvGraphicFramePr>
               <p:cNvPr id="4" name="Inhaltsplatzhalter 3">
@@ -7902,6 +7905,1568 @@
         <p:cNvPr id="1" name="">
           <a:extLst>
             <a:ext uri="{FF2B5EF4-FFF2-40B4-BE49-F238E27FC236}">
+              <a16:creationId xmlns:a16="http://schemas.microsoft.com/office/drawing/2014/main" id="{3DF02237-37F9-D029-1E56-77FCACBDB836}"/>
+            </a:ext>
+          </a:extLst>
+        </p:cNvPr>
+        <p:cNvGrpSpPr/>
+        <p:nvPr/>
+      </p:nvGrpSpPr>
+      <p:grpSpPr>
+        <a:xfrm>
+          <a:off x="0" y="0"/>
+          <a:ext cx="0" cy="0"/>
+          <a:chOff x="0" y="0"/>
+          <a:chExt cx="0" cy="0"/>
+        </a:xfrm>
+      </p:grpSpPr>
+      <p:sp>
+        <p:nvSpPr>
+          <p:cNvPr id="2" name="Titel 1">
+            <a:extLst>
+              <a:ext uri="{FF2B5EF4-FFF2-40B4-BE49-F238E27FC236}">
+                <a16:creationId xmlns:a16="http://schemas.microsoft.com/office/drawing/2014/main" id="{F1EF4144-83FE-D457-97E1-B61475EA746E}"/>
+              </a:ext>
+            </a:extLst>
+          </p:cNvPr>
+          <p:cNvSpPr>
+            <a:spLocks noGrp="1"/>
+          </p:cNvSpPr>
+          <p:nvPr>
+            <p:ph type="title"/>
+          </p:nvPr>
+        </p:nvSpPr>
+        <p:spPr/>
+        <p:txBody>
+          <a:bodyPr/>
+          <a:lstStyle/>
+          <a:p>
+            <a:r>
+              <a:rPr lang="de-DE" dirty="0"/>
+              <a:t>Aufgabe 3.4</a:t>
+            </a:r>
+          </a:p>
+        </p:txBody>
+      </p:sp>
+      <mc:AlternateContent xmlns:mc="http://schemas.openxmlformats.org/markup-compatibility/2006" xmlns:a14="http://schemas.microsoft.com/office/drawing/2010/main">
+        <mc:Choice Requires="a14">
+          <p:graphicFrame>
+            <p:nvGraphicFramePr>
+              <p:cNvPr id="4" name="Inhaltsplatzhalter 3">
+                <a:extLst>
+                  <a:ext uri="{FF2B5EF4-FFF2-40B4-BE49-F238E27FC236}">
+                    <a16:creationId xmlns:a16="http://schemas.microsoft.com/office/drawing/2014/main" id="{683614B1-9CA5-3DA4-A0EE-F1D71BA5A558}"/>
+                  </a:ext>
+                </a:extLst>
+              </p:cNvPr>
+              <p:cNvGraphicFramePr>
+                <a:graphicFrameLocks noGrp="1"/>
+              </p:cNvGraphicFramePr>
+              <p:nvPr>
+                <p:ph idx="1"/>
+                <p:extLst>
+                  <p:ext uri="{D42A27DB-BD31-4B8C-83A1-F6EECF244321}">
+                    <p14:modId xmlns:p14="http://schemas.microsoft.com/office/powerpoint/2010/main" val="1254737655"/>
+                  </p:ext>
+                </p:extLst>
+              </p:nvPr>
+            </p:nvGraphicFramePr>
+            <p:xfrm>
+              <a:off x="1137574" y="1773238"/>
+              <a:ext cx="4104940" cy="1854200"/>
+            </p:xfrm>
+            <a:graphic>
+              <a:graphicData uri="http://schemas.openxmlformats.org/drawingml/2006/table">
+                <a:tbl>
+                  <a:tblPr firstRow="1" bandRow="1">
+                    <a:tableStyleId>{00A15C55-8517-42AA-B614-E9B94910E393}</a:tableStyleId>
+                  </a:tblPr>
+                  <a:tblGrid>
+                    <a:gridCol w="1026235">
+                      <a:extLst>
+                        <a:ext uri="{9D8B030D-6E8A-4147-A177-3AD203B41FA5}">
+                          <a16:colId xmlns:a16="http://schemas.microsoft.com/office/drawing/2014/main" val="1652158833"/>
+                        </a:ext>
+                      </a:extLst>
+                    </a:gridCol>
+                    <a:gridCol w="1026235">
+                      <a:extLst>
+                        <a:ext uri="{9D8B030D-6E8A-4147-A177-3AD203B41FA5}">
+                          <a16:colId xmlns:a16="http://schemas.microsoft.com/office/drawing/2014/main" val="2926449063"/>
+                        </a:ext>
+                      </a:extLst>
+                    </a:gridCol>
+                    <a:gridCol w="1026235">
+                      <a:extLst>
+                        <a:ext uri="{9D8B030D-6E8A-4147-A177-3AD203B41FA5}">
+                          <a16:colId xmlns:a16="http://schemas.microsoft.com/office/drawing/2014/main" val="787207862"/>
+                        </a:ext>
+                      </a:extLst>
+                    </a:gridCol>
+                    <a:gridCol w="1026235">
+                      <a:extLst>
+                        <a:ext uri="{9D8B030D-6E8A-4147-A177-3AD203B41FA5}">
+                          <a16:colId xmlns:a16="http://schemas.microsoft.com/office/drawing/2014/main" val="3809945160"/>
+                        </a:ext>
+                      </a:extLst>
+                    </a:gridCol>
+                  </a:tblGrid>
+                  <a:tr h="370840">
+                    <a:tc>
+                      <a:txBody>
+                        <a:bodyPr/>
+                        <a:lstStyle/>
+                        <a:p>
+                          <a:pPr algn="ctr"/>
+                          <a:r>
+                            <a:rPr lang="de-DE" dirty="0"/>
+                            <a:t>R'</a:t>
+                          </a:r>
+                        </a:p>
+                      </a:txBody>
+                      <a:tcPr/>
+                    </a:tc>
+                    <a:tc>
+                      <a:txBody>
+                        <a:bodyPr/>
+                        <a:lstStyle/>
+                        <a:p>
+                          <a:pPr lvl="0" algn="ctr">
+                            <a:buNone/>
+                          </a:pPr>
+                          <a:r>
+                            <a:rPr lang="de-DE" dirty="0"/>
+                            <a:t>S'</a:t>
+                          </a:r>
+                        </a:p>
+                      </a:txBody>
+                      <a:tcPr/>
+                    </a:tc>
+                    <a:tc>
+                      <a:txBody>
+                        <a:bodyPr/>
+                        <a:lstStyle/>
+                        <a:p>
+                          <a:pPr lvl="0" algn="ctr">
+                            <a:buNone/>
+                          </a:pPr>
+                          <a:r>
+                            <a:rPr lang="de-DE" dirty="0"/>
+                            <a:t>R</a:t>
+                          </a:r>
+                        </a:p>
+                      </a:txBody>
+                      <a:tcPr/>
+                    </a:tc>
+                    <a:tc>
+                      <a:txBody>
+                        <a:bodyPr/>
+                        <a:lstStyle/>
+                        <a:p>
+                          <a:pPr lvl="0" algn="ctr">
+                            <a:buNone/>
+                          </a:pPr>
+                          <a:r>
+                            <a:rPr lang="de-DE" dirty="0"/>
+                            <a:t>S</a:t>
+                          </a:r>
+                        </a:p>
+                      </a:txBody>
+                      <a:tcPr/>
+                    </a:tc>
+                    <a:extLst>
+                      <a:ext uri="{0D108BD9-81ED-4DB2-BD59-A6C34878D82A}">
+                        <a16:rowId xmlns:a16="http://schemas.microsoft.com/office/drawing/2014/main" val="1625499165"/>
+                      </a:ext>
+                    </a:extLst>
+                  </a:tr>
+                  <a:tr h="370840">
+                    <a:tc>
+                      <a:txBody>
+                        <a:bodyPr/>
+                        <a:lstStyle/>
+                        <a:p>
+                          <a:pPr lvl="0" algn="ctr">
+                            <a:buNone/>
+                          </a:pPr>
+                          <a:r>
+                            <a:rPr lang="de-DE" dirty="0"/>
+                            <a:t>0</a:t>
+                          </a:r>
+                          <a14:m>
+                            <m:oMath xmlns:m="http://schemas.openxmlformats.org/officeDocument/2006/math">
+                              <m:sSub>
+                                <m:sSubPr>
+                                  <m:ctrlPr>
+                                    <a:rPr lang="de-DE" i="1" dirty="0" smtClean="0">
+                                      <a:latin typeface="Cambria Math" panose="02040503050406030204" pitchFamily="18" charset="0"/>
+                                    </a:rPr>
+                                  </m:ctrlPr>
+                                </m:sSubPr>
+                                <m:e>
+                                  <m:r>
+                                    <a:rPr lang="de-DE" b="0" i="1" smtClean="0">
+                                      <a:latin typeface="Cambria Math" panose="02040503050406030204" pitchFamily="18" charset="0"/>
+                                    </a:rPr>
+                                    <m:t>88</m:t>
+                                  </m:r>
+                                </m:e>
+                                <m:sub>
+                                  <m:r>
+                                    <a:rPr lang="de-DE" b="0" i="1" smtClean="0">
+                                      <a:latin typeface="Cambria Math" panose="02040503050406030204" pitchFamily="18" charset="0"/>
+                                    </a:rPr>
+                                    <m:t>10</m:t>
+                                  </m:r>
+                                </m:sub>
+                              </m:sSub>
+                            </m:oMath>
+                          </a14:m>
+                          <a:endParaRPr lang="de-DE" dirty="0"/>
+                        </a:p>
+                      </a:txBody>
+                      <a:tcPr/>
+                    </a:tc>
+                    <a:tc>
+                      <a:txBody>
+                        <a:bodyPr/>
+                        <a:lstStyle/>
+                        <a:p>
+                          <a:pPr lvl="0" algn="ctr">
+                            <a:buNone/>
+                          </a:pPr>
+                          <a:r>
+                            <a:rPr lang="de-DE" dirty="0"/>
+                            <a:t>0</a:t>
+                          </a:r>
+                        </a:p>
+                      </a:txBody>
+                      <a:tcPr/>
+                    </a:tc>
+                    <a:tc>
+                      <a:txBody>
+                        <a:bodyPr/>
+                        <a:lstStyle/>
+                        <a:p>
+                          <a:pPr lvl="0" algn="ctr">
+                            <a:buNone/>
+                          </a:pPr>
+                          <a:r>
+                            <a:rPr lang="de-DE" dirty="0"/>
+                            <a:t>0</a:t>
+                          </a:r>
+                        </a:p>
+                      </a:txBody>
+                      <a:tcPr/>
+                    </a:tc>
+                    <a:tc>
+                      <a:txBody>
+                        <a:bodyPr/>
+                        <a:lstStyle/>
+                        <a:p>
+                          <a:pPr lvl="0" algn="ctr">
+                            <a:buNone/>
+                          </a:pPr>
+                          <a:r>
+                            <a:rPr lang="de-DE" dirty="0"/>
+                            <a:t>0</a:t>
+                          </a:r>
+                        </a:p>
+                      </a:txBody>
+                      <a:tcPr/>
+                    </a:tc>
+                    <a:extLst>
+                      <a:ext uri="{0D108BD9-81ED-4DB2-BD59-A6C34878D82A}">
+                        <a16:rowId xmlns:a16="http://schemas.microsoft.com/office/drawing/2014/main" val="476797659"/>
+                      </a:ext>
+                    </a:extLst>
+                  </a:tr>
+                  <a:tr h="370840">
+                    <a:tc>
+                      <a:txBody>
+                        <a:bodyPr/>
+                        <a:lstStyle/>
+                        <a:p>
+                          <a:pPr algn="ctr"/>
+                          <a:r>
+                            <a:rPr lang="de-DE" dirty="0"/>
+                            <a:t>0</a:t>
+                          </a:r>
+                          <a14:m>
+                            <m:oMath xmlns:m="http://schemas.openxmlformats.org/officeDocument/2006/math">
+                              <m:sSub>
+                                <m:sSubPr>
+                                  <m:ctrlPr>
+                                    <a:rPr lang="de-DE" i="1" dirty="0" smtClean="0">
+                                      <a:latin typeface="Cambria Math" panose="02040503050406030204" pitchFamily="18" charset="0"/>
+                                    </a:rPr>
+                                  </m:ctrlPr>
+                                </m:sSubPr>
+                                <m:e>
+                                  <m:r>
+                                    <a:rPr lang="de-DE" b="0" i="1" smtClean="0">
+                                      <a:latin typeface="Cambria Math" panose="02040503050406030204" pitchFamily="18" charset="0"/>
+                                    </a:rPr>
+                                    <m:t>76</m:t>
+                                  </m:r>
+                                </m:e>
+                                <m:sub>
+                                  <m:r>
+                                    <a:rPr lang="de-DE" b="0" i="1" smtClean="0">
+                                      <a:latin typeface="Cambria Math" panose="02040503050406030204" pitchFamily="18" charset="0"/>
+                                    </a:rPr>
+                                    <m:t>10</m:t>
+                                  </m:r>
+                                </m:sub>
+                              </m:sSub>
+                            </m:oMath>
+                          </a14:m>
+                          <a:endParaRPr lang="de-DE" dirty="0"/>
+                        </a:p>
+                      </a:txBody>
+                      <a:tcPr/>
+                    </a:tc>
+                    <a:tc>
+                      <a:txBody>
+                        <a:bodyPr/>
+                        <a:lstStyle/>
+                        <a:p>
+                          <a:pPr lvl="0" algn="ctr">
+                            <a:buNone/>
+                          </a:pPr>
+                          <a:r>
+                            <a:rPr lang="de-DE" dirty="0"/>
+                            <a:t>1</a:t>
+                          </a:r>
+                        </a:p>
+                      </a:txBody>
+                      <a:tcPr/>
+                    </a:tc>
+                    <a:tc>
+                      <a:txBody>
+                        <a:bodyPr/>
+                        <a:lstStyle/>
+                        <a:p>
+                          <a:pPr lvl="0" algn="ctr">
+                            <a:buNone/>
+                          </a:pPr>
+                          <a:r>
+                            <a:rPr lang="de-DE" dirty="0"/>
+                            <a:t>0</a:t>
+                          </a:r>
+                        </a:p>
+                      </a:txBody>
+                      <a:tcPr/>
+                    </a:tc>
+                    <a:tc>
+                      <a:txBody>
+                        <a:bodyPr/>
+                        <a:lstStyle/>
+                        <a:p>
+                          <a:pPr lvl="0" algn="ctr">
+                            <a:buNone/>
+                          </a:pPr>
+                          <a:r>
+                            <a:rPr lang="de-DE" dirty="0"/>
+                            <a:t>1</a:t>
+                          </a:r>
+                        </a:p>
+                      </a:txBody>
+                      <a:tcPr/>
+                    </a:tc>
+                    <a:extLst>
+                      <a:ext uri="{0D108BD9-81ED-4DB2-BD59-A6C34878D82A}">
+                        <a16:rowId xmlns:a16="http://schemas.microsoft.com/office/drawing/2014/main" val="1703270876"/>
+                      </a:ext>
+                    </a:extLst>
+                  </a:tr>
+                  <a:tr h="370840">
+                    <a:tc>
+                      <a:txBody>
+                        <a:bodyPr/>
+                        <a:lstStyle/>
+                        <a:p>
+                          <a:pPr algn="ctr"/>
+                          <a:r>
+                            <a:rPr lang="de-DE" dirty="0"/>
+                            <a:t>1</a:t>
+                          </a:r>
+                          <a14:m>
+                            <m:oMath xmlns:m="http://schemas.openxmlformats.org/officeDocument/2006/math">
+                              <m:sSub>
+                                <m:sSubPr>
+                                  <m:ctrlPr>
+                                    <a:rPr lang="de-DE" i="1" dirty="0" smtClean="0">
+                                      <a:latin typeface="Cambria Math" panose="02040503050406030204" pitchFamily="18" charset="0"/>
+                                    </a:rPr>
+                                  </m:ctrlPr>
+                                </m:sSubPr>
+                                <m:e>
+                                  <m:r>
+                                    <a:rPr lang="de-DE" b="0" i="1" smtClean="0">
+                                      <a:latin typeface="Cambria Math" panose="02040503050406030204" pitchFamily="18" charset="0"/>
+                                    </a:rPr>
+                                    <m:t>𝐴𝐶</m:t>
+                                  </m:r>
+                                  <m:r>
+                                    <a:rPr lang="de-DE" b="0" i="1" smtClean="0">
+                                      <a:latin typeface="Cambria Math" panose="02040503050406030204" pitchFamily="18" charset="0"/>
+                                    </a:rPr>
+                                    <m:t>4</m:t>
+                                  </m:r>
+                                </m:e>
+                                <m:sub>
+                                  <m:r>
+                                    <a:rPr lang="de-DE" b="0" i="1" smtClean="0">
+                                      <a:latin typeface="Cambria Math" panose="02040503050406030204" pitchFamily="18" charset="0"/>
+                                    </a:rPr>
+                                    <m:t>16</m:t>
+                                  </m:r>
+                                </m:sub>
+                              </m:sSub>
+                            </m:oMath>
+                          </a14:m>
+                          <a:endParaRPr lang="de-DE" dirty="0"/>
+                        </a:p>
+                      </a:txBody>
+                      <a:tcPr/>
+                    </a:tc>
+                    <a:tc>
+                      <a:txBody>
+                        <a:bodyPr/>
+                        <a:lstStyle/>
+                        <a:p>
+                          <a:pPr lvl="0" algn="ctr">
+                            <a:buNone/>
+                          </a:pPr>
+                          <a:r>
+                            <a:rPr lang="de-DE" dirty="0"/>
+                            <a:t>0</a:t>
+                          </a:r>
+                        </a:p>
+                      </a:txBody>
+                      <a:tcPr/>
+                    </a:tc>
+                    <a:tc>
+                      <a:txBody>
+                        <a:bodyPr/>
+                        <a:lstStyle/>
+                        <a:p>
+                          <a:pPr lvl="0" algn="ctr">
+                            <a:buNone/>
+                          </a:pPr>
+                          <a:r>
+                            <a:rPr lang="de-DE" dirty="0"/>
+                            <a:t>1</a:t>
+                          </a:r>
+                        </a:p>
+                      </a:txBody>
+                      <a:tcPr/>
+                    </a:tc>
+                    <a:tc>
+                      <a:txBody>
+                        <a:bodyPr/>
+                        <a:lstStyle/>
+                        <a:p>
+                          <a:pPr lvl="0" algn="ctr">
+                            <a:buNone/>
+                          </a:pPr>
+                          <a:r>
+                            <a:rPr lang="de-DE" dirty="0"/>
+                            <a:t>0</a:t>
+                          </a:r>
+                        </a:p>
+                      </a:txBody>
+                      <a:tcPr/>
+                    </a:tc>
+                    <a:extLst>
+                      <a:ext uri="{0D108BD9-81ED-4DB2-BD59-A6C34878D82A}">
+                        <a16:rowId xmlns:a16="http://schemas.microsoft.com/office/drawing/2014/main" val="2818478599"/>
+                      </a:ext>
+                    </a:extLst>
+                  </a:tr>
+                  <a:tr h="370840">
+                    <a:tc>
+                      <a:txBody>
+                        <a:bodyPr/>
+                        <a:lstStyle/>
+                        <a:p>
+                          <a:pPr algn="ctr"/>
+                          <a:r>
+                            <a:rPr lang="de-DE" dirty="0"/>
+                            <a:t>1</a:t>
+                          </a:r>
+                          <a14:m>
+                            <m:oMath xmlns:m="http://schemas.openxmlformats.org/officeDocument/2006/math">
+                              <m:sSub>
+                                <m:sSubPr>
+                                  <m:ctrlPr>
+                                    <a:rPr lang="de-DE" i="1" dirty="0" smtClean="0">
+                                      <a:latin typeface="Cambria Math" panose="02040503050406030204" pitchFamily="18" charset="0"/>
+                                    </a:rPr>
+                                  </m:ctrlPr>
+                                </m:sSubPr>
+                                <m:e>
+                                  <m:r>
+                                    <a:rPr lang="de-DE" b="0" i="1" smtClean="0">
+                                      <a:latin typeface="Cambria Math" panose="02040503050406030204" pitchFamily="18" charset="0"/>
+                                    </a:rPr>
+                                    <m:t>66</m:t>
+                                  </m:r>
+                                </m:e>
+                                <m:sub>
+                                  <m:r>
+                                    <a:rPr lang="de-DE" b="0" i="1" smtClean="0">
+                                      <a:latin typeface="Cambria Math" panose="02040503050406030204" pitchFamily="18" charset="0"/>
+                                    </a:rPr>
+                                    <m:t>8</m:t>
+                                  </m:r>
+                                </m:sub>
+                              </m:sSub>
+                            </m:oMath>
+                          </a14:m>
+                          <a:endParaRPr lang="de-DE" dirty="0"/>
+                        </a:p>
+                      </a:txBody>
+                      <a:tcPr/>
+                    </a:tc>
+                    <a:tc>
+                      <a:txBody>
+                        <a:bodyPr/>
+                        <a:lstStyle/>
+                        <a:p>
+                          <a:pPr lvl="0" algn="ctr">
+                            <a:buNone/>
+                          </a:pPr>
+                          <a:r>
+                            <a:rPr lang="de-DE" dirty="0"/>
+                            <a:t>1</a:t>
+                          </a:r>
+                        </a:p>
+                      </a:txBody>
+                      <a:tcPr/>
+                    </a:tc>
+                    <a:tc>
+                      <a:txBody>
+                        <a:bodyPr/>
+                        <a:lstStyle/>
+                        <a:p>
+                          <a:pPr lvl="0" algn="ctr">
+                            <a:buNone/>
+                          </a:pPr>
+                          <a:r>
+                            <a:rPr lang="de-DE" dirty="0"/>
+                            <a:t>0</a:t>
+                          </a:r>
+                        </a:p>
+                      </a:txBody>
+                      <a:tcPr/>
+                    </a:tc>
+                    <a:tc>
+                      <a:txBody>
+                        <a:bodyPr/>
+                        <a:lstStyle/>
+                        <a:p>
+                          <a:pPr lvl="0" algn="ctr">
+                            <a:buNone/>
+                          </a:pPr>
+                          <a:r>
+                            <a:rPr lang="de-DE" dirty="0"/>
+                            <a:t>0</a:t>
+                          </a:r>
+                        </a:p>
+                      </a:txBody>
+                      <a:tcPr/>
+                    </a:tc>
+                    <a:extLst>
+                      <a:ext uri="{0D108BD9-81ED-4DB2-BD59-A6C34878D82A}">
+                        <a16:rowId xmlns:a16="http://schemas.microsoft.com/office/drawing/2014/main" val="216001238"/>
+                      </a:ext>
+                    </a:extLst>
+                  </a:tr>
+                </a:tbl>
+              </a:graphicData>
+            </a:graphic>
+          </p:graphicFrame>
+        </mc:Choice>
+        <mc:Fallback xmlns="">
+          <p:graphicFrame>
+            <p:nvGraphicFramePr>
+              <p:cNvPr id="4" name="Inhaltsplatzhalter 3">
+                <a:extLst>
+                  <a:ext uri="{FF2B5EF4-FFF2-40B4-BE49-F238E27FC236}">
+                    <a16:creationId xmlns:a16="http://schemas.microsoft.com/office/drawing/2014/main" id="{683614B1-9CA5-3DA4-A0EE-F1D71BA5A558}"/>
+                  </a:ext>
+                </a:extLst>
+              </p:cNvPr>
+              <p:cNvGraphicFramePr>
+                <a:graphicFrameLocks noGrp="1"/>
+              </p:cNvGraphicFramePr>
+              <p:nvPr>
+                <p:ph idx="1"/>
+                <p:extLst>
+                  <p:ext uri="{D42A27DB-BD31-4B8C-83A1-F6EECF244321}">
+                    <p14:modId xmlns:p14="http://schemas.microsoft.com/office/powerpoint/2010/main" val="1254737655"/>
+                  </p:ext>
+                </p:extLst>
+              </p:nvPr>
+            </p:nvGraphicFramePr>
+            <p:xfrm>
+              <a:off x="1137574" y="1773238"/>
+              <a:ext cx="4104940" cy="1854200"/>
+            </p:xfrm>
+            <a:graphic>
+              <a:graphicData uri="http://schemas.openxmlformats.org/drawingml/2006/table">
+                <a:tbl>
+                  <a:tblPr firstRow="1" bandRow="1">
+                    <a:tableStyleId>{00A15C55-8517-42AA-B614-E9B94910E393}</a:tableStyleId>
+                  </a:tblPr>
+                  <a:tblGrid>
+                    <a:gridCol w="1026235">
+                      <a:extLst>
+                        <a:ext uri="{9D8B030D-6E8A-4147-A177-3AD203B41FA5}">
+                          <a16:colId xmlns:a16="http://schemas.microsoft.com/office/drawing/2014/main" val="1652158833"/>
+                        </a:ext>
+                      </a:extLst>
+                    </a:gridCol>
+                    <a:gridCol w="1026235">
+                      <a:extLst>
+                        <a:ext uri="{9D8B030D-6E8A-4147-A177-3AD203B41FA5}">
+                          <a16:colId xmlns:a16="http://schemas.microsoft.com/office/drawing/2014/main" val="2926449063"/>
+                        </a:ext>
+                      </a:extLst>
+                    </a:gridCol>
+                    <a:gridCol w="1026235">
+                      <a:extLst>
+                        <a:ext uri="{9D8B030D-6E8A-4147-A177-3AD203B41FA5}">
+                          <a16:colId xmlns:a16="http://schemas.microsoft.com/office/drawing/2014/main" val="787207862"/>
+                        </a:ext>
+                      </a:extLst>
+                    </a:gridCol>
+                    <a:gridCol w="1026235">
+                      <a:extLst>
+                        <a:ext uri="{9D8B030D-6E8A-4147-A177-3AD203B41FA5}">
+                          <a16:colId xmlns:a16="http://schemas.microsoft.com/office/drawing/2014/main" val="3809945160"/>
+                        </a:ext>
+                      </a:extLst>
+                    </a:gridCol>
+                  </a:tblGrid>
+                  <a:tr h="370840">
+                    <a:tc>
+                      <a:txBody>
+                        <a:bodyPr/>
+                        <a:lstStyle/>
+                        <a:p>
+                          <a:pPr algn="ctr"/>
+                          <a:r>
+                            <a:rPr lang="de-DE" dirty="0"/>
+                            <a:t>R'</a:t>
+                          </a:r>
+                        </a:p>
+                      </a:txBody>
+                      <a:tcPr/>
+                    </a:tc>
+                    <a:tc>
+                      <a:txBody>
+                        <a:bodyPr/>
+                        <a:lstStyle/>
+                        <a:p>
+                          <a:pPr lvl="0" algn="ctr">
+                            <a:buNone/>
+                          </a:pPr>
+                          <a:r>
+                            <a:rPr lang="de-DE" dirty="0"/>
+                            <a:t>S'</a:t>
+                          </a:r>
+                        </a:p>
+                      </a:txBody>
+                      <a:tcPr/>
+                    </a:tc>
+                    <a:tc>
+                      <a:txBody>
+                        <a:bodyPr/>
+                        <a:lstStyle/>
+                        <a:p>
+                          <a:pPr lvl="0" algn="ctr">
+                            <a:buNone/>
+                          </a:pPr>
+                          <a:r>
+                            <a:rPr lang="de-DE" dirty="0"/>
+                            <a:t>R</a:t>
+                          </a:r>
+                        </a:p>
+                      </a:txBody>
+                      <a:tcPr/>
+                    </a:tc>
+                    <a:tc>
+                      <a:txBody>
+                        <a:bodyPr/>
+                        <a:lstStyle/>
+                        <a:p>
+                          <a:pPr lvl="0" algn="ctr">
+                            <a:buNone/>
+                          </a:pPr>
+                          <a:r>
+                            <a:rPr lang="de-DE" dirty="0"/>
+                            <a:t>S</a:t>
+                          </a:r>
+                        </a:p>
+                      </a:txBody>
+                      <a:tcPr/>
+                    </a:tc>
+                    <a:extLst>
+                      <a:ext uri="{0D108BD9-81ED-4DB2-BD59-A6C34878D82A}">
+                        <a16:rowId xmlns:a16="http://schemas.microsoft.com/office/drawing/2014/main" val="1625499165"/>
+                      </a:ext>
+                    </a:extLst>
+                  </a:tr>
+                  <a:tr h="370840">
+                    <a:tc>
+                      <a:txBody>
+                        <a:bodyPr/>
+                        <a:lstStyle/>
+                        <a:p>
+                          <a:endParaRPr lang="en-US"/>
+                        </a:p>
+                      </a:txBody>
+                      <a:tcPr>
+                        <a:blipFill>
+                          <a:blip r:embed="rId2"/>
+                          <a:stretch>
+                            <a:fillRect l="-592" t="-108197" r="-301775" b="-324590"/>
+                          </a:stretch>
+                        </a:blipFill>
+                      </a:tcPr>
+                    </a:tc>
+                    <a:tc>
+                      <a:txBody>
+                        <a:bodyPr/>
+                        <a:lstStyle/>
+                        <a:p>
+                          <a:pPr lvl="0" algn="ctr">
+                            <a:buNone/>
+                          </a:pPr>
+                          <a:r>
+                            <a:rPr lang="de-DE" dirty="0"/>
+                            <a:t>0</a:t>
+                          </a:r>
+                        </a:p>
+                      </a:txBody>
+                      <a:tcPr/>
+                    </a:tc>
+                    <a:tc>
+                      <a:txBody>
+                        <a:bodyPr/>
+                        <a:lstStyle/>
+                        <a:p>
+                          <a:pPr lvl="0" algn="ctr">
+                            <a:buNone/>
+                          </a:pPr>
+                          <a:r>
+                            <a:rPr lang="de-DE" dirty="0"/>
+                            <a:t>0</a:t>
+                          </a:r>
+                        </a:p>
+                      </a:txBody>
+                      <a:tcPr/>
+                    </a:tc>
+                    <a:tc>
+                      <a:txBody>
+                        <a:bodyPr/>
+                        <a:lstStyle/>
+                        <a:p>
+                          <a:pPr lvl="0" algn="ctr">
+                            <a:buNone/>
+                          </a:pPr>
+                          <a:r>
+                            <a:rPr lang="de-DE" dirty="0"/>
+                            <a:t>0</a:t>
+                          </a:r>
+                        </a:p>
+                      </a:txBody>
+                      <a:tcPr/>
+                    </a:tc>
+                    <a:extLst>
+                      <a:ext uri="{0D108BD9-81ED-4DB2-BD59-A6C34878D82A}">
+                        <a16:rowId xmlns:a16="http://schemas.microsoft.com/office/drawing/2014/main" val="476797659"/>
+                      </a:ext>
+                    </a:extLst>
+                  </a:tr>
+                  <a:tr h="370840">
+                    <a:tc>
+                      <a:txBody>
+                        <a:bodyPr/>
+                        <a:lstStyle/>
+                        <a:p>
+                          <a:endParaRPr lang="en-US"/>
+                        </a:p>
+                      </a:txBody>
+                      <a:tcPr>
+                        <a:blipFill>
+                          <a:blip r:embed="rId2"/>
+                          <a:stretch>
+                            <a:fillRect l="-592" t="-204839" r="-301775" b="-219355"/>
+                          </a:stretch>
+                        </a:blipFill>
+                      </a:tcPr>
+                    </a:tc>
+                    <a:tc>
+                      <a:txBody>
+                        <a:bodyPr/>
+                        <a:lstStyle/>
+                        <a:p>
+                          <a:pPr lvl="0" algn="ctr">
+                            <a:buNone/>
+                          </a:pPr>
+                          <a:r>
+                            <a:rPr lang="de-DE" dirty="0"/>
+                            <a:t>1</a:t>
+                          </a:r>
+                        </a:p>
+                      </a:txBody>
+                      <a:tcPr/>
+                    </a:tc>
+                    <a:tc>
+                      <a:txBody>
+                        <a:bodyPr/>
+                        <a:lstStyle/>
+                        <a:p>
+                          <a:pPr lvl="0" algn="ctr">
+                            <a:buNone/>
+                          </a:pPr>
+                          <a:r>
+                            <a:rPr lang="de-DE" dirty="0"/>
+                            <a:t>0</a:t>
+                          </a:r>
+                        </a:p>
+                      </a:txBody>
+                      <a:tcPr/>
+                    </a:tc>
+                    <a:tc>
+                      <a:txBody>
+                        <a:bodyPr/>
+                        <a:lstStyle/>
+                        <a:p>
+                          <a:pPr lvl="0" algn="ctr">
+                            <a:buNone/>
+                          </a:pPr>
+                          <a:r>
+                            <a:rPr lang="de-DE" dirty="0"/>
+                            <a:t>1</a:t>
+                          </a:r>
+                        </a:p>
+                      </a:txBody>
+                      <a:tcPr/>
+                    </a:tc>
+                    <a:extLst>
+                      <a:ext uri="{0D108BD9-81ED-4DB2-BD59-A6C34878D82A}">
+                        <a16:rowId xmlns:a16="http://schemas.microsoft.com/office/drawing/2014/main" val="1703270876"/>
+                      </a:ext>
+                    </a:extLst>
+                  </a:tr>
+                  <a:tr h="370840">
+                    <a:tc>
+                      <a:txBody>
+                        <a:bodyPr/>
+                        <a:lstStyle/>
+                        <a:p>
+                          <a:endParaRPr lang="en-US"/>
+                        </a:p>
+                      </a:txBody>
+                      <a:tcPr>
+                        <a:blipFill>
+                          <a:blip r:embed="rId2"/>
+                          <a:stretch>
+                            <a:fillRect l="-592" t="-309836" r="-301775" b="-122951"/>
+                          </a:stretch>
+                        </a:blipFill>
+                      </a:tcPr>
+                    </a:tc>
+                    <a:tc>
+                      <a:txBody>
+                        <a:bodyPr/>
+                        <a:lstStyle/>
+                        <a:p>
+                          <a:pPr lvl="0" algn="ctr">
+                            <a:buNone/>
+                          </a:pPr>
+                          <a:r>
+                            <a:rPr lang="de-DE" dirty="0"/>
+                            <a:t>0</a:t>
+                          </a:r>
+                        </a:p>
+                      </a:txBody>
+                      <a:tcPr/>
+                    </a:tc>
+                    <a:tc>
+                      <a:txBody>
+                        <a:bodyPr/>
+                        <a:lstStyle/>
+                        <a:p>
+                          <a:pPr lvl="0" algn="ctr">
+                            <a:buNone/>
+                          </a:pPr>
+                          <a:r>
+                            <a:rPr lang="de-DE" dirty="0"/>
+                            <a:t>1</a:t>
+                          </a:r>
+                        </a:p>
+                      </a:txBody>
+                      <a:tcPr/>
+                    </a:tc>
+                    <a:tc>
+                      <a:txBody>
+                        <a:bodyPr/>
+                        <a:lstStyle/>
+                        <a:p>
+                          <a:pPr lvl="0" algn="ctr">
+                            <a:buNone/>
+                          </a:pPr>
+                          <a:r>
+                            <a:rPr lang="de-DE" dirty="0"/>
+                            <a:t>0</a:t>
+                          </a:r>
+                        </a:p>
+                      </a:txBody>
+                      <a:tcPr/>
+                    </a:tc>
+                    <a:extLst>
+                      <a:ext uri="{0D108BD9-81ED-4DB2-BD59-A6C34878D82A}">
+                        <a16:rowId xmlns:a16="http://schemas.microsoft.com/office/drawing/2014/main" val="2818478599"/>
+                      </a:ext>
+                    </a:extLst>
+                  </a:tr>
+                  <a:tr h="370840">
+                    <a:tc>
+                      <a:txBody>
+                        <a:bodyPr/>
+                        <a:lstStyle/>
+                        <a:p>
+                          <a:endParaRPr lang="en-US"/>
+                        </a:p>
+                      </a:txBody>
+                      <a:tcPr>
+                        <a:blipFill>
+                          <a:blip r:embed="rId2"/>
+                          <a:stretch>
+                            <a:fillRect l="-592" t="-409836" r="-301775" b="-22951"/>
+                          </a:stretch>
+                        </a:blipFill>
+                      </a:tcPr>
+                    </a:tc>
+                    <a:tc>
+                      <a:txBody>
+                        <a:bodyPr/>
+                        <a:lstStyle/>
+                        <a:p>
+                          <a:pPr lvl="0" algn="ctr">
+                            <a:buNone/>
+                          </a:pPr>
+                          <a:r>
+                            <a:rPr lang="de-DE" dirty="0"/>
+                            <a:t>1</a:t>
+                          </a:r>
+                        </a:p>
+                      </a:txBody>
+                      <a:tcPr/>
+                    </a:tc>
+                    <a:tc>
+                      <a:txBody>
+                        <a:bodyPr/>
+                        <a:lstStyle/>
+                        <a:p>
+                          <a:pPr lvl="0" algn="ctr">
+                            <a:buNone/>
+                          </a:pPr>
+                          <a:r>
+                            <a:rPr lang="de-DE" dirty="0"/>
+                            <a:t>0</a:t>
+                          </a:r>
+                        </a:p>
+                      </a:txBody>
+                      <a:tcPr/>
+                    </a:tc>
+                    <a:tc>
+                      <a:txBody>
+                        <a:bodyPr/>
+                        <a:lstStyle/>
+                        <a:p>
+                          <a:pPr lvl="0" algn="ctr">
+                            <a:buNone/>
+                          </a:pPr>
+                          <a:r>
+                            <a:rPr lang="de-DE" dirty="0"/>
+                            <a:t>0</a:t>
+                          </a:r>
+                        </a:p>
+                      </a:txBody>
+                      <a:tcPr/>
+                    </a:tc>
+                    <a:extLst>
+                      <a:ext uri="{0D108BD9-81ED-4DB2-BD59-A6C34878D82A}">
+                        <a16:rowId xmlns:a16="http://schemas.microsoft.com/office/drawing/2014/main" val="216001238"/>
+                      </a:ext>
+                    </a:extLst>
+                  </a:tr>
+                </a:tbl>
+              </a:graphicData>
+            </a:graphic>
+          </p:graphicFrame>
+        </mc:Fallback>
+      </mc:AlternateContent>
+      <p:sp>
+        <p:nvSpPr>
+          <p:cNvPr id="6" name="Content Placeholder 4">
+            <a:extLst>
+              <a:ext uri="{FF2B5EF4-FFF2-40B4-BE49-F238E27FC236}">
+                <a16:creationId xmlns:a16="http://schemas.microsoft.com/office/drawing/2014/main" id="{A0C44031-AF89-BF1E-163C-37AC1252D92D}"/>
+              </a:ext>
+            </a:extLst>
+          </p:cNvPr>
+          <p:cNvSpPr txBox="1">
+            <a:spLocks/>
+          </p:cNvSpPr>
+          <p:nvPr/>
+        </p:nvSpPr>
+        <p:spPr bwMode="auto">
+          <a:xfrm>
+            <a:off x="810000" y="1773239"/>
+            <a:ext cx="10580400" cy="4352925"/>
+          </a:xfrm>
+          <a:prstGeom prst="rect">
+            <a:avLst/>
+          </a:prstGeom>
+          <a:noFill/>
+          <a:ln w="9525">
+            <a:noFill/>
+            <a:miter lim="800000"/>
+            <a:headEnd/>
+            <a:tailEnd/>
+          </a:ln>
+          <a:effectLst/>
+        </p:spPr>
+        <p:txBody>
+          <a:bodyPr vert="horz" wrap="square" lIns="0" tIns="0" rIns="0" bIns="0" numCol="1" anchor="t" anchorCtr="0" compatLnSpc="1">
+            <a:prstTxWarp prst="textNoShape">
+              <a:avLst/>
+            </a:prstTxWarp>
+            <a:normAutofit/>
+          </a:bodyPr>
+          <a:lstStyle>
+            <a:lvl1pPr marL="180975" indent="-180975" algn="l" rtl="0" eaLnBrk="1" fontAlgn="base" hangingPunct="1">
+              <a:lnSpc>
+                <a:spcPct val="110000"/>
+              </a:lnSpc>
+              <a:spcBef>
+                <a:spcPct val="0"/>
+              </a:spcBef>
+              <a:spcAft>
+                <a:spcPct val="0"/>
+              </a:spcAft>
+              <a:buClr>
+                <a:schemeClr val="tx1"/>
+              </a:buClr>
+              <a:buChar char="•"/>
+              <a:defRPr sz="2000">
+                <a:solidFill>
+                  <a:schemeClr val="tx1"/>
+                </a:solidFill>
+                <a:latin typeface="+mn-lt"/>
+                <a:ea typeface="+mn-ea"/>
+                <a:cs typeface="+mn-cs"/>
+              </a:defRPr>
+            </a:lvl1pPr>
+            <a:lvl2pPr marL="541338" indent="-180975" algn="l" rtl="0" eaLnBrk="1" fontAlgn="base" hangingPunct="1">
+              <a:lnSpc>
+                <a:spcPct val="110000"/>
+              </a:lnSpc>
+              <a:spcBef>
+                <a:spcPct val="0"/>
+              </a:spcBef>
+              <a:spcAft>
+                <a:spcPct val="0"/>
+              </a:spcAft>
+              <a:buClr>
+                <a:schemeClr val="tx1"/>
+              </a:buClr>
+              <a:buSzPct val="80000"/>
+              <a:buChar char="-"/>
+              <a:defRPr sz="2000">
+                <a:solidFill>
+                  <a:schemeClr val="tx1"/>
+                </a:solidFill>
+                <a:latin typeface="+mn-lt"/>
+              </a:defRPr>
+            </a:lvl2pPr>
+            <a:lvl3pPr marL="895350" indent="-174625" algn="l" rtl="0" eaLnBrk="1" fontAlgn="base" hangingPunct="1">
+              <a:lnSpc>
+                <a:spcPct val="110000"/>
+              </a:lnSpc>
+              <a:spcBef>
+                <a:spcPct val="0"/>
+              </a:spcBef>
+              <a:spcAft>
+                <a:spcPct val="0"/>
+              </a:spcAft>
+              <a:buClr>
+                <a:schemeClr val="tx1"/>
+              </a:buClr>
+              <a:buFont typeface="Wingdings" pitchFamily="2" charset="2"/>
+              <a:buChar char="§"/>
+              <a:defRPr sz="1600">
+                <a:solidFill>
+                  <a:schemeClr val="tx1"/>
+                </a:solidFill>
+                <a:latin typeface="+mn-lt"/>
+              </a:defRPr>
+            </a:lvl3pPr>
+            <a:lvl4pPr marL="1260475" indent="-185738" algn="l" rtl="0" eaLnBrk="1" fontAlgn="base" hangingPunct="1">
+              <a:lnSpc>
+                <a:spcPct val="110000"/>
+              </a:lnSpc>
+              <a:spcBef>
+                <a:spcPct val="0"/>
+              </a:spcBef>
+              <a:spcAft>
+                <a:spcPct val="0"/>
+              </a:spcAft>
+              <a:buClr>
+                <a:schemeClr val="tx1"/>
+              </a:buClr>
+              <a:buChar char="•"/>
+              <a:defRPr sz="1400">
+                <a:solidFill>
+                  <a:schemeClr val="tx1"/>
+                </a:solidFill>
+                <a:latin typeface="+mn-lt"/>
+              </a:defRPr>
+            </a:lvl4pPr>
+            <a:lvl5pPr marL="0" indent="0" algn="l" rtl="0" eaLnBrk="1" fontAlgn="base" hangingPunct="1">
+              <a:lnSpc>
+                <a:spcPct val="110000"/>
+              </a:lnSpc>
+              <a:spcBef>
+                <a:spcPts val="300"/>
+              </a:spcBef>
+              <a:spcAft>
+                <a:spcPts val="300"/>
+              </a:spcAft>
+              <a:buClr>
+                <a:schemeClr val="tx1"/>
+              </a:buClr>
+              <a:buFontTx/>
+              <a:buNone/>
+              <a:tabLst>
+                <a:tab pos="5292000" algn="ctr"/>
+                <a:tab pos="10512000" algn="r"/>
+              </a:tabLst>
+              <a:defRPr sz="2000">
+                <a:solidFill>
+                  <a:schemeClr val="tx1"/>
+                </a:solidFill>
+                <a:latin typeface="+mn-lt"/>
+              </a:defRPr>
+            </a:lvl5pPr>
+            <a:lvl6pPr marL="2079625" indent="-182563" algn="l" rtl="0" eaLnBrk="1" fontAlgn="base" hangingPunct="1">
+              <a:lnSpc>
+                <a:spcPct val="110000"/>
+              </a:lnSpc>
+              <a:spcBef>
+                <a:spcPct val="0"/>
+              </a:spcBef>
+              <a:spcAft>
+                <a:spcPct val="0"/>
+              </a:spcAft>
+              <a:buChar char="-"/>
+              <a:defRPr sz="1200">
+                <a:solidFill>
+                  <a:schemeClr val="tx1"/>
+                </a:solidFill>
+                <a:latin typeface="+mn-lt"/>
+              </a:defRPr>
+            </a:lvl6pPr>
+            <a:lvl7pPr marL="2536825" indent="-182563" algn="l" rtl="0" eaLnBrk="1" fontAlgn="base" hangingPunct="1">
+              <a:lnSpc>
+                <a:spcPct val="110000"/>
+              </a:lnSpc>
+              <a:spcBef>
+                <a:spcPct val="0"/>
+              </a:spcBef>
+              <a:spcAft>
+                <a:spcPct val="0"/>
+              </a:spcAft>
+              <a:buChar char="-"/>
+              <a:defRPr sz="1200">
+                <a:solidFill>
+                  <a:schemeClr val="tx1"/>
+                </a:solidFill>
+                <a:latin typeface="+mn-lt"/>
+              </a:defRPr>
+            </a:lvl7pPr>
+            <a:lvl8pPr marL="2994025" indent="-182563" algn="l" rtl="0" eaLnBrk="1" fontAlgn="base" hangingPunct="1">
+              <a:lnSpc>
+                <a:spcPct val="110000"/>
+              </a:lnSpc>
+              <a:spcBef>
+                <a:spcPct val="0"/>
+              </a:spcBef>
+              <a:spcAft>
+                <a:spcPct val="0"/>
+              </a:spcAft>
+              <a:buChar char="-"/>
+              <a:defRPr sz="1200">
+                <a:solidFill>
+                  <a:schemeClr val="tx1"/>
+                </a:solidFill>
+                <a:latin typeface="+mn-lt"/>
+              </a:defRPr>
+            </a:lvl8pPr>
+            <a:lvl9pPr marL="3451225" indent="-182563" algn="l" rtl="0" eaLnBrk="1" fontAlgn="base" hangingPunct="1">
+              <a:lnSpc>
+                <a:spcPct val="110000"/>
+              </a:lnSpc>
+              <a:spcBef>
+                <a:spcPct val="0"/>
+              </a:spcBef>
+              <a:spcAft>
+                <a:spcPct val="0"/>
+              </a:spcAft>
+              <a:buChar char="-"/>
+              <a:defRPr sz="1200">
+                <a:solidFill>
+                  <a:schemeClr val="tx1"/>
+                </a:solidFill>
+                <a:latin typeface="+mn-lt"/>
+              </a:defRPr>
+            </a:lvl9pPr>
+          </a:lstStyle>
+          <a:p>
+            <a:pPr marL="0" indent="0">
+              <a:buFontTx/>
+              <a:buNone/>
+            </a:pPr>
+            <a:r>
+              <a:rPr lang="en-GB" kern="0" dirty="0">
+                <a:cs typeface="Arial"/>
+              </a:rPr>
+              <a:t>a)</a:t>
+            </a:r>
+          </a:p>
+          <a:p>
+            <a:pPr marL="0" indent="0">
+              <a:buNone/>
+            </a:pPr>
+            <a:endParaRPr lang="en-GB" kern="0" dirty="0">
+              <a:cs typeface="Arial"/>
+            </a:endParaRPr>
+          </a:p>
+          <a:p>
+            <a:pPr marL="0" indent="0">
+              <a:buNone/>
+            </a:pPr>
+            <a:endParaRPr lang="en-GB" kern="0" dirty="0">
+              <a:cs typeface="Arial"/>
+            </a:endParaRPr>
+          </a:p>
+          <a:p>
+            <a:pPr marL="0" indent="0">
+              <a:buNone/>
+            </a:pPr>
+            <a:endParaRPr lang="en-GB" kern="0" dirty="0">
+              <a:cs typeface="Arial"/>
+            </a:endParaRPr>
+          </a:p>
+          <a:p>
+            <a:pPr marL="0" indent="0">
+              <a:buNone/>
+            </a:pPr>
+            <a:endParaRPr lang="en-GB" kern="0" dirty="0">
+              <a:cs typeface="Arial"/>
+            </a:endParaRPr>
+          </a:p>
+          <a:p>
+            <a:pPr marL="0" indent="0">
+              <a:buNone/>
+            </a:pPr>
+            <a:endParaRPr lang="en-GB" kern="0" dirty="0">
+              <a:cs typeface="Arial"/>
+            </a:endParaRPr>
+          </a:p>
+          <a:p>
+            <a:pPr marL="0" indent="0">
+              <a:buNone/>
+            </a:pPr>
+            <a:endParaRPr lang="en-GB" kern="0" dirty="0">
+              <a:cs typeface="Arial"/>
+            </a:endParaRPr>
+          </a:p>
+          <a:p>
+            <a:pPr marL="0" indent="0">
+              <a:buNone/>
+            </a:pPr>
+            <a:r>
+              <a:rPr lang="en-GB" kern="0" dirty="0">
+                <a:cs typeface="Arial"/>
+              </a:rPr>
+              <a:t>b)</a:t>
+            </a:r>
+          </a:p>
+        </p:txBody>
+      </p:sp>
+      <p:pic>
+        <p:nvPicPr>
+          <p:cNvPr id="3" name="Picture 2" descr="A diagram of a block diagram&#10;&#10;AI-generated content may be incorrect.">
+            <a:extLst>
+              <a:ext uri="{FF2B5EF4-FFF2-40B4-BE49-F238E27FC236}">
+                <a16:creationId xmlns:a16="http://schemas.microsoft.com/office/drawing/2014/main" id="{3A7E99C7-6E0A-4683-D2D4-3E7F0C49DACA}"/>
+              </a:ext>
+            </a:extLst>
+          </p:cNvPr>
+          <p:cNvPicPr>
+            <a:picLocks noChangeAspect="1"/>
+          </p:cNvPicPr>
+          <p:nvPr/>
+        </p:nvPicPr>
+        <p:blipFill>
+          <a:blip r:embed="rId3"/>
+          <a:srcRect r="132" b="2865"/>
+          <a:stretch>
+            <a:fillRect/>
+          </a:stretch>
+        </p:blipFill>
+        <p:spPr>
+          <a:xfrm>
+            <a:off x="1204852" y="3859914"/>
+            <a:ext cx="7303399" cy="2404605"/>
+          </a:xfrm>
+          <a:prstGeom prst="rect">
+            <a:avLst/>
+          </a:prstGeom>
+        </p:spPr>
+      </p:pic>
+      <p:cxnSp>
+        <p:nvCxnSpPr>
+          <p:cNvPr id="5" name="Straight Arrow Connector 4">
+            <a:extLst>
+              <a:ext uri="{FF2B5EF4-FFF2-40B4-BE49-F238E27FC236}">
+                <a16:creationId xmlns:a16="http://schemas.microsoft.com/office/drawing/2014/main" id="{56987159-F5B3-C6EE-B62B-B801237B3206}"/>
+              </a:ext>
+            </a:extLst>
+          </p:cNvPr>
+          <p:cNvCxnSpPr/>
+          <p:nvPr/>
+        </p:nvCxnSpPr>
+        <p:spPr>
+          <a:xfrm>
+            <a:off x="2354317" y="5660696"/>
+            <a:ext cx="493987" cy="493987"/>
+          </a:xfrm>
+          <a:prstGeom prst="straightConnector1">
+            <a:avLst/>
+          </a:prstGeom>
+          <a:ln w="28575">
+            <a:solidFill>
+              <a:schemeClr val="tx1"/>
+            </a:solidFill>
+          </a:ln>
+        </p:spPr>
+        <p:style>
+          <a:lnRef idx="1">
+            <a:schemeClr val="accent1"/>
+          </a:lnRef>
+          <a:fillRef idx="0">
+            <a:schemeClr val="accent1"/>
+          </a:fillRef>
+          <a:effectRef idx="0">
+            <a:schemeClr val="accent1"/>
+          </a:effectRef>
+          <a:fontRef idx="minor">
+            <a:schemeClr val="tx1"/>
+          </a:fontRef>
+        </p:style>
+      </p:cxnSp>
+      <p:cxnSp>
+        <p:nvCxnSpPr>
+          <p:cNvPr id="7" name="Straight Arrow Connector 6">
+            <a:extLst>
+              <a:ext uri="{FF2B5EF4-FFF2-40B4-BE49-F238E27FC236}">
+                <a16:creationId xmlns:a16="http://schemas.microsoft.com/office/drawing/2014/main" id="{12967F4F-A90E-57DE-982A-06871D8C7806}"/>
+              </a:ext>
+            </a:extLst>
+          </p:cNvPr>
+          <p:cNvCxnSpPr>
+            <a:cxnSpLocks/>
+          </p:cNvCxnSpPr>
+          <p:nvPr/>
+        </p:nvCxnSpPr>
+        <p:spPr>
+          <a:xfrm>
+            <a:off x="2354316" y="5660695"/>
+            <a:ext cx="493987" cy="493987"/>
+          </a:xfrm>
+          <a:prstGeom prst="straightConnector1">
+            <a:avLst/>
+          </a:prstGeom>
+          <a:ln w="28575">
+            <a:solidFill>
+              <a:schemeClr val="tx1"/>
+            </a:solidFill>
+          </a:ln>
+        </p:spPr>
+        <p:style>
+          <a:lnRef idx="1">
+            <a:schemeClr val="accent1"/>
+          </a:lnRef>
+          <a:fillRef idx="0">
+            <a:schemeClr val="accent1"/>
+          </a:fillRef>
+          <a:effectRef idx="0">
+            <a:schemeClr val="accent1"/>
+          </a:effectRef>
+          <a:fontRef idx="minor">
+            <a:schemeClr val="tx1"/>
+          </a:fontRef>
+        </p:style>
+      </p:cxnSp>
+      <p:cxnSp>
+        <p:nvCxnSpPr>
+          <p:cNvPr id="8" name="Straight Arrow Connector 7">
+            <a:extLst>
+              <a:ext uri="{FF2B5EF4-FFF2-40B4-BE49-F238E27FC236}">
+                <a16:creationId xmlns:a16="http://schemas.microsoft.com/office/drawing/2014/main" id="{B284B683-F2FF-13E8-3F23-7A1E0FDB3A24}"/>
+              </a:ext>
+            </a:extLst>
+          </p:cNvPr>
+          <p:cNvCxnSpPr>
+            <a:cxnSpLocks/>
+          </p:cNvCxnSpPr>
+          <p:nvPr/>
+        </p:nvCxnSpPr>
+        <p:spPr>
+          <a:xfrm>
+            <a:off x="2354315" y="5660694"/>
+            <a:ext cx="493987" cy="493987"/>
+          </a:xfrm>
+          <a:prstGeom prst="straightConnector1">
+            <a:avLst/>
+          </a:prstGeom>
+          <a:ln w="28575">
+            <a:solidFill>
+              <a:schemeClr val="tx1"/>
+            </a:solidFill>
+          </a:ln>
+        </p:spPr>
+        <p:style>
+          <a:lnRef idx="1">
+            <a:schemeClr val="accent1"/>
+          </a:lnRef>
+          <a:fillRef idx="0">
+            <a:schemeClr val="accent1"/>
+          </a:fillRef>
+          <a:effectRef idx="0">
+            <a:schemeClr val="accent1"/>
+          </a:effectRef>
+          <a:fontRef idx="minor">
+            <a:schemeClr val="tx1"/>
+          </a:fontRef>
+        </p:style>
+      </p:cxnSp>
+    </p:spTree>
+    <p:extLst>
+      <p:ext uri="{BB962C8B-B14F-4D97-AF65-F5344CB8AC3E}">
+        <p14:creationId xmlns:p14="http://schemas.microsoft.com/office/powerpoint/2010/main" val="2997677762"/>
+      </p:ext>
+    </p:extLst>
+  </p:cSld>
+  <p:clrMapOvr>
+    <a:masterClrMapping/>
+  </p:clrMapOvr>
+  <p:timing>
+    <p:tnLst>
+      <p:par>
+        <p:cTn id="1" dur="indefinite" restart="never" nodeType="tmRoot">
+          <p:childTnLst>
+            <p:seq concurrent="1" nextAc="seek">
+              <p:cTn id="2" dur="indefinite" nodeType="mainSeq">
+                <p:childTnLst>
+                  <p:par>
+                    <p:cTn id="3" fill="hold">
+                      <p:stCondLst>
+                        <p:cond delay="indefinite"/>
+                      </p:stCondLst>
+                      <p:childTnLst>
+                        <p:par>
+                          <p:cTn id="4" fill="hold">
+                            <p:stCondLst>
+                              <p:cond delay="0"/>
+                            </p:stCondLst>
+                            <p:childTnLst>
+                              <p:par>
+                                <p:cTn id="5" presetID="1" presetClass="entr" presetSubtype="0" fill="hold" nodeType="clickEffect">
+                                  <p:stCondLst>
+                                    <p:cond delay="0"/>
+                                  </p:stCondLst>
+                                  <p:childTnLst>
+                                    <p:set>
+                                      <p:cBhvr>
+                                        <p:cTn id="6" dur="1" fill="hold">
+                                          <p:stCondLst>
+                                            <p:cond delay="0"/>
+                                          </p:stCondLst>
+                                        </p:cTn>
+                                        <p:tgtEl>
+                                          <p:spTgt spid="4"/>
+                                        </p:tgtEl>
+                                        <p:attrNameLst>
+                                          <p:attrName>style.visibility</p:attrName>
+                                        </p:attrNameLst>
+                                      </p:cBhvr>
+                                      <p:to>
+                                        <p:strVal val="visible"/>
+                                      </p:to>
+                                    </p:set>
+                                  </p:childTnLst>
+                                </p:cTn>
+                              </p:par>
+                            </p:childTnLst>
+                          </p:cTn>
+                        </p:par>
+                      </p:childTnLst>
+                    </p:cTn>
+                  </p:par>
+                </p:childTnLst>
+              </p:cTn>
+              <p:prevCondLst>
+                <p:cond evt="onPrev" delay="0">
+                  <p:tgtEl>
+                    <p:sldTgt/>
+                  </p:tgtEl>
+                </p:cond>
+              </p:prevCondLst>
+              <p:nextCondLst>
+                <p:cond evt="onNext" delay="0">
+                  <p:tgtEl>
+                    <p:sldTgt/>
+                  </p:tgtEl>
+                </p:cond>
+              </p:nextCondLst>
+            </p:seq>
+          </p:childTnLst>
+        </p:cTn>
+      </p:par>
+    </p:tnLst>
+  </p:timing>
+</p:sld>
+</file>
+
+<file path=ppt/slides/slide15.xml><?xml version="1.0" encoding="utf-8"?>
+<p:sld xmlns:a="http://schemas.openxmlformats.org/drawingml/2006/main" xmlns:r="http://schemas.openxmlformats.org/officeDocument/2006/relationships" xmlns:p="http://schemas.openxmlformats.org/presentationml/2006/main">
+  <p:cSld>
+    <p:spTree>
+      <p:nvGrpSpPr>
+        <p:cNvPr id="1" name="">
+          <a:extLst>
+            <a:ext uri="{FF2B5EF4-FFF2-40B4-BE49-F238E27FC236}">
               <a16:creationId xmlns:a16="http://schemas.microsoft.com/office/drawing/2014/main" id="{040F9FFB-6560-8F1E-6F4C-64511D3A3568}"/>
             </a:ext>
           </a:extLst>
@@ -8100,7 +9665,7 @@
 </p:sld>
 </file>
 
-<file path=ppt/slides/slide15.xml><?xml version="1.0" encoding="utf-8"?>
+<file path=ppt/slides/slide16.xml><?xml version="1.0" encoding="utf-8"?>
 <p:sld xmlns:a="http://schemas.openxmlformats.org/drawingml/2006/main" xmlns:r="http://schemas.openxmlformats.org/officeDocument/2006/relationships" xmlns:p="http://schemas.openxmlformats.org/presentationml/2006/main">
   <p:cSld>
     <p:spTree>
@@ -8288,7 +9853,7 @@
 </p:sld>
 </file>
 
-<file path=ppt/slides/slide16.xml><?xml version="1.0" encoding="utf-8"?>
+<file path=ppt/slides/slide17.xml><?xml version="1.0" encoding="utf-8"?>
 <p:sld xmlns:a="http://schemas.openxmlformats.org/drawingml/2006/main" xmlns:r="http://schemas.openxmlformats.org/officeDocument/2006/relationships" xmlns:p="http://schemas.openxmlformats.org/presentationml/2006/main">
   <p:cSld>
     <p:spTree>
@@ -8431,7 +9996,7 @@
 </p:sld>
 </file>
 
-<file path=ppt/slides/slide17.xml><?xml version="1.0" encoding="utf-8"?>
+<file path=ppt/slides/slide18.xml><?xml version="1.0" encoding="utf-8"?>
 <p:sld xmlns:a="http://schemas.openxmlformats.org/drawingml/2006/main" xmlns:r="http://schemas.openxmlformats.org/officeDocument/2006/relationships" xmlns:p="http://schemas.openxmlformats.org/presentationml/2006/main">
   <p:cSld>
     <p:spTree>
@@ -8632,7 +10197,7 @@
 </p:sld>
 </file>
 
-<file path=ppt/slides/slide18.xml><?xml version="1.0" encoding="utf-8"?>
+<file path=ppt/slides/slide19.xml><?xml version="1.0" encoding="utf-8"?>
 <p:sld xmlns:a="http://schemas.openxmlformats.org/drawingml/2006/main" xmlns:r="http://schemas.openxmlformats.org/officeDocument/2006/relationships" xmlns:p="http://schemas.openxmlformats.org/presentationml/2006/main">
   <p:cSld>
     <p:spTree>
@@ -8819,220 +10384,6 @@
     <p:extLst>
       <p:ext uri="{BB962C8B-B14F-4D97-AF65-F5344CB8AC3E}">
         <p14:creationId xmlns:p14="http://schemas.microsoft.com/office/powerpoint/2010/main" val="2752720947"/>
-      </p:ext>
-    </p:extLst>
-  </p:cSld>
-  <p:clrMapOvr>
-    <a:masterClrMapping/>
-  </p:clrMapOvr>
-</p:sld>
-</file>
-
-<file path=ppt/slides/slide19.xml><?xml version="1.0" encoding="utf-8"?>
-<p:sld xmlns:a="http://schemas.openxmlformats.org/drawingml/2006/main" xmlns:r="http://schemas.openxmlformats.org/officeDocument/2006/relationships" xmlns:p="http://schemas.openxmlformats.org/presentationml/2006/main">
-  <p:cSld>
-    <p:spTree>
-      <p:nvGrpSpPr>
-        <p:cNvPr id="1" name="">
-          <a:extLst>
-            <a:ext uri="{FF2B5EF4-FFF2-40B4-BE49-F238E27FC236}">
-              <a16:creationId xmlns:a16="http://schemas.microsoft.com/office/drawing/2014/main" id="{DDD47F33-5EC5-B9F7-B0D6-41508B790C12}"/>
-            </a:ext>
-          </a:extLst>
-        </p:cNvPr>
-        <p:cNvGrpSpPr/>
-        <p:nvPr/>
-      </p:nvGrpSpPr>
-      <p:grpSpPr>
-        <a:xfrm>
-          <a:off x="0" y="0"/>
-          <a:ext cx="0" cy="0"/>
-          <a:chOff x="0" y="0"/>
-          <a:chExt cx="0" cy="0"/>
-        </a:xfrm>
-      </p:grpSpPr>
-      <p:sp>
-        <p:nvSpPr>
-          <p:cNvPr id="2" name="Titel 1">
-            <a:extLst>
-              <a:ext uri="{FF2B5EF4-FFF2-40B4-BE49-F238E27FC236}">
-                <a16:creationId xmlns:a16="http://schemas.microsoft.com/office/drawing/2014/main" id="{1BCC4FAA-AFD2-C32C-3FE8-627193F1AC75}"/>
-              </a:ext>
-            </a:extLst>
-          </p:cNvPr>
-          <p:cNvSpPr>
-            <a:spLocks noGrp="1"/>
-          </p:cNvSpPr>
-          <p:nvPr>
-            <p:ph type="title"/>
-          </p:nvPr>
-        </p:nvSpPr>
-        <p:spPr/>
-        <p:txBody>
-          <a:bodyPr/>
-          <a:lstStyle/>
-          <a:p>
-            <a:r>
-              <a:rPr lang="de-DE" dirty="0"/>
-              <a:t>Aufgabe 4.2</a:t>
-            </a:r>
-          </a:p>
-        </p:txBody>
-      </p:sp>
-      <p:sp>
-        <p:nvSpPr>
-          <p:cNvPr id="6" name="Content Placeholder 5">
-            <a:extLst>
-              <a:ext uri="{FF2B5EF4-FFF2-40B4-BE49-F238E27FC236}">
-                <a16:creationId xmlns:a16="http://schemas.microsoft.com/office/drawing/2014/main" id="{E528317A-EEC7-8BD2-BF79-A50C4D90FE9B}"/>
-              </a:ext>
-            </a:extLst>
-          </p:cNvPr>
-          <p:cNvSpPr>
-            <a:spLocks noGrp="1"/>
-          </p:cNvSpPr>
-          <p:nvPr>
-            <p:ph idx="1"/>
-          </p:nvPr>
-        </p:nvSpPr>
-        <p:spPr/>
-        <p:txBody>
-          <a:bodyPr/>
-          <a:lstStyle/>
-          <a:p>
-            <a:pPr marL="0" indent="0">
-              <a:buNone/>
-            </a:pPr>
-            <a:r>
-              <a:rPr lang="en-GB" dirty="0">
-                <a:cs typeface="Arial"/>
-              </a:rPr>
-              <a:t>e) k-1 = 6-1 = 5 linear </a:t>
-            </a:r>
-            <a:r>
-              <a:rPr lang="en-GB" dirty="0" err="1">
-                <a:cs typeface="Arial"/>
-              </a:rPr>
-              <a:t>unabhängige</a:t>
-            </a:r>
-            <a:r>
-              <a:rPr lang="en-GB" dirty="0">
-                <a:cs typeface="Arial"/>
-              </a:rPr>
-              <a:t> </a:t>
-            </a:r>
-            <a:r>
-              <a:rPr lang="en-GB" dirty="0" err="1">
-                <a:cs typeface="Arial"/>
-              </a:rPr>
-              <a:t>Knotengleichungen</a:t>
-            </a:r>
-          </a:p>
-          <a:p>
-            <a:pPr marL="0" indent="0">
-              <a:buNone/>
-            </a:pPr>
-            <a:endParaRPr lang="en-GB" dirty="0">
-              <a:cs typeface="Arial"/>
-            </a:endParaRPr>
-          </a:p>
-          <a:p>
-            <a:pPr marL="0" indent="0">
-              <a:buNone/>
-            </a:pPr>
-            <a:endParaRPr lang="en-GB" dirty="0">
-              <a:cs typeface="Arial"/>
-            </a:endParaRPr>
-          </a:p>
-        </p:txBody>
-      </p:sp>
-      <p:sp>
-        <p:nvSpPr>
-          <p:cNvPr id="7" name="Rectangle 6">
-            <a:extLst>
-              <a:ext uri="{FF2B5EF4-FFF2-40B4-BE49-F238E27FC236}">
-                <a16:creationId xmlns:a16="http://schemas.microsoft.com/office/drawing/2014/main" id="{9EF66330-5259-E40E-1585-6C2EDADC4C34}"/>
-              </a:ext>
-            </a:extLst>
-          </p:cNvPr>
-          <p:cNvSpPr/>
-          <p:nvPr/>
-        </p:nvSpPr>
-        <p:spPr>
-          <a:xfrm>
-            <a:off x="4770699" y="5016660"/>
-            <a:ext cx="3865943" cy="190982"/>
-          </a:xfrm>
-          <a:prstGeom prst="rect">
-            <a:avLst/>
-          </a:prstGeom>
-          <a:solidFill>
-            <a:schemeClr val="bg1"/>
-          </a:solidFill>
-          <a:ln w="12700">
-            <a:noFill/>
-          </a:ln>
-        </p:spPr>
-        <p:style>
-          <a:lnRef idx="2">
-            <a:schemeClr val="accent1">
-              <a:shade val="50000"/>
-            </a:schemeClr>
-          </a:lnRef>
-          <a:fillRef idx="1">
-            <a:schemeClr val="accent1"/>
-          </a:fillRef>
-          <a:effectRef idx="0">
-            <a:schemeClr val="accent1"/>
-          </a:effectRef>
-          <a:fontRef idx="minor">
-            <a:schemeClr val="lt1"/>
-          </a:fontRef>
-        </p:style>
-        <p:txBody>
-          <a:bodyPr rtlCol="0" anchor="ctr"/>
-          <a:lstStyle/>
-          <a:p>
-            <a:pPr algn="ctr"/>
-            <a:endParaRPr lang="en-GB"/>
-          </a:p>
-        </p:txBody>
-      </p:sp>
-      <p:pic>
-        <p:nvPicPr>
-          <p:cNvPr id="4" name="Picture 3" descr="A math equations with black text&#10;&#10;AI-generated content may be incorrect.">
-            <a:extLst>
-              <a:ext uri="{FF2B5EF4-FFF2-40B4-BE49-F238E27FC236}">
-                <a16:creationId xmlns:a16="http://schemas.microsoft.com/office/drawing/2014/main" id="{5B826573-1DDA-DFFB-0561-49099777D3B0}"/>
-              </a:ext>
-            </a:extLst>
-          </p:cNvPr>
-          <p:cNvPicPr>
-            <a:picLocks noChangeAspect="1"/>
-          </p:cNvPicPr>
-          <p:nvPr/>
-        </p:nvPicPr>
-        <p:blipFill>
-          <a:blip r:embed="rId2"/>
-          <a:srcRect r="581" b="-347"/>
-          <a:stretch>
-            <a:fillRect/>
-          </a:stretch>
-        </p:blipFill>
-        <p:spPr>
-          <a:xfrm>
-            <a:off x="1054320" y="2325306"/>
-            <a:ext cx="6601291" cy="2795797"/>
-          </a:xfrm>
-          <a:prstGeom prst="rect">
-            <a:avLst/>
-          </a:prstGeom>
-        </p:spPr>
-      </p:pic>
-    </p:spTree>
-    <p:extLst>
-      <p:ext uri="{BB962C8B-B14F-4D97-AF65-F5344CB8AC3E}">
-        <p14:creationId xmlns:p14="http://schemas.microsoft.com/office/powerpoint/2010/main" val="2295157053"/>
       </p:ext>
     </p:extLst>
   </p:cSld>
@@ -9749,6 +11100,220 @@
         <p:cNvPr id="1" name="">
           <a:extLst>
             <a:ext uri="{FF2B5EF4-FFF2-40B4-BE49-F238E27FC236}">
+              <a16:creationId xmlns:a16="http://schemas.microsoft.com/office/drawing/2014/main" id="{DDD47F33-5EC5-B9F7-B0D6-41508B790C12}"/>
+            </a:ext>
+          </a:extLst>
+        </p:cNvPr>
+        <p:cNvGrpSpPr/>
+        <p:nvPr/>
+      </p:nvGrpSpPr>
+      <p:grpSpPr>
+        <a:xfrm>
+          <a:off x="0" y="0"/>
+          <a:ext cx="0" cy="0"/>
+          <a:chOff x="0" y="0"/>
+          <a:chExt cx="0" cy="0"/>
+        </a:xfrm>
+      </p:grpSpPr>
+      <p:sp>
+        <p:nvSpPr>
+          <p:cNvPr id="2" name="Titel 1">
+            <a:extLst>
+              <a:ext uri="{FF2B5EF4-FFF2-40B4-BE49-F238E27FC236}">
+                <a16:creationId xmlns:a16="http://schemas.microsoft.com/office/drawing/2014/main" id="{1BCC4FAA-AFD2-C32C-3FE8-627193F1AC75}"/>
+              </a:ext>
+            </a:extLst>
+          </p:cNvPr>
+          <p:cNvSpPr>
+            <a:spLocks noGrp="1"/>
+          </p:cNvSpPr>
+          <p:nvPr>
+            <p:ph type="title"/>
+          </p:nvPr>
+        </p:nvSpPr>
+        <p:spPr/>
+        <p:txBody>
+          <a:bodyPr/>
+          <a:lstStyle/>
+          <a:p>
+            <a:r>
+              <a:rPr lang="de-DE" dirty="0"/>
+              <a:t>Aufgabe 4.2</a:t>
+            </a:r>
+          </a:p>
+        </p:txBody>
+      </p:sp>
+      <p:sp>
+        <p:nvSpPr>
+          <p:cNvPr id="6" name="Content Placeholder 5">
+            <a:extLst>
+              <a:ext uri="{FF2B5EF4-FFF2-40B4-BE49-F238E27FC236}">
+                <a16:creationId xmlns:a16="http://schemas.microsoft.com/office/drawing/2014/main" id="{E528317A-EEC7-8BD2-BF79-A50C4D90FE9B}"/>
+              </a:ext>
+            </a:extLst>
+          </p:cNvPr>
+          <p:cNvSpPr>
+            <a:spLocks noGrp="1"/>
+          </p:cNvSpPr>
+          <p:nvPr>
+            <p:ph idx="1"/>
+          </p:nvPr>
+        </p:nvSpPr>
+        <p:spPr/>
+        <p:txBody>
+          <a:bodyPr/>
+          <a:lstStyle/>
+          <a:p>
+            <a:pPr marL="0" indent="0">
+              <a:buNone/>
+            </a:pPr>
+            <a:r>
+              <a:rPr lang="en-GB" dirty="0">
+                <a:cs typeface="Arial"/>
+              </a:rPr>
+              <a:t>e) k-1 = 6-1 = 5 linear </a:t>
+            </a:r>
+            <a:r>
+              <a:rPr lang="en-GB" dirty="0" err="1">
+                <a:cs typeface="Arial"/>
+              </a:rPr>
+              <a:t>unabhängige</a:t>
+            </a:r>
+            <a:r>
+              <a:rPr lang="en-GB" dirty="0">
+                <a:cs typeface="Arial"/>
+              </a:rPr>
+              <a:t> </a:t>
+            </a:r>
+            <a:r>
+              <a:rPr lang="en-GB" dirty="0" err="1">
+                <a:cs typeface="Arial"/>
+              </a:rPr>
+              <a:t>Knotengleichungen</a:t>
+            </a:r>
+          </a:p>
+          <a:p>
+            <a:pPr marL="0" indent="0">
+              <a:buNone/>
+            </a:pPr>
+            <a:endParaRPr lang="en-GB" dirty="0">
+              <a:cs typeface="Arial"/>
+            </a:endParaRPr>
+          </a:p>
+          <a:p>
+            <a:pPr marL="0" indent="0">
+              <a:buNone/>
+            </a:pPr>
+            <a:endParaRPr lang="en-GB" dirty="0">
+              <a:cs typeface="Arial"/>
+            </a:endParaRPr>
+          </a:p>
+        </p:txBody>
+      </p:sp>
+      <p:sp>
+        <p:nvSpPr>
+          <p:cNvPr id="7" name="Rectangle 6">
+            <a:extLst>
+              <a:ext uri="{FF2B5EF4-FFF2-40B4-BE49-F238E27FC236}">
+                <a16:creationId xmlns:a16="http://schemas.microsoft.com/office/drawing/2014/main" id="{9EF66330-5259-E40E-1585-6C2EDADC4C34}"/>
+              </a:ext>
+            </a:extLst>
+          </p:cNvPr>
+          <p:cNvSpPr/>
+          <p:nvPr/>
+        </p:nvSpPr>
+        <p:spPr>
+          <a:xfrm>
+            <a:off x="4770699" y="5016660"/>
+            <a:ext cx="3865943" cy="190982"/>
+          </a:xfrm>
+          <a:prstGeom prst="rect">
+            <a:avLst/>
+          </a:prstGeom>
+          <a:solidFill>
+            <a:schemeClr val="bg1"/>
+          </a:solidFill>
+          <a:ln w="12700">
+            <a:noFill/>
+          </a:ln>
+        </p:spPr>
+        <p:style>
+          <a:lnRef idx="2">
+            <a:schemeClr val="accent1">
+              <a:shade val="50000"/>
+            </a:schemeClr>
+          </a:lnRef>
+          <a:fillRef idx="1">
+            <a:schemeClr val="accent1"/>
+          </a:fillRef>
+          <a:effectRef idx="0">
+            <a:schemeClr val="accent1"/>
+          </a:effectRef>
+          <a:fontRef idx="minor">
+            <a:schemeClr val="lt1"/>
+          </a:fontRef>
+        </p:style>
+        <p:txBody>
+          <a:bodyPr rtlCol="0" anchor="ctr"/>
+          <a:lstStyle/>
+          <a:p>
+            <a:pPr algn="ctr"/>
+            <a:endParaRPr lang="en-GB"/>
+          </a:p>
+        </p:txBody>
+      </p:sp>
+      <p:pic>
+        <p:nvPicPr>
+          <p:cNvPr id="4" name="Picture 3" descr="A math equations with black text&#10;&#10;AI-generated content may be incorrect.">
+            <a:extLst>
+              <a:ext uri="{FF2B5EF4-FFF2-40B4-BE49-F238E27FC236}">
+                <a16:creationId xmlns:a16="http://schemas.microsoft.com/office/drawing/2014/main" id="{5B826573-1DDA-DFFB-0561-49099777D3B0}"/>
+              </a:ext>
+            </a:extLst>
+          </p:cNvPr>
+          <p:cNvPicPr>
+            <a:picLocks noChangeAspect="1"/>
+          </p:cNvPicPr>
+          <p:nvPr/>
+        </p:nvPicPr>
+        <p:blipFill>
+          <a:blip r:embed="rId2"/>
+          <a:srcRect r="581" b="-347"/>
+          <a:stretch>
+            <a:fillRect/>
+          </a:stretch>
+        </p:blipFill>
+        <p:spPr>
+          <a:xfrm>
+            <a:off x="1054320" y="2325306"/>
+            <a:ext cx="6601291" cy="2795797"/>
+          </a:xfrm>
+          <a:prstGeom prst="rect">
+            <a:avLst/>
+          </a:prstGeom>
+        </p:spPr>
+      </p:pic>
+    </p:spTree>
+    <p:extLst>
+      <p:ext uri="{BB962C8B-B14F-4D97-AF65-F5344CB8AC3E}">
+        <p14:creationId xmlns:p14="http://schemas.microsoft.com/office/powerpoint/2010/main" val="2295157053"/>
+      </p:ext>
+    </p:extLst>
+  </p:cSld>
+  <p:clrMapOvr>
+    <a:masterClrMapping/>
+  </p:clrMapOvr>
+</p:sld>
+</file>
+
+<file path=ppt/slides/slide21.xml><?xml version="1.0" encoding="utf-8"?>
+<p:sld xmlns:a="http://schemas.openxmlformats.org/drawingml/2006/main" xmlns:r="http://schemas.openxmlformats.org/officeDocument/2006/relationships" xmlns:p="http://schemas.openxmlformats.org/presentationml/2006/main">
+  <p:cSld>
+    <p:spTree>
+      <p:nvGrpSpPr>
+        <p:cNvPr id="1" name="">
+          <a:extLst>
+            <a:ext uri="{FF2B5EF4-FFF2-40B4-BE49-F238E27FC236}">
               <a16:creationId xmlns:a16="http://schemas.microsoft.com/office/drawing/2014/main" id="{66B59687-5460-4384-9550-05DF2AF0C081}"/>
             </a:ext>
           </a:extLst>
@@ -10879,7 +12444,7 @@
 </p:sld>
 </file>
 
-<file path=ppt/slides/slide21.xml><?xml version="1.0" encoding="utf-8"?>
+<file path=ppt/slides/slide22.xml><?xml version="1.0" encoding="utf-8"?>
 <p:sld xmlns:a="http://schemas.openxmlformats.org/drawingml/2006/main" xmlns:r="http://schemas.openxmlformats.org/officeDocument/2006/relationships" xmlns:p="http://schemas.openxmlformats.org/presentationml/2006/main">
   <p:cSld>
     <p:spTree>
@@ -12392,7 +13957,7 @@
 </p:sld>
 </file>
 
-<file path=ppt/slides/slide22.xml><?xml version="1.0" encoding="utf-8"?>
+<file path=ppt/slides/slide23.xml><?xml version="1.0" encoding="utf-8"?>
 <p:sld xmlns:a="http://schemas.openxmlformats.org/drawingml/2006/main" xmlns:r="http://schemas.openxmlformats.org/officeDocument/2006/relationships" xmlns:p="http://schemas.openxmlformats.org/presentationml/2006/main">
   <p:cSld>
     <p:spTree>
@@ -19498,15 +21063,6 @@
 </file>
 
 <file path=customXml/item1.xml><?xml version="1.0" encoding="utf-8"?>
-<?mso-contentType ?>
-<FormTemplates xmlns="http://schemas.microsoft.com/sharepoint/v3/contenttype/forms">
-  <Display>DocumentLibraryForm</Display>
-  <Edit>DocumentLibraryForm</Edit>
-  <New>DocumentLibraryForm</New>
-</FormTemplates>
-</file>
-
-<file path=customXml/item2.xml><?xml version="1.0" encoding="utf-8"?>
 <ct:contentTypeSchema xmlns:ct="http://schemas.microsoft.com/office/2006/metadata/contentType" xmlns:ma="http://schemas.microsoft.com/office/2006/metadata/properties/metaAttributes" ct:_="" ma:_="" ma:contentTypeName="Document" ma:contentTypeID="0x0101008799F1A435591F42BCDE2557FA51CDDA" ma:contentTypeVersion="15" ma:contentTypeDescription="Create a new document." ma:contentTypeScope="" ma:versionID="baa9c65a0a545f65583643df3cf8d9f4">
   <xsd:schema xmlns:xsd="http://www.w3.org/2001/XMLSchema" xmlns:xs="http://www.w3.org/2001/XMLSchema" xmlns:p="http://schemas.microsoft.com/office/2006/metadata/properties" xmlns:ns2="f957fcc5-14ca-4ecf-9842-9f00d595875c" xmlns:ns3="e08cfc56-8307-41e5-898e-b333c51beffa" targetNamespace="http://schemas.microsoft.com/office/2006/metadata/properties" ma:root="true" ma:fieldsID="015d39312a6521742bc57e13b2dae392" ns2:_="" ns3:_="">
     <xsd:import namespace="f957fcc5-14ca-4ecf-9842-9f00d595875c"/>
@@ -19743,6 +21299,15 @@
 </ct:contentTypeSchema>
 </file>
 
+<file path=customXml/item2.xml><?xml version="1.0" encoding="utf-8"?>
+<?mso-contentType ?>
+<FormTemplates xmlns="http://schemas.microsoft.com/sharepoint/v3/contenttype/forms">
+  <Display>DocumentLibraryForm</Display>
+  <Edit>DocumentLibraryForm</Edit>
+  <New>DocumentLibraryForm</New>
+</FormTemplates>
+</file>
+
 <file path=customXml/item3.xml><?xml version="1.0" encoding="utf-8"?>
 <p:properties xmlns:p="http://schemas.microsoft.com/office/2006/metadata/properties" xmlns:xsi="http://www.w3.org/2001/XMLSchema-instance" xmlns:pc="http://schemas.microsoft.com/office/infopath/2007/PartnerControls">
   <documentManagement>
@@ -19755,14 +21320,6 @@
 </file>
 
 <file path=customXml/itemProps1.xml><?xml version="1.0" encoding="utf-8"?>
-<ds:datastoreItem xmlns:ds="http://schemas.openxmlformats.org/officeDocument/2006/customXml" ds:itemID="{AC48F4C2-72FB-464C-8474-E470A160399A}">
-  <ds:schemaRefs>
-    <ds:schemaRef ds:uri="http://schemas.microsoft.com/sharepoint/v3/contenttype/forms"/>
-  </ds:schemaRefs>
-</ds:datastoreItem>
-</file>
-
-<file path=customXml/itemProps2.xml><?xml version="1.0" encoding="utf-8"?>
 <ds:datastoreItem xmlns:ds="http://schemas.openxmlformats.org/officeDocument/2006/customXml" ds:itemID="{96F35E4A-19A6-42ED-B9B2-B9FDCAD1EAA1}">
   <ds:schemaRefs>
     <ds:schemaRef ds:uri="e08cfc56-8307-41e5-898e-b333c51beffa"/>
@@ -19777,6 +21334,14 @@
     <ds:schemaRef ds:uri="http://schemas.microsoft.com/office/infopath/2007/PartnerControls"/>
     <ds:schemaRef ds:uri="http://schemas.openxmlformats.org/package/2006/metadata/core-properties"/>
     <ds:schemaRef ds:uri="http://www.w3.org/2001/XMLSchema"/>
+  </ds:schemaRefs>
+</ds:datastoreItem>
+</file>
+
+<file path=customXml/itemProps2.xml><?xml version="1.0" encoding="utf-8"?>
+<ds:datastoreItem xmlns:ds="http://schemas.openxmlformats.org/officeDocument/2006/customXml" ds:itemID="{AC48F4C2-72FB-464C-8474-E470A160399A}">
+  <ds:schemaRefs>
+    <ds:schemaRef ds:uri="http://schemas.microsoft.com/sharepoint/v3/contenttype/forms"/>
   </ds:schemaRefs>
 </ds:datastoreItem>
 </file>

--- a/Probeklausur.pptx
+++ b/Probeklausur.pptx
@@ -5,10 +5,10 @@
     <p:sldMasterId id="2147483649" r:id="rId4"/>
   </p:sldMasterIdLst>
   <p:notesMasterIdLst>
-    <p:notesMasterId r:id="rId28"/>
+    <p:notesMasterId r:id="rId29"/>
   </p:notesMasterIdLst>
   <p:handoutMasterIdLst>
-    <p:handoutMasterId r:id="rId29"/>
+    <p:handoutMasterId r:id="rId30"/>
   </p:handoutMasterIdLst>
   <p:sldIdLst>
     <p:sldId id="1041" r:id="rId5"/>
@@ -25,15 +25,16 @@
     <p:sldId id="1064" r:id="rId16"/>
     <p:sldId id="1066" r:id="rId17"/>
     <p:sldId id="1067" r:id="rId18"/>
-    <p:sldId id="1054" r:id="rId19"/>
-    <p:sldId id="1055" r:id="rId20"/>
-    <p:sldId id="1056" r:id="rId21"/>
-    <p:sldId id="1057" r:id="rId22"/>
-    <p:sldId id="1058" r:id="rId23"/>
-    <p:sldId id="1059" r:id="rId24"/>
-    <p:sldId id="1060" r:id="rId25"/>
-    <p:sldId id="1061" r:id="rId26"/>
-    <p:sldId id="1062" r:id="rId27"/>
+    <p:sldId id="1068" r:id="rId19"/>
+    <p:sldId id="1054" r:id="rId20"/>
+    <p:sldId id="1055" r:id="rId21"/>
+    <p:sldId id="1056" r:id="rId22"/>
+    <p:sldId id="1057" r:id="rId23"/>
+    <p:sldId id="1058" r:id="rId24"/>
+    <p:sldId id="1059" r:id="rId25"/>
+    <p:sldId id="1060" r:id="rId26"/>
+    <p:sldId id="1061" r:id="rId27"/>
+    <p:sldId id="1062" r:id="rId28"/>
   </p:sldIdLst>
   <p:sldSz cx="12192000" cy="6858000"/>
   <p:notesSz cx="6858000" cy="9144000"/>
@@ -181,6 +182,7 @@
             <p14:sldId id="1064"/>
             <p14:sldId id="1066"/>
             <p14:sldId id="1067"/>
+            <p14:sldId id="1068"/>
             <p14:sldId id="1054"/>
             <p14:sldId id="1055"/>
             <p14:sldId id="1056"/>
@@ -235,7 +237,7 @@
 <file path=ppt/revisionInfo.xml><?xml version="1.0" encoding="utf-8"?>
 <p1510:revInfo xmlns:a="http://schemas.openxmlformats.org/drawingml/2006/main" xmlns:r="http://schemas.openxmlformats.org/officeDocument/2006/relationships" xmlns:p1510="http://schemas.microsoft.com/office/powerpoint/2015/10/main">
   <p1510:revLst>
-    <p1510:client id="{05E68480-3B10-9DDC-13A3-804E098ECB4E}" v="12" dt="2026-02-09T11:11:15.195"/>
+    <p1510:client id="{05E68480-3B10-9DDC-13A3-804E098ECB4E}" v="367" dt="2026-02-09T11:24:37.240"/>
     <p1510:client id="{CDEA013C-0C4C-7CC9-3073-C215768A4D35}" v="422" dt="2026-02-08T21:59:01.042"/>
     <p1510:client id="{CF275D93-1AF9-5CD7-90BA-CB7126BBAC7F}" v="1388" dt="2026-02-09T11:07:37.102"/>
     <p1510:client id="{D9D7A87D-DE7C-D9BF-B02E-6FFACE30470C}" v="1" dt="2026-02-08T22:04:55.165"/>
@@ -9467,6 +9469,3052 @@
         <p:cNvPr id="1" name="">
           <a:extLst>
             <a:ext uri="{FF2B5EF4-FFF2-40B4-BE49-F238E27FC236}">
+              <a16:creationId xmlns:a16="http://schemas.microsoft.com/office/drawing/2014/main" id="{8A54C01B-1956-2803-870D-E2619DF26ECC}"/>
+            </a:ext>
+          </a:extLst>
+        </p:cNvPr>
+        <p:cNvGrpSpPr/>
+        <p:nvPr/>
+      </p:nvGrpSpPr>
+      <p:grpSpPr>
+        <a:xfrm>
+          <a:off x="0" y="0"/>
+          <a:ext cx="0" cy="0"/>
+          <a:chOff x="0" y="0"/>
+          <a:chExt cx="0" cy="0"/>
+        </a:xfrm>
+      </p:grpSpPr>
+      <p:sp>
+        <p:nvSpPr>
+          <p:cNvPr id="2" name="Titel 1">
+            <a:extLst>
+              <a:ext uri="{FF2B5EF4-FFF2-40B4-BE49-F238E27FC236}">
+                <a16:creationId xmlns:a16="http://schemas.microsoft.com/office/drawing/2014/main" id="{5B4FE34C-1DB5-CD4A-2F53-AAE6F817A8B2}"/>
+              </a:ext>
+            </a:extLst>
+          </p:cNvPr>
+          <p:cNvSpPr>
+            <a:spLocks noGrp="1"/>
+          </p:cNvSpPr>
+          <p:nvPr>
+            <p:ph type="title"/>
+          </p:nvPr>
+        </p:nvSpPr>
+        <p:spPr/>
+        <p:txBody>
+          <a:bodyPr/>
+          <a:lstStyle/>
+          <a:p>
+            <a:r>
+              <a:rPr lang="de-DE" dirty="0"/>
+              <a:t>Aufgabe 3.5</a:t>
+            </a:r>
+          </a:p>
+        </p:txBody>
+      </p:sp>
+      <mc:AlternateContent xmlns:mc="http://schemas.openxmlformats.org/markup-compatibility/2006">
+        <mc:Choice xmlns:a14="http://schemas.microsoft.com/office/drawing/2010/main" Requires="a14">
+          <p:graphicFrame>
+            <p:nvGraphicFramePr>
+              <p:cNvPr id="4" name="Inhaltsplatzhalter 3">
+                <a:extLst>
+                  <a:ext uri="{FF2B5EF4-FFF2-40B4-BE49-F238E27FC236}">
+                    <a16:creationId xmlns:a16="http://schemas.microsoft.com/office/drawing/2014/main" id="{56C89CC8-7341-8CA5-9473-31D1970DA5EC}"/>
+                  </a:ext>
+                </a:extLst>
+              </p:cNvPr>
+              <p:cNvGraphicFramePr>
+                <a:graphicFrameLocks noGrp="1"/>
+              </p:cNvGraphicFramePr>
+              <p:nvPr>
+                <p:ph idx="1"/>
+                <p:extLst>
+                  <p:ext uri="{D42A27DB-BD31-4B8C-83A1-F6EECF244321}">
+                    <p14:modId xmlns:p14="http://schemas.microsoft.com/office/powerpoint/2010/main" val="2570673025"/>
+                  </p:ext>
+                </p:extLst>
+              </p:nvPr>
+            </p:nvGraphicFramePr>
+            <p:xfrm>
+              <a:off x="1137574" y="1773238"/>
+              <a:ext cx="8209880" cy="3235957"/>
+            </p:xfrm>
+            <a:graphic>
+              <a:graphicData uri="http://schemas.openxmlformats.org/drawingml/2006/table">
+                <a:tbl>
+                  <a:tblPr firstRow="1" bandRow="1">
+                    <a:tableStyleId>{00A15C55-8517-42AA-B614-E9B94910E393}</a:tableStyleId>
+                  </a:tblPr>
+                  <a:tblGrid>
+                    <a:gridCol w="1026235">
+                      <a:extLst>
+                        <a:ext uri="{9D8B030D-6E8A-4147-A177-3AD203B41FA5}">
+                          <a16:colId xmlns:a16="http://schemas.microsoft.com/office/drawing/2014/main" val="1652158833"/>
+                        </a:ext>
+                      </a:extLst>
+                    </a:gridCol>
+                    <a:gridCol w="1026235">
+                      <a:extLst>
+                        <a:ext uri="{9D8B030D-6E8A-4147-A177-3AD203B41FA5}">
+                          <a16:colId xmlns:a16="http://schemas.microsoft.com/office/drawing/2014/main" val="2926449063"/>
+                        </a:ext>
+                      </a:extLst>
+                    </a:gridCol>
+                    <a:gridCol w="1026235">
+                      <a:extLst>
+                        <a:ext uri="{9D8B030D-6E8A-4147-A177-3AD203B41FA5}">
+                          <a16:colId xmlns:a16="http://schemas.microsoft.com/office/drawing/2014/main" val="787207862"/>
+                        </a:ext>
+                      </a:extLst>
+                    </a:gridCol>
+                    <a:gridCol w="1026235">
+                      <a:extLst>
+                        <a:ext uri="{9D8B030D-6E8A-4147-A177-3AD203B41FA5}">
+                          <a16:colId xmlns:a16="http://schemas.microsoft.com/office/drawing/2014/main" val="3809945160"/>
+                        </a:ext>
+                      </a:extLst>
+                    </a:gridCol>
+                    <a:gridCol w="1026235">
+                      <a:extLst>
+                        <a:ext uri="{9D8B030D-6E8A-4147-A177-3AD203B41FA5}">
+                          <a16:colId xmlns:a16="http://schemas.microsoft.com/office/drawing/2014/main" val="2374642796"/>
+                        </a:ext>
+                      </a:extLst>
+                    </a:gridCol>
+                    <a:gridCol w="1026235">
+                      <a:extLst>
+                        <a:ext uri="{9D8B030D-6E8A-4147-A177-3AD203B41FA5}">
+                          <a16:colId xmlns:a16="http://schemas.microsoft.com/office/drawing/2014/main" val="4173493018"/>
+                        </a:ext>
+                      </a:extLst>
+                    </a:gridCol>
+                    <a:gridCol w="1026235">
+                      <a:extLst>
+                        <a:ext uri="{9D8B030D-6E8A-4147-A177-3AD203B41FA5}">
+                          <a16:colId xmlns:a16="http://schemas.microsoft.com/office/drawing/2014/main" val="3435224365"/>
+                        </a:ext>
+                      </a:extLst>
+                    </a:gridCol>
+                    <a:gridCol w="1026235">
+                      <a:extLst>
+                        <a:ext uri="{9D8B030D-6E8A-4147-A177-3AD203B41FA5}">
+                          <a16:colId xmlns:a16="http://schemas.microsoft.com/office/drawing/2014/main" val="1787115638"/>
+                        </a:ext>
+                      </a:extLst>
+                    </a:gridCol>
+                  </a:tblGrid>
+                  <a:tr h="370840">
+                    <a:tc>
+                      <a:txBody>
+                        <a:bodyPr/>
+                        <a:lstStyle/>
+                        <a:p>
+                          <a:pPr algn="ctr"/>
+                          <a:r>
+                            <a:rPr lang="de-DE" dirty="0"/>
+                            <a:t>Takt</a:t>
+                          </a:r>
+                        </a:p>
+                      </a:txBody>
+                      <a:tcPr/>
+                    </a:tc>
+                    <a:tc>
+                      <a:txBody>
+                        <a:bodyPr/>
+                        <a:lstStyle/>
+                        <a:p>
+                          <a:pPr lvl="0" algn="ctr">
+                            <a:buNone/>
+                          </a:pPr>
+                          <a:r>
+                            <a:rPr lang="de-DE" dirty="0"/>
+                            <a:t>en</a:t>
+                          </a:r>
+                        </a:p>
+                      </a:txBody>
+                      <a:tcPr/>
+                    </a:tc>
+                    <a:tc>
+                      <a:txBody>
+                        <a:bodyPr/>
+                        <a:lstStyle/>
+                        <a:p>
+                          <a:pPr lvl="0" algn="ctr">
+                            <a:buNone/>
+                          </a:pPr>
+                          <a:r>
+                            <a:rPr lang="de-DE" dirty="0"/>
+                            <a:t>a</a:t>
+                          </a:r>
+                        </a:p>
+                      </a:txBody>
+                      <a:tcPr/>
+                    </a:tc>
+                    <a:tc>
+                      <a:txBody>
+                        <a:bodyPr/>
+                        <a:lstStyle/>
+                        <a:p>
+                          <a:pPr lvl="0" algn="ctr">
+                            <a:buNone/>
+                          </a:pPr>
+                          <a:r>
+                            <a:rPr lang="de-DE" dirty="0"/>
+                            <a:t>b</a:t>
+                          </a:r>
+                        </a:p>
+                      </a:txBody>
+                      <a:tcPr/>
+                    </a:tc>
+                    <a:tc>
+                      <a:txBody>
+                        <a:bodyPr/>
+                        <a:lstStyle/>
+                        <a:p>
+                          <a:pPr lvl="0" algn="ctr">
+                            <a:buNone/>
+                          </a:pPr>
+                          <a:r>
+                            <a:rPr lang="de-DE" dirty="0"/>
+                            <a:t>A</a:t>
+                          </a:r>
+                        </a:p>
+                      </a:txBody>
+                      <a:tcPr/>
+                    </a:tc>
+                    <a:tc>
+                      <a:txBody>
+                        <a:bodyPr/>
+                        <a:lstStyle/>
+                        <a:p>
+                          <a:pPr lvl="0" algn="ctr">
+                            <a:buNone/>
+                          </a:pPr>
+                          <a:r>
+                            <a:rPr lang="de-DE" dirty="0"/>
+                            <a:t>B</a:t>
+                          </a:r>
+                        </a:p>
+                      </a:txBody>
+                      <a:tcPr/>
+                    </a:tc>
+                    <a:tc>
+                      <a:txBody>
+                        <a:bodyPr/>
+                        <a:lstStyle/>
+                        <a:p>
+                          <a:pPr lvl="0" algn="ctr">
+                            <a:buNone/>
+                          </a:pPr>
+                          <a:r>
+                            <a:rPr lang="de-DE" dirty="0"/>
+                            <a:t>S</a:t>
+                          </a:r>
+                        </a:p>
+                      </a:txBody>
+                      <a:tcPr/>
+                    </a:tc>
+                    <a:tc>
+                      <a:txBody>
+                        <a:bodyPr/>
+                        <a:lstStyle/>
+                        <a:p>
+                          <a:pPr lvl="0" algn="ctr">
+                            <a:buNone/>
+                          </a:pPr>
+                          <a:r>
+                            <a:rPr lang="de-DE" dirty="0"/>
+                            <a:t>R</a:t>
+                          </a:r>
+                        </a:p>
+                      </a:txBody>
+                      <a:tcPr/>
+                    </a:tc>
+                    <a:extLst>
+                      <a:ext uri="{0D108BD9-81ED-4DB2-BD59-A6C34878D82A}">
+                        <a16:rowId xmlns:a16="http://schemas.microsoft.com/office/drawing/2014/main" val="1625499165"/>
+                      </a:ext>
+                    </a:extLst>
+                  </a:tr>
+                  <a:tr h="370840">
+                    <a:tc>
+                      <a:txBody>
+                        <a:bodyPr/>
+                        <a:lstStyle/>
+                        <a:p>
+                          <a:pPr lvl="0" algn="ctr">
+                            <a:buNone/>
+                          </a:pPr>
+                          <a:r>
+                            <a:rPr lang="de-DE" dirty="0"/>
+                            <a:t>0</a:t>
+                          </a:r>
+                          <a14:m>
+                            <m:oMath xmlns:m="http://schemas.openxmlformats.org/officeDocument/2006/math">
+                              <m:sSub>
+                                <m:sSubPr>
+                                  <m:ctrlPr>
+                                    <a:rPr lang="de-DE" i="1" dirty="0" smtClean="0">
+                                      <a:latin typeface="Cambria Math" panose="02040503050406030204" pitchFamily="18" charset="0"/>
+                                    </a:rPr>
+                                  </m:ctrlPr>
+                                </m:sSubPr>
+                                <m:e>
+                                  <m:r>
+                                    <a:rPr lang="de-DE" b="0" i="1" smtClean="0">
+                                      <a:latin typeface="Cambria Math" panose="02040503050406030204" pitchFamily="18" charset="0"/>
+                                    </a:rPr>
+                                    <m:t>88</m:t>
+                                  </m:r>
+                                </m:e>
+                                <m:sub>
+                                  <m:r>
+                                    <a:rPr lang="de-DE" b="0" i="1" smtClean="0">
+                                      <a:latin typeface="Cambria Math" panose="02040503050406030204" pitchFamily="18" charset="0"/>
+                                    </a:rPr>
+                                    <m:t>10</m:t>
+                                  </m:r>
+                                </m:sub>
+                              </m:sSub>
+                            </m:oMath>
+                          </a14:m>
+                          <a:endParaRPr lang="de-DE" dirty="0"/>
+                        </a:p>
+                      </a:txBody>
+                      <a:tcPr/>
+                    </a:tc>
+                    <a:tc>
+                      <a:txBody>
+                        <a:bodyPr/>
+                        <a:lstStyle/>
+                        <a:p>
+                          <a:pPr lvl="0" algn="ctr">
+                            <a:buNone/>
+                          </a:pPr>
+                          <a:r>
+                            <a:rPr lang="de-DE" dirty="0"/>
+                            <a:t>1</a:t>
+                          </a:r>
+                        </a:p>
+                      </a:txBody>
+                      <a:tcPr/>
+                    </a:tc>
+                    <a:tc>
+                      <a:txBody>
+                        <a:bodyPr/>
+                        <a:lstStyle/>
+                        <a:p>
+                          <a:pPr lvl="0" algn="ctr">
+                            <a:buNone/>
+                          </a:pPr>
+                          <a:r>
+                            <a:rPr lang="de-DE" dirty="0"/>
+                            <a:t>4</a:t>
+                          </a:r>
+                        </a:p>
+                      </a:txBody>
+                      <a:tcPr/>
+                    </a:tc>
+                    <a:tc>
+                      <a:txBody>
+                        <a:bodyPr/>
+                        <a:lstStyle/>
+                        <a:p>
+                          <a:pPr lvl="0" algn="ctr">
+                            <a:buNone/>
+                          </a:pPr>
+                          <a:r>
+                            <a:rPr lang="de-DE" dirty="0"/>
+                            <a:t>8</a:t>
+                          </a:r>
+                        </a:p>
+                      </a:txBody>
+                      <a:tcPr/>
+                    </a:tc>
+                    <a:tc>
+                      <a:txBody>
+                        <a:bodyPr/>
+                        <a:lstStyle/>
+                        <a:p>
+                          <a:pPr algn="ctr"/>
+                          <a:r>
+                            <a:rPr lang="de-DE" dirty="0"/>
+                            <a:t>0</a:t>
+                          </a:r>
+                        </a:p>
+                      </a:txBody>
+                      <a:tcPr/>
+                    </a:tc>
+                    <a:tc>
+                      <a:txBody>
+                        <a:bodyPr/>
+                        <a:lstStyle/>
+                        <a:p>
+                          <a:pPr algn="ctr"/>
+                          <a:r>
+                            <a:rPr lang="de-DE" dirty="0"/>
+                            <a:t>0</a:t>
+                          </a:r>
+                          <a14:m>
+                            <m:oMath xmlns:m="http://schemas.openxmlformats.org/officeDocument/2006/math">
+                              <m:sSub>
+                                <m:sSubPr>
+                                  <m:ctrlPr>
+                                    <a:rPr lang="de-DE" i="1" dirty="0" smtClean="0">
+                                      <a:latin typeface="Cambria Math" panose="02040503050406030204" pitchFamily="18" charset="0"/>
+                                    </a:rPr>
+                                  </m:ctrlPr>
+                                </m:sSubPr>
+                                <m:e>
+                                  <m:r>
+                                    <a:rPr lang="de-DE" b="0" i="1" smtClean="0">
+                                      <a:latin typeface="Cambria Math" panose="02040503050406030204" pitchFamily="18" charset="0"/>
+                                    </a:rPr>
+                                    <m:t>88</m:t>
+                                  </m:r>
+                                </m:e>
+                                <m:sub>
+                                  <m:r>
+                                    <a:rPr lang="de-DE" b="0" i="1" smtClean="0">
+                                      <a:latin typeface="Cambria Math" panose="02040503050406030204" pitchFamily="18" charset="0"/>
+                                    </a:rPr>
+                                    <m:t>16</m:t>
+                                  </m:r>
+                                </m:sub>
+                              </m:sSub>
+                            </m:oMath>
+                          </a14:m>
+                          <a:endParaRPr lang="de-DE" dirty="0"/>
+                        </a:p>
+                      </a:txBody>
+                      <a:tcPr/>
+                    </a:tc>
+                    <a:tc>
+                      <a:txBody>
+                        <a:bodyPr/>
+                        <a:lstStyle/>
+                        <a:p>
+                          <a:pPr lvl="0" algn="ctr">
+                            <a:buNone/>
+                          </a:pPr>
+                          <a:r>
+                            <a:rPr lang="de-DE" dirty="0"/>
+                            <a:t>0</a:t>
+                          </a:r>
+                        </a:p>
+                      </a:txBody>
+                      <a:tcPr/>
+                    </a:tc>
+                    <a:tc>
+                      <a:txBody>
+                        <a:bodyPr/>
+                        <a:lstStyle/>
+                        <a:p>
+                          <a:pPr lvl="0" algn="ctr">
+                            <a:buNone/>
+                          </a:pPr>
+                          <a:r>
+                            <a:rPr lang="de-DE" dirty="0"/>
+                            <a:t>0</a:t>
+                          </a:r>
+                        </a:p>
+                      </a:txBody>
+                      <a:tcPr/>
+                    </a:tc>
+                    <a:extLst>
+                      <a:ext uri="{0D108BD9-81ED-4DB2-BD59-A6C34878D82A}">
+                        <a16:rowId xmlns:a16="http://schemas.microsoft.com/office/drawing/2014/main" val="476797659"/>
+                      </a:ext>
+                    </a:extLst>
+                  </a:tr>
+                  <a:tr h="370840">
+                    <a:tc>
+                      <a:txBody>
+                        <a:bodyPr/>
+                        <a:lstStyle/>
+                        <a:p>
+                          <a:pPr algn="ctr"/>
+                          <a:r>
+                            <a:rPr lang="de-DE" dirty="0"/>
+                            <a:t>1</a:t>
+                          </a:r>
+                          <a14:m>
+                            <m:oMath xmlns:m="http://schemas.openxmlformats.org/officeDocument/2006/math">
+                              <m:sSub>
+                                <m:sSubPr>
+                                  <m:ctrlPr>
+                                    <a:rPr lang="de-DE" i="1" dirty="0" smtClean="0">
+                                      <a:latin typeface="Cambria Math" panose="02040503050406030204" pitchFamily="18" charset="0"/>
+                                    </a:rPr>
+                                  </m:ctrlPr>
+                                </m:sSubPr>
+                                <m:e>
+                                  <m:r>
+                                    <a:rPr lang="de-DE" b="0" i="1" smtClean="0">
+                                      <a:latin typeface="Cambria Math" panose="02040503050406030204" pitchFamily="18" charset="0"/>
+                                    </a:rPr>
+                                    <m:t>76</m:t>
+                                  </m:r>
+                                </m:e>
+                                <m:sub>
+                                  <m:r>
+                                    <a:rPr lang="de-DE" b="0" i="1" smtClean="0">
+                                      <a:latin typeface="Cambria Math" panose="02040503050406030204" pitchFamily="18" charset="0"/>
+                                    </a:rPr>
+                                    <m:t>10</m:t>
+                                  </m:r>
+                                </m:sub>
+                              </m:sSub>
+                            </m:oMath>
+                          </a14:m>
+                          <a:endParaRPr lang="de-DE" dirty="0"/>
+                        </a:p>
+                      </a:txBody>
+                      <a:tcPr/>
+                    </a:tc>
+                    <a:tc>
+                      <a:txBody>
+                        <a:bodyPr/>
+                        <a:lstStyle/>
+                        <a:p>
+                          <a:pPr lvl="0" algn="ctr">
+                            <a:buNone/>
+                          </a:pPr>
+                          <a:r>
+                            <a:rPr lang="de-DE" dirty="0"/>
+                            <a:t>0</a:t>
+                          </a:r>
+                        </a:p>
+                      </a:txBody>
+                      <a:tcPr/>
+                    </a:tc>
+                    <a:tc>
+                      <a:txBody>
+                        <a:bodyPr/>
+                        <a:lstStyle/>
+                        <a:p>
+                          <a:pPr lvl="0" algn="ctr">
+                            <a:buNone/>
+                          </a:pPr>
+                          <a:r>
+                            <a:rPr lang="de-DE" dirty="0"/>
+                            <a:t>4</a:t>
+                          </a:r>
+                        </a:p>
+                      </a:txBody>
+                      <a:tcPr/>
+                    </a:tc>
+                    <a:tc>
+                      <a:txBody>
+                        <a:bodyPr/>
+                        <a:lstStyle/>
+                        <a:p>
+                          <a:pPr lvl="0" algn="ctr">
+                            <a:buNone/>
+                          </a:pPr>
+                          <a:r>
+                            <a:rPr lang="de-DE" dirty="0"/>
+                            <a:t>8</a:t>
+                          </a:r>
+                        </a:p>
+                      </a:txBody>
+                      <a:tcPr/>
+                    </a:tc>
+                    <a:tc>
+                      <a:txBody>
+                        <a:bodyPr/>
+                        <a:lstStyle/>
+                        <a:p>
+                          <a:pPr algn="ctr"/>
+                          <a:r>
+                            <a:rPr lang="de-DE" dirty="0"/>
+                            <a:t>4</a:t>
+                          </a:r>
+                        </a:p>
+                      </a:txBody>
+                      <a:tcPr/>
+                    </a:tc>
+                    <a:tc>
+                      <a:txBody>
+                        <a:bodyPr/>
+                        <a:lstStyle/>
+                        <a:p>
+                          <a:pPr algn="ctr"/>
+                          <a:r>
+                            <a:rPr lang="de-DE" dirty="0"/>
+                            <a:t>8</a:t>
+                          </a:r>
+                          <a14:m>
+                            <m:oMath xmlns:m="http://schemas.openxmlformats.org/officeDocument/2006/math">
+                              <m:sSub>
+                                <m:sSubPr>
+                                  <m:ctrlPr>
+                                    <a:rPr lang="de-DE" i="1" dirty="0" smtClean="0">
+                                      <a:latin typeface="Cambria Math" panose="02040503050406030204" pitchFamily="18" charset="0"/>
+                                    </a:rPr>
+                                  </m:ctrlPr>
+                                </m:sSubPr>
+                                <m:e>
+                                  <m:r>
+                                    <a:rPr lang="de-DE" b="0" i="1" smtClean="0">
+                                      <a:latin typeface="Cambria Math" panose="02040503050406030204" pitchFamily="18" charset="0"/>
+                                    </a:rPr>
+                                    <m:t>122</m:t>
+                                  </m:r>
+                                </m:e>
+                                <m:sub>
+                                  <m:r>
+                                    <a:rPr lang="de-DE" b="0" i="1" smtClean="0">
+                                      <a:latin typeface="Cambria Math" panose="02040503050406030204" pitchFamily="18" charset="0"/>
+                                    </a:rPr>
+                                    <m:t>8</m:t>
+                                  </m:r>
+                                </m:sub>
+                              </m:sSub>
+                            </m:oMath>
+                          </a14:m>
+                          <a:endParaRPr lang="de-DE" dirty="0"/>
+                        </a:p>
+                      </a:txBody>
+                      <a:tcPr/>
+                    </a:tc>
+                    <a:tc>
+                      <a:txBody>
+                        <a:bodyPr/>
+                        <a:lstStyle/>
+                        <a:p>
+                          <a:pPr lvl="0" algn="ctr">
+                            <a:buNone/>
+                          </a:pPr>
+                          <a:r>
+                            <a:rPr lang="de-DE" dirty="0"/>
+                            <a:t>0</a:t>
+                          </a:r>
+                        </a:p>
+                      </a:txBody>
+                      <a:tcPr/>
+                    </a:tc>
+                    <a:tc>
+                      <a:txBody>
+                        <a:bodyPr/>
+                        <a:lstStyle/>
+                        <a:p>
+                          <a:pPr lvl="0" algn="ctr">
+                            <a:buNone/>
+                          </a:pPr>
+                          <a:r>
+                            <a:rPr lang="de-DE" dirty="0"/>
+                            <a:t>0</a:t>
+                          </a:r>
+                        </a:p>
+                      </a:txBody>
+                      <a:tcPr/>
+                    </a:tc>
+                    <a:extLst>
+                      <a:ext uri="{0D108BD9-81ED-4DB2-BD59-A6C34878D82A}">
+                        <a16:rowId xmlns:a16="http://schemas.microsoft.com/office/drawing/2014/main" val="1703270876"/>
+                      </a:ext>
+                    </a:extLst>
+                  </a:tr>
+                  <a:tr h="370840">
+                    <a:tc>
+                      <a:txBody>
+                        <a:bodyPr/>
+                        <a:lstStyle/>
+                        <a:p>
+                          <a:pPr algn="ctr"/>
+                          <a:r>
+                            <a:rPr lang="de-DE" dirty="0"/>
+                            <a:t>2</a:t>
+                          </a:r>
+                          <a14:m>
+                            <m:oMath xmlns:m="http://schemas.openxmlformats.org/officeDocument/2006/math">
+                              <m:sSub>
+                                <m:sSubPr>
+                                  <m:ctrlPr>
+                                    <a:rPr lang="de-DE" i="1" dirty="0" smtClean="0">
+                                      <a:latin typeface="Cambria Math" panose="02040503050406030204" pitchFamily="18" charset="0"/>
+                                    </a:rPr>
+                                  </m:ctrlPr>
+                                </m:sSubPr>
+                                <m:e>
+                                  <m:r>
+                                    <a:rPr lang="de-DE" b="0" i="1" smtClean="0">
+                                      <a:latin typeface="Cambria Math" panose="02040503050406030204" pitchFamily="18" charset="0"/>
+                                    </a:rPr>
+                                    <m:t>𝐴𝐶</m:t>
+                                  </m:r>
+                                  <m:r>
+                                    <a:rPr lang="de-DE" b="0" i="1" smtClean="0">
+                                      <a:latin typeface="Cambria Math" panose="02040503050406030204" pitchFamily="18" charset="0"/>
+                                    </a:rPr>
+                                    <m:t>4</m:t>
+                                  </m:r>
+                                </m:e>
+                                <m:sub>
+                                  <m:r>
+                                    <a:rPr lang="de-DE" b="0" i="1" smtClean="0">
+                                      <a:latin typeface="Cambria Math" panose="02040503050406030204" pitchFamily="18" charset="0"/>
+                                    </a:rPr>
+                                    <m:t>16</m:t>
+                                  </m:r>
+                                </m:sub>
+                              </m:sSub>
+                            </m:oMath>
+                          </a14:m>
+                          <a:endParaRPr lang="de-DE" dirty="0"/>
+                        </a:p>
+                      </a:txBody>
+                      <a:tcPr/>
+                    </a:tc>
+                    <a:tc>
+                      <a:txBody>
+                        <a:bodyPr/>
+                        <a:lstStyle/>
+                        <a:p>
+                          <a:pPr lvl="0" algn="ctr">
+                            <a:buNone/>
+                          </a:pPr>
+                          <a:r>
+                            <a:rPr lang="de-DE" dirty="0"/>
+                            <a:t>0</a:t>
+                          </a:r>
+                        </a:p>
+                      </a:txBody>
+                      <a:tcPr/>
+                    </a:tc>
+                    <a:tc>
+                      <a:txBody>
+                        <a:bodyPr/>
+                        <a:lstStyle/>
+                        <a:p>
+                          <a:pPr lvl="0" algn="ctr">
+                            <a:buNone/>
+                          </a:pPr>
+                          <a:r>
+                            <a:rPr lang="de-DE" dirty="0"/>
+                            <a:t>4</a:t>
+                          </a:r>
+                        </a:p>
+                      </a:txBody>
+                      <a:tcPr/>
+                    </a:tc>
+                    <a:tc>
+                      <a:txBody>
+                        <a:bodyPr/>
+                        <a:lstStyle/>
+                        <a:p>
+                          <a:pPr lvl="0" algn="ctr">
+                            <a:buNone/>
+                          </a:pPr>
+                          <a:r>
+                            <a:rPr lang="de-DE" dirty="0"/>
+                            <a:t>8</a:t>
+                          </a:r>
+                        </a:p>
+                      </a:txBody>
+                      <a:tcPr/>
+                    </a:tc>
+                    <a:tc>
+                      <a:txBody>
+                        <a:bodyPr/>
+                        <a:lstStyle/>
+                        <a:p>
+                          <a:pPr algn="ctr"/>
+                          <a:r>
+                            <a:rPr lang="de-DE" dirty="0"/>
+                            <a:t>3</a:t>
+                          </a:r>
+                        </a:p>
+                      </a:txBody>
+                      <a:tcPr/>
+                    </a:tc>
+                    <a:tc>
+                      <a:txBody>
+                        <a:bodyPr/>
+                        <a:lstStyle/>
+                        <a:p>
+                          <a:pPr algn="ctr"/>
+                          <a:r>
+                            <a:rPr lang="de-DE" dirty="0"/>
+                            <a:t>8</a:t>
+                          </a:r>
+                          <a14:m>
+                            <m:oMath xmlns:m="http://schemas.openxmlformats.org/officeDocument/2006/math">
+                              <m:sSub>
+                                <m:sSubPr>
+                                  <m:ctrlPr>
+                                    <a:rPr lang="de-DE" i="1" dirty="0" smtClean="0">
+                                      <a:latin typeface="Cambria Math" panose="02040503050406030204" pitchFamily="18" charset="0"/>
+                                    </a:rPr>
+                                  </m:ctrlPr>
+                                </m:sSubPr>
+                                <m:e>
+                                  <m:r>
+                                    <a:rPr lang="de-DE" b="0" i="1" smtClean="0">
+                                      <a:latin typeface="Cambria Math" panose="02040503050406030204" pitchFamily="18" charset="0"/>
+                                    </a:rPr>
+                                    <m:t>101011000100</m:t>
+                                  </m:r>
+                                </m:e>
+                                <m:sub>
+                                  <m:r>
+                                    <a:rPr lang="de-DE" b="0" i="1" smtClean="0">
+                                      <a:latin typeface="Cambria Math" panose="02040503050406030204" pitchFamily="18" charset="0"/>
+                                    </a:rPr>
+                                    <m:t>2</m:t>
+                                  </m:r>
+                                </m:sub>
+                              </m:sSub>
+                            </m:oMath>
+                          </a14:m>
+                          <a:endParaRPr lang="de-DE" dirty="0"/>
+                        </a:p>
+                      </a:txBody>
+                      <a:tcPr/>
+                    </a:tc>
+                    <a:tc>
+                      <a:txBody>
+                        <a:bodyPr/>
+                        <a:lstStyle/>
+                        <a:p>
+                          <a:pPr lvl="0" algn="ctr">
+                            <a:buNone/>
+                          </a:pPr>
+                          <a:r>
+                            <a:rPr lang="de-DE" dirty="0"/>
+                            <a:t>8</a:t>
+                          </a:r>
+                        </a:p>
+                      </a:txBody>
+                      <a:tcPr/>
+                    </a:tc>
+                    <a:tc>
+                      <a:txBody>
+                        <a:bodyPr/>
+                        <a:lstStyle/>
+                        <a:p>
+                          <a:pPr lvl="0" algn="ctr">
+                            <a:buNone/>
+                          </a:pPr>
+                          <a:r>
+                            <a:rPr lang="de-DE" dirty="0"/>
+                            <a:t>0</a:t>
+                          </a:r>
+                        </a:p>
+                      </a:txBody>
+                      <a:tcPr/>
+                    </a:tc>
+                    <a:extLst>
+                      <a:ext uri="{0D108BD9-81ED-4DB2-BD59-A6C34878D82A}">
+                        <a16:rowId xmlns:a16="http://schemas.microsoft.com/office/drawing/2014/main" val="2818478599"/>
+                      </a:ext>
+                    </a:extLst>
+                  </a:tr>
+                  <a:tr h="370840">
+                    <a:tc>
+                      <a:txBody>
+                        <a:bodyPr/>
+                        <a:lstStyle/>
+                        <a:p>
+                          <a:pPr algn="ctr"/>
+                          <a:r>
+                            <a:rPr lang="de-DE" dirty="0"/>
+                            <a:t>3</a:t>
+                          </a:r>
+                          <a14:m>
+                            <m:oMath xmlns:m="http://schemas.openxmlformats.org/officeDocument/2006/math">
+                              <m:sSub>
+                                <m:sSubPr>
+                                  <m:ctrlPr>
+                                    <a:rPr lang="de-DE" i="1" dirty="0" smtClean="0">
+                                      <a:latin typeface="Cambria Math" panose="02040503050406030204" pitchFamily="18" charset="0"/>
+                                    </a:rPr>
+                                  </m:ctrlPr>
+                                </m:sSubPr>
+                                <m:e>
+                                  <m:r>
+                                    <a:rPr lang="de-DE" b="0" i="1" smtClean="0">
+                                      <a:latin typeface="Cambria Math" panose="02040503050406030204" pitchFamily="18" charset="0"/>
+                                    </a:rPr>
+                                    <m:t>66</m:t>
+                                  </m:r>
+                                </m:e>
+                                <m:sub>
+                                  <m:r>
+                                    <a:rPr lang="de-DE" b="0" i="1" smtClean="0">
+                                      <a:latin typeface="Cambria Math" panose="02040503050406030204" pitchFamily="18" charset="0"/>
+                                    </a:rPr>
+                                    <m:t>8</m:t>
+                                  </m:r>
+                                </m:sub>
+                              </m:sSub>
+                            </m:oMath>
+                          </a14:m>
+                          <a:endParaRPr lang="de-DE" dirty="0"/>
+                        </a:p>
+                      </a:txBody>
+                      <a:tcPr/>
+                    </a:tc>
+                    <a:tc>
+                      <a:txBody>
+                        <a:bodyPr/>
+                        <a:lstStyle/>
+                        <a:p>
+                          <a:pPr lvl="0" algn="ctr">
+                            <a:buNone/>
+                          </a:pPr>
+                          <a:r>
+                            <a:rPr lang="de-DE" dirty="0"/>
+                            <a:t>0</a:t>
+                          </a:r>
+                        </a:p>
+                      </a:txBody>
+                      <a:tcPr/>
+                    </a:tc>
+                    <a:tc>
+                      <a:txBody>
+                        <a:bodyPr/>
+                        <a:lstStyle/>
+                        <a:p>
+                          <a:pPr lvl="0" algn="ctr">
+                            <a:buNone/>
+                          </a:pPr>
+                          <a:r>
+                            <a:rPr lang="de-DE" dirty="0"/>
+                            <a:t>4</a:t>
+                          </a:r>
+                        </a:p>
+                      </a:txBody>
+                      <a:tcPr/>
+                    </a:tc>
+                    <a:tc>
+                      <a:txBody>
+                        <a:bodyPr/>
+                        <a:lstStyle/>
+                        <a:p>
+                          <a:pPr lvl="0" algn="ctr">
+                            <a:buNone/>
+                          </a:pPr>
+                          <a:r>
+                            <a:rPr lang="de-DE" dirty="0"/>
+                            <a:t>8</a:t>
+                          </a:r>
+                        </a:p>
+                      </a:txBody>
+                      <a:tcPr/>
+                    </a:tc>
+                    <a:tc>
+                      <a:txBody>
+                        <a:bodyPr/>
+                        <a:lstStyle/>
+                        <a:p>
+                          <a:pPr algn="ctr"/>
+                          <a:r>
+                            <a:rPr lang="de-DE" dirty="0"/>
+                            <a:t>2</a:t>
+                          </a:r>
+                        </a:p>
+                      </a:txBody>
+                      <a:tcPr/>
+                    </a:tc>
+                    <a:tc>
+                      <a:txBody>
+                        <a:bodyPr/>
+                        <a:lstStyle/>
+                        <a:p>
+                          <a:pPr algn="ctr"/>
+                          <a:r>
+                            <a:rPr lang="de-DE" dirty="0"/>
+                            <a:t>8</a:t>
+                          </a:r>
+                          <a14:m>
+                            <m:oMath xmlns:m="http://schemas.openxmlformats.org/officeDocument/2006/math">
+                              <m:sSub>
+                                <m:sSubPr>
+                                  <m:ctrlPr>
+                                    <a:rPr lang="de-DE" i="1" dirty="0" smtClean="0">
+                                      <a:latin typeface="Cambria Math" panose="02040503050406030204" pitchFamily="18" charset="0"/>
+                                    </a:rPr>
+                                  </m:ctrlPr>
+                                </m:sSubPr>
+                                <m:e>
+                                  <m:r>
+                                    <a:rPr lang="de-DE" b="0" i="1" smtClean="0">
+                                      <a:latin typeface="Cambria Math" panose="02040503050406030204" pitchFamily="18" charset="0"/>
+                                    </a:rPr>
+                                    <m:t>33</m:t>
+                                  </m:r>
+                                </m:e>
+                                <m:sub>
+                                  <m:r>
+                                    <a:rPr lang="de-DE" b="0" i="1" smtClean="0">
+                                      <a:latin typeface="Cambria Math" panose="02040503050406030204" pitchFamily="18" charset="0"/>
+                                    </a:rPr>
+                                    <m:t>16</m:t>
+                                  </m:r>
+                                </m:sub>
+                              </m:sSub>
+                            </m:oMath>
+                          </a14:m>
+                          <a:endParaRPr lang="de-DE" dirty="0"/>
+                        </a:p>
+                      </a:txBody>
+                      <a:tcPr/>
+                    </a:tc>
+                    <a:tc>
+                      <a:txBody>
+                        <a:bodyPr/>
+                        <a:lstStyle/>
+                        <a:p>
+                          <a:pPr lvl="0" algn="ctr">
+                            <a:buNone/>
+                          </a:pPr>
+                          <a:r>
+                            <a:rPr lang="de-DE" dirty="0"/>
+                            <a:t>16</a:t>
+                          </a:r>
+                        </a:p>
+                      </a:txBody>
+                      <a:tcPr/>
+                    </a:tc>
+                    <a:tc>
+                      <a:txBody>
+                        <a:bodyPr/>
+                        <a:lstStyle/>
+                        <a:p>
+                          <a:pPr lvl="0" algn="ctr">
+                            <a:buNone/>
+                          </a:pPr>
+                          <a:r>
+                            <a:rPr lang="de-DE" dirty="0"/>
+                            <a:t>0</a:t>
+                          </a:r>
+                        </a:p>
+                      </a:txBody>
+                      <a:tcPr/>
+                    </a:tc>
+                    <a:extLst>
+                      <a:ext uri="{0D108BD9-81ED-4DB2-BD59-A6C34878D82A}">
+                        <a16:rowId xmlns:a16="http://schemas.microsoft.com/office/drawing/2014/main" val="216001238"/>
+                      </a:ext>
+                    </a:extLst>
+                  </a:tr>
+                  <a:tr h="370839">
+                    <a:tc>
+                      <a:txBody>
+                        <a:bodyPr/>
+                        <a:lstStyle/>
+                        <a:p>
+                          <a:pPr lvl="0" algn="ctr">
+                            <a:buNone/>
+                          </a:pPr>
+                          <a:r>
+                            <a:rPr lang="de-DE" dirty="0"/>
+                            <a:t>4</a:t>
+                          </a:r>
+                        </a:p>
+                      </a:txBody>
+                      <a:tcPr/>
+                    </a:tc>
+                    <a:tc>
+                      <a:txBody>
+                        <a:bodyPr/>
+                        <a:lstStyle/>
+                        <a:p>
+                          <a:pPr lvl="0" algn="ctr">
+                            <a:buNone/>
+                          </a:pPr>
+                          <a:r>
+                            <a:rPr lang="de-DE" dirty="0"/>
+                            <a:t>0</a:t>
+                          </a:r>
+                        </a:p>
+                      </a:txBody>
+                      <a:tcPr/>
+                    </a:tc>
+                    <a:tc>
+                      <a:txBody>
+                        <a:bodyPr/>
+                        <a:lstStyle/>
+                        <a:p>
+                          <a:pPr lvl="0" algn="ctr">
+                            <a:buNone/>
+                          </a:pPr>
+                          <a:r>
+                            <a:rPr lang="de-DE" dirty="0"/>
+                            <a:t>4</a:t>
+                          </a:r>
+                        </a:p>
+                      </a:txBody>
+                      <a:tcPr/>
+                    </a:tc>
+                    <a:tc>
+                      <a:txBody>
+                        <a:bodyPr/>
+                        <a:lstStyle/>
+                        <a:p>
+                          <a:pPr lvl="0" algn="ctr">
+                            <a:buNone/>
+                          </a:pPr>
+                          <a:r>
+                            <a:rPr lang="de-DE" dirty="0"/>
+                            <a:t>8</a:t>
+                          </a:r>
+                        </a:p>
+                      </a:txBody>
+                      <a:tcPr/>
+                    </a:tc>
+                    <a:tc>
+                      <a:txBody>
+                        <a:bodyPr/>
+                        <a:lstStyle/>
+                        <a:p>
+                          <a:pPr lvl="0" algn="ctr">
+                            <a:buNone/>
+                          </a:pPr>
+                          <a:r>
+                            <a:rPr lang="de-DE" dirty="0"/>
+                            <a:t>1</a:t>
+                          </a:r>
+                        </a:p>
+                      </a:txBody>
+                      <a:tcPr/>
+                    </a:tc>
+                    <a:tc>
+                      <a:txBody>
+                        <a:bodyPr/>
+                        <a:lstStyle/>
+                        <a:p>
+                          <a:pPr lvl="0" algn="ctr">
+                            <a:buNone/>
+                          </a:pPr>
+                          <a:r>
+                            <a:rPr lang="de-DE" dirty="0"/>
+                            <a:t>8</a:t>
+                          </a:r>
+                        </a:p>
+                      </a:txBody>
+                      <a:tcPr/>
+                    </a:tc>
+                    <a:tc>
+                      <a:txBody>
+                        <a:bodyPr/>
+                        <a:lstStyle/>
+                        <a:p>
+                          <a:pPr lvl="0" algn="ctr">
+                            <a:buNone/>
+                          </a:pPr>
+                          <a:r>
+                            <a:rPr lang="de-DE" dirty="0"/>
+                            <a:t>24</a:t>
+                          </a:r>
+                        </a:p>
+                      </a:txBody>
+                      <a:tcPr/>
+                    </a:tc>
+                    <a:tc>
+                      <a:txBody>
+                        <a:bodyPr/>
+                        <a:lstStyle/>
+                        <a:p>
+                          <a:pPr lvl="0" algn="ctr">
+                            <a:buNone/>
+                          </a:pPr>
+                          <a:r>
+                            <a:rPr lang="de-DE" dirty="0"/>
+                            <a:t>0</a:t>
+                          </a:r>
+                        </a:p>
+                      </a:txBody>
+                      <a:tcPr/>
+                    </a:tc>
+                    <a:extLst>
+                      <a:ext uri="{0D108BD9-81ED-4DB2-BD59-A6C34878D82A}">
+                        <a16:rowId xmlns:a16="http://schemas.microsoft.com/office/drawing/2014/main" val="1680469344"/>
+                      </a:ext>
+                    </a:extLst>
+                  </a:tr>
+                  <a:tr h="370839">
+                    <a:tc>
+                      <a:txBody>
+                        <a:bodyPr/>
+                        <a:lstStyle/>
+                        <a:p>
+                          <a:pPr lvl="0" algn="ctr">
+                            <a:buNone/>
+                          </a:pPr>
+                          <a:r>
+                            <a:rPr lang="de-DE" dirty="0"/>
+                            <a:t>5</a:t>
+                          </a:r>
+                        </a:p>
+                      </a:txBody>
+                      <a:tcPr/>
+                    </a:tc>
+                    <a:tc>
+                      <a:txBody>
+                        <a:bodyPr/>
+                        <a:lstStyle/>
+                        <a:p>
+                          <a:pPr lvl="0" algn="ctr">
+                            <a:buNone/>
+                          </a:pPr>
+                          <a:r>
+                            <a:rPr lang="de-DE" dirty="0"/>
+                            <a:t>0</a:t>
+                          </a:r>
+                        </a:p>
+                      </a:txBody>
+                      <a:tcPr/>
+                    </a:tc>
+                    <a:tc>
+                      <a:txBody>
+                        <a:bodyPr/>
+                        <a:lstStyle/>
+                        <a:p>
+                          <a:pPr lvl="0" algn="ctr">
+                            <a:buNone/>
+                          </a:pPr>
+                          <a:r>
+                            <a:rPr lang="de-DE" dirty="0"/>
+                            <a:t>4</a:t>
+                          </a:r>
+                        </a:p>
+                      </a:txBody>
+                      <a:tcPr/>
+                    </a:tc>
+                    <a:tc>
+                      <a:txBody>
+                        <a:bodyPr/>
+                        <a:lstStyle/>
+                        <a:p>
+                          <a:pPr lvl="0" algn="ctr">
+                            <a:buNone/>
+                          </a:pPr>
+                          <a:r>
+                            <a:rPr lang="de-DE" dirty="0"/>
+                            <a:t>8</a:t>
+                          </a:r>
+                        </a:p>
+                      </a:txBody>
+                      <a:tcPr/>
+                    </a:tc>
+                    <a:tc>
+                      <a:txBody>
+                        <a:bodyPr/>
+                        <a:lstStyle/>
+                        <a:p>
+                          <a:pPr lvl="0" algn="ctr">
+                            <a:buNone/>
+                          </a:pPr>
+                          <a:r>
+                            <a:rPr lang="de-DE" dirty="0"/>
+                            <a:t>0</a:t>
+                          </a:r>
+                        </a:p>
+                      </a:txBody>
+                      <a:tcPr/>
+                    </a:tc>
+                    <a:tc>
+                      <a:txBody>
+                        <a:bodyPr/>
+                        <a:lstStyle/>
+                        <a:p>
+                          <a:pPr lvl="0" algn="ctr">
+                            <a:buNone/>
+                          </a:pPr>
+                          <a:r>
+                            <a:rPr lang="de-DE" dirty="0"/>
+                            <a:t>8</a:t>
+                          </a:r>
+                        </a:p>
+                      </a:txBody>
+                      <a:tcPr/>
+                    </a:tc>
+                    <a:tc>
+                      <a:txBody>
+                        <a:bodyPr/>
+                        <a:lstStyle/>
+                        <a:p>
+                          <a:pPr lvl="0" algn="ctr">
+                            <a:buNone/>
+                          </a:pPr>
+                          <a:r>
+                            <a:rPr lang="de-DE" dirty="0"/>
+                            <a:t>32</a:t>
+                          </a:r>
+                        </a:p>
+                      </a:txBody>
+                      <a:tcPr/>
+                    </a:tc>
+                    <a:tc>
+                      <a:txBody>
+                        <a:bodyPr/>
+                        <a:lstStyle/>
+                        <a:p>
+                          <a:pPr lvl="0" algn="ctr">
+                            <a:buNone/>
+                          </a:pPr>
+                          <a:r>
+                            <a:rPr lang="de-DE" dirty="0"/>
+                            <a:t>0</a:t>
+                          </a:r>
+                        </a:p>
+                      </a:txBody>
+                      <a:tcPr/>
+                    </a:tc>
+                    <a:extLst>
+                      <a:ext uri="{0D108BD9-81ED-4DB2-BD59-A6C34878D82A}">
+                        <a16:rowId xmlns:a16="http://schemas.microsoft.com/office/drawing/2014/main" val="980742993"/>
+                      </a:ext>
+                    </a:extLst>
+                  </a:tr>
+                  <a:tr h="370839">
+                    <a:tc>
+                      <a:txBody>
+                        <a:bodyPr/>
+                        <a:lstStyle/>
+                        <a:p>
+                          <a:pPr lvl="0" algn="ctr">
+                            <a:buNone/>
+                          </a:pPr>
+                          <a:r>
+                            <a:rPr lang="de-DE" dirty="0"/>
+                            <a:t>6</a:t>
+                          </a:r>
+                        </a:p>
+                      </a:txBody>
+                      <a:tcPr/>
+                    </a:tc>
+                    <a:tc>
+                      <a:txBody>
+                        <a:bodyPr/>
+                        <a:lstStyle/>
+                        <a:p>
+                          <a:pPr lvl="0" algn="ctr">
+                            <a:buNone/>
+                          </a:pPr>
+                          <a:r>
+                            <a:rPr lang="de-DE" dirty="0"/>
+                            <a:t>0</a:t>
+                          </a:r>
+                        </a:p>
+                      </a:txBody>
+                      <a:tcPr/>
+                    </a:tc>
+                    <a:tc>
+                      <a:txBody>
+                        <a:bodyPr/>
+                        <a:lstStyle/>
+                        <a:p>
+                          <a:pPr lvl="0" algn="ctr">
+                            <a:buNone/>
+                          </a:pPr>
+                          <a:r>
+                            <a:rPr lang="de-DE" dirty="0"/>
+                            <a:t>4</a:t>
+                          </a:r>
+                        </a:p>
+                      </a:txBody>
+                      <a:tcPr/>
+                    </a:tc>
+                    <a:tc>
+                      <a:txBody>
+                        <a:bodyPr/>
+                        <a:lstStyle/>
+                        <a:p>
+                          <a:pPr lvl="0" algn="ctr">
+                            <a:buNone/>
+                          </a:pPr>
+                          <a:r>
+                            <a:rPr lang="de-DE" dirty="0"/>
+                            <a:t>8</a:t>
+                          </a:r>
+                        </a:p>
+                      </a:txBody>
+                      <a:tcPr/>
+                    </a:tc>
+                    <a:tc>
+                      <a:txBody>
+                        <a:bodyPr/>
+                        <a:lstStyle/>
+                        <a:p>
+                          <a:pPr lvl="0" algn="ctr">
+                            <a:buNone/>
+                          </a:pPr>
+                          <a:r>
+                            <a:rPr lang="de-DE" dirty="0"/>
+                            <a:t>X</a:t>
+                          </a:r>
+                        </a:p>
+                      </a:txBody>
+                      <a:tcPr/>
+                    </a:tc>
+                    <a:tc>
+                      <a:txBody>
+                        <a:bodyPr/>
+                        <a:lstStyle/>
+                        <a:p>
+                          <a:pPr lvl="0" algn="ctr">
+                            <a:buNone/>
+                          </a:pPr>
+                          <a:r>
+                            <a:rPr lang="de-DE" dirty="0"/>
+                            <a:t>8</a:t>
+                          </a:r>
+                        </a:p>
+                      </a:txBody>
+                      <a:tcPr/>
+                    </a:tc>
+                    <a:tc>
+                      <a:txBody>
+                        <a:bodyPr/>
+                        <a:lstStyle/>
+                        <a:p>
+                          <a:pPr lvl="0" algn="ctr">
+                            <a:buNone/>
+                          </a:pPr>
+                          <a:r>
+                            <a:rPr lang="de-DE" dirty="0"/>
+                            <a:t>X</a:t>
+                          </a:r>
+                        </a:p>
+                      </a:txBody>
+                      <a:tcPr/>
+                    </a:tc>
+                    <a:tc>
+                      <a:txBody>
+                        <a:bodyPr/>
+                        <a:lstStyle/>
+                        <a:p>
+                          <a:pPr lvl="0" algn="ctr">
+                            <a:buNone/>
+                          </a:pPr>
+                          <a:r>
+                            <a:rPr lang="de-DE" dirty="0"/>
+                            <a:t>32</a:t>
+                          </a:r>
+                        </a:p>
+                      </a:txBody>
+                      <a:tcPr/>
+                    </a:tc>
+                    <a:extLst>
+                      <a:ext uri="{0D108BD9-81ED-4DB2-BD59-A6C34878D82A}">
+                        <a16:rowId xmlns:a16="http://schemas.microsoft.com/office/drawing/2014/main" val="2300257901"/>
+                      </a:ext>
+                    </a:extLst>
+                  </a:tr>
+                </a:tbl>
+              </a:graphicData>
+            </a:graphic>
+          </p:graphicFrame>
+        </mc:Choice>
+        <mc:Fallback>
+          <p:graphicFrame>
+            <p:nvGraphicFramePr>
+              <p:cNvPr id="4" name="Inhaltsplatzhalter 3">
+                <a:extLst>
+                  <a:ext uri="{FF2B5EF4-FFF2-40B4-BE49-F238E27FC236}">
+                    <a16:creationId xmlns:a16="http://schemas.microsoft.com/office/drawing/2014/main" id="{56C89CC8-7341-8CA5-9473-31D1970DA5EC}"/>
+                  </a:ext>
+                </a:extLst>
+              </p:cNvPr>
+              <p:cNvGraphicFramePr>
+                <a:graphicFrameLocks noGrp="1"/>
+              </p:cNvGraphicFramePr>
+              <p:nvPr>
+                <p:ph idx="1"/>
+                <p:extLst>
+                  <p:ext uri="{D42A27DB-BD31-4B8C-83A1-F6EECF244321}">
+                    <p14:modId xmlns:p14="http://schemas.microsoft.com/office/powerpoint/2010/main" val="2570673025"/>
+                  </p:ext>
+                </p:extLst>
+              </p:nvPr>
+            </p:nvGraphicFramePr>
+            <p:xfrm>
+              <a:off x="1137574" y="1773238"/>
+              <a:ext cx="8209880" cy="3235957"/>
+            </p:xfrm>
+            <a:graphic>
+              <a:graphicData uri="http://schemas.openxmlformats.org/drawingml/2006/table">
+                <a:tbl>
+                  <a:tblPr firstRow="1" bandRow="1">
+                    <a:tableStyleId>{00A15C55-8517-42AA-B614-E9B94910E393}</a:tableStyleId>
+                  </a:tblPr>
+                  <a:tblGrid>
+                    <a:gridCol w="1026235">
+                      <a:extLst>
+                        <a:ext uri="{9D8B030D-6E8A-4147-A177-3AD203B41FA5}">
+                          <a16:colId xmlns:a16="http://schemas.microsoft.com/office/drawing/2014/main" val="1652158833"/>
+                        </a:ext>
+                      </a:extLst>
+                    </a:gridCol>
+                    <a:gridCol w="1026235">
+                      <a:extLst>
+                        <a:ext uri="{9D8B030D-6E8A-4147-A177-3AD203B41FA5}">
+                          <a16:colId xmlns:a16="http://schemas.microsoft.com/office/drawing/2014/main" val="2926449063"/>
+                        </a:ext>
+                      </a:extLst>
+                    </a:gridCol>
+                    <a:gridCol w="1026235">
+                      <a:extLst>
+                        <a:ext uri="{9D8B030D-6E8A-4147-A177-3AD203B41FA5}">
+                          <a16:colId xmlns:a16="http://schemas.microsoft.com/office/drawing/2014/main" val="787207862"/>
+                        </a:ext>
+                      </a:extLst>
+                    </a:gridCol>
+                    <a:gridCol w="1026235">
+                      <a:extLst>
+                        <a:ext uri="{9D8B030D-6E8A-4147-A177-3AD203B41FA5}">
+                          <a16:colId xmlns:a16="http://schemas.microsoft.com/office/drawing/2014/main" val="3809945160"/>
+                        </a:ext>
+                      </a:extLst>
+                    </a:gridCol>
+                    <a:gridCol w="1026235">
+                      <a:extLst>
+                        <a:ext uri="{9D8B030D-6E8A-4147-A177-3AD203B41FA5}">
+                          <a16:colId xmlns:a16="http://schemas.microsoft.com/office/drawing/2014/main" val="2374642796"/>
+                        </a:ext>
+                      </a:extLst>
+                    </a:gridCol>
+                    <a:gridCol w="1026235">
+                      <a:extLst>
+                        <a:ext uri="{9D8B030D-6E8A-4147-A177-3AD203B41FA5}">
+                          <a16:colId xmlns:a16="http://schemas.microsoft.com/office/drawing/2014/main" val="4173493018"/>
+                        </a:ext>
+                      </a:extLst>
+                    </a:gridCol>
+                    <a:gridCol w="1026235">
+                      <a:extLst>
+                        <a:ext uri="{9D8B030D-6E8A-4147-A177-3AD203B41FA5}">
+                          <a16:colId xmlns:a16="http://schemas.microsoft.com/office/drawing/2014/main" val="3435224365"/>
+                        </a:ext>
+                      </a:extLst>
+                    </a:gridCol>
+                    <a:gridCol w="1026235">
+                      <a:extLst>
+                        <a:ext uri="{9D8B030D-6E8A-4147-A177-3AD203B41FA5}">
+                          <a16:colId xmlns:a16="http://schemas.microsoft.com/office/drawing/2014/main" val="1787115638"/>
+                        </a:ext>
+                      </a:extLst>
+                    </a:gridCol>
+                  </a:tblGrid>
+                  <a:tr h="370840">
+                    <a:tc>
+                      <a:txBody>
+                        <a:bodyPr/>
+                        <a:lstStyle/>
+                        <a:p>
+                          <a:pPr algn="ctr"/>
+                          <a:r>
+                            <a:rPr lang="de-DE" dirty="0"/>
+                            <a:t>Takt</a:t>
+                          </a:r>
+                        </a:p>
+                      </a:txBody>
+                      <a:tcPr/>
+                    </a:tc>
+                    <a:tc>
+                      <a:txBody>
+                        <a:bodyPr/>
+                        <a:lstStyle/>
+                        <a:p>
+                          <a:pPr lvl="0" algn="ctr">
+                            <a:buNone/>
+                          </a:pPr>
+                          <a:r>
+                            <a:rPr lang="de-DE" dirty="0"/>
+                            <a:t>en</a:t>
+                          </a:r>
+                        </a:p>
+                      </a:txBody>
+                      <a:tcPr/>
+                    </a:tc>
+                    <a:tc>
+                      <a:txBody>
+                        <a:bodyPr/>
+                        <a:lstStyle/>
+                        <a:p>
+                          <a:pPr lvl="0" algn="ctr">
+                            <a:buNone/>
+                          </a:pPr>
+                          <a:r>
+                            <a:rPr lang="de-DE" dirty="0"/>
+                            <a:t>a</a:t>
+                          </a:r>
+                        </a:p>
+                      </a:txBody>
+                      <a:tcPr/>
+                    </a:tc>
+                    <a:tc>
+                      <a:txBody>
+                        <a:bodyPr/>
+                        <a:lstStyle/>
+                        <a:p>
+                          <a:pPr lvl="0" algn="ctr">
+                            <a:buNone/>
+                          </a:pPr>
+                          <a:r>
+                            <a:rPr lang="de-DE" dirty="0"/>
+                            <a:t>b</a:t>
+                          </a:r>
+                        </a:p>
+                      </a:txBody>
+                      <a:tcPr/>
+                    </a:tc>
+                    <a:tc>
+                      <a:txBody>
+                        <a:bodyPr/>
+                        <a:lstStyle/>
+                        <a:p>
+                          <a:pPr lvl="0" algn="ctr">
+                            <a:buNone/>
+                          </a:pPr>
+                          <a:r>
+                            <a:rPr lang="de-DE" dirty="0"/>
+                            <a:t>A</a:t>
+                          </a:r>
+                        </a:p>
+                      </a:txBody>
+                      <a:tcPr/>
+                    </a:tc>
+                    <a:tc>
+                      <a:txBody>
+                        <a:bodyPr/>
+                        <a:lstStyle/>
+                        <a:p>
+                          <a:pPr lvl="0" algn="ctr">
+                            <a:buNone/>
+                          </a:pPr>
+                          <a:r>
+                            <a:rPr lang="de-DE" dirty="0"/>
+                            <a:t>B</a:t>
+                          </a:r>
+                        </a:p>
+                      </a:txBody>
+                      <a:tcPr/>
+                    </a:tc>
+                    <a:tc>
+                      <a:txBody>
+                        <a:bodyPr/>
+                        <a:lstStyle/>
+                        <a:p>
+                          <a:pPr lvl="0" algn="ctr">
+                            <a:buNone/>
+                          </a:pPr>
+                          <a:r>
+                            <a:rPr lang="de-DE" dirty="0"/>
+                            <a:t>S</a:t>
+                          </a:r>
+                        </a:p>
+                      </a:txBody>
+                      <a:tcPr/>
+                    </a:tc>
+                    <a:tc>
+                      <a:txBody>
+                        <a:bodyPr/>
+                        <a:lstStyle/>
+                        <a:p>
+                          <a:pPr lvl="0" algn="ctr">
+                            <a:buNone/>
+                          </a:pPr>
+                          <a:r>
+                            <a:rPr lang="de-DE" dirty="0"/>
+                            <a:t>R</a:t>
+                          </a:r>
+                        </a:p>
+                      </a:txBody>
+                      <a:tcPr/>
+                    </a:tc>
+                    <a:extLst>
+                      <a:ext uri="{0D108BD9-81ED-4DB2-BD59-A6C34878D82A}">
+                        <a16:rowId xmlns:a16="http://schemas.microsoft.com/office/drawing/2014/main" val="1625499165"/>
+                      </a:ext>
+                    </a:extLst>
+                  </a:tr>
+                  <a:tr h="370840">
+                    <a:tc>
+                      <a:txBody>
+                        <a:bodyPr/>
+                        <a:lstStyle/>
+                        <a:p>
+                          <a:endParaRPr lang="en-US"/>
+                        </a:p>
+                      </a:txBody>
+                      <a:tcPr>
+                        <a:blipFill>
+                          <a:blip r:embed="rId2"/>
+                          <a:stretch>
+                            <a:fillRect l="-592" t="-108197" r="-700000" b="-696721"/>
+                          </a:stretch>
+                        </a:blipFill>
+                      </a:tcPr>
+                    </a:tc>
+                    <a:tc>
+                      <a:txBody>
+                        <a:bodyPr/>
+                        <a:lstStyle/>
+                        <a:p>
+                          <a:pPr lvl="0" algn="ctr">
+                            <a:buNone/>
+                          </a:pPr>
+                          <a:r>
+                            <a:rPr lang="de-DE" dirty="0"/>
+                            <a:t>1</a:t>
+                          </a:r>
+                        </a:p>
+                      </a:txBody>
+                      <a:tcPr/>
+                    </a:tc>
+                    <a:tc>
+                      <a:txBody>
+                        <a:bodyPr/>
+                        <a:lstStyle/>
+                        <a:p>
+                          <a:pPr lvl="0" algn="ctr">
+                            <a:buNone/>
+                          </a:pPr>
+                          <a:r>
+                            <a:rPr lang="de-DE" dirty="0"/>
+                            <a:t>4</a:t>
+                          </a:r>
+                        </a:p>
+                      </a:txBody>
+                      <a:tcPr/>
+                    </a:tc>
+                    <a:tc>
+                      <a:txBody>
+                        <a:bodyPr/>
+                        <a:lstStyle/>
+                        <a:p>
+                          <a:pPr lvl="0" algn="ctr">
+                            <a:buNone/>
+                          </a:pPr>
+                          <a:r>
+                            <a:rPr lang="de-DE" dirty="0"/>
+                            <a:t>8</a:t>
+                          </a:r>
+                        </a:p>
+                      </a:txBody>
+                      <a:tcPr/>
+                    </a:tc>
+                    <a:tc>
+                      <a:txBody>
+                        <a:bodyPr/>
+                        <a:lstStyle/>
+                        <a:p>
+                          <a:pPr algn="ctr"/>
+                          <a:r>
+                            <a:rPr lang="de-DE" dirty="0"/>
+                            <a:t>0</a:t>
+                          </a:r>
+                        </a:p>
+                      </a:txBody>
+                      <a:tcPr/>
+                    </a:tc>
+                    <a:tc>
+                      <a:txBody>
+                        <a:bodyPr/>
+                        <a:lstStyle/>
+                        <a:p>
+                          <a:endParaRPr lang="en-US"/>
+                        </a:p>
+                      </a:txBody>
+                      <a:tcPr>
+                        <a:blipFill>
+                          <a:blip r:embed="rId2"/>
+                          <a:stretch>
+                            <a:fillRect l="-502381" t="-108197" r="-202976" b="-696721"/>
+                          </a:stretch>
+                        </a:blipFill>
+                      </a:tcPr>
+                    </a:tc>
+                    <a:tc>
+                      <a:txBody>
+                        <a:bodyPr/>
+                        <a:lstStyle/>
+                        <a:p>
+                          <a:pPr lvl="0" algn="ctr">
+                            <a:buNone/>
+                          </a:pPr>
+                          <a:r>
+                            <a:rPr lang="de-DE" dirty="0"/>
+                            <a:t>0</a:t>
+                          </a:r>
+                        </a:p>
+                      </a:txBody>
+                      <a:tcPr/>
+                    </a:tc>
+                    <a:tc>
+                      <a:txBody>
+                        <a:bodyPr/>
+                        <a:lstStyle/>
+                        <a:p>
+                          <a:pPr lvl="0" algn="ctr">
+                            <a:buNone/>
+                          </a:pPr>
+                          <a:r>
+                            <a:rPr lang="de-DE" dirty="0"/>
+                            <a:t>0</a:t>
+                          </a:r>
+                        </a:p>
+                      </a:txBody>
+                      <a:tcPr/>
+                    </a:tc>
+                    <a:extLst>
+                      <a:ext uri="{0D108BD9-81ED-4DB2-BD59-A6C34878D82A}">
+                        <a16:rowId xmlns:a16="http://schemas.microsoft.com/office/drawing/2014/main" val="476797659"/>
+                      </a:ext>
+                    </a:extLst>
+                  </a:tr>
+                  <a:tr h="370840">
+                    <a:tc>
+                      <a:txBody>
+                        <a:bodyPr/>
+                        <a:lstStyle/>
+                        <a:p>
+                          <a:endParaRPr lang="en-US"/>
+                        </a:p>
+                      </a:txBody>
+                      <a:tcPr>
+                        <a:blipFill>
+                          <a:blip r:embed="rId2"/>
+                          <a:stretch>
+                            <a:fillRect l="-592" t="-208197" r="-700000" b="-596721"/>
+                          </a:stretch>
+                        </a:blipFill>
+                      </a:tcPr>
+                    </a:tc>
+                    <a:tc>
+                      <a:txBody>
+                        <a:bodyPr/>
+                        <a:lstStyle/>
+                        <a:p>
+                          <a:pPr lvl="0" algn="ctr">
+                            <a:buNone/>
+                          </a:pPr>
+                          <a:r>
+                            <a:rPr lang="de-DE" dirty="0"/>
+                            <a:t>0</a:t>
+                          </a:r>
+                        </a:p>
+                      </a:txBody>
+                      <a:tcPr/>
+                    </a:tc>
+                    <a:tc>
+                      <a:txBody>
+                        <a:bodyPr/>
+                        <a:lstStyle/>
+                        <a:p>
+                          <a:pPr lvl="0" algn="ctr">
+                            <a:buNone/>
+                          </a:pPr>
+                          <a:r>
+                            <a:rPr lang="de-DE" dirty="0"/>
+                            <a:t>4</a:t>
+                          </a:r>
+                        </a:p>
+                      </a:txBody>
+                      <a:tcPr/>
+                    </a:tc>
+                    <a:tc>
+                      <a:txBody>
+                        <a:bodyPr/>
+                        <a:lstStyle/>
+                        <a:p>
+                          <a:pPr lvl="0" algn="ctr">
+                            <a:buNone/>
+                          </a:pPr>
+                          <a:r>
+                            <a:rPr lang="de-DE" dirty="0"/>
+                            <a:t>8</a:t>
+                          </a:r>
+                        </a:p>
+                      </a:txBody>
+                      <a:tcPr/>
+                    </a:tc>
+                    <a:tc>
+                      <a:txBody>
+                        <a:bodyPr/>
+                        <a:lstStyle/>
+                        <a:p>
+                          <a:pPr algn="ctr"/>
+                          <a:r>
+                            <a:rPr lang="de-DE" dirty="0"/>
+                            <a:t>4</a:t>
+                          </a:r>
+                        </a:p>
+                      </a:txBody>
+                      <a:tcPr/>
+                    </a:tc>
+                    <a:tc>
+                      <a:txBody>
+                        <a:bodyPr/>
+                        <a:lstStyle/>
+                        <a:p>
+                          <a:endParaRPr lang="en-US"/>
+                        </a:p>
+                      </a:txBody>
+                      <a:tcPr>
+                        <a:blipFill>
+                          <a:blip r:embed="rId2"/>
+                          <a:stretch>
+                            <a:fillRect l="-502381" t="-208197" r="-202976" b="-596721"/>
+                          </a:stretch>
+                        </a:blipFill>
+                      </a:tcPr>
+                    </a:tc>
+                    <a:tc>
+                      <a:txBody>
+                        <a:bodyPr/>
+                        <a:lstStyle/>
+                        <a:p>
+                          <a:pPr lvl="0" algn="ctr">
+                            <a:buNone/>
+                          </a:pPr>
+                          <a:r>
+                            <a:rPr lang="de-DE" dirty="0"/>
+                            <a:t>0</a:t>
+                          </a:r>
+                        </a:p>
+                      </a:txBody>
+                      <a:tcPr/>
+                    </a:tc>
+                    <a:tc>
+                      <a:txBody>
+                        <a:bodyPr/>
+                        <a:lstStyle/>
+                        <a:p>
+                          <a:pPr lvl="0" algn="ctr">
+                            <a:buNone/>
+                          </a:pPr>
+                          <a:r>
+                            <a:rPr lang="de-DE" dirty="0"/>
+                            <a:t>0</a:t>
+                          </a:r>
+                        </a:p>
+                      </a:txBody>
+                      <a:tcPr/>
+                    </a:tc>
+                    <a:extLst>
+                      <a:ext uri="{0D108BD9-81ED-4DB2-BD59-A6C34878D82A}">
+                        <a16:rowId xmlns:a16="http://schemas.microsoft.com/office/drawing/2014/main" val="1703270876"/>
+                      </a:ext>
+                    </a:extLst>
+                  </a:tr>
+                  <a:tr h="640080">
+                    <a:tc>
+                      <a:txBody>
+                        <a:bodyPr/>
+                        <a:lstStyle/>
+                        <a:p>
+                          <a:endParaRPr lang="en-US"/>
+                        </a:p>
+                      </a:txBody>
+                      <a:tcPr>
+                        <a:blipFill>
+                          <a:blip r:embed="rId2"/>
+                          <a:stretch>
+                            <a:fillRect l="-592" t="-179048" r="-700000" b="-246667"/>
+                          </a:stretch>
+                        </a:blipFill>
+                      </a:tcPr>
+                    </a:tc>
+                    <a:tc>
+                      <a:txBody>
+                        <a:bodyPr/>
+                        <a:lstStyle/>
+                        <a:p>
+                          <a:pPr lvl="0" algn="ctr">
+                            <a:buNone/>
+                          </a:pPr>
+                          <a:r>
+                            <a:rPr lang="de-DE" dirty="0"/>
+                            <a:t>0</a:t>
+                          </a:r>
+                        </a:p>
+                      </a:txBody>
+                      <a:tcPr/>
+                    </a:tc>
+                    <a:tc>
+                      <a:txBody>
+                        <a:bodyPr/>
+                        <a:lstStyle/>
+                        <a:p>
+                          <a:pPr lvl="0" algn="ctr">
+                            <a:buNone/>
+                          </a:pPr>
+                          <a:r>
+                            <a:rPr lang="de-DE" dirty="0"/>
+                            <a:t>4</a:t>
+                          </a:r>
+                        </a:p>
+                      </a:txBody>
+                      <a:tcPr/>
+                    </a:tc>
+                    <a:tc>
+                      <a:txBody>
+                        <a:bodyPr/>
+                        <a:lstStyle/>
+                        <a:p>
+                          <a:pPr lvl="0" algn="ctr">
+                            <a:buNone/>
+                          </a:pPr>
+                          <a:r>
+                            <a:rPr lang="de-DE" dirty="0"/>
+                            <a:t>8</a:t>
+                          </a:r>
+                        </a:p>
+                      </a:txBody>
+                      <a:tcPr/>
+                    </a:tc>
+                    <a:tc>
+                      <a:txBody>
+                        <a:bodyPr/>
+                        <a:lstStyle/>
+                        <a:p>
+                          <a:pPr algn="ctr"/>
+                          <a:r>
+                            <a:rPr lang="de-DE" dirty="0"/>
+                            <a:t>3</a:t>
+                          </a:r>
+                        </a:p>
+                      </a:txBody>
+                      <a:tcPr/>
+                    </a:tc>
+                    <a:tc>
+                      <a:txBody>
+                        <a:bodyPr/>
+                        <a:lstStyle/>
+                        <a:p>
+                          <a:endParaRPr lang="en-US"/>
+                        </a:p>
+                      </a:txBody>
+                      <a:tcPr>
+                        <a:blipFill>
+                          <a:blip r:embed="rId2"/>
+                          <a:stretch>
+                            <a:fillRect l="-502381" t="-179048" r="-202976" b="-246667"/>
+                          </a:stretch>
+                        </a:blipFill>
+                      </a:tcPr>
+                    </a:tc>
+                    <a:tc>
+                      <a:txBody>
+                        <a:bodyPr/>
+                        <a:lstStyle/>
+                        <a:p>
+                          <a:pPr lvl="0" algn="ctr">
+                            <a:buNone/>
+                          </a:pPr>
+                          <a:r>
+                            <a:rPr lang="de-DE" dirty="0"/>
+                            <a:t>8</a:t>
+                          </a:r>
+                        </a:p>
+                      </a:txBody>
+                      <a:tcPr/>
+                    </a:tc>
+                    <a:tc>
+                      <a:txBody>
+                        <a:bodyPr/>
+                        <a:lstStyle/>
+                        <a:p>
+                          <a:pPr lvl="0" algn="ctr">
+                            <a:buNone/>
+                          </a:pPr>
+                          <a:r>
+                            <a:rPr lang="de-DE" dirty="0"/>
+                            <a:t>0</a:t>
+                          </a:r>
+                        </a:p>
+                      </a:txBody>
+                      <a:tcPr/>
+                    </a:tc>
+                    <a:extLst>
+                      <a:ext uri="{0D108BD9-81ED-4DB2-BD59-A6C34878D82A}">
+                        <a16:rowId xmlns:a16="http://schemas.microsoft.com/office/drawing/2014/main" val="2818478599"/>
+                      </a:ext>
+                    </a:extLst>
+                  </a:tr>
+                  <a:tr h="370840">
+                    <a:tc>
+                      <a:txBody>
+                        <a:bodyPr/>
+                        <a:lstStyle/>
+                        <a:p>
+                          <a:endParaRPr lang="en-US"/>
+                        </a:p>
+                      </a:txBody>
+                      <a:tcPr>
+                        <a:blipFill>
+                          <a:blip r:embed="rId2"/>
+                          <a:stretch>
+                            <a:fillRect l="-592" t="-480328" r="-700000" b="-324590"/>
+                          </a:stretch>
+                        </a:blipFill>
+                      </a:tcPr>
+                    </a:tc>
+                    <a:tc>
+                      <a:txBody>
+                        <a:bodyPr/>
+                        <a:lstStyle/>
+                        <a:p>
+                          <a:pPr lvl="0" algn="ctr">
+                            <a:buNone/>
+                          </a:pPr>
+                          <a:r>
+                            <a:rPr lang="de-DE" dirty="0"/>
+                            <a:t>0</a:t>
+                          </a:r>
+                        </a:p>
+                      </a:txBody>
+                      <a:tcPr/>
+                    </a:tc>
+                    <a:tc>
+                      <a:txBody>
+                        <a:bodyPr/>
+                        <a:lstStyle/>
+                        <a:p>
+                          <a:pPr lvl="0" algn="ctr">
+                            <a:buNone/>
+                          </a:pPr>
+                          <a:r>
+                            <a:rPr lang="de-DE" dirty="0"/>
+                            <a:t>4</a:t>
+                          </a:r>
+                        </a:p>
+                      </a:txBody>
+                      <a:tcPr/>
+                    </a:tc>
+                    <a:tc>
+                      <a:txBody>
+                        <a:bodyPr/>
+                        <a:lstStyle/>
+                        <a:p>
+                          <a:pPr lvl="0" algn="ctr">
+                            <a:buNone/>
+                          </a:pPr>
+                          <a:r>
+                            <a:rPr lang="de-DE" dirty="0"/>
+                            <a:t>8</a:t>
+                          </a:r>
+                        </a:p>
+                      </a:txBody>
+                      <a:tcPr/>
+                    </a:tc>
+                    <a:tc>
+                      <a:txBody>
+                        <a:bodyPr/>
+                        <a:lstStyle/>
+                        <a:p>
+                          <a:pPr algn="ctr"/>
+                          <a:r>
+                            <a:rPr lang="de-DE" dirty="0"/>
+                            <a:t>2</a:t>
+                          </a:r>
+                        </a:p>
+                      </a:txBody>
+                      <a:tcPr/>
+                    </a:tc>
+                    <a:tc>
+                      <a:txBody>
+                        <a:bodyPr/>
+                        <a:lstStyle/>
+                        <a:p>
+                          <a:endParaRPr lang="en-US"/>
+                        </a:p>
+                      </a:txBody>
+                      <a:tcPr>
+                        <a:blipFill>
+                          <a:blip r:embed="rId2"/>
+                          <a:stretch>
+                            <a:fillRect l="-502381" t="-480328" r="-202976" b="-324590"/>
+                          </a:stretch>
+                        </a:blipFill>
+                      </a:tcPr>
+                    </a:tc>
+                    <a:tc>
+                      <a:txBody>
+                        <a:bodyPr/>
+                        <a:lstStyle/>
+                        <a:p>
+                          <a:pPr lvl="0" algn="ctr">
+                            <a:buNone/>
+                          </a:pPr>
+                          <a:r>
+                            <a:rPr lang="de-DE" dirty="0"/>
+                            <a:t>16</a:t>
+                          </a:r>
+                        </a:p>
+                      </a:txBody>
+                      <a:tcPr/>
+                    </a:tc>
+                    <a:tc>
+                      <a:txBody>
+                        <a:bodyPr/>
+                        <a:lstStyle/>
+                        <a:p>
+                          <a:pPr lvl="0" algn="ctr">
+                            <a:buNone/>
+                          </a:pPr>
+                          <a:r>
+                            <a:rPr lang="de-DE" dirty="0"/>
+                            <a:t>0</a:t>
+                          </a:r>
+                        </a:p>
+                      </a:txBody>
+                      <a:tcPr/>
+                    </a:tc>
+                    <a:extLst>
+                      <a:ext uri="{0D108BD9-81ED-4DB2-BD59-A6C34878D82A}">
+                        <a16:rowId xmlns:a16="http://schemas.microsoft.com/office/drawing/2014/main" val="216001238"/>
+                      </a:ext>
+                    </a:extLst>
+                  </a:tr>
+                  <a:tr h="370839">
+                    <a:tc>
+                      <a:txBody>
+                        <a:bodyPr/>
+                        <a:lstStyle/>
+                        <a:p>
+                          <a:pPr lvl="0" algn="ctr">
+                            <a:buNone/>
+                          </a:pPr>
+                          <a:r>
+                            <a:rPr lang="de-DE" dirty="0"/>
+                            <a:t>4</a:t>
+                          </a:r>
+                        </a:p>
+                      </a:txBody>
+                      <a:tcPr/>
+                    </a:tc>
+                    <a:tc>
+                      <a:txBody>
+                        <a:bodyPr/>
+                        <a:lstStyle/>
+                        <a:p>
+                          <a:pPr lvl="0" algn="ctr">
+                            <a:buNone/>
+                          </a:pPr>
+                          <a:r>
+                            <a:rPr lang="de-DE" dirty="0"/>
+                            <a:t>0</a:t>
+                          </a:r>
+                        </a:p>
+                      </a:txBody>
+                      <a:tcPr/>
+                    </a:tc>
+                    <a:tc>
+                      <a:txBody>
+                        <a:bodyPr/>
+                        <a:lstStyle/>
+                        <a:p>
+                          <a:pPr lvl="0" algn="ctr">
+                            <a:buNone/>
+                          </a:pPr>
+                          <a:r>
+                            <a:rPr lang="de-DE" dirty="0"/>
+                            <a:t>4</a:t>
+                          </a:r>
+                        </a:p>
+                      </a:txBody>
+                      <a:tcPr/>
+                    </a:tc>
+                    <a:tc>
+                      <a:txBody>
+                        <a:bodyPr/>
+                        <a:lstStyle/>
+                        <a:p>
+                          <a:pPr lvl="0" algn="ctr">
+                            <a:buNone/>
+                          </a:pPr>
+                          <a:r>
+                            <a:rPr lang="de-DE" dirty="0"/>
+                            <a:t>8</a:t>
+                          </a:r>
+                        </a:p>
+                      </a:txBody>
+                      <a:tcPr/>
+                    </a:tc>
+                    <a:tc>
+                      <a:txBody>
+                        <a:bodyPr/>
+                        <a:lstStyle/>
+                        <a:p>
+                          <a:pPr lvl="0" algn="ctr">
+                            <a:buNone/>
+                          </a:pPr>
+                          <a:r>
+                            <a:rPr lang="de-DE" dirty="0"/>
+                            <a:t>1</a:t>
+                          </a:r>
+                        </a:p>
+                      </a:txBody>
+                      <a:tcPr/>
+                    </a:tc>
+                    <a:tc>
+                      <a:txBody>
+                        <a:bodyPr/>
+                        <a:lstStyle/>
+                        <a:p>
+                          <a:pPr lvl="0" algn="ctr">
+                            <a:buNone/>
+                          </a:pPr>
+                          <a:r>
+                            <a:rPr lang="de-DE" dirty="0"/>
+                            <a:t>8</a:t>
+                          </a:r>
+                        </a:p>
+                      </a:txBody>
+                      <a:tcPr/>
+                    </a:tc>
+                    <a:tc>
+                      <a:txBody>
+                        <a:bodyPr/>
+                        <a:lstStyle/>
+                        <a:p>
+                          <a:pPr lvl="0" algn="ctr">
+                            <a:buNone/>
+                          </a:pPr>
+                          <a:r>
+                            <a:rPr lang="de-DE" dirty="0"/>
+                            <a:t>24</a:t>
+                          </a:r>
+                        </a:p>
+                      </a:txBody>
+                      <a:tcPr/>
+                    </a:tc>
+                    <a:tc>
+                      <a:txBody>
+                        <a:bodyPr/>
+                        <a:lstStyle/>
+                        <a:p>
+                          <a:pPr lvl="0" algn="ctr">
+                            <a:buNone/>
+                          </a:pPr>
+                          <a:r>
+                            <a:rPr lang="de-DE" dirty="0"/>
+                            <a:t>0</a:t>
+                          </a:r>
+                        </a:p>
+                      </a:txBody>
+                      <a:tcPr/>
+                    </a:tc>
+                    <a:extLst>
+                      <a:ext uri="{0D108BD9-81ED-4DB2-BD59-A6C34878D82A}">
+                        <a16:rowId xmlns:a16="http://schemas.microsoft.com/office/drawing/2014/main" val="1680469344"/>
+                      </a:ext>
+                    </a:extLst>
+                  </a:tr>
+                  <a:tr h="370839">
+                    <a:tc>
+                      <a:txBody>
+                        <a:bodyPr/>
+                        <a:lstStyle/>
+                        <a:p>
+                          <a:pPr lvl="0" algn="ctr">
+                            <a:buNone/>
+                          </a:pPr>
+                          <a:r>
+                            <a:rPr lang="de-DE" dirty="0"/>
+                            <a:t>5</a:t>
+                          </a:r>
+                        </a:p>
+                      </a:txBody>
+                      <a:tcPr/>
+                    </a:tc>
+                    <a:tc>
+                      <a:txBody>
+                        <a:bodyPr/>
+                        <a:lstStyle/>
+                        <a:p>
+                          <a:pPr lvl="0" algn="ctr">
+                            <a:buNone/>
+                          </a:pPr>
+                          <a:r>
+                            <a:rPr lang="de-DE" dirty="0"/>
+                            <a:t>0</a:t>
+                          </a:r>
+                        </a:p>
+                      </a:txBody>
+                      <a:tcPr/>
+                    </a:tc>
+                    <a:tc>
+                      <a:txBody>
+                        <a:bodyPr/>
+                        <a:lstStyle/>
+                        <a:p>
+                          <a:pPr lvl="0" algn="ctr">
+                            <a:buNone/>
+                          </a:pPr>
+                          <a:r>
+                            <a:rPr lang="de-DE" dirty="0"/>
+                            <a:t>4</a:t>
+                          </a:r>
+                        </a:p>
+                      </a:txBody>
+                      <a:tcPr/>
+                    </a:tc>
+                    <a:tc>
+                      <a:txBody>
+                        <a:bodyPr/>
+                        <a:lstStyle/>
+                        <a:p>
+                          <a:pPr lvl="0" algn="ctr">
+                            <a:buNone/>
+                          </a:pPr>
+                          <a:r>
+                            <a:rPr lang="de-DE" dirty="0"/>
+                            <a:t>8</a:t>
+                          </a:r>
+                        </a:p>
+                      </a:txBody>
+                      <a:tcPr/>
+                    </a:tc>
+                    <a:tc>
+                      <a:txBody>
+                        <a:bodyPr/>
+                        <a:lstStyle/>
+                        <a:p>
+                          <a:pPr lvl="0" algn="ctr">
+                            <a:buNone/>
+                          </a:pPr>
+                          <a:r>
+                            <a:rPr lang="de-DE" dirty="0"/>
+                            <a:t>0</a:t>
+                          </a:r>
+                        </a:p>
+                      </a:txBody>
+                      <a:tcPr/>
+                    </a:tc>
+                    <a:tc>
+                      <a:txBody>
+                        <a:bodyPr/>
+                        <a:lstStyle/>
+                        <a:p>
+                          <a:pPr lvl="0" algn="ctr">
+                            <a:buNone/>
+                          </a:pPr>
+                          <a:r>
+                            <a:rPr lang="de-DE" dirty="0"/>
+                            <a:t>8</a:t>
+                          </a:r>
+                        </a:p>
+                      </a:txBody>
+                      <a:tcPr/>
+                    </a:tc>
+                    <a:tc>
+                      <a:txBody>
+                        <a:bodyPr/>
+                        <a:lstStyle/>
+                        <a:p>
+                          <a:pPr lvl="0" algn="ctr">
+                            <a:buNone/>
+                          </a:pPr>
+                          <a:r>
+                            <a:rPr lang="de-DE" dirty="0"/>
+                            <a:t>32</a:t>
+                          </a:r>
+                        </a:p>
+                      </a:txBody>
+                      <a:tcPr/>
+                    </a:tc>
+                    <a:tc>
+                      <a:txBody>
+                        <a:bodyPr/>
+                        <a:lstStyle/>
+                        <a:p>
+                          <a:pPr lvl="0" algn="ctr">
+                            <a:buNone/>
+                          </a:pPr>
+                          <a:r>
+                            <a:rPr lang="de-DE" dirty="0"/>
+                            <a:t>0</a:t>
+                          </a:r>
+                        </a:p>
+                      </a:txBody>
+                      <a:tcPr/>
+                    </a:tc>
+                    <a:extLst>
+                      <a:ext uri="{0D108BD9-81ED-4DB2-BD59-A6C34878D82A}">
+                        <a16:rowId xmlns:a16="http://schemas.microsoft.com/office/drawing/2014/main" val="980742993"/>
+                      </a:ext>
+                    </a:extLst>
+                  </a:tr>
+                  <a:tr h="370839">
+                    <a:tc>
+                      <a:txBody>
+                        <a:bodyPr/>
+                        <a:lstStyle/>
+                        <a:p>
+                          <a:pPr lvl="0" algn="ctr">
+                            <a:buNone/>
+                          </a:pPr>
+                          <a:r>
+                            <a:rPr lang="de-DE" dirty="0"/>
+                            <a:t>6</a:t>
+                          </a:r>
+                        </a:p>
+                      </a:txBody>
+                      <a:tcPr/>
+                    </a:tc>
+                    <a:tc>
+                      <a:txBody>
+                        <a:bodyPr/>
+                        <a:lstStyle/>
+                        <a:p>
+                          <a:pPr lvl="0" algn="ctr">
+                            <a:buNone/>
+                          </a:pPr>
+                          <a:r>
+                            <a:rPr lang="de-DE" dirty="0"/>
+                            <a:t>0</a:t>
+                          </a:r>
+                        </a:p>
+                      </a:txBody>
+                      <a:tcPr/>
+                    </a:tc>
+                    <a:tc>
+                      <a:txBody>
+                        <a:bodyPr/>
+                        <a:lstStyle/>
+                        <a:p>
+                          <a:pPr lvl="0" algn="ctr">
+                            <a:buNone/>
+                          </a:pPr>
+                          <a:r>
+                            <a:rPr lang="de-DE" dirty="0"/>
+                            <a:t>4</a:t>
+                          </a:r>
+                        </a:p>
+                      </a:txBody>
+                      <a:tcPr/>
+                    </a:tc>
+                    <a:tc>
+                      <a:txBody>
+                        <a:bodyPr/>
+                        <a:lstStyle/>
+                        <a:p>
+                          <a:pPr lvl="0" algn="ctr">
+                            <a:buNone/>
+                          </a:pPr>
+                          <a:r>
+                            <a:rPr lang="de-DE" dirty="0"/>
+                            <a:t>8</a:t>
+                          </a:r>
+                        </a:p>
+                      </a:txBody>
+                      <a:tcPr/>
+                    </a:tc>
+                    <a:tc>
+                      <a:txBody>
+                        <a:bodyPr/>
+                        <a:lstStyle/>
+                        <a:p>
+                          <a:pPr lvl="0" algn="ctr">
+                            <a:buNone/>
+                          </a:pPr>
+                          <a:r>
+                            <a:rPr lang="de-DE" dirty="0"/>
+                            <a:t>X</a:t>
+                          </a:r>
+                        </a:p>
+                      </a:txBody>
+                      <a:tcPr/>
+                    </a:tc>
+                    <a:tc>
+                      <a:txBody>
+                        <a:bodyPr/>
+                        <a:lstStyle/>
+                        <a:p>
+                          <a:pPr lvl="0" algn="ctr">
+                            <a:buNone/>
+                          </a:pPr>
+                          <a:r>
+                            <a:rPr lang="de-DE" dirty="0"/>
+                            <a:t>8</a:t>
+                          </a:r>
+                        </a:p>
+                      </a:txBody>
+                      <a:tcPr/>
+                    </a:tc>
+                    <a:tc>
+                      <a:txBody>
+                        <a:bodyPr/>
+                        <a:lstStyle/>
+                        <a:p>
+                          <a:pPr lvl="0" algn="ctr">
+                            <a:buNone/>
+                          </a:pPr>
+                          <a:r>
+                            <a:rPr lang="de-DE" dirty="0"/>
+                            <a:t>X</a:t>
+                          </a:r>
+                        </a:p>
+                      </a:txBody>
+                      <a:tcPr/>
+                    </a:tc>
+                    <a:tc>
+                      <a:txBody>
+                        <a:bodyPr/>
+                        <a:lstStyle/>
+                        <a:p>
+                          <a:pPr lvl="0" algn="ctr">
+                            <a:buNone/>
+                          </a:pPr>
+                          <a:r>
+                            <a:rPr lang="de-DE" dirty="0"/>
+                            <a:t>32</a:t>
+                          </a:r>
+                        </a:p>
+                      </a:txBody>
+                      <a:tcPr/>
+                    </a:tc>
+                    <a:extLst>
+                      <a:ext uri="{0D108BD9-81ED-4DB2-BD59-A6C34878D82A}">
+                        <a16:rowId xmlns:a16="http://schemas.microsoft.com/office/drawing/2014/main" val="2300257901"/>
+                      </a:ext>
+                    </a:extLst>
+                  </a:tr>
+                </a:tbl>
+              </a:graphicData>
+            </a:graphic>
+          </p:graphicFrame>
+        </mc:Fallback>
+      </mc:AlternateContent>
+      <p:sp>
+        <p:nvSpPr>
+          <p:cNvPr id="6" name="Content Placeholder 4">
+            <a:extLst>
+              <a:ext uri="{FF2B5EF4-FFF2-40B4-BE49-F238E27FC236}">
+                <a16:creationId xmlns:a16="http://schemas.microsoft.com/office/drawing/2014/main" id="{1E8B59C8-011E-9897-4876-21813176E173}"/>
+              </a:ext>
+            </a:extLst>
+          </p:cNvPr>
+          <p:cNvSpPr txBox="1">
+            <a:spLocks/>
+          </p:cNvSpPr>
+          <p:nvPr/>
+        </p:nvSpPr>
+        <p:spPr bwMode="auto">
+          <a:xfrm>
+            <a:off x="810000" y="1773239"/>
+            <a:ext cx="10580400" cy="4352925"/>
+          </a:xfrm>
+          <a:prstGeom prst="rect">
+            <a:avLst/>
+          </a:prstGeom>
+          <a:noFill/>
+          <a:ln w="9525">
+            <a:noFill/>
+            <a:miter lim="800000"/>
+            <a:headEnd/>
+            <a:tailEnd/>
+          </a:ln>
+          <a:effectLst/>
+        </p:spPr>
+        <p:txBody>
+          <a:bodyPr vert="horz" wrap="square" lIns="0" tIns="0" rIns="0" bIns="0" numCol="1" anchor="t" anchorCtr="0" compatLnSpc="1">
+            <a:prstTxWarp prst="textNoShape">
+              <a:avLst/>
+            </a:prstTxWarp>
+            <a:normAutofit/>
+          </a:bodyPr>
+          <a:lstStyle>
+            <a:lvl1pPr marL="180975" indent="-180975" algn="l" rtl="0" eaLnBrk="1" fontAlgn="base" hangingPunct="1">
+              <a:lnSpc>
+                <a:spcPct val="110000"/>
+              </a:lnSpc>
+              <a:spcBef>
+                <a:spcPct val="0"/>
+              </a:spcBef>
+              <a:spcAft>
+                <a:spcPct val="0"/>
+              </a:spcAft>
+              <a:buClr>
+                <a:schemeClr val="tx1"/>
+              </a:buClr>
+              <a:buChar char="•"/>
+              <a:defRPr sz="2000">
+                <a:solidFill>
+                  <a:schemeClr val="tx1"/>
+                </a:solidFill>
+                <a:latin typeface="+mn-lt"/>
+                <a:ea typeface="+mn-ea"/>
+                <a:cs typeface="+mn-cs"/>
+              </a:defRPr>
+            </a:lvl1pPr>
+            <a:lvl2pPr marL="541338" indent="-180975" algn="l" rtl="0" eaLnBrk="1" fontAlgn="base" hangingPunct="1">
+              <a:lnSpc>
+                <a:spcPct val="110000"/>
+              </a:lnSpc>
+              <a:spcBef>
+                <a:spcPct val="0"/>
+              </a:spcBef>
+              <a:spcAft>
+                <a:spcPct val="0"/>
+              </a:spcAft>
+              <a:buClr>
+                <a:schemeClr val="tx1"/>
+              </a:buClr>
+              <a:buSzPct val="80000"/>
+              <a:buChar char="-"/>
+              <a:defRPr sz="2000">
+                <a:solidFill>
+                  <a:schemeClr val="tx1"/>
+                </a:solidFill>
+                <a:latin typeface="+mn-lt"/>
+              </a:defRPr>
+            </a:lvl2pPr>
+            <a:lvl3pPr marL="895350" indent="-174625" algn="l" rtl="0" eaLnBrk="1" fontAlgn="base" hangingPunct="1">
+              <a:lnSpc>
+                <a:spcPct val="110000"/>
+              </a:lnSpc>
+              <a:spcBef>
+                <a:spcPct val="0"/>
+              </a:spcBef>
+              <a:spcAft>
+                <a:spcPct val="0"/>
+              </a:spcAft>
+              <a:buClr>
+                <a:schemeClr val="tx1"/>
+              </a:buClr>
+              <a:buFont typeface="Wingdings" pitchFamily="2" charset="2"/>
+              <a:buChar char="§"/>
+              <a:defRPr sz="1600">
+                <a:solidFill>
+                  <a:schemeClr val="tx1"/>
+                </a:solidFill>
+                <a:latin typeface="+mn-lt"/>
+              </a:defRPr>
+            </a:lvl3pPr>
+            <a:lvl4pPr marL="1260475" indent="-185738" algn="l" rtl="0" eaLnBrk="1" fontAlgn="base" hangingPunct="1">
+              <a:lnSpc>
+                <a:spcPct val="110000"/>
+              </a:lnSpc>
+              <a:spcBef>
+                <a:spcPct val="0"/>
+              </a:spcBef>
+              <a:spcAft>
+                <a:spcPct val="0"/>
+              </a:spcAft>
+              <a:buClr>
+                <a:schemeClr val="tx1"/>
+              </a:buClr>
+              <a:buChar char="•"/>
+              <a:defRPr sz="1400">
+                <a:solidFill>
+                  <a:schemeClr val="tx1"/>
+                </a:solidFill>
+                <a:latin typeface="+mn-lt"/>
+              </a:defRPr>
+            </a:lvl4pPr>
+            <a:lvl5pPr marL="0" indent="0" algn="l" rtl="0" eaLnBrk="1" fontAlgn="base" hangingPunct="1">
+              <a:lnSpc>
+                <a:spcPct val="110000"/>
+              </a:lnSpc>
+              <a:spcBef>
+                <a:spcPts val="300"/>
+              </a:spcBef>
+              <a:spcAft>
+                <a:spcPts val="300"/>
+              </a:spcAft>
+              <a:buClr>
+                <a:schemeClr val="tx1"/>
+              </a:buClr>
+              <a:buFontTx/>
+              <a:buNone/>
+              <a:tabLst>
+                <a:tab pos="5292000" algn="ctr"/>
+                <a:tab pos="10512000" algn="r"/>
+              </a:tabLst>
+              <a:defRPr sz="2000">
+                <a:solidFill>
+                  <a:schemeClr val="tx1"/>
+                </a:solidFill>
+                <a:latin typeface="+mn-lt"/>
+              </a:defRPr>
+            </a:lvl5pPr>
+            <a:lvl6pPr marL="2079625" indent="-182563" algn="l" rtl="0" eaLnBrk="1" fontAlgn="base" hangingPunct="1">
+              <a:lnSpc>
+                <a:spcPct val="110000"/>
+              </a:lnSpc>
+              <a:spcBef>
+                <a:spcPct val="0"/>
+              </a:spcBef>
+              <a:spcAft>
+                <a:spcPct val="0"/>
+              </a:spcAft>
+              <a:buChar char="-"/>
+              <a:defRPr sz="1200">
+                <a:solidFill>
+                  <a:schemeClr val="tx1"/>
+                </a:solidFill>
+                <a:latin typeface="+mn-lt"/>
+              </a:defRPr>
+            </a:lvl6pPr>
+            <a:lvl7pPr marL="2536825" indent="-182563" algn="l" rtl="0" eaLnBrk="1" fontAlgn="base" hangingPunct="1">
+              <a:lnSpc>
+                <a:spcPct val="110000"/>
+              </a:lnSpc>
+              <a:spcBef>
+                <a:spcPct val="0"/>
+              </a:spcBef>
+              <a:spcAft>
+                <a:spcPct val="0"/>
+              </a:spcAft>
+              <a:buChar char="-"/>
+              <a:defRPr sz="1200">
+                <a:solidFill>
+                  <a:schemeClr val="tx1"/>
+                </a:solidFill>
+                <a:latin typeface="+mn-lt"/>
+              </a:defRPr>
+            </a:lvl7pPr>
+            <a:lvl8pPr marL="2994025" indent="-182563" algn="l" rtl="0" eaLnBrk="1" fontAlgn="base" hangingPunct="1">
+              <a:lnSpc>
+                <a:spcPct val="110000"/>
+              </a:lnSpc>
+              <a:spcBef>
+                <a:spcPct val="0"/>
+              </a:spcBef>
+              <a:spcAft>
+                <a:spcPct val="0"/>
+              </a:spcAft>
+              <a:buChar char="-"/>
+              <a:defRPr sz="1200">
+                <a:solidFill>
+                  <a:schemeClr val="tx1"/>
+                </a:solidFill>
+                <a:latin typeface="+mn-lt"/>
+              </a:defRPr>
+            </a:lvl8pPr>
+            <a:lvl9pPr marL="3451225" indent="-182563" algn="l" rtl="0" eaLnBrk="1" fontAlgn="base" hangingPunct="1">
+              <a:lnSpc>
+                <a:spcPct val="110000"/>
+              </a:lnSpc>
+              <a:spcBef>
+                <a:spcPct val="0"/>
+              </a:spcBef>
+              <a:spcAft>
+                <a:spcPct val="0"/>
+              </a:spcAft>
+              <a:buChar char="-"/>
+              <a:defRPr sz="1200">
+                <a:solidFill>
+                  <a:schemeClr val="tx1"/>
+                </a:solidFill>
+                <a:latin typeface="+mn-lt"/>
+              </a:defRPr>
+            </a:lvl9pPr>
+          </a:lstStyle>
+          <a:p>
+            <a:pPr marL="0" indent="0">
+              <a:buFontTx/>
+              <a:buNone/>
+            </a:pPr>
+            <a:r>
+              <a:rPr lang="en-GB" kern="0" dirty="0">
+                <a:cs typeface="Arial"/>
+              </a:rPr>
+              <a:t>a)</a:t>
+            </a:r>
+          </a:p>
+          <a:p>
+            <a:pPr marL="0" indent="0">
+              <a:buNone/>
+            </a:pPr>
+            <a:endParaRPr lang="en-GB" kern="0" dirty="0">
+              <a:cs typeface="Arial"/>
+            </a:endParaRPr>
+          </a:p>
+          <a:p>
+            <a:pPr marL="0" indent="0">
+              <a:buNone/>
+            </a:pPr>
+            <a:endParaRPr lang="en-GB" kern="0" dirty="0">
+              <a:cs typeface="Arial"/>
+            </a:endParaRPr>
+          </a:p>
+          <a:p>
+            <a:pPr marL="0" indent="0">
+              <a:buNone/>
+            </a:pPr>
+            <a:endParaRPr lang="en-GB" kern="0" dirty="0">
+              <a:cs typeface="Arial"/>
+            </a:endParaRPr>
+          </a:p>
+          <a:p>
+            <a:pPr marL="0" indent="0">
+              <a:buNone/>
+            </a:pPr>
+            <a:endParaRPr lang="en-GB" kern="0" dirty="0">
+              <a:cs typeface="Arial"/>
+            </a:endParaRPr>
+          </a:p>
+          <a:p>
+            <a:pPr marL="0" indent="0">
+              <a:buNone/>
+            </a:pPr>
+            <a:endParaRPr lang="en-GB" kern="0" dirty="0">
+              <a:cs typeface="Arial"/>
+            </a:endParaRPr>
+          </a:p>
+          <a:p>
+            <a:pPr marL="0" indent="0">
+              <a:buNone/>
+            </a:pPr>
+            <a:endParaRPr lang="en-GB" kern="0" dirty="0">
+              <a:cs typeface="Arial"/>
+            </a:endParaRPr>
+          </a:p>
+          <a:p>
+            <a:pPr marL="0" indent="0">
+              <a:buNone/>
+            </a:pPr>
+            <a:endParaRPr lang="en-GB" kern="0" dirty="0">
+              <a:cs typeface="Arial"/>
+            </a:endParaRPr>
+          </a:p>
+          <a:p>
+            <a:pPr marL="0" indent="0">
+              <a:buNone/>
+            </a:pPr>
+            <a:endParaRPr lang="en-GB" kern="0" dirty="0">
+              <a:cs typeface="Arial"/>
+            </a:endParaRPr>
+          </a:p>
+          <a:p>
+            <a:pPr marL="0" indent="0">
+              <a:buNone/>
+            </a:pPr>
+            <a:endParaRPr lang="en-GB" kern="0" dirty="0">
+              <a:cs typeface="Arial"/>
+            </a:endParaRPr>
+          </a:p>
+          <a:p>
+            <a:pPr marL="0" indent="0">
+              <a:buNone/>
+            </a:pPr>
+            <a:r>
+              <a:rPr lang="en-GB" kern="0" dirty="0">
+                <a:cs typeface="Arial"/>
+              </a:rPr>
+              <a:t>b) </a:t>
+            </a:r>
+            <a:r>
+              <a:rPr lang="en-GB" kern="0" dirty="0" err="1">
+                <a:cs typeface="Arial"/>
+              </a:rPr>
+              <a:t>Multiplikation</a:t>
+            </a:r>
+            <a:r>
+              <a:rPr lang="en-GB" kern="0" dirty="0">
+                <a:cs typeface="Arial"/>
+              </a:rPr>
+              <a:t> von a und b</a:t>
+            </a:r>
+          </a:p>
+        </p:txBody>
+      </p:sp>
+    </p:spTree>
+    <p:extLst>
+      <p:ext uri="{BB962C8B-B14F-4D97-AF65-F5344CB8AC3E}">
+        <p14:creationId xmlns:p14="http://schemas.microsoft.com/office/powerpoint/2010/main" val="3286792601"/>
+      </p:ext>
+    </p:extLst>
+  </p:cSld>
+  <p:clrMapOvr>
+    <a:masterClrMapping/>
+  </p:clrMapOvr>
+  <p:timing>
+    <p:tnLst>
+      <p:par>
+        <p:cTn id="1" dur="indefinite" restart="never" nodeType="tmRoot">
+          <p:childTnLst>
+            <p:seq concurrent="1" nextAc="seek">
+              <p:cTn id="2" dur="indefinite" nodeType="mainSeq">
+                <p:childTnLst>
+                  <p:par>
+                    <p:cTn id="3" fill="hold">
+                      <p:stCondLst>
+                        <p:cond delay="indefinite"/>
+                      </p:stCondLst>
+                      <p:childTnLst>
+                        <p:par>
+                          <p:cTn id="4" fill="hold">
+                            <p:stCondLst>
+                              <p:cond delay="0"/>
+                            </p:stCondLst>
+                            <p:childTnLst>
+                              <p:par>
+                                <p:cTn id="5" presetID="1" presetClass="entr" presetSubtype="0" fill="hold" nodeType="clickEffect">
+                                  <p:stCondLst>
+                                    <p:cond delay="0"/>
+                                  </p:stCondLst>
+                                  <p:childTnLst>
+                                    <p:set>
+                                      <p:cBhvr>
+                                        <p:cTn id="6" dur="1" fill="hold">
+                                          <p:stCondLst>
+                                            <p:cond delay="0"/>
+                                          </p:stCondLst>
+                                        </p:cTn>
+                                        <p:tgtEl>
+                                          <p:spTgt spid="4"/>
+                                        </p:tgtEl>
+                                        <p:attrNameLst>
+                                          <p:attrName>style.visibility</p:attrName>
+                                        </p:attrNameLst>
+                                      </p:cBhvr>
+                                      <p:to>
+                                        <p:strVal val="visible"/>
+                                      </p:to>
+                                    </p:set>
+                                  </p:childTnLst>
+                                </p:cTn>
+                              </p:par>
+                            </p:childTnLst>
+                          </p:cTn>
+                        </p:par>
+                      </p:childTnLst>
+                    </p:cTn>
+                  </p:par>
+                </p:childTnLst>
+              </p:cTn>
+              <p:prevCondLst>
+                <p:cond evt="onPrev" delay="0">
+                  <p:tgtEl>
+                    <p:sldTgt/>
+                  </p:tgtEl>
+                </p:cond>
+              </p:prevCondLst>
+              <p:nextCondLst>
+                <p:cond evt="onNext" delay="0">
+                  <p:tgtEl>
+                    <p:sldTgt/>
+                  </p:tgtEl>
+                </p:cond>
+              </p:nextCondLst>
+            </p:seq>
+          </p:childTnLst>
+        </p:cTn>
+      </p:par>
+    </p:tnLst>
+  </p:timing>
+</p:sld>
+</file>
+
+<file path=ppt/slides/slide16.xml><?xml version="1.0" encoding="utf-8"?>
+<p:sld xmlns:a="http://schemas.openxmlformats.org/drawingml/2006/main" xmlns:r="http://schemas.openxmlformats.org/officeDocument/2006/relationships" xmlns:p="http://schemas.openxmlformats.org/presentationml/2006/main">
+  <p:cSld>
+    <p:spTree>
+      <p:nvGrpSpPr>
+        <p:cNvPr id="1" name="">
+          <a:extLst>
+            <a:ext uri="{FF2B5EF4-FFF2-40B4-BE49-F238E27FC236}">
               <a16:creationId xmlns:a16="http://schemas.microsoft.com/office/drawing/2014/main" id="{040F9FFB-6560-8F1E-6F4C-64511D3A3568}"/>
             </a:ext>
           </a:extLst>
@@ -9665,7 +12713,7 @@
 </p:sld>
 </file>
 
-<file path=ppt/slides/slide16.xml><?xml version="1.0" encoding="utf-8"?>
+<file path=ppt/slides/slide17.xml><?xml version="1.0" encoding="utf-8"?>
 <p:sld xmlns:a="http://schemas.openxmlformats.org/drawingml/2006/main" xmlns:r="http://schemas.openxmlformats.org/officeDocument/2006/relationships" xmlns:p="http://schemas.openxmlformats.org/presentationml/2006/main">
   <p:cSld>
     <p:spTree>
@@ -9853,7 +12901,7 @@
 </p:sld>
 </file>
 
-<file path=ppt/slides/slide17.xml><?xml version="1.0" encoding="utf-8"?>
+<file path=ppt/slides/slide18.xml><?xml version="1.0" encoding="utf-8"?>
 <p:sld xmlns:a="http://schemas.openxmlformats.org/drawingml/2006/main" xmlns:r="http://schemas.openxmlformats.org/officeDocument/2006/relationships" xmlns:p="http://schemas.openxmlformats.org/presentationml/2006/main">
   <p:cSld>
     <p:spTree>
@@ -9996,7 +13044,7 @@
 </p:sld>
 </file>
 
-<file path=ppt/slides/slide18.xml><?xml version="1.0" encoding="utf-8"?>
+<file path=ppt/slides/slide19.xml><?xml version="1.0" encoding="utf-8"?>
 <p:sld xmlns:a="http://schemas.openxmlformats.org/drawingml/2006/main" xmlns:r="http://schemas.openxmlformats.org/officeDocument/2006/relationships" xmlns:p="http://schemas.openxmlformats.org/presentationml/2006/main">
   <p:cSld>
     <p:spTree>
@@ -10188,202 +13236,6 @@
     <p:extLst>
       <p:ext uri="{BB962C8B-B14F-4D97-AF65-F5344CB8AC3E}">
         <p14:creationId xmlns:p14="http://schemas.microsoft.com/office/powerpoint/2010/main" val="2529189648"/>
-      </p:ext>
-    </p:extLst>
-  </p:cSld>
-  <p:clrMapOvr>
-    <a:masterClrMapping/>
-  </p:clrMapOvr>
-</p:sld>
-</file>
-
-<file path=ppt/slides/slide19.xml><?xml version="1.0" encoding="utf-8"?>
-<p:sld xmlns:a="http://schemas.openxmlformats.org/drawingml/2006/main" xmlns:r="http://schemas.openxmlformats.org/officeDocument/2006/relationships" xmlns:p="http://schemas.openxmlformats.org/presentationml/2006/main">
-  <p:cSld>
-    <p:spTree>
-      <p:nvGrpSpPr>
-        <p:cNvPr id="1" name="">
-          <a:extLst>
-            <a:ext uri="{FF2B5EF4-FFF2-40B4-BE49-F238E27FC236}">
-              <a16:creationId xmlns:a16="http://schemas.microsoft.com/office/drawing/2014/main" id="{1C96CD1D-5743-2F49-851E-20BC8536E9AD}"/>
-            </a:ext>
-          </a:extLst>
-        </p:cNvPr>
-        <p:cNvGrpSpPr/>
-        <p:nvPr/>
-      </p:nvGrpSpPr>
-      <p:grpSpPr>
-        <a:xfrm>
-          <a:off x="0" y="0"/>
-          <a:ext cx="0" cy="0"/>
-          <a:chOff x="0" y="0"/>
-          <a:chExt cx="0" cy="0"/>
-        </a:xfrm>
-      </p:grpSpPr>
-      <p:sp>
-        <p:nvSpPr>
-          <p:cNvPr id="2" name="Titel 1">
-            <a:extLst>
-              <a:ext uri="{FF2B5EF4-FFF2-40B4-BE49-F238E27FC236}">
-                <a16:creationId xmlns:a16="http://schemas.microsoft.com/office/drawing/2014/main" id="{2C2378E7-2852-6F4B-4E59-7DAF596A613B}"/>
-              </a:ext>
-            </a:extLst>
-          </p:cNvPr>
-          <p:cNvSpPr>
-            <a:spLocks noGrp="1"/>
-          </p:cNvSpPr>
-          <p:nvPr>
-            <p:ph type="title"/>
-          </p:nvPr>
-        </p:nvSpPr>
-        <p:spPr/>
-        <p:txBody>
-          <a:bodyPr/>
-          <a:lstStyle/>
-          <a:p>
-            <a:r>
-              <a:rPr lang="de-DE" dirty="0"/>
-              <a:t>Aufgabe 4.2</a:t>
-            </a:r>
-          </a:p>
-        </p:txBody>
-      </p:sp>
-      <p:sp>
-        <p:nvSpPr>
-          <p:cNvPr id="6" name="Content Placeholder 5">
-            <a:extLst>
-              <a:ext uri="{FF2B5EF4-FFF2-40B4-BE49-F238E27FC236}">
-                <a16:creationId xmlns:a16="http://schemas.microsoft.com/office/drawing/2014/main" id="{A6F318D9-A6A2-C7B4-9E00-3326E6F318DA}"/>
-              </a:ext>
-            </a:extLst>
-          </p:cNvPr>
-          <p:cNvSpPr>
-            <a:spLocks noGrp="1"/>
-          </p:cNvSpPr>
-          <p:nvPr>
-            <p:ph idx="1"/>
-          </p:nvPr>
-        </p:nvSpPr>
-        <p:spPr/>
-        <p:txBody>
-          <a:bodyPr/>
-          <a:lstStyle/>
-          <a:p>
-            <a:pPr marL="0" indent="0">
-              <a:buNone/>
-            </a:pPr>
-            <a:r>
-              <a:rPr lang="en-GB" dirty="0">
-                <a:cs typeface="Arial"/>
-              </a:rPr>
-              <a:t>d) </a:t>
-            </a:r>
-          </a:p>
-          <a:p>
-            <a:pPr marL="0" indent="0">
-              <a:buNone/>
-            </a:pPr>
-            <a:endParaRPr lang="en-GB" dirty="0">
-              <a:cs typeface="Arial"/>
-            </a:endParaRPr>
-          </a:p>
-          <a:p>
-            <a:pPr marL="0" indent="0">
-              <a:buNone/>
-            </a:pPr>
-            <a:endParaRPr lang="en-GB" dirty="0">
-              <a:cs typeface="Arial"/>
-            </a:endParaRPr>
-          </a:p>
-        </p:txBody>
-      </p:sp>
-      <p:sp>
-        <p:nvSpPr>
-          <p:cNvPr id="7" name="Rectangle 6">
-            <a:extLst>
-              <a:ext uri="{FF2B5EF4-FFF2-40B4-BE49-F238E27FC236}">
-                <a16:creationId xmlns:a16="http://schemas.microsoft.com/office/drawing/2014/main" id="{E1D270DA-534A-18F0-6A32-7A1F004BCFF7}"/>
-              </a:ext>
-            </a:extLst>
-          </p:cNvPr>
-          <p:cNvSpPr/>
-          <p:nvPr/>
-        </p:nvSpPr>
-        <p:spPr>
-          <a:xfrm>
-            <a:off x="4770699" y="5016660"/>
-            <a:ext cx="3865943" cy="190982"/>
-          </a:xfrm>
-          <a:prstGeom prst="rect">
-            <a:avLst/>
-          </a:prstGeom>
-          <a:solidFill>
-            <a:schemeClr val="bg1"/>
-          </a:solidFill>
-          <a:ln w="12700">
-            <a:noFill/>
-          </a:ln>
-        </p:spPr>
-        <p:style>
-          <a:lnRef idx="2">
-            <a:schemeClr val="accent1">
-              <a:shade val="50000"/>
-            </a:schemeClr>
-          </a:lnRef>
-          <a:fillRef idx="1">
-            <a:schemeClr val="accent1"/>
-          </a:fillRef>
-          <a:effectRef idx="0">
-            <a:schemeClr val="accent1"/>
-          </a:effectRef>
-          <a:fontRef idx="minor">
-            <a:schemeClr val="lt1"/>
-          </a:fontRef>
-        </p:style>
-        <p:txBody>
-          <a:bodyPr rtlCol="0" anchor="ctr"/>
-          <a:lstStyle/>
-          <a:p>
-            <a:pPr algn="ctr"/>
-            <a:endParaRPr lang="en-GB"/>
-          </a:p>
-        </p:txBody>
-      </p:sp>
-      <p:pic>
-        <p:nvPicPr>
-          <p:cNvPr id="3" name="Picture 2" descr="A math equations with numbers and symbols&#10;&#10;AI-generated content may be incorrect.">
-            <a:extLst>
-              <a:ext uri="{FF2B5EF4-FFF2-40B4-BE49-F238E27FC236}">
-                <a16:creationId xmlns:a16="http://schemas.microsoft.com/office/drawing/2014/main" id="{DC2770F5-D99D-D103-198E-D3EA18146168}"/>
-              </a:ext>
-            </a:extLst>
-          </p:cNvPr>
-          <p:cNvPicPr>
-            <a:picLocks noChangeAspect="1"/>
-          </p:cNvPicPr>
-          <p:nvPr/>
-        </p:nvPicPr>
-        <p:blipFill>
-          <a:blip r:embed="rId2"/>
-          <a:srcRect t="2586" r="1042" b="1024"/>
-          <a:stretch>
-            <a:fillRect/>
-          </a:stretch>
-        </p:blipFill>
-        <p:spPr>
-          <a:xfrm>
-            <a:off x="1254466" y="1714500"/>
-            <a:ext cx="4590119" cy="2162115"/>
-          </a:xfrm>
-          <a:prstGeom prst="rect">
-            <a:avLst/>
-          </a:prstGeom>
-        </p:spPr>
-      </p:pic>
-    </p:spTree>
-    <p:extLst>
-      <p:ext uri="{BB962C8B-B14F-4D97-AF65-F5344CB8AC3E}">
-        <p14:creationId xmlns:p14="http://schemas.microsoft.com/office/powerpoint/2010/main" val="2752720947"/>
       </p:ext>
     </p:extLst>
   </p:cSld>
@@ -11100,6 +13952,202 @@
         <p:cNvPr id="1" name="">
           <a:extLst>
             <a:ext uri="{FF2B5EF4-FFF2-40B4-BE49-F238E27FC236}">
+              <a16:creationId xmlns:a16="http://schemas.microsoft.com/office/drawing/2014/main" id="{1C96CD1D-5743-2F49-851E-20BC8536E9AD}"/>
+            </a:ext>
+          </a:extLst>
+        </p:cNvPr>
+        <p:cNvGrpSpPr/>
+        <p:nvPr/>
+      </p:nvGrpSpPr>
+      <p:grpSpPr>
+        <a:xfrm>
+          <a:off x="0" y="0"/>
+          <a:ext cx="0" cy="0"/>
+          <a:chOff x="0" y="0"/>
+          <a:chExt cx="0" cy="0"/>
+        </a:xfrm>
+      </p:grpSpPr>
+      <p:sp>
+        <p:nvSpPr>
+          <p:cNvPr id="2" name="Titel 1">
+            <a:extLst>
+              <a:ext uri="{FF2B5EF4-FFF2-40B4-BE49-F238E27FC236}">
+                <a16:creationId xmlns:a16="http://schemas.microsoft.com/office/drawing/2014/main" id="{2C2378E7-2852-6F4B-4E59-7DAF596A613B}"/>
+              </a:ext>
+            </a:extLst>
+          </p:cNvPr>
+          <p:cNvSpPr>
+            <a:spLocks noGrp="1"/>
+          </p:cNvSpPr>
+          <p:nvPr>
+            <p:ph type="title"/>
+          </p:nvPr>
+        </p:nvSpPr>
+        <p:spPr/>
+        <p:txBody>
+          <a:bodyPr/>
+          <a:lstStyle/>
+          <a:p>
+            <a:r>
+              <a:rPr lang="de-DE" dirty="0"/>
+              <a:t>Aufgabe 4.2</a:t>
+            </a:r>
+          </a:p>
+        </p:txBody>
+      </p:sp>
+      <p:sp>
+        <p:nvSpPr>
+          <p:cNvPr id="6" name="Content Placeholder 5">
+            <a:extLst>
+              <a:ext uri="{FF2B5EF4-FFF2-40B4-BE49-F238E27FC236}">
+                <a16:creationId xmlns:a16="http://schemas.microsoft.com/office/drawing/2014/main" id="{A6F318D9-A6A2-C7B4-9E00-3326E6F318DA}"/>
+              </a:ext>
+            </a:extLst>
+          </p:cNvPr>
+          <p:cNvSpPr>
+            <a:spLocks noGrp="1"/>
+          </p:cNvSpPr>
+          <p:nvPr>
+            <p:ph idx="1"/>
+          </p:nvPr>
+        </p:nvSpPr>
+        <p:spPr/>
+        <p:txBody>
+          <a:bodyPr/>
+          <a:lstStyle/>
+          <a:p>
+            <a:pPr marL="0" indent="0">
+              <a:buNone/>
+            </a:pPr>
+            <a:r>
+              <a:rPr lang="en-GB" dirty="0">
+                <a:cs typeface="Arial"/>
+              </a:rPr>
+              <a:t>d) </a:t>
+            </a:r>
+          </a:p>
+          <a:p>
+            <a:pPr marL="0" indent="0">
+              <a:buNone/>
+            </a:pPr>
+            <a:endParaRPr lang="en-GB" dirty="0">
+              <a:cs typeface="Arial"/>
+            </a:endParaRPr>
+          </a:p>
+          <a:p>
+            <a:pPr marL="0" indent="0">
+              <a:buNone/>
+            </a:pPr>
+            <a:endParaRPr lang="en-GB" dirty="0">
+              <a:cs typeface="Arial"/>
+            </a:endParaRPr>
+          </a:p>
+        </p:txBody>
+      </p:sp>
+      <p:sp>
+        <p:nvSpPr>
+          <p:cNvPr id="7" name="Rectangle 6">
+            <a:extLst>
+              <a:ext uri="{FF2B5EF4-FFF2-40B4-BE49-F238E27FC236}">
+                <a16:creationId xmlns:a16="http://schemas.microsoft.com/office/drawing/2014/main" id="{E1D270DA-534A-18F0-6A32-7A1F004BCFF7}"/>
+              </a:ext>
+            </a:extLst>
+          </p:cNvPr>
+          <p:cNvSpPr/>
+          <p:nvPr/>
+        </p:nvSpPr>
+        <p:spPr>
+          <a:xfrm>
+            <a:off x="4770699" y="5016660"/>
+            <a:ext cx="3865943" cy="190982"/>
+          </a:xfrm>
+          <a:prstGeom prst="rect">
+            <a:avLst/>
+          </a:prstGeom>
+          <a:solidFill>
+            <a:schemeClr val="bg1"/>
+          </a:solidFill>
+          <a:ln w="12700">
+            <a:noFill/>
+          </a:ln>
+        </p:spPr>
+        <p:style>
+          <a:lnRef idx="2">
+            <a:schemeClr val="accent1">
+              <a:shade val="50000"/>
+            </a:schemeClr>
+          </a:lnRef>
+          <a:fillRef idx="1">
+            <a:schemeClr val="accent1"/>
+          </a:fillRef>
+          <a:effectRef idx="0">
+            <a:schemeClr val="accent1"/>
+          </a:effectRef>
+          <a:fontRef idx="minor">
+            <a:schemeClr val="lt1"/>
+          </a:fontRef>
+        </p:style>
+        <p:txBody>
+          <a:bodyPr rtlCol="0" anchor="ctr"/>
+          <a:lstStyle/>
+          <a:p>
+            <a:pPr algn="ctr"/>
+            <a:endParaRPr lang="en-GB"/>
+          </a:p>
+        </p:txBody>
+      </p:sp>
+      <p:pic>
+        <p:nvPicPr>
+          <p:cNvPr id="3" name="Picture 2" descr="A math equations with numbers and symbols&#10;&#10;AI-generated content may be incorrect.">
+            <a:extLst>
+              <a:ext uri="{FF2B5EF4-FFF2-40B4-BE49-F238E27FC236}">
+                <a16:creationId xmlns:a16="http://schemas.microsoft.com/office/drawing/2014/main" id="{DC2770F5-D99D-D103-198E-D3EA18146168}"/>
+              </a:ext>
+            </a:extLst>
+          </p:cNvPr>
+          <p:cNvPicPr>
+            <a:picLocks noChangeAspect="1"/>
+          </p:cNvPicPr>
+          <p:nvPr/>
+        </p:nvPicPr>
+        <p:blipFill>
+          <a:blip r:embed="rId2"/>
+          <a:srcRect t="2586" r="1042" b="1024"/>
+          <a:stretch>
+            <a:fillRect/>
+          </a:stretch>
+        </p:blipFill>
+        <p:spPr>
+          <a:xfrm>
+            <a:off x="1254466" y="1714500"/>
+            <a:ext cx="4590119" cy="2162115"/>
+          </a:xfrm>
+          <a:prstGeom prst="rect">
+            <a:avLst/>
+          </a:prstGeom>
+        </p:spPr>
+      </p:pic>
+    </p:spTree>
+    <p:extLst>
+      <p:ext uri="{BB962C8B-B14F-4D97-AF65-F5344CB8AC3E}">
+        <p14:creationId xmlns:p14="http://schemas.microsoft.com/office/powerpoint/2010/main" val="2752720947"/>
+      </p:ext>
+    </p:extLst>
+  </p:cSld>
+  <p:clrMapOvr>
+    <a:masterClrMapping/>
+  </p:clrMapOvr>
+</p:sld>
+</file>
+
+<file path=ppt/slides/slide21.xml><?xml version="1.0" encoding="utf-8"?>
+<p:sld xmlns:a="http://schemas.openxmlformats.org/drawingml/2006/main" xmlns:r="http://schemas.openxmlformats.org/officeDocument/2006/relationships" xmlns:p="http://schemas.openxmlformats.org/presentationml/2006/main">
+  <p:cSld>
+    <p:spTree>
+      <p:nvGrpSpPr>
+        <p:cNvPr id="1" name="">
+          <a:extLst>
+            <a:ext uri="{FF2B5EF4-FFF2-40B4-BE49-F238E27FC236}">
               <a16:creationId xmlns:a16="http://schemas.microsoft.com/office/drawing/2014/main" id="{DDD47F33-5EC5-B9F7-B0D6-41508B790C12}"/>
             </a:ext>
           </a:extLst>
@@ -11306,7 +14354,7 @@
 </p:sld>
 </file>
 
-<file path=ppt/slides/slide21.xml><?xml version="1.0" encoding="utf-8"?>
+<file path=ppt/slides/slide22.xml><?xml version="1.0" encoding="utf-8"?>
 <p:sld xmlns:a="http://schemas.openxmlformats.org/drawingml/2006/main" xmlns:r="http://schemas.openxmlformats.org/officeDocument/2006/relationships" xmlns:p="http://schemas.openxmlformats.org/presentationml/2006/main">
   <p:cSld>
     <p:spTree>
@@ -12444,7 +15492,7 @@
 </p:sld>
 </file>
 
-<file path=ppt/slides/slide22.xml><?xml version="1.0" encoding="utf-8"?>
+<file path=ppt/slides/slide23.xml><?xml version="1.0" encoding="utf-8"?>
 <p:sld xmlns:a="http://schemas.openxmlformats.org/drawingml/2006/main" xmlns:r="http://schemas.openxmlformats.org/officeDocument/2006/relationships" xmlns:p="http://schemas.openxmlformats.org/presentationml/2006/main">
   <p:cSld>
     <p:spTree>
@@ -13957,7 +17005,7 @@
 </p:sld>
 </file>
 
-<file path=ppt/slides/slide23.xml><?xml version="1.0" encoding="utf-8"?>
+<file path=ppt/slides/slide24.xml><?xml version="1.0" encoding="utf-8"?>
 <p:sld xmlns:a="http://schemas.openxmlformats.org/drawingml/2006/main" xmlns:r="http://schemas.openxmlformats.org/officeDocument/2006/relationships" xmlns:p="http://schemas.openxmlformats.org/presentationml/2006/main">
   <p:cSld>
     <p:spTree>

--- a/Probeklausur.pptx
+++ b/Probeklausur.pptx
@@ -5,10 +5,10 @@
     <p:sldMasterId id="2147483649" r:id="rId4"/>
   </p:sldMasterIdLst>
   <p:notesMasterIdLst>
-    <p:notesMasterId r:id="rId30"/>
+    <p:notesMasterId r:id="rId31"/>
   </p:notesMasterIdLst>
   <p:handoutMasterIdLst>
-    <p:handoutMasterId r:id="rId31"/>
+    <p:handoutMasterId r:id="rId32"/>
   </p:handoutMasterIdLst>
   <p:sldIdLst>
     <p:sldId id="1041" r:id="rId5"/>
@@ -27,15 +27,16 @@
     <p:sldId id="1066" r:id="rId18"/>
     <p:sldId id="1067" r:id="rId19"/>
     <p:sldId id="1068" r:id="rId20"/>
-    <p:sldId id="1054" r:id="rId21"/>
-    <p:sldId id="1055" r:id="rId22"/>
-    <p:sldId id="1056" r:id="rId23"/>
-    <p:sldId id="1057" r:id="rId24"/>
-    <p:sldId id="1058" r:id="rId25"/>
-    <p:sldId id="1059" r:id="rId26"/>
-    <p:sldId id="1060" r:id="rId27"/>
-    <p:sldId id="1061" r:id="rId28"/>
-    <p:sldId id="1062" r:id="rId29"/>
+    <p:sldId id="1069" r:id="rId21"/>
+    <p:sldId id="1054" r:id="rId22"/>
+    <p:sldId id="1055" r:id="rId23"/>
+    <p:sldId id="1056" r:id="rId24"/>
+    <p:sldId id="1057" r:id="rId25"/>
+    <p:sldId id="1058" r:id="rId26"/>
+    <p:sldId id="1059" r:id="rId27"/>
+    <p:sldId id="1060" r:id="rId28"/>
+    <p:sldId id="1061" r:id="rId29"/>
+    <p:sldId id="1062" r:id="rId30"/>
   </p:sldIdLst>
   <p:sldSz cx="12192000" cy="6858000"/>
   <p:notesSz cx="6858000" cy="9144000"/>
@@ -185,6 +186,7 @@
             <p14:sldId id="1066"/>
             <p14:sldId id="1067"/>
             <p14:sldId id="1068"/>
+            <p14:sldId id="1069"/>
             <p14:sldId id="1054"/>
             <p14:sldId id="1055"/>
             <p14:sldId id="1056"/>
@@ -240,6 +242,7 @@
 <p1510:revInfo xmlns:a="http://schemas.openxmlformats.org/drawingml/2006/main" xmlns:r="http://schemas.openxmlformats.org/officeDocument/2006/relationships" xmlns:p1510="http://schemas.microsoft.com/office/powerpoint/2015/10/main">
   <p1510:revLst>
     <p1510:client id="{05E68480-3B10-9DDC-13A3-804E098ECB4E}" v="367" dt="2026-02-09T11:24:37.240"/>
+    <p1510:client id="{4C0DE733-53BE-F9E9-255C-E232D43849EE}" v="50" dt="2026-02-09T11:57:30.321"/>
     <p1510:client id="{CDEA013C-0C4C-7CC9-3073-C215768A4D35}" v="422" dt="2026-02-08T21:59:01.042"/>
     <p1510:client id="{CF275D93-1AF9-5CD7-90BA-CB7126BBAC7F}" v="1388" dt="2026-02-09T11:07:37.102"/>
     <p1510:client id="{D9D7A87D-DE7C-D9BF-B02E-6FFACE30470C}" v="1" dt="2026-02-08T22:04:55.165"/>
@@ -10277,6 +10280,890 @@
         <p:cNvPr id="1" name="">
           <a:extLst>
             <a:ext uri="{FF2B5EF4-FFF2-40B4-BE49-F238E27FC236}">
+              <a16:creationId xmlns:a16="http://schemas.microsoft.com/office/drawing/2014/main" id="{35CF8912-4707-1A32-6F1E-3AD0C720BB32}"/>
+            </a:ext>
+          </a:extLst>
+        </p:cNvPr>
+        <p:cNvGrpSpPr/>
+        <p:nvPr/>
+      </p:nvGrpSpPr>
+      <p:grpSpPr>
+        <a:xfrm>
+          <a:off x="0" y="0"/>
+          <a:ext cx="0" cy="0"/>
+          <a:chOff x="0" y="0"/>
+          <a:chExt cx="0" cy="0"/>
+        </a:xfrm>
+      </p:grpSpPr>
+      <p:sp>
+        <p:nvSpPr>
+          <p:cNvPr id="2" name="Titel 1">
+            <a:extLst>
+              <a:ext uri="{FF2B5EF4-FFF2-40B4-BE49-F238E27FC236}">
+                <a16:creationId xmlns:a16="http://schemas.microsoft.com/office/drawing/2014/main" id="{636FCF2E-2964-6BFB-3110-707EF9340C06}"/>
+              </a:ext>
+            </a:extLst>
+          </p:cNvPr>
+          <p:cNvSpPr>
+            <a:spLocks noGrp="1"/>
+          </p:cNvSpPr>
+          <p:nvPr>
+            <p:ph type="title"/>
+          </p:nvPr>
+        </p:nvSpPr>
+        <p:spPr/>
+        <p:txBody>
+          <a:bodyPr/>
+          <a:lstStyle/>
+          <a:p>
+            <a:r>
+              <a:rPr lang="de-DE" dirty="0"/>
+              <a:t>Aufgabe 3.6</a:t>
+            </a:r>
+          </a:p>
+        </p:txBody>
+      </p:sp>
+      <p:sp>
+        <p:nvSpPr>
+          <p:cNvPr id="6" name="Content Placeholder 4">
+            <a:extLst>
+              <a:ext uri="{FF2B5EF4-FFF2-40B4-BE49-F238E27FC236}">
+                <a16:creationId xmlns:a16="http://schemas.microsoft.com/office/drawing/2014/main" id="{B4AB020F-E3DF-FA63-98A8-8A0F77523BD5}"/>
+              </a:ext>
+            </a:extLst>
+          </p:cNvPr>
+          <p:cNvSpPr txBox="1">
+            <a:spLocks/>
+          </p:cNvSpPr>
+          <p:nvPr/>
+        </p:nvSpPr>
+        <p:spPr bwMode="auto">
+          <a:xfrm>
+            <a:off x="810000" y="1773239"/>
+            <a:ext cx="10580400" cy="4352925"/>
+          </a:xfrm>
+          <a:prstGeom prst="rect">
+            <a:avLst/>
+          </a:prstGeom>
+          <a:noFill/>
+          <a:ln w="9525">
+            <a:noFill/>
+            <a:miter lim="800000"/>
+            <a:headEnd/>
+            <a:tailEnd/>
+          </a:ln>
+          <a:effectLst/>
+        </p:spPr>
+        <p:txBody>
+          <a:bodyPr vert="horz" wrap="square" lIns="0" tIns="0" rIns="0" bIns="0" numCol="1" anchor="t" anchorCtr="0" compatLnSpc="1">
+            <a:prstTxWarp prst="textNoShape">
+              <a:avLst/>
+            </a:prstTxWarp>
+            <a:normAutofit/>
+          </a:bodyPr>
+          <a:lstStyle>
+            <a:lvl1pPr marL="180975" indent="-180975" algn="l" rtl="0" eaLnBrk="1" fontAlgn="base" hangingPunct="1">
+              <a:lnSpc>
+                <a:spcPct val="110000"/>
+              </a:lnSpc>
+              <a:spcBef>
+                <a:spcPct val="0"/>
+              </a:spcBef>
+              <a:spcAft>
+                <a:spcPct val="0"/>
+              </a:spcAft>
+              <a:buClr>
+                <a:schemeClr val="tx1"/>
+              </a:buClr>
+              <a:buChar char="•"/>
+              <a:defRPr sz="2000">
+                <a:solidFill>
+                  <a:schemeClr val="tx1"/>
+                </a:solidFill>
+                <a:latin typeface="+mn-lt"/>
+                <a:ea typeface="+mn-ea"/>
+                <a:cs typeface="+mn-cs"/>
+              </a:defRPr>
+            </a:lvl1pPr>
+            <a:lvl2pPr marL="541338" indent="-180975" algn="l" rtl="0" eaLnBrk="1" fontAlgn="base" hangingPunct="1">
+              <a:lnSpc>
+                <a:spcPct val="110000"/>
+              </a:lnSpc>
+              <a:spcBef>
+                <a:spcPct val="0"/>
+              </a:spcBef>
+              <a:spcAft>
+                <a:spcPct val="0"/>
+              </a:spcAft>
+              <a:buClr>
+                <a:schemeClr val="tx1"/>
+              </a:buClr>
+              <a:buSzPct val="80000"/>
+              <a:buChar char="-"/>
+              <a:defRPr sz="2000">
+                <a:solidFill>
+                  <a:schemeClr val="tx1"/>
+                </a:solidFill>
+                <a:latin typeface="+mn-lt"/>
+              </a:defRPr>
+            </a:lvl2pPr>
+            <a:lvl3pPr marL="895350" indent="-174625" algn="l" rtl="0" eaLnBrk="1" fontAlgn="base" hangingPunct="1">
+              <a:lnSpc>
+                <a:spcPct val="110000"/>
+              </a:lnSpc>
+              <a:spcBef>
+                <a:spcPct val="0"/>
+              </a:spcBef>
+              <a:spcAft>
+                <a:spcPct val="0"/>
+              </a:spcAft>
+              <a:buClr>
+                <a:schemeClr val="tx1"/>
+              </a:buClr>
+              <a:buFont typeface="Wingdings" pitchFamily="2" charset="2"/>
+              <a:buChar char="§"/>
+              <a:defRPr sz="1600">
+                <a:solidFill>
+                  <a:schemeClr val="tx1"/>
+                </a:solidFill>
+                <a:latin typeface="+mn-lt"/>
+              </a:defRPr>
+            </a:lvl3pPr>
+            <a:lvl4pPr marL="1260475" indent="-185738" algn="l" rtl="0" eaLnBrk="1" fontAlgn="base" hangingPunct="1">
+              <a:lnSpc>
+                <a:spcPct val="110000"/>
+              </a:lnSpc>
+              <a:spcBef>
+                <a:spcPct val="0"/>
+              </a:spcBef>
+              <a:spcAft>
+                <a:spcPct val="0"/>
+              </a:spcAft>
+              <a:buClr>
+                <a:schemeClr val="tx1"/>
+              </a:buClr>
+              <a:buChar char="•"/>
+              <a:defRPr sz="1400">
+                <a:solidFill>
+                  <a:schemeClr val="tx1"/>
+                </a:solidFill>
+                <a:latin typeface="+mn-lt"/>
+              </a:defRPr>
+            </a:lvl4pPr>
+            <a:lvl5pPr marL="0" indent="0" algn="l" rtl="0" eaLnBrk="1" fontAlgn="base" hangingPunct="1">
+              <a:lnSpc>
+                <a:spcPct val="110000"/>
+              </a:lnSpc>
+              <a:spcBef>
+                <a:spcPts val="300"/>
+              </a:spcBef>
+              <a:spcAft>
+                <a:spcPts val="300"/>
+              </a:spcAft>
+              <a:buClr>
+                <a:schemeClr val="tx1"/>
+              </a:buClr>
+              <a:buFontTx/>
+              <a:buNone/>
+              <a:tabLst>
+                <a:tab pos="5292000" algn="ctr"/>
+                <a:tab pos="10512000" algn="r"/>
+              </a:tabLst>
+              <a:defRPr sz="2000">
+                <a:solidFill>
+                  <a:schemeClr val="tx1"/>
+                </a:solidFill>
+                <a:latin typeface="+mn-lt"/>
+              </a:defRPr>
+            </a:lvl5pPr>
+            <a:lvl6pPr marL="2079625" indent="-182563" algn="l" rtl="0" eaLnBrk="1" fontAlgn="base" hangingPunct="1">
+              <a:lnSpc>
+                <a:spcPct val="110000"/>
+              </a:lnSpc>
+              <a:spcBef>
+                <a:spcPct val="0"/>
+              </a:spcBef>
+              <a:spcAft>
+                <a:spcPct val="0"/>
+              </a:spcAft>
+              <a:buChar char="-"/>
+              <a:defRPr sz="1200">
+                <a:solidFill>
+                  <a:schemeClr val="tx1"/>
+                </a:solidFill>
+                <a:latin typeface="+mn-lt"/>
+              </a:defRPr>
+            </a:lvl6pPr>
+            <a:lvl7pPr marL="2536825" indent="-182563" algn="l" rtl="0" eaLnBrk="1" fontAlgn="base" hangingPunct="1">
+              <a:lnSpc>
+                <a:spcPct val="110000"/>
+              </a:lnSpc>
+              <a:spcBef>
+                <a:spcPct val="0"/>
+              </a:spcBef>
+              <a:spcAft>
+                <a:spcPct val="0"/>
+              </a:spcAft>
+              <a:buChar char="-"/>
+              <a:defRPr sz="1200">
+                <a:solidFill>
+                  <a:schemeClr val="tx1"/>
+                </a:solidFill>
+                <a:latin typeface="+mn-lt"/>
+              </a:defRPr>
+            </a:lvl7pPr>
+            <a:lvl8pPr marL="2994025" indent="-182563" algn="l" rtl="0" eaLnBrk="1" fontAlgn="base" hangingPunct="1">
+              <a:lnSpc>
+                <a:spcPct val="110000"/>
+              </a:lnSpc>
+              <a:spcBef>
+                <a:spcPct val="0"/>
+              </a:spcBef>
+              <a:spcAft>
+                <a:spcPct val="0"/>
+              </a:spcAft>
+              <a:buChar char="-"/>
+              <a:defRPr sz="1200">
+                <a:solidFill>
+                  <a:schemeClr val="tx1"/>
+                </a:solidFill>
+                <a:latin typeface="+mn-lt"/>
+              </a:defRPr>
+            </a:lvl8pPr>
+            <a:lvl9pPr marL="3451225" indent="-182563" algn="l" rtl="0" eaLnBrk="1" fontAlgn="base" hangingPunct="1">
+              <a:lnSpc>
+                <a:spcPct val="110000"/>
+              </a:lnSpc>
+              <a:spcBef>
+                <a:spcPct val="0"/>
+              </a:spcBef>
+              <a:spcAft>
+                <a:spcPct val="0"/>
+              </a:spcAft>
+              <a:buChar char="-"/>
+              <a:defRPr sz="1200">
+                <a:solidFill>
+                  <a:schemeClr val="tx1"/>
+                </a:solidFill>
+                <a:latin typeface="+mn-lt"/>
+              </a:defRPr>
+            </a:lvl9pPr>
+          </a:lstStyle>
+          <a:p>
+            <a:pPr marL="0" indent="0">
+              <a:buFontTx/>
+              <a:buNone/>
+            </a:pPr>
+            <a:r>
+              <a:rPr lang="en-GB" kern="0" dirty="0">
+                <a:cs typeface="Arial"/>
+              </a:rPr>
+              <a:t>a)</a:t>
+            </a:r>
+          </a:p>
+          <a:p>
+            <a:pPr marL="0" indent="0">
+              <a:buNone/>
+            </a:pPr>
+            <a:endParaRPr lang="en-GB" kern="0" dirty="0">
+              <a:cs typeface="Arial"/>
+            </a:endParaRPr>
+          </a:p>
+          <a:p>
+            <a:pPr marL="0" indent="0">
+              <a:buNone/>
+            </a:pPr>
+            <a:endParaRPr lang="en-GB" kern="0" dirty="0">
+              <a:cs typeface="Arial"/>
+            </a:endParaRPr>
+          </a:p>
+          <a:p>
+            <a:pPr marL="0" indent="0">
+              <a:buNone/>
+            </a:pPr>
+            <a:endParaRPr lang="en-GB" kern="0" dirty="0">
+              <a:cs typeface="Arial"/>
+            </a:endParaRPr>
+          </a:p>
+          <a:p>
+            <a:pPr marL="0" indent="0">
+              <a:buNone/>
+            </a:pPr>
+            <a:endParaRPr lang="en-GB" kern="0" dirty="0">
+              <a:cs typeface="Arial"/>
+            </a:endParaRPr>
+          </a:p>
+          <a:p>
+            <a:pPr marL="0" indent="0">
+              <a:buNone/>
+            </a:pPr>
+            <a:endParaRPr lang="en-GB" kern="0" dirty="0">
+              <a:cs typeface="Arial"/>
+            </a:endParaRPr>
+          </a:p>
+          <a:p>
+            <a:pPr marL="0" indent="0">
+              <a:buNone/>
+            </a:pPr>
+            <a:endParaRPr lang="en-GB" kern="0" dirty="0">
+              <a:cs typeface="Arial"/>
+            </a:endParaRPr>
+          </a:p>
+          <a:p>
+            <a:pPr marL="0" indent="0">
+              <a:buNone/>
+            </a:pPr>
+            <a:endParaRPr lang="en-GB" kern="0" dirty="0">
+              <a:cs typeface="Arial"/>
+            </a:endParaRPr>
+          </a:p>
+          <a:p>
+            <a:pPr marL="0" indent="0">
+              <a:buNone/>
+            </a:pPr>
+            <a:endParaRPr lang="en-GB" kern="0" dirty="0">
+              <a:cs typeface="Arial"/>
+            </a:endParaRPr>
+          </a:p>
+          <a:p>
+            <a:pPr marL="0" indent="0">
+              <a:buNone/>
+            </a:pPr>
+            <a:endParaRPr lang="en-GB" kern="0" dirty="0">
+              <a:cs typeface="Arial"/>
+            </a:endParaRPr>
+          </a:p>
+          <a:p>
+            <a:pPr marL="0" indent="0">
+              <a:buNone/>
+            </a:pPr>
+            <a:r>
+              <a:rPr lang="en-GB" kern="0" dirty="0">
+                <a:cs typeface="Arial"/>
+              </a:rPr>
+              <a:t>b) Ein </a:t>
+            </a:r>
+            <a:r>
+              <a:rPr lang="en-GB" kern="0" dirty="0" err="1">
+                <a:cs typeface="Arial"/>
+              </a:rPr>
+              <a:t>Schaltwerk</a:t>
+            </a:r>
+            <a:r>
+              <a:rPr lang="en-GB" kern="0" dirty="0">
+                <a:cs typeface="Arial"/>
+              </a:rPr>
+              <a:t> </a:t>
+            </a:r>
+            <a:r>
+              <a:rPr lang="en-GB" kern="0" dirty="0" err="1">
+                <a:cs typeface="Arial"/>
+              </a:rPr>
+              <a:t>enthält</a:t>
+            </a:r>
+            <a:r>
+              <a:rPr lang="en-GB" kern="0" dirty="0">
+                <a:cs typeface="Arial"/>
+              </a:rPr>
+              <a:t> </a:t>
+            </a:r>
+            <a:r>
+              <a:rPr lang="en-GB" kern="0" dirty="0" err="1">
+                <a:cs typeface="Arial"/>
+              </a:rPr>
+              <a:t>speichernde</a:t>
+            </a:r>
+            <a:r>
+              <a:rPr lang="en-GB" kern="0" dirty="0">
+                <a:cs typeface="Arial"/>
+              </a:rPr>
+              <a:t> </a:t>
+            </a:r>
+            <a:r>
+              <a:rPr lang="en-GB" kern="0" dirty="0" err="1">
+                <a:cs typeface="Arial"/>
+              </a:rPr>
+              <a:t>Elemente</a:t>
+            </a:r>
+            <a:r>
+              <a:rPr lang="en-GB" kern="0" dirty="0">
+                <a:cs typeface="Arial"/>
+              </a:rPr>
+              <a:t>, </a:t>
+            </a:r>
+            <a:r>
+              <a:rPr lang="en-GB" kern="0" dirty="0" err="1">
+                <a:cs typeface="Arial"/>
+              </a:rPr>
+              <a:t>ein</a:t>
+            </a:r>
+            <a:r>
+              <a:rPr lang="en-GB" kern="0" dirty="0">
+                <a:cs typeface="Arial"/>
+              </a:rPr>
+              <a:t> </a:t>
+            </a:r>
+            <a:r>
+              <a:rPr lang="en-GB" kern="0" dirty="0" err="1">
+                <a:cs typeface="Arial"/>
+              </a:rPr>
+              <a:t>Schaltnetz</a:t>
+            </a:r>
+            <a:r>
+              <a:rPr lang="en-GB" kern="0" dirty="0">
+                <a:cs typeface="Arial"/>
+              </a:rPr>
+              <a:t> nicht.</a:t>
+            </a:r>
+          </a:p>
+        </p:txBody>
+      </p:sp>
+      <p:pic>
+        <p:nvPicPr>
+          <p:cNvPr id="7" name="Content Placeholder 6" descr="A white background with black text&#10;&#10;AI-generated content may be incorrect.">
+            <a:extLst>
+              <a:ext uri="{FF2B5EF4-FFF2-40B4-BE49-F238E27FC236}">
+                <a16:creationId xmlns:a16="http://schemas.microsoft.com/office/drawing/2014/main" id="{7B5993DE-0DC0-824E-E302-41A3B053B5BA}"/>
+              </a:ext>
+            </a:extLst>
+          </p:cNvPr>
+          <p:cNvPicPr>
+            <a:picLocks noGrp="1" noChangeAspect="1"/>
+          </p:cNvPicPr>
+          <p:nvPr>
+            <p:ph idx="1"/>
+          </p:nvPr>
+        </p:nvPicPr>
+        <p:blipFill>
+          <a:blip r:embed="rId2"/>
+          <a:stretch>
+            <a:fillRect/>
+          </a:stretch>
+        </p:blipFill>
+        <p:spPr bwMode="auto">
+          <a:xfrm>
+            <a:off x="1044148" y="1771267"/>
+            <a:ext cx="10243594" cy="2787743"/>
+          </a:xfrm>
+          <a:prstGeom prst="rect">
+            <a:avLst/>
+          </a:prstGeom>
+          <a:noFill/>
+          <a:ln w="9525">
+            <a:noFill/>
+            <a:miter lim="800000"/>
+            <a:headEnd/>
+            <a:tailEnd/>
+          </a:ln>
+          <a:effectLst/>
+        </p:spPr>
+      </p:pic>
+      <p:cxnSp>
+        <p:nvCxnSpPr>
+          <p:cNvPr id="8" name="Straight Arrow Connector 7">
+            <a:extLst>
+              <a:ext uri="{FF2B5EF4-FFF2-40B4-BE49-F238E27FC236}">
+                <a16:creationId xmlns:a16="http://schemas.microsoft.com/office/drawing/2014/main" id="{1434620C-1B13-B232-5CE7-63E7A071D0AB}"/>
+              </a:ext>
+            </a:extLst>
+          </p:cNvPr>
+          <p:cNvCxnSpPr/>
+          <p:nvPr/>
+        </p:nvCxnSpPr>
+        <p:spPr>
+          <a:xfrm>
+            <a:off x="10664141" y="3020027"/>
+            <a:ext cx="113817" cy="113817"/>
+          </a:xfrm>
+          <a:prstGeom prst="straightConnector1">
+            <a:avLst/>
+          </a:prstGeom>
+          <a:ln w="12700">
+            <a:solidFill>
+              <a:schemeClr val="tx1"/>
+            </a:solidFill>
+          </a:ln>
+        </p:spPr>
+        <p:style>
+          <a:lnRef idx="1">
+            <a:schemeClr val="accent1"/>
+          </a:lnRef>
+          <a:fillRef idx="0">
+            <a:schemeClr val="accent1"/>
+          </a:fillRef>
+          <a:effectRef idx="0">
+            <a:schemeClr val="accent1"/>
+          </a:effectRef>
+          <a:fontRef idx="minor">
+            <a:schemeClr val="tx1"/>
+          </a:fontRef>
+        </p:style>
+      </p:cxnSp>
+      <p:cxnSp>
+        <p:nvCxnSpPr>
+          <p:cNvPr id="9" name="Straight Arrow Connector 8">
+            <a:extLst>
+              <a:ext uri="{FF2B5EF4-FFF2-40B4-BE49-F238E27FC236}">
+                <a16:creationId xmlns:a16="http://schemas.microsoft.com/office/drawing/2014/main" id="{29102F20-482B-0C13-2BD6-4C6F440ADE50}"/>
+              </a:ext>
+            </a:extLst>
+          </p:cNvPr>
+          <p:cNvCxnSpPr>
+            <a:cxnSpLocks/>
+          </p:cNvCxnSpPr>
+          <p:nvPr/>
+        </p:nvCxnSpPr>
+        <p:spPr>
+          <a:xfrm>
+            <a:off x="10664140" y="3020026"/>
+            <a:ext cx="113817" cy="113817"/>
+          </a:xfrm>
+          <a:prstGeom prst="straightConnector1">
+            <a:avLst/>
+          </a:prstGeom>
+          <a:ln w="12700">
+            <a:solidFill>
+              <a:schemeClr val="tx1"/>
+            </a:solidFill>
+          </a:ln>
+        </p:spPr>
+        <p:style>
+          <a:lnRef idx="1">
+            <a:schemeClr val="accent1"/>
+          </a:lnRef>
+          <a:fillRef idx="0">
+            <a:schemeClr val="accent1"/>
+          </a:fillRef>
+          <a:effectRef idx="0">
+            <a:schemeClr val="accent1"/>
+          </a:effectRef>
+          <a:fontRef idx="minor">
+            <a:schemeClr val="tx1"/>
+          </a:fontRef>
+        </p:style>
+      </p:cxnSp>
+      <p:cxnSp>
+        <p:nvCxnSpPr>
+          <p:cNvPr id="14" name="Straight Arrow Connector 13">
+            <a:extLst>
+              <a:ext uri="{FF2B5EF4-FFF2-40B4-BE49-F238E27FC236}">
+                <a16:creationId xmlns:a16="http://schemas.microsoft.com/office/drawing/2014/main" id="{76EC7A4D-654C-5F91-7B27-131E237A7F23}"/>
+              </a:ext>
+            </a:extLst>
+          </p:cNvPr>
+          <p:cNvCxnSpPr>
+            <a:cxnSpLocks/>
+          </p:cNvCxnSpPr>
+          <p:nvPr/>
+        </p:nvCxnSpPr>
+        <p:spPr>
+          <a:xfrm>
+            <a:off x="9680292" y="4148558"/>
+            <a:ext cx="113817" cy="113817"/>
+          </a:xfrm>
+          <a:prstGeom prst="straightConnector1">
+            <a:avLst/>
+          </a:prstGeom>
+          <a:ln w="12700">
+            <a:solidFill>
+              <a:schemeClr val="tx1"/>
+            </a:solidFill>
+          </a:ln>
+        </p:spPr>
+        <p:style>
+          <a:lnRef idx="1">
+            <a:schemeClr val="accent1"/>
+          </a:lnRef>
+          <a:fillRef idx="0">
+            <a:schemeClr val="accent1"/>
+          </a:fillRef>
+          <a:effectRef idx="0">
+            <a:schemeClr val="accent1"/>
+          </a:effectRef>
+          <a:fontRef idx="minor">
+            <a:schemeClr val="tx1"/>
+          </a:fontRef>
+        </p:style>
+      </p:cxnSp>
+      <p:cxnSp>
+        <p:nvCxnSpPr>
+          <p:cNvPr id="15" name="Straight Arrow Connector 14">
+            <a:extLst>
+              <a:ext uri="{FF2B5EF4-FFF2-40B4-BE49-F238E27FC236}">
+                <a16:creationId xmlns:a16="http://schemas.microsoft.com/office/drawing/2014/main" id="{5FAB9C05-EA17-7D14-3C5F-DE43382E3F3D}"/>
+              </a:ext>
+            </a:extLst>
+          </p:cNvPr>
+          <p:cNvCxnSpPr>
+            <a:cxnSpLocks/>
+          </p:cNvCxnSpPr>
+          <p:nvPr/>
+        </p:nvCxnSpPr>
+        <p:spPr>
+          <a:xfrm>
+            <a:off x="9680291" y="4148557"/>
+            <a:ext cx="113817" cy="113817"/>
+          </a:xfrm>
+          <a:prstGeom prst="straightConnector1">
+            <a:avLst/>
+          </a:prstGeom>
+          <a:ln w="12700">
+            <a:solidFill>
+              <a:schemeClr val="tx1"/>
+            </a:solidFill>
+          </a:ln>
+        </p:spPr>
+        <p:style>
+          <a:lnRef idx="1">
+            <a:schemeClr val="accent1"/>
+          </a:lnRef>
+          <a:fillRef idx="0">
+            <a:schemeClr val="accent1"/>
+          </a:fillRef>
+          <a:effectRef idx="0">
+            <a:schemeClr val="accent1"/>
+          </a:effectRef>
+          <a:fontRef idx="minor">
+            <a:schemeClr val="tx1"/>
+          </a:fontRef>
+        </p:style>
+      </p:cxnSp>
+      <p:cxnSp>
+        <p:nvCxnSpPr>
+          <p:cNvPr id="16" name="Straight Arrow Connector 15">
+            <a:extLst>
+              <a:ext uri="{FF2B5EF4-FFF2-40B4-BE49-F238E27FC236}">
+                <a16:creationId xmlns:a16="http://schemas.microsoft.com/office/drawing/2014/main" id="{AEA93225-1E2B-2F8D-216A-86B145F572EF}"/>
+              </a:ext>
+            </a:extLst>
+          </p:cNvPr>
+          <p:cNvCxnSpPr>
+            <a:cxnSpLocks/>
+          </p:cNvCxnSpPr>
+          <p:nvPr/>
+        </p:nvCxnSpPr>
+        <p:spPr>
+          <a:xfrm>
+            <a:off x="9689937" y="4166074"/>
+            <a:ext cx="113817" cy="113817"/>
+          </a:xfrm>
+          <a:prstGeom prst="straightConnector1">
+            <a:avLst/>
+          </a:prstGeom>
+          <a:ln w="12700">
+            <a:solidFill>
+              <a:schemeClr val="tx1"/>
+            </a:solidFill>
+          </a:ln>
+        </p:spPr>
+        <p:style>
+          <a:lnRef idx="1">
+            <a:schemeClr val="accent1"/>
+          </a:lnRef>
+          <a:fillRef idx="0">
+            <a:schemeClr val="accent1"/>
+          </a:fillRef>
+          <a:effectRef idx="0">
+            <a:schemeClr val="accent1"/>
+          </a:effectRef>
+          <a:fontRef idx="minor">
+            <a:schemeClr val="tx1"/>
+          </a:fontRef>
+        </p:style>
+      </p:cxnSp>
+      <p:cxnSp>
+        <p:nvCxnSpPr>
+          <p:cNvPr id="18" name="Straight Arrow Connector 17">
+            <a:extLst>
+              <a:ext uri="{FF2B5EF4-FFF2-40B4-BE49-F238E27FC236}">
+                <a16:creationId xmlns:a16="http://schemas.microsoft.com/office/drawing/2014/main" id="{6640EC77-637D-C75C-9A1F-BA4C78CD868C}"/>
+              </a:ext>
+            </a:extLst>
+          </p:cNvPr>
+          <p:cNvCxnSpPr>
+            <a:cxnSpLocks/>
+          </p:cNvCxnSpPr>
+          <p:nvPr/>
+        </p:nvCxnSpPr>
+        <p:spPr>
+          <a:xfrm>
+            <a:off x="9680293" y="2605268"/>
+            <a:ext cx="113817" cy="113817"/>
+          </a:xfrm>
+          <a:prstGeom prst="straightConnector1">
+            <a:avLst/>
+          </a:prstGeom>
+          <a:ln w="12700">
+            <a:solidFill>
+              <a:schemeClr val="tx1"/>
+            </a:solidFill>
+          </a:ln>
+        </p:spPr>
+        <p:style>
+          <a:lnRef idx="1">
+            <a:schemeClr val="accent1"/>
+          </a:lnRef>
+          <a:fillRef idx="0">
+            <a:schemeClr val="accent1"/>
+          </a:fillRef>
+          <a:effectRef idx="0">
+            <a:schemeClr val="accent1"/>
+          </a:effectRef>
+          <a:fontRef idx="minor">
+            <a:schemeClr val="tx1"/>
+          </a:fontRef>
+        </p:style>
+      </p:cxnSp>
+      <p:cxnSp>
+        <p:nvCxnSpPr>
+          <p:cNvPr id="19" name="Straight Arrow Connector 18">
+            <a:extLst>
+              <a:ext uri="{FF2B5EF4-FFF2-40B4-BE49-F238E27FC236}">
+                <a16:creationId xmlns:a16="http://schemas.microsoft.com/office/drawing/2014/main" id="{E45AB642-FE67-0439-10C6-67DEEF212943}"/>
+              </a:ext>
+            </a:extLst>
+          </p:cNvPr>
+          <p:cNvCxnSpPr>
+            <a:cxnSpLocks/>
+          </p:cNvCxnSpPr>
+          <p:nvPr/>
+        </p:nvCxnSpPr>
+        <p:spPr>
+          <a:xfrm>
+            <a:off x="9682067" y="2604380"/>
+            <a:ext cx="113817" cy="113817"/>
+          </a:xfrm>
+          <a:prstGeom prst="straightConnector1">
+            <a:avLst/>
+          </a:prstGeom>
+          <a:ln w="12700">
+            <a:solidFill>
+              <a:schemeClr val="tx1"/>
+            </a:solidFill>
+          </a:ln>
+        </p:spPr>
+        <p:style>
+          <a:lnRef idx="1">
+            <a:schemeClr val="accent1"/>
+          </a:lnRef>
+          <a:fillRef idx="0">
+            <a:schemeClr val="accent1"/>
+          </a:fillRef>
+          <a:effectRef idx="0">
+            <a:schemeClr val="accent1"/>
+          </a:effectRef>
+          <a:fontRef idx="minor">
+            <a:schemeClr val="tx1"/>
+          </a:fontRef>
+        </p:style>
+      </p:cxnSp>
+      <p:cxnSp>
+        <p:nvCxnSpPr>
+          <p:cNvPr id="3" name="Straight Arrow Connector 2">
+            <a:extLst>
+              <a:ext uri="{FF2B5EF4-FFF2-40B4-BE49-F238E27FC236}">
+                <a16:creationId xmlns:a16="http://schemas.microsoft.com/office/drawing/2014/main" id="{16645936-35EB-D721-7349-53CFDFFF0507}"/>
+              </a:ext>
+            </a:extLst>
+          </p:cNvPr>
+          <p:cNvCxnSpPr>
+            <a:cxnSpLocks/>
+          </p:cNvCxnSpPr>
+          <p:nvPr/>
+        </p:nvCxnSpPr>
+        <p:spPr>
+          <a:xfrm>
+            <a:off x="10664139" y="3440439"/>
+            <a:ext cx="113817" cy="113817"/>
+          </a:xfrm>
+          <a:prstGeom prst="straightConnector1">
+            <a:avLst/>
+          </a:prstGeom>
+          <a:ln w="12700">
+            <a:solidFill>
+              <a:schemeClr val="tx1"/>
+            </a:solidFill>
+          </a:ln>
+        </p:spPr>
+        <p:style>
+          <a:lnRef idx="1">
+            <a:schemeClr val="accent1"/>
+          </a:lnRef>
+          <a:fillRef idx="0">
+            <a:schemeClr val="accent1"/>
+          </a:fillRef>
+          <a:effectRef idx="0">
+            <a:schemeClr val="accent1"/>
+          </a:effectRef>
+          <a:fontRef idx="minor">
+            <a:schemeClr val="tx1"/>
+          </a:fontRef>
+        </p:style>
+      </p:cxnSp>
+      <p:cxnSp>
+        <p:nvCxnSpPr>
+          <p:cNvPr id="4" name="Straight Arrow Connector 3">
+            <a:extLst>
+              <a:ext uri="{FF2B5EF4-FFF2-40B4-BE49-F238E27FC236}">
+                <a16:creationId xmlns:a16="http://schemas.microsoft.com/office/drawing/2014/main" id="{BCB32485-5D40-1F31-76B8-448958D53626}"/>
+              </a:ext>
+            </a:extLst>
+          </p:cNvPr>
+          <p:cNvCxnSpPr>
+            <a:cxnSpLocks/>
+          </p:cNvCxnSpPr>
+          <p:nvPr/>
+        </p:nvCxnSpPr>
+        <p:spPr>
+          <a:xfrm>
+            <a:off x="10664138" y="3440438"/>
+            <a:ext cx="113817" cy="113817"/>
+          </a:xfrm>
+          <a:prstGeom prst="straightConnector1">
+            <a:avLst/>
+          </a:prstGeom>
+          <a:ln w="12700">
+            <a:solidFill>
+              <a:schemeClr val="tx1"/>
+            </a:solidFill>
+          </a:ln>
+        </p:spPr>
+        <p:style>
+          <a:lnRef idx="1">
+            <a:schemeClr val="accent1"/>
+          </a:lnRef>
+          <a:fillRef idx="0">
+            <a:schemeClr val="accent1"/>
+          </a:fillRef>
+          <a:effectRef idx="0">
+            <a:schemeClr val="accent1"/>
+          </a:effectRef>
+          <a:fontRef idx="minor">
+            <a:schemeClr val="tx1"/>
+          </a:fontRef>
+        </p:style>
+      </p:cxnSp>
+    </p:spTree>
+    <p:extLst>
+      <p:ext uri="{BB962C8B-B14F-4D97-AF65-F5344CB8AC3E}">
+        <p14:creationId xmlns:p14="http://schemas.microsoft.com/office/powerpoint/2010/main" val="3565071836"/>
+      </p:ext>
+    </p:extLst>
+  </p:cSld>
+  <p:clrMapOvr>
+    <a:masterClrMapping/>
+  </p:clrMapOvr>
+</p:sld>
+</file>
+
+<file path=ppt/slides/slide18.xml><?xml version="1.0" encoding="utf-8"?>
+<p:sld xmlns:a="http://schemas.openxmlformats.org/drawingml/2006/main" xmlns:r="http://schemas.openxmlformats.org/officeDocument/2006/relationships" xmlns:p="http://schemas.openxmlformats.org/presentationml/2006/main">
+  <p:cSld>
+    <p:spTree>
+      <p:nvGrpSpPr>
+        <p:cNvPr id="1" name="">
+          <a:extLst>
+            <a:ext uri="{FF2B5EF4-FFF2-40B4-BE49-F238E27FC236}">
               <a16:creationId xmlns:a16="http://schemas.microsoft.com/office/drawing/2014/main" id="{040F9FFB-6560-8F1E-6F4C-64511D3A3568}"/>
             </a:ext>
           </a:extLst>
@@ -10475,7 +11362,7 @@
 </p:sld>
 </file>
 
-<file path=ppt/slides/slide18.xml><?xml version="1.0" encoding="utf-8"?>
+<file path=ppt/slides/slide19.xml><?xml version="1.0" encoding="utf-8"?>
 <p:sld xmlns:a="http://schemas.openxmlformats.org/drawingml/2006/main" xmlns:r="http://schemas.openxmlformats.org/officeDocument/2006/relationships" xmlns:p="http://schemas.openxmlformats.org/presentationml/2006/main">
   <p:cSld>
     <p:spTree>
@@ -10654,149 +11541,6 @@
     <p:extLst>
       <p:ext uri="{BB962C8B-B14F-4D97-AF65-F5344CB8AC3E}">
         <p14:creationId xmlns:p14="http://schemas.microsoft.com/office/powerpoint/2010/main" val="2904793170"/>
-      </p:ext>
-    </p:extLst>
-  </p:cSld>
-  <p:clrMapOvr>
-    <a:masterClrMapping/>
-  </p:clrMapOvr>
-</p:sld>
-</file>
-
-<file path=ppt/slides/slide19.xml><?xml version="1.0" encoding="utf-8"?>
-<p:sld xmlns:a="http://schemas.openxmlformats.org/drawingml/2006/main" xmlns:r="http://schemas.openxmlformats.org/officeDocument/2006/relationships" xmlns:p="http://schemas.openxmlformats.org/presentationml/2006/main">
-  <p:cSld>
-    <p:spTree>
-      <p:nvGrpSpPr>
-        <p:cNvPr id="1" name="">
-          <a:extLst>
-            <a:ext uri="{FF2B5EF4-FFF2-40B4-BE49-F238E27FC236}">
-              <a16:creationId xmlns:a16="http://schemas.microsoft.com/office/drawing/2014/main" id="{7B50669D-181B-5457-72E4-733900FCAE6C}"/>
-            </a:ext>
-          </a:extLst>
-        </p:cNvPr>
-        <p:cNvGrpSpPr/>
-        <p:nvPr/>
-      </p:nvGrpSpPr>
-      <p:grpSpPr>
-        <a:xfrm>
-          <a:off x="0" y="0"/>
-          <a:ext cx="0" cy="0"/>
-          <a:chOff x="0" y="0"/>
-          <a:chExt cx="0" cy="0"/>
-        </a:xfrm>
-      </p:grpSpPr>
-      <p:sp>
-        <p:nvSpPr>
-          <p:cNvPr id="2" name="Titel 1">
-            <a:extLst>
-              <a:ext uri="{FF2B5EF4-FFF2-40B4-BE49-F238E27FC236}">
-                <a16:creationId xmlns:a16="http://schemas.microsoft.com/office/drawing/2014/main" id="{B25BE223-7331-D302-EA12-F7786CDBAB97}"/>
-              </a:ext>
-            </a:extLst>
-          </p:cNvPr>
-          <p:cNvSpPr>
-            <a:spLocks noGrp="1"/>
-          </p:cNvSpPr>
-          <p:nvPr>
-            <p:ph type="title"/>
-          </p:nvPr>
-        </p:nvSpPr>
-        <p:spPr/>
-        <p:txBody>
-          <a:bodyPr/>
-          <a:lstStyle/>
-          <a:p>
-            <a:r>
-              <a:rPr lang="de-DE" dirty="0"/>
-              <a:t>Aufgabe 4.2</a:t>
-            </a:r>
-          </a:p>
-        </p:txBody>
-      </p:sp>
-      <p:sp>
-        <p:nvSpPr>
-          <p:cNvPr id="6" name="Content Placeholder 5">
-            <a:extLst>
-              <a:ext uri="{FF2B5EF4-FFF2-40B4-BE49-F238E27FC236}">
-                <a16:creationId xmlns:a16="http://schemas.microsoft.com/office/drawing/2014/main" id="{D298CE90-EC75-4CE4-6BED-5925E90A217A}"/>
-              </a:ext>
-            </a:extLst>
-          </p:cNvPr>
-          <p:cNvSpPr>
-            <a:spLocks noGrp="1"/>
-          </p:cNvSpPr>
-          <p:nvPr>
-            <p:ph idx="1"/>
-          </p:nvPr>
-        </p:nvSpPr>
-        <p:spPr/>
-        <p:txBody>
-          <a:bodyPr/>
-          <a:lstStyle/>
-          <a:p>
-            <a:pPr marL="0" indent="0">
-              <a:buNone/>
-            </a:pPr>
-            <a:r>
-              <a:rPr lang="en-GB" dirty="0">
-                <a:cs typeface="Arial"/>
-              </a:rPr>
-              <a:t>b) </a:t>
-            </a:r>
-          </a:p>
-          <a:p>
-            <a:pPr marL="0" indent="0">
-              <a:buNone/>
-            </a:pPr>
-            <a:endParaRPr lang="en-GB" dirty="0">
-              <a:cs typeface="Arial"/>
-            </a:endParaRPr>
-          </a:p>
-          <a:p>
-            <a:pPr marL="0" indent="0">
-              <a:buNone/>
-            </a:pPr>
-            <a:endParaRPr lang="en-GB" dirty="0">
-              <a:cs typeface="Arial"/>
-            </a:endParaRPr>
-          </a:p>
-        </p:txBody>
-      </p:sp>
-      <p:pic>
-        <p:nvPicPr>
-          <p:cNvPr id="3" name="Picture 2" descr="A black background with white circles&#10;&#10;AI-generated content may be incorrect.">
-            <a:extLst>
-              <a:ext uri="{FF2B5EF4-FFF2-40B4-BE49-F238E27FC236}">
-                <a16:creationId xmlns:a16="http://schemas.microsoft.com/office/drawing/2014/main" id="{D7206A18-DF2A-8FD0-094B-28D39A8B8BDB}"/>
-              </a:ext>
-            </a:extLst>
-          </p:cNvPr>
-          <p:cNvPicPr>
-            <a:picLocks noChangeAspect="1"/>
-          </p:cNvPicPr>
-          <p:nvPr/>
-        </p:nvPicPr>
-        <p:blipFill>
-          <a:blip r:embed="rId2"/>
-          <a:stretch>
-            <a:fillRect/>
-          </a:stretch>
-        </p:blipFill>
-        <p:spPr>
-          <a:xfrm>
-            <a:off x="3521296" y="874190"/>
-            <a:ext cx="5294092" cy="5389342"/>
-          </a:xfrm>
-          <a:prstGeom prst="rect">
-            <a:avLst/>
-          </a:prstGeom>
-        </p:spPr>
-      </p:pic>
-    </p:spTree>
-    <p:extLst>
-      <p:ext uri="{BB962C8B-B14F-4D97-AF65-F5344CB8AC3E}">
-        <p14:creationId xmlns:p14="http://schemas.microsoft.com/office/powerpoint/2010/main" val="1601421726"/>
       </p:ext>
     </p:extLst>
   </p:cSld>
@@ -11513,6 +12257,149 @@
         <p:cNvPr id="1" name="">
           <a:extLst>
             <a:ext uri="{FF2B5EF4-FFF2-40B4-BE49-F238E27FC236}">
+              <a16:creationId xmlns:a16="http://schemas.microsoft.com/office/drawing/2014/main" id="{7B50669D-181B-5457-72E4-733900FCAE6C}"/>
+            </a:ext>
+          </a:extLst>
+        </p:cNvPr>
+        <p:cNvGrpSpPr/>
+        <p:nvPr/>
+      </p:nvGrpSpPr>
+      <p:grpSpPr>
+        <a:xfrm>
+          <a:off x="0" y="0"/>
+          <a:ext cx="0" cy="0"/>
+          <a:chOff x="0" y="0"/>
+          <a:chExt cx="0" cy="0"/>
+        </a:xfrm>
+      </p:grpSpPr>
+      <p:sp>
+        <p:nvSpPr>
+          <p:cNvPr id="2" name="Titel 1">
+            <a:extLst>
+              <a:ext uri="{FF2B5EF4-FFF2-40B4-BE49-F238E27FC236}">
+                <a16:creationId xmlns:a16="http://schemas.microsoft.com/office/drawing/2014/main" id="{B25BE223-7331-D302-EA12-F7786CDBAB97}"/>
+              </a:ext>
+            </a:extLst>
+          </p:cNvPr>
+          <p:cNvSpPr>
+            <a:spLocks noGrp="1"/>
+          </p:cNvSpPr>
+          <p:nvPr>
+            <p:ph type="title"/>
+          </p:nvPr>
+        </p:nvSpPr>
+        <p:spPr/>
+        <p:txBody>
+          <a:bodyPr/>
+          <a:lstStyle/>
+          <a:p>
+            <a:r>
+              <a:rPr lang="de-DE" dirty="0"/>
+              <a:t>Aufgabe 4.2</a:t>
+            </a:r>
+          </a:p>
+        </p:txBody>
+      </p:sp>
+      <p:sp>
+        <p:nvSpPr>
+          <p:cNvPr id="6" name="Content Placeholder 5">
+            <a:extLst>
+              <a:ext uri="{FF2B5EF4-FFF2-40B4-BE49-F238E27FC236}">
+                <a16:creationId xmlns:a16="http://schemas.microsoft.com/office/drawing/2014/main" id="{D298CE90-EC75-4CE4-6BED-5925E90A217A}"/>
+              </a:ext>
+            </a:extLst>
+          </p:cNvPr>
+          <p:cNvSpPr>
+            <a:spLocks noGrp="1"/>
+          </p:cNvSpPr>
+          <p:nvPr>
+            <p:ph idx="1"/>
+          </p:nvPr>
+        </p:nvSpPr>
+        <p:spPr/>
+        <p:txBody>
+          <a:bodyPr/>
+          <a:lstStyle/>
+          <a:p>
+            <a:pPr marL="0" indent="0">
+              <a:buNone/>
+            </a:pPr>
+            <a:r>
+              <a:rPr lang="en-GB" dirty="0">
+                <a:cs typeface="Arial"/>
+              </a:rPr>
+              <a:t>b) </a:t>
+            </a:r>
+          </a:p>
+          <a:p>
+            <a:pPr marL="0" indent="0">
+              <a:buNone/>
+            </a:pPr>
+            <a:endParaRPr lang="en-GB" dirty="0">
+              <a:cs typeface="Arial"/>
+            </a:endParaRPr>
+          </a:p>
+          <a:p>
+            <a:pPr marL="0" indent="0">
+              <a:buNone/>
+            </a:pPr>
+            <a:endParaRPr lang="en-GB" dirty="0">
+              <a:cs typeface="Arial"/>
+            </a:endParaRPr>
+          </a:p>
+        </p:txBody>
+      </p:sp>
+      <p:pic>
+        <p:nvPicPr>
+          <p:cNvPr id="3" name="Picture 2" descr="A black background with white circles&#10;&#10;AI-generated content may be incorrect.">
+            <a:extLst>
+              <a:ext uri="{FF2B5EF4-FFF2-40B4-BE49-F238E27FC236}">
+                <a16:creationId xmlns:a16="http://schemas.microsoft.com/office/drawing/2014/main" id="{D7206A18-DF2A-8FD0-094B-28D39A8B8BDB}"/>
+              </a:ext>
+            </a:extLst>
+          </p:cNvPr>
+          <p:cNvPicPr>
+            <a:picLocks noChangeAspect="1"/>
+          </p:cNvPicPr>
+          <p:nvPr/>
+        </p:nvPicPr>
+        <p:blipFill>
+          <a:blip r:embed="rId2"/>
+          <a:stretch>
+            <a:fillRect/>
+          </a:stretch>
+        </p:blipFill>
+        <p:spPr>
+          <a:xfrm>
+            <a:off x="3521296" y="874190"/>
+            <a:ext cx="5294092" cy="5389342"/>
+          </a:xfrm>
+          <a:prstGeom prst="rect">
+            <a:avLst/>
+          </a:prstGeom>
+        </p:spPr>
+      </p:pic>
+    </p:spTree>
+    <p:extLst>
+      <p:ext uri="{BB962C8B-B14F-4D97-AF65-F5344CB8AC3E}">
+        <p14:creationId xmlns:p14="http://schemas.microsoft.com/office/powerpoint/2010/main" val="1601421726"/>
+      </p:ext>
+    </p:extLst>
+  </p:cSld>
+  <p:clrMapOvr>
+    <a:masterClrMapping/>
+  </p:clrMapOvr>
+</p:sld>
+</file>
+
+<file path=ppt/slides/slide21.xml><?xml version="1.0" encoding="utf-8"?>
+<p:sld xmlns:a="http://schemas.openxmlformats.org/drawingml/2006/main" xmlns:r="http://schemas.openxmlformats.org/officeDocument/2006/relationships" xmlns:p="http://schemas.openxmlformats.org/presentationml/2006/main">
+  <p:cSld>
+    <p:spTree>
+      <p:nvGrpSpPr>
+        <p:cNvPr id="1" name="">
+          <a:extLst>
+            <a:ext uri="{FF2B5EF4-FFF2-40B4-BE49-F238E27FC236}">
               <a16:creationId xmlns:a16="http://schemas.microsoft.com/office/drawing/2014/main" id="{3EAEC84B-2F88-FFF8-B544-28345B3487D4}"/>
             </a:ext>
           </a:extLst>
@@ -11706,7 +12593,7 @@
 </p:sld>
 </file>
 
-<file path=ppt/slides/slide21.xml><?xml version="1.0" encoding="utf-8"?>
+<file path=ppt/slides/slide22.xml><?xml version="1.0" encoding="utf-8"?>
 <p:sld xmlns:a="http://schemas.openxmlformats.org/drawingml/2006/main" xmlns:r="http://schemas.openxmlformats.org/officeDocument/2006/relationships" xmlns:p="http://schemas.openxmlformats.org/presentationml/2006/main">
   <p:cSld>
     <p:spTree>
@@ -11902,7 +12789,7 @@
 </p:sld>
 </file>
 
-<file path=ppt/slides/slide22.xml><?xml version="1.0" encoding="utf-8"?>
+<file path=ppt/slides/slide23.xml><?xml version="1.0" encoding="utf-8"?>
 <p:sld xmlns:a="http://schemas.openxmlformats.org/drawingml/2006/main" xmlns:r="http://schemas.openxmlformats.org/officeDocument/2006/relationships" xmlns:p="http://schemas.openxmlformats.org/presentationml/2006/main">
   <p:cSld>
     <p:spTree>
@@ -12116,7 +13003,7 @@
 </p:sld>
 </file>
 
-<file path=ppt/slides/slide23.xml><?xml version="1.0" encoding="utf-8"?>
+<file path=ppt/slides/slide24.xml><?xml version="1.0" encoding="utf-8"?>
 <p:sld xmlns:a="http://schemas.openxmlformats.org/drawingml/2006/main" xmlns:r="http://schemas.openxmlformats.org/officeDocument/2006/relationships" xmlns:p="http://schemas.openxmlformats.org/presentationml/2006/main">
   <p:cSld>
     <p:spTree>
@@ -12673,7 +13560,7 @@
 </p:sld>
 </file>
 
-<file path=ppt/slides/slide24.xml><?xml version="1.0" encoding="utf-8"?>
+<file path=ppt/slides/slide25.xml><?xml version="1.0" encoding="utf-8"?>
 <p:sld xmlns:a="http://schemas.openxmlformats.org/drawingml/2006/main" xmlns:r="http://schemas.openxmlformats.org/officeDocument/2006/relationships" xmlns:p="http://schemas.openxmlformats.org/presentationml/2006/main">
   <p:cSld>
     <p:spTree>
@@ -13593,7 +14480,7 @@
 </p:sld>
 </file>
 
-<file path=ppt/slides/slide25.xml><?xml version="1.0" encoding="utf-8"?>
+<file path=ppt/slides/slide26.xml><?xml version="1.0" encoding="utf-8"?>
 <p:sld xmlns:a="http://schemas.openxmlformats.org/drawingml/2006/main" xmlns:r="http://schemas.openxmlformats.org/officeDocument/2006/relationships" xmlns:p="http://schemas.openxmlformats.org/presentationml/2006/main">
   <p:cSld>
     <p:spTree>
@@ -22644,15 +23531,6 @@
 </file>
 
 <file path=customXml/item1.xml><?xml version="1.0" encoding="utf-8"?>
-<?mso-contentType ?>
-<FormTemplates xmlns="http://schemas.microsoft.com/sharepoint/v3/contenttype/forms">
-  <Display>DocumentLibraryForm</Display>
-  <Edit>DocumentLibraryForm</Edit>
-  <New>DocumentLibraryForm</New>
-</FormTemplates>
-</file>
-
-<file path=customXml/item2.xml><?xml version="1.0" encoding="utf-8"?>
 <ct:contentTypeSchema xmlns:ct="http://schemas.microsoft.com/office/2006/metadata/contentType" xmlns:ma="http://schemas.microsoft.com/office/2006/metadata/properties/metaAttributes" ct:_="" ma:_="" ma:contentTypeName="Document" ma:contentTypeID="0x0101008799F1A435591F42BCDE2557FA51CDDA" ma:contentTypeVersion="15" ma:contentTypeDescription="Create a new document." ma:contentTypeScope="" ma:versionID="baa9c65a0a545f65583643df3cf8d9f4">
   <xsd:schema xmlns:xsd="http://www.w3.org/2001/XMLSchema" xmlns:xs="http://www.w3.org/2001/XMLSchema" xmlns:p="http://schemas.microsoft.com/office/2006/metadata/properties" xmlns:ns2="f957fcc5-14ca-4ecf-9842-9f00d595875c" xmlns:ns3="e08cfc56-8307-41e5-898e-b333c51beffa" targetNamespace="http://schemas.microsoft.com/office/2006/metadata/properties" ma:root="true" ma:fieldsID="015d39312a6521742bc57e13b2dae392" ns2:_="" ns3:_="">
     <xsd:import namespace="f957fcc5-14ca-4ecf-9842-9f00d595875c"/>
@@ -22889,6 +23767,15 @@
 </ct:contentTypeSchema>
 </file>
 
+<file path=customXml/item2.xml><?xml version="1.0" encoding="utf-8"?>
+<?mso-contentType ?>
+<FormTemplates xmlns="http://schemas.microsoft.com/sharepoint/v3/contenttype/forms">
+  <Display>DocumentLibraryForm</Display>
+  <Edit>DocumentLibraryForm</Edit>
+  <New>DocumentLibraryForm</New>
+</FormTemplates>
+</file>
+
 <file path=customXml/item3.xml><?xml version="1.0" encoding="utf-8"?>
 <p:properties xmlns:p="http://schemas.microsoft.com/office/2006/metadata/properties" xmlns:xsi="http://www.w3.org/2001/XMLSchema-instance" xmlns:pc="http://schemas.microsoft.com/office/infopath/2007/PartnerControls">
   <documentManagement>
@@ -22901,14 +23788,6 @@
 </file>
 
 <file path=customXml/itemProps1.xml><?xml version="1.0" encoding="utf-8"?>
-<ds:datastoreItem xmlns:ds="http://schemas.openxmlformats.org/officeDocument/2006/customXml" ds:itemID="{AC48F4C2-72FB-464C-8474-E470A160399A}">
-  <ds:schemaRefs>
-    <ds:schemaRef ds:uri="http://schemas.microsoft.com/sharepoint/v3/contenttype/forms"/>
-  </ds:schemaRefs>
-</ds:datastoreItem>
-</file>
-
-<file path=customXml/itemProps2.xml><?xml version="1.0" encoding="utf-8"?>
 <ds:datastoreItem xmlns:ds="http://schemas.openxmlformats.org/officeDocument/2006/customXml" ds:itemID="{96F35E4A-19A6-42ED-B9B2-B9FDCAD1EAA1}">
   <ds:schemaRefs>
     <ds:schemaRef ds:uri="e08cfc56-8307-41e5-898e-b333c51beffa"/>
@@ -22923,6 +23802,14 @@
     <ds:schemaRef ds:uri="http://schemas.microsoft.com/office/infopath/2007/PartnerControls"/>
     <ds:schemaRef ds:uri="http://schemas.openxmlformats.org/package/2006/metadata/core-properties"/>
     <ds:schemaRef ds:uri="http://www.w3.org/2001/XMLSchema"/>
+  </ds:schemaRefs>
+</ds:datastoreItem>
+</file>
+
+<file path=customXml/itemProps2.xml><?xml version="1.0" encoding="utf-8"?>
+<ds:datastoreItem xmlns:ds="http://schemas.openxmlformats.org/officeDocument/2006/customXml" ds:itemID="{AC48F4C2-72FB-464C-8474-E470A160399A}">
+  <ds:schemaRefs>
+    <ds:schemaRef ds:uri="http://schemas.microsoft.com/sharepoint/v3/contenttype/forms"/>
   </ds:schemaRefs>
 </ds:datastoreItem>
 </file>

--- a/Probeklausur.pptx
+++ b/Probeklausur.pptx
@@ -5,10 +5,10 @@
     <p:sldMasterId id="2147483649" r:id="rId4"/>
   </p:sldMasterIdLst>
   <p:notesMasterIdLst>
-    <p:notesMasterId r:id="rId31"/>
+    <p:notesMasterId r:id="rId33"/>
   </p:notesMasterIdLst>
   <p:handoutMasterIdLst>
-    <p:handoutMasterId r:id="rId32"/>
+    <p:handoutMasterId r:id="rId34"/>
   </p:handoutMasterIdLst>
   <p:sldIdLst>
     <p:sldId id="1041" r:id="rId5"/>
@@ -30,13 +30,15 @@
     <p:sldId id="1069" r:id="rId21"/>
     <p:sldId id="1054" r:id="rId22"/>
     <p:sldId id="1055" r:id="rId23"/>
-    <p:sldId id="1056" r:id="rId24"/>
-    <p:sldId id="1057" r:id="rId25"/>
-    <p:sldId id="1058" r:id="rId26"/>
-    <p:sldId id="1059" r:id="rId27"/>
-    <p:sldId id="1060" r:id="rId28"/>
-    <p:sldId id="1061" r:id="rId29"/>
-    <p:sldId id="1062" r:id="rId30"/>
+    <p:sldId id="1071" r:id="rId24"/>
+    <p:sldId id="1070" r:id="rId25"/>
+    <p:sldId id="1056" r:id="rId26"/>
+    <p:sldId id="1057" r:id="rId27"/>
+    <p:sldId id="1058" r:id="rId28"/>
+    <p:sldId id="1059" r:id="rId29"/>
+    <p:sldId id="1060" r:id="rId30"/>
+    <p:sldId id="1061" r:id="rId31"/>
+    <p:sldId id="1062" r:id="rId32"/>
   </p:sldIdLst>
   <p:sldSz cx="12192000" cy="6858000"/>
   <p:notesSz cx="6858000" cy="9144000"/>
@@ -189,6 +191,8 @@
             <p14:sldId id="1069"/>
             <p14:sldId id="1054"/>
             <p14:sldId id="1055"/>
+            <p14:sldId id="1071"/>
+            <p14:sldId id="1070"/>
             <p14:sldId id="1056"/>
             <p14:sldId id="1057"/>
             <p14:sldId id="1058"/>
@@ -242,7 +246,7 @@
 <p1510:revInfo xmlns:a="http://schemas.openxmlformats.org/drawingml/2006/main" xmlns:r="http://schemas.openxmlformats.org/officeDocument/2006/relationships" xmlns:p1510="http://schemas.microsoft.com/office/powerpoint/2015/10/main">
   <p1510:revLst>
     <p1510:client id="{05E68480-3B10-9DDC-13A3-804E098ECB4E}" v="367" dt="2026-02-09T11:24:37.240"/>
-    <p1510:client id="{4C0DE733-53BE-F9E9-255C-E232D43849EE}" v="50" dt="2026-02-09T11:57:30.321"/>
+    <p1510:client id="{4C0DE733-53BE-F9E9-255C-E232D43849EE}" v="166" dt="2026-02-09T12:09:28.159"/>
     <p1510:client id="{CDEA013C-0C4C-7CC9-3073-C215768A4D35}" v="422" dt="2026-02-08T21:59:01.042"/>
     <p1510:client id="{CF275D93-1AF9-5CD7-90BA-CB7126BBAC7F}" v="1388" dt="2026-02-09T11:07:37.102"/>
     <p1510:client id="{D9D7A87D-DE7C-D9BF-B02E-6FFACE30470C}" v="1" dt="2026-02-08T22:04:55.165"/>
@@ -11408,7 +11412,7 @@
           <a:p>
             <a:r>
               <a:rPr lang="de-DE" dirty="0"/>
-              <a:t>Aufgabe 4.2</a:t>
+              <a:t>Aufgabe 3.7</a:t>
             </a:r>
           </a:p>
         </p:txBody>
@@ -11434,30 +11438,6 @@
           <a:bodyPr/>
           <a:lstStyle/>
           <a:p>
-            <a:pPr marL="457200" indent="-457200">
-              <a:buAutoNum type="alphaLcParenR"/>
-            </a:pPr>
-            <a:r>
-              <a:rPr lang="en-GB" dirty="0">
-                <a:cs typeface="Arial"/>
-              </a:rPr>
-              <a:t>6 Knoten und 10 </a:t>
-            </a:r>
-            <a:r>
-              <a:rPr lang="en-GB" dirty="0" err="1">
-                <a:cs typeface="Arial"/>
-              </a:rPr>
-              <a:t>Zweige</a:t>
-            </a:r>
-            <a:r>
-              <a:rPr lang="en-GB" dirty="0">
-                <a:cs typeface="Arial"/>
-              </a:rPr>
-              <a:t>: </a:t>
-            </a:r>
-            <a:endParaRPr lang="en-US" dirty="0"/>
-          </a:p>
-          <a:p>
             <a:pPr marL="0" indent="0">
               <a:buNone/>
             </a:pPr>
@@ -11465,29 +11445,8 @@
               <a:rPr lang="en-GB" dirty="0">
                 <a:cs typeface="Arial"/>
               </a:rPr>
-              <a:t>    m = z - (k-1) = 10 – 5 = 5 </a:t>
+              <a:t>a)</a:t>
             </a:r>
-            <a:r>
-              <a:rPr lang="en-GB" dirty="0" err="1">
-                <a:cs typeface="Arial"/>
-              </a:rPr>
-              <a:t>unabhängige</a:t>
-            </a:r>
-            <a:r>
-              <a:rPr lang="en-GB" dirty="0">
-                <a:cs typeface="Arial"/>
-              </a:rPr>
-              <a:t> </a:t>
-            </a:r>
-            <a:r>
-              <a:rPr lang="en-GB" dirty="0" err="1">
-                <a:cs typeface="Arial"/>
-              </a:rPr>
-              <a:t>Maschengleichungen</a:t>
-            </a:r>
-            <a:endParaRPr lang="en-GB" dirty="0">
-              <a:cs typeface="Arial"/>
-            </a:endParaRPr>
           </a:p>
           <a:p>
             <a:pPr marL="0" indent="0">
@@ -11509,10 +11468,10 @@
       </p:sp>
       <p:pic>
         <p:nvPicPr>
-          <p:cNvPr id="3" name="Picture 2" descr="A diagram of a diagram&#10;&#10;AI-generated content may be incorrect.">
+          <p:cNvPr id="4" name="Picture 3" descr="A diagram of a grid&#10;&#10;AI-generated content may be incorrect.">
             <a:extLst>
               <a:ext uri="{FF2B5EF4-FFF2-40B4-BE49-F238E27FC236}">
-                <a16:creationId xmlns:a16="http://schemas.microsoft.com/office/drawing/2014/main" id="{56576E2D-12A0-6B28-41FB-1D1AE4A72E7C}"/>
+                <a16:creationId xmlns:a16="http://schemas.microsoft.com/office/drawing/2014/main" id="{01F95633-012E-99E4-A9E6-C7407ACBBDD8}"/>
               </a:ext>
             </a:extLst>
           </p:cNvPr>
@@ -11529,14 +11488,390 @@
         </p:blipFill>
         <p:spPr>
           <a:xfrm>
-            <a:off x="2303517" y="2426313"/>
-            <a:ext cx="7593725" cy="3835926"/>
+            <a:off x="2699078" y="1776796"/>
+            <a:ext cx="4972050" cy="4057650"/>
           </a:xfrm>
           <a:prstGeom prst="rect">
             <a:avLst/>
           </a:prstGeom>
         </p:spPr>
       </p:pic>
+      <p:sp>
+        <p:nvSpPr>
+          <p:cNvPr id="5" name="Rectangle 4">
+            <a:extLst>
+              <a:ext uri="{FF2B5EF4-FFF2-40B4-BE49-F238E27FC236}">
+                <a16:creationId xmlns:a16="http://schemas.microsoft.com/office/drawing/2014/main" id="{2553FE32-D25C-80D2-5009-8889EA74E663}"/>
+              </a:ext>
+            </a:extLst>
+          </p:cNvPr>
+          <p:cNvSpPr/>
+          <p:nvPr/>
+        </p:nvSpPr>
+        <p:spPr>
+          <a:xfrm>
+            <a:off x="5332248" y="3050627"/>
+            <a:ext cx="625366" cy="607849"/>
+          </a:xfrm>
+          <a:prstGeom prst="rect">
+            <a:avLst/>
+          </a:prstGeom>
+          <a:ln w="12700"/>
+        </p:spPr>
+        <p:style>
+          <a:lnRef idx="2">
+            <a:schemeClr val="accent1">
+              <a:shade val="50000"/>
+            </a:schemeClr>
+          </a:lnRef>
+          <a:fillRef idx="1">
+            <a:schemeClr val="accent1"/>
+          </a:fillRef>
+          <a:effectRef idx="0">
+            <a:schemeClr val="accent1"/>
+          </a:effectRef>
+          <a:fontRef idx="minor">
+            <a:schemeClr val="lt1"/>
+          </a:fontRef>
+        </p:style>
+        <p:txBody>
+          <a:bodyPr rtlCol="0" anchor="ctr"/>
+          <a:lstStyle/>
+          <a:p>
+            <a:pPr algn="ctr"/>
+            <a:endParaRPr lang="en-GB"/>
+          </a:p>
+        </p:txBody>
+      </p:sp>
+      <p:sp>
+        <p:nvSpPr>
+          <p:cNvPr id="7" name="Rectangle 6">
+            <a:extLst>
+              <a:ext uri="{FF2B5EF4-FFF2-40B4-BE49-F238E27FC236}">
+                <a16:creationId xmlns:a16="http://schemas.microsoft.com/office/drawing/2014/main" id="{A7DA4AFC-6670-6454-B897-47E79E7EAD3E}"/>
+              </a:ext>
+            </a:extLst>
+          </p:cNvPr>
+          <p:cNvSpPr/>
+          <p:nvPr/>
+        </p:nvSpPr>
+        <p:spPr>
+          <a:xfrm>
+            <a:off x="5954109" y="3050626"/>
+            <a:ext cx="625366" cy="607849"/>
+          </a:xfrm>
+          <a:prstGeom prst="rect">
+            <a:avLst/>
+          </a:prstGeom>
+          <a:ln w="12700"/>
+        </p:spPr>
+        <p:style>
+          <a:lnRef idx="2">
+            <a:schemeClr val="accent1">
+              <a:shade val="50000"/>
+            </a:schemeClr>
+          </a:lnRef>
+          <a:fillRef idx="1">
+            <a:schemeClr val="accent1"/>
+          </a:fillRef>
+          <a:effectRef idx="0">
+            <a:schemeClr val="accent1"/>
+          </a:effectRef>
+          <a:fontRef idx="minor">
+            <a:schemeClr val="lt1"/>
+          </a:fontRef>
+        </p:style>
+        <p:txBody>
+          <a:bodyPr rtlCol="0" anchor="ctr"/>
+          <a:lstStyle/>
+          <a:p>
+            <a:pPr algn="ctr"/>
+            <a:endParaRPr lang="en-GB"/>
+          </a:p>
+        </p:txBody>
+      </p:sp>
+      <p:sp>
+        <p:nvSpPr>
+          <p:cNvPr id="8" name="Rectangle 7">
+            <a:extLst>
+              <a:ext uri="{FF2B5EF4-FFF2-40B4-BE49-F238E27FC236}">
+                <a16:creationId xmlns:a16="http://schemas.microsoft.com/office/drawing/2014/main" id="{9317D7CC-1CBC-BC41-8283-AA123DCF9E38}"/>
+              </a:ext>
+            </a:extLst>
+          </p:cNvPr>
+          <p:cNvSpPr/>
+          <p:nvPr/>
+        </p:nvSpPr>
+        <p:spPr>
+          <a:xfrm>
+            <a:off x="6575970" y="3672487"/>
+            <a:ext cx="625366" cy="607849"/>
+          </a:xfrm>
+          <a:prstGeom prst="rect">
+            <a:avLst/>
+          </a:prstGeom>
+          <a:ln w="12700"/>
+        </p:spPr>
+        <p:style>
+          <a:lnRef idx="2">
+            <a:schemeClr val="accent1">
+              <a:shade val="50000"/>
+            </a:schemeClr>
+          </a:lnRef>
+          <a:fillRef idx="1">
+            <a:schemeClr val="accent1"/>
+          </a:fillRef>
+          <a:effectRef idx="0">
+            <a:schemeClr val="accent1"/>
+          </a:effectRef>
+          <a:fontRef idx="minor">
+            <a:schemeClr val="lt1"/>
+          </a:fontRef>
+        </p:style>
+        <p:txBody>
+          <a:bodyPr rtlCol="0" anchor="ctr"/>
+          <a:lstStyle/>
+          <a:p>
+            <a:pPr algn="ctr"/>
+            <a:endParaRPr lang="en-GB"/>
+          </a:p>
+        </p:txBody>
+      </p:sp>
+      <p:sp>
+        <p:nvSpPr>
+          <p:cNvPr id="9" name="Rectangle 8">
+            <a:extLst>
+              <a:ext uri="{FF2B5EF4-FFF2-40B4-BE49-F238E27FC236}">
+                <a16:creationId xmlns:a16="http://schemas.microsoft.com/office/drawing/2014/main" id="{525AF5D9-8DC3-D00A-3C72-DF29993894D7}"/>
+              </a:ext>
+            </a:extLst>
+          </p:cNvPr>
+          <p:cNvSpPr/>
+          <p:nvPr/>
+        </p:nvSpPr>
+        <p:spPr>
+          <a:xfrm>
+            <a:off x="6575969" y="4294348"/>
+            <a:ext cx="625366" cy="607849"/>
+          </a:xfrm>
+          <a:prstGeom prst="rect">
+            <a:avLst/>
+          </a:prstGeom>
+          <a:ln w="12700"/>
+        </p:spPr>
+        <p:style>
+          <a:lnRef idx="2">
+            <a:schemeClr val="accent1">
+              <a:shade val="50000"/>
+            </a:schemeClr>
+          </a:lnRef>
+          <a:fillRef idx="1">
+            <a:schemeClr val="accent1"/>
+          </a:fillRef>
+          <a:effectRef idx="0">
+            <a:schemeClr val="accent1"/>
+          </a:effectRef>
+          <a:fontRef idx="minor">
+            <a:schemeClr val="lt1"/>
+          </a:fontRef>
+        </p:style>
+        <p:txBody>
+          <a:bodyPr rtlCol="0" anchor="ctr"/>
+          <a:lstStyle/>
+          <a:p>
+            <a:pPr algn="ctr"/>
+            <a:endParaRPr lang="en-GB"/>
+          </a:p>
+        </p:txBody>
+      </p:sp>
+      <p:sp>
+        <p:nvSpPr>
+          <p:cNvPr id="10" name="Rectangle 9">
+            <a:extLst>
+              <a:ext uri="{FF2B5EF4-FFF2-40B4-BE49-F238E27FC236}">
+                <a16:creationId xmlns:a16="http://schemas.microsoft.com/office/drawing/2014/main" id="{9BF61AFC-8174-01FC-D31D-A34960AF5F00}"/>
+              </a:ext>
+            </a:extLst>
+          </p:cNvPr>
+          <p:cNvSpPr/>
+          <p:nvPr/>
+        </p:nvSpPr>
+        <p:spPr>
+          <a:xfrm>
+            <a:off x="5332245" y="4924968"/>
+            <a:ext cx="625366" cy="607849"/>
+          </a:xfrm>
+          <a:prstGeom prst="rect">
+            <a:avLst/>
+          </a:prstGeom>
+          <a:ln w="12700"/>
+        </p:spPr>
+        <p:style>
+          <a:lnRef idx="2">
+            <a:schemeClr val="accent1">
+              <a:shade val="50000"/>
+            </a:schemeClr>
+          </a:lnRef>
+          <a:fillRef idx="1">
+            <a:schemeClr val="accent1"/>
+          </a:fillRef>
+          <a:effectRef idx="0">
+            <a:schemeClr val="accent1"/>
+          </a:effectRef>
+          <a:fontRef idx="minor">
+            <a:schemeClr val="lt1"/>
+          </a:fontRef>
+        </p:style>
+        <p:txBody>
+          <a:bodyPr rtlCol="0" anchor="ctr"/>
+          <a:lstStyle/>
+          <a:p>
+            <a:pPr algn="ctr"/>
+            <a:endParaRPr lang="en-GB"/>
+          </a:p>
+        </p:txBody>
+      </p:sp>
+      <p:sp>
+        <p:nvSpPr>
+          <p:cNvPr id="11" name="Rectangle 10">
+            <a:extLst>
+              <a:ext uri="{FF2B5EF4-FFF2-40B4-BE49-F238E27FC236}">
+                <a16:creationId xmlns:a16="http://schemas.microsoft.com/office/drawing/2014/main" id="{73A9399B-7124-48BB-C7F7-0447B50B36EA}"/>
+              </a:ext>
+            </a:extLst>
+          </p:cNvPr>
+          <p:cNvSpPr/>
+          <p:nvPr/>
+        </p:nvSpPr>
+        <p:spPr>
+          <a:xfrm>
+            <a:off x="5954106" y="4916209"/>
+            <a:ext cx="625366" cy="607849"/>
+          </a:xfrm>
+          <a:prstGeom prst="rect">
+            <a:avLst/>
+          </a:prstGeom>
+          <a:ln w="12700"/>
+        </p:spPr>
+        <p:style>
+          <a:lnRef idx="2">
+            <a:schemeClr val="accent1">
+              <a:shade val="50000"/>
+            </a:schemeClr>
+          </a:lnRef>
+          <a:fillRef idx="1">
+            <a:schemeClr val="accent1"/>
+          </a:fillRef>
+          <a:effectRef idx="0">
+            <a:schemeClr val="accent1"/>
+          </a:effectRef>
+          <a:fontRef idx="minor">
+            <a:schemeClr val="lt1"/>
+          </a:fontRef>
+        </p:style>
+        <p:txBody>
+          <a:bodyPr rtlCol="0" anchor="ctr"/>
+          <a:lstStyle/>
+          <a:p>
+            <a:pPr algn="ctr"/>
+            <a:endParaRPr lang="en-GB"/>
+          </a:p>
+        </p:txBody>
+      </p:sp>
+      <p:sp>
+        <p:nvSpPr>
+          <p:cNvPr id="12" name="Rectangle 11">
+            <a:extLst>
+              <a:ext uri="{FF2B5EF4-FFF2-40B4-BE49-F238E27FC236}">
+                <a16:creationId xmlns:a16="http://schemas.microsoft.com/office/drawing/2014/main" id="{89ACC5A9-E19F-374D-EA4B-B436121AA008}"/>
+              </a:ext>
+            </a:extLst>
+          </p:cNvPr>
+          <p:cNvSpPr/>
+          <p:nvPr/>
+        </p:nvSpPr>
+        <p:spPr>
+          <a:xfrm>
+            <a:off x="4710382" y="3672484"/>
+            <a:ext cx="625366" cy="607849"/>
+          </a:xfrm>
+          <a:prstGeom prst="rect">
+            <a:avLst/>
+          </a:prstGeom>
+          <a:ln w="12700"/>
+        </p:spPr>
+        <p:style>
+          <a:lnRef idx="2">
+            <a:schemeClr val="accent1">
+              <a:shade val="50000"/>
+            </a:schemeClr>
+          </a:lnRef>
+          <a:fillRef idx="1">
+            <a:schemeClr val="accent1"/>
+          </a:fillRef>
+          <a:effectRef idx="0">
+            <a:schemeClr val="accent1"/>
+          </a:effectRef>
+          <a:fontRef idx="minor">
+            <a:schemeClr val="lt1"/>
+          </a:fontRef>
+        </p:style>
+        <p:txBody>
+          <a:bodyPr rtlCol="0" anchor="ctr"/>
+          <a:lstStyle/>
+          <a:p>
+            <a:pPr algn="ctr"/>
+            <a:endParaRPr lang="en-GB"/>
+          </a:p>
+        </p:txBody>
+      </p:sp>
+      <p:sp>
+        <p:nvSpPr>
+          <p:cNvPr id="13" name="Rectangle 12">
+            <a:extLst>
+              <a:ext uri="{FF2B5EF4-FFF2-40B4-BE49-F238E27FC236}">
+                <a16:creationId xmlns:a16="http://schemas.microsoft.com/office/drawing/2014/main" id="{41C511BB-DA7A-5446-526E-D4F01DE9D95C}"/>
+              </a:ext>
+            </a:extLst>
+          </p:cNvPr>
+          <p:cNvSpPr/>
+          <p:nvPr/>
+        </p:nvSpPr>
+        <p:spPr>
+          <a:xfrm>
+            <a:off x="4710381" y="4294346"/>
+            <a:ext cx="625366" cy="607849"/>
+          </a:xfrm>
+          <a:prstGeom prst="rect">
+            <a:avLst/>
+          </a:prstGeom>
+          <a:ln w="12700"/>
+        </p:spPr>
+        <p:style>
+          <a:lnRef idx="2">
+            <a:schemeClr val="accent1">
+              <a:shade val="50000"/>
+            </a:schemeClr>
+          </a:lnRef>
+          <a:fillRef idx="1">
+            <a:schemeClr val="accent1"/>
+          </a:fillRef>
+          <a:effectRef idx="0">
+            <a:schemeClr val="accent1"/>
+          </a:effectRef>
+          <a:fontRef idx="minor">
+            <a:schemeClr val="lt1"/>
+          </a:fontRef>
+        </p:style>
+        <p:txBody>
+          <a:bodyPr rtlCol="0" anchor="ctr"/>
+          <a:lstStyle/>
+          <a:p>
+            <a:pPr algn="ctr"/>
+            <a:endParaRPr lang="en-GB"/>
+          </a:p>
+        </p:txBody>
+      </p:sp>
     </p:spTree>
     <p:extLst>
       <p:ext uri="{BB962C8B-B14F-4D97-AF65-F5344CB8AC3E}">
@@ -12257,6 +12592,706 @@
         <p:cNvPr id="1" name="">
           <a:extLst>
             <a:ext uri="{FF2B5EF4-FFF2-40B4-BE49-F238E27FC236}">
+              <a16:creationId xmlns:a16="http://schemas.microsoft.com/office/drawing/2014/main" id="{0FB9D3CC-2816-9E0B-FCD9-13464E2555FB}"/>
+            </a:ext>
+          </a:extLst>
+        </p:cNvPr>
+        <p:cNvGrpSpPr/>
+        <p:nvPr/>
+      </p:nvGrpSpPr>
+      <p:grpSpPr>
+        <a:xfrm>
+          <a:off x="0" y="0"/>
+          <a:ext cx="0" cy="0"/>
+          <a:chOff x="0" y="0"/>
+          <a:chExt cx="0" cy="0"/>
+        </a:xfrm>
+      </p:grpSpPr>
+      <p:sp>
+        <p:nvSpPr>
+          <p:cNvPr id="2" name="Titel 1">
+            <a:extLst>
+              <a:ext uri="{FF2B5EF4-FFF2-40B4-BE49-F238E27FC236}">
+                <a16:creationId xmlns:a16="http://schemas.microsoft.com/office/drawing/2014/main" id="{3C0705A3-AB8C-DE02-3D93-D0D2B659198E}"/>
+              </a:ext>
+            </a:extLst>
+          </p:cNvPr>
+          <p:cNvSpPr>
+            <a:spLocks noGrp="1"/>
+          </p:cNvSpPr>
+          <p:nvPr>
+            <p:ph type="title"/>
+          </p:nvPr>
+        </p:nvSpPr>
+        <p:spPr/>
+        <p:txBody>
+          <a:bodyPr/>
+          <a:lstStyle/>
+          <a:p>
+            <a:r>
+              <a:rPr lang="de-DE" dirty="0"/>
+              <a:t>Aufgabe 3.7</a:t>
+            </a:r>
+          </a:p>
+        </p:txBody>
+      </p:sp>
+      <p:sp>
+        <p:nvSpPr>
+          <p:cNvPr id="6" name="Content Placeholder 5">
+            <a:extLst>
+              <a:ext uri="{FF2B5EF4-FFF2-40B4-BE49-F238E27FC236}">
+                <a16:creationId xmlns:a16="http://schemas.microsoft.com/office/drawing/2014/main" id="{4CB9FE27-A2D3-0528-14C1-92B7960713ED}"/>
+              </a:ext>
+            </a:extLst>
+          </p:cNvPr>
+          <p:cNvSpPr>
+            <a:spLocks noGrp="1"/>
+          </p:cNvSpPr>
+          <p:nvPr>
+            <p:ph idx="1"/>
+          </p:nvPr>
+        </p:nvSpPr>
+        <p:spPr/>
+        <p:txBody>
+          <a:bodyPr/>
+          <a:lstStyle/>
+          <a:p>
+            <a:pPr marL="0" indent="0">
+              <a:buNone/>
+            </a:pPr>
+            <a:r>
+              <a:rPr lang="en-GB" dirty="0">
+                <a:cs typeface="Arial"/>
+              </a:rPr>
+              <a:t>b)</a:t>
+            </a:r>
+          </a:p>
+          <a:p>
+            <a:pPr marL="0" indent="0">
+              <a:buNone/>
+            </a:pPr>
+            <a:endParaRPr lang="en-GB" dirty="0">
+              <a:cs typeface="Arial"/>
+            </a:endParaRPr>
+          </a:p>
+          <a:p>
+            <a:pPr marL="0" indent="0">
+              <a:buNone/>
+            </a:pPr>
+            <a:endParaRPr lang="en-GB" dirty="0">
+              <a:cs typeface="Arial"/>
+            </a:endParaRPr>
+          </a:p>
+        </p:txBody>
+      </p:sp>
+      <p:pic>
+        <p:nvPicPr>
+          <p:cNvPr id="15" name="Picture 14" descr="A white rectangular object with black text&#10;&#10;AI-generated content may be incorrect.">
+            <a:extLst>
+              <a:ext uri="{FF2B5EF4-FFF2-40B4-BE49-F238E27FC236}">
+                <a16:creationId xmlns:a16="http://schemas.microsoft.com/office/drawing/2014/main" id="{2CE87F01-6937-0C21-D3DD-8C0FA667E9EE}"/>
+              </a:ext>
+            </a:extLst>
+          </p:cNvPr>
+          <p:cNvPicPr>
+            <a:picLocks noChangeAspect="1"/>
+          </p:cNvPicPr>
+          <p:nvPr/>
+        </p:nvPicPr>
+        <p:blipFill>
+          <a:blip r:embed="rId2"/>
+          <a:srcRect t="88" b="1647"/>
+          <a:stretch>
+            <a:fillRect/>
+          </a:stretch>
+        </p:blipFill>
+        <p:spPr>
+          <a:xfrm>
+            <a:off x="1043828" y="1859705"/>
+            <a:ext cx="10668000" cy="3803649"/>
+          </a:xfrm>
+          <a:prstGeom prst="rect">
+            <a:avLst/>
+          </a:prstGeom>
+        </p:spPr>
+      </p:pic>
+      <p:sp>
+        <p:nvSpPr>
+          <p:cNvPr id="17" name="TextBox 16">
+            <a:extLst>
+              <a:ext uri="{FF2B5EF4-FFF2-40B4-BE49-F238E27FC236}">
+                <a16:creationId xmlns:a16="http://schemas.microsoft.com/office/drawing/2014/main" id="{6D05524C-1A62-8431-AB7E-AE594531D225}"/>
+              </a:ext>
+            </a:extLst>
+          </p:cNvPr>
+          <p:cNvSpPr txBox="1"/>
+          <p:nvPr/>
+        </p:nvSpPr>
+        <p:spPr>
+          <a:xfrm>
+            <a:off x="4147594" y="3173392"/>
+            <a:ext cx="511215" cy="707886"/>
+          </a:xfrm>
+          <a:prstGeom prst="rect">
+            <a:avLst/>
+          </a:prstGeom>
+          <a:noFill/>
+        </p:spPr>
+        <p:txBody>
+          <a:bodyPr rot="0" spcFirstLastPara="0" vertOverflow="overflow" horzOverflow="overflow" vert="horz" wrap="square" lIns="91440" tIns="45720" rIns="91440" bIns="45720" numCol="1" spcCol="0" rtlCol="0" fromWordArt="0" anchor="t" anchorCtr="0" forceAA="0" compatLnSpc="1">
+            <a:prstTxWarp prst="textNoShape">
+              <a:avLst/>
+            </a:prstTxWarp>
+            <a:spAutoFit/>
+          </a:bodyPr>
+          <a:lstStyle/>
+          <a:p>
+            <a:pPr algn="l"/>
+            <a:r>
+              <a:rPr lang="en-GB" sz="4000" dirty="0">
+                <a:latin typeface="Arial"/>
+                <a:cs typeface="Arial"/>
+              </a:rPr>
+              <a:t>X</a:t>
+            </a:r>
+            <a:endParaRPr lang="en-GB" sz="4400" dirty="0">
+              <a:latin typeface="Arial"/>
+              <a:cs typeface="Arial"/>
+            </a:endParaRPr>
+          </a:p>
+        </p:txBody>
+      </p:sp>
+      <p:sp>
+        <p:nvSpPr>
+          <p:cNvPr id="18" name="TextBox 17">
+            <a:extLst>
+              <a:ext uri="{FF2B5EF4-FFF2-40B4-BE49-F238E27FC236}">
+                <a16:creationId xmlns:a16="http://schemas.microsoft.com/office/drawing/2014/main" id="{02F7A1D5-16DC-B37C-C635-7C82D37D665C}"/>
+              </a:ext>
+            </a:extLst>
+          </p:cNvPr>
+          <p:cNvSpPr txBox="1"/>
+          <p:nvPr/>
+        </p:nvSpPr>
+        <p:spPr>
+          <a:xfrm>
+            <a:off x="8931796" y="3173391"/>
+            <a:ext cx="511215" cy="707886"/>
+          </a:xfrm>
+          <a:prstGeom prst="rect">
+            <a:avLst/>
+          </a:prstGeom>
+          <a:noFill/>
+        </p:spPr>
+        <p:txBody>
+          <a:bodyPr rot="0" spcFirstLastPara="0" vertOverflow="overflow" horzOverflow="overflow" vert="horz" wrap="square" lIns="91440" tIns="45720" rIns="91440" bIns="45720" numCol="1" spcCol="0" rtlCol="0" fromWordArt="0" anchor="t" anchorCtr="0" forceAA="0" compatLnSpc="1">
+            <a:prstTxWarp prst="textNoShape">
+              <a:avLst/>
+            </a:prstTxWarp>
+            <a:spAutoFit/>
+          </a:bodyPr>
+          <a:lstStyle/>
+          <a:p>
+            <a:pPr algn="l"/>
+            <a:r>
+              <a:rPr lang="en-GB" sz="4000" dirty="0">
+                <a:latin typeface="Arial"/>
+                <a:cs typeface="Arial"/>
+              </a:rPr>
+              <a:t>X</a:t>
+            </a:r>
+            <a:endParaRPr lang="en-GB" sz="4400" dirty="0">
+              <a:latin typeface="Arial"/>
+              <a:cs typeface="Arial"/>
+            </a:endParaRPr>
+          </a:p>
+        </p:txBody>
+      </p:sp>
+      <p:sp>
+        <p:nvSpPr>
+          <p:cNvPr id="20" name="TextBox 19">
+            <a:extLst>
+              <a:ext uri="{FF2B5EF4-FFF2-40B4-BE49-F238E27FC236}">
+                <a16:creationId xmlns:a16="http://schemas.microsoft.com/office/drawing/2014/main" id="{7EDE88BE-38A8-CB65-F954-E576AA464FE0}"/>
+              </a:ext>
+            </a:extLst>
+          </p:cNvPr>
+          <p:cNvSpPr txBox="1"/>
+          <p:nvPr/>
+        </p:nvSpPr>
+        <p:spPr>
+          <a:xfrm>
+            <a:off x="10012099" y="3173390"/>
+            <a:ext cx="511215" cy="707886"/>
+          </a:xfrm>
+          <a:prstGeom prst="rect">
+            <a:avLst/>
+          </a:prstGeom>
+          <a:noFill/>
+        </p:spPr>
+        <p:txBody>
+          <a:bodyPr rot="0" spcFirstLastPara="0" vertOverflow="overflow" horzOverflow="overflow" vert="horz" wrap="square" lIns="91440" tIns="45720" rIns="91440" bIns="45720" numCol="1" spcCol="0" rtlCol="0" fromWordArt="0" anchor="t" anchorCtr="0" forceAA="0" compatLnSpc="1">
+            <a:prstTxWarp prst="textNoShape">
+              <a:avLst/>
+            </a:prstTxWarp>
+            <a:spAutoFit/>
+          </a:bodyPr>
+          <a:lstStyle/>
+          <a:p>
+            <a:pPr algn="l"/>
+            <a:r>
+              <a:rPr lang="en-GB" sz="4000" dirty="0">
+                <a:latin typeface="Arial"/>
+                <a:cs typeface="Arial"/>
+              </a:rPr>
+              <a:t>X</a:t>
+            </a:r>
+            <a:endParaRPr lang="en-GB" sz="4400" dirty="0">
+              <a:latin typeface="Arial"/>
+              <a:cs typeface="Arial"/>
+            </a:endParaRPr>
+          </a:p>
+        </p:txBody>
+      </p:sp>
+      <p:sp>
+        <p:nvSpPr>
+          <p:cNvPr id="21" name="TextBox 20">
+            <a:extLst>
+              <a:ext uri="{FF2B5EF4-FFF2-40B4-BE49-F238E27FC236}">
+                <a16:creationId xmlns:a16="http://schemas.microsoft.com/office/drawing/2014/main" id="{92091E4F-EC43-08E3-6828-C6A45FBBCFFF}"/>
+              </a:ext>
+            </a:extLst>
+          </p:cNvPr>
+          <p:cNvSpPr txBox="1"/>
+          <p:nvPr/>
+        </p:nvSpPr>
+        <p:spPr>
+          <a:xfrm>
+            <a:off x="10880200" y="4764909"/>
+            <a:ext cx="511215" cy="707886"/>
+          </a:xfrm>
+          <a:prstGeom prst="rect">
+            <a:avLst/>
+          </a:prstGeom>
+          <a:noFill/>
+        </p:spPr>
+        <p:txBody>
+          <a:bodyPr rot="0" spcFirstLastPara="0" vertOverflow="overflow" horzOverflow="overflow" vert="horz" wrap="square" lIns="91440" tIns="45720" rIns="91440" bIns="45720" numCol="1" spcCol="0" rtlCol="0" fromWordArt="0" anchor="t" anchorCtr="0" forceAA="0" compatLnSpc="1">
+            <a:prstTxWarp prst="textNoShape">
+              <a:avLst/>
+            </a:prstTxWarp>
+            <a:spAutoFit/>
+          </a:bodyPr>
+          <a:lstStyle/>
+          <a:p>
+            <a:pPr algn="l"/>
+            <a:r>
+              <a:rPr lang="en-GB" sz="4000" dirty="0">
+                <a:latin typeface="Arial"/>
+                <a:cs typeface="Arial"/>
+              </a:rPr>
+              <a:t>X</a:t>
+            </a:r>
+            <a:endParaRPr lang="en-GB" sz="4400" dirty="0">
+              <a:latin typeface="Arial"/>
+              <a:cs typeface="Arial"/>
+            </a:endParaRPr>
+          </a:p>
+        </p:txBody>
+      </p:sp>
+      <p:sp>
+        <p:nvSpPr>
+          <p:cNvPr id="22" name="TextBox 21">
+            <a:extLst>
+              <a:ext uri="{FF2B5EF4-FFF2-40B4-BE49-F238E27FC236}">
+                <a16:creationId xmlns:a16="http://schemas.microsoft.com/office/drawing/2014/main" id="{06983CBF-02FE-1936-B604-59FC5A24ECFF}"/>
+              </a:ext>
+            </a:extLst>
+          </p:cNvPr>
+          <p:cNvSpPr txBox="1"/>
+          <p:nvPr/>
+        </p:nvSpPr>
+        <p:spPr>
+          <a:xfrm>
+            <a:off x="4147592" y="3945035"/>
+            <a:ext cx="511215" cy="707886"/>
+          </a:xfrm>
+          <a:prstGeom prst="rect">
+            <a:avLst/>
+          </a:prstGeom>
+          <a:noFill/>
+        </p:spPr>
+        <p:txBody>
+          <a:bodyPr rot="0" spcFirstLastPara="0" vertOverflow="overflow" horzOverflow="overflow" vert="horz" wrap="square" lIns="91440" tIns="45720" rIns="91440" bIns="45720" numCol="1" spcCol="0" rtlCol="0" fromWordArt="0" anchor="t" anchorCtr="0" forceAA="0" compatLnSpc="1">
+            <a:prstTxWarp prst="textNoShape">
+              <a:avLst/>
+            </a:prstTxWarp>
+            <a:spAutoFit/>
+          </a:bodyPr>
+          <a:lstStyle/>
+          <a:p>
+            <a:pPr algn="l"/>
+            <a:r>
+              <a:rPr lang="en-GB" sz="4000" dirty="0">
+                <a:latin typeface="Arial"/>
+                <a:cs typeface="Arial"/>
+              </a:rPr>
+              <a:t>X</a:t>
+            </a:r>
+            <a:endParaRPr lang="en-GB" sz="4400" dirty="0">
+              <a:latin typeface="Arial"/>
+              <a:cs typeface="Arial"/>
+            </a:endParaRPr>
+          </a:p>
+        </p:txBody>
+      </p:sp>
+      <p:sp>
+        <p:nvSpPr>
+          <p:cNvPr id="23" name="TextBox 22">
+            <a:extLst>
+              <a:ext uri="{FF2B5EF4-FFF2-40B4-BE49-F238E27FC236}">
+                <a16:creationId xmlns:a16="http://schemas.microsoft.com/office/drawing/2014/main" id="{0E9AA9DA-ED4D-94F3-AC40-D0FBD476C025}"/>
+              </a:ext>
+            </a:extLst>
+          </p:cNvPr>
+          <p:cNvSpPr txBox="1"/>
+          <p:nvPr/>
+        </p:nvSpPr>
+        <p:spPr>
+          <a:xfrm>
+            <a:off x="7890073" y="3945035"/>
+            <a:ext cx="511215" cy="707886"/>
+          </a:xfrm>
+          <a:prstGeom prst="rect">
+            <a:avLst/>
+          </a:prstGeom>
+          <a:noFill/>
+        </p:spPr>
+        <p:txBody>
+          <a:bodyPr rot="0" spcFirstLastPara="0" vertOverflow="overflow" horzOverflow="overflow" vert="horz" wrap="square" lIns="91440" tIns="45720" rIns="91440" bIns="45720" numCol="1" spcCol="0" rtlCol="0" fromWordArt="0" anchor="t" anchorCtr="0" forceAA="0" compatLnSpc="1">
+            <a:prstTxWarp prst="textNoShape">
+              <a:avLst/>
+            </a:prstTxWarp>
+            <a:spAutoFit/>
+          </a:bodyPr>
+          <a:lstStyle/>
+          <a:p>
+            <a:pPr algn="l"/>
+            <a:r>
+              <a:rPr lang="en-GB" sz="4000" dirty="0">
+                <a:latin typeface="Arial"/>
+                <a:cs typeface="Arial"/>
+              </a:rPr>
+              <a:t>X</a:t>
+            </a:r>
+            <a:endParaRPr lang="en-GB" sz="4400" dirty="0">
+              <a:latin typeface="Arial"/>
+              <a:cs typeface="Arial"/>
+            </a:endParaRPr>
+          </a:p>
+        </p:txBody>
+      </p:sp>
+      <p:sp>
+        <p:nvSpPr>
+          <p:cNvPr id="24" name="TextBox 23">
+            <a:extLst>
+              <a:ext uri="{FF2B5EF4-FFF2-40B4-BE49-F238E27FC236}">
+                <a16:creationId xmlns:a16="http://schemas.microsoft.com/office/drawing/2014/main" id="{6FEBD727-531B-A642-5EE3-DB9BEFA66D4C}"/>
+              </a:ext>
+            </a:extLst>
+          </p:cNvPr>
+          <p:cNvSpPr txBox="1"/>
+          <p:nvPr/>
+        </p:nvSpPr>
+        <p:spPr>
+          <a:xfrm>
+            <a:off x="10880199" y="3945035"/>
+            <a:ext cx="511215" cy="707886"/>
+          </a:xfrm>
+          <a:prstGeom prst="rect">
+            <a:avLst/>
+          </a:prstGeom>
+          <a:noFill/>
+        </p:spPr>
+        <p:txBody>
+          <a:bodyPr rot="0" spcFirstLastPara="0" vertOverflow="overflow" horzOverflow="overflow" vert="horz" wrap="square" lIns="91440" tIns="45720" rIns="91440" bIns="45720" numCol="1" spcCol="0" rtlCol="0" fromWordArt="0" anchor="t" anchorCtr="0" forceAA="0" compatLnSpc="1">
+            <a:prstTxWarp prst="textNoShape">
+              <a:avLst/>
+            </a:prstTxWarp>
+            <a:spAutoFit/>
+          </a:bodyPr>
+          <a:lstStyle/>
+          <a:p>
+            <a:pPr algn="l"/>
+            <a:r>
+              <a:rPr lang="en-GB" sz="4000" dirty="0">
+                <a:latin typeface="Arial"/>
+                <a:cs typeface="Arial"/>
+              </a:rPr>
+              <a:t>X</a:t>
+            </a:r>
+            <a:endParaRPr lang="en-GB" sz="4400" dirty="0">
+              <a:latin typeface="Arial"/>
+              <a:cs typeface="Arial"/>
+            </a:endParaRPr>
+          </a:p>
+        </p:txBody>
+      </p:sp>
+      <p:sp>
+        <p:nvSpPr>
+          <p:cNvPr id="25" name="TextBox 24">
+            <a:extLst>
+              <a:ext uri="{FF2B5EF4-FFF2-40B4-BE49-F238E27FC236}">
+                <a16:creationId xmlns:a16="http://schemas.microsoft.com/office/drawing/2014/main" id="{F95C9599-A282-1268-36BB-4F413CB96FF3}"/>
+              </a:ext>
+            </a:extLst>
+          </p:cNvPr>
+          <p:cNvSpPr txBox="1"/>
+          <p:nvPr/>
+        </p:nvSpPr>
+        <p:spPr>
+          <a:xfrm>
+            <a:off x="3202326" y="4764908"/>
+            <a:ext cx="511215" cy="707886"/>
+          </a:xfrm>
+          <a:prstGeom prst="rect">
+            <a:avLst/>
+          </a:prstGeom>
+          <a:noFill/>
+        </p:spPr>
+        <p:txBody>
+          <a:bodyPr rot="0" spcFirstLastPara="0" vertOverflow="overflow" horzOverflow="overflow" vert="horz" wrap="square" lIns="91440" tIns="45720" rIns="91440" bIns="45720" numCol="1" spcCol="0" rtlCol="0" fromWordArt="0" anchor="t" anchorCtr="0" forceAA="0" compatLnSpc="1">
+            <a:prstTxWarp prst="textNoShape">
+              <a:avLst/>
+            </a:prstTxWarp>
+            <a:spAutoFit/>
+          </a:bodyPr>
+          <a:lstStyle/>
+          <a:p>
+            <a:pPr algn="l"/>
+            <a:r>
+              <a:rPr lang="en-GB" sz="4000" dirty="0">
+                <a:latin typeface="Arial"/>
+                <a:cs typeface="Arial"/>
+              </a:rPr>
+              <a:t>X</a:t>
+            </a:r>
+            <a:endParaRPr lang="en-GB" sz="4400" dirty="0">
+              <a:latin typeface="Arial"/>
+              <a:cs typeface="Arial"/>
+            </a:endParaRPr>
+          </a:p>
+        </p:txBody>
+      </p:sp>
+    </p:spTree>
+    <p:extLst>
+      <p:ext uri="{BB962C8B-B14F-4D97-AF65-F5344CB8AC3E}">
+        <p14:creationId xmlns:p14="http://schemas.microsoft.com/office/powerpoint/2010/main" val="3277961374"/>
+      </p:ext>
+    </p:extLst>
+  </p:cSld>
+  <p:clrMapOvr>
+    <a:masterClrMapping/>
+  </p:clrMapOvr>
+</p:sld>
+</file>
+
+<file path=ppt/slides/slide21.xml><?xml version="1.0" encoding="utf-8"?>
+<p:sld xmlns:a="http://schemas.openxmlformats.org/drawingml/2006/main" xmlns:r="http://schemas.openxmlformats.org/officeDocument/2006/relationships" xmlns:p="http://schemas.openxmlformats.org/presentationml/2006/main">
+  <p:cSld>
+    <p:spTree>
+      <p:nvGrpSpPr>
+        <p:cNvPr id="1" name="">
+          <a:extLst>
+            <a:ext uri="{FF2B5EF4-FFF2-40B4-BE49-F238E27FC236}">
+              <a16:creationId xmlns:a16="http://schemas.microsoft.com/office/drawing/2014/main" id="{C327467C-543D-1233-B796-516A6E5B9003}"/>
+            </a:ext>
+          </a:extLst>
+        </p:cNvPr>
+        <p:cNvGrpSpPr/>
+        <p:nvPr/>
+      </p:nvGrpSpPr>
+      <p:grpSpPr>
+        <a:xfrm>
+          <a:off x="0" y="0"/>
+          <a:ext cx="0" cy="0"/>
+          <a:chOff x="0" y="0"/>
+          <a:chExt cx="0" cy="0"/>
+        </a:xfrm>
+      </p:grpSpPr>
+      <p:sp>
+        <p:nvSpPr>
+          <p:cNvPr id="2" name="Titel 1">
+            <a:extLst>
+              <a:ext uri="{FF2B5EF4-FFF2-40B4-BE49-F238E27FC236}">
+                <a16:creationId xmlns:a16="http://schemas.microsoft.com/office/drawing/2014/main" id="{BA02FA69-4E4F-C9F4-D744-DC9720498A48}"/>
+              </a:ext>
+            </a:extLst>
+          </p:cNvPr>
+          <p:cNvSpPr>
+            <a:spLocks noGrp="1"/>
+          </p:cNvSpPr>
+          <p:nvPr>
+            <p:ph type="title"/>
+          </p:nvPr>
+        </p:nvSpPr>
+        <p:spPr/>
+        <p:txBody>
+          <a:bodyPr/>
+          <a:lstStyle/>
+          <a:p>
+            <a:r>
+              <a:rPr lang="de-DE" dirty="0"/>
+              <a:t>Aufgabe 4.2</a:t>
+            </a:r>
+          </a:p>
+        </p:txBody>
+      </p:sp>
+      <p:sp>
+        <p:nvSpPr>
+          <p:cNvPr id="6" name="Content Placeholder 5">
+            <a:extLst>
+              <a:ext uri="{FF2B5EF4-FFF2-40B4-BE49-F238E27FC236}">
+                <a16:creationId xmlns:a16="http://schemas.microsoft.com/office/drawing/2014/main" id="{1BF0A2E6-2043-3F44-4FAF-454862755CDC}"/>
+              </a:ext>
+            </a:extLst>
+          </p:cNvPr>
+          <p:cNvSpPr>
+            <a:spLocks noGrp="1"/>
+          </p:cNvSpPr>
+          <p:nvPr>
+            <p:ph idx="1"/>
+          </p:nvPr>
+        </p:nvSpPr>
+        <p:spPr/>
+        <p:txBody>
+          <a:bodyPr/>
+          <a:lstStyle/>
+          <a:p>
+            <a:pPr marL="457200" indent="-457200">
+              <a:buAutoNum type="alphaLcParenR"/>
+            </a:pPr>
+            <a:r>
+              <a:rPr lang="en-GB" dirty="0">
+                <a:cs typeface="Arial"/>
+              </a:rPr>
+              <a:t>6 Knoten und 10 </a:t>
+            </a:r>
+            <a:r>
+              <a:rPr lang="en-GB" dirty="0" err="1">
+                <a:cs typeface="Arial"/>
+              </a:rPr>
+              <a:t>Zweige</a:t>
+            </a:r>
+            <a:r>
+              <a:rPr lang="en-GB" dirty="0">
+                <a:cs typeface="Arial"/>
+              </a:rPr>
+              <a:t>: </a:t>
+            </a:r>
+            <a:endParaRPr lang="en-US" dirty="0"/>
+          </a:p>
+          <a:p>
+            <a:pPr marL="0" indent="0">
+              <a:buNone/>
+            </a:pPr>
+            <a:r>
+              <a:rPr lang="en-GB" dirty="0">
+                <a:cs typeface="Arial"/>
+              </a:rPr>
+              <a:t>    m = z - (k-1) = 10 – 5 = 5 </a:t>
+            </a:r>
+            <a:r>
+              <a:rPr lang="en-GB" dirty="0" err="1">
+                <a:cs typeface="Arial"/>
+              </a:rPr>
+              <a:t>unabhängige</a:t>
+            </a:r>
+            <a:r>
+              <a:rPr lang="en-GB" dirty="0">
+                <a:cs typeface="Arial"/>
+              </a:rPr>
+              <a:t> </a:t>
+            </a:r>
+            <a:r>
+              <a:rPr lang="en-GB" dirty="0" err="1">
+                <a:cs typeface="Arial"/>
+              </a:rPr>
+              <a:t>Maschengleichungen</a:t>
+            </a:r>
+            <a:endParaRPr lang="en-GB" dirty="0">
+              <a:cs typeface="Arial"/>
+            </a:endParaRPr>
+          </a:p>
+          <a:p>
+            <a:pPr marL="0" indent="0">
+              <a:buNone/>
+            </a:pPr>
+            <a:endParaRPr lang="en-GB" dirty="0">
+              <a:cs typeface="Arial"/>
+            </a:endParaRPr>
+          </a:p>
+          <a:p>
+            <a:pPr marL="0" indent="0">
+              <a:buNone/>
+            </a:pPr>
+            <a:endParaRPr lang="en-GB" dirty="0">
+              <a:cs typeface="Arial"/>
+            </a:endParaRPr>
+          </a:p>
+        </p:txBody>
+      </p:sp>
+      <p:pic>
+        <p:nvPicPr>
+          <p:cNvPr id="3" name="Picture 2" descr="A diagram of a diagram&#10;&#10;AI-generated content may be incorrect.">
+            <a:extLst>
+              <a:ext uri="{FF2B5EF4-FFF2-40B4-BE49-F238E27FC236}">
+                <a16:creationId xmlns:a16="http://schemas.microsoft.com/office/drawing/2014/main" id="{0CA1B3B7-9633-10E4-4B65-E50F4E22C4E9}"/>
+              </a:ext>
+            </a:extLst>
+          </p:cNvPr>
+          <p:cNvPicPr>
+            <a:picLocks noChangeAspect="1"/>
+          </p:cNvPicPr>
+          <p:nvPr/>
+        </p:nvPicPr>
+        <p:blipFill>
+          <a:blip r:embed="rId2"/>
+          <a:stretch>
+            <a:fillRect/>
+          </a:stretch>
+        </p:blipFill>
+        <p:spPr>
+          <a:xfrm>
+            <a:off x="2303517" y="2426313"/>
+            <a:ext cx="7593725" cy="3835926"/>
+          </a:xfrm>
+          <a:prstGeom prst="rect">
+            <a:avLst/>
+          </a:prstGeom>
+        </p:spPr>
+      </p:pic>
+    </p:spTree>
+    <p:extLst>
+      <p:ext uri="{BB962C8B-B14F-4D97-AF65-F5344CB8AC3E}">
+        <p14:creationId xmlns:p14="http://schemas.microsoft.com/office/powerpoint/2010/main" val="4002621329"/>
+      </p:ext>
+    </p:extLst>
+  </p:cSld>
+  <p:clrMapOvr>
+    <a:masterClrMapping/>
+  </p:clrMapOvr>
+</p:sld>
+</file>
+
+<file path=ppt/slides/slide22.xml><?xml version="1.0" encoding="utf-8"?>
+<p:sld xmlns:a="http://schemas.openxmlformats.org/drawingml/2006/main" xmlns:r="http://schemas.openxmlformats.org/officeDocument/2006/relationships" xmlns:p="http://schemas.openxmlformats.org/presentationml/2006/main">
+  <p:cSld>
+    <p:spTree>
+      <p:nvGrpSpPr>
+        <p:cNvPr id="1" name="">
+          <a:extLst>
+            <a:ext uri="{FF2B5EF4-FFF2-40B4-BE49-F238E27FC236}">
               <a16:creationId xmlns:a16="http://schemas.microsoft.com/office/drawing/2014/main" id="{7B50669D-181B-5457-72E4-733900FCAE6C}"/>
             </a:ext>
           </a:extLst>
@@ -12392,7 +13427,7 @@
 </p:sld>
 </file>
 
-<file path=ppt/slides/slide21.xml><?xml version="1.0" encoding="utf-8"?>
+<file path=ppt/slides/slide23.xml><?xml version="1.0" encoding="utf-8"?>
 <p:sld xmlns:a="http://schemas.openxmlformats.org/drawingml/2006/main" xmlns:r="http://schemas.openxmlformats.org/officeDocument/2006/relationships" xmlns:p="http://schemas.openxmlformats.org/presentationml/2006/main">
   <p:cSld>
     <p:spTree>
@@ -12593,7 +13628,7 @@
 </p:sld>
 </file>
 
-<file path=ppt/slides/slide22.xml><?xml version="1.0" encoding="utf-8"?>
+<file path=ppt/slides/slide24.xml><?xml version="1.0" encoding="utf-8"?>
 <p:sld xmlns:a="http://schemas.openxmlformats.org/drawingml/2006/main" xmlns:r="http://schemas.openxmlformats.org/officeDocument/2006/relationships" xmlns:p="http://schemas.openxmlformats.org/presentationml/2006/main">
   <p:cSld>
     <p:spTree>
@@ -12789,7 +13824,7 @@
 </p:sld>
 </file>
 
-<file path=ppt/slides/slide23.xml><?xml version="1.0" encoding="utf-8"?>
+<file path=ppt/slides/slide25.xml><?xml version="1.0" encoding="utf-8"?>
 <p:sld xmlns:a="http://schemas.openxmlformats.org/drawingml/2006/main" xmlns:r="http://schemas.openxmlformats.org/officeDocument/2006/relationships" xmlns:p="http://schemas.openxmlformats.org/presentationml/2006/main">
   <p:cSld>
     <p:spTree>
@@ -13003,7 +14038,7 @@
 </p:sld>
 </file>
 
-<file path=ppt/slides/slide24.xml><?xml version="1.0" encoding="utf-8"?>
+<file path=ppt/slides/slide26.xml><?xml version="1.0" encoding="utf-8"?>
 <p:sld xmlns:a="http://schemas.openxmlformats.org/drawingml/2006/main" xmlns:r="http://schemas.openxmlformats.org/officeDocument/2006/relationships" xmlns:p="http://schemas.openxmlformats.org/presentationml/2006/main">
   <p:cSld>
     <p:spTree>
@@ -13560,7 +14595,7 @@
 </p:sld>
 </file>
 
-<file path=ppt/slides/slide25.xml><?xml version="1.0" encoding="utf-8"?>
+<file path=ppt/slides/slide27.xml><?xml version="1.0" encoding="utf-8"?>
 <p:sld xmlns:a="http://schemas.openxmlformats.org/drawingml/2006/main" xmlns:r="http://schemas.openxmlformats.org/officeDocument/2006/relationships" xmlns:p="http://schemas.openxmlformats.org/presentationml/2006/main">
   <p:cSld>
     <p:spTree>
@@ -14480,7 +15515,7 @@
 </p:sld>
 </file>
 
-<file path=ppt/slides/slide26.xml><?xml version="1.0" encoding="utf-8"?>
+<file path=ppt/slides/slide28.xml><?xml version="1.0" encoding="utf-8"?>
 <p:sld xmlns:a="http://schemas.openxmlformats.org/drawingml/2006/main" xmlns:r="http://schemas.openxmlformats.org/officeDocument/2006/relationships" xmlns:p="http://schemas.openxmlformats.org/presentationml/2006/main">
   <p:cSld>
     <p:spTree>

--- a/Probeklausur.pptx
+++ b/Probeklausur.pptx
@@ -5,10 +5,10 @@
     <p:sldMasterId id="2147483649" r:id="rId4"/>
   </p:sldMasterIdLst>
   <p:notesMasterIdLst>
-    <p:notesMasterId r:id="rId33"/>
+    <p:notesMasterId r:id="rId34"/>
   </p:notesMasterIdLst>
   <p:handoutMasterIdLst>
-    <p:handoutMasterId r:id="rId34"/>
+    <p:handoutMasterId r:id="rId35"/>
   </p:handoutMasterIdLst>
   <p:sldIdLst>
     <p:sldId id="1041" r:id="rId5"/>
@@ -28,9 +28,9 @@
     <p:sldId id="1067" r:id="rId19"/>
     <p:sldId id="1068" r:id="rId20"/>
     <p:sldId id="1069" r:id="rId21"/>
-    <p:sldId id="1054" r:id="rId22"/>
-    <p:sldId id="1055" r:id="rId23"/>
-    <p:sldId id="1071" r:id="rId24"/>
+    <p:sldId id="1055" r:id="rId22"/>
+    <p:sldId id="1071" r:id="rId23"/>
+    <p:sldId id="1054" r:id="rId24"/>
     <p:sldId id="1070" r:id="rId25"/>
     <p:sldId id="1056" r:id="rId26"/>
     <p:sldId id="1057" r:id="rId27"/>
@@ -39,6 +39,7 @@
     <p:sldId id="1060" r:id="rId30"/>
     <p:sldId id="1061" r:id="rId31"/>
     <p:sldId id="1062" r:id="rId32"/>
+    <p:sldId id="1072" r:id="rId33"/>
   </p:sldIdLst>
   <p:sldSz cx="12192000" cy="6858000"/>
   <p:notesSz cx="6858000" cy="9144000"/>
@@ -189,9 +190,9 @@
             <p14:sldId id="1067"/>
             <p14:sldId id="1068"/>
             <p14:sldId id="1069"/>
-            <p14:sldId id="1054"/>
             <p14:sldId id="1055"/>
             <p14:sldId id="1071"/>
+            <p14:sldId id="1054"/>
             <p14:sldId id="1070"/>
             <p14:sldId id="1056"/>
             <p14:sldId id="1057"/>
@@ -200,6 +201,7 @@
             <p14:sldId id="1060"/>
             <p14:sldId id="1061"/>
             <p14:sldId id="1062"/>
+            <p14:sldId id="1072"/>
           </p14:sldIdLst>
         </p14:section>
         <p14:section name="Standardabschnitt" id="{43259912-C5ED-4E84-8ACD-EEBCC30AE9A6}">
@@ -7048,6 +7050,55 @@
                                         </p:cTn>
                                         <p:tgtEl>
                                           <p:spTgt spid="4"/>
+                                        </p:tgtEl>
+                                        <p:attrNameLst>
+                                          <p:attrName>style.visibility</p:attrName>
+                                        </p:attrNameLst>
+                                      </p:cBhvr>
+                                      <p:to>
+                                        <p:strVal val="visible"/>
+                                      </p:to>
+                                    </p:set>
+                                  </p:childTnLst>
+                                </p:cTn>
+                              </p:par>
+                            </p:childTnLst>
+                          </p:cTn>
+                        </p:par>
+                      </p:childTnLst>
+                    </p:cTn>
+                  </p:par>
+                  <p:par>
+                    <p:cTn id="7" fill="hold">
+                      <p:stCondLst>
+                        <p:cond delay="indefinite"/>
+                      </p:stCondLst>
+                      <p:childTnLst>
+                        <p:par>
+                          <p:cTn id="8" fill="hold">
+                            <p:stCondLst>
+                              <p:cond delay="0"/>
+                            </p:stCondLst>
+                            <p:childTnLst>
+                              <p:par>
+                                <p:cTn id="9" presetID="1" presetClass="entr" presetSubtype="0" fill="hold" nodeType="clickEffect">
+                                  <p:stCondLst>
+                                    <p:cond delay="0"/>
+                                  </p:stCondLst>
+                                  <p:childTnLst>
+                                    <p:set>
+                                      <p:cBhvr>
+                                        <p:cTn id="10" dur="1" fill="hold">
+                                          <p:stCondLst>
+                                            <p:cond delay="0"/>
+                                          </p:stCondLst>
+                                        </p:cTn>
+                                        <p:tgtEl>
+                                          <p:spTgt spid="6">
+                                            <p:txEl>
+                                              <p:pRg st="7" end="7"/>
+                                            </p:txEl>
+                                          </p:spTgt>
                                         </p:tgtEl>
                                         <p:attrNameLst>
                                           <p:attrName>style.visibility</p:attrName>
@@ -10251,6 +10302,55 @@
                       </p:childTnLst>
                     </p:cTn>
                   </p:par>
+                  <p:par>
+                    <p:cTn id="7" fill="hold">
+                      <p:stCondLst>
+                        <p:cond delay="indefinite"/>
+                      </p:stCondLst>
+                      <p:childTnLst>
+                        <p:par>
+                          <p:cTn id="8" fill="hold">
+                            <p:stCondLst>
+                              <p:cond delay="0"/>
+                            </p:stCondLst>
+                            <p:childTnLst>
+                              <p:par>
+                                <p:cTn id="9" presetID="1" presetClass="entr" presetSubtype="0" fill="hold" nodeType="clickEffect">
+                                  <p:stCondLst>
+                                    <p:cond delay="0"/>
+                                  </p:stCondLst>
+                                  <p:childTnLst>
+                                    <p:set>
+                                      <p:cBhvr>
+                                        <p:cTn id="10" dur="1" fill="hold">
+                                          <p:stCondLst>
+                                            <p:cond delay="0"/>
+                                          </p:stCondLst>
+                                        </p:cTn>
+                                        <p:tgtEl>
+                                          <p:spTgt spid="6">
+                                            <p:txEl>
+                                              <p:pRg st="10" end="10"/>
+                                            </p:txEl>
+                                          </p:spTgt>
+                                        </p:tgtEl>
+                                        <p:attrNameLst>
+                                          <p:attrName>style.visibility</p:attrName>
+                                        </p:attrNameLst>
+                                      </p:cBhvr>
+                                      <p:to>
+                                        <p:strVal val="visible"/>
+                                      </p:to>
+                                    </p:set>
+                                  </p:childTnLst>
+                                </p:cTn>
+                              </p:par>
+                            </p:childTnLst>
+                          </p:cTn>
+                        </p:par>
+                      </p:childTnLst>
+                    </p:cTn>
+                  </p:par>
                 </p:childTnLst>
               </p:cTn>
               <p:prevCondLst>
@@ -11157,216 +11257,134 @@
   <p:clrMapOvr>
     <a:masterClrMapping/>
   </p:clrMapOvr>
+  <p:timing>
+    <p:tnLst>
+      <p:par>
+        <p:cTn id="1" dur="indefinite" restart="never" nodeType="tmRoot">
+          <p:childTnLst>
+            <p:seq concurrent="1" nextAc="seek">
+              <p:cTn id="2" dur="indefinite" nodeType="mainSeq">
+                <p:childTnLst>
+                  <p:par>
+                    <p:cTn id="3" fill="hold">
+                      <p:stCondLst>
+                        <p:cond delay="indefinite"/>
+                      </p:stCondLst>
+                      <p:childTnLst>
+                        <p:par>
+                          <p:cTn id="4" fill="hold">
+                            <p:stCondLst>
+                              <p:cond delay="0"/>
+                            </p:stCondLst>
+                            <p:childTnLst>
+                              <p:par>
+                                <p:cTn id="5" presetID="1" presetClass="entr" presetSubtype="0" fill="hold" nodeType="clickEffect">
+                                  <p:stCondLst>
+                                    <p:cond delay="0"/>
+                                  </p:stCondLst>
+                                  <p:childTnLst>
+                                    <p:set>
+                                      <p:cBhvr>
+                                        <p:cTn id="6" dur="1" fill="hold">
+                                          <p:stCondLst>
+                                            <p:cond delay="0"/>
+                                          </p:stCondLst>
+                                        </p:cTn>
+                                        <p:tgtEl>
+                                          <p:spTgt spid="7"/>
+                                        </p:tgtEl>
+                                        <p:attrNameLst>
+                                          <p:attrName>style.visibility</p:attrName>
+                                        </p:attrNameLst>
+                                      </p:cBhvr>
+                                      <p:to>
+                                        <p:strVal val="visible"/>
+                                      </p:to>
+                                    </p:set>
+                                  </p:childTnLst>
+                                </p:cTn>
+                              </p:par>
+                            </p:childTnLst>
+                          </p:cTn>
+                        </p:par>
+                      </p:childTnLst>
+                    </p:cTn>
+                  </p:par>
+                  <p:par>
+                    <p:cTn id="7" fill="hold">
+                      <p:stCondLst>
+                        <p:cond delay="indefinite"/>
+                      </p:stCondLst>
+                      <p:childTnLst>
+                        <p:par>
+                          <p:cTn id="8" fill="hold">
+                            <p:stCondLst>
+                              <p:cond delay="0"/>
+                            </p:stCondLst>
+                            <p:childTnLst>
+                              <p:par>
+                                <p:cTn id="9" presetID="1" presetClass="entr" presetSubtype="0" fill="hold" nodeType="clickEffect">
+                                  <p:stCondLst>
+                                    <p:cond delay="0"/>
+                                  </p:stCondLst>
+                                  <p:childTnLst>
+                                    <p:set>
+                                      <p:cBhvr>
+                                        <p:cTn id="10" dur="1" fill="hold">
+                                          <p:stCondLst>
+                                            <p:cond delay="0"/>
+                                          </p:stCondLst>
+                                        </p:cTn>
+                                        <p:tgtEl>
+                                          <p:spTgt spid="6">
+                                            <p:txEl>
+                                              <p:pRg st="10" end="10"/>
+                                            </p:txEl>
+                                          </p:spTgt>
+                                        </p:tgtEl>
+                                        <p:attrNameLst>
+                                          <p:attrName>style.visibility</p:attrName>
+                                        </p:attrNameLst>
+                                      </p:cBhvr>
+                                      <p:to>
+                                        <p:strVal val="visible"/>
+                                      </p:to>
+                                    </p:set>
+                                  </p:childTnLst>
+                                </p:cTn>
+                              </p:par>
+                            </p:childTnLst>
+                          </p:cTn>
+                        </p:par>
+                      </p:childTnLst>
+                    </p:cTn>
+                  </p:par>
+                </p:childTnLst>
+              </p:cTn>
+              <p:prevCondLst>
+                <p:cond evt="onPrev" delay="0">
+                  <p:tgtEl>
+                    <p:sldTgt/>
+                  </p:tgtEl>
+                </p:cond>
+              </p:prevCondLst>
+              <p:nextCondLst>
+                <p:cond evt="onNext" delay="0">
+                  <p:tgtEl>
+                    <p:sldTgt/>
+                  </p:tgtEl>
+                </p:cond>
+              </p:nextCondLst>
+            </p:seq>
+          </p:childTnLst>
+        </p:cTn>
+      </p:par>
+    </p:tnLst>
+  </p:timing>
 </p:sld>
 </file>
 
 <file path=ppt/slides/slide18.xml><?xml version="1.0" encoding="utf-8"?>
-<p:sld xmlns:a="http://schemas.openxmlformats.org/drawingml/2006/main" xmlns:r="http://schemas.openxmlformats.org/officeDocument/2006/relationships" xmlns:p="http://schemas.openxmlformats.org/presentationml/2006/main">
-  <p:cSld>
-    <p:spTree>
-      <p:nvGrpSpPr>
-        <p:cNvPr id="1" name="">
-          <a:extLst>
-            <a:ext uri="{FF2B5EF4-FFF2-40B4-BE49-F238E27FC236}">
-              <a16:creationId xmlns:a16="http://schemas.microsoft.com/office/drawing/2014/main" id="{040F9FFB-6560-8F1E-6F4C-64511D3A3568}"/>
-            </a:ext>
-          </a:extLst>
-        </p:cNvPr>
-        <p:cNvGrpSpPr/>
-        <p:nvPr/>
-      </p:nvGrpSpPr>
-      <p:grpSpPr>
-        <a:xfrm>
-          <a:off x="0" y="0"/>
-          <a:ext cx="0" cy="0"/>
-          <a:chOff x="0" y="0"/>
-          <a:chExt cx="0" cy="0"/>
-        </a:xfrm>
-      </p:grpSpPr>
-      <p:sp>
-        <p:nvSpPr>
-          <p:cNvPr id="2" name="Titel 1">
-            <a:extLst>
-              <a:ext uri="{FF2B5EF4-FFF2-40B4-BE49-F238E27FC236}">
-                <a16:creationId xmlns:a16="http://schemas.microsoft.com/office/drawing/2014/main" id="{51F37715-0D59-D06B-AB2C-486BD68DCC6C}"/>
-              </a:ext>
-            </a:extLst>
-          </p:cNvPr>
-          <p:cNvSpPr>
-            <a:spLocks noGrp="1"/>
-          </p:cNvSpPr>
-          <p:nvPr>
-            <p:ph type="title"/>
-          </p:nvPr>
-        </p:nvSpPr>
-        <p:spPr/>
-        <p:txBody>
-          <a:bodyPr/>
-          <a:lstStyle/>
-          <a:p>
-            <a:r>
-              <a:rPr lang="de-DE" dirty="0"/>
-              <a:t>Aufgabe 4.1</a:t>
-            </a:r>
-          </a:p>
-        </p:txBody>
-      </p:sp>
-      <p:sp>
-        <p:nvSpPr>
-          <p:cNvPr id="6" name="Content Placeholder 5">
-            <a:extLst>
-              <a:ext uri="{FF2B5EF4-FFF2-40B4-BE49-F238E27FC236}">
-                <a16:creationId xmlns:a16="http://schemas.microsoft.com/office/drawing/2014/main" id="{2D5A77A4-8F6D-081F-9391-029226F59D56}"/>
-              </a:ext>
-            </a:extLst>
-          </p:cNvPr>
-          <p:cNvSpPr>
-            <a:spLocks noGrp="1"/>
-          </p:cNvSpPr>
-          <p:nvPr>
-            <p:ph idx="1"/>
-          </p:nvPr>
-        </p:nvSpPr>
-        <p:spPr/>
-        <p:txBody>
-          <a:bodyPr/>
-          <a:lstStyle/>
-          <a:p>
-            <a:pPr marL="0" indent="0">
-              <a:buNone/>
-            </a:pPr>
-            <a:r>
-              <a:rPr lang="en-GB" dirty="0">
-                <a:cs typeface="Arial"/>
-              </a:rPr>
-              <a:t>a)</a:t>
-            </a:r>
-          </a:p>
-          <a:p>
-            <a:pPr marL="0" indent="0">
-              <a:buNone/>
-            </a:pPr>
-            <a:endParaRPr lang="en-GB" dirty="0">
-              <a:cs typeface="Arial"/>
-            </a:endParaRPr>
-          </a:p>
-          <a:p>
-            <a:pPr marL="0" indent="0">
-              <a:buNone/>
-            </a:pPr>
-            <a:r>
-              <a:rPr lang="en-GB" dirty="0">
-                <a:cs typeface="Arial"/>
-              </a:rPr>
-              <a:t>b)</a:t>
-            </a:r>
-          </a:p>
-        </p:txBody>
-      </p:sp>
-      <p:pic>
-        <p:nvPicPr>
-          <p:cNvPr id="7" name="Picture 6">
-            <a:extLst>
-              <a:ext uri="{FF2B5EF4-FFF2-40B4-BE49-F238E27FC236}">
-                <a16:creationId xmlns:a16="http://schemas.microsoft.com/office/drawing/2014/main" id="{93AA5F5E-AA0F-BC6B-91AD-E52B0DB9A771}"/>
-              </a:ext>
-            </a:extLst>
-          </p:cNvPr>
-          <p:cNvPicPr>
-            <a:picLocks noChangeAspect="1"/>
-          </p:cNvPicPr>
-          <p:nvPr/>
-        </p:nvPicPr>
-        <p:blipFill>
-          <a:blip r:embed="rId2"/>
-          <a:stretch>
-            <a:fillRect/>
-          </a:stretch>
-        </p:blipFill>
-        <p:spPr>
-          <a:xfrm>
-            <a:off x="1173655" y="1716963"/>
-            <a:ext cx="6779172" cy="481176"/>
-          </a:xfrm>
-          <a:prstGeom prst="rect">
-            <a:avLst/>
-          </a:prstGeom>
-        </p:spPr>
-      </p:pic>
-      <p:pic>
-        <p:nvPicPr>
-          <p:cNvPr id="8" name="Picture 7" descr="A math equations with numbers and symbols&#10;&#10;AI-generated content may be incorrect.">
-            <a:extLst>
-              <a:ext uri="{FF2B5EF4-FFF2-40B4-BE49-F238E27FC236}">
-                <a16:creationId xmlns:a16="http://schemas.microsoft.com/office/drawing/2014/main" id="{B5197F23-D08C-F676-62EA-8F638688223F}"/>
-              </a:ext>
-            </a:extLst>
-          </p:cNvPr>
-          <p:cNvPicPr>
-            <a:picLocks noChangeAspect="1"/>
-          </p:cNvPicPr>
-          <p:nvPr/>
-        </p:nvPicPr>
-        <p:blipFill>
-          <a:blip r:embed="rId3"/>
-          <a:stretch>
-            <a:fillRect/>
-          </a:stretch>
-        </p:blipFill>
-        <p:spPr>
-          <a:xfrm>
-            <a:off x="1176064" y="2387271"/>
-            <a:ext cx="2815458" cy="2626491"/>
-          </a:xfrm>
-          <a:prstGeom prst="rect">
-            <a:avLst/>
-          </a:prstGeom>
-        </p:spPr>
-      </p:pic>
-      <p:pic>
-        <p:nvPicPr>
-          <p:cNvPr id="10" name="Picture 9">
-            <a:extLst>
-              <a:ext uri="{FF2B5EF4-FFF2-40B4-BE49-F238E27FC236}">
-                <a16:creationId xmlns:a16="http://schemas.microsoft.com/office/drawing/2014/main" id="{3F24FBF2-AFBB-CDCD-D989-844E3645298C}"/>
-              </a:ext>
-            </a:extLst>
-          </p:cNvPr>
-          <p:cNvPicPr>
-            <a:picLocks noChangeAspect="1"/>
-          </p:cNvPicPr>
-          <p:nvPr/>
-        </p:nvPicPr>
-        <p:blipFill>
-          <a:blip r:embed="rId4"/>
-          <a:stretch>
-            <a:fillRect/>
-          </a:stretch>
-        </p:blipFill>
-        <p:spPr>
-          <a:xfrm>
-            <a:off x="1166813" y="5102171"/>
-            <a:ext cx="3762375" cy="1190625"/>
-          </a:xfrm>
-          <a:prstGeom prst="rect">
-            <a:avLst/>
-          </a:prstGeom>
-        </p:spPr>
-      </p:pic>
-    </p:spTree>
-    <p:extLst>
-      <p:ext uri="{BB962C8B-B14F-4D97-AF65-F5344CB8AC3E}">
-        <p14:creationId xmlns:p14="http://schemas.microsoft.com/office/powerpoint/2010/main" val="3021401086"/>
-      </p:ext>
-    </p:extLst>
-  </p:cSld>
-  <p:clrMapOvr>
-    <a:masterClrMapping/>
-  </p:clrMapOvr>
-</p:sld>
-</file>
-
-<file path=ppt/slides/slide19.xml><?xml version="1.0" encoding="utf-8"?>
 <p:sld xmlns:a="http://schemas.openxmlformats.org/drawingml/2006/main" xmlns:r="http://schemas.openxmlformats.org/officeDocument/2006/relationships" xmlns:p="http://schemas.openxmlformats.org/presentationml/2006/main">
   <p:cSld>
     <p:spTree>
@@ -11876,6 +11894,518 @@
     <p:extLst>
       <p:ext uri="{BB962C8B-B14F-4D97-AF65-F5344CB8AC3E}">
         <p14:creationId xmlns:p14="http://schemas.microsoft.com/office/powerpoint/2010/main" val="2904793170"/>
+      </p:ext>
+    </p:extLst>
+  </p:cSld>
+  <p:clrMapOvr>
+    <a:masterClrMapping/>
+  </p:clrMapOvr>
+</p:sld>
+</file>
+
+<file path=ppt/slides/slide19.xml><?xml version="1.0" encoding="utf-8"?>
+<p:sld xmlns:a="http://schemas.openxmlformats.org/drawingml/2006/main" xmlns:r="http://schemas.openxmlformats.org/officeDocument/2006/relationships" xmlns:p="http://schemas.openxmlformats.org/presentationml/2006/main">
+  <p:cSld>
+    <p:spTree>
+      <p:nvGrpSpPr>
+        <p:cNvPr id="1" name="">
+          <a:extLst>
+            <a:ext uri="{FF2B5EF4-FFF2-40B4-BE49-F238E27FC236}">
+              <a16:creationId xmlns:a16="http://schemas.microsoft.com/office/drawing/2014/main" id="{0FB9D3CC-2816-9E0B-FCD9-13464E2555FB}"/>
+            </a:ext>
+          </a:extLst>
+        </p:cNvPr>
+        <p:cNvGrpSpPr/>
+        <p:nvPr/>
+      </p:nvGrpSpPr>
+      <p:grpSpPr>
+        <a:xfrm>
+          <a:off x="0" y="0"/>
+          <a:ext cx="0" cy="0"/>
+          <a:chOff x="0" y="0"/>
+          <a:chExt cx="0" cy="0"/>
+        </a:xfrm>
+      </p:grpSpPr>
+      <p:sp>
+        <p:nvSpPr>
+          <p:cNvPr id="2" name="Titel 1">
+            <a:extLst>
+              <a:ext uri="{FF2B5EF4-FFF2-40B4-BE49-F238E27FC236}">
+                <a16:creationId xmlns:a16="http://schemas.microsoft.com/office/drawing/2014/main" id="{3C0705A3-AB8C-DE02-3D93-D0D2B659198E}"/>
+              </a:ext>
+            </a:extLst>
+          </p:cNvPr>
+          <p:cNvSpPr>
+            <a:spLocks noGrp="1"/>
+          </p:cNvSpPr>
+          <p:nvPr>
+            <p:ph type="title"/>
+          </p:nvPr>
+        </p:nvSpPr>
+        <p:spPr/>
+        <p:txBody>
+          <a:bodyPr/>
+          <a:lstStyle/>
+          <a:p>
+            <a:r>
+              <a:rPr lang="de-DE" dirty="0"/>
+              <a:t>Aufgabe 3.7</a:t>
+            </a:r>
+          </a:p>
+        </p:txBody>
+      </p:sp>
+      <p:sp>
+        <p:nvSpPr>
+          <p:cNvPr id="6" name="Content Placeholder 5">
+            <a:extLst>
+              <a:ext uri="{FF2B5EF4-FFF2-40B4-BE49-F238E27FC236}">
+                <a16:creationId xmlns:a16="http://schemas.microsoft.com/office/drawing/2014/main" id="{4CB9FE27-A2D3-0528-14C1-92B7960713ED}"/>
+              </a:ext>
+            </a:extLst>
+          </p:cNvPr>
+          <p:cNvSpPr>
+            <a:spLocks noGrp="1"/>
+          </p:cNvSpPr>
+          <p:nvPr>
+            <p:ph idx="1"/>
+          </p:nvPr>
+        </p:nvSpPr>
+        <p:spPr/>
+        <p:txBody>
+          <a:bodyPr/>
+          <a:lstStyle/>
+          <a:p>
+            <a:pPr marL="0" indent="0">
+              <a:buNone/>
+            </a:pPr>
+            <a:r>
+              <a:rPr lang="en-GB" dirty="0">
+                <a:cs typeface="Arial"/>
+              </a:rPr>
+              <a:t>b)</a:t>
+            </a:r>
+          </a:p>
+          <a:p>
+            <a:pPr marL="0" indent="0">
+              <a:buNone/>
+            </a:pPr>
+            <a:endParaRPr lang="en-GB" dirty="0">
+              <a:cs typeface="Arial"/>
+            </a:endParaRPr>
+          </a:p>
+          <a:p>
+            <a:pPr marL="0" indent="0">
+              <a:buNone/>
+            </a:pPr>
+            <a:endParaRPr lang="en-GB" dirty="0">
+              <a:cs typeface="Arial"/>
+            </a:endParaRPr>
+          </a:p>
+        </p:txBody>
+      </p:sp>
+      <p:pic>
+        <p:nvPicPr>
+          <p:cNvPr id="15" name="Picture 14" descr="A white rectangular object with black text&#10;&#10;AI-generated content may be incorrect.">
+            <a:extLst>
+              <a:ext uri="{FF2B5EF4-FFF2-40B4-BE49-F238E27FC236}">
+                <a16:creationId xmlns:a16="http://schemas.microsoft.com/office/drawing/2014/main" id="{2CE87F01-6937-0C21-D3DD-8C0FA667E9EE}"/>
+              </a:ext>
+            </a:extLst>
+          </p:cNvPr>
+          <p:cNvPicPr>
+            <a:picLocks noChangeAspect="1"/>
+          </p:cNvPicPr>
+          <p:nvPr/>
+        </p:nvPicPr>
+        <p:blipFill>
+          <a:blip r:embed="rId2"/>
+          <a:srcRect t="88" b="1647"/>
+          <a:stretch>
+            <a:fillRect/>
+          </a:stretch>
+        </p:blipFill>
+        <p:spPr>
+          <a:xfrm>
+            <a:off x="1043828" y="1859705"/>
+            <a:ext cx="10668000" cy="3803649"/>
+          </a:xfrm>
+          <a:prstGeom prst="rect">
+            <a:avLst/>
+          </a:prstGeom>
+        </p:spPr>
+      </p:pic>
+      <p:sp>
+        <p:nvSpPr>
+          <p:cNvPr id="17" name="TextBox 16">
+            <a:extLst>
+              <a:ext uri="{FF2B5EF4-FFF2-40B4-BE49-F238E27FC236}">
+                <a16:creationId xmlns:a16="http://schemas.microsoft.com/office/drawing/2014/main" id="{6D05524C-1A62-8431-AB7E-AE594531D225}"/>
+              </a:ext>
+            </a:extLst>
+          </p:cNvPr>
+          <p:cNvSpPr txBox="1"/>
+          <p:nvPr/>
+        </p:nvSpPr>
+        <p:spPr>
+          <a:xfrm>
+            <a:off x="4147594" y="3173392"/>
+            <a:ext cx="511215" cy="707886"/>
+          </a:xfrm>
+          <a:prstGeom prst="rect">
+            <a:avLst/>
+          </a:prstGeom>
+          <a:noFill/>
+        </p:spPr>
+        <p:txBody>
+          <a:bodyPr rot="0" spcFirstLastPara="0" vertOverflow="overflow" horzOverflow="overflow" vert="horz" wrap="square" lIns="91440" tIns="45720" rIns="91440" bIns="45720" numCol="1" spcCol="0" rtlCol="0" fromWordArt="0" anchor="t" anchorCtr="0" forceAA="0" compatLnSpc="1">
+            <a:prstTxWarp prst="textNoShape">
+              <a:avLst/>
+            </a:prstTxWarp>
+            <a:spAutoFit/>
+          </a:bodyPr>
+          <a:lstStyle/>
+          <a:p>
+            <a:pPr algn="l"/>
+            <a:r>
+              <a:rPr lang="en-GB" sz="4000" dirty="0">
+                <a:latin typeface="Arial"/>
+                <a:cs typeface="Arial"/>
+              </a:rPr>
+              <a:t>X</a:t>
+            </a:r>
+            <a:endParaRPr lang="en-GB" sz="4400" dirty="0">
+              <a:latin typeface="Arial"/>
+              <a:cs typeface="Arial"/>
+            </a:endParaRPr>
+          </a:p>
+        </p:txBody>
+      </p:sp>
+      <p:sp>
+        <p:nvSpPr>
+          <p:cNvPr id="18" name="TextBox 17">
+            <a:extLst>
+              <a:ext uri="{FF2B5EF4-FFF2-40B4-BE49-F238E27FC236}">
+                <a16:creationId xmlns:a16="http://schemas.microsoft.com/office/drawing/2014/main" id="{02F7A1D5-16DC-B37C-C635-7C82D37D665C}"/>
+              </a:ext>
+            </a:extLst>
+          </p:cNvPr>
+          <p:cNvSpPr txBox="1"/>
+          <p:nvPr/>
+        </p:nvSpPr>
+        <p:spPr>
+          <a:xfrm>
+            <a:off x="8931796" y="3173391"/>
+            <a:ext cx="511215" cy="707886"/>
+          </a:xfrm>
+          <a:prstGeom prst="rect">
+            <a:avLst/>
+          </a:prstGeom>
+          <a:noFill/>
+        </p:spPr>
+        <p:txBody>
+          <a:bodyPr rot="0" spcFirstLastPara="0" vertOverflow="overflow" horzOverflow="overflow" vert="horz" wrap="square" lIns="91440" tIns="45720" rIns="91440" bIns="45720" numCol="1" spcCol="0" rtlCol="0" fromWordArt="0" anchor="t" anchorCtr="0" forceAA="0" compatLnSpc="1">
+            <a:prstTxWarp prst="textNoShape">
+              <a:avLst/>
+            </a:prstTxWarp>
+            <a:spAutoFit/>
+          </a:bodyPr>
+          <a:lstStyle/>
+          <a:p>
+            <a:pPr algn="l"/>
+            <a:r>
+              <a:rPr lang="en-GB" sz="4000" dirty="0">
+                <a:latin typeface="Arial"/>
+                <a:cs typeface="Arial"/>
+              </a:rPr>
+              <a:t>X</a:t>
+            </a:r>
+            <a:endParaRPr lang="en-GB" sz="4400" dirty="0">
+              <a:latin typeface="Arial"/>
+              <a:cs typeface="Arial"/>
+            </a:endParaRPr>
+          </a:p>
+        </p:txBody>
+      </p:sp>
+      <p:sp>
+        <p:nvSpPr>
+          <p:cNvPr id="20" name="TextBox 19">
+            <a:extLst>
+              <a:ext uri="{FF2B5EF4-FFF2-40B4-BE49-F238E27FC236}">
+                <a16:creationId xmlns:a16="http://schemas.microsoft.com/office/drawing/2014/main" id="{7EDE88BE-38A8-CB65-F954-E576AA464FE0}"/>
+              </a:ext>
+            </a:extLst>
+          </p:cNvPr>
+          <p:cNvSpPr txBox="1"/>
+          <p:nvPr/>
+        </p:nvSpPr>
+        <p:spPr>
+          <a:xfrm>
+            <a:off x="10012099" y="3173390"/>
+            <a:ext cx="511215" cy="707886"/>
+          </a:xfrm>
+          <a:prstGeom prst="rect">
+            <a:avLst/>
+          </a:prstGeom>
+          <a:noFill/>
+        </p:spPr>
+        <p:txBody>
+          <a:bodyPr rot="0" spcFirstLastPara="0" vertOverflow="overflow" horzOverflow="overflow" vert="horz" wrap="square" lIns="91440" tIns="45720" rIns="91440" bIns="45720" numCol="1" spcCol="0" rtlCol="0" fromWordArt="0" anchor="t" anchorCtr="0" forceAA="0" compatLnSpc="1">
+            <a:prstTxWarp prst="textNoShape">
+              <a:avLst/>
+            </a:prstTxWarp>
+            <a:spAutoFit/>
+          </a:bodyPr>
+          <a:lstStyle/>
+          <a:p>
+            <a:pPr algn="l"/>
+            <a:r>
+              <a:rPr lang="en-GB" sz="4000" dirty="0">
+                <a:latin typeface="Arial"/>
+                <a:cs typeface="Arial"/>
+              </a:rPr>
+              <a:t>X</a:t>
+            </a:r>
+            <a:endParaRPr lang="en-GB" sz="4400" dirty="0">
+              <a:latin typeface="Arial"/>
+              <a:cs typeface="Arial"/>
+            </a:endParaRPr>
+          </a:p>
+        </p:txBody>
+      </p:sp>
+      <p:sp>
+        <p:nvSpPr>
+          <p:cNvPr id="21" name="TextBox 20">
+            <a:extLst>
+              <a:ext uri="{FF2B5EF4-FFF2-40B4-BE49-F238E27FC236}">
+                <a16:creationId xmlns:a16="http://schemas.microsoft.com/office/drawing/2014/main" id="{92091E4F-EC43-08E3-6828-C6A45FBBCFFF}"/>
+              </a:ext>
+            </a:extLst>
+          </p:cNvPr>
+          <p:cNvSpPr txBox="1"/>
+          <p:nvPr/>
+        </p:nvSpPr>
+        <p:spPr>
+          <a:xfrm>
+            <a:off x="10880200" y="4764909"/>
+            <a:ext cx="511215" cy="707886"/>
+          </a:xfrm>
+          <a:prstGeom prst="rect">
+            <a:avLst/>
+          </a:prstGeom>
+          <a:noFill/>
+        </p:spPr>
+        <p:txBody>
+          <a:bodyPr rot="0" spcFirstLastPara="0" vertOverflow="overflow" horzOverflow="overflow" vert="horz" wrap="square" lIns="91440" tIns="45720" rIns="91440" bIns="45720" numCol="1" spcCol="0" rtlCol="0" fromWordArt="0" anchor="t" anchorCtr="0" forceAA="0" compatLnSpc="1">
+            <a:prstTxWarp prst="textNoShape">
+              <a:avLst/>
+            </a:prstTxWarp>
+            <a:spAutoFit/>
+          </a:bodyPr>
+          <a:lstStyle/>
+          <a:p>
+            <a:pPr algn="l"/>
+            <a:r>
+              <a:rPr lang="en-GB" sz="4000" dirty="0">
+                <a:latin typeface="Arial"/>
+                <a:cs typeface="Arial"/>
+              </a:rPr>
+              <a:t>X</a:t>
+            </a:r>
+            <a:endParaRPr lang="en-GB" sz="4400" dirty="0">
+              <a:latin typeface="Arial"/>
+              <a:cs typeface="Arial"/>
+            </a:endParaRPr>
+          </a:p>
+        </p:txBody>
+      </p:sp>
+      <p:sp>
+        <p:nvSpPr>
+          <p:cNvPr id="22" name="TextBox 21">
+            <a:extLst>
+              <a:ext uri="{FF2B5EF4-FFF2-40B4-BE49-F238E27FC236}">
+                <a16:creationId xmlns:a16="http://schemas.microsoft.com/office/drawing/2014/main" id="{06983CBF-02FE-1936-B604-59FC5A24ECFF}"/>
+              </a:ext>
+            </a:extLst>
+          </p:cNvPr>
+          <p:cNvSpPr txBox="1"/>
+          <p:nvPr/>
+        </p:nvSpPr>
+        <p:spPr>
+          <a:xfrm>
+            <a:off x="4147592" y="3945035"/>
+            <a:ext cx="511215" cy="707886"/>
+          </a:xfrm>
+          <a:prstGeom prst="rect">
+            <a:avLst/>
+          </a:prstGeom>
+          <a:noFill/>
+        </p:spPr>
+        <p:txBody>
+          <a:bodyPr rot="0" spcFirstLastPara="0" vertOverflow="overflow" horzOverflow="overflow" vert="horz" wrap="square" lIns="91440" tIns="45720" rIns="91440" bIns="45720" numCol="1" spcCol="0" rtlCol="0" fromWordArt="0" anchor="t" anchorCtr="0" forceAA="0" compatLnSpc="1">
+            <a:prstTxWarp prst="textNoShape">
+              <a:avLst/>
+            </a:prstTxWarp>
+            <a:spAutoFit/>
+          </a:bodyPr>
+          <a:lstStyle/>
+          <a:p>
+            <a:pPr algn="l"/>
+            <a:r>
+              <a:rPr lang="en-GB" sz="4000" dirty="0">
+                <a:latin typeface="Arial"/>
+                <a:cs typeface="Arial"/>
+              </a:rPr>
+              <a:t>X</a:t>
+            </a:r>
+            <a:endParaRPr lang="en-GB" sz="4400" dirty="0">
+              <a:latin typeface="Arial"/>
+              <a:cs typeface="Arial"/>
+            </a:endParaRPr>
+          </a:p>
+        </p:txBody>
+      </p:sp>
+      <p:sp>
+        <p:nvSpPr>
+          <p:cNvPr id="23" name="TextBox 22">
+            <a:extLst>
+              <a:ext uri="{FF2B5EF4-FFF2-40B4-BE49-F238E27FC236}">
+                <a16:creationId xmlns:a16="http://schemas.microsoft.com/office/drawing/2014/main" id="{0E9AA9DA-ED4D-94F3-AC40-D0FBD476C025}"/>
+              </a:ext>
+            </a:extLst>
+          </p:cNvPr>
+          <p:cNvSpPr txBox="1"/>
+          <p:nvPr/>
+        </p:nvSpPr>
+        <p:spPr>
+          <a:xfrm>
+            <a:off x="7890073" y="3945035"/>
+            <a:ext cx="511215" cy="707886"/>
+          </a:xfrm>
+          <a:prstGeom prst="rect">
+            <a:avLst/>
+          </a:prstGeom>
+          <a:noFill/>
+        </p:spPr>
+        <p:txBody>
+          <a:bodyPr rot="0" spcFirstLastPara="0" vertOverflow="overflow" horzOverflow="overflow" vert="horz" wrap="square" lIns="91440" tIns="45720" rIns="91440" bIns="45720" numCol="1" spcCol="0" rtlCol="0" fromWordArt="0" anchor="t" anchorCtr="0" forceAA="0" compatLnSpc="1">
+            <a:prstTxWarp prst="textNoShape">
+              <a:avLst/>
+            </a:prstTxWarp>
+            <a:spAutoFit/>
+          </a:bodyPr>
+          <a:lstStyle/>
+          <a:p>
+            <a:pPr algn="l"/>
+            <a:r>
+              <a:rPr lang="en-GB" sz="4000" dirty="0">
+                <a:latin typeface="Arial"/>
+                <a:cs typeface="Arial"/>
+              </a:rPr>
+              <a:t>X</a:t>
+            </a:r>
+            <a:endParaRPr lang="en-GB" sz="4400" dirty="0">
+              <a:latin typeface="Arial"/>
+              <a:cs typeface="Arial"/>
+            </a:endParaRPr>
+          </a:p>
+        </p:txBody>
+      </p:sp>
+      <p:sp>
+        <p:nvSpPr>
+          <p:cNvPr id="24" name="TextBox 23">
+            <a:extLst>
+              <a:ext uri="{FF2B5EF4-FFF2-40B4-BE49-F238E27FC236}">
+                <a16:creationId xmlns:a16="http://schemas.microsoft.com/office/drawing/2014/main" id="{6FEBD727-531B-A642-5EE3-DB9BEFA66D4C}"/>
+              </a:ext>
+            </a:extLst>
+          </p:cNvPr>
+          <p:cNvSpPr txBox="1"/>
+          <p:nvPr/>
+        </p:nvSpPr>
+        <p:spPr>
+          <a:xfrm>
+            <a:off x="10880199" y="3945035"/>
+            <a:ext cx="511215" cy="707886"/>
+          </a:xfrm>
+          <a:prstGeom prst="rect">
+            <a:avLst/>
+          </a:prstGeom>
+          <a:noFill/>
+        </p:spPr>
+        <p:txBody>
+          <a:bodyPr rot="0" spcFirstLastPara="0" vertOverflow="overflow" horzOverflow="overflow" vert="horz" wrap="square" lIns="91440" tIns="45720" rIns="91440" bIns="45720" numCol="1" spcCol="0" rtlCol="0" fromWordArt="0" anchor="t" anchorCtr="0" forceAA="0" compatLnSpc="1">
+            <a:prstTxWarp prst="textNoShape">
+              <a:avLst/>
+            </a:prstTxWarp>
+            <a:spAutoFit/>
+          </a:bodyPr>
+          <a:lstStyle/>
+          <a:p>
+            <a:pPr algn="l"/>
+            <a:r>
+              <a:rPr lang="en-GB" sz="4000" dirty="0">
+                <a:latin typeface="Arial"/>
+                <a:cs typeface="Arial"/>
+              </a:rPr>
+              <a:t>X</a:t>
+            </a:r>
+            <a:endParaRPr lang="en-GB" sz="4400" dirty="0">
+              <a:latin typeface="Arial"/>
+              <a:cs typeface="Arial"/>
+            </a:endParaRPr>
+          </a:p>
+        </p:txBody>
+      </p:sp>
+      <p:sp>
+        <p:nvSpPr>
+          <p:cNvPr id="25" name="TextBox 24">
+            <a:extLst>
+              <a:ext uri="{FF2B5EF4-FFF2-40B4-BE49-F238E27FC236}">
+                <a16:creationId xmlns:a16="http://schemas.microsoft.com/office/drawing/2014/main" id="{F95C9599-A282-1268-36BB-4F413CB96FF3}"/>
+              </a:ext>
+            </a:extLst>
+          </p:cNvPr>
+          <p:cNvSpPr txBox="1"/>
+          <p:nvPr/>
+        </p:nvSpPr>
+        <p:spPr>
+          <a:xfrm>
+            <a:off x="3202326" y="4764908"/>
+            <a:ext cx="511215" cy="707886"/>
+          </a:xfrm>
+          <a:prstGeom prst="rect">
+            <a:avLst/>
+          </a:prstGeom>
+          <a:noFill/>
+        </p:spPr>
+        <p:txBody>
+          <a:bodyPr rot="0" spcFirstLastPara="0" vertOverflow="overflow" horzOverflow="overflow" vert="horz" wrap="square" lIns="91440" tIns="45720" rIns="91440" bIns="45720" numCol="1" spcCol="0" rtlCol="0" fromWordArt="0" anchor="t" anchorCtr="0" forceAA="0" compatLnSpc="1">
+            <a:prstTxWarp prst="textNoShape">
+              <a:avLst/>
+            </a:prstTxWarp>
+            <a:spAutoFit/>
+          </a:bodyPr>
+          <a:lstStyle/>
+          <a:p>
+            <a:pPr algn="l"/>
+            <a:r>
+              <a:rPr lang="en-GB" sz="4000" dirty="0">
+                <a:latin typeface="Arial"/>
+                <a:cs typeface="Arial"/>
+              </a:rPr>
+              <a:t>X</a:t>
+            </a:r>
+            <a:endParaRPr lang="en-GB" sz="4400" dirty="0">
+              <a:latin typeface="Arial"/>
+              <a:cs typeface="Arial"/>
+            </a:endParaRPr>
+          </a:p>
+        </p:txBody>
+      </p:sp>
+    </p:spTree>
+    <p:extLst>
+      <p:ext uri="{BB962C8B-B14F-4D97-AF65-F5344CB8AC3E}">
+        <p14:creationId xmlns:p14="http://schemas.microsoft.com/office/powerpoint/2010/main" val="3277961374"/>
       </p:ext>
     </p:extLst>
   </p:cSld>
@@ -12592,7 +13122,7 @@
         <p:cNvPr id="1" name="">
           <a:extLst>
             <a:ext uri="{FF2B5EF4-FFF2-40B4-BE49-F238E27FC236}">
-              <a16:creationId xmlns:a16="http://schemas.microsoft.com/office/drawing/2014/main" id="{0FB9D3CC-2816-9E0B-FCD9-13464E2555FB}"/>
+              <a16:creationId xmlns:a16="http://schemas.microsoft.com/office/drawing/2014/main" id="{040F9FFB-6560-8F1E-6F4C-64511D3A3568}"/>
             </a:ext>
           </a:extLst>
         </p:cNvPr>
@@ -12612,7 +13142,7 @@
           <p:cNvPr id="2" name="Titel 1">
             <a:extLst>
               <a:ext uri="{FF2B5EF4-FFF2-40B4-BE49-F238E27FC236}">
-                <a16:creationId xmlns:a16="http://schemas.microsoft.com/office/drawing/2014/main" id="{3C0705A3-AB8C-DE02-3D93-D0D2B659198E}"/>
+                <a16:creationId xmlns:a16="http://schemas.microsoft.com/office/drawing/2014/main" id="{51F37715-0D59-D06B-AB2C-486BD68DCC6C}"/>
               </a:ext>
             </a:extLst>
           </p:cNvPr>
@@ -12630,7 +13160,7 @@
           <a:p>
             <a:r>
               <a:rPr lang="de-DE" dirty="0"/>
-              <a:t>Aufgabe 3.7</a:t>
+              <a:t>Aufgabe 4.1</a:t>
             </a:r>
           </a:p>
         </p:txBody>
@@ -12640,7 +13170,7 @@
           <p:cNvPr id="6" name="Content Placeholder 5">
             <a:extLst>
               <a:ext uri="{FF2B5EF4-FFF2-40B4-BE49-F238E27FC236}">
-                <a16:creationId xmlns:a16="http://schemas.microsoft.com/office/drawing/2014/main" id="{4CB9FE27-A2D3-0528-14C1-92B7960713ED}"/>
+                <a16:creationId xmlns:a16="http://schemas.microsoft.com/office/drawing/2014/main" id="{2D5A77A4-8F6D-081F-9391-029226F59D56}"/>
               </a:ext>
             </a:extLst>
           </p:cNvPr>
@@ -12663,7 +13193,7 @@
               <a:rPr lang="en-GB" dirty="0">
                 <a:cs typeface="Arial"/>
               </a:rPr>
-              <a:t>b)</a:t>
+              <a:t>a)</a:t>
             </a:r>
           </a:p>
           <a:p>
@@ -12678,18 +13208,21 @@
             <a:pPr marL="0" indent="0">
               <a:buNone/>
             </a:pPr>
-            <a:endParaRPr lang="en-GB" dirty="0">
-              <a:cs typeface="Arial"/>
-            </a:endParaRPr>
+            <a:r>
+              <a:rPr lang="en-GB" dirty="0">
+                <a:cs typeface="Arial"/>
+              </a:rPr>
+              <a:t>b)</a:t>
+            </a:r>
           </a:p>
         </p:txBody>
       </p:sp>
       <p:pic>
         <p:nvPicPr>
-          <p:cNvPr id="15" name="Picture 14" descr="A white rectangular object with black text&#10;&#10;AI-generated content may be incorrect.">
+          <p:cNvPr id="7" name="Picture 6">
             <a:extLst>
               <a:ext uri="{FF2B5EF4-FFF2-40B4-BE49-F238E27FC236}">
-                <a16:creationId xmlns:a16="http://schemas.microsoft.com/office/drawing/2014/main" id="{2CE87F01-6937-0C21-D3DD-8C0FA667E9EE}"/>
+                <a16:creationId xmlns:a16="http://schemas.microsoft.com/office/drawing/2014/main" id="{93AA5F5E-AA0F-BC6B-91AD-E52B0DB9A771}"/>
               </a:ext>
             </a:extLst>
           </p:cNvPr>
@@ -12700,393 +13233,84 @@
         </p:nvPicPr>
         <p:blipFill>
           <a:blip r:embed="rId2"/>
-          <a:srcRect t="88" b="1647"/>
           <a:stretch>
             <a:fillRect/>
           </a:stretch>
         </p:blipFill>
         <p:spPr>
           <a:xfrm>
-            <a:off x="1043828" y="1859705"/>
-            <a:ext cx="10668000" cy="3803649"/>
+            <a:off x="1173655" y="1716963"/>
+            <a:ext cx="6779172" cy="481176"/>
           </a:xfrm>
           <a:prstGeom prst="rect">
             <a:avLst/>
           </a:prstGeom>
         </p:spPr>
       </p:pic>
-      <p:sp>
-        <p:nvSpPr>
-          <p:cNvPr id="17" name="TextBox 16">
+      <p:pic>
+        <p:nvPicPr>
+          <p:cNvPr id="8" name="Picture 7" descr="A math equations with numbers and symbols&#10;&#10;AI-generated content may be incorrect.">
             <a:extLst>
               <a:ext uri="{FF2B5EF4-FFF2-40B4-BE49-F238E27FC236}">
-                <a16:creationId xmlns:a16="http://schemas.microsoft.com/office/drawing/2014/main" id="{6D05524C-1A62-8431-AB7E-AE594531D225}"/>
+                <a16:creationId xmlns:a16="http://schemas.microsoft.com/office/drawing/2014/main" id="{B5197F23-D08C-F676-62EA-8F638688223F}"/>
               </a:ext>
             </a:extLst>
           </p:cNvPr>
-          <p:cNvSpPr txBox="1"/>
+          <p:cNvPicPr>
+            <a:picLocks noChangeAspect="1"/>
+          </p:cNvPicPr>
           <p:nvPr/>
-        </p:nvSpPr>
+        </p:nvPicPr>
+        <p:blipFill>
+          <a:blip r:embed="rId3"/>
+          <a:stretch>
+            <a:fillRect/>
+          </a:stretch>
+        </p:blipFill>
         <p:spPr>
           <a:xfrm>
-            <a:off x="4147594" y="3173392"/>
-            <a:ext cx="511215" cy="707886"/>
+            <a:off x="1176064" y="2387271"/>
+            <a:ext cx="2815458" cy="2626491"/>
           </a:xfrm>
           <a:prstGeom prst="rect">
             <a:avLst/>
           </a:prstGeom>
-          <a:noFill/>
         </p:spPr>
-        <p:txBody>
-          <a:bodyPr rot="0" spcFirstLastPara="0" vertOverflow="overflow" horzOverflow="overflow" vert="horz" wrap="square" lIns="91440" tIns="45720" rIns="91440" bIns="45720" numCol="1" spcCol="0" rtlCol="0" fromWordArt="0" anchor="t" anchorCtr="0" forceAA="0" compatLnSpc="1">
-            <a:prstTxWarp prst="textNoShape">
-              <a:avLst/>
-            </a:prstTxWarp>
-            <a:spAutoFit/>
-          </a:bodyPr>
-          <a:lstStyle/>
-          <a:p>
-            <a:pPr algn="l"/>
-            <a:r>
-              <a:rPr lang="en-GB" sz="4000" dirty="0">
-                <a:latin typeface="Arial"/>
-                <a:cs typeface="Arial"/>
-              </a:rPr>
-              <a:t>X</a:t>
-            </a:r>
-            <a:endParaRPr lang="en-GB" sz="4400" dirty="0">
-              <a:latin typeface="Arial"/>
-              <a:cs typeface="Arial"/>
-            </a:endParaRPr>
-          </a:p>
-        </p:txBody>
-      </p:sp>
-      <p:sp>
-        <p:nvSpPr>
-          <p:cNvPr id="18" name="TextBox 17">
+      </p:pic>
+      <p:pic>
+        <p:nvPicPr>
+          <p:cNvPr id="10" name="Picture 9">
             <a:extLst>
               <a:ext uri="{FF2B5EF4-FFF2-40B4-BE49-F238E27FC236}">
-                <a16:creationId xmlns:a16="http://schemas.microsoft.com/office/drawing/2014/main" id="{02F7A1D5-16DC-B37C-C635-7C82D37D665C}"/>
+                <a16:creationId xmlns:a16="http://schemas.microsoft.com/office/drawing/2014/main" id="{3F24FBF2-AFBB-CDCD-D989-844E3645298C}"/>
               </a:ext>
             </a:extLst>
           </p:cNvPr>
-          <p:cNvSpPr txBox="1"/>
+          <p:cNvPicPr>
+            <a:picLocks noChangeAspect="1"/>
+          </p:cNvPicPr>
           <p:nvPr/>
-        </p:nvSpPr>
+        </p:nvPicPr>
+        <p:blipFill>
+          <a:blip r:embed="rId4"/>
+          <a:stretch>
+            <a:fillRect/>
+          </a:stretch>
+        </p:blipFill>
         <p:spPr>
           <a:xfrm>
-            <a:off x="8931796" y="3173391"/>
-            <a:ext cx="511215" cy="707886"/>
+            <a:off x="1166813" y="5102171"/>
+            <a:ext cx="3762375" cy="1190625"/>
           </a:xfrm>
           <a:prstGeom prst="rect">
             <a:avLst/>
           </a:prstGeom>
-          <a:noFill/>
         </p:spPr>
-        <p:txBody>
-          <a:bodyPr rot="0" spcFirstLastPara="0" vertOverflow="overflow" horzOverflow="overflow" vert="horz" wrap="square" lIns="91440" tIns="45720" rIns="91440" bIns="45720" numCol="1" spcCol="0" rtlCol="0" fromWordArt="0" anchor="t" anchorCtr="0" forceAA="0" compatLnSpc="1">
-            <a:prstTxWarp prst="textNoShape">
-              <a:avLst/>
-            </a:prstTxWarp>
-            <a:spAutoFit/>
-          </a:bodyPr>
-          <a:lstStyle/>
-          <a:p>
-            <a:pPr algn="l"/>
-            <a:r>
-              <a:rPr lang="en-GB" sz="4000" dirty="0">
-                <a:latin typeface="Arial"/>
-                <a:cs typeface="Arial"/>
-              </a:rPr>
-              <a:t>X</a:t>
-            </a:r>
-            <a:endParaRPr lang="en-GB" sz="4400" dirty="0">
-              <a:latin typeface="Arial"/>
-              <a:cs typeface="Arial"/>
-            </a:endParaRPr>
-          </a:p>
-        </p:txBody>
-      </p:sp>
-      <p:sp>
-        <p:nvSpPr>
-          <p:cNvPr id="20" name="TextBox 19">
-            <a:extLst>
-              <a:ext uri="{FF2B5EF4-FFF2-40B4-BE49-F238E27FC236}">
-                <a16:creationId xmlns:a16="http://schemas.microsoft.com/office/drawing/2014/main" id="{7EDE88BE-38A8-CB65-F954-E576AA464FE0}"/>
-              </a:ext>
-            </a:extLst>
-          </p:cNvPr>
-          <p:cNvSpPr txBox="1"/>
-          <p:nvPr/>
-        </p:nvSpPr>
-        <p:spPr>
-          <a:xfrm>
-            <a:off x="10012099" y="3173390"/>
-            <a:ext cx="511215" cy="707886"/>
-          </a:xfrm>
-          <a:prstGeom prst="rect">
-            <a:avLst/>
-          </a:prstGeom>
-          <a:noFill/>
-        </p:spPr>
-        <p:txBody>
-          <a:bodyPr rot="0" spcFirstLastPara="0" vertOverflow="overflow" horzOverflow="overflow" vert="horz" wrap="square" lIns="91440" tIns="45720" rIns="91440" bIns="45720" numCol="1" spcCol="0" rtlCol="0" fromWordArt="0" anchor="t" anchorCtr="0" forceAA="0" compatLnSpc="1">
-            <a:prstTxWarp prst="textNoShape">
-              <a:avLst/>
-            </a:prstTxWarp>
-            <a:spAutoFit/>
-          </a:bodyPr>
-          <a:lstStyle/>
-          <a:p>
-            <a:pPr algn="l"/>
-            <a:r>
-              <a:rPr lang="en-GB" sz="4000" dirty="0">
-                <a:latin typeface="Arial"/>
-                <a:cs typeface="Arial"/>
-              </a:rPr>
-              <a:t>X</a:t>
-            </a:r>
-            <a:endParaRPr lang="en-GB" sz="4400" dirty="0">
-              <a:latin typeface="Arial"/>
-              <a:cs typeface="Arial"/>
-            </a:endParaRPr>
-          </a:p>
-        </p:txBody>
-      </p:sp>
-      <p:sp>
-        <p:nvSpPr>
-          <p:cNvPr id="21" name="TextBox 20">
-            <a:extLst>
-              <a:ext uri="{FF2B5EF4-FFF2-40B4-BE49-F238E27FC236}">
-                <a16:creationId xmlns:a16="http://schemas.microsoft.com/office/drawing/2014/main" id="{92091E4F-EC43-08E3-6828-C6A45FBBCFFF}"/>
-              </a:ext>
-            </a:extLst>
-          </p:cNvPr>
-          <p:cNvSpPr txBox="1"/>
-          <p:nvPr/>
-        </p:nvSpPr>
-        <p:spPr>
-          <a:xfrm>
-            <a:off x="10880200" y="4764909"/>
-            <a:ext cx="511215" cy="707886"/>
-          </a:xfrm>
-          <a:prstGeom prst="rect">
-            <a:avLst/>
-          </a:prstGeom>
-          <a:noFill/>
-        </p:spPr>
-        <p:txBody>
-          <a:bodyPr rot="0" spcFirstLastPara="0" vertOverflow="overflow" horzOverflow="overflow" vert="horz" wrap="square" lIns="91440" tIns="45720" rIns="91440" bIns="45720" numCol="1" spcCol="0" rtlCol="0" fromWordArt="0" anchor="t" anchorCtr="0" forceAA="0" compatLnSpc="1">
-            <a:prstTxWarp prst="textNoShape">
-              <a:avLst/>
-            </a:prstTxWarp>
-            <a:spAutoFit/>
-          </a:bodyPr>
-          <a:lstStyle/>
-          <a:p>
-            <a:pPr algn="l"/>
-            <a:r>
-              <a:rPr lang="en-GB" sz="4000" dirty="0">
-                <a:latin typeface="Arial"/>
-                <a:cs typeface="Arial"/>
-              </a:rPr>
-              <a:t>X</a:t>
-            </a:r>
-            <a:endParaRPr lang="en-GB" sz="4400" dirty="0">
-              <a:latin typeface="Arial"/>
-              <a:cs typeface="Arial"/>
-            </a:endParaRPr>
-          </a:p>
-        </p:txBody>
-      </p:sp>
-      <p:sp>
-        <p:nvSpPr>
-          <p:cNvPr id="22" name="TextBox 21">
-            <a:extLst>
-              <a:ext uri="{FF2B5EF4-FFF2-40B4-BE49-F238E27FC236}">
-                <a16:creationId xmlns:a16="http://schemas.microsoft.com/office/drawing/2014/main" id="{06983CBF-02FE-1936-B604-59FC5A24ECFF}"/>
-              </a:ext>
-            </a:extLst>
-          </p:cNvPr>
-          <p:cNvSpPr txBox="1"/>
-          <p:nvPr/>
-        </p:nvSpPr>
-        <p:spPr>
-          <a:xfrm>
-            <a:off x="4147592" y="3945035"/>
-            <a:ext cx="511215" cy="707886"/>
-          </a:xfrm>
-          <a:prstGeom prst="rect">
-            <a:avLst/>
-          </a:prstGeom>
-          <a:noFill/>
-        </p:spPr>
-        <p:txBody>
-          <a:bodyPr rot="0" spcFirstLastPara="0" vertOverflow="overflow" horzOverflow="overflow" vert="horz" wrap="square" lIns="91440" tIns="45720" rIns="91440" bIns="45720" numCol="1" spcCol="0" rtlCol="0" fromWordArt="0" anchor="t" anchorCtr="0" forceAA="0" compatLnSpc="1">
-            <a:prstTxWarp prst="textNoShape">
-              <a:avLst/>
-            </a:prstTxWarp>
-            <a:spAutoFit/>
-          </a:bodyPr>
-          <a:lstStyle/>
-          <a:p>
-            <a:pPr algn="l"/>
-            <a:r>
-              <a:rPr lang="en-GB" sz="4000" dirty="0">
-                <a:latin typeface="Arial"/>
-                <a:cs typeface="Arial"/>
-              </a:rPr>
-              <a:t>X</a:t>
-            </a:r>
-            <a:endParaRPr lang="en-GB" sz="4400" dirty="0">
-              <a:latin typeface="Arial"/>
-              <a:cs typeface="Arial"/>
-            </a:endParaRPr>
-          </a:p>
-        </p:txBody>
-      </p:sp>
-      <p:sp>
-        <p:nvSpPr>
-          <p:cNvPr id="23" name="TextBox 22">
-            <a:extLst>
-              <a:ext uri="{FF2B5EF4-FFF2-40B4-BE49-F238E27FC236}">
-                <a16:creationId xmlns:a16="http://schemas.microsoft.com/office/drawing/2014/main" id="{0E9AA9DA-ED4D-94F3-AC40-D0FBD476C025}"/>
-              </a:ext>
-            </a:extLst>
-          </p:cNvPr>
-          <p:cNvSpPr txBox="1"/>
-          <p:nvPr/>
-        </p:nvSpPr>
-        <p:spPr>
-          <a:xfrm>
-            <a:off x="7890073" y="3945035"/>
-            <a:ext cx="511215" cy="707886"/>
-          </a:xfrm>
-          <a:prstGeom prst="rect">
-            <a:avLst/>
-          </a:prstGeom>
-          <a:noFill/>
-        </p:spPr>
-        <p:txBody>
-          <a:bodyPr rot="0" spcFirstLastPara="0" vertOverflow="overflow" horzOverflow="overflow" vert="horz" wrap="square" lIns="91440" tIns="45720" rIns="91440" bIns="45720" numCol="1" spcCol="0" rtlCol="0" fromWordArt="0" anchor="t" anchorCtr="0" forceAA="0" compatLnSpc="1">
-            <a:prstTxWarp prst="textNoShape">
-              <a:avLst/>
-            </a:prstTxWarp>
-            <a:spAutoFit/>
-          </a:bodyPr>
-          <a:lstStyle/>
-          <a:p>
-            <a:pPr algn="l"/>
-            <a:r>
-              <a:rPr lang="en-GB" sz="4000" dirty="0">
-                <a:latin typeface="Arial"/>
-                <a:cs typeface="Arial"/>
-              </a:rPr>
-              <a:t>X</a:t>
-            </a:r>
-            <a:endParaRPr lang="en-GB" sz="4400" dirty="0">
-              <a:latin typeface="Arial"/>
-              <a:cs typeface="Arial"/>
-            </a:endParaRPr>
-          </a:p>
-        </p:txBody>
-      </p:sp>
-      <p:sp>
-        <p:nvSpPr>
-          <p:cNvPr id="24" name="TextBox 23">
-            <a:extLst>
-              <a:ext uri="{FF2B5EF4-FFF2-40B4-BE49-F238E27FC236}">
-                <a16:creationId xmlns:a16="http://schemas.microsoft.com/office/drawing/2014/main" id="{6FEBD727-531B-A642-5EE3-DB9BEFA66D4C}"/>
-              </a:ext>
-            </a:extLst>
-          </p:cNvPr>
-          <p:cNvSpPr txBox="1"/>
-          <p:nvPr/>
-        </p:nvSpPr>
-        <p:spPr>
-          <a:xfrm>
-            <a:off x="10880199" y="3945035"/>
-            <a:ext cx="511215" cy="707886"/>
-          </a:xfrm>
-          <a:prstGeom prst="rect">
-            <a:avLst/>
-          </a:prstGeom>
-          <a:noFill/>
-        </p:spPr>
-        <p:txBody>
-          <a:bodyPr rot="0" spcFirstLastPara="0" vertOverflow="overflow" horzOverflow="overflow" vert="horz" wrap="square" lIns="91440" tIns="45720" rIns="91440" bIns="45720" numCol="1" spcCol="0" rtlCol="0" fromWordArt="0" anchor="t" anchorCtr="0" forceAA="0" compatLnSpc="1">
-            <a:prstTxWarp prst="textNoShape">
-              <a:avLst/>
-            </a:prstTxWarp>
-            <a:spAutoFit/>
-          </a:bodyPr>
-          <a:lstStyle/>
-          <a:p>
-            <a:pPr algn="l"/>
-            <a:r>
-              <a:rPr lang="en-GB" sz="4000" dirty="0">
-                <a:latin typeface="Arial"/>
-                <a:cs typeface="Arial"/>
-              </a:rPr>
-              <a:t>X</a:t>
-            </a:r>
-            <a:endParaRPr lang="en-GB" sz="4400" dirty="0">
-              <a:latin typeface="Arial"/>
-              <a:cs typeface="Arial"/>
-            </a:endParaRPr>
-          </a:p>
-        </p:txBody>
-      </p:sp>
-      <p:sp>
-        <p:nvSpPr>
-          <p:cNvPr id="25" name="TextBox 24">
-            <a:extLst>
-              <a:ext uri="{FF2B5EF4-FFF2-40B4-BE49-F238E27FC236}">
-                <a16:creationId xmlns:a16="http://schemas.microsoft.com/office/drawing/2014/main" id="{F95C9599-A282-1268-36BB-4F413CB96FF3}"/>
-              </a:ext>
-            </a:extLst>
-          </p:cNvPr>
-          <p:cNvSpPr txBox="1"/>
-          <p:nvPr/>
-        </p:nvSpPr>
-        <p:spPr>
-          <a:xfrm>
-            <a:off x="3202326" y="4764908"/>
-            <a:ext cx="511215" cy="707886"/>
-          </a:xfrm>
-          <a:prstGeom prst="rect">
-            <a:avLst/>
-          </a:prstGeom>
-          <a:noFill/>
-        </p:spPr>
-        <p:txBody>
-          <a:bodyPr rot="0" spcFirstLastPara="0" vertOverflow="overflow" horzOverflow="overflow" vert="horz" wrap="square" lIns="91440" tIns="45720" rIns="91440" bIns="45720" numCol="1" spcCol="0" rtlCol="0" fromWordArt="0" anchor="t" anchorCtr="0" forceAA="0" compatLnSpc="1">
-            <a:prstTxWarp prst="textNoShape">
-              <a:avLst/>
-            </a:prstTxWarp>
-            <a:spAutoFit/>
-          </a:bodyPr>
-          <a:lstStyle/>
-          <a:p>
-            <a:pPr algn="l"/>
-            <a:r>
-              <a:rPr lang="en-GB" sz="4000" dirty="0">
-                <a:latin typeface="Arial"/>
-                <a:cs typeface="Arial"/>
-              </a:rPr>
-              <a:t>X</a:t>
-            </a:r>
-            <a:endParaRPr lang="en-GB" sz="4400" dirty="0">
-              <a:latin typeface="Arial"/>
-              <a:cs typeface="Arial"/>
-            </a:endParaRPr>
-          </a:p>
-        </p:txBody>
-      </p:sp>
+      </p:pic>
     </p:spTree>
     <p:extLst>
       <p:ext uri="{BB962C8B-B14F-4D97-AF65-F5344CB8AC3E}">
-        <p14:creationId xmlns:p14="http://schemas.microsoft.com/office/powerpoint/2010/main" val="3277961374"/>
+        <p14:creationId xmlns:p14="http://schemas.microsoft.com/office/powerpoint/2010/main" val="3021401086"/>
       </p:ext>
     </p:extLst>
   </p:cSld>
@@ -16076,6 +16300,110 @@
     <p:extLst>
       <p:ext uri="{BB962C8B-B14F-4D97-AF65-F5344CB8AC3E}">
         <p14:creationId xmlns:p14="http://schemas.microsoft.com/office/powerpoint/2010/main" val="2217916623"/>
+      </p:ext>
+    </p:extLst>
+  </p:cSld>
+  <p:clrMapOvr>
+    <a:masterClrMapping/>
+  </p:clrMapOvr>
+</p:sld>
+</file>
+
+<file path=ppt/slides/slide29.xml><?xml version="1.0" encoding="utf-8"?>
+<p:sld xmlns:a="http://schemas.openxmlformats.org/drawingml/2006/main" xmlns:r="http://schemas.openxmlformats.org/officeDocument/2006/relationships" xmlns:p="http://schemas.openxmlformats.org/presentationml/2006/main">
+  <p:cSld>
+    <p:spTree>
+      <p:nvGrpSpPr>
+        <p:cNvPr id="1" name=""/>
+        <p:cNvGrpSpPr/>
+        <p:nvPr/>
+      </p:nvGrpSpPr>
+      <p:grpSpPr>
+        <a:xfrm>
+          <a:off x="0" y="0"/>
+          <a:ext cx="0" cy="0"/>
+          <a:chOff x="0" y="0"/>
+          <a:chExt cx="0" cy="0"/>
+        </a:xfrm>
+      </p:grpSpPr>
+      <p:sp>
+        <p:nvSpPr>
+          <p:cNvPr id="2" name="Title 1">
+            <a:extLst>
+              <a:ext uri="{FF2B5EF4-FFF2-40B4-BE49-F238E27FC236}">
+                <a16:creationId xmlns:a16="http://schemas.microsoft.com/office/drawing/2014/main" id="{F2ADB7D5-EEEC-0537-4BCE-CF7AA846CB18}"/>
+              </a:ext>
+            </a:extLst>
+          </p:cNvPr>
+          <p:cNvSpPr>
+            <a:spLocks noGrp="1"/>
+          </p:cNvSpPr>
+          <p:nvPr>
+            <p:ph type="title"/>
+          </p:nvPr>
+        </p:nvSpPr>
+        <p:spPr/>
+        <p:txBody>
+          <a:bodyPr/>
+          <a:lstStyle/>
+          <a:p>
+            <a:r>
+              <a:rPr lang="de-DE" dirty="0"/>
+              <a:t>Aufgabe 5.2</a:t>
+            </a:r>
+          </a:p>
+        </p:txBody>
+      </p:sp>
+      <p:pic>
+        <p:nvPicPr>
+          <p:cNvPr id="11" name="Content Placeholder 10">
+            <a:extLst>
+              <a:ext uri="{FF2B5EF4-FFF2-40B4-BE49-F238E27FC236}">
+                <a16:creationId xmlns:a16="http://schemas.microsoft.com/office/drawing/2014/main" id="{6CC7C3B0-DA10-04E8-5188-1F4AAEEB9C26}"/>
+              </a:ext>
+            </a:extLst>
+          </p:cNvPr>
+          <p:cNvPicPr>
+            <a:picLocks noGrp="1" noChangeAspect="1"/>
+          </p:cNvPicPr>
+          <p:nvPr>
+            <p:ph idx="1"/>
+          </p:nvPr>
+        </p:nvPicPr>
+        <p:blipFill>
+          <a:blip r:embed="rId2">
+            <a:extLst>
+              <a:ext uri="{28A0092B-C50C-407E-A947-70E740481C1C}">
+                <a14:useLocalDpi xmlns:a14="http://schemas.microsoft.com/office/drawing/2010/main" val="0"/>
+              </a:ext>
+            </a:extLst>
+          </a:blip>
+          <a:stretch>
+            <a:fillRect/>
+          </a:stretch>
+        </p:blipFill>
+        <p:spPr bwMode="auto">
+          <a:xfrm>
+            <a:off x="2386515" y="1780738"/>
+            <a:ext cx="7426907" cy="4337924"/>
+          </a:xfrm>
+          <a:prstGeom prst="rect">
+            <a:avLst/>
+          </a:prstGeom>
+          <a:noFill/>
+          <a:ln w="9525">
+            <a:noFill/>
+            <a:miter lim="800000"/>
+            <a:headEnd/>
+            <a:tailEnd/>
+          </a:ln>
+          <a:effectLst/>
+        </p:spPr>
+      </p:pic>
+    </p:spTree>
+    <p:extLst>
+      <p:ext uri="{BB962C8B-B14F-4D97-AF65-F5344CB8AC3E}">
+        <p14:creationId xmlns:p14="http://schemas.microsoft.com/office/powerpoint/2010/main" val="509427068"/>
       </p:ext>
     </p:extLst>
   </p:cSld>
@@ -24566,6 +24894,15 @@
 </file>
 
 <file path=customXml/item1.xml><?xml version="1.0" encoding="utf-8"?>
+<?mso-contentType ?>
+<FormTemplates xmlns="http://schemas.microsoft.com/sharepoint/v3/contenttype/forms">
+  <Display>DocumentLibraryForm</Display>
+  <Edit>DocumentLibraryForm</Edit>
+  <New>DocumentLibraryForm</New>
+</FormTemplates>
+</file>
+
+<file path=customXml/item2.xml><?xml version="1.0" encoding="utf-8"?>
 <ct:contentTypeSchema xmlns:ct="http://schemas.microsoft.com/office/2006/metadata/contentType" xmlns:ma="http://schemas.microsoft.com/office/2006/metadata/properties/metaAttributes" ct:_="" ma:_="" ma:contentTypeName="Document" ma:contentTypeID="0x0101008799F1A435591F42BCDE2557FA51CDDA" ma:contentTypeVersion="15" ma:contentTypeDescription="Create a new document." ma:contentTypeScope="" ma:versionID="baa9c65a0a545f65583643df3cf8d9f4">
   <xsd:schema xmlns:xsd="http://www.w3.org/2001/XMLSchema" xmlns:xs="http://www.w3.org/2001/XMLSchema" xmlns:p="http://schemas.microsoft.com/office/2006/metadata/properties" xmlns:ns2="f957fcc5-14ca-4ecf-9842-9f00d595875c" xmlns:ns3="e08cfc56-8307-41e5-898e-b333c51beffa" targetNamespace="http://schemas.microsoft.com/office/2006/metadata/properties" ma:root="true" ma:fieldsID="015d39312a6521742bc57e13b2dae392" ns2:_="" ns3:_="">
     <xsd:import namespace="f957fcc5-14ca-4ecf-9842-9f00d595875c"/>
@@ -24802,15 +25139,6 @@
 </ct:contentTypeSchema>
 </file>
 
-<file path=customXml/item2.xml><?xml version="1.0" encoding="utf-8"?>
-<?mso-contentType ?>
-<FormTemplates xmlns="http://schemas.microsoft.com/sharepoint/v3/contenttype/forms">
-  <Display>DocumentLibraryForm</Display>
-  <Edit>DocumentLibraryForm</Edit>
-  <New>DocumentLibraryForm</New>
-</FormTemplates>
-</file>
-
 <file path=customXml/item3.xml><?xml version="1.0" encoding="utf-8"?>
 <p:properties xmlns:p="http://schemas.microsoft.com/office/2006/metadata/properties" xmlns:xsi="http://www.w3.org/2001/XMLSchema-instance" xmlns:pc="http://schemas.microsoft.com/office/infopath/2007/PartnerControls">
   <documentManagement>
@@ -24823,6 +25151,14 @@
 </file>
 
 <file path=customXml/itemProps1.xml><?xml version="1.0" encoding="utf-8"?>
+<ds:datastoreItem xmlns:ds="http://schemas.openxmlformats.org/officeDocument/2006/customXml" ds:itemID="{AC48F4C2-72FB-464C-8474-E470A160399A}">
+  <ds:schemaRefs>
+    <ds:schemaRef ds:uri="http://schemas.microsoft.com/sharepoint/v3/contenttype/forms"/>
+  </ds:schemaRefs>
+</ds:datastoreItem>
+</file>
+
+<file path=customXml/itemProps2.xml><?xml version="1.0" encoding="utf-8"?>
 <ds:datastoreItem xmlns:ds="http://schemas.openxmlformats.org/officeDocument/2006/customXml" ds:itemID="{96F35E4A-19A6-42ED-B9B2-B9FDCAD1EAA1}">
   <ds:schemaRefs>
     <ds:schemaRef ds:uri="e08cfc56-8307-41e5-898e-b333c51beffa"/>
@@ -24837,14 +25173,6 @@
     <ds:schemaRef ds:uri="http://schemas.microsoft.com/office/infopath/2007/PartnerControls"/>
     <ds:schemaRef ds:uri="http://schemas.openxmlformats.org/package/2006/metadata/core-properties"/>
     <ds:schemaRef ds:uri="http://www.w3.org/2001/XMLSchema"/>
-  </ds:schemaRefs>
-</ds:datastoreItem>
-</file>
-
-<file path=customXml/itemProps2.xml><?xml version="1.0" encoding="utf-8"?>
-<ds:datastoreItem xmlns:ds="http://schemas.openxmlformats.org/officeDocument/2006/customXml" ds:itemID="{AC48F4C2-72FB-464C-8474-E470A160399A}">
-  <ds:schemaRefs>
-    <ds:schemaRef ds:uri="http://schemas.microsoft.com/sharepoint/v3/contenttype/forms"/>
   </ds:schemaRefs>
 </ds:datastoreItem>
 </file>

--- a/Probeklausur.pptx
+++ b/Probeklausur.pptx
@@ -5,10 +5,10 @@
     <p:sldMasterId id="2147483649" r:id="rId4"/>
   </p:sldMasterIdLst>
   <p:notesMasterIdLst>
-    <p:notesMasterId r:id="rId34"/>
+    <p:notesMasterId r:id="rId35"/>
   </p:notesMasterIdLst>
   <p:handoutMasterIdLst>
-    <p:handoutMasterId r:id="rId35"/>
+    <p:handoutMasterId r:id="rId36"/>
   </p:handoutMasterIdLst>
   <p:sldIdLst>
     <p:sldId id="1041" r:id="rId5"/>
@@ -40,6 +40,7 @@
     <p:sldId id="1061" r:id="rId31"/>
     <p:sldId id="1062" r:id="rId32"/>
     <p:sldId id="1072" r:id="rId33"/>
+    <p:sldId id="1073" r:id="rId34"/>
   </p:sldIdLst>
   <p:sldSz cx="12192000" cy="6858000"/>
   <p:notesSz cx="6858000" cy="9144000"/>
@@ -202,6 +203,7 @@
             <p14:sldId id="1061"/>
             <p14:sldId id="1062"/>
             <p14:sldId id="1072"/>
+            <p14:sldId id="1073"/>
           </p14:sldIdLst>
         </p14:section>
         <p14:section name="Standardabschnitt" id="{43259912-C5ED-4E84-8ACD-EEBCC30AE9A6}">
@@ -248,10 +250,12 @@
 <p1510:revInfo xmlns:a="http://schemas.openxmlformats.org/drawingml/2006/main" xmlns:r="http://schemas.openxmlformats.org/officeDocument/2006/relationships" xmlns:p1510="http://schemas.microsoft.com/office/powerpoint/2015/10/main">
   <p1510:revLst>
     <p1510:client id="{05E68480-3B10-9DDC-13A3-804E098ECB4E}" v="367" dt="2026-02-09T11:24:37.240"/>
+    <p1510:client id="{2579337A-4FA7-A840-84D1-96548F8A9632}" v="68" dt="2026-02-10T09:09:48.344"/>
     <p1510:client id="{4C0DE733-53BE-F9E9-255C-E232D43849EE}" v="166" dt="2026-02-09T12:09:28.159"/>
     <p1510:client id="{CDEA013C-0C4C-7CC9-3073-C215768A4D35}" v="422" dt="2026-02-08T21:59:01.042"/>
     <p1510:client id="{CF275D93-1AF9-5CD7-90BA-CB7126BBAC7F}" v="1388" dt="2026-02-09T11:07:37.102"/>
     <p1510:client id="{D9D7A87D-DE7C-D9BF-B02E-6FFACE30470C}" v="1" dt="2026-02-08T22:04:55.165"/>
+    <p1510:client id="{E456898E-0D6D-61B1-C654-26B7480EF30F}" v="153" dt="2026-02-10T09:25:30.732"/>
   </p1510:revLst>
 </p1510:revInfo>
 </file>
@@ -1047,7 +1051,7 @@
             <a:fld id="{30B1EE28-4F67-4416-A18C-74FB63371EF5}" type="datetime1">
               <a:rPr lang="de-DE"/>
               <a:pPr/>
-              <a:t>09.02.2026</a:t>
+              <a:t>10.02.2026</a:t>
             </a:fld>
             <a:r>
               <a:rPr lang="de-DE"/>
@@ -4154,7 +4158,7 @@
           <a:lstStyle/>
           <a:p>
             <a:r>
-              <a:rPr lang="de-DE" dirty="0"/>
+              <a:rPr lang="de-DE"/>
               <a:t>11.02.2026, Prof. Dr. Oliver Bringmann</a:t>
             </a:r>
           </a:p>
@@ -4181,7 +4185,7 @@
           <a:lstStyle/>
           <a:p>
             <a:r>
-              <a:rPr lang="de-DE" dirty="0"/>
+              <a:rPr lang="de-DE"/>
               <a:t>Probeklausur</a:t>
             </a:r>
           </a:p>
@@ -4216,11 +4220,11 @@
               </a:spcBef>
             </a:pPr>
             <a:r>
-              <a:rPr lang="en-US" dirty="0"/>
+              <a:rPr lang="en-US"/>
               <a:t>T</a:t>
             </a:r>
             <a:r>
-              <a:rPr lang="de-DE" dirty="0"/>
+              <a:rPr lang="de-DE"/>
               <a:t>echnische Informatik 1</a:t>
             </a:r>
           </a:p>
@@ -4507,7 +4511,7 @@
           <a:lstStyle/>
           <a:p>
             <a:r>
-              <a:rPr lang="de-DE" dirty="0"/>
+              <a:rPr lang="de-DE"/>
               <a:t>Aufgabe 3.1</a:t>
             </a:r>
           </a:p>
@@ -4538,7 +4542,7 @@
               <a:buNone/>
             </a:pPr>
             <a:r>
-              <a:rPr lang="en-GB" dirty="0">
+              <a:rPr lang="en-GB">
                 <a:cs typeface="Arial"/>
               </a:rPr>
               <a:t>b)</a:t>
@@ -4831,6 +4835,240 @@
   <p:clrMapOvr>
     <a:masterClrMapping/>
   </p:clrMapOvr>
+  <p:timing>
+    <p:tnLst>
+      <p:par>
+        <p:cTn id="1" dur="indefinite" restart="never" nodeType="tmRoot">
+          <p:childTnLst>
+            <p:seq concurrent="1" nextAc="seek">
+              <p:cTn id="2" dur="indefinite" nodeType="mainSeq">
+                <p:childTnLst>
+                  <p:par>
+                    <p:cTn id="3" fill="hold">
+                      <p:stCondLst>
+                        <p:cond delay="indefinite"/>
+                      </p:stCondLst>
+                      <p:childTnLst>
+                        <p:par>
+                          <p:cTn id="4" fill="hold">
+                            <p:stCondLst>
+                              <p:cond delay="0"/>
+                            </p:stCondLst>
+                            <p:childTnLst>
+                              <p:par>
+                                <p:cTn id="5" presetID="1" presetClass="entr" presetSubtype="0" fill="hold" nodeType="clickEffect">
+                                  <p:stCondLst>
+                                    <p:cond delay="0"/>
+                                  </p:stCondLst>
+                                  <p:childTnLst>
+                                    <p:set>
+                                      <p:cBhvr>
+                                        <p:cTn id="6" dur="1" fill="hold">
+                                          <p:stCondLst>
+                                            <p:cond delay="0"/>
+                                          </p:stCondLst>
+                                        </p:cTn>
+                                        <p:tgtEl>
+                                          <p:spTgt spid="6"/>
+                                        </p:tgtEl>
+                                        <p:attrNameLst>
+                                          <p:attrName>style.visibility</p:attrName>
+                                        </p:attrNameLst>
+                                      </p:cBhvr>
+                                      <p:to>
+                                        <p:strVal val="visible"/>
+                                      </p:to>
+                                    </p:set>
+                                  </p:childTnLst>
+                                </p:cTn>
+                              </p:par>
+                              <p:par>
+                                <p:cTn id="7" presetID="1" presetClass="entr" presetSubtype="0" fill="hold" grpId="0" nodeType="withEffect">
+                                  <p:stCondLst>
+                                    <p:cond delay="0"/>
+                                  </p:stCondLst>
+                                  <p:childTnLst>
+                                    <p:set>
+                                      <p:cBhvr>
+                                        <p:cTn id="8" dur="1" fill="hold">
+                                          <p:stCondLst>
+                                            <p:cond delay="0"/>
+                                          </p:stCondLst>
+                                        </p:cTn>
+                                        <p:tgtEl>
+                                          <p:spTgt spid="10"/>
+                                        </p:tgtEl>
+                                        <p:attrNameLst>
+                                          <p:attrName>style.visibility</p:attrName>
+                                        </p:attrNameLst>
+                                      </p:cBhvr>
+                                      <p:to>
+                                        <p:strVal val="visible"/>
+                                      </p:to>
+                                    </p:set>
+                                  </p:childTnLst>
+                                </p:cTn>
+                              </p:par>
+                              <p:par>
+                                <p:cTn id="9" presetID="1" presetClass="entr" presetSubtype="0" fill="hold" grpId="0" nodeType="withEffect">
+                                  <p:stCondLst>
+                                    <p:cond delay="0"/>
+                                  </p:stCondLst>
+                                  <p:childTnLst>
+                                    <p:set>
+                                      <p:cBhvr>
+                                        <p:cTn id="10" dur="1" fill="hold">
+                                          <p:stCondLst>
+                                            <p:cond delay="0"/>
+                                          </p:stCondLst>
+                                        </p:cTn>
+                                        <p:tgtEl>
+                                          <p:spTgt spid="12"/>
+                                        </p:tgtEl>
+                                        <p:attrNameLst>
+                                          <p:attrName>style.visibility</p:attrName>
+                                        </p:attrNameLst>
+                                      </p:cBhvr>
+                                      <p:to>
+                                        <p:strVal val="visible"/>
+                                      </p:to>
+                                    </p:set>
+                                  </p:childTnLst>
+                                </p:cTn>
+                              </p:par>
+                              <p:par>
+                                <p:cTn id="11" presetID="1" presetClass="entr" presetSubtype="0" fill="hold" grpId="0" nodeType="withEffect">
+                                  <p:stCondLst>
+                                    <p:cond delay="0"/>
+                                  </p:stCondLst>
+                                  <p:childTnLst>
+                                    <p:set>
+                                      <p:cBhvr>
+                                        <p:cTn id="12" dur="1" fill="hold">
+                                          <p:stCondLst>
+                                            <p:cond delay="0"/>
+                                          </p:stCondLst>
+                                        </p:cTn>
+                                        <p:tgtEl>
+                                          <p:spTgt spid="16"/>
+                                        </p:tgtEl>
+                                        <p:attrNameLst>
+                                          <p:attrName>style.visibility</p:attrName>
+                                        </p:attrNameLst>
+                                      </p:cBhvr>
+                                      <p:to>
+                                        <p:strVal val="visible"/>
+                                      </p:to>
+                                    </p:set>
+                                  </p:childTnLst>
+                                </p:cTn>
+                              </p:par>
+                              <p:par>
+                                <p:cTn id="13" presetID="1" presetClass="entr" presetSubtype="0" fill="hold" grpId="0" nodeType="withEffect">
+                                  <p:stCondLst>
+                                    <p:cond delay="0"/>
+                                  </p:stCondLst>
+                                  <p:childTnLst>
+                                    <p:set>
+                                      <p:cBhvr>
+                                        <p:cTn id="14" dur="1" fill="hold">
+                                          <p:stCondLst>
+                                            <p:cond delay="0"/>
+                                          </p:stCondLst>
+                                        </p:cTn>
+                                        <p:tgtEl>
+                                          <p:spTgt spid="18"/>
+                                        </p:tgtEl>
+                                        <p:attrNameLst>
+                                          <p:attrName>style.visibility</p:attrName>
+                                        </p:attrNameLst>
+                                      </p:cBhvr>
+                                      <p:to>
+                                        <p:strVal val="visible"/>
+                                      </p:to>
+                                    </p:set>
+                                  </p:childTnLst>
+                                </p:cTn>
+                              </p:par>
+                            </p:childTnLst>
+                          </p:cTn>
+                        </p:par>
+                      </p:childTnLst>
+                    </p:cTn>
+                  </p:par>
+                  <p:par>
+                    <p:cTn id="15" fill="hold">
+                      <p:stCondLst>
+                        <p:cond delay="indefinite"/>
+                      </p:stCondLst>
+                      <p:childTnLst>
+                        <p:par>
+                          <p:cTn id="16" fill="hold">
+                            <p:stCondLst>
+                              <p:cond delay="0"/>
+                            </p:stCondLst>
+                            <p:childTnLst>
+                              <p:par>
+                                <p:cTn id="17" presetID="1" presetClass="entr" presetSubtype="0" fill="hold" nodeType="clickEffect">
+                                  <p:stCondLst>
+                                    <p:cond delay="0"/>
+                                  </p:stCondLst>
+                                  <p:childTnLst>
+                                    <p:set>
+                                      <p:cBhvr>
+                                        <p:cTn id="18" dur="1" fill="hold">
+                                          <p:stCondLst>
+                                            <p:cond delay="0"/>
+                                          </p:stCondLst>
+                                        </p:cTn>
+                                        <p:tgtEl>
+                                          <p:spTgt spid="22"/>
+                                        </p:tgtEl>
+                                        <p:attrNameLst>
+                                          <p:attrName>style.visibility</p:attrName>
+                                        </p:attrNameLst>
+                                      </p:cBhvr>
+                                      <p:to>
+                                        <p:strVal val="visible"/>
+                                      </p:to>
+                                    </p:set>
+                                  </p:childTnLst>
+                                </p:cTn>
+                              </p:par>
+                            </p:childTnLst>
+                          </p:cTn>
+                        </p:par>
+                      </p:childTnLst>
+                    </p:cTn>
+                  </p:par>
+                </p:childTnLst>
+              </p:cTn>
+              <p:prevCondLst>
+                <p:cond evt="onPrev" delay="0">
+                  <p:tgtEl>
+                    <p:sldTgt/>
+                  </p:tgtEl>
+                </p:cond>
+              </p:prevCondLst>
+              <p:nextCondLst>
+                <p:cond evt="onNext" delay="0">
+                  <p:tgtEl>
+                    <p:sldTgt/>
+                  </p:tgtEl>
+                </p:cond>
+              </p:nextCondLst>
+            </p:seq>
+          </p:childTnLst>
+        </p:cTn>
+      </p:par>
+    </p:tnLst>
+    <p:bldLst>
+      <p:bldP spid="10" grpId="0" animBg="1"/>
+      <p:bldP spid="12" grpId="0" animBg="1"/>
+      <p:bldP spid="16" grpId="0" animBg="1"/>
+      <p:bldP spid="18" grpId="0" animBg="1"/>
+    </p:bldLst>
+  </p:timing>
 </p:sld>
 </file>
 
@@ -4909,7 +5147,7 @@
           <a:lstStyle/>
           <a:p>
             <a:r>
-              <a:rPr lang="de-DE" dirty="0"/>
+              <a:rPr lang="de-DE"/>
               <a:t>Aufgabe 3.1</a:t>
             </a:r>
           </a:p>
@@ -4940,7 +5178,7 @@
               <a:buNone/>
             </a:pPr>
             <a:r>
-              <a:rPr lang="en-GB" dirty="0">
+              <a:rPr lang="en-GB">
                 <a:cs typeface="Arial"/>
               </a:rPr>
               <a:t>b)</a:t>
@@ -5187,6 +5425,240 @@
   <p:clrMapOvr>
     <a:masterClrMapping/>
   </p:clrMapOvr>
+  <p:timing>
+    <p:tnLst>
+      <p:par>
+        <p:cTn id="1" dur="indefinite" restart="never" nodeType="tmRoot">
+          <p:childTnLst>
+            <p:seq concurrent="1" nextAc="seek">
+              <p:cTn id="2" dur="indefinite" nodeType="mainSeq">
+                <p:childTnLst>
+                  <p:par>
+                    <p:cTn id="3" fill="hold">
+                      <p:stCondLst>
+                        <p:cond delay="indefinite"/>
+                      </p:stCondLst>
+                      <p:childTnLst>
+                        <p:par>
+                          <p:cTn id="4" fill="hold">
+                            <p:stCondLst>
+                              <p:cond delay="0"/>
+                            </p:stCondLst>
+                            <p:childTnLst>
+                              <p:par>
+                                <p:cTn id="5" presetID="1" presetClass="entr" presetSubtype="0" fill="hold" nodeType="clickEffect">
+                                  <p:stCondLst>
+                                    <p:cond delay="0"/>
+                                  </p:stCondLst>
+                                  <p:childTnLst>
+                                    <p:set>
+                                      <p:cBhvr>
+                                        <p:cTn id="6" dur="1" fill="hold">
+                                          <p:stCondLst>
+                                            <p:cond delay="0"/>
+                                          </p:stCondLst>
+                                        </p:cTn>
+                                        <p:tgtEl>
+                                          <p:spTgt spid="3"/>
+                                        </p:tgtEl>
+                                        <p:attrNameLst>
+                                          <p:attrName>style.visibility</p:attrName>
+                                        </p:attrNameLst>
+                                      </p:cBhvr>
+                                      <p:to>
+                                        <p:strVal val="visible"/>
+                                      </p:to>
+                                    </p:set>
+                                  </p:childTnLst>
+                                </p:cTn>
+                              </p:par>
+                              <p:par>
+                                <p:cTn id="7" presetID="1" presetClass="entr" presetSubtype="0" fill="hold" grpId="0" nodeType="withEffect">
+                                  <p:stCondLst>
+                                    <p:cond delay="0"/>
+                                  </p:stCondLst>
+                                  <p:childTnLst>
+                                    <p:set>
+                                      <p:cBhvr>
+                                        <p:cTn id="8" dur="1" fill="hold">
+                                          <p:stCondLst>
+                                            <p:cond delay="0"/>
+                                          </p:stCondLst>
+                                        </p:cTn>
+                                        <p:tgtEl>
+                                          <p:spTgt spid="11"/>
+                                        </p:tgtEl>
+                                        <p:attrNameLst>
+                                          <p:attrName>style.visibility</p:attrName>
+                                        </p:attrNameLst>
+                                      </p:cBhvr>
+                                      <p:to>
+                                        <p:strVal val="visible"/>
+                                      </p:to>
+                                    </p:set>
+                                  </p:childTnLst>
+                                </p:cTn>
+                              </p:par>
+                              <p:par>
+                                <p:cTn id="9" presetID="1" presetClass="entr" presetSubtype="0" fill="hold" grpId="0" nodeType="withEffect">
+                                  <p:stCondLst>
+                                    <p:cond delay="0"/>
+                                  </p:stCondLst>
+                                  <p:childTnLst>
+                                    <p:set>
+                                      <p:cBhvr>
+                                        <p:cTn id="10" dur="1" fill="hold">
+                                          <p:stCondLst>
+                                            <p:cond delay="0"/>
+                                          </p:stCondLst>
+                                        </p:cTn>
+                                        <p:tgtEl>
+                                          <p:spTgt spid="12"/>
+                                        </p:tgtEl>
+                                        <p:attrNameLst>
+                                          <p:attrName>style.visibility</p:attrName>
+                                        </p:attrNameLst>
+                                      </p:cBhvr>
+                                      <p:to>
+                                        <p:strVal val="visible"/>
+                                      </p:to>
+                                    </p:set>
+                                  </p:childTnLst>
+                                </p:cTn>
+                              </p:par>
+                              <p:par>
+                                <p:cTn id="11" presetID="1" presetClass="entr" presetSubtype="0" fill="hold" grpId="0" nodeType="withEffect">
+                                  <p:stCondLst>
+                                    <p:cond delay="0"/>
+                                  </p:stCondLst>
+                                  <p:childTnLst>
+                                    <p:set>
+                                      <p:cBhvr>
+                                        <p:cTn id="12" dur="1" fill="hold">
+                                          <p:stCondLst>
+                                            <p:cond delay="0"/>
+                                          </p:stCondLst>
+                                        </p:cTn>
+                                        <p:tgtEl>
+                                          <p:spTgt spid="18"/>
+                                        </p:tgtEl>
+                                        <p:attrNameLst>
+                                          <p:attrName>style.visibility</p:attrName>
+                                        </p:attrNameLst>
+                                      </p:cBhvr>
+                                      <p:to>
+                                        <p:strVal val="visible"/>
+                                      </p:to>
+                                    </p:set>
+                                  </p:childTnLst>
+                                </p:cTn>
+                              </p:par>
+                              <p:par>
+                                <p:cTn id="13" presetID="1" presetClass="entr" presetSubtype="0" fill="hold" grpId="0" nodeType="withEffect">
+                                  <p:stCondLst>
+                                    <p:cond delay="0"/>
+                                  </p:stCondLst>
+                                  <p:childTnLst>
+                                    <p:set>
+                                      <p:cBhvr>
+                                        <p:cTn id="14" dur="1" fill="hold">
+                                          <p:stCondLst>
+                                            <p:cond delay="0"/>
+                                          </p:stCondLst>
+                                        </p:cTn>
+                                        <p:tgtEl>
+                                          <p:spTgt spid="14"/>
+                                        </p:tgtEl>
+                                        <p:attrNameLst>
+                                          <p:attrName>style.visibility</p:attrName>
+                                        </p:attrNameLst>
+                                      </p:cBhvr>
+                                      <p:to>
+                                        <p:strVal val="visible"/>
+                                      </p:to>
+                                    </p:set>
+                                  </p:childTnLst>
+                                </p:cTn>
+                              </p:par>
+                            </p:childTnLst>
+                          </p:cTn>
+                        </p:par>
+                      </p:childTnLst>
+                    </p:cTn>
+                  </p:par>
+                  <p:par>
+                    <p:cTn id="15" fill="hold">
+                      <p:stCondLst>
+                        <p:cond delay="indefinite"/>
+                      </p:stCondLst>
+                      <p:childTnLst>
+                        <p:par>
+                          <p:cTn id="16" fill="hold">
+                            <p:stCondLst>
+                              <p:cond delay="0"/>
+                            </p:stCondLst>
+                            <p:childTnLst>
+                              <p:par>
+                                <p:cTn id="17" presetID="1" presetClass="entr" presetSubtype="0" fill="hold" nodeType="clickEffect">
+                                  <p:stCondLst>
+                                    <p:cond delay="0"/>
+                                  </p:stCondLst>
+                                  <p:childTnLst>
+                                    <p:set>
+                                      <p:cBhvr>
+                                        <p:cTn id="18" dur="1" fill="hold">
+                                          <p:stCondLst>
+                                            <p:cond delay="0"/>
+                                          </p:stCondLst>
+                                        </p:cTn>
+                                        <p:tgtEl>
+                                          <p:spTgt spid="7"/>
+                                        </p:tgtEl>
+                                        <p:attrNameLst>
+                                          <p:attrName>style.visibility</p:attrName>
+                                        </p:attrNameLst>
+                                      </p:cBhvr>
+                                      <p:to>
+                                        <p:strVal val="visible"/>
+                                      </p:to>
+                                    </p:set>
+                                  </p:childTnLst>
+                                </p:cTn>
+                              </p:par>
+                            </p:childTnLst>
+                          </p:cTn>
+                        </p:par>
+                      </p:childTnLst>
+                    </p:cTn>
+                  </p:par>
+                </p:childTnLst>
+              </p:cTn>
+              <p:prevCondLst>
+                <p:cond evt="onPrev" delay="0">
+                  <p:tgtEl>
+                    <p:sldTgt/>
+                  </p:tgtEl>
+                </p:cond>
+              </p:prevCondLst>
+              <p:nextCondLst>
+                <p:cond evt="onNext" delay="0">
+                  <p:tgtEl>
+                    <p:sldTgt/>
+                  </p:tgtEl>
+                </p:cond>
+              </p:nextCondLst>
+            </p:seq>
+          </p:childTnLst>
+        </p:cTn>
+      </p:par>
+    </p:tnLst>
+    <p:bldLst>
+      <p:bldP spid="12" grpId="0" animBg="1"/>
+      <p:bldP spid="18" grpId="0" animBg="1"/>
+      <p:bldP spid="14" grpId="0" animBg="1"/>
+      <p:bldP spid="11" grpId="0" animBg="1"/>
+    </p:bldLst>
+  </p:timing>
 </p:sld>
 </file>
 
@@ -5235,7 +5707,7 @@
           <a:lstStyle/>
           <a:p>
             <a:r>
-              <a:rPr lang="de-DE" dirty="0"/>
+              <a:rPr lang="de-DE"/>
               <a:t>Aufgabe 3.2</a:t>
             </a:r>
           </a:p>
@@ -5266,7 +5738,7 @@
               <a:buNone/>
             </a:pPr>
             <a:r>
-              <a:rPr lang="en-GB" dirty="0">
+              <a:rPr lang="en-GB">
                 <a:cs typeface="Arial"/>
               </a:rPr>
               <a:t>a)</a:t>
@@ -5420,7 +5892,7 @@
           <a:lstStyle/>
           <a:p>
             <a:r>
-              <a:rPr lang="de-DE" dirty="0"/>
+              <a:rPr lang="de-DE"/>
               <a:t>Aufgabe 3.2</a:t>
             </a:r>
           </a:p>
@@ -5451,7 +5923,7 @@
               <a:buNone/>
             </a:pPr>
             <a:r>
-              <a:rPr lang="en-GB" dirty="0">
+              <a:rPr lang="en-GB">
                 <a:cs typeface="Arial"/>
               </a:rPr>
               <a:t>b)</a:t>
@@ -5815,7 +6287,7 @@
               <a:buNone/>
             </a:pPr>
             <a:r>
-              <a:rPr lang="en-GB" kern="0" dirty="0">
+              <a:rPr lang="en-GB" kern="0">
                 <a:cs typeface="Arial"/>
               </a:rPr>
               <a:t>a)</a:t>
@@ -5825,7 +6297,7 @@
             <a:pPr marL="0" indent="0">
               <a:buNone/>
             </a:pPr>
-            <a:endParaRPr lang="en-GB" kern="0" dirty="0">
+            <a:endParaRPr lang="en-GB" kern="0">
               <a:cs typeface="Arial"/>
             </a:endParaRPr>
           </a:p>
@@ -5833,7 +6305,7 @@
             <a:pPr marL="0" indent="0">
               <a:buNone/>
             </a:pPr>
-            <a:endParaRPr lang="en-GB" kern="0" dirty="0">
+            <a:endParaRPr lang="en-GB" kern="0">
               <a:cs typeface="Arial"/>
             </a:endParaRPr>
           </a:p>
@@ -5841,7 +6313,7 @@
             <a:pPr marL="0" indent="0">
               <a:buNone/>
             </a:pPr>
-            <a:endParaRPr lang="en-GB" kern="0" dirty="0">
+            <a:endParaRPr lang="en-GB" kern="0">
               <a:cs typeface="Arial"/>
             </a:endParaRPr>
           </a:p>
@@ -5849,7 +6321,7 @@
             <a:pPr marL="0" indent="0">
               <a:buNone/>
             </a:pPr>
-            <a:endParaRPr lang="en-GB" kern="0" dirty="0">
+            <a:endParaRPr lang="en-GB" kern="0">
               <a:cs typeface="Arial"/>
             </a:endParaRPr>
           </a:p>
@@ -5857,7 +6329,7 @@
             <a:pPr marL="0" indent="0">
               <a:buNone/>
             </a:pPr>
-            <a:endParaRPr lang="en-GB" kern="0" dirty="0">
+            <a:endParaRPr lang="en-GB" kern="0">
               <a:cs typeface="Arial"/>
             </a:endParaRPr>
           </a:p>
@@ -5865,7 +6337,7 @@
             <a:pPr marL="0" indent="0">
               <a:buNone/>
             </a:pPr>
-            <a:endParaRPr lang="en-GB" kern="0" dirty="0">
+            <a:endParaRPr lang="en-GB" kern="0">
               <a:cs typeface="Arial"/>
             </a:endParaRPr>
           </a:p>
@@ -5874,187 +6346,187 @@
               <a:buNone/>
             </a:pPr>
             <a:r>
-              <a:rPr lang="en-GB" kern="0" dirty="0">
+              <a:rPr lang="en-GB" kern="0">
                 <a:cs typeface="Arial"/>
               </a:rPr>
               <a:t>b) Der </a:t>
             </a:r>
             <a:r>
-              <a:rPr lang="en-GB" kern="0" dirty="0" err="1">
+              <a:rPr lang="en-GB" kern="0" err="1">
                 <a:cs typeface="Arial"/>
               </a:rPr>
               <a:t>nächste</a:t>
             </a:r>
             <a:r>
-              <a:rPr lang="en-GB" kern="0" dirty="0">
+              <a:rPr lang="en-GB" kern="0">
                 <a:cs typeface="Arial"/>
               </a:rPr>
               <a:t> </a:t>
             </a:r>
             <a:r>
-              <a:rPr lang="en-GB" kern="0" dirty="0" err="1">
+              <a:rPr lang="en-GB" kern="0" err="1">
                 <a:cs typeface="Arial"/>
               </a:rPr>
               <a:t>Zustand</a:t>
             </a:r>
             <a:r>
-              <a:rPr lang="en-GB" kern="0" dirty="0">
+              <a:rPr lang="en-GB" kern="0">
                 <a:cs typeface="Arial"/>
               </a:rPr>
               <a:t> </a:t>
             </a:r>
             <a:r>
-              <a:rPr lang="en-GB" kern="0" dirty="0" err="1">
+              <a:rPr lang="en-GB" kern="0" err="1">
                 <a:cs typeface="Arial"/>
               </a:rPr>
               <a:t>ist</a:t>
             </a:r>
             <a:r>
-              <a:rPr lang="en-GB" kern="0" dirty="0">
+              <a:rPr lang="en-GB" kern="0">
                 <a:cs typeface="Arial"/>
               </a:rPr>
               <a:t> immer </a:t>
             </a:r>
             <a:r>
-              <a:rPr lang="en-GB" kern="0" dirty="0" err="1">
+              <a:rPr lang="en-GB" kern="0" err="1">
                 <a:cs typeface="Arial"/>
               </a:rPr>
               <a:t>nur</a:t>
             </a:r>
             <a:r>
-              <a:rPr lang="en-GB" kern="0" dirty="0">
+              <a:rPr lang="en-GB" kern="0">
                 <a:cs typeface="Arial"/>
               </a:rPr>
               <a:t> </a:t>
             </a:r>
             <a:r>
-              <a:rPr lang="en-GB" kern="0" dirty="0" err="1">
+              <a:rPr lang="en-GB" kern="0" err="1">
                 <a:cs typeface="Arial"/>
               </a:rPr>
               <a:t>vom</a:t>
             </a:r>
             <a:r>
-              <a:rPr lang="en-GB" kern="0" dirty="0">
+              <a:rPr lang="en-GB" kern="0">
                 <a:cs typeface="Arial"/>
               </a:rPr>
               <a:t> </a:t>
             </a:r>
             <a:r>
-              <a:rPr lang="en-GB" kern="0" dirty="0" err="1">
+              <a:rPr lang="en-GB" kern="0" err="1">
                 <a:cs typeface="Arial"/>
               </a:rPr>
               <a:t>aktuellen</a:t>
             </a:r>
             <a:r>
-              <a:rPr lang="en-GB" kern="0" dirty="0">
+              <a:rPr lang="en-GB" kern="0">
                 <a:cs typeface="Arial"/>
               </a:rPr>
               <a:t> </a:t>
             </a:r>
             <a:r>
-              <a:rPr lang="en-GB" kern="0" dirty="0" err="1">
+              <a:rPr lang="en-GB" kern="0" err="1">
                 <a:cs typeface="Arial"/>
               </a:rPr>
               <a:t>Zustand</a:t>
             </a:r>
             <a:r>
-              <a:rPr lang="en-GB" kern="0" dirty="0">
+              <a:rPr lang="en-GB" kern="0">
                 <a:cs typeface="Arial"/>
               </a:rPr>
               <a:t> </a:t>
             </a:r>
             <a:r>
-              <a:rPr lang="en-GB" kern="0" dirty="0" err="1">
+              <a:rPr lang="en-GB" kern="0" err="1">
                 <a:cs typeface="Arial"/>
               </a:rPr>
               <a:t>abhängig</a:t>
             </a:r>
             <a:r>
-              <a:rPr lang="en-GB" kern="0" dirty="0">
+              <a:rPr lang="en-GB" kern="0">
                 <a:cs typeface="Arial"/>
               </a:rPr>
               <a:t>, es </a:t>
             </a:r>
             <a:r>
-              <a:rPr lang="en-GB" kern="0" dirty="0" err="1">
+              <a:rPr lang="en-GB" kern="0" err="1">
                 <a:cs typeface="Arial"/>
               </a:rPr>
               <a:t>gibt</a:t>
             </a:r>
             <a:r>
-              <a:rPr lang="en-GB" kern="0" dirty="0">
+              <a:rPr lang="en-GB" kern="0">
                 <a:cs typeface="Arial"/>
               </a:rPr>
               <a:t> </a:t>
             </a:r>
             <a:r>
-              <a:rPr lang="en-GB" kern="0" dirty="0" err="1">
+              <a:rPr lang="en-GB" kern="0" err="1">
                 <a:cs typeface="Arial"/>
               </a:rPr>
               <a:t>keine</a:t>
             </a:r>
             <a:r>
-              <a:rPr lang="en-GB" kern="0" dirty="0">
+              <a:rPr lang="en-GB" kern="0">
                 <a:cs typeface="Arial"/>
               </a:rPr>
               <a:t> </a:t>
             </a:r>
             <a:r>
-              <a:rPr lang="en-GB" kern="0" dirty="0" err="1">
+              <a:rPr lang="en-GB" kern="0" err="1">
                 <a:cs typeface="Arial"/>
               </a:rPr>
               <a:t>weitere</a:t>
             </a:r>
             <a:r>
-              <a:rPr lang="en-GB" kern="0" dirty="0">
+              <a:rPr lang="en-GB" kern="0">
                 <a:cs typeface="Arial"/>
               </a:rPr>
               <a:t> </a:t>
             </a:r>
             <a:r>
-              <a:rPr lang="en-GB" kern="0" dirty="0" err="1">
+              <a:rPr lang="en-GB" kern="0" err="1">
                 <a:cs typeface="Arial"/>
               </a:rPr>
               <a:t>Abgabe</a:t>
             </a:r>
             <a:r>
-              <a:rPr lang="en-GB" kern="0" dirty="0">
+              <a:rPr lang="en-GB" kern="0">
                 <a:cs typeface="Arial"/>
               </a:rPr>
               <a:t>, die den </a:t>
             </a:r>
             <a:r>
-              <a:rPr lang="en-GB" kern="0" dirty="0" err="1">
+              <a:rPr lang="en-GB" kern="0" err="1">
                 <a:cs typeface="Arial"/>
               </a:rPr>
               <a:t>Folgezustand</a:t>
             </a:r>
             <a:r>
-              <a:rPr lang="en-GB" kern="0" dirty="0">
+              <a:rPr lang="en-GB" kern="0">
                 <a:cs typeface="Arial"/>
               </a:rPr>
               <a:t> mitbestimmt. Es handelt sich um </a:t>
             </a:r>
             <a:r>
-              <a:rPr lang="en-GB" kern="0" dirty="0" err="1">
+              <a:rPr lang="en-GB" kern="0" err="1">
                 <a:cs typeface="Arial"/>
               </a:rPr>
               <a:t>einen</a:t>
             </a:r>
             <a:r>
-              <a:rPr lang="en-GB" kern="0" dirty="0">
+              <a:rPr lang="en-GB" kern="0">
                 <a:cs typeface="Arial"/>
               </a:rPr>
               <a:t> Moore-</a:t>
             </a:r>
             <a:r>
-              <a:rPr lang="en-GB" kern="0" dirty="0" err="1">
+              <a:rPr lang="en-GB" kern="0" err="1">
                 <a:cs typeface="Arial"/>
               </a:rPr>
               <a:t>Automaten</a:t>
             </a:r>
             <a:r>
-              <a:rPr lang="en-GB" kern="0" dirty="0">
+              <a:rPr lang="en-GB" kern="0">
                 <a:cs typeface="Arial"/>
               </a:rPr>
               <a:t>.</a:t>
@@ -6084,7 +6556,7 @@
           <a:lstStyle/>
           <a:p>
             <a:r>
-              <a:rPr lang="de-DE" dirty="0"/>
+              <a:rPr lang="de-DE"/>
               <a:t>Aufgabe 3.3</a:t>
             </a:r>
           </a:p>
@@ -6200,7 +6672,7 @@
                     <a:lstStyle/>
                     <a:p>
                       <a:pPr algn="ctr"/>
-                      <a:endParaRPr lang="de-DE" dirty="0"/>
+                      <a:endParaRPr lang="de-DE"/>
                     </a:p>
                   </a:txBody>
                   <a:tcPr/>
@@ -6214,7 +6686,7 @@
                         <a:buNone/>
                       </a:pPr>
                       <a:r>
-                        <a:rPr lang="de-DE" dirty="0"/>
+                        <a:rPr lang="de-DE"/>
                         <a:t>Q2</a:t>
                       </a:r>
                     </a:p>
@@ -6230,7 +6702,7 @@
                         <a:buNone/>
                       </a:pPr>
                       <a:r>
-                        <a:rPr lang="de-DE" dirty="0"/>
+                        <a:rPr lang="de-DE"/>
                         <a:t>Q1</a:t>
                       </a:r>
                     </a:p>
@@ -6246,7 +6718,7 @@
                         <a:buNone/>
                       </a:pPr>
                       <a:r>
-                        <a:rPr lang="de-DE" dirty="0"/>
+                        <a:rPr lang="de-DE"/>
                         <a:t>Q0</a:t>
                       </a:r>
                     </a:p>
@@ -6262,7 +6734,7 @@
                         <a:buNone/>
                       </a:pPr>
                       <a:r>
-                        <a:rPr lang="de-DE" dirty="0"/>
+                        <a:rPr lang="de-DE"/>
                         <a:t>J2</a:t>
                       </a:r>
                     </a:p>
@@ -6278,7 +6750,7 @@
                         <a:buNone/>
                       </a:pPr>
                       <a:r>
-                        <a:rPr lang="de-DE" dirty="0"/>
+                        <a:rPr lang="de-DE"/>
                         <a:t>K2</a:t>
                       </a:r>
                     </a:p>
@@ -6294,7 +6766,7 @@
                         <a:buNone/>
                       </a:pPr>
                       <a:r>
-                        <a:rPr lang="de-DE" dirty="0"/>
+                        <a:rPr lang="de-DE"/>
                         <a:t>J1</a:t>
                       </a:r>
                     </a:p>
@@ -6310,7 +6782,7 @@
                         <a:buNone/>
                       </a:pPr>
                       <a:r>
-                        <a:rPr lang="de-DE" dirty="0"/>
+                        <a:rPr lang="de-DE"/>
                         <a:t>K1</a:t>
                       </a:r>
                     </a:p>
@@ -6326,7 +6798,7 @@
                         <a:buNone/>
                       </a:pPr>
                       <a:r>
-                        <a:rPr lang="de-DE" dirty="0"/>
+                        <a:rPr lang="de-DE"/>
                         <a:t>J0</a:t>
                       </a:r>
                     </a:p>
@@ -6342,7 +6814,7 @@
                         <a:buNone/>
                       </a:pPr>
                       <a:r>
-                        <a:rPr lang="de-DE" dirty="0"/>
+                        <a:rPr lang="de-DE"/>
                         <a:t>K0</a:t>
                       </a:r>
                     </a:p>
@@ -6365,7 +6837,7 @@
                         <a:buNone/>
                       </a:pPr>
                       <a:r>
-                        <a:rPr lang="de-DE" dirty="0"/>
+                        <a:rPr lang="de-DE"/>
                         <a:t>0</a:t>
                       </a:r>
                     </a:p>
@@ -6381,7 +6853,7 @@
                         <a:buNone/>
                       </a:pPr>
                       <a:r>
-                        <a:rPr lang="de-DE" dirty="0"/>
+                        <a:rPr lang="de-DE"/>
                         <a:t>0</a:t>
                       </a:r>
                     </a:p>
@@ -6397,7 +6869,7 @@
                         <a:buNone/>
                       </a:pPr>
                       <a:r>
-                        <a:rPr lang="de-DE" dirty="0"/>
+                        <a:rPr lang="de-DE"/>
                         <a:t>0</a:t>
                       </a:r>
                     </a:p>
@@ -6413,7 +6885,7 @@
                         <a:buNone/>
                       </a:pPr>
                       <a:r>
-                        <a:rPr lang="de-DE" dirty="0"/>
+                        <a:rPr lang="de-DE"/>
                         <a:t>0</a:t>
                       </a:r>
                     </a:p>
@@ -6427,7 +6899,7 @@
                     <a:p>
                       <a:pPr algn="ctr"/>
                       <a:r>
-                        <a:rPr lang="de-DE" dirty="0"/>
+                        <a:rPr lang="de-DE"/>
                         <a:t>1</a:t>
                       </a:r>
                     </a:p>
@@ -6441,7 +6913,7 @@
                     <a:p>
                       <a:pPr algn="ctr"/>
                       <a:r>
-                        <a:rPr lang="de-DE" dirty="0"/>
+                        <a:rPr lang="de-DE"/>
                         <a:t>1</a:t>
                       </a:r>
                     </a:p>
@@ -6457,7 +6929,7 @@
                         <a:buNone/>
                       </a:pPr>
                       <a:r>
-                        <a:rPr lang="de-DE" dirty="0"/>
+                        <a:rPr lang="de-DE"/>
                         <a:t>0</a:t>
                       </a:r>
                     </a:p>
@@ -6473,7 +6945,7 @@
                         <a:buNone/>
                       </a:pPr>
                       <a:r>
-                        <a:rPr lang="de-DE" dirty="0"/>
+                        <a:rPr lang="de-DE"/>
                         <a:t>0</a:t>
                       </a:r>
                     </a:p>
@@ -6489,7 +6961,7 @@
                         <a:buNone/>
                       </a:pPr>
                       <a:r>
-                        <a:rPr lang="de-DE" dirty="0"/>
+                        <a:rPr lang="de-DE"/>
                         <a:t>0</a:t>
                       </a:r>
                     </a:p>
@@ -6505,7 +6977,7 @@
                         <a:buNone/>
                       </a:pPr>
                       <a:r>
-                        <a:rPr lang="de-DE" dirty="0"/>
+                        <a:rPr lang="de-DE"/>
                         <a:t>0</a:t>
                       </a:r>
                     </a:p>
@@ -6526,7 +6998,7 @@
                     <a:p>
                       <a:pPr algn="ctr"/>
                       <a:r>
-                        <a:rPr lang="de-DE" dirty="0"/>
+                        <a:rPr lang="de-DE"/>
                         <a:t>1</a:t>
                       </a:r>
                     </a:p>
@@ -6542,7 +7014,7 @@
                         <a:buNone/>
                       </a:pPr>
                       <a:r>
-                        <a:rPr lang="de-DE" dirty="0"/>
+                        <a:rPr lang="de-DE"/>
                         <a:t>1</a:t>
                       </a:r>
                     </a:p>
@@ -6558,7 +7030,7 @@
                         <a:buNone/>
                       </a:pPr>
                       <a:r>
-                        <a:rPr lang="de-DE" dirty="0"/>
+                        <a:rPr lang="de-DE"/>
                         <a:t>0</a:t>
                       </a:r>
                     </a:p>
@@ -6574,7 +7046,7 @@
                         <a:buNone/>
                       </a:pPr>
                       <a:r>
-                        <a:rPr lang="de-DE" dirty="0"/>
+                        <a:rPr lang="de-DE"/>
                         <a:t>0</a:t>
                       </a:r>
                     </a:p>
@@ -6588,7 +7060,7 @@
                     <a:p>
                       <a:pPr algn="ctr"/>
                       <a:r>
-                        <a:rPr lang="de-DE" dirty="0"/>
+                        <a:rPr lang="de-DE"/>
                         <a:t>0 </a:t>
                       </a:r>
                     </a:p>
@@ -6602,7 +7074,7 @@
                     <a:p>
                       <a:pPr algn="ctr"/>
                       <a:r>
-                        <a:rPr lang="de-DE" dirty="0"/>
+                        <a:rPr lang="de-DE"/>
                         <a:t>1</a:t>
                       </a:r>
                     </a:p>
@@ -6618,7 +7090,7 @@
                         <a:buNone/>
                       </a:pPr>
                       <a:r>
-                        <a:rPr lang="de-DE" dirty="0"/>
+                        <a:rPr lang="de-DE"/>
                         <a:t>1</a:t>
                       </a:r>
                     </a:p>
@@ -6634,7 +7106,7 @@
                         <a:buNone/>
                       </a:pPr>
                       <a:r>
-                        <a:rPr lang="de-DE" dirty="0"/>
+                        <a:rPr lang="de-DE"/>
                         <a:t>0</a:t>
                       </a:r>
                     </a:p>
@@ -6650,7 +7122,7 @@
                         <a:buNone/>
                       </a:pPr>
                       <a:r>
-                        <a:rPr lang="de-DE" dirty="0"/>
+                        <a:rPr lang="de-DE"/>
                         <a:t>1</a:t>
                       </a:r>
                     </a:p>
@@ -6666,7 +7138,7 @@
                         <a:buNone/>
                       </a:pPr>
                       <a:r>
-                        <a:rPr lang="de-DE" dirty="0"/>
+                        <a:rPr lang="de-DE"/>
                         <a:t>1</a:t>
                       </a:r>
                     </a:p>
@@ -6687,7 +7159,7 @@
                     <a:p>
                       <a:pPr algn="ctr"/>
                       <a:r>
-                        <a:rPr lang="de-DE" dirty="0"/>
+                        <a:rPr lang="de-DE"/>
                         <a:t>2</a:t>
                       </a:r>
                     </a:p>
@@ -6703,7 +7175,7 @@
                         <a:buNone/>
                       </a:pPr>
                       <a:r>
-                        <a:rPr lang="de-DE" dirty="0"/>
+                        <a:rPr lang="de-DE"/>
                         <a:t>0</a:t>
                       </a:r>
                     </a:p>
@@ -6719,7 +7191,7 @@
                         <a:buNone/>
                       </a:pPr>
                       <a:r>
-                        <a:rPr lang="de-DE" dirty="0"/>
+                        <a:rPr lang="de-DE"/>
                         <a:t>1</a:t>
                       </a:r>
                     </a:p>
@@ -6735,7 +7207,7 @@
                         <a:buNone/>
                       </a:pPr>
                       <a:r>
-                        <a:rPr lang="de-DE" dirty="0"/>
+                        <a:rPr lang="de-DE"/>
                         <a:t>1</a:t>
                       </a:r>
                     </a:p>
@@ -6749,7 +7221,7 @@
                     <a:p>
                       <a:pPr algn="ctr"/>
                       <a:r>
-                        <a:rPr lang="de-DE" dirty="0"/>
+                        <a:rPr lang="de-DE"/>
                         <a:t>1</a:t>
                       </a:r>
                     </a:p>
@@ -6763,7 +7235,7 @@
                     <a:p>
                       <a:pPr algn="ctr"/>
                       <a:r>
-                        <a:rPr lang="de-DE" dirty="0"/>
+                        <a:rPr lang="de-DE"/>
                         <a:t>0</a:t>
                       </a:r>
                     </a:p>
@@ -6779,7 +7251,7 @@
                         <a:buNone/>
                       </a:pPr>
                       <a:r>
-                        <a:rPr lang="de-DE" dirty="0"/>
+                        <a:rPr lang="de-DE"/>
                         <a:t>1</a:t>
                       </a:r>
                     </a:p>
@@ -6795,7 +7267,7 @@
                         <a:buNone/>
                       </a:pPr>
                       <a:r>
-                        <a:rPr lang="de-DE" dirty="0"/>
+                        <a:rPr lang="de-DE"/>
                         <a:t>1</a:t>
                       </a:r>
                     </a:p>
@@ -6811,7 +7283,7 @@
                         <a:buNone/>
                       </a:pPr>
                       <a:r>
-                        <a:rPr lang="de-DE" dirty="0"/>
+                        <a:rPr lang="de-DE"/>
                         <a:t>0</a:t>
                       </a:r>
                     </a:p>
@@ -6827,7 +7299,7 @@
                         <a:buNone/>
                       </a:pPr>
                       <a:r>
-                        <a:rPr lang="de-DE" dirty="0"/>
+                        <a:rPr lang="de-DE"/>
                         <a:t>1</a:t>
                       </a:r>
                     </a:p>
@@ -6848,7 +7320,7 @@
                     <a:p>
                       <a:pPr algn="ctr"/>
                       <a:r>
-                        <a:rPr lang="de-DE" dirty="0"/>
+                        <a:rPr lang="de-DE"/>
                         <a:t>3</a:t>
                       </a:r>
                     </a:p>
@@ -6864,7 +7336,7 @@
                         <a:buNone/>
                       </a:pPr>
                       <a:r>
-                        <a:rPr lang="de-DE" dirty="0"/>
+                        <a:rPr lang="de-DE"/>
                         <a:t>1</a:t>
                       </a:r>
                     </a:p>
@@ -6880,7 +7352,7 @@
                         <a:buNone/>
                       </a:pPr>
                       <a:r>
-                        <a:rPr lang="de-DE" dirty="0"/>
+                        <a:rPr lang="de-DE"/>
                         <a:t>0</a:t>
                       </a:r>
                     </a:p>
@@ -6896,7 +7368,7 @@
                         <a:buNone/>
                       </a:pPr>
                       <a:r>
-                        <a:rPr lang="de-DE" dirty="0"/>
+                        <a:rPr lang="de-DE"/>
                         <a:t>0</a:t>
                       </a:r>
                     </a:p>
@@ -6910,7 +7382,7 @@
                     <a:p>
                       <a:pPr algn="ctr"/>
                       <a:r>
-                        <a:rPr lang="de-DE" dirty="0"/>
+                        <a:rPr lang="de-DE"/>
                         <a:t>X</a:t>
                       </a:r>
                     </a:p>
@@ -6924,7 +7396,7 @@
                     <a:p>
                       <a:pPr algn="ctr"/>
                       <a:r>
-                        <a:rPr lang="de-DE" dirty="0"/>
+                        <a:rPr lang="de-DE"/>
                         <a:t>X</a:t>
                       </a:r>
                     </a:p>
@@ -6940,7 +7412,7 @@
                         <a:buNone/>
                       </a:pPr>
                       <a:r>
-                        <a:rPr lang="de-DE" dirty="0"/>
+                        <a:rPr lang="de-DE"/>
                         <a:t>X</a:t>
                       </a:r>
                     </a:p>
@@ -6956,7 +7428,7 @@
                         <a:buNone/>
                       </a:pPr>
                       <a:r>
-                        <a:rPr lang="de-DE" dirty="0"/>
+                        <a:rPr lang="de-DE"/>
                         <a:t>X</a:t>
                       </a:r>
                     </a:p>
@@ -6972,7 +7444,7 @@
                         <a:buNone/>
                       </a:pPr>
                       <a:r>
-                        <a:rPr lang="de-DE" dirty="0"/>
+                        <a:rPr lang="de-DE"/>
                         <a:t>X</a:t>
                       </a:r>
                     </a:p>
@@ -6988,7 +7460,7 @@
                         <a:buNone/>
                       </a:pPr>
                       <a:r>
-                        <a:rPr lang="de-DE" dirty="0"/>
+                        <a:rPr lang="de-DE"/>
                         <a:t>X</a:t>
                       </a:r>
                     </a:p>
@@ -7187,978 +7659,432 @@
           <a:lstStyle/>
           <a:p>
             <a:r>
-              <a:rPr lang="de-DE" dirty="0"/>
+              <a:rPr lang="de-DE"/>
               <a:t>Aufgabe 3.4</a:t>
             </a:r>
           </a:p>
         </p:txBody>
       </p:sp>
-      <mc:AlternateContent xmlns:mc="http://schemas.openxmlformats.org/markup-compatibility/2006" xmlns:a14="http://schemas.microsoft.com/office/drawing/2010/main">
-        <mc:Choice Requires="a14">
-          <p:graphicFrame>
-            <p:nvGraphicFramePr>
-              <p:cNvPr id="4" name="Inhaltsplatzhalter 3">
+      <p:graphicFrame>
+        <p:nvGraphicFramePr>
+          <p:cNvPr id="4" name="Inhaltsplatzhalter 3">
+            <a:extLst>
+              <a:ext uri="{FF2B5EF4-FFF2-40B4-BE49-F238E27FC236}">
+                <a16:creationId xmlns:a16="http://schemas.microsoft.com/office/drawing/2014/main" id="{683614B1-9CA5-3DA4-A0EE-F1D71BA5A558}"/>
+              </a:ext>
+            </a:extLst>
+          </p:cNvPr>
+          <p:cNvGraphicFramePr>
+            <a:graphicFrameLocks noGrp="1"/>
+          </p:cNvGraphicFramePr>
+          <p:nvPr>
+            <p:ph idx="1"/>
+            <p:extLst>
+              <p:ext uri="{D42A27DB-BD31-4B8C-83A1-F6EECF244321}">
+                <p14:modId xmlns:p14="http://schemas.microsoft.com/office/powerpoint/2010/main" val="3701960290"/>
+              </p:ext>
+            </p:extLst>
+          </p:nvPr>
+        </p:nvGraphicFramePr>
+        <p:xfrm>
+          <a:off x="1137574" y="1773238"/>
+          <a:ext cx="3283952" cy="1854200"/>
+        </p:xfrm>
+        <a:graphic>
+          <a:graphicData uri="http://schemas.openxmlformats.org/drawingml/2006/table">
+            <a:tbl>
+              <a:tblPr firstRow="1" bandRow="1">
+                <a:tableStyleId>{00A15C55-8517-42AA-B614-E9B94910E393}</a:tableStyleId>
+              </a:tblPr>
+              <a:tblGrid>
+                <a:gridCol w="820988">
+                  <a:extLst>
+                    <a:ext uri="{9D8B030D-6E8A-4147-A177-3AD203B41FA5}">
+                      <a16:colId xmlns:a16="http://schemas.microsoft.com/office/drawing/2014/main" val="9274008"/>
+                    </a:ext>
+                  </a:extLst>
+                </a:gridCol>
+                <a:gridCol w="820988">
+                  <a:extLst>
+                    <a:ext uri="{9D8B030D-6E8A-4147-A177-3AD203B41FA5}">
+                      <a16:colId xmlns:a16="http://schemas.microsoft.com/office/drawing/2014/main" val="2926449063"/>
+                    </a:ext>
+                  </a:extLst>
+                </a:gridCol>
+                <a:gridCol w="820988">
+                  <a:extLst>
+                    <a:ext uri="{9D8B030D-6E8A-4147-A177-3AD203B41FA5}">
+                      <a16:colId xmlns:a16="http://schemas.microsoft.com/office/drawing/2014/main" val="787207862"/>
+                    </a:ext>
+                  </a:extLst>
+                </a:gridCol>
+                <a:gridCol w="820988">
+                  <a:extLst>
+                    <a:ext uri="{9D8B030D-6E8A-4147-A177-3AD203B41FA5}">
+                      <a16:colId xmlns:a16="http://schemas.microsoft.com/office/drawing/2014/main" val="3809945160"/>
+                    </a:ext>
+                  </a:extLst>
+                </a:gridCol>
+              </a:tblGrid>
+              <a:tr h="370840">
+                <a:tc>
+                  <a:txBody>
+                    <a:bodyPr/>
+                    <a:lstStyle/>
+                    <a:p>
+                      <a:pPr lvl="0" algn="ctr">
+                        <a:buNone/>
+                      </a:pPr>
+                      <a:r>
+                        <a:rPr lang="de-DE"/>
+                        <a:t>R'</a:t>
+                      </a:r>
+                    </a:p>
+                  </a:txBody>
+                  <a:tcPr/>
+                </a:tc>
+                <a:tc>
+                  <a:txBody>
+                    <a:bodyPr/>
+                    <a:lstStyle/>
+                    <a:p>
+                      <a:pPr lvl="0" algn="ctr">
+                        <a:buNone/>
+                      </a:pPr>
+                      <a:r>
+                        <a:rPr lang="de-DE"/>
+                        <a:t>S'</a:t>
+                      </a:r>
+                    </a:p>
+                  </a:txBody>
+                  <a:tcPr/>
+                </a:tc>
+                <a:tc>
+                  <a:txBody>
+                    <a:bodyPr/>
+                    <a:lstStyle/>
+                    <a:p>
+                      <a:pPr lvl="0" algn="ctr">
+                        <a:buNone/>
+                      </a:pPr>
+                      <a:r>
+                        <a:rPr lang="de-DE"/>
+                        <a:t>R</a:t>
+                      </a:r>
+                    </a:p>
+                  </a:txBody>
+                  <a:tcPr/>
+                </a:tc>
+                <a:tc>
+                  <a:txBody>
+                    <a:bodyPr/>
+                    <a:lstStyle/>
+                    <a:p>
+                      <a:pPr lvl="0" algn="ctr">
+                        <a:buNone/>
+                      </a:pPr>
+                      <a:r>
+                        <a:rPr lang="de-DE"/>
+                        <a:t>S</a:t>
+                      </a:r>
+                    </a:p>
+                  </a:txBody>
+                  <a:tcPr/>
+                </a:tc>
                 <a:extLst>
-                  <a:ext uri="{FF2B5EF4-FFF2-40B4-BE49-F238E27FC236}">
-                    <a16:creationId xmlns:a16="http://schemas.microsoft.com/office/drawing/2014/main" id="{683614B1-9CA5-3DA4-A0EE-F1D71BA5A558}"/>
+                  <a:ext uri="{0D108BD9-81ED-4DB2-BD59-A6C34878D82A}">
+                    <a16:rowId xmlns:a16="http://schemas.microsoft.com/office/drawing/2014/main" val="1625499165"/>
                   </a:ext>
                 </a:extLst>
-              </p:cNvPr>
-              <p:cNvGraphicFramePr>
-                <a:graphicFrameLocks noGrp="1"/>
-              </p:cNvGraphicFramePr>
-              <p:nvPr>
-                <p:ph idx="1"/>
-                <p:extLst>
-                  <p:ext uri="{D42A27DB-BD31-4B8C-83A1-F6EECF244321}">
-                    <p14:modId xmlns:p14="http://schemas.microsoft.com/office/powerpoint/2010/main" val="1254737655"/>
-                  </p:ext>
-                </p:extLst>
-              </p:nvPr>
-            </p:nvGraphicFramePr>
-            <p:xfrm>
-              <a:off x="1137574" y="1773238"/>
-              <a:ext cx="4104940" cy="1854200"/>
-            </p:xfrm>
-            <a:graphic>
-              <a:graphicData uri="http://schemas.openxmlformats.org/drawingml/2006/table">
-                <a:tbl>
-                  <a:tblPr firstRow="1" bandRow="1">
-                    <a:tableStyleId>{00A15C55-8517-42AA-B614-E9B94910E393}</a:tableStyleId>
-                  </a:tblPr>
-                  <a:tblGrid>
-                    <a:gridCol w="1026235">
-                      <a:extLst>
-                        <a:ext uri="{9D8B030D-6E8A-4147-A177-3AD203B41FA5}">
-                          <a16:colId xmlns:a16="http://schemas.microsoft.com/office/drawing/2014/main" val="1652158833"/>
-                        </a:ext>
-                      </a:extLst>
-                    </a:gridCol>
-                    <a:gridCol w="1026235">
-                      <a:extLst>
-                        <a:ext uri="{9D8B030D-6E8A-4147-A177-3AD203B41FA5}">
-                          <a16:colId xmlns:a16="http://schemas.microsoft.com/office/drawing/2014/main" val="2926449063"/>
-                        </a:ext>
-                      </a:extLst>
-                    </a:gridCol>
-                    <a:gridCol w="1026235">
-                      <a:extLst>
-                        <a:ext uri="{9D8B030D-6E8A-4147-A177-3AD203B41FA5}">
-                          <a16:colId xmlns:a16="http://schemas.microsoft.com/office/drawing/2014/main" val="787207862"/>
-                        </a:ext>
-                      </a:extLst>
-                    </a:gridCol>
-                    <a:gridCol w="1026235">
-                      <a:extLst>
-                        <a:ext uri="{9D8B030D-6E8A-4147-A177-3AD203B41FA5}">
-                          <a16:colId xmlns:a16="http://schemas.microsoft.com/office/drawing/2014/main" val="3809945160"/>
-                        </a:ext>
-                      </a:extLst>
-                    </a:gridCol>
-                  </a:tblGrid>
-                  <a:tr h="370840">
-                    <a:tc>
-                      <a:txBody>
-                        <a:bodyPr/>
-                        <a:lstStyle/>
-                        <a:p>
-                          <a:pPr algn="ctr"/>
-                          <a:r>
-                            <a:rPr lang="de-DE" dirty="0"/>
-                            <a:t>R'</a:t>
-                          </a:r>
-                        </a:p>
-                      </a:txBody>
-                      <a:tcPr/>
-                    </a:tc>
-                    <a:tc>
-                      <a:txBody>
-                        <a:bodyPr/>
-                        <a:lstStyle/>
-                        <a:p>
-                          <a:pPr lvl="0" algn="ctr">
-                            <a:buNone/>
-                          </a:pPr>
-                          <a:r>
-                            <a:rPr lang="de-DE" dirty="0"/>
-                            <a:t>S'</a:t>
-                          </a:r>
-                        </a:p>
-                      </a:txBody>
-                      <a:tcPr/>
-                    </a:tc>
-                    <a:tc>
-                      <a:txBody>
-                        <a:bodyPr/>
-                        <a:lstStyle/>
-                        <a:p>
-                          <a:pPr lvl="0" algn="ctr">
-                            <a:buNone/>
-                          </a:pPr>
-                          <a:r>
-                            <a:rPr lang="de-DE" dirty="0"/>
-                            <a:t>R</a:t>
-                          </a:r>
-                        </a:p>
-                      </a:txBody>
-                      <a:tcPr/>
-                    </a:tc>
-                    <a:tc>
-                      <a:txBody>
-                        <a:bodyPr/>
-                        <a:lstStyle/>
-                        <a:p>
-                          <a:pPr lvl="0" algn="ctr">
-                            <a:buNone/>
-                          </a:pPr>
-                          <a:r>
-                            <a:rPr lang="de-DE" dirty="0"/>
-                            <a:t>S</a:t>
-                          </a:r>
-                        </a:p>
-                      </a:txBody>
-                      <a:tcPr/>
-                    </a:tc>
-                    <a:extLst>
-                      <a:ext uri="{0D108BD9-81ED-4DB2-BD59-A6C34878D82A}">
-                        <a16:rowId xmlns:a16="http://schemas.microsoft.com/office/drawing/2014/main" val="1625499165"/>
-                      </a:ext>
-                    </a:extLst>
-                  </a:tr>
-                  <a:tr h="370840">
-                    <a:tc>
-                      <a:txBody>
-                        <a:bodyPr/>
-                        <a:lstStyle/>
-                        <a:p>
-                          <a:pPr lvl="0" algn="ctr">
-                            <a:buNone/>
-                          </a:pPr>
-                          <a:r>
-                            <a:rPr lang="de-DE" dirty="0"/>
-                            <a:t>0</a:t>
-                          </a:r>
-                          <a14:m>
-                            <m:oMath xmlns:m="http://schemas.openxmlformats.org/officeDocument/2006/math">
-                              <m:sSub>
-                                <m:sSubPr>
-                                  <m:ctrlPr>
-                                    <a:rPr lang="de-DE" i="1" dirty="0" smtClean="0">
-                                      <a:latin typeface="Cambria Math" panose="02040503050406030204" pitchFamily="18" charset="0"/>
-                                    </a:rPr>
-                                  </m:ctrlPr>
-                                </m:sSubPr>
-                                <m:e>
-                                  <m:r>
-                                    <a:rPr lang="de-DE" b="0" i="1" smtClean="0">
-                                      <a:latin typeface="Cambria Math" panose="02040503050406030204" pitchFamily="18" charset="0"/>
-                                    </a:rPr>
-                                    <m:t>88</m:t>
-                                  </m:r>
-                                </m:e>
-                                <m:sub>
-                                  <m:r>
-                                    <a:rPr lang="de-DE" b="0" i="1" smtClean="0">
-                                      <a:latin typeface="Cambria Math" panose="02040503050406030204" pitchFamily="18" charset="0"/>
-                                    </a:rPr>
-                                    <m:t>10</m:t>
-                                  </m:r>
-                                </m:sub>
-                              </m:sSub>
-                            </m:oMath>
-                          </a14:m>
-                          <a:endParaRPr lang="de-DE" dirty="0"/>
-                        </a:p>
-                      </a:txBody>
-                      <a:tcPr/>
-                    </a:tc>
-                    <a:tc>
-                      <a:txBody>
-                        <a:bodyPr/>
-                        <a:lstStyle/>
-                        <a:p>
-                          <a:pPr lvl="0" algn="ctr">
-                            <a:buNone/>
-                          </a:pPr>
-                          <a:r>
-                            <a:rPr lang="de-DE" dirty="0"/>
-                            <a:t>0</a:t>
-                          </a:r>
-                        </a:p>
-                      </a:txBody>
-                      <a:tcPr/>
-                    </a:tc>
-                    <a:tc>
-                      <a:txBody>
-                        <a:bodyPr/>
-                        <a:lstStyle/>
-                        <a:p>
-                          <a:pPr lvl="0" algn="ctr">
-                            <a:buNone/>
-                          </a:pPr>
-                          <a:r>
-                            <a:rPr lang="de-DE" dirty="0"/>
-                            <a:t>0</a:t>
-                          </a:r>
-                        </a:p>
-                      </a:txBody>
-                      <a:tcPr/>
-                    </a:tc>
-                    <a:tc>
-                      <a:txBody>
-                        <a:bodyPr/>
-                        <a:lstStyle/>
-                        <a:p>
-                          <a:pPr lvl="0" algn="ctr">
-                            <a:buNone/>
-                          </a:pPr>
-                          <a:r>
-                            <a:rPr lang="de-DE" dirty="0"/>
-                            <a:t>0</a:t>
-                          </a:r>
-                        </a:p>
-                      </a:txBody>
-                      <a:tcPr/>
-                    </a:tc>
-                    <a:extLst>
-                      <a:ext uri="{0D108BD9-81ED-4DB2-BD59-A6C34878D82A}">
-                        <a16:rowId xmlns:a16="http://schemas.microsoft.com/office/drawing/2014/main" val="476797659"/>
-                      </a:ext>
-                    </a:extLst>
-                  </a:tr>
-                  <a:tr h="370840">
-                    <a:tc>
-                      <a:txBody>
-                        <a:bodyPr/>
-                        <a:lstStyle/>
-                        <a:p>
-                          <a:pPr algn="ctr"/>
-                          <a:r>
-                            <a:rPr lang="de-DE" dirty="0"/>
-                            <a:t>0</a:t>
-                          </a:r>
-                          <a14:m>
-                            <m:oMath xmlns:m="http://schemas.openxmlformats.org/officeDocument/2006/math">
-                              <m:sSub>
-                                <m:sSubPr>
-                                  <m:ctrlPr>
-                                    <a:rPr lang="de-DE" i="1" dirty="0" smtClean="0">
-                                      <a:latin typeface="Cambria Math" panose="02040503050406030204" pitchFamily="18" charset="0"/>
-                                    </a:rPr>
-                                  </m:ctrlPr>
-                                </m:sSubPr>
-                                <m:e>
-                                  <m:r>
-                                    <a:rPr lang="de-DE" b="0" i="1" smtClean="0">
-                                      <a:latin typeface="Cambria Math" panose="02040503050406030204" pitchFamily="18" charset="0"/>
-                                    </a:rPr>
-                                    <m:t>76</m:t>
-                                  </m:r>
-                                </m:e>
-                                <m:sub>
-                                  <m:r>
-                                    <a:rPr lang="de-DE" b="0" i="1" smtClean="0">
-                                      <a:latin typeface="Cambria Math" panose="02040503050406030204" pitchFamily="18" charset="0"/>
-                                    </a:rPr>
-                                    <m:t>10</m:t>
-                                  </m:r>
-                                </m:sub>
-                              </m:sSub>
-                            </m:oMath>
-                          </a14:m>
-                          <a:endParaRPr lang="de-DE" dirty="0"/>
-                        </a:p>
-                      </a:txBody>
-                      <a:tcPr/>
-                    </a:tc>
-                    <a:tc>
-                      <a:txBody>
-                        <a:bodyPr/>
-                        <a:lstStyle/>
-                        <a:p>
-                          <a:pPr lvl="0" algn="ctr">
-                            <a:buNone/>
-                          </a:pPr>
-                          <a:r>
-                            <a:rPr lang="de-DE" dirty="0"/>
-                            <a:t>1</a:t>
-                          </a:r>
-                        </a:p>
-                      </a:txBody>
-                      <a:tcPr/>
-                    </a:tc>
-                    <a:tc>
-                      <a:txBody>
-                        <a:bodyPr/>
-                        <a:lstStyle/>
-                        <a:p>
-                          <a:pPr lvl="0" algn="ctr">
-                            <a:buNone/>
-                          </a:pPr>
-                          <a:r>
-                            <a:rPr lang="de-DE" dirty="0"/>
-                            <a:t>0</a:t>
-                          </a:r>
-                        </a:p>
-                      </a:txBody>
-                      <a:tcPr/>
-                    </a:tc>
-                    <a:tc>
-                      <a:txBody>
-                        <a:bodyPr/>
-                        <a:lstStyle/>
-                        <a:p>
-                          <a:pPr lvl="0" algn="ctr">
-                            <a:buNone/>
-                          </a:pPr>
-                          <a:r>
-                            <a:rPr lang="de-DE" dirty="0"/>
-                            <a:t>1</a:t>
-                          </a:r>
-                        </a:p>
-                      </a:txBody>
-                      <a:tcPr/>
-                    </a:tc>
-                    <a:extLst>
-                      <a:ext uri="{0D108BD9-81ED-4DB2-BD59-A6C34878D82A}">
-                        <a16:rowId xmlns:a16="http://schemas.microsoft.com/office/drawing/2014/main" val="1703270876"/>
-                      </a:ext>
-                    </a:extLst>
-                  </a:tr>
-                  <a:tr h="370840">
-                    <a:tc>
-                      <a:txBody>
-                        <a:bodyPr/>
-                        <a:lstStyle/>
-                        <a:p>
-                          <a:pPr algn="ctr"/>
-                          <a:r>
-                            <a:rPr lang="de-DE" dirty="0"/>
-                            <a:t>1</a:t>
-                          </a:r>
-                          <a14:m>
-                            <m:oMath xmlns:m="http://schemas.openxmlformats.org/officeDocument/2006/math">
-                              <m:sSub>
-                                <m:sSubPr>
-                                  <m:ctrlPr>
-                                    <a:rPr lang="de-DE" i="1" dirty="0" smtClean="0">
-                                      <a:latin typeface="Cambria Math" panose="02040503050406030204" pitchFamily="18" charset="0"/>
-                                    </a:rPr>
-                                  </m:ctrlPr>
-                                </m:sSubPr>
-                                <m:e>
-                                  <m:r>
-                                    <a:rPr lang="de-DE" b="0" i="1" smtClean="0">
-                                      <a:latin typeface="Cambria Math" panose="02040503050406030204" pitchFamily="18" charset="0"/>
-                                    </a:rPr>
-                                    <m:t>𝐴𝐶</m:t>
-                                  </m:r>
-                                  <m:r>
-                                    <a:rPr lang="de-DE" b="0" i="1" smtClean="0">
-                                      <a:latin typeface="Cambria Math" panose="02040503050406030204" pitchFamily="18" charset="0"/>
-                                    </a:rPr>
-                                    <m:t>4</m:t>
-                                  </m:r>
-                                </m:e>
-                                <m:sub>
-                                  <m:r>
-                                    <a:rPr lang="de-DE" b="0" i="1" smtClean="0">
-                                      <a:latin typeface="Cambria Math" panose="02040503050406030204" pitchFamily="18" charset="0"/>
-                                    </a:rPr>
-                                    <m:t>16</m:t>
-                                  </m:r>
-                                </m:sub>
-                              </m:sSub>
-                            </m:oMath>
-                          </a14:m>
-                          <a:endParaRPr lang="de-DE" dirty="0"/>
-                        </a:p>
-                      </a:txBody>
-                      <a:tcPr/>
-                    </a:tc>
-                    <a:tc>
-                      <a:txBody>
-                        <a:bodyPr/>
-                        <a:lstStyle/>
-                        <a:p>
-                          <a:pPr lvl="0" algn="ctr">
-                            <a:buNone/>
-                          </a:pPr>
-                          <a:r>
-                            <a:rPr lang="de-DE" dirty="0"/>
-                            <a:t>0</a:t>
-                          </a:r>
-                        </a:p>
-                      </a:txBody>
-                      <a:tcPr/>
-                    </a:tc>
-                    <a:tc>
-                      <a:txBody>
-                        <a:bodyPr/>
-                        <a:lstStyle/>
-                        <a:p>
-                          <a:pPr lvl="0" algn="ctr">
-                            <a:buNone/>
-                          </a:pPr>
-                          <a:r>
-                            <a:rPr lang="de-DE" dirty="0"/>
-                            <a:t>1</a:t>
-                          </a:r>
-                        </a:p>
-                      </a:txBody>
-                      <a:tcPr/>
-                    </a:tc>
-                    <a:tc>
-                      <a:txBody>
-                        <a:bodyPr/>
-                        <a:lstStyle/>
-                        <a:p>
-                          <a:pPr lvl="0" algn="ctr">
-                            <a:buNone/>
-                          </a:pPr>
-                          <a:r>
-                            <a:rPr lang="de-DE" dirty="0"/>
-                            <a:t>0</a:t>
-                          </a:r>
-                        </a:p>
-                      </a:txBody>
-                      <a:tcPr/>
-                    </a:tc>
-                    <a:extLst>
-                      <a:ext uri="{0D108BD9-81ED-4DB2-BD59-A6C34878D82A}">
-                        <a16:rowId xmlns:a16="http://schemas.microsoft.com/office/drawing/2014/main" val="2818478599"/>
-                      </a:ext>
-                    </a:extLst>
-                  </a:tr>
-                  <a:tr h="370840">
-                    <a:tc>
-                      <a:txBody>
-                        <a:bodyPr/>
-                        <a:lstStyle/>
-                        <a:p>
-                          <a:pPr algn="ctr"/>
-                          <a:r>
-                            <a:rPr lang="de-DE" dirty="0"/>
-                            <a:t>1</a:t>
-                          </a:r>
-                          <a14:m>
-                            <m:oMath xmlns:m="http://schemas.openxmlformats.org/officeDocument/2006/math">
-                              <m:sSub>
-                                <m:sSubPr>
-                                  <m:ctrlPr>
-                                    <a:rPr lang="de-DE" i="1" dirty="0" smtClean="0">
-                                      <a:latin typeface="Cambria Math" panose="02040503050406030204" pitchFamily="18" charset="0"/>
-                                    </a:rPr>
-                                  </m:ctrlPr>
-                                </m:sSubPr>
-                                <m:e>
-                                  <m:r>
-                                    <a:rPr lang="de-DE" b="0" i="1" smtClean="0">
-                                      <a:latin typeface="Cambria Math" panose="02040503050406030204" pitchFamily="18" charset="0"/>
-                                    </a:rPr>
-                                    <m:t>66</m:t>
-                                  </m:r>
-                                </m:e>
-                                <m:sub>
-                                  <m:r>
-                                    <a:rPr lang="de-DE" b="0" i="1" smtClean="0">
-                                      <a:latin typeface="Cambria Math" panose="02040503050406030204" pitchFamily="18" charset="0"/>
-                                    </a:rPr>
-                                    <m:t>8</m:t>
-                                  </m:r>
-                                </m:sub>
-                              </m:sSub>
-                            </m:oMath>
-                          </a14:m>
-                          <a:endParaRPr lang="de-DE" dirty="0"/>
-                        </a:p>
-                      </a:txBody>
-                      <a:tcPr/>
-                    </a:tc>
-                    <a:tc>
-                      <a:txBody>
-                        <a:bodyPr/>
-                        <a:lstStyle/>
-                        <a:p>
-                          <a:pPr lvl="0" algn="ctr">
-                            <a:buNone/>
-                          </a:pPr>
-                          <a:r>
-                            <a:rPr lang="de-DE" dirty="0"/>
-                            <a:t>1</a:t>
-                          </a:r>
-                        </a:p>
-                      </a:txBody>
-                      <a:tcPr/>
-                    </a:tc>
-                    <a:tc>
-                      <a:txBody>
-                        <a:bodyPr/>
-                        <a:lstStyle/>
-                        <a:p>
-                          <a:pPr lvl="0" algn="ctr">
-                            <a:buNone/>
-                          </a:pPr>
-                          <a:r>
-                            <a:rPr lang="de-DE" dirty="0"/>
-                            <a:t>0</a:t>
-                          </a:r>
-                        </a:p>
-                      </a:txBody>
-                      <a:tcPr/>
-                    </a:tc>
-                    <a:tc>
-                      <a:txBody>
-                        <a:bodyPr/>
-                        <a:lstStyle/>
-                        <a:p>
-                          <a:pPr lvl="0" algn="ctr">
-                            <a:buNone/>
-                          </a:pPr>
-                          <a:r>
-                            <a:rPr lang="de-DE" dirty="0"/>
-                            <a:t>0</a:t>
-                          </a:r>
-                        </a:p>
-                      </a:txBody>
-                      <a:tcPr/>
-                    </a:tc>
-                    <a:extLst>
-                      <a:ext uri="{0D108BD9-81ED-4DB2-BD59-A6C34878D82A}">
-                        <a16:rowId xmlns:a16="http://schemas.microsoft.com/office/drawing/2014/main" val="216001238"/>
-                      </a:ext>
-                    </a:extLst>
-                  </a:tr>
-                </a:tbl>
-              </a:graphicData>
-            </a:graphic>
-          </p:graphicFrame>
-        </mc:Choice>
-        <mc:Fallback xmlns="">
-          <p:graphicFrame>
-            <p:nvGraphicFramePr>
-              <p:cNvPr id="4" name="Inhaltsplatzhalter 3">
+              </a:tr>
+              <a:tr h="370840">
+                <a:tc>
+                  <a:txBody>
+                    <a:bodyPr/>
+                    <a:lstStyle/>
+                    <a:p>
+                      <a:pPr lvl="0" algn="ctr">
+                        <a:buNone/>
+                      </a:pPr>
+                      <a:r>
+                        <a:rPr lang="de-DE"/>
+                        <a:t>0</a:t>
+                      </a:r>
+                    </a:p>
+                  </a:txBody>
+                  <a:tcPr/>
+                </a:tc>
+                <a:tc>
+                  <a:txBody>
+                    <a:bodyPr/>
+                    <a:lstStyle/>
+                    <a:p>
+                      <a:pPr lvl="0" algn="ctr">
+                        <a:buNone/>
+                      </a:pPr>
+                      <a:r>
+                        <a:rPr lang="de-DE"/>
+                        <a:t>0</a:t>
+                      </a:r>
+                    </a:p>
+                  </a:txBody>
+                  <a:tcPr/>
+                </a:tc>
+                <a:tc>
+                  <a:txBody>
+                    <a:bodyPr/>
+                    <a:lstStyle/>
+                    <a:p>
+                      <a:pPr lvl="0" algn="ctr">
+                        <a:buNone/>
+                      </a:pPr>
+                      <a:r>
+                        <a:rPr lang="de-DE"/>
+                        <a:t>0</a:t>
+                      </a:r>
+                    </a:p>
+                  </a:txBody>
+                  <a:tcPr/>
+                </a:tc>
+                <a:tc>
+                  <a:txBody>
+                    <a:bodyPr/>
+                    <a:lstStyle/>
+                    <a:p>
+                      <a:pPr lvl="0" algn="ctr">
+                        <a:buNone/>
+                      </a:pPr>
+                      <a:r>
+                        <a:rPr lang="de-DE"/>
+                        <a:t>0</a:t>
+                      </a:r>
+                    </a:p>
+                  </a:txBody>
+                  <a:tcPr/>
+                </a:tc>
                 <a:extLst>
-                  <a:ext uri="{FF2B5EF4-FFF2-40B4-BE49-F238E27FC236}">
-                    <a16:creationId xmlns:a16="http://schemas.microsoft.com/office/drawing/2014/main" id="{683614B1-9CA5-3DA4-A0EE-F1D71BA5A558}"/>
+                  <a:ext uri="{0D108BD9-81ED-4DB2-BD59-A6C34878D82A}">
+                    <a16:rowId xmlns:a16="http://schemas.microsoft.com/office/drawing/2014/main" val="476797659"/>
                   </a:ext>
                 </a:extLst>
-              </p:cNvPr>
-              <p:cNvGraphicFramePr>
-                <a:graphicFrameLocks noGrp="1"/>
-              </p:cNvGraphicFramePr>
-              <p:nvPr>
-                <p:ph idx="1"/>
-                <p:extLst>
-                  <p:ext uri="{D42A27DB-BD31-4B8C-83A1-F6EECF244321}">
-                    <p14:modId xmlns:p14="http://schemas.microsoft.com/office/powerpoint/2010/main" val="1254737655"/>
-                  </p:ext>
-                </p:extLst>
-              </p:nvPr>
-            </p:nvGraphicFramePr>
-            <p:xfrm>
-              <a:off x="1137574" y="1773238"/>
-              <a:ext cx="4104940" cy="1854200"/>
-            </p:xfrm>
-            <a:graphic>
-              <a:graphicData uri="http://schemas.openxmlformats.org/drawingml/2006/table">
-                <a:tbl>
-                  <a:tblPr firstRow="1" bandRow="1">
-                    <a:tableStyleId>{00A15C55-8517-42AA-B614-E9B94910E393}</a:tableStyleId>
-                  </a:tblPr>
-                  <a:tblGrid>
-                    <a:gridCol w="1026235">
-                      <a:extLst>
-                        <a:ext uri="{9D8B030D-6E8A-4147-A177-3AD203B41FA5}">
-                          <a16:colId xmlns:a16="http://schemas.microsoft.com/office/drawing/2014/main" val="1652158833"/>
-                        </a:ext>
-                      </a:extLst>
-                    </a:gridCol>
-                    <a:gridCol w="1026235">
-                      <a:extLst>
-                        <a:ext uri="{9D8B030D-6E8A-4147-A177-3AD203B41FA5}">
-                          <a16:colId xmlns:a16="http://schemas.microsoft.com/office/drawing/2014/main" val="2926449063"/>
-                        </a:ext>
-                      </a:extLst>
-                    </a:gridCol>
-                    <a:gridCol w="1026235">
-                      <a:extLst>
-                        <a:ext uri="{9D8B030D-6E8A-4147-A177-3AD203B41FA5}">
-                          <a16:colId xmlns:a16="http://schemas.microsoft.com/office/drawing/2014/main" val="787207862"/>
-                        </a:ext>
-                      </a:extLst>
-                    </a:gridCol>
-                    <a:gridCol w="1026235">
-                      <a:extLst>
-                        <a:ext uri="{9D8B030D-6E8A-4147-A177-3AD203B41FA5}">
-                          <a16:colId xmlns:a16="http://schemas.microsoft.com/office/drawing/2014/main" val="3809945160"/>
-                        </a:ext>
-                      </a:extLst>
-                    </a:gridCol>
-                  </a:tblGrid>
-                  <a:tr h="370840">
-                    <a:tc>
-                      <a:txBody>
-                        <a:bodyPr/>
-                        <a:lstStyle/>
-                        <a:p>
-                          <a:pPr algn="ctr"/>
-                          <a:r>
-                            <a:rPr lang="de-DE" dirty="0"/>
-                            <a:t>R'</a:t>
-                          </a:r>
-                        </a:p>
-                      </a:txBody>
-                      <a:tcPr/>
-                    </a:tc>
-                    <a:tc>
-                      <a:txBody>
-                        <a:bodyPr/>
-                        <a:lstStyle/>
-                        <a:p>
-                          <a:pPr lvl="0" algn="ctr">
-                            <a:buNone/>
-                          </a:pPr>
-                          <a:r>
-                            <a:rPr lang="de-DE" dirty="0"/>
-                            <a:t>S'</a:t>
-                          </a:r>
-                        </a:p>
-                      </a:txBody>
-                      <a:tcPr/>
-                    </a:tc>
-                    <a:tc>
-                      <a:txBody>
-                        <a:bodyPr/>
-                        <a:lstStyle/>
-                        <a:p>
-                          <a:pPr lvl="0" algn="ctr">
-                            <a:buNone/>
-                          </a:pPr>
-                          <a:r>
-                            <a:rPr lang="de-DE" dirty="0"/>
-                            <a:t>R</a:t>
-                          </a:r>
-                        </a:p>
-                      </a:txBody>
-                      <a:tcPr/>
-                    </a:tc>
-                    <a:tc>
-                      <a:txBody>
-                        <a:bodyPr/>
-                        <a:lstStyle/>
-                        <a:p>
-                          <a:pPr lvl="0" algn="ctr">
-                            <a:buNone/>
-                          </a:pPr>
-                          <a:r>
-                            <a:rPr lang="de-DE" dirty="0"/>
-                            <a:t>S</a:t>
-                          </a:r>
-                        </a:p>
-                      </a:txBody>
-                      <a:tcPr/>
-                    </a:tc>
-                    <a:extLst>
-                      <a:ext uri="{0D108BD9-81ED-4DB2-BD59-A6C34878D82A}">
-                        <a16:rowId xmlns:a16="http://schemas.microsoft.com/office/drawing/2014/main" val="1625499165"/>
-                      </a:ext>
-                    </a:extLst>
-                  </a:tr>
-                  <a:tr h="370840">
-                    <a:tc>
-                      <a:txBody>
-                        <a:bodyPr/>
-                        <a:lstStyle/>
-                        <a:p>
-                          <a:endParaRPr lang="en-US"/>
-                        </a:p>
-                      </a:txBody>
-                      <a:tcPr>
-                        <a:blipFill>
-                          <a:blip r:embed="rId2"/>
-                          <a:stretch>
-                            <a:fillRect l="-592" t="-108197" r="-301775" b="-324590"/>
-                          </a:stretch>
-                        </a:blipFill>
-                      </a:tcPr>
-                    </a:tc>
-                    <a:tc>
-                      <a:txBody>
-                        <a:bodyPr/>
-                        <a:lstStyle/>
-                        <a:p>
-                          <a:pPr lvl="0" algn="ctr">
-                            <a:buNone/>
-                          </a:pPr>
-                          <a:r>
-                            <a:rPr lang="de-DE" dirty="0"/>
-                            <a:t>0</a:t>
-                          </a:r>
-                        </a:p>
-                      </a:txBody>
-                      <a:tcPr/>
-                    </a:tc>
-                    <a:tc>
-                      <a:txBody>
-                        <a:bodyPr/>
-                        <a:lstStyle/>
-                        <a:p>
-                          <a:pPr lvl="0" algn="ctr">
-                            <a:buNone/>
-                          </a:pPr>
-                          <a:r>
-                            <a:rPr lang="de-DE" dirty="0"/>
-                            <a:t>0</a:t>
-                          </a:r>
-                        </a:p>
-                      </a:txBody>
-                      <a:tcPr/>
-                    </a:tc>
-                    <a:tc>
-                      <a:txBody>
-                        <a:bodyPr/>
-                        <a:lstStyle/>
-                        <a:p>
-                          <a:pPr lvl="0" algn="ctr">
-                            <a:buNone/>
-                          </a:pPr>
-                          <a:r>
-                            <a:rPr lang="de-DE" dirty="0"/>
-                            <a:t>0</a:t>
-                          </a:r>
-                        </a:p>
-                      </a:txBody>
-                      <a:tcPr/>
-                    </a:tc>
-                    <a:extLst>
-                      <a:ext uri="{0D108BD9-81ED-4DB2-BD59-A6C34878D82A}">
-                        <a16:rowId xmlns:a16="http://schemas.microsoft.com/office/drawing/2014/main" val="476797659"/>
-                      </a:ext>
-                    </a:extLst>
-                  </a:tr>
-                  <a:tr h="370840">
-                    <a:tc>
-                      <a:txBody>
-                        <a:bodyPr/>
-                        <a:lstStyle/>
-                        <a:p>
-                          <a:endParaRPr lang="en-US"/>
-                        </a:p>
-                      </a:txBody>
-                      <a:tcPr>
-                        <a:blipFill>
-                          <a:blip r:embed="rId2"/>
-                          <a:stretch>
-                            <a:fillRect l="-592" t="-204839" r="-301775" b="-219355"/>
-                          </a:stretch>
-                        </a:blipFill>
-                      </a:tcPr>
-                    </a:tc>
-                    <a:tc>
-                      <a:txBody>
-                        <a:bodyPr/>
-                        <a:lstStyle/>
-                        <a:p>
-                          <a:pPr lvl="0" algn="ctr">
-                            <a:buNone/>
-                          </a:pPr>
-                          <a:r>
-                            <a:rPr lang="de-DE" dirty="0"/>
-                            <a:t>1</a:t>
-                          </a:r>
-                        </a:p>
-                      </a:txBody>
-                      <a:tcPr/>
-                    </a:tc>
-                    <a:tc>
-                      <a:txBody>
-                        <a:bodyPr/>
-                        <a:lstStyle/>
-                        <a:p>
-                          <a:pPr lvl="0" algn="ctr">
-                            <a:buNone/>
-                          </a:pPr>
-                          <a:r>
-                            <a:rPr lang="de-DE" dirty="0"/>
-                            <a:t>0</a:t>
-                          </a:r>
-                        </a:p>
-                      </a:txBody>
-                      <a:tcPr/>
-                    </a:tc>
-                    <a:tc>
-                      <a:txBody>
-                        <a:bodyPr/>
-                        <a:lstStyle/>
-                        <a:p>
-                          <a:pPr lvl="0" algn="ctr">
-                            <a:buNone/>
-                          </a:pPr>
-                          <a:r>
-                            <a:rPr lang="de-DE" dirty="0"/>
-                            <a:t>1</a:t>
-                          </a:r>
-                        </a:p>
-                      </a:txBody>
-                      <a:tcPr/>
-                    </a:tc>
-                    <a:extLst>
-                      <a:ext uri="{0D108BD9-81ED-4DB2-BD59-A6C34878D82A}">
-                        <a16:rowId xmlns:a16="http://schemas.microsoft.com/office/drawing/2014/main" val="1703270876"/>
-                      </a:ext>
-                    </a:extLst>
-                  </a:tr>
-                  <a:tr h="370840">
-                    <a:tc>
-                      <a:txBody>
-                        <a:bodyPr/>
-                        <a:lstStyle/>
-                        <a:p>
-                          <a:endParaRPr lang="en-US"/>
-                        </a:p>
-                      </a:txBody>
-                      <a:tcPr>
-                        <a:blipFill>
-                          <a:blip r:embed="rId2"/>
-                          <a:stretch>
-                            <a:fillRect l="-592" t="-309836" r="-301775" b="-122951"/>
-                          </a:stretch>
-                        </a:blipFill>
-                      </a:tcPr>
-                    </a:tc>
-                    <a:tc>
-                      <a:txBody>
-                        <a:bodyPr/>
-                        <a:lstStyle/>
-                        <a:p>
-                          <a:pPr lvl="0" algn="ctr">
-                            <a:buNone/>
-                          </a:pPr>
-                          <a:r>
-                            <a:rPr lang="de-DE" dirty="0"/>
-                            <a:t>0</a:t>
-                          </a:r>
-                        </a:p>
-                      </a:txBody>
-                      <a:tcPr/>
-                    </a:tc>
-                    <a:tc>
-                      <a:txBody>
-                        <a:bodyPr/>
-                        <a:lstStyle/>
-                        <a:p>
-                          <a:pPr lvl="0" algn="ctr">
-                            <a:buNone/>
-                          </a:pPr>
-                          <a:r>
-                            <a:rPr lang="de-DE" dirty="0"/>
-                            <a:t>1</a:t>
-                          </a:r>
-                        </a:p>
-                      </a:txBody>
-                      <a:tcPr/>
-                    </a:tc>
-                    <a:tc>
-                      <a:txBody>
-                        <a:bodyPr/>
-                        <a:lstStyle/>
-                        <a:p>
-                          <a:pPr lvl="0" algn="ctr">
-                            <a:buNone/>
-                          </a:pPr>
-                          <a:r>
-                            <a:rPr lang="de-DE" dirty="0"/>
-                            <a:t>0</a:t>
-                          </a:r>
-                        </a:p>
-                      </a:txBody>
-                      <a:tcPr/>
-                    </a:tc>
-                    <a:extLst>
-                      <a:ext uri="{0D108BD9-81ED-4DB2-BD59-A6C34878D82A}">
-                        <a16:rowId xmlns:a16="http://schemas.microsoft.com/office/drawing/2014/main" val="2818478599"/>
-                      </a:ext>
-                    </a:extLst>
-                  </a:tr>
-                  <a:tr h="370840">
-                    <a:tc>
-                      <a:txBody>
-                        <a:bodyPr/>
-                        <a:lstStyle/>
-                        <a:p>
-                          <a:endParaRPr lang="en-US"/>
-                        </a:p>
-                      </a:txBody>
-                      <a:tcPr>
-                        <a:blipFill>
-                          <a:blip r:embed="rId2"/>
-                          <a:stretch>
-                            <a:fillRect l="-592" t="-409836" r="-301775" b="-22951"/>
-                          </a:stretch>
-                        </a:blipFill>
-                      </a:tcPr>
-                    </a:tc>
-                    <a:tc>
-                      <a:txBody>
-                        <a:bodyPr/>
-                        <a:lstStyle/>
-                        <a:p>
-                          <a:pPr lvl="0" algn="ctr">
-                            <a:buNone/>
-                          </a:pPr>
-                          <a:r>
-                            <a:rPr lang="de-DE" dirty="0"/>
-                            <a:t>1</a:t>
-                          </a:r>
-                        </a:p>
-                      </a:txBody>
-                      <a:tcPr/>
-                    </a:tc>
-                    <a:tc>
-                      <a:txBody>
-                        <a:bodyPr/>
-                        <a:lstStyle/>
-                        <a:p>
-                          <a:pPr lvl="0" algn="ctr">
-                            <a:buNone/>
-                          </a:pPr>
-                          <a:r>
-                            <a:rPr lang="de-DE" dirty="0"/>
-                            <a:t>0</a:t>
-                          </a:r>
-                        </a:p>
-                      </a:txBody>
-                      <a:tcPr/>
-                    </a:tc>
-                    <a:tc>
-                      <a:txBody>
-                        <a:bodyPr/>
-                        <a:lstStyle/>
-                        <a:p>
-                          <a:pPr lvl="0" algn="ctr">
-                            <a:buNone/>
-                          </a:pPr>
-                          <a:r>
-                            <a:rPr lang="de-DE" dirty="0"/>
-                            <a:t>0</a:t>
-                          </a:r>
-                        </a:p>
-                      </a:txBody>
-                      <a:tcPr/>
-                    </a:tc>
-                    <a:extLst>
-                      <a:ext uri="{0D108BD9-81ED-4DB2-BD59-A6C34878D82A}">
-                        <a16:rowId xmlns:a16="http://schemas.microsoft.com/office/drawing/2014/main" val="216001238"/>
-                      </a:ext>
-                    </a:extLst>
-                  </a:tr>
-                </a:tbl>
-              </a:graphicData>
-            </a:graphic>
-          </p:graphicFrame>
-        </mc:Fallback>
-      </mc:AlternateContent>
+              </a:tr>
+              <a:tr h="370840">
+                <a:tc>
+                  <a:txBody>
+                    <a:bodyPr/>
+                    <a:lstStyle/>
+                    <a:p>
+                      <a:pPr lvl="0" algn="ctr">
+                        <a:buNone/>
+                      </a:pPr>
+                      <a:r>
+                        <a:rPr lang="de-DE"/>
+                        <a:t>0</a:t>
+                      </a:r>
+                    </a:p>
+                  </a:txBody>
+                  <a:tcPr/>
+                </a:tc>
+                <a:tc>
+                  <a:txBody>
+                    <a:bodyPr/>
+                    <a:lstStyle/>
+                    <a:p>
+                      <a:pPr lvl="0" algn="ctr">
+                        <a:buNone/>
+                      </a:pPr>
+                      <a:r>
+                        <a:rPr lang="de-DE"/>
+                        <a:t>1</a:t>
+                      </a:r>
+                    </a:p>
+                  </a:txBody>
+                  <a:tcPr/>
+                </a:tc>
+                <a:tc>
+                  <a:txBody>
+                    <a:bodyPr/>
+                    <a:lstStyle/>
+                    <a:p>
+                      <a:pPr lvl="0" algn="ctr">
+                        <a:buNone/>
+                      </a:pPr>
+                      <a:r>
+                        <a:rPr lang="de-DE"/>
+                        <a:t>0</a:t>
+                      </a:r>
+                    </a:p>
+                  </a:txBody>
+                  <a:tcPr/>
+                </a:tc>
+                <a:tc>
+                  <a:txBody>
+                    <a:bodyPr/>
+                    <a:lstStyle/>
+                    <a:p>
+                      <a:pPr lvl="0" algn="ctr">
+                        <a:buNone/>
+                      </a:pPr>
+                      <a:r>
+                        <a:rPr lang="de-DE"/>
+                        <a:t>1</a:t>
+                      </a:r>
+                    </a:p>
+                  </a:txBody>
+                  <a:tcPr/>
+                </a:tc>
+                <a:extLst>
+                  <a:ext uri="{0D108BD9-81ED-4DB2-BD59-A6C34878D82A}">
+                    <a16:rowId xmlns:a16="http://schemas.microsoft.com/office/drawing/2014/main" val="1703270876"/>
+                  </a:ext>
+                </a:extLst>
+              </a:tr>
+              <a:tr h="370840">
+                <a:tc>
+                  <a:txBody>
+                    <a:bodyPr/>
+                    <a:lstStyle/>
+                    <a:p>
+                      <a:pPr lvl="0" algn="ctr">
+                        <a:buNone/>
+                      </a:pPr>
+                      <a:r>
+                        <a:rPr lang="de-DE"/>
+                        <a:t>1</a:t>
+                      </a:r>
+                    </a:p>
+                  </a:txBody>
+                  <a:tcPr/>
+                </a:tc>
+                <a:tc>
+                  <a:txBody>
+                    <a:bodyPr/>
+                    <a:lstStyle/>
+                    <a:p>
+                      <a:pPr lvl="0" algn="ctr">
+                        <a:buNone/>
+                      </a:pPr>
+                      <a:r>
+                        <a:rPr lang="de-DE"/>
+                        <a:t>0</a:t>
+                      </a:r>
+                    </a:p>
+                  </a:txBody>
+                  <a:tcPr/>
+                </a:tc>
+                <a:tc>
+                  <a:txBody>
+                    <a:bodyPr/>
+                    <a:lstStyle/>
+                    <a:p>
+                      <a:pPr lvl="0" algn="ctr">
+                        <a:buNone/>
+                      </a:pPr>
+                      <a:r>
+                        <a:rPr lang="de-DE"/>
+                        <a:t>1</a:t>
+                      </a:r>
+                    </a:p>
+                  </a:txBody>
+                  <a:tcPr/>
+                </a:tc>
+                <a:tc>
+                  <a:txBody>
+                    <a:bodyPr/>
+                    <a:lstStyle/>
+                    <a:p>
+                      <a:pPr lvl="0" algn="ctr">
+                        <a:buNone/>
+                      </a:pPr>
+                      <a:r>
+                        <a:rPr lang="de-DE"/>
+                        <a:t>0</a:t>
+                      </a:r>
+                    </a:p>
+                  </a:txBody>
+                  <a:tcPr/>
+                </a:tc>
+                <a:extLst>
+                  <a:ext uri="{0D108BD9-81ED-4DB2-BD59-A6C34878D82A}">
+                    <a16:rowId xmlns:a16="http://schemas.microsoft.com/office/drawing/2014/main" val="2818478599"/>
+                  </a:ext>
+                </a:extLst>
+              </a:tr>
+              <a:tr h="370840">
+                <a:tc>
+                  <a:txBody>
+                    <a:bodyPr/>
+                    <a:lstStyle/>
+                    <a:p>
+                      <a:pPr lvl="0" algn="ctr">
+                        <a:buNone/>
+                      </a:pPr>
+                      <a:r>
+                        <a:rPr lang="de-DE"/>
+                        <a:t>1</a:t>
+                      </a:r>
+                    </a:p>
+                  </a:txBody>
+                  <a:tcPr/>
+                </a:tc>
+                <a:tc>
+                  <a:txBody>
+                    <a:bodyPr/>
+                    <a:lstStyle/>
+                    <a:p>
+                      <a:pPr lvl="0" algn="ctr">
+                        <a:buNone/>
+                      </a:pPr>
+                      <a:r>
+                        <a:rPr lang="de-DE"/>
+                        <a:t>1</a:t>
+                      </a:r>
+                    </a:p>
+                  </a:txBody>
+                  <a:tcPr/>
+                </a:tc>
+                <a:tc>
+                  <a:txBody>
+                    <a:bodyPr/>
+                    <a:lstStyle/>
+                    <a:p>
+                      <a:pPr lvl="0" algn="ctr">
+                        <a:buNone/>
+                      </a:pPr>
+                      <a:r>
+                        <a:rPr lang="de-DE"/>
+                        <a:t>0</a:t>
+                      </a:r>
+                    </a:p>
+                  </a:txBody>
+                  <a:tcPr/>
+                </a:tc>
+                <a:tc>
+                  <a:txBody>
+                    <a:bodyPr/>
+                    <a:lstStyle/>
+                    <a:p>
+                      <a:pPr lvl="0" algn="ctr">
+                        <a:buNone/>
+                      </a:pPr>
+                      <a:r>
+                        <a:rPr lang="de-DE"/>
+                        <a:t>0</a:t>
+                      </a:r>
+                    </a:p>
+                  </a:txBody>
+                  <a:tcPr/>
+                </a:tc>
+                <a:extLst>
+                  <a:ext uri="{0D108BD9-81ED-4DB2-BD59-A6C34878D82A}">
+                    <a16:rowId xmlns:a16="http://schemas.microsoft.com/office/drawing/2014/main" val="216001238"/>
+                  </a:ext>
+                </a:extLst>
+              </a:tr>
+            </a:tbl>
+          </a:graphicData>
+        </a:graphic>
+      </p:graphicFrame>
       <p:sp>
         <p:nvSpPr>
           <p:cNvPr id="6" name="Content Placeholder 4">
@@ -8391,7 +8317,7 @@
               <a:buNone/>
             </a:pPr>
             <a:r>
-              <a:rPr lang="en-GB" kern="0" dirty="0">
+              <a:rPr lang="en-GB" kern="0">
                 <a:cs typeface="Arial"/>
               </a:rPr>
               <a:t>a)</a:t>
@@ -8401,7 +8327,7 @@
             <a:pPr marL="0" indent="0">
               <a:buNone/>
             </a:pPr>
-            <a:endParaRPr lang="en-GB" kern="0" dirty="0">
+            <a:endParaRPr lang="en-GB" kern="0">
               <a:cs typeface="Arial"/>
             </a:endParaRPr>
           </a:p>
@@ -8409,7 +8335,7 @@
             <a:pPr marL="0" indent="0">
               <a:buNone/>
             </a:pPr>
-            <a:endParaRPr lang="en-GB" kern="0" dirty="0">
+            <a:endParaRPr lang="en-GB" kern="0">
               <a:cs typeface="Arial"/>
             </a:endParaRPr>
           </a:p>
@@ -8417,7 +8343,7 @@
             <a:pPr marL="0" indent="0">
               <a:buNone/>
             </a:pPr>
-            <a:endParaRPr lang="en-GB" kern="0" dirty="0">
+            <a:endParaRPr lang="en-GB" kern="0">
               <a:cs typeface="Arial"/>
             </a:endParaRPr>
           </a:p>
@@ -8425,7 +8351,7 @@
             <a:pPr marL="0" indent="0">
               <a:buNone/>
             </a:pPr>
-            <a:endParaRPr lang="en-GB" kern="0" dirty="0">
+            <a:endParaRPr lang="en-GB" kern="0">
               <a:cs typeface="Arial"/>
             </a:endParaRPr>
           </a:p>
@@ -8433,7 +8359,7 @@
             <a:pPr marL="0" indent="0">
               <a:buNone/>
             </a:pPr>
-            <a:endParaRPr lang="en-GB" kern="0" dirty="0">
+            <a:endParaRPr lang="en-GB" kern="0">
               <a:cs typeface="Arial"/>
             </a:endParaRPr>
           </a:p>
@@ -8441,7 +8367,7 @@
             <a:pPr marL="0" indent="0">
               <a:buNone/>
             </a:pPr>
-            <a:endParaRPr lang="en-GB" kern="0" dirty="0">
+            <a:endParaRPr lang="en-GB" kern="0">
               <a:cs typeface="Arial"/>
             </a:endParaRPr>
           </a:p>
@@ -8450,7 +8376,7 @@
               <a:buNone/>
             </a:pPr>
             <a:r>
-              <a:rPr lang="en-GB" kern="0" dirty="0">
+              <a:rPr lang="en-GB" kern="0">
                 <a:cs typeface="Arial"/>
               </a:rPr>
               <a:t>b)</a:t>
@@ -8473,7 +8399,7 @@
           <p:nvPr/>
         </p:nvPicPr>
         <p:blipFill>
-          <a:blip r:embed="rId3"/>
+          <a:blip r:embed="rId2"/>
           <a:srcRect r="132" b="2865"/>
           <a:stretch>
             <a:fillRect/>
@@ -8504,92 +8430,6 @@
         <p:spPr>
           <a:xfrm>
             <a:off x="2354317" y="5660696"/>
-            <a:ext cx="493987" cy="493987"/>
-          </a:xfrm>
-          <a:prstGeom prst="straightConnector1">
-            <a:avLst/>
-          </a:prstGeom>
-          <a:ln w="28575">
-            <a:solidFill>
-              <a:schemeClr val="tx1"/>
-            </a:solidFill>
-          </a:ln>
-        </p:spPr>
-        <p:style>
-          <a:lnRef idx="1">
-            <a:schemeClr val="accent1"/>
-          </a:lnRef>
-          <a:fillRef idx="0">
-            <a:schemeClr val="accent1"/>
-          </a:fillRef>
-          <a:effectRef idx="0">
-            <a:schemeClr val="accent1"/>
-          </a:effectRef>
-          <a:fontRef idx="minor">
-            <a:schemeClr val="tx1"/>
-          </a:fontRef>
-        </p:style>
-      </p:cxnSp>
-      <p:cxnSp>
-        <p:nvCxnSpPr>
-          <p:cNvPr id="7" name="Straight Arrow Connector 6">
-            <a:extLst>
-              <a:ext uri="{FF2B5EF4-FFF2-40B4-BE49-F238E27FC236}">
-                <a16:creationId xmlns:a16="http://schemas.microsoft.com/office/drawing/2014/main" id="{12967F4F-A90E-57DE-982A-06871D8C7806}"/>
-              </a:ext>
-            </a:extLst>
-          </p:cNvPr>
-          <p:cNvCxnSpPr>
-            <a:cxnSpLocks/>
-          </p:cNvCxnSpPr>
-          <p:nvPr/>
-        </p:nvCxnSpPr>
-        <p:spPr>
-          <a:xfrm>
-            <a:off x="2354316" y="5660695"/>
-            <a:ext cx="493987" cy="493987"/>
-          </a:xfrm>
-          <a:prstGeom prst="straightConnector1">
-            <a:avLst/>
-          </a:prstGeom>
-          <a:ln w="28575">
-            <a:solidFill>
-              <a:schemeClr val="tx1"/>
-            </a:solidFill>
-          </a:ln>
-        </p:spPr>
-        <p:style>
-          <a:lnRef idx="1">
-            <a:schemeClr val="accent1"/>
-          </a:lnRef>
-          <a:fillRef idx="0">
-            <a:schemeClr val="accent1"/>
-          </a:fillRef>
-          <a:effectRef idx="0">
-            <a:schemeClr val="accent1"/>
-          </a:effectRef>
-          <a:fontRef idx="minor">
-            <a:schemeClr val="tx1"/>
-          </a:fontRef>
-        </p:style>
-      </p:cxnSp>
-      <p:cxnSp>
-        <p:nvCxnSpPr>
-          <p:cNvPr id="8" name="Straight Arrow Connector 7">
-            <a:extLst>
-              <a:ext uri="{FF2B5EF4-FFF2-40B4-BE49-F238E27FC236}">
-                <a16:creationId xmlns:a16="http://schemas.microsoft.com/office/drawing/2014/main" id="{B284B683-F2FF-13E8-3F23-7A1E0FDB3A24}"/>
-              </a:ext>
-            </a:extLst>
-          </p:cNvPr>
-          <p:cNvCxnSpPr>
-            <a:cxnSpLocks/>
-          </p:cNvCxnSpPr>
-          <p:nvPr/>
-        </p:nvCxnSpPr>
-        <p:spPr>
-          <a:xfrm>
-            <a:off x="2354315" y="5660694"/>
             <a:ext cx="493987" cy="493987"/>
           </a:xfrm>
           <a:prstGeom prst="straightConnector1">
@@ -8661,6 +8501,78 @@
                                         </p:cTn>
                                         <p:tgtEl>
                                           <p:spTgt spid="4"/>
+                                        </p:tgtEl>
+                                        <p:attrNameLst>
+                                          <p:attrName>style.visibility</p:attrName>
+                                        </p:attrNameLst>
+                                      </p:cBhvr>
+                                      <p:to>
+                                        <p:strVal val="visible"/>
+                                      </p:to>
+                                    </p:set>
+                                  </p:childTnLst>
+                                </p:cTn>
+                              </p:par>
+                            </p:childTnLst>
+                          </p:cTn>
+                        </p:par>
+                      </p:childTnLst>
+                    </p:cTn>
+                  </p:par>
+                  <p:par>
+                    <p:cTn id="7" fill="hold">
+                      <p:stCondLst>
+                        <p:cond delay="indefinite"/>
+                      </p:stCondLst>
+                      <p:childTnLst>
+                        <p:par>
+                          <p:cTn id="8" fill="hold">
+                            <p:stCondLst>
+                              <p:cond delay="0"/>
+                            </p:stCondLst>
+                            <p:childTnLst>
+                              <p:par>
+                                <p:cTn id="9" presetID="1" presetClass="entr" presetSubtype="0" fill="hold" nodeType="clickEffect">
+                                  <p:stCondLst>
+                                    <p:cond delay="0"/>
+                                  </p:stCondLst>
+                                  <p:childTnLst>
+                                    <p:set>
+                                      <p:cBhvr>
+                                        <p:cTn id="10" dur="1" fill="hold">
+                                          <p:stCondLst>
+                                            <p:cond delay="0"/>
+                                          </p:stCondLst>
+                                        </p:cTn>
+                                        <p:tgtEl>
+                                          <p:spTgt spid="3"/>
+                                        </p:tgtEl>
+                                        <p:attrNameLst>
+                                          <p:attrName>style.visibility</p:attrName>
+                                        </p:attrNameLst>
+                                      </p:cBhvr>
+                                      <p:to>
+                                        <p:strVal val="visible"/>
+                                      </p:to>
+                                    </p:set>
+                                  </p:childTnLst>
+                                </p:cTn>
+                              </p:par>
+                              <p:par>
+                                <p:cTn id="11" presetID="1" presetClass="entr" presetSubtype="0" fill="hold" nodeType="withEffect">
+                                  <p:stCondLst>
+                                    <p:cond delay="0"/>
+                                  </p:stCondLst>
+                                  <p:childTnLst>
+                                    <p:set>
+                                      <p:cBhvr>
+                                        <p:cTn id="12" dur="1" fill="hold">
+                                          <p:stCondLst>
+                                            <p:cond delay="0"/>
+                                          </p:stCondLst>
+                                        </p:cTn>
+                                        <p:tgtEl>
+                                          <p:spTgt spid="5"/>
                                         </p:tgtEl>
                                         <p:attrNameLst>
                                           <p:attrName>style.visibility</p:attrName>
@@ -8959,7 +8871,7 @@
               <a:buNone/>
             </a:pPr>
             <a:r>
-              <a:rPr lang="en-GB" kern="0" dirty="0">
+              <a:rPr lang="en-GB" kern="0">
                 <a:cs typeface="Arial"/>
               </a:rPr>
               <a:t>a)</a:t>
@@ -8969,7 +8881,7 @@
             <a:pPr marL="0" indent="0">
               <a:buNone/>
             </a:pPr>
-            <a:endParaRPr lang="en-GB" kern="0" dirty="0">
+            <a:endParaRPr lang="en-GB" kern="0">
               <a:cs typeface="Arial"/>
             </a:endParaRPr>
           </a:p>
@@ -8977,7 +8889,7 @@
             <a:pPr marL="0" indent="0">
               <a:buNone/>
             </a:pPr>
-            <a:endParaRPr lang="en-GB" kern="0" dirty="0">
+            <a:endParaRPr lang="en-GB" kern="0">
               <a:cs typeface="Arial"/>
             </a:endParaRPr>
           </a:p>
@@ -8985,7 +8897,7 @@
             <a:pPr marL="0" indent="0">
               <a:buNone/>
             </a:pPr>
-            <a:endParaRPr lang="en-GB" kern="0" dirty="0">
+            <a:endParaRPr lang="en-GB" kern="0">
               <a:cs typeface="Arial"/>
             </a:endParaRPr>
           </a:p>
@@ -8993,7 +8905,7 @@
             <a:pPr marL="0" indent="0">
               <a:buNone/>
             </a:pPr>
-            <a:endParaRPr lang="en-GB" kern="0" dirty="0">
+            <a:endParaRPr lang="en-GB" kern="0">
               <a:cs typeface="Arial"/>
             </a:endParaRPr>
           </a:p>
@@ -9001,7 +8913,7 @@
             <a:pPr marL="0" indent="0">
               <a:buNone/>
             </a:pPr>
-            <a:endParaRPr lang="en-GB" kern="0" dirty="0">
+            <a:endParaRPr lang="en-GB" kern="0">
               <a:cs typeface="Arial"/>
             </a:endParaRPr>
           </a:p>
@@ -9009,7 +8921,7 @@
             <a:pPr marL="0" indent="0">
               <a:buNone/>
             </a:pPr>
-            <a:endParaRPr lang="en-GB" kern="0" dirty="0">
+            <a:endParaRPr lang="en-GB" kern="0">
               <a:cs typeface="Arial"/>
             </a:endParaRPr>
           </a:p>
@@ -9017,7 +8929,7 @@
             <a:pPr marL="0" indent="0">
               <a:buNone/>
             </a:pPr>
-            <a:endParaRPr lang="en-GB" kern="0" dirty="0">
+            <a:endParaRPr lang="en-GB" kern="0">
               <a:cs typeface="Arial"/>
             </a:endParaRPr>
           </a:p>
@@ -9025,7 +8937,7 @@
             <a:pPr marL="0" indent="0">
               <a:buNone/>
             </a:pPr>
-            <a:endParaRPr lang="en-GB" kern="0" dirty="0">
+            <a:endParaRPr lang="en-GB" kern="0">
               <a:cs typeface="Arial"/>
             </a:endParaRPr>
           </a:p>
@@ -9033,7 +8945,7 @@
             <a:pPr marL="0" indent="0">
               <a:buNone/>
             </a:pPr>
-            <a:endParaRPr lang="en-GB" kern="0" dirty="0">
+            <a:endParaRPr lang="en-GB" kern="0">
               <a:cs typeface="Arial"/>
             </a:endParaRPr>
           </a:p>
@@ -9042,19 +8954,19 @@
               <a:buNone/>
             </a:pPr>
             <a:r>
-              <a:rPr lang="en-GB" kern="0" dirty="0">
+              <a:rPr lang="en-GB" kern="0">
                 <a:cs typeface="Arial"/>
               </a:rPr>
               <a:t>b) </a:t>
             </a:r>
             <a:r>
-              <a:rPr lang="en-GB" kern="0" dirty="0" err="1">
+              <a:rPr lang="en-GB" kern="0" err="1">
                 <a:cs typeface="Arial"/>
               </a:rPr>
               <a:t>Multiplikation</a:t>
             </a:r>
             <a:r>
-              <a:rPr lang="en-GB" kern="0" dirty="0">
+              <a:rPr lang="en-GB" kern="0">
                 <a:cs typeface="Arial"/>
               </a:rPr>
               <a:t> von a und b</a:t>
@@ -9084,7 +8996,7 @@
           <a:lstStyle/>
           <a:p>
             <a:r>
-              <a:rPr lang="de-DE" dirty="0"/>
+              <a:rPr lang="de-DE"/>
               <a:t>Aufgabe 3.5</a:t>
             </a:r>
           </a:p>
@@ -9187,7 +9099,7 @@
                     <a:p>
                       <a:pPr algn="ctr"/>
                       <a:r>
-                        <a:rPr lang="de-DE" dirty="0"/>
+                        <a:rPr lang="de-DE"/>
                         <a:t>Takt</a:t>
                       </a:r>
                     </a:p>
@@ -9203,7 +9115,7 @@
                         <a:buNone/>
                       </a:pPr>
                       <a:r>
-                        <a:rPr lang="de-DE" dirty="0"/>
+                        <a:rPr lang="de-DE"/>
                         <a:t>en</a:t>
                       </a:r>
                     </a:p>
@@ -9219,7 +9131,7 @@
                         <a:buNone/>
                       </a:pPr>
                       <a:r>
-                        <a:rPr lang="de-DE" dirty="0"/>
+                        <a:rPr lang="de-DE"/>
                         <a:t>a</a:t>
                       </a:r>
                     </a:p>
@@ -9235,7 +9147,7 @@
                         <a:buNone/>
                       </a:pPr>
                       <a:r>
-                        <a:rPr lang="de-DE" dirty="0"/>
+                        <a:rPr lang="de-DE"/>
                         <a:t>b</a:t>
                       </a:r>
                     </a:p>
@@ -9251,7 +9163,7 @@
                         <a:buNone/>
                       </a:pPr>
                       <a:r>
-                        <a:rPr lang="de-DE" dirty="0"/>
+                        <a:rPr lang="de-DE"/>
                         <a:t>A</a:t>
                       </a:r>
                     </a:p>
@@ -9267,7 +9179,7 @@
                         <a:buNone/>
                       </a:pPr>
                       <a:r>
-                        <a:rPr lang="de-DE" dirty="0"/>
+                        <a:rPr lang="de-DE"/>
                         <a:t>B</a:t>
                       </a:r>
                     </a:p>
@@ -9283,7 +9195,7 @@
                         <a:buNone/>
                       </a:pPr>
                       <a:r>
-                        <a:rPr lang="de-DE" dirty="0"/>
+                        <a:rPr lang="de-DE"/>
                         <a:t>S</a:t>
                       </a:r>
                     </a:p>
@@ -9299,7 +9211,7 @@
                         <a:buNone/>
                       </a:pPr>
                       <a:r>
-                        <a:rPr lang="de-DE" dirty="0"/>
+                        <a:rPr lang="de-DE"/>
                         <a:t>R</a:t>
                       </a:r>
                     </a:p>
@@ -9322,7 +9234,7 @@
                         <a:buNone/>
                       </a:pPr>
                       <a:r>
-                        <a:rPr lang="de-DE" dirty="0"/>
+                        <a:rPr lang="de-DE"/>
                         <a:t>0</a:t>
                       </a:r>
                     </a:p>
@@ -9338,7 +9250,7 @@
                         <a:buNone/>
                       </a:pPr>
                       <a:r>
-                        <a:rPr lang="de-DE" dirty="0"/>
+                        <a:rPr lang="de-DE"/>
                         <a:t>1</a:t>
                       </a:r>
                     </a:p>
@@ -9354,7 +9266,7 @@
                         <a:buNone/>
                       </a:pPr>
                       <a:r>
-                        <a:rPr lang="de-DE" dirty="0"/>
+                        <a:rPr lang="de-DE"/>
                         <a:t>4</a:t>
                       </a:r>
                     </a:p>
@@ -9370,7 +9282,7 @@
                         <a:buNone/>
                       </a:pPr>
                       <a:r>
-                        <a:rPr lang="de-DE" dirty="0"/>
+                        <a:rPr lang="de-DE"/>
                         <a:t>8</a:t>
                       </a:r>
                     </a:p>
@@ -9384,7 +9296,7 @@
                     <a:p>
                       <a:pPr algn="ctr"/>
                       <a:r>
-                        <a:rPr lang="de-DE" dirty="0"/>
+                        <a:rPr lang="de-DE"/>
                         <a:t>0</a:t>
                       </a:r>
                     </a:p>
@@ -9398,7 +9310,7 @@
                     <a:p>
                       <a:pPr algn="ctr"/>
                       <a:r>
-                        <a:rPr lang="de-DE" dirty="0"/>
+                        <a:rPr lang="de-DE"/>
                         <a:t>0</a:t>
                       </a:r>
                     </a:p>
@@ -9414,7 +9326,7 @@
                         <a:buNone/>
                       </a:pPr>
                       <a:r>
-                        <a:rPr lang="de-DE" dirty="0"/>
+                        <a:rPr lang="de-DE"/>
                         <a:t>0</a:t>
                       </a:r>
                     </a:p>
@@ -9430,7 +9342,7 @@
                         <a:buNone/>
                       </a:pPr>
                       <a:r>
-                        <a:rPr lang="de-DE" dirty="0"/>
+                        <a:rPr lang="de-DE"/>
                         <a:t>0</a:t>
                       </a:r>
                     </a:p>
@@ -9451,7 +9363,7 @@
                     <a:p>
                       <a:pPr algn="ctr"/>
                       <a:r>
-                        <a:rPr lang="de-DE" dirty="0"/>
+                        <a:rPr lang="de-DE"/>
                         <a:t>1</a:t>
                       </a:r>
                     </a:p>
@@ -9467,7 +9379,7 @@
                         <a:buNone/>
                       </a:pPr>
                       <a:r>
-                        <a:rPr lang="de-DE" dirty="0"/>
+                        <a:rPr lang="de-DE"/>
                         <a:t>0</a:t>
                       </a:r>
                     </a:p>
@@ -9483,7 +9395,7 @@
                         <a:buNone/>
                       </a:pPr>
                       <a:r>
-                        <a:rPr lang="de-DE" dirty="0"/>
+                        <a:rPr lang="de-DE"/>
                         <a:t>4</a:t>
                       </a:r>
                     </a:p>
@@ -9499,7 +9411,7 @@
                         <a:buNone/>
                       </a:pPr>
                       <a:r>
-                        <a:rPr lang="de-DE" dirty="0"/>
+                        <a:rPr lang="de-DE"/>
                         <a:t>8</a:t>
                       </a:r>
                     </a:p>
@@ -9513,7 +9425,7 @@
                     <a:p>
                       <a:pPr algn="ctr"/>
                       <a:r>
-                        <a:rPr lang="de-DE" dirty="0"/>
+                        <a:rPr lang="de-DE"/>
                         <a:t>4</a:t>
                       </a:r>
                     </a:p>
@@ -9527,7 +9439,7 @@
                     <a:p>
                       <a:pPr algn="ctr"/>
                       <a:r>
-                        <a:rPr lang="de-DE" dirty="0"/>
+                        <a:rPr lang="de-DE"/>
                         <a:t>8</a:t>
                       </a:r>
                     </a:p>
@@ -9543,7 +9455,7 @@
                         <a:buNone/>
                       </a:pPr>
                       <a:r>
-                        <a:rPr lang="de-DE" dirty="0"/>
+                        <a:rPr lang="de-DE"/>
                         <a:t>0</a:t>
                       </a:r>
                     </a:p>
@@ -9559,7 +9471,7 @@
                         <a:buNone/>
                       </a:pPr>
                       <a:r>
-                        <a:rPr lang="de-DE" dirty="0"/>
+                        <a:rPr lang="de-DE"/>
                         <a:t>0</a:t>
                       </a:r>
                     </a:p>
@@ -9580,7 +9492,7 @@
                     <a:p>
                       <a:pPr algn="ctr"/>
                       <a:r>
-                        <a:rPr lang="de-DE" dirty="0"/>
+                        <a:rPr lang="de-DE"/>
                         <a:t>2</a:t>
                       </a:r>
                     </a:p>
@@ -9596,7 +9508,7 @@
                         <a:buNone/>
                       </a:pPr>
                       <a:r>
-                        <a:rPr lang="de-DE" dirty="0"/>
+                        <a:rPr lang="de-DE"/>
                         <a:t>0</a:t>
                       </a:r>
                     </a:p>
@@ -9612,7 +9524,7 @@
                         <a:buNone/>
                       </a:pPr>
                       <a:r>
-                        <a:rPr lang="de-DE" dirty="0"/>
+                        <a:rPr lang="de-DE"/>
                         <a:t>4</a:t>
                       </a:r>
                     </a:p>
@@ -9628,7 +9540,7 @@
                         <a:buNone/>
                       </a:pPr>
                       <a:r>
-                        <a:rPr lang="de-DE" dirty="0"/>
+                        <a:rPr lang="de-DE"/>
                         <a:t>8</a:t>
                       </a:r>
                     </a:p>
@@ -9642,7 +9554,7 @@
                     <a:p>
                       <a:pPr algn="ctr"/>
                       <a:r>
-                        <a:rPr lang="de-DE" dirty="0"/>
+                        <a:rPr lang="de-DE"/>
                         <a:t>3</a:t>
                       </a:r>
                     </a:p>
@@ -9656,7 +9568,7 @@
                     <a:p>
                       <a:pPr algn="ctr"/>
                       <a:r>
-                        <a:rPr lang="de-DE" dirty="0"/>
+                        <a:rPr lang="de-DE"/>
                         <a:t>8</a:t>
                       </a:r>
                     </a:p>
@@ -9672,7 +9584,7 @@
                         <a:buNone/>
                       </a:pPr>
                       <a:r>
-                        <a:rPr lang="de-DE" dirty="0"/>
+                        <a:rPr lang="de-DE"/>
                         <a:t>8</a:t>
                       </a:r>
                     </a:p>
@@ -9688,7 +9600,7 @@
                         <a:buNone/>
                       </a:pPr>
                       <a:r>
-                        <a:rPr lang="de-DE" dirty="0"/>
+                        <a:rPr lang="de-DE"/>
                         <a:t>0</a:t>
                       </a:r>
                     </a:p>
@@ -9709,7 +9621,7 @@
                     <a:p>
                       <a:pPr algn="ctr"/>
                       <a:r>
-                        <a:rPr lang="de-DE" dirty="0"/>
+                        <a:rPr lang="de-DE"/>
                         <a:t>3</a:t>
                       </a:r>
                     </a:p>
@@ -9725,7 +9637,7 @@
                         <a:buNone/>
                       </a:pPr>
                       <a:r>
-                        <a:rPr lang="de-DE" dirty="0"/>
+                        <a:rPr lang="de-DE"/>
                         <a:t>0</a:t>
                       </a:r>
                     </a:p>
@@ -9741,7 +9653,7 @@
                         <a:buNone/>
                       </a:pPr>
                       <a:r>
-                        <a:rPr lang="de-DE" dirty="0"/>
+                        <a:rPr lang="de-DE"/>
                         <a:t>4</a:t>
                       </a:r>
                     </a:p>
@@ -9757,7 +9669,7 @@
                         <a:buNone/>
                       </a:pPr>
                       <a:r>
-                        <a:rPr lang="de-DE" dirty="0"/>
+                        <a:rPr lang="de-DE"/>
                         <a:t>8</a:t>
                       </a:r>
                     </a:p>
@@ -9771,7 +9683,7 @@
                     <a:p>
                       <a:pPr algn="ctr"/>
                       <a:r>
-                        <a:rPr lang="de-DE" dirty="0"/>
+                        <a:rPr lang="de-DE"/>
                         <a:t>2</a:t>
                       </a:r>
                     </a:p>
@@ -9785,7 +9697,7 @@
                     <a:p>
                       <a:pPr algn="ctr"/>
                       <a:r>
-                        <a:rPr lang="de-DE" dirty="0"/>
+                        <a:rPr lang="de-DE"/>
                         <a:t>8</a:t>
                       </a:r>
                     </a:p>
@@ -9801,7 +9713,7 @@
                         <a:buNone/>
                       </a:pPr>
                       <a:r>
-                        <a:rPr lang="de-DE" dirty="0"/>
+                        <a:rPr lang="de-DE"/>
                         <a:t>16</a:t>
                       </a:r>
                     </a:p>
@@ -9817,7 +9729,7 @@
                         <a:buNone/>
                       </a:pPr>
                       <a:r>
-                        <a:rPr lang="de-DE" dirty="0"/>
+                        <a:rPr lang="de-DE"/>
                         <a:t>0</a:t>
                       </a:r>
                     </a:p>
@@ -9840,7 +9752,7 @@
                         <a:buNone/>
                       </a:pPr>
                       <a:r>
-                        <a:rPr lang="de-DE" dirty="0"/>
+                        <a:rPr lang="de-DE"/>
                         <a:t>4</a:t>
                       </a:r>
                     </a:p>
@@ -9856,7 +9768,7 @@
                         <a:buNone/>
                       </a:pPr>
                       <a:r>
-                        <a:rPr lang="de-DE" dirty="0"/>
+                        <a:rPr lang="de-DE"/>
                         <a:t>0</a:t>
                       </a:r>
                     </a:p>
@@ -9872,7 +9784,7 @@
                         <a:buNone/>
                       </a:pPr>
                       <a:r>
-                        <a:rPr lang="de-DE" dirty="0"/>
+                        <a:rPr lang="de-DE"/>
                         <a:t>4</a:t>
                       </a:r>
                     </a:p>
@@ -9888,7 +9800,7 @@
                         <a:buNone/>
                       </a:pPr>
                       <a:r>
-                        <a:rPr lang="de-DE" dirty="0"/>
+                        <a:rPr lang="de-DE"/>
                         <a:t>8</a:t>
                       </a:r>
                     </a:p>
@@ -9904,7 +9816,7 @@
                         <a:buNone/>
                       </a:pPr>
                       <a:r>
-                        <a:rPr lang="de-DE" dirty="0"/>
+                        <a:rPr lang="de-DE"/>
                         <a:t>1</a:t>
                       </a:r>
                     </a:p>
@@ -9920,7 +9832,7 @@
                         <a:buNone/>
                       </a:pPr>
                       <a:r>
-                        <a:rPr lang="de-DE" dirty="0"/>
+                        <a:rPr lang="de-DE"/>
                         <a:t>8</a:t>
                       </a:r>
                     </a:p>
@@ -9936,7 +9848,7 @@
                         <a:buNone/>
                       </a:pPr>
                       <a:r>
-                        <a:rPr lang="de-DE" dirty="0"/>
+                        <a:rPr lang="de-DE"/>
                         <a:t>24</a:t>
                       </a:r>
                     </a:p>
@@ -9952,7 +9864,7 @@
                         <a:buNone/>
                       </a:pPr>
                       <a:r>
-                        <a:rPr lang="de-DE" dirty="0"/>
+                        <a:rPr lang="de-DE"/>
                         <a:t>0</a:t>
                       </a:r>
                     </a:p>
@@ -9975,7 +9887,7 @@
                         <a:buNone/>
                       </a:pPr>
                       <a:r>
-                        <a:rPr lang="de-DE" dirty="0"/>
+                        <a:rPr lang="de-DE"/>
                         <a:t>5</a:t>
                       </a:r>
                     </a:p>
@@ -9991,7 +9903,7 @@
                         <a:buNone/>
                       </a:pPr>
                       <a:r>
-                        <a:rPr lang="de-DE" dirty="0"/>
+                        <a:rPr lang="de-DE"/>
                         <a:t>0</a:t>
                       </a:r>
                     </a:p>
@@ -10007,7 +9919,7 @@
                         <a:buNone/>
                       </a:pPr>
                       <a:r>
-                        <a:rPr lang="de-DE" dirty="0"/>
+                        <a:rPr lang="de-DE"/>
                         <a:t>4</a:t>
                       </a:r>
                     </a:p>
@@ -10023,7 +9935,7 @@
                         <a:buNone/>
                       </a:pPr>
                       <a:r>
-                        <a:rPr lang="de-DE" dirty="0"/>
+                        <a:rPr lang="de-DE"/>
                         <a:t>8</a:t>
                       </a:r>
                     </a:p>
@@ -10039,7 +9951,7 @@
                         <a:buNone/>
                       </a:pPr>
                       <a:r>
-                        <a:rPr lang="de-DE" dirty="0"/>
+                        <a:rPr lang="de-DE"/>
                         <a:t>0</a:t>
                       </a:r>
                     </a:p>
@@ -10055,7 +9967,7 @@
                         <a:buNone/>
                       </a:pPr>
                       <a:r>
-                        <a:rPr lang="de-DE" dirty="0"/>
+                        <a:rPr lang="de-DE"/>
                         <a:t>8</a:t>
                       </a:r>
                     </a:p>
@@ -10071,7 +9983,7 @@
                         <a:buNone/>
                       </a:pPr>
                       <a:r>
-                        <a:rPr lang="de-DE" dirty="0"/>
+                        <a:rPr lang="de-DE"/>
                         <a:t>32</a:t>
                       </a:r>
                     </a:p>
@@ -10087,7 +9999,7 @@
                         <a:buNone/>
                       </a:pPr>
                       <a:r>
-                        <a:rPr lang="de-DE" dirty="0"/>
+                        <a:rPr lang="de-DE"/>
                         <a:t>0</a:t>
                       </a:r>
                     </a:p>
@@ -10110,7 +10022,7 @@
                         <a:buNone/>
                       </a:pPr>
                       <a:r>
-                        <a:rPr lang="de-DE" dirty="0"/>
+                        <a:rPr lang="de-DE"/>
                         <a:t>6</a:t>
                       </a:r>
                     </a:p>
@@ -10126,7 +10038,7 @@
                         <a:buNone/>
                       </a:pPr>
                       <a:r>
-                        <a:rPr lang="de-DE" dirty="0"/>
+                        <a:rPr lang="de-DE"/>
                         <a:t>0</a:t>
                       </a:r>
                     </a:p>
@@ -10142,7 +10054,7 @@
                         <a:buNone/>
                       </a:pPr>
                       <a:r>
-                        <a:rPr lang="de-DE" dirty="0"/>
+                        <a:rPr lang="de-DE"/>
                         <a:t>4</a:t>
                       </a:r>
                     </a:p>
@@ -10158,7 +10070,7 @@
                         <a:buNone/>
                       </a:pPr>
                       <a:r>
-                        <a:rPr lang="de-DE" dirty="0"/>
+                        <a:rPr lang="de-DE"/>
                         <a:t>8</a:t>
                       </a:r>
                     </a:p>
@@ -10174,7 +10086,7 @@
                         <a:buNone/>
                       </a:pPr>
                       <a:r>
-                        <a:rPr lang="de-DE" dirty="0"/>
+                        <a:rPr lang="de-DE"/>
                         <a:t>X</a:t>
                       </a:r>
                     </a:p>
@@ -10190,7 +10102,7 @@
                         <a:buNone/>
                       </a:pPr>
                       <a:r>
-                        <a:rPr lang="de-DE" dirty="0"/>
+                        <a:rPr lang="de-DE"/>
                         <a:t>8</a:t>
                       </a:r>
                     </a:p>
@@ -10206,7 +10118,7 @@
                         <a:buNone/>
                       </a:pPr>
                       <a:r>
-                        <a:rPr lang="de-DE" dirty="0"/>
+                        <a:rPr lang="de-DE"/>
                         <a:t>X</a:t>
                       </a:r>
                     </a:p>
@@ -10222,7 +10134,7 @@
                         <a:buNone/>
                       </a:pPr>
                       <a:r>
-                        <a:rPr lang="de-DE" dirty="0"/>
+                        <a:rPr lang="de-DE"/>
                         <a:t>32</a:t>
                       </a:r>
                     </a:p>
@@ -10421,7 +10333,7 @@
           <a:lstStyle/>
           <a:p>
             <a:r>
-              <a:rPr lang="de-DE" dirty="0"/>
+              <a:rPr lang="de-DE"/>
               <a:t>Aufgabe 3.6</a:t>
             </a:r>
           </a:p>
@@ -10659,7 +10571,7 @@
               <a:buNone/>
             </a:pPr>
             <a:r>
-              <a:rPr lang="en-GB" kern="0" dirty="0">
+              <a:rPr lang="en-GB" kern="0">
                 <a:cs typeface="Arial"/>
               </a:rPr>
               <a:t>a)</a:t>
@@ -10669,7 +10581,7 @@
             <a:pPr marL="0" indent="0">
               <a:buNone/>
             </a:pPr>
-            <a:endParaRPr lang="en-GB" kern="0" dirty="0">
+            <a:endParaRPr lang="en-GB" kern="0">
               <a:cs typeface="Arial"/>
             </a:endParaRPr>
           </a:p>
@@ -10677,7 +10589,7 @@
             <a:pPr marL="0" indent="0">
               <a:buNone/>
             </a:pPr>
-            <a:endParaRPr lang="en-GB" kern="0" dirty="0">
+            <a:endParaRPr lang="en-GB" kern="0">
               <a:cs typeface="Arial"/>
             </a:endParaRPr>
           </a:p>
@@ -10685,7 +10597,7 @@
             <a:pPr marL="0" indent="0">
               <a:buNone/>
             </a:pPr>
-            <a:endParaRPr lang="en-GB" kern="0" dirty="0">
+            <a:endParaRPr lang="en-GB" kern="0">
               <a:cs typeface="Arial"/>
             </a:endParaRPr>
           </a:p>
@@ -10693,7 +10605,7 @@
             <a:pPr marL="0" indent="0">
               <a:buNone/>
             </a:pPr>
-            <a:endParaRPr lang="en-GB" kern="0" dirty="0">
+            <a:endParaRPr lang="en-GB" kern="0">
               <a:cs typeface="Arial"/>
             </a:endParaRPr>
           </a:p>
@@ -10701,7 +10613,7 @@
             <a:pPr marL="0" indent="0">
               <a:buNone/>
             </a:pPr>
-            <a:endParaRPr lang="en-GB" kern="0" dirty="0">
+            <a:endParaRPr lang="en-GB" kern="0">
               <a:cs typeface="Arial"/>
             </a:endParaRPr>
           </a:p>
@@ -10709,7 +10621,7 @@
             <a:pPr marL="0" indent="0">
               <a:buNone/>
             </a:pPr>
-            <a:endParaRPr lang="en-GB" kern="0" dirty="0">
+            <a:endParaRPr lang="en-GB" kern="0">
               <a:cs typeface="Arial"/>
             </a:endParaRPr>
           </a:p>
@@ -10717,7 +10629,7 @@
             <a:pPr marL="0" indent="0">
               <a:buNone/>
             </a:pPr>
-            <a:endParaRPr lang="en-GB" kern="0" dirty="0">
+            <a:endParaRPr lang="en-GB" kern="0">
               <a:cs typeface="Arial"/>
             </a:endParaRPr>
           </a:p>
@@ -10725,7 +10637,7 @@
             <a:pPr marL="0" indent="0">
               <a:buNone/>
             </a:pPr>
-            <a:endParaRPr lang="en-GB" kern="0" dirty="0">
+            <a:endParaRPr lang="en-GB" kern="0">
               <a:cs typeface="Arial"/>
             </a:endParaRPr>
           </a:p>
@@ -10733,7 +10645,7 @@
             <a:pPr marL="0" indent="0">
               <a:buNone/>
             </a:pPr>
-            <a:endParaRPr lang="en-GB" kern="0" dirty="0">
+            <a:endParaRPr lang="en-GB" kern="0">
               <a:cs typeface="Arial"/>
             </a:endParaRPr>
           </a:p>
@@ -10742,79 +10654,79 @@
               <a:buNone/>
             </a:pPr>
             <a:r>
-              <a:rPr lang="en-GB" kern="0" dirty="0">
+              <a:rPr lang="en-GB" kern="0">
                 <a:cs typeface="Arial"/>
               </a:rPr>
               <a:t>b) Ein </a:t>
             </a:r>
             <a:r>
-              <a:rPr lang="en-GB" kern="0" dirty="0" err="1">
+              <a:rPr lang="en-GB" kern="0" err="1">
                 <a:cs typeface="Arial"/>
               </a:rPr>
               <a:t>Schaltwerk</a:t>
             </a:r>
             <a:r>
-              <a:rPr lang="en-GB" kern="0" dirty="0">
+              <a:rPr lang="en-GB" kern="0">
                 <a:cs typeface="Arial"/>
               </a:rPr>
               <a:t> </a:t>
             </a:r>
             <a:r>
-              <a:rPr lang="en-GB" kern="0" dirty="0" err="1">
+              <a:rPr lang="en-GB" kern="0" err="1">
                 <a:cs typeface="Arial"/>
               </a:rPr>
               <a:t>enthält</a:t>
             </a:r>
             <a:r>
-              <a:rPr lang="en-GB" kern="0" dirty="0">
+              <a:rPr lang="en-GB" kern="0">
                 <a:cs typeface="Arial"/>
               </a:rPr>
               <a:t> </a:t>
             </a:r>
             <a:r>
-              <a:rPr lang="en-GB" kern="0" dirty="0" err="1">
+              <a:rPr lang="en-GB" kern="0" err="1">
                 <a:cs typeface="Arial"/>
               </a:rPr>
               <a:t>speichernde</a:t>
             </a:r>
             <a:r>
-              <a:rPr lang="en-GB" kern="0" dirty="0">
+              <a:rPr lang="en-GB" kern="0">
                 <a:cs typeface="Arial"/>
               </a:rPr>
               <a:t> </a:t>
             </a:r>
             <a:r>
-              <a:rPr lang="en-GB" kern="0" dirty="0" err="1">
+              <a:rPr lang="en-GB" kern="0" err="1">
                 <a:cs typeface="Arial"/>
               </a:rPr>
               <a:t>Elemente</a:t>
             </a:r>
             <a:r>
-              <a:rPr lang="en-GB" kern="0" dirty="0">
+              <a:rPr lang="en-GB" kern="0">
                 <a:cs typeface="Arial"/>
               </a:rPr>
               <a:t>, </a:t>
             </a:r>
             <a:r>
-              <a:rPr lang="en-GB" kern="0" dirty="0" err="1">
+              <a:rPr lang="en-GB" kern="0" err="1">
                 <a:cs typeface="Arial"/>
               </a:rPr>
               <a:t>ein</a:t>
             </a:r>
             <a:r>
-              <a:rPr lang="en-GB" kern="0" dirty="0">
+              <a:rPr lang="en-GB" kern="0">
                 <a:cs typeface="Arial"/>
               </a:rPr>
               <a:t> </a:t>
             </a:r>
             <a:r>
-              <a:rPr lang="en-GB" kern="0" dirty="0" err="1">
+              <a:rPr lang="en-GB" kern="0" err="1">
                 <a:cs typeface="Arial"/>
               </a:rPr>
               <a:t>Schaltnetz</a:t>
             </a:r>
             <a:r>
-              <a:rPr lang="en-GB" kern="0" dirty="0">
+              <a:rPr lang="en-GB" kern="0">
                 <a:cs typeface="Arial"/>
               </a:rPr>
               <a:t> nicht.</a:t>
@@ -10877,49 +10789,6 @@
         <p:spPr>
           <a:xfrm>
             <a:off x="10664141" y="3020027"/>
-            <a:ext cx="113817" cy="113817"/>
-          </a:xfrm>
-          <a:prstGeom prst="straightConnector1">
-            <a:avLst/>
-          </a:prstGeom>
-          <a:ln w="12700">
-            <a:solidFill>
-              <a:schemeClr val="tx1"/>
-            </a:solidFill>
-          </a:ln>
-        </p:spPr>
-        <p:style>
-          <a:lnRef idx="1">
-            <a:schemeClr val="accent1"/>
-          </a:lnRef>
-          <a:fillRef idx="0">
-            <a:schemeClr val="accent1"/>
-          </a:fillRef>
-          <a:effectRef idx="0">
-            <a:schemeClr val="accent1"/>
-          </a:effectRef>
-          <a:fontRef idx="minor">
-            <a:schemeClr val="tx1"/>
-          </a:fontRef>
-        </p:style>
-      </p:cxnSp>
-      <p:cxnSp>
-        <p:nvCxnSpPr>
-          <p:cNvPr id="9" name="Straight Arrow Connector 8">
-            <a:extLst>
-              <a:ext uri="{FF2B5EF4-FFF2-40B4-BE49-F238E27FC236}">
-                <a16:creationId xmlns:a16="http://schemas.microsoft.com/office/drawing/2014/main" id="{29102F20-482B-0C13-2BD6-4C6F440ADE50}"/>
-              </a:ext>
-            </a:extLst>
-          </p:cNvPr>
-          <p:cNvCxnSpPr>
-            <a:cxnSpLocks/>
-          </p:cNvCxnSpPr>
-          <p:nvPr/>
-        </p:nvCxnSpPr>
-        <p:spPr>
-          <a:xfrm>
-            <a:off x="10664140" y="3020026"/>
             <a:ext cx="113817" cy="113817"/>
           </a:xfrm>
           <a:prstGeom prst="straightConnector1">
@@ -11034,49 +10903,6 @@
       </p:cxnSp>
       <p:cxnSp>
         <p:nvCxnSpPr>
-          <p:cNvPr id="16" name="Straight Arrow Connector 15">
-            <a:extLst>
-              <a:ext uri="{FF2B5EF4-FFF2-40B4-BE49-F238E27FC236}">
-                <a16:creationId xmlns:a16="http://schemas.microsoft.com/office/drawing/2014/main" id="{AEA93225-1E2B-2F8D-216A-86B145F572EF}"/>
-              </a:ext>
-            </a:extLst>
-          </p:cNvPr>
-          <p:cNvCxnSpPr>
-            <a:cxnSpLocks/>
-          </p:cNvCxnSpPr>
-          <p:nvPr/>
-        </p:nvCxnSpPr>
-        <p:spPr>
-          <a:xfrm>
-            <a:off x="9689937" y="4166074"/>
-            <a:ext cx="113817" cy="113817"/>
-          </a:xfrm>
-          <a:prstGeom prst="straightConnector1">
-            <a:avLst/>
-          </a:prstGeom>
-          <a:ln w="12700">
-            <a:solidFill>
-              <a:schemeClr val="tx1"/>
-            </a:solidFill>
-          </a:ln>
-        </p:spPr>
-        <p:style>
-          <a:lnRef idx="1">
-            <a:schemeClr val="accent1"/>
-          </a:lnRef>
-          <a:fillRef idx="0">
-            <a:schemeClr val="accent1"/>
-          </a:fillRef>
-          <a:effectRef idx="0">
-            <a:schemeClr val="accent1"/>
-          </a:effectRef>
-          <a:fontRef idx="minor">
-            <a:schemeClr val="tx1"/>
-          </a:fontRef>
-        </p:style>
-      </p:cxnSp>
-      <p:cxnSp>
-        <p:nvCxnSpPr>
           <p:cNvPr id="18" name="Straight Arrow Connector 17">
             <a:extLst>
               <a:ext uri="{FF2B5EF4-FFF2-40B4-BE49-F238E27FC236}">
@@ -11120,49 +10946,6 @@
       </p:cxnSp>
       <p:cxnSp>
         <p:nvCxnSpPr>
-          <p:cNvPr id="19" name="Straight Arrow Connector 18">
-            <a:extLst>
-              <a:ext uri="{FF2B5EF4-FFF2-40B4-BE49-F238E27FC236}">
-                <a16:creationId xmlns:a16="http://schemas.microsoft.com/office/drawing/2014/main" id="{E45AB642-FE67-0439-10C6-67DEEF212943}"/>
-              </a:ext>
-            </a:extLst>
-          </p:cNvPr>
-          <p:cNvCxnSpPr>
-            <a:cxnSpLocks/>
-          </p:cNvCxnSpPr>
-          <p:nvPr/>
-        </p:nvCxnSpPr>
-        <p:spPr>
-          <a:xfrm>
-            <a:off x="9682067" y="2604380"/>
-            <a:ext cx="113817" cy="113817"/>
-          </a:xfrm>
-          <a:prstGeom prst="straightConnector1">
-            <a:avLst/>
-          </a:prstGeom>
-          <a:ln w="12700">
-            <a:solidFill>
-              <a:schemeClr val="tx1"/>
-            </a:solidFill>
-          </a:ln>
-        </p:spPr>
-        <p:style>
-          <a:lnRef idx="1">
-            <a:schemeClr val="accent1"/>
-          </a:lnRef>
-          <a:fillRef idx="0">
-            <a:schemeClr val="accent1"/>
-          </a:fillRef>
-          <a:effectRef idx="0">
-            <a:schemeClr val="accent1"/>
-          </a:effectRef>
-          <a:fontRef idx="minor">
-            <a:schemeClr val="tx1"/>
-          </a:fontRef>
-        </p:style>
-      </p:cxnSp>
-      <p:cxnSp>
-        <p:nvCxnSpPr>
           <p:cNvPr id="3" name="Straight Arrow Connector 2">
             <a:extLst>
               <a:ext uri="{FF2B5EF4-FFF2-40B4-BE49-F238E27FC236}">
@@ -11178,49 +10961,6 @@
         <p:spPr>
           <a:xfrm>
             <a:off x="10664139" y="3440439"/>
-            <a:ext cx="113817" cy="113817"/>
-          </a:xfrm>
-          <a:prstGeom prst="straightConnector1">
-            <a:avLst/>
-          </a:prstGeom>
-          <a:ln w="12700">
-            <a:solidFill>
-              <a:schemeClr val="tx1"/>
-            </a:solidFill>
-          </a:ln>
-        </p:spPr>
-        <p:style>
-          <a:lnRef idx="1">
-            <a:schemeClr val="accent1"/>
-          </a:lnRef>
-          <a:fillRef idx="0">
-            <a:schemeClr val="accent1"/>
-          </a:fillRef>
-          <a:effectRef idx="0">
-            <a:schemeClr val="accent1"/>
-          </a:effectRef>
-          <a:fontRef idx="minor">
-            <a:schemeClr val="tx1"/>
-          </a:fontRef>
-        </p:style>
-      </p:cxnSp>
-      <p:cxnSp>
-        <p:nvCxnSpPr>
-          <p:cNvPr id="4" name="Straight Arrow Connector 3">
-            <a:extLst>
-              <a:ext uri="{FF2B5EF4-FFF2-40B4-BE49-F238E27FC236}">
-                <a16:creationId xmlns:a16="http://schemas.microsoft.com/office/drawing/2014/main" id="{BCB32485-5D40-1F31-76B8-448958D53626}"/>
-              </a:ext>
-            </a:extLst>
-          </p:cNvPr>
-          <p:cNvCxnSpPr>
-            <a:cxnSpLocks/>
-          </p:cNvCxnSpPr>
-          <p:nvPr/>
-        </p:nvCxnSpPr>
-        <p:spPr>
-          <a:xfrm>
-            <a:off x="10664138" y="3440438"/>
             <a:ext cx="113817" cy="113817"/>
           </a:xfrm>
           <a:prstGeom prst="straightConnector1">
@@ -11304,6 +11044,141 @@
                                   </p:childTnLst>
                                 </p:cTn>
                               </p:par>
+                              <p:par>
+                                <p:cTn id="7" presetID="1" presetClass="entr" presetSubtype="0" fill="hold" nodeType="withEffect">
+                                  <p:stCondLst>
+                                    <p:cond delay="0"/>
+                                  </p:stCondLst>
+                                  <p:childTnLst>
+                                    <p:set>
+                                      <p:cBhvr>
+                                        <p:cTn id="8" dur="1" fill="hold">
+                                          <p:stCondLst>
+                                            <p:cond delay="0"/>
+                                          </p:stCondLst>
+                                        </p:cTn>
+                                        <p:tgtEl>
+                                          <p:spTgt spid="18"/>
+                                        </p:tgtEl>
+                                        <p:attrNameLst>
+                                          <p:attrName>style.visibility</p:attrName>
+                                        </p:attrNameLst>
+                                      </p:cBhvr>
+                                      <p:to>
+                                        <p:strVal val="visible"/>
+                                      </p:to>
+                                    </p:set>
+                                  </p:childTnLst>
+                                </p:cTn>
+                              </p:par>
+                              <p:par>
+                                <p:cTn id="9" presetID="1" presetClass="entr" presetSubtype="0" fill="hold" nodeType="withEffect">
+                                  <p:stCondLst>
+                                    <p:cond delay="0"/>
+                                  </p:stCondLst>
+                                  <p:childTnLst>
+                                    <p:set>
+                                      <p:cBhvr>
+                                        <p:cTn id="10" dur="1" fill="hold">
+                                          <p:stCondLst>
+                                            <p:cond delay="0"/>
+                                          </p:stCondLst>
+                                        </p:cTn>
+                                        <p:tgtEl>
+                                          <p:spTgt spid="8"/>
+                                        </p:tgtEl>
+                                        <p:attrNameLst>
+                                          <p:attrName>style.visibility</p:attrName>
+                                        </p:attrNameLst>
+                                      </p:cBhvr>
+                                      <p:to>
+                                        <p:strVal val="visible"/>
+                                      </p:to>
+                                    </p:set>
+                                  </p:childTnLst>
+                                </p:cTn>
+                              </p:par>
+                              <p:par>
+                                <p:cTn id="11" presetID="1" presetClass="entr" presetSubtype="0" fill="hold" nodeType="withEffect">
+                                  <p:stCondLst>
+                                    <p:cond delay="0"/>
+                                  </p:stCondLst>
+                                  <p:childTnLst>
+                                    <p:set>
+                                      <p:cBhvr>
+                                        <p:cTn id="12" dur="1" fill="hold">
+                                          <p:stCondLst>
+                                            <p:cond delay="0"/>
+                                          </p:stCondLst>
+                                        </p:cTn>
+                                        <p:tgtEl>
+                                          <p:spTgt spid="3"/>
+                                        </p:tgtEl>
+                                        <p:attrNameLst>
+                                          <p:attrName>style.visibility</p:attrName>
+                                        </p:attrNameLst>
+                                      </p:cBhvr>
+                                      <p:to>
+                                        <p:strVal val="visible"/>
+                                      </p:to>
+                                    </p:set>
+                                  </p:childTnLst>
+                                </p:cTn>
+                              </p:par>
+                              <p:par>
+                                <p:cTn id="13" presetID="1" presetClass="entr" presetSubtype="0" fill="hold" nodeType="withEffect">
+                                  <p:stCondLst>
+                                    <p:cond delay="0"/>
+                                  </p:stCondLst>
+                                  <p:childTnLst>
+                                    <p:set>
+                                      <p:cBhvr>
+                                        <p:cTn id="14" dur="1" fill="hold">
+                                          <p:stCondLst>
+                                            <p:cond delay="0"/>
+                                          </p:stCondLst>
+                                        </p:cTn>
+                                        <p:tgtEl>
+                                          <p:spTgt spid="14"/>
+                                        </p:tgtEl>
+                                        <p:attrNameLst>
+                                          <p:attrName>style.visibility</p:attrName>
+                                        </p:attrNameLst>
+                                      </p:cBhvr>
+                                      <p:to>
+                                        <p:strVal val="visible"/>
+                                      </p:to>
+                                    </p:set>
+                                  </p:childTnLst>
+                                </p:cTn>
+                              </p:par>
+                              <p:par>
+                                <p:cTn id="15" presetID="1" presetClass="entr" presetSubtype="0" fill="hold" nodeType="withEffect">
+                                  <p:stCondLst>
+                                    <p:cond delay="0"/>
+                                  </p:stCondLst>
+                                  <p:childTnLst>
+                                    <p:set>
+                                      <p:cBhvr>
+                                        <p:cTn id="16" dur="1" fill="hold">
+                                          <p:stCondLst>
+                                            <p:cond delay="0"/>
+                                          </p:stCondLst>
+                                        </p:cTn>
+                                        <p:tgtEl>
+                                          <p:spTgt spid="15"/>
+                                        </p:tgtEl>
+                                        <p:attrNameLst>
+                                          <p:attrName>style.visibility</p:attrName>
+                                        </p:attrNameLst>
+                                      </p:cBhvr>
+                                      <p:to>
+                                        <p:strVal val="visible"/>
+                                      </p:to>
+                                    </p:set>
+                                  </p:childTnLst>
+                                </p:cTn>
+                              </p:par>
                             </p:childTnLst>
                           </p:cTn>
                         </p:par>
@@ -11311,26 +11186,26 @@
                     </p:cTn>
                   </p:par>
                   <p:par>
-                    <p:cTn id="7" fill="hold">
+                    <p:cTn id="17" fill="hold">
                       <p:stCondLst>
                         <p:cond delay="indefinite"/>
                       </p:stCondLst>
                       <p:childTnLst>
                         <p:par>
-                          <p:cTn id="8" fill="hold">
+                          <p:cTn id="18" fill="hold">
                             <p:stCondLst>
                               <p:cond delay="0"/>
                             </p:stCondLst>
                             <p:childTnLst>
                               <p:par>
-                                <p:cTn id="9" presetID="1" presetClass="entr" presetSubtype="0" fill="hold" nodeType="clickEffect">
+                                <p:cTn id="19" presetID="1" presetClass="entr" presetSubtype="0" fill="hold" nodeType="clickEffect">
                                   <p:stCondLst>
                                     <p:cond delay="0"/>
                                   </p:stCondLst>
                                   <p:childTnLst>
                                     <p:set>
                                       <p:cBhvr>
-                                        <p:cTn id="10" dur="1" fill="hold">
+                                        <p:cTn id="20" dur="1" fill="hold">
                                           <p:stCondLst>
                                             <p:cond delay="0"/>
                                           </p:stCondLst>
@@ -11429,7 +11304,7 @@
           <a:lstStyle/>
           <a:p>
             <a:r>
-              <a:rPr lang="de-DE" dirty="0"/>
+              <a:rPr lang="de-DE"/>
               <a:t>Aufgabe 3.7</a:t>
             </a:r>
           </a:p>
@@ -11460,7 +11335,7 @@
               <a:buNone/>
             </a:pPr>
             <a:r>
-              <a:rPr lang="en-GB" dirty="0">
+              <a:rPr lang="en-GB">
                 <a:cs typeface="Arial"/>
               </a:rPr>
               <a:t>a)</a:t>
@@ -11470,7 +11345,7 @@
             <a:pPr marL="0" indent="0">
               <a:buNone/>
             </a:pPr>
-            <a:endParaRPr lang="en-GB" dirty="0">
+            <a:endParaRPr lang="en-GB">
               <a:cs typeface="Arial"/>
             </a:endParaRPr>
           </a:p>
@@ -11478,7 +11353,7 @@
             <a:pPr marL="0" indent="0">
               <a:buNone/>
             </a:pPr>
-            <a:endParaRPr lang="en-GB" dirty="0">
+            <a:endParaRPr lang="en-GB">
               <a:cs typeface="Arial"/>
             </a:endParaRPr>
           </a:p>
@@ -11948,7 +11823,7 @@
           <a:lstStyle/>
           <a:p>
             <a:r>
-              <a:rPr lang="de-DE" dirty="0"/>
+              <a:rPr lang="de-DE"/>
               <a:t>Aufgabe 3.7</a:t>
             </a:r>
           </a:p>
@@ -11979,7 +11854,7 @@
               <a:buNone/>
             </a:pPr>
             <a:r>
-              <a:rPr lang="en-GB" dirty="0">
+              <a:rPr lang="en-GB">
                 <a:cs typeface="Arial"/>
               </a:rPr>
               <a:t>b)</a:t>
@@ -11989,7 +11864,7 @@
             <a:pPr marL="0" indent="0">
               <a:buNone/>
             </a:pPr>
-            <a:endParaRPr lang="en-GB" dirty="0">
+            <a:endParaRPr lang="en-GB">
               <a:cs typeface="Arial"/>
             </a:endParaRPr>
           </a:p>
@@ -11997,7 +11872,7 @@
             <a:pPr marL="0" indent="0">
               <a:buNone/>
             </a:pPr>
-            <a:endParaRPr lang="en-GB" dirty="0">
+            <a:endParaRPr lang="en-GB">
               <a:cs typeface="Arial"/>
             </a:endParaRPr>
           </a:p>
@@ -12067,13 +11942,13 @@
           <a:p>
             <a:pPr algn="l"/>
             <a:r>
-              <a:rPr lang="en-GB" sz="4000" dirty="0">
+              <a:rPr lang="en-GB" sz="4000">
                 <a:latin typeface="Arial"/>
                 <a:cs typeface="Arial"/>
               </a:rPr>
               <a:t>X</a:t>
             </a:r>
-            <a:endParaRPr lang="en-GB" sz="4400" dirty="0">
+            <a:endParaRPr lang="en-GB" sz="4400">
               <a:latin typeface="Arial"/>
               <a:cs typeface="Arial"/>
             </a:endParaRPr>
@@ -12113,13 +11988,13 @@
           <a:p>
             <a:pPr algn="l"/>
             <a:r>
-              <a:rPr lang="en-GB" sz="4000" dirty="0">
+              <a:rPr lang="en-GB" sz="4000">
                 <a:latin typeface="Arial"/>
                 <a:cs typeface="Arial"/>
               </a:rPr>
               <a:t>X</a:t>
             </a:r>
-            <a:endParaRPr lang="en-GB" sz="4400" dirty="0">
+            <a:endParaRPr lang="en-GB" sz="4400">
               <a:latin typeface="Arial"/>
               <a:cs typeface="Arial"/>
             </a:endParaRPr>
@@ -12159,13 +12034,13 @@
           <a:p>
             <a:pPr algn="l"/>
             <a:r>
-              <a:rPr lang="en-GB" sz="4000" dirty="0">
+              <a:rPr lang="en-GB" sz="4000">
                 <a:latin typeface="Arial"/>
                 <a:cs typeface="Arial"/>
               </a:rPr>
               <a:t>X</a:t>
             </a:r>
-            <a:endParaRPr lang="en-GB" sz="4400" dirty="0">
+            <a:endParaRPr lang="en-GB" sz="4400">
               <a:latin typeface="Arial"/>
               <a:cs typeface="Arial"/>
             </a:endParaRPr>
@@ -12205,13 +12080,13 @@
           <a:p>
             <a:pPr algn="l"/>
             <a:r>
-              <a:rPr lang="en-GB" sz="4000" dirty="0">
+              <a:rPr lang="en-GB" sz="4000">
                 <a:latin typeface="Arial"/>
                 <a:cs typeface="Arial"/>
               </a:rPr>
               <a:t>X</a:t>
             </a:r>
-            <a:endParaRPr lang="en-GB" sz="4400" dirty="0">
+            <a:endParaRPr lang="en-GB" sz="4400">
               <a:latin typeface="Arial"/>
               <a:cs typeface="Arial"/>
             </a:endParaRPr>
@@ -12251,13 +12126,13 @@
           <a:p>
             <a:pPr algn="l"/>
             <a:r>
-              <a:rPr lang="en-GB" sz="4000" dirty="0">
+              <a:rPr lang="en-GB" sz="4000">
                 <a:latin typeface="Arial"/>
                 <a:cs typeface="Arial"/>
               </a:rPr>
               <a:t>X</a:t>
             </a:r>
-            <a:endParaRPr lang="en-GB" sz="4400" dirty="0">
+            <a:endParaRPr lang="en-GB" sz="4400">
               <a:latin typeface="Arial"/>
               <a:cs typeface="Arial"/>
             </a:endParaRPr>
@@ -12297,13 +12172,13 @@
           <a:p>
             <a:pPr algn="l"/>
             <a:r>
-              <a:rPr lang="en-GB" sz="4000" dirty="0">
+              <a:rPr lang="en-GB" sz="4000">
                 <a:latin typeface="Arial"/>
                 <a:cs typeface="Arial"/>
               </a:rPr>
               <a:t>X</a:t>
             </a:r>
-            <a:endParaRPr lang="en-GB" sz="4400" dirty="0">
+            <a:endParaRPr lang="en-GB" sz="4400">
               <a:latin typeface="Arial"/>
               <a:cs typeface="Arial"/>
             </a:endParaRPr>
@@ -12343,13 +12218,13 @@
           <a:p>
             <a:pPr algn="l"/>
             <a:r>
-              <a:rPr lang="en-GB" sz="4000" dirty="0">
+              <a:rPr lang="en-GB" sz="4000">
                 <a:latin typeface="Arial"/>
                 <a:cs typeface="Arial"/>
               </a:rPr>
               <a:t>X</a:t>
             </a:r>
-            <a:endParaRPr lang="en-GB" sz="4400" dirty="0">
+            <a:endParaRPr lang="en-GB" sz="4400">
               <a:latin typeface="Arial"/>
               <a:cs typeface="Arial"/>
             </a:endParaRPr>
@@ -12389,13 +12264,13 @@
           <a:p>
             <a:pPr algn="l"/>
             <a:r>
-              <a:rPr lang="en-GB" sz="4000" dirty="0">
+              <a:rPr lang="en-GB" sz="4000">
                 <a:latin typeface="Arial"/>
                 <a:cs typeface="Arial"/>
               </a:rPr>
               <a:t>X</a:t>
             </a:r>
-            <a:endParaRPr lang="en-GB" sz="4400" dirty="0">
+            <a:endParaRPr lang="en-GB" sz="4400">
               <a:latin typeface="Arial"/>
               <a:cs typeface="Arial"/>
             </a:endParaRPr>
@@ -12454,7 +12329,7 @@
           <a:lstStyle/>
           <a:p>
             <a:r>
-              <a:rPr lang="de-DE" dirty="0"/>
+              <a:rPr lang="de-DE"/>
               <a:t>Aufgabe 1.1</a:t>
             </a:r>
           </a:p>
@@ -12476,7 +12351,7 @@
             <p:ph idx="1"/>
             <p:extLst>
               <p:ext uri="{D42A27DB-BD31-4B8C-83A1-F6EECF244321}">
-                <p14:modId xmlns:p14="http://schemas.microsoft.com/office/powerpoint/2010/main" val="398760966"/>
+                <p14:modId xmlns:p14="http://schemas.microsoft.com/office/powerpoint/2010/main" val="4089516487"/>
               </p:ext>
             </p:extLst>
           </p:nvPr>
@@ -12778,7 +12653,7 @@
                     <a:p>
                       <a:r>
                         <a:rPr lang="de-DE" dirty="0"/>
-                        <a:t>-</a:t>
+                        <a:t>111111 = -1 x (31)</a:t>
                       </a:r>
                     </a:p>
                   </a:txBody>
@@ -12853,7 +12728,7 @@
               <a:buAutoNum type="arabicPeriod"/>
             </a:pPr>
             <a:r>
-              <a:rPr lang="de-DE" dirty="0"/>
+              <a:rPr lang="de-DE"/>
               <a:t>Denkt an den Betrag, den man maximal darstellen kann.</a:t>
             </a:r>
           </a:p>
@@ -12863,7 +12738,7 @@
               <a:buAutoNum type="arabicPeriod"/>
             </a:pPr>
             <a:r>
-              <a:rPr lang="de-DE" dirty="0"/>
+              <a:rPr lang="de-DE"/>
               <a:t>Einerkomplement bildet man einfach über das Komplement der positiven Zahl.</a:t>
             </a:r>
           </a:p>
@@ -12873,7 +12748,7 @@
               <a:buAutoNum type="arabicPeriod"/>
             </a:pPr>
             <a:r>
-              <a:rPr lang="de-DE" dirty="0"/>
+              <a:rPr lang="de-DE"/>
               <a:t>Ihr müsst das Zweierkomplement bilden und damit rechnen können.</a:t>
             </a:r>
           </a:p>
@@ -13159,7 +13034,7 @@
           <a:lstStyle/>
           <a:p>
             <a:r>
-              <a:rPr lang="de-DE" dirty="0"/>
+              <a:rPr lang="de-DE"/>
               <a:t>Aufgabe 4.1</a:t>
             </a:r>
           </a:p>
@@ -13190,7 +13065,7 @@
               <a:buNone/>
             </a:pPr>
             <a:r>
-              <a:rPr lang="en-GB" dirty="0">
+              <a:rPr lang="en-GB">
                 <a:cs typeface="Arial"/>
               </a:rPr>
               <a:t>a)</a:t>
@@ -13200,7 +13075,7 @@
             <a:pPr marL="0" indent="0">
               <a:buNone/>
             </a:pPr>
-            <a:endParaRPr lang="en-GB" dirty="0">
+            <a:endParaRPr lang="en-GB">
               <a:cs typeface="Arial"/>
             </a:endParaRPr>
           </a:p>
@@ -13209,7 +13084,7 @@
               <a:buNone/>
             </a:pPr>
             <a:r>
-              <a:rPr lang="en-GB" dirty="0">
+              <a:rPr lang="en-GB">
                 <a:cs typeface="Arial"/>
               </a:rPr>
               <a:t>b)</a:t>
@@ -13317,6 +13192,171 @@
   <p:clrMapOvr>
     <a:masterClrMapping/>
   </p:clrMapOvr>
+  <p:timing>
+    <p:tnLst>
+      <p:par>
+        <p:cTn id="1" dur="indefinite" restart="never" nodeType="tmRoot">
+          <p:childTnLst>
+            <p:seq concurrent="1" nextAc="seek">
+              <p:cTn id="2" dur="indefinite" nodeType="mainSeq">
+                <p:childTnLst>
+                  <p:par>
+                    <p:cTn id="3" fill="hold">
+                      <p:stCondLst>
+                        <p:cond delay="indefinite"/>
+                      </p:stCondLst>
+                      <p:childTnLst>
+                        <p:par>
+                          <p:cTn id="4" fill="hold">
+                            <p:stCondLst>
+                              <p:cond delay="0"/>
+                            </p:stCondLst>
+                            <p:childTnLst>
+                              <p:par>
+                                <p:cTn id="5" presetID="1" presetClass="entr" presetSubtype="0" fill="hold" nodeType="clickEffect">
+                                  <p:stCondLst>
+                                    <p:cond delay="0"/>
+                                  </p:stCondLst>
+                                  <p:childTnLst>
+                                    <p:set>
+                                      <p:cBhvr>
+                                        <p:cTn id="6" dur="1" fill="hold">
+                                          <p:stCondLst>
+                                            <p:cond delay="0"/>
+                                          </p:stCondLst>
+                                        </p:cTn>
+                                        <p:tgtEl>
+                                          <p:spTgt spid="7"/>
+                                        </p:tgtEl>
+                                        <p:attrNameLst>
+                                          <p:attrName>style.visibility</p:attrName>
+                                        </p:attrNameLst>
+                                      </p:cBhvr>
+                                      <p:to>
+                                        <p:strVal val="visible"/>
+                                      </p:to>
+                                    </p:set>
+                                  </p:childTnLst>
+                                </p:cTn>
+                              </p:par>
+                            </p:childTnLst>
+                          </p:cTn>
+                        </p:par>
+                      </p:childTnLst>
+                    </p:cTn>
+                  </p:par>
+                  <p:par>
+                    <p:cTn id="7" fill="hold">
+                      <p:stCondLst>
+                        <p:cond delay="indefinite"/>
+                      </p:stCondLst>
+                      <p:childTnLst>
+                        <p:par>
+                          <p:cTn id="8" fill="hold">
+                            <p:stCondLst>
+                              <p:cond delay="0"/>
+                            </p:stCondLst>
+                            <p:childTnLst>
+                              <p:par>
+                                <p:cTn id="9" presetID="1" presetClass="entr" presetSubtype="0" fill="hold" nodeType="clickEffect">
+                                  <p:stCondLst>
+                                    <p:cond delay="0"/>
+                                  </p:stCondLst>
+                                  <p:childTnLst>
+                                    <p:set>
+                                      <p:cBhvr>
+                                        <p:cTn id="10" dur="1" fill="hold">
+                                          <p:stCondLst>
+                                            <p:cond delay="0"/>
+                                          </p:stCondLst>
+                                        </p:cTn>
+                                        <p:tgtEl>
+                                          <p:spTgt spid="8"/>
+                                        </p:tgtEl>
+                                        <p:attrNameLst>
+                                          <p:attrName>style.visibility</p:attrName>
+                                        </p:attrNameLst>
+                                      </p:cBhvr>
+                                      <p:to>
+                                        <p:strVal val="visible"/>
+                                      </p:to>
+                                    </p:set>
+                                  </p:childTnLst>
+                                </p:cTn>
+                              </p:par>
+                            </p:childTnLst>
+                          </p:cTn>
+                        </p:par>
+                      </p:childTnLst>
+                    </p:cTn>
+                  </p:par>
+                  <p:par>
+                    <p:cTn id="11" fill="hold">
+                      <p:stCondLst>
+                        <p:cond delay="indefinite"/>
+                      </p:stCondLst>
+                      <p:childTnLst>
+                        <p:par>
+                          <p:cTn id="12" fill="hold">
+                            <p:stCondLst>
+                              <p:cond delay="0"/>
+                            </p:stCondLst>
+                            <p:childTnLst>
+                              <p:par>
+                                <p:cTn id="13" presetID="1" presetClass="entr" presetSubtype="0" fill="hold" nodeType="clickEffect">
+                                  <p:stCondLst>
+                                    <p:cond delay="0"/>
+                                  </p:stCondLst>
+                                  <p:childTnLst>
+                                    <p:set>
+                                      <p:cBhvr>
+                                        <p:cTn id="14" dur="1" fill="hold">
+                                          <p:stCondLst>
+                                            <p:cond delay="0"/>
+                                          </p:stCondLst>
+                                        </p:cTn>
+                                        <p:tgtEl>
+                                          <p:spTgt spid="10"/>
+                                        </p:tgtEl>
+                                        <p:attrNameLst>
+                                          <p:attrName>style.visibility</p:attrName>
+                                        </p:attrNameLst>
+                                      </p:cBhvr>
+                                      <p:to>
+                                        <p:strVal val="visible"/>
+                                      </p:to>
+                                    </p:set>
+                                  </p:childTnLst>
+                                </p:cTn>
+                              </p:par>
+                            </p:childTnLst>
+                          </p:cTn>
+                        </p:par>
+                      </p:childTnLst>
+                    </p:cTn>
+                  </p:par>
+                </p:childTnLst>
+              </p:cTn>
+              <p:prevCondLst>
+                <p:cond evt="onPrev" delay="0">
+                  <p:tgtEl>
+                    <p:sldTgt/>
+                  </p:tgtEl>
+                </p:cond>
+              </p:prevCondLst>
+              <p:nextCondLst>
+                <p:cond evt="onNext" delay="0">
+                  <p:tgtEl>
+                    <p:sldTgt/>
+                  </p:tgtEl>
+                </p:cond>
+              </p:nextCondLst>
+            </p:seq>
+          </p:childTnLst>
+        </p:cTn>
+      </p:par>
+    </p:tnLst>
+  </p:timing>
 </p:sld>
 </file>
 
@@ -13365,7 +13405,7 @@
           <a:lstStyle/>
           <a:p>
             <a:r>
-              <a:rPr lang="de-DE" dirty="0"/>
+              <a:rPr lang="de-DE"/>
               <a:t>Aufgabe 4.2</a:t>
             </a:r>
           </a:p>
@@ -13396,54 +13436,54 @@
               <a:buAutoNum type="alphaLcParenR"/>
             </a:pPr>
             <a:r>
-              <a:rPr lang="en-GB" dirty="0">
+              <a:rPr lang="en-GB">
                 <a:cs typeface="Arial"/>
               </a:rPr>
               <a:t>6 Knoten und 10 </a:t>
             </a:r>
             <a:r>
-              <a:rPr lang="en-GB" dirty="0" err="1">
+              <a:rPr lang="en-GB" err="1">
                 <a:cs typeface="Arial"/>
               </a:rPr>
               <a:t>Zweige</a:t>
             </a:r>
             <a:r>
-              <a:rPr lang="en-GB" dirty="0">
+              <a:rPr lang="en-GB">
                 <a:cs typeface="Arial"/>
               </a:rPr>
               <a:t>: </a:t>
             </a:r>
-            <a:endParaRPr lang="en-US" dirty="0"/>
+            <a:endParaRPr lang="en-US"/>
           </a:p>
           <a:p>
             <a:pPr marL="0" indent="0">
               <a:buNone/>
             </a:pPr>
             <a:r>
-              <a:rPr lang="en-GB" dirty="0">
+              <a:rPr lang="en-GB">
                 <a:cs typeface="Arial"/>
               </a:rPr>
               <a:t>    m = z - (k-1) = 10 – 5 = 5 </a:t>
             </a:r>
             <a:r>
-              <a:rPr lang="en-GB" dirty="0" err="1">
+              <a:rPr lang="en-GB" err="1">
                 <a:cs typeface="Arial"/>
               </a:rPr>
               <a:t>unabhängige</a:t>
             </a:r>
             <a:r>
-              <a:rPr lang="en-GB" dirty="0">
+              <a:rPr lang="en-GB">
                 <a:cs typeface="Arial"/>
               </a:rPr>
               <a:t> </a:t>
             </a:r>
             <a:r>
-              <a:rPr lang="en-GB" dirty="0" err="1">
+              <a:rPr lang="en-GB" err="1">
                 <a:cs typeface="Arial"/>
               </a:rPr>
               <a:t>Maschengleichungen</a:t>
             </a:r>
-            <a:endParaRPr lang="en-GB" dirty="0">
+            <a:endParaRPr lang="en-GB">
               <a:cs typeface="Arial"/>
             </a:endParaRPr>
           </a:p>
@@ -13451,7 +13491,7 @@
             <a:pPr marL="0" indent="0">
               <a:buNone/>
             </a:pPr>
-            <a:endParaRPr lang="en-GB" dirty="0">
+            <a:endParaRPr lang="en-GB">
               <a:cs typeface="Arial"/>
             </a:endParaRPr>
           </a:p>
@@ -13459,7 +13499,7 @@
             <a:pPr marL="0" indent="0">
               <a:buNone/>
             </a:pPr>
-            <a:endParaRPr lang="en-GB" dirty="0">
+            <a:endParaRPr lang="en-GB">
               <a:cs typeface="Arial"/>
             </a:endParaRPr>
           </a:p>
@@ -13553,7 +13593,7 @@
           <a:lstStyle/>
           <a:p>
             <a:r>
-              <a:rPr lang="de-DE" dirty="0"/>
+              <a:rPr lang="de-DE"/>
               <a:t>Aufgabe 4.2</a:t>
             </a:r>
           </a:p>
@@ -13584,7 +13624,7 @@
               <a:buNone/>
             </a:pPr>
             <a:r>
-              <a:rPr lang="en-GB" dirty="0">
+              <a:rPr lang="en-GB">
                 <a:cs typeface="Arial"/>
               </a:rPr>
               <a:t>b) </a:t>
@@ -13594,7 +13634,7 @@
             <a:pPr marL="0" indent="0">
               <a:buNone/>
             </a:pPr>
-            <a:endParaRPr lang="en-GB" dirty="0">
+            <a:endParaRPr lang="en-GB">
               <a:cs typeface="Arial"/>
             </a:endParaRPr>
           </a:p>
@@ -13602,7 +13642,7 @@
             <a:pPr marL="0" indent="0">
               <a:buNone/>
             </a:pPr>
-            <a:endParaRPr lang="en-GB" dirty="0">
+            <a:endParaRPr lang="en-GB">
               <a:cs typeface="Arial"/>
             </a:endParaRPr>
           </a:p>
@@ -13696,7 +13736,7 @@
           <a:lstStyle/>
           <a:p>
             <a:r>
-              <a:rPr lang="de-DE" dirty="0"/>
+              <a:rPr lang="de-DE"/>
               <a:t>Aufgabe 4.2</a:t>
             </a:r>
           </a:p>
@@ -13727,7 +13767,7 @@
               <a:buNone/>
             </a:pPr>
             <a:r>
-              <a:rPr lang="en-GB" dirty="0">
+              <a:rPr lang="en-GB">
                 <a:cs typeface="Arial"/>
               </a:rPr>
               <a:t>c) </a:t>
@@ -13737,7 +13777,7 @@
             <a:pPr marL="0" indent="0">
               <a:buNone/>
             </a:pPr>
-            <a:endParaRPr lang="en-GB" dirty="0">
+            <a:endParaRPr lang="en-GB">
               <a:cs typeface="Arial"/>
             </a:endParaRPr>
           </a:p>
@@ -13745,7 +13785,7 @@
             <a:pPr marL="0" indent="0">
               <a:buNone/>
             </a:pPr>
-            <a:endParaRPr lang="en-GB" dirty="0">
+            <a:endParaRPr lang="en-GB">
               <a:cs typeface="Arial"/>
             </a:endParaRPr>
           </a:p>
@@ -13897,7 +13937,7 @@
           <a:lstStyle/>
           <a:p>
             <a:r>
-              <a:rPr lang="de-DE" dirty="0"/>
+              <a:rPr lang="de-DE"/>
               <a:t>Aufgabe 4.2</a:t>
             </a:r>
           </a:p>
@@ -13928,7 +13968,7 @@
               <a:buNone/>
             </a:pPr>
             <a:r>
-              <a:rPr lang="en-GB" dirty="0">
+              <a:rPr lang="en-GB">
                 <a:cs typeface="Arial"/>
               </a:rPr>
               <a:t>d) </a:t>
@@ -13938,7 +13978,7 @@
             <a:pPr marL="0" indent="0">
               <a:buNone/>
             </a:pPr>
-            <a:endParaRPr lang="en-GB" dirty="0">
+            <a:endParaRPr lang="en-GB">
               <a:cs typeface="Arial"/>
             </a:endParaRPr>
           </a:p>
@@ -13946,7 +13986,7 @@
             <a:pPr marL="0" indent="0">
               <a:buNone/>
             </a:pPr>
-            <a:endParaRPr lang="en-GB" dirty="0">
+            <a:endParaRPr lang="en-GB">
               <a:cs typeface="Arial"/>
             </a:endParaRPr>
           </a:p>
@@ -14093,7 +14133,7 @@
           <a:lstStyle/>
           <a:p>
             <a:r>
-              <a:rPr lang="de-DE" dirty="0"/>
+              <a:rPr lang="de-DE"/>
               <a:t>Aufgabe 4.2</a:t>
             </a:r>
           </a:p>
@@ -14124,25 +14164,25 @@
               <a:buNone/>
             </a:pPr>
             <a:r>
-              <a:rPr lang="en-GB" dirty="0">
+              <a:rPr lang="en-GB">
                 <a:cs typeface="Arial"/>
               </a:rPr>
               <a:t>e) k-1 = 6-1 = 5 linear </a:t>
             </a:r>
             <a:r>
-              <a:rPr lang="en-GB" dirty="0" err="1">
+              <a:rPr lang="en-GB" err="1">
                 <a:cs typeface="Arial"/>
               </a:rPr>
               <a:t>unabhängige</a:t>
             </a:r>
             <a:r>
-              <a:rPr lang="en-GB" dirty="0">
+              <a:rPr lang="en-GB">
                 <a:cs typeface="Arial"/>
               </a:rPr>
               <a:t> </a:t>
             </a:r>
             <a:r>
-              <a:rPr lang="en-GB" dirty="0" err="1">
+              <a:rPr lang="en-GB" err="1">
                 <a:cs typeface="Arial"/>
               </a:rPr>
               <a:t>Knotengleichungen</a:t>
@@ -14152,7 +14192,7 @@
             <a:pPr marL="0" indent="0">
               <a:buNone/>
             </a:pPr>
-            <a:endParaRPr lang="en-GB" dirty="0">
+            <a:endParaRPr lang="en-GB">
               <a:cs typeface="Arial"/>
             </a:endParaRPr>
           </a:p>
@@ -14160,7 +14200,7 @@
             <a:pPr marL="0" indent="0">
               <a:buNone/>
             </a:pPr>
-            <a:endParaRPr lang="en-GB" dirty="0">
+            <a:endParaRPr lang="en-GB">
               <a:cs typeface="Arial"/>
             </a:endParaRPr>
           </a:p>
@@ -14259,6 +14299,81 @@
   <p:clrMapOvr>
     <a:masterClrMapping/>
   </p:clrMapOvr>
+  <p:timing>
+    <p:tnLst>
+      <p:par>
+        <p:cTn id="1" dur="indefinite" restart="never" nodeType="tmRoot">
+          <p:childTnLst>
+            <p:seq concurrent="1" nextAc="seek">
+              <p:cTn id="2" dur="indefinite" nodeType="mainSeq">
+                <p:childTnLst>
+                  <p:par>
+                    <p:cTn id="3" fill="hold">
+                      <p:stCondLst>
+                        <p:cond delay="indefinite"/>
+                      </p:stCondLst>
+                      <p:childTnLst>
+                        <p:par>
+                          <p:cTn id="4" fill="hold">
+                            <p:stCondLst>
+                              <p:cond delay="0"/>
+                            </p:stCondLst>
+                            <p:childTnLst>
+                              <p:par>
+                                <p:cTn id="5" presetID="1" presetClass="entr" presetSubtype="0" fill="hold" nodeType="clickEffect">
+                                  <p:stCondLst>
+                                    <p:cond delay="0"/>
+                                  </p:stCondLst>
+                                  <p:childTnLst>
+                                    <p:set>
+                                      <p:cBhvr>
+                                        <p:cTn id="6" dur="1" fill="hold">
+                                          <p:stCondLst>
+                                            <p:cond delay="0"/>
+                                          </p:stCondLst>
+                                        </p:cTn>
+                                        <p:tgtEl>
+                                          <p:spTgt spid="4"/>
+                                        </p:tgtEl>
+                                        <p:attrNameLst>
+                                          <p:attrName>style.visibility</p:attrName>
+                                        </p:attrNameLst>
+                                      </p:cBhvr>
+                                      <p:to>
+                                        <p:strVal val="visible"/>
+                                      </p:to>
+                                    </p:set>
+                                  </p:childTnLst>
+                                </p:cTn>
+                              </p:par>
+                            </p:childTnLst>
+                          </p:cTn>
+                        </p:par>
+                      </p:childTnLst>
+                    </p:cTn>
+                  </p:par>
+                </p:childTnLst>
+              </p:cTn>
+              <p:prevCondLst>
+                <p:cond evt="onPrev" delay="0">
+                  <p:tgtEl>
+                    <p:sldTgt/>
+                  </p:tgtEl>
+                </p:cond>
+              </p:prevCondLst>
+              <p:nextCondLst>
+                <p:cond evt="onNext" delay="0">
+                  <p:tgtEl>
+                    <p:sldTgt/>
+                  </p:tgtEl>
+                </p:cond>
+              </p:nextCondLst>
+            </p:seq>
+          </p:childTnLst>
+        </p:cTn>
+      </p:par>
+    </p:tnLst>
+  </p:timing>
 </p:sld>
 </file>
 
@@ -14307,7 +14422,7 @@
           <a:lstStyle/>
           <a:p>
             <a:r>
-              <a:rPr lang="de-DE" dirty="0"/>
+              <a:rPr lang="de-DE"/>
               <a:t>Aufgabe 4.3</a:t>
             </a:r>
           </a:p>
@@ -14337,7 +14452,7 @@
             <a:pPr marL="0" indent="0">
               <a:buNone/>
             </a:pPr>
-            <a:endParaRPr lang="en-GB" dirty="0">
+            <a:endParaRPr lang="en-GB">
               <a:cs typeface="Arial"/>
             </a:endParaRPr>
           </a:p>
@@ -14345,7 +14460,7 @@
             <a:pPr marL="0" indent="0">
               <a:buNone/>
             </a:pPr>
-            <a:endParaRPr lang="en-GB" dirty="0">
+            <a:endParaRPr lang="en-GB">
               <a:cs typeface="Arial"/>
             </a:endParaRPr>
           </a:p>
@@ -14353,7 +14468,7 @@
             <a:pPr marL="0" indent="0">
               <a:buNone/>
             </a:pPr>
-            <a:endParaRPr lang="en-GB" dirty="0">
+            <a:endParaRPr lang="en-GB">
               <a:cs typeface="Arial"/>
             </a:endParaRPr>
           </a:p>
@@ -14464,7 +14579,7 @@
                     <a:lstStyle/>
                     <a:p>
                       <a:r>
-                        <a:rPr lang="de-DE" dirty="0"/>
+                        <a:rPr lang="de-DE"/>
                         <a:t>Größe</a:t>
                       </a:r>
                     </a:p>
@@ -14477,7 +14592,7 @@
                     <a:lstStyle/>
                     <a:p>
                       <a:r>
-                        <a:rPr lang="de-DE" dirty="0"/>
+                        <a:rPr lang="de-DE"/>
                         <a:t>Verhalten A oder B</a:t>
                       </a:r>
                     </a:p>
@@ -14500,10 +14615,10 @@
                         <a:buNone/>
                       </a:pPr>
                       <a:r>
-                        <a:rPr lang="de-DE" sz="2000" dirty="0"/>
+                        <a:rPr lang="de-DE" sz="2000"/>
                         <a:t>i</a:t>
                       </a:r>
-                      <a:endParaRPr lang="de-DE" dirty="0"/>
+                      <a:endParaRPr lang="de-DE"/>
                     </a:p>
                   </a:txBody>
                   <a:tcPr/>
@@ -14514,7 +14629,7 @@
                     <a:lstStyle/>
                     <a:p>
                       <a:r>
-                        <a:rPr lang="de-DE" dirty="0"/>
+                        <a:rPr lang="de-DE"/>
                         <a:t>A</a:t>
                       </a:r>
                     </a:p>
@@ -14534,14 +14649,14 @@
                     <a:lstStyle/>
                     <a:p>
                       <a:r>
-                        <a:rPr lang="de-DE" sz="2000" dirty="0"/>
+                        <a:rPr lang="de-DE" sz="2000"/>
                         <a:t>i</a:t>
                       </a:r>
                       <a:r>
-                        <a:rPr lang="de-DE" sz="1100" dirty="0"/>
+                        <a:rPr lang="de-DE" sz="1100"/>
                         <a:t>1</a:t>
                       </a:r>
-                      <a:endParaRPr lang="de-DE" dirty="0"/>
+                      <a:endParaRPr lang="de-DE"/>
                     </a:p>
                   </a:txBody>
                   <a:tcPr/>
@@ -14552,7 +14667,7 @@
                     <a:lstStyle/>
                     <a:p>
                       <a:r>
-                        <a:rPr lang="de-DE" dirty="0"/>
+                        <a:rPr lang="de-DE"/>
                         <a:t>B</a:t>
                       </a:r>
                     </a:p>
@@ -14572,14 +14687,14 @@
                     <a:lstStyle/>
                     <a:p>
                       <a:r>
-                        <a:rPr lang="de-DE" sz="2000" dirty="0"/>
+                        <a:rPr lang="de-DE" sz="2000"/>
                         <a:t>u</a:t>
                       </a:r>
                       <a:r>
-                        <a:rPr lang="de-DE" sz="1100" dirty="0"/>
+                        <a:rPr lang="de-DE" sz="1100"/>
                         <a:t>L</a:t>
                       </a:r>
-                      <a:endParaRPr lang="de-DE" dirty="0"/>
+                      <a:endParaRPr lang="de-DE"/>
                     </a:p>
                   </a:txBody>
                   <a:tcPr/>
@@ -14590,7 +14705,7 @@
                     <a:lstStyle/>
                     <a:p>
                       <a:r>
-                        <a:rPr lang="de-DE" dirty="0"/>
+                        <a:rPr lang="de-DE"/>
                         <a:t>B</a:t>
                       </a:r>
                     </a:p>
@@ -14610,14 +14725,14 @@
                     <a:lstStyle/>
                     <a:p>
                       <a:r>
-                        <a:rPr lang="de-DE" sz="2000" dirty="0"/>
+                        <a:rPr lang="de-DE" sz="2000"/>
                         <a:t>i</a:t>
                       </a:r>
                       <a:r>
-                        <a:rPr lang="de-DE" sz="1100" dirty="0"/>
+                        <a:rPr lang="de-DE" sz="1100"/>
                         <a:t>L</a:t>
                       </a:r>
-                      <a:endParaRPr lang="de-DE" dirty="0"/>
+                      <a:endParaRPr lang="de-DE"/>
                     </a:p>
                   </a:txBody>
                   <a:tcPr/>
@@ -14628,7 +14743,7 @@
                     <a:lstStyle/>
                     <a:p>
                       <a:r>
-                        <a:rPr lang="de-DE" dirty="0"/>
+                        <a:rPr lang="de-DE"/>
                         <a:t>A</a:t>
                       </a:r>
                     </a:p>
@@ -14651,11 +14766,11 @@
                         <a:buNone/>
                       </a:pPr>
                       <a:r>
-                        <a:rPr lang="de-DE" sz="2000" dirty="0"/>
+                        <a:rPr lang="de-DE" sz="2000"/>
                         <a:t>u</a:t>
                       </a:r>
                       <a:r>
-                        <a:rPr lang="de-DE" sz="1100" dirty="0"/>
+                        <a:rPr lang="de-DE" sz="1100"/>
                         <a:t>1</a:t>
                       </a:r>
                     </a:p>
@@ -14671,7 +14786,7 @@
                         <a:buNone/>
                       </a:pPr>
                       <a:r>
-                        <a:rPr lang="de-DE" dirty="0"/>
+                        <a:rPr lang="de-DE"/>
                         <a:t>B</a:t>
                       </a:r>
                     </a:p>
@@ -14694,11 +14809,11 @@
                         <a:buNone/>
                       </a:pPr>
                       <a:r>
-                        <a:rPr lang="de-DE" sz="2000" dirty="0"/>
+                        <a:rPr lang="de-DE" sz="2000"/>
                         <a:t>u</a:t>
                       </a:r>
                       <a:r>
-                        <a:rPr lang="de-DE" sz="1100" dirty="0"/>
+                        <a:rPr lang="de-DE" sz="1100"/>
                         <a:t>2</a:t>
                       </a:r>
                     </a:p>
@@ -14714,7 +14829,7 @@
                         <a:buNone/>
                       </a:pPr>
                       <a:r>
-                        <a:rPr lang="de-DE" dirty="0"/>
+                        <a:rPr lang="de-DE"/>
                         <a:t>A</a:t>
                       </a:r>
                     </a:p>
@@ -15073,37 +15188,37 @@
               <a:buNone/>
             </a:pPr>
             <a:r>
-              <a:rPr lang="en-GB" kern="0" dirty="0">
+              <a:rPr lang="en-GB" kern="0">
                 <a:cs typeface="Arial"/>
               </a:rPr>
               <a:t>a) CMOS, da die </a:t>
             </a:r>
             <a:r>
-              <a:rPr lang="en-GB" kern="0" dirty="0" err="1">
+              <a:rPr lang="en-GB" kern="0" err="1">
                 <a:cs typeface="Arial"/>
               </a:rPr>
               <a:t>Schaltung</a:t>
             </a:r>
             <a:r>
-              <a:rPr lang="en-GB" kern="0" dirty="0">
+              <a:rPr lang="en-GB" kern="0">
                 <a:cs typeface="Arial"/>
               </a:rPr>
               <a:t> </a:t>
             </a:r>
             <a:r>
-              <a:rPr lang="en-GB" kern="0" dirty="0" err="1">
+              <a:rPr lang="en-GB" kern="0" err="1">
                 <a:cs typeface="Arial"/>
               </a:rPr>
               <a:t>aus</a:t>
             </a:r>
             <a:r>
-              <a:rPr lang="en-GB" kern="0" dirty="0">
+              <a:rPr lang="en-GB" kern="0">
                 <a:cs typeface="Arial"/>
               </a:rPr>
               <a:t> PMOS und NMOS </a:t>
             </a:r>
             <a:r>
-              <a:rPr lang="en-GB" kern="0" dirty="0" err="1">
+              <a:rPr lang="en-GB" kern="0" err="1">
                 <a:cs typeface="Arial"/>
               </a:rPr>
               <a:t>besteht</a:t>
@@ -15114,7 +15229,7 @@
               <a:buFontTx/>
               <a:buNone/>
             </a:pPr>
-            <a:endParaRPr lang="en-GB" kern="0" dirty="0">
+            <a:endParaRPr lang="en-GB" kern="0">
               <a:cs typeface="Arial"/>
             </a:endParaRPr>
           </a:p>
@@ -15124,7 +15239,7 @@
               <a:buNone/>
             </a:pPr>
             <a:r>
-              <a:rPr lang="en-GB" kern="0" dirty="0">
+              <a:rPr lang="en-GB" kern="0">
                 <a:cs typeface="Arial"/>
               </a:rPr>
               <a:t>b)</a:t>
@@ -15134,7 +15249,7 @@
             <a:pPr marL="0" indent="0">
               <a:buNone/>
             </a:pPr>
-            <a:endParaRPr lang="en-GB" kern="0" dirty="0">
+            <a:endParaRPr lang="en-GB" kern="0">
               <a:cs typeface="Arial"/>
             </a:endParaRPr>
           </a:p>
@@ -15142,7 +15257,7 @@
             <a:pPr marL="0" indent="0">
               <a:buNone/>
             </a:pPr>
-            <a:endParaRPr lang="en-GB" kern="0" dirty="0">
+            <a:endParaRPr lang="en-GB" kern="0">
               <a:cs typeface="Arial"/>
             </a:endParaRPr>
           </a:p>
@@ -15150,7 +15265,7 @@
             <a:pPr marL="0" indent="0">
               <a:buNone/>
             </a:pPr>
-            <a:endParaRPr lang="en-GB" kern="0" dirty="0">
+            <a:endParaRPr lang="en-GB" kern="0">
               <a:cs typeface="Arial"/>
             </a:endParaRPr>
           </a:p>
@@ -15158,7 +15273,7 @@
             <a:pPr marL="0" indent="0">
               <a:buNone/>
             </a:pPr>
-            <a:endParaRPr lang="en-GB" kern="0" dirty="0">
+            <a:endParaRPr lang="en-GB" kern="0">
               <a:cs typeface="Arial"/>
             </a:endParaRPr>
           </a:p>
@@ -15166,7 +15281,7 @@
             <a:pPr marL="0" indent="0">
               <a:buNone/>
             </a:pPr>
-            <a:endParaRPr lang="en-GB" kern="0" dirty="0">
+            <a:endParaRPr lang="en-GB" kern="0">
               <a:cs typeface="Arial"/>
             </a:endParaRPr>
           </a:p>
@@ -15174,7 +15289,7 @@
             <a:pPr marL="0" indent="0">
               <a:buNone/>
             </a:pPr>
-            <a:endParaRPr lang="en-GB" kern="0" dirty="0">
+            <a:endParaRPr lang="en-GB" kern="0">
               <a:cs typeface="Arial"/>
             </a:endParaRPr>
           </a:p>
@@ -15182,7 +15297,7 @@
             <a:pPr marL="0" indent="0">
               <a:buNone/>
             </a:pPr>
-            <a:endParaRPr lang="en-GB" kern="0" dirty="0">
+            <a:endParaRPr lang="en-GB" kern="0">
               <a:cs typeface="Arial"/>
             </a:endParaRPr>
           </a:p>
@@ -15210,7 +15325,7 @@
           <a:lstStyle/>
           <a:p>
             <a:r>
-              <a:rPr lang="de-DE" dirty="0"/>
+              <a:rPr lang="de-DE"/>
               <a:t>Aufgabe 5.1</a:t>
             </a:r>
           </a:p>
@@ -15240,7 +15355,7 @@
             <a:pPr marL="0" indent="0">
               <a:buNone/>
             </a:pPr>
-            <a:endParaRPr lang="en-GB" dirty="0">
+            <a:endParaRPr lang="en-GB">
               <a:cs typeface="Arial"/>
             </a:endParaRPr>
           </a:p>
@@ -15248,7 +15363,7 @@
             <a:pPr marL="0" indent="0">
               <a:buNone/>
             </a:pPr>
-            <a:endParaRPr lang="en-GB" dirty="0">
+            <a:endParaRPr lang="en-GB">
               <a:cs typeface="Arial"/>
             </a:endParaRPr>
           </a:p>
@@ -15256,7 +15371,7 @@
             <a:pPr marL="0" indent="0">
               <a:buNone/>
             </a:pPr>
-            <a:endParaRPr lang="en-GB" dirty="0">
+            <a:endParaRPr lang="en-GB">
               <a:cs typeface="Arial"/>
             </a:endParaRPr>
           </a:p>
@@ -15374,7 +15489,7 @@
                     <a:lstStyle/>
                     <a:p>
                       <a:r>
-                        <a:rPr lang="de-DE" dirty="0"/>
+                        <a:rPr lang="de-DE"/>
                         <a:t>a</a:t>
                       </a:r>
                     </a:p>
@@ -15387,7 +15502,7 @@
                     <a:lstStyle/>
                     <a:p>
                       <a:r>
-                        <a:rPr lang="de-DE" dirty="0"/>
+                        <a:rPr lang="de-DE"/>
                         <a:t>b</a:t>
                       </a:r>
                     </a:p>
@@ -15403,7 +15518,7 @@
                         <a:buNone/>
                       </a:pPr>
                       <a:r>
-                        <a:rPr lang="de-DE" dirty="0"/>
+                        <a:rPr lang="de-DE"/>
                         <a:t>f</a:t>
                       </a:r>
                     </a:p>
@@ -15426,10 +15541,10 @@
                         <a:buNone/>
                       </a:pPr>
                       <a:r>
-                        <a:rPr lang="de-DE" sz="2000" dirty="0"/>
+                        <a:rPr lang="de-DE" sz="2000"/>
                         <a:t>0</a:t>
                       </a:r>
-                      <a:endParaRPr lang="de-DE" dirty="0"/>
+                      <a:endParaRPr lang="de-DE"/>
                     </a:p>
                   </a:txBody>
                   <a:tcPr/>
@@ -15440,7 +15555,7 @@
                     <a:lstStyle/>
                     <a:p>
                       <a:r>
-                        <a:rPr lang="de-DE" dirty="0"/>
+                        <a:rPr lang="de-DE"/>
                         <a:t>0</a:t>
                       </a:r>
                     </a:p>
@@ -15456,7 +15571,7 @@
                         <a:buNone/>
                       </a:pPr>
                       <a:r>
-                        <a:rPr lang="de-DE" dirty="0"/>
+                        <a:rPr lang="de-DE"/>
                         <a:t>0</a:t>
                       </a:r>
                     </a:p>
@@ -15476,7 +15591,7 @@
                     <a:lstStyle/>
                     <a:p>
                       <a:r>
-                        <a:rPr lang="de-DE" dirty="0"/>
+                        <a:rPr lang="de-DE"/>
                         <a:t>0</a:t>
                       </a:r>
                     </a:p>
@@ -15489,7 +15604,7 @@
                     <a:lstStyle/>
                     <a:p>
                       <a:r>
-                        <a:rPr lang="de-DE" dirty="0"/>
+                        <a:rPr lang="de-DE"/>
                         <a:t>1</a:t>
                       </a:r>
                     </a:p>
@@ -15505,7 +15620,7 @@
                         <a:buNone/>
                       </a:pPr>
                       <a:r>
-                        <a:rPr lang="de-DE" dirty="0"/>
+                        <a:rPr lang="de-DE"/>
                         <a:t>1</a:t>
                       </a:r>
                     </a:p>
@@ -15525,7 +15640,7 @@
                     <a:lstStyle/>
                     <a:p>
                       <a:r>
-                        <a:rPr lang="de-DE" dirty="0"/>
+                        <a:rPr lang="de-DE"/>
                         <a:t>1</a:t>
                       </a:r>
                     </a:p>
@@ -15538,7 +15653,7 @@
                     <a:lstStyle/>
                     <a:p>
                       <a:r>
-                        <a:rPr lang="de-DE" dirty="0"/>
+                        <a:rPr lang="de-DE"/>
                         <a:t>0</a:t>
                       </a:r>
                     </a:p>
@@ -15554,7 +15669,7 @@
                         <a:buNone/>
                       </a:pPr>
                       <a:r>
-                        <a:rPr lang="de-DE" dirty="0"/>
+                        <a:rPr lang="de-DE"/>
                         <a:t>0</a:t>
                       </a:r>
                     </a:p>
@@ -15574,7 +15689,7 @@
                     <a:lstStyle/>
                     <a:p>
                       <a:r>
-                        <a:rPr lang="de-DE" dirty="0"/>
+                        <a:rPr lang="de-DE"/>
                         <a:t>1</a:t>
                       </a:r>
                     </a:p>
@@ -15587,7 +15702,7 @@
                     <a:lstStyle/>
                     <a:p>
                       <a:r>
-                        <a:rPr lang="de-DE" dirty="0"/>
+                        <a:rPr lang="de-DE"/>
                         <a:t>1</a:t>
                       </a:r>
                     </a:p>
@@ -15603,7 +15718,7 @@
                         <a:buNone/>
                       </a:pPr>
                       <a:r>
-                        <a:rPr lang="de-DE" dirty="0"/>
+                        <a:rPr lang="de-DE"/>
                         <a:t>0</a:t>
                       </a:r>
                     </a:p>
@@ -15784,7 +15899,7 @@
           <a:lstStyle/>
           <a:p>
             <a:r>
-              <a:rPr lang="de-DE" dirty="0"/>
+              <a:rPr lang="de-DE"/>
               <a:t>Aufgabe 5.1</a:t>
             </a:r>
           </a:p>
@@ -16270,7 +16385,7 @@
               <a:buNone/>
             </a:pPr>
             <a:r>
-              <a:rPr lang="en-GB" kern="0" dirty="0">
+              <a:rPr lang="en-GB" kern="0">
                 <a:cs typeface="Arial"/>
               </a:rPr>
               <a:t>c) </a:t>
@@ -16281,7 +16396,7 @@
               <a:buFontTx/>
               <a:buNone/>
             </a:pPr>
-            <a:endParaRPr lang="en-GB" kern="0" dirty="0">
+            <a:endParaRPr lang="en-GB" kern="0">
               <a:cs typeface="Arial"/>
             </a:endParaRPr>
           </a:p>
@@ -16290,7 +16405,7 @@
               <a:buFontTx/>
               <a:buNone/>
             </a:pPr>
-            <a:endParaRPr lang="en-GB" kern="0" dirty="0">
+            <a:endParaRPr lang="en-GB" kern="0">
               <a:cs typeface="Arial"/>
             </a:endParaRPr>
           </a:p>
@@ -16348,7 +16463,7 @@
           <a:lstStyle/>
           <a:p>
             <a:r>
-              <a:rPr lang="de-DE" dirty="0"/>
+              <a:rPr lang="de-DE"/>
               <a:t>Aufgabe 5.2</a:t>
             </a:r>
           </a:p>
@@ -16452,7 +16567,7 @@
           <a:lstStyle/>
           <a:p>
             <a:r>
-              <a:rPr lang="de-DE" dirty="0"/>
+              <a:rPr lang="de-DE"/>
               <a:t>Aufgabe 1.2</a:t>
             </a:r>
           </a:p>
@@ -16476,7 +16591,7 @@
                 <p:ph idx="1"/>
                 <p:extLst>
                   <p:ext uri="{D42A27DB-BD31-4B8C-83A1-F6EECF244321}">
-                    <p14:modId xmlns:p14="http://schemas.microsoft.com/office/powerpoint/2010/main" val="3776702303"/>
+                    <p14:modId xmlns:p14="http://schemas.microsoft.com/office/powerpoint/2010/main" val="3545346232"/>
                   </p:ext>
                 </p:extLst>
               </p:nvPr>
@@ -16521,7 +16636,7 @@
                         <a:lstStyle/>
                         <a:p>
                           <a:r>
-                            <a:rPr lang="de-DE" dirty="0"/>
+                            <a:rPr lang="de-DE"/>
                             <a:t>A</a:t>
                           </a:r>
                         </a:p>
@@ -16534,7 +16649,7 @@
                         <a:lstStyle/>
                         <a:p>
                           <a:r>
-                            <a:rPr lang="de-DE" dirty="0"/>
+                            <a:rPr lang="de-DE"/>
                             <a:t>Relation</a:t>
                           </a:r>
                         </a:p>
@@ -16547,7 +16662,7 @@
                         <a:lstStyle/>
                         <a:p>
                           <a:r>
-                            <a:rPr lang="de-DE" dirty="0"/>
+                            <a:rPr lang="de-DE"/>
                             <a:t>B</a:t>
                           </a:r>
                         </a:p>
@@ -16601,7 +16716,7 @@
                               </m:oMath>
                             </m:oMathPara>
                           </a14:m>
-                          <a:endParaRPr lang="de-DE" dirty="0"/>
+                          <a:endParaRPr lang="de-DE"/>
                         </a:p>
                       </a:txBody>
                       <a:tcPr/>
@@ -16613,8 +16728,8 @@
                         <a:p>
                           <a:pPr algn="ctr"/>
                           <a:r>
-                            <a:rPr lang="de-DE" dirty="0"/>
-                            <a:t>&gt;</a:t>
+                            <a:rPr lang="de-DE"/>
+                            <a:t>&lt;</a:t>
                           </a:r>
                         </a:p>
                       </a:txBody>
@@ -16660,7 +16775,7 @@
                               </m:oMath>
                             </m:oMathPara>
                           </a14:m>
-                          <a:endParaRPr lang="de-DE" dirty="0"/>
+                          <a:endParaRPr lang="de-DE"/>
                         </a:p>
                       </a:txBody>
                       <a:tcPr/>
@@ -16712,7 +16827,7 @@
                               </m:oMath>
                             </m:oMathPara>
                           </a14:m>
-                          <a:endParaRPr lang="de-DE" dirty="0"/>
+                          <a:endParaRPr lang="de-DE"/>
                         </a:p>
                       </a:txBody>
                       <a:tcPr/>
@@ -16724,7 +16839,7 @@
                         <a:p>
                           <a:pPr algn="ctr"/>
                           <a:r>
-                            <a:rPr lang="de-DE" dirty="0"/>
+                            <a:rPr lang="de-DE"/>
                             <a:t> &lt;</a:t>
                           </a:r>
                         </a:p>
@@ -16771,7 +16886,7 @@
                               </m:oMath>
                             </m:oMathPara>
                           </a14:m>
-                          <a:endParaRPr lang="de-DE" dirty="0"/>
+                          <a:endParaRPr lang="de-DE"/>
                         </a:p>
                       </a:txBody>
                       <a:tcPr/>
@@ -16829,7 +16944,7 @@
                               </m:oMath>
                             </m:oMathPara>
                           </a14:m>
-                          <a:endParaRPr lang="de-DE" dirty="0"/>
+                          <a:endParaRPr lang="de-DE"/>
                         </a:p>
                       </a:txBody>
                       <a:tcPr/>
@@ -16841,7 +16956,7 @@
                         <a:p>
                           <a:pPr algn="ctr"/>
                           <a:r>
-                            <a:rPr lang="de-DE" dirty="0"/>
+                            <a:rPr lang="de-DE"/>
                             <a:t>=</a:t>
                           </a:r>
                         </a:p>
@@ -16888,7 +17003,7 @@
                               </m:oMath>
                             </m:oMathPara>
                           </a14:m>
-                          <a:endParaRPr lang="de-DE" dirty="0"/>
+                          <a:endParaRPr lang="de-DE"/>
                         </a:p>
                       </a:txBody>
                       <a:tcPr/>
@@ -16940,7 +17055,7 @@
                               </m:oMath>
                             </m:oMathPara>
                           </a14:m>
-                          <a:endParaRPr lang="de-DE" dirty="0"/>
+                          <a:endParaRPr lang="de-DE"/>
                         </a:p>
                       </a:txBody>
                       <a:tcPr/>
@@ -16952,7 +17067,7 @@
                         <a:p>
                           <a:pPr algn="ctr"/>
                           <a:r>
-                            <a:rPr lang="de-DE" dirty="0"/>
+                            <a:rPr lang="de-DE"/>
                             <a:t>&gt;</a:t>
                           </a:r>
                         </a:p>
@@ -16999,7 +17114,7 @@
                               </m:oMath>
                             </m:oMathPara>
                           </a14:m>
-                          <a:endParaRPr lang="de-DE" dirty="0"/>
+                          <a:endParaRPr lang="de-DE"/>
                         </a:p>
                       </a:txBody>
                       <a:tcPr/>
@@ -17032,7 +17147,7 @@
                 <p:ph idx="1"/>
                 <p:extLst>
                   <p:ext uri="{D42A27DB-BD31-4B8C-83A1-F6EECF244321}">
-                    <p14:modId xmlns:p14="http://schemas.microsoft.com/office/powerpoint/2010/main" val="3776702303"/>
+                    <p14:modId xmlns:p14="http://schemas.microsoft.com/office/powerpoint/2010/main" val="3545346232"/>
                   </p:ext>
                 </p:extLst>
               </p:nvPr>
@@ -17077,7 +17192,7 @@
                         <a:lstStyle/>
                         <a:p>
                           <a:r>
-                            <a:rPr lang="de-DE" dirty="0"/>
+                            <a:rPr lang="de-DE"/>
                             <a:t>A</a:t>
                           </a:r>
                         </a:p>
@@ -17090,7 +17205,7 @@
                         <a:lstStyle/>
                         <a:p>
                           <a:r>
-                            <a:rPr lang="de-DE" dirty="0"/>
+                            <a:rPr lang="de-DE"/>
                             <a:t>Relation</a:t>
                           </a:r>
                         </a:p>
@@ -17103,7 +17218,7 @@
                         <a:lstStyle/>
                         <a:p>
                           <a:r>
-                            <a:rPr lang="de-DE" dirty="0"/>
+                            <a:rPr lang="de-DE"/>
                             <a:t>B</a:t>
                           </a:r>
                         </a:p>
@@ -17122,7 +17237,7 @@
                         <a:bodyPr/>
                         <a:lstStyle/>
                         <a:p>
-                          <a:endParaRPr lang="de-DE"/>
+                          <a:endParaRPr lang="en-US"/>
                         </a:p>
                       </a:txBody>
                       <a:tcPr>
@@ -17141,8 +17256,8 @@
                         <a:p>
                           <a:pPr algn="ctr"/>
                           <a:r>
-                            <a:rPr lang="de-DE" dirty="0"/>
-                            <a:t>&gt;</a:t>
+                            <a:rPr lang="de-DE"/>
+                            <a:t>&lt;</a:t>
                           </a:r>
                         </a:p>
                       </a:txBody>
@@ -17153,7 +17268,7 @@
                         <a:bodyPr/>
                         <a:lstStyle/>
                         <a:p>
-                          <a:endParaRPr lang="de-DE"/>
+                          <a:endParaRPr lang="en-US"/>
                         </a:p>
                       </a:txBody>
                       <a:tcPr>
@@ -17177,7 +17292,7 @@
                         <a:bodyPr/>
                         <a:lstStyle/>
                         <a:p>
-                          <a:endParaRPr lang="de-DE"/>
+                          <a:endParaRPr lang="en-US"/>
                         </a:p>
                       </a:txBody>
                       <a:tcPr>
@@ -17196,7 +17311,7 @@
                         <a:p>
                           <a:pPr algn="ctr"/>
                           <a:r>
-                            <a:rPr lang="de-DE" dirty="0"/>
+                            <a:rPr lang="de-DE"/>
                             <a:t> &lt;</a:t>
                           </a:r>
                         </a:p>
@@ -17208,7 +17323,7 @@
                         <a:bodyPr/>
                         <a:lstStyle/>
                         <a:p>
-                          <a:endParaRPr lang="de-DE"/>
+                          <a:endParaRPr lang="en-US"/>
                         </a:p>
                       </a:txBody>
                       <a:tcPr>
@@ -17232,7 +17347,7 @@
                         <a:bodyPr/>
                         <a:lstStyle/>
                         <a:p>
-                          <a:endParaRPr lang="de-DE"/>
+                          <a:endParaRPr lang="en-US"/>
                         </a:p>
                       </a:txBody>
                       <a:tcPr>
@@ -17251,7 +17366,7 @@
                         <a:p>
                           <a:pPr algn="ctr"/>
                           <a:r>
-                            <a:rPr lang="de-DE" dirty="0"/>
+                            <a:rPr lang="de-DE"/>
                             <a:t>=</a:t>
                           </a:r>
                         </a:p>
@@ -17263,7 +17378,7 @@
                         <a:bodyPr/>
                         <a:lstStyle/>
                         <a:p>
-                          <a:endParaRPr lang="de-DE"/>
+                          <a:endParaRPr lang="en-US"/>
                         </a:p>
                       </a:txBody>
                       <a:tcPr>
@@ -17287,7 +17402,7 @@
                         <a:bodyPr/>
                         <a:lstStyle/>
                         <a:p>
-                          <a:endParaRPr lang="de-DE"/>
+                          <a:endParaRPr lang="en-US"/>
                         </a:p>
                       </a:txBody>
                       <a:tcPr>
@@ -17306,7 +17421,7 @@
                         <a:p>
                           <a:pPr algn="ctr"/>
                           <a:r>
-                            <a:rPr lang="de-DE" dirty="0"/>
+                            <a:rPr lang="de-DE"/>
                             <a:t>&gt;</a:t>
                           </a:r>
                         </a:p>
@@ -17318,7 +17433,7 @@
                         <a:bodyPr/>
                         <a:lstStyle/>
                         <a:p>
-                          <a:endParaRPr lang="de-DE"/>
+                          <a:endParaRPr lang="en-US"/>
                         </a:p>
                       </a:txBody>
                       <a:tcPr>
@@ -17377,7 +17492,7 @@
                   <a:buAutoNum type="arabicPeriod"/>
                 </a:pPr>
                 <a:r>
-                  <a:rPr lang="de-DE" dirty="0"/>
+                  <a:rPr lang="de-DE"/>
                   <a:t>Bei der gleichen Zahl gewinnt die höhere Basis.</a:t>
                 </a:r>
               </a:p>
@@ -17421,7 +17536,7 @@
                     </m:r>
                   </m:oMath>
                 </a14:m>
-                <a:endParaRPr lang="de-DE" dirty="0"/>
+                <a:endParaRPr lang="de-DE"/>
               </a:p>
               <a:p>
                 <a:pPr marL="342900" indent="-342900">
@@ -17494,7 +17609,7 @@
                     </m:sSub>
                   </m:oMath>
                 </a14:m>
-                <a:endParaRPr lang="de-DE" dirty="0"/>
+                <a:endParaRPr lang="de-DE"/>
               </a:p>
               <a:p>
                 <a:pPr marL="342900" indent="-342900">
@@ -17543,7 +17658,7 @@
                     </m:r>
                   </m:oMath>
                 </a14:m>
-                <a:endParaRPr lang="de-DE" dirty="0"/>
+                <a:endParaRPr lang="de-DE"/>
               </a:p>
             </p:txBody>
           </p:sp>
@@ -17583,7 +17698,7 @@
               <a:lstStyle/>
               <a:p>
                 <a:r>
-                  <a:rPr lang="de-DE">
+                  <a:rPr lang="en-US">
                     <a:noFill/>
                   </a:rPr>
                   <a:t> </a:t>
@@ -17877,6 +17992,199 @@
 </p:sld>
 </file>
 
+<file path=ppt/slides/slide30.xml><?xml version="1.0" encoding="utf-8"?>
+<p:sld xmlns:a="http://schemas.openxmlformats.org/drawingml/2006/main" xmlns:r="http://schemas.openxmlformats.org/officeDocument/2006/relationships" xmlns:p="http://schemas.openxmlformats.org/presentationml/2006/main">
+  <p:cSld>
+    <p:spTree>
+      <p:nvGrpSpPr>
+        <p:cNvPr id="1" name="">
+          <a:extLst>
+            <a:ext uri="{FF2B5EF4-FFF2-40B4-BE49-F238E27FC236}">
+              <a16:creationId xmlns:a16="http://schemas.microsoft.com/office/drawing/2014/main" id="{01BB52BA-F8C1-A414-78B8-0261F571F501}"/>
+            </a:ext>
+          </a:extLst>
+        </p:cNvPr>
+        <p:cNvGrpSpPr/>
+        <p:nvPr/>
+      </p:nvGrpSpPr>
+      <p:grpSpPr>
+        <a:xfrm>
+          <a:off x="0" y="0"/>
+          <a:ext cx="0" cy="0"/>
+          <a:chOff x="0" y="0"/>
+          <a:chExt cx="0" cy="0"/>
+        </a:xfrm>
+      </p:grpSpPr>
+      <p:sp>
+        <p:nvSpPr>
+          <p:cNvPr id="2" name="Title 1">
+            <a:extLst>
+              <a:ext uri="{FF2B5EF4-FFF2-40B4-BE49-F238E27FC236}">
+                <a16:creationId xmlns:a16="http://schemas.microsoft.com/office/drawing/2014/main" id="{93BDD652-98B1-910C-73FF-47B97091B852}"/>
+              </a:ext>
+            </a:extLst>
+          </p:cNvPr>
+          <p:cNvSpPr>
+            <a:spLocks noGrp="1"/>
+          </p:cNvSpPr>
+          <p:nvPr>
+            <p:ph type="title"/>
+          </p:nvPr>
+        </p:nvSpPr>
+        <p:spPr/>
+        <p:txBody>
+          <a:bodyPr/>
+          <a:lstStyle/>
+          <a:p>
+            <a:r>
+              <a:rPr lang="de-DE"/>
+              <a:t>Aufgabe 5.2</a:t>
+            </a:r>
+          </a:p>
+        </p:txBody>
+      </p:sp>
+      <p:sp>
+        <p:nvSpPr>
+          <p:cNvPr id="4" name="Content Placeholder 3">
+            <a:extLst>
+              <a:ext uri="{FF2B5EF4-FFF2-40B4-BE49-F238E27FC236}">
+                <a16:creationId xmlns:a16="http://schemas.microsoft.com/office/drawing/2014/main" id="{D2C36AB0-9B76-FFD1-2635-E08DB525BA52}"/>
+              </a:ext>
+            </a:extLst>
+          </p:cNvPr>
+          <p:cNvSpPr>
+            <a:spLocks noGrp="1"/>
+          </p:cNvSpPr>
+          <p:nvPr>
+            <p:ph idx="1"/>
+          </p:nvPr>
+        </p:nvSpPr>
+        <p:spPr/>
+        <p:txBody>
+          <a:bodyPr/>
+          <a:lstStyle/>
+          <a:p>
+            <a:pPr marL="0" indent="0">
+              <a:buNone/>
+            </a:pPr>
+            <a:r>
+              <a:rPr lang="en-GB" dirty="0">
+                <a:cs typeface="Arial"/>
+              </a:rPr>
+              <a:t>b) Die </a:t>
+            </a:r>
+            <a:r>
+              <a:rPr lang="en-GB" dirty="0" err="1">
+                <a:cs typeface="Arial"/>
+              </a:rPr>
+              <a:t>graue</a:t>
+            </a:r>
+            <a:r>
+              <a:rPr lang="en-GB" dirty="0">
+                <a:cs typeface="Arial"/>
+              </a:rPr>
+              <a:t> </a:t>
+            </a:r>
+            <a:r>
+              <a:rPr lang="en-GB" dirty="0" err="1">
+                <a:cs typeface="Arial"/>
+              </a:rPr>
+              <a:t>Schicht</a:t>
+            </a:r>
+            <a:r>
+              <a:rPr lang="en-GB" dirty="0">
+                <a:cs typeface="Arial"/>
+              </a:rPr>
+              <a:t> </a:t>
+            </a:r>
+            <a:r>
+              <a:rPr lang="en-GB" dirty="0" err="1">
+                <a:cs typeface="Arial"/>
+              </a:rPr>
+              <a:t>ist</a:t>
+            </a:r>
+            <a:r>
+              <a:rPr lang="en-GB" dirty="0">
+                <a:cs typeface="Arial"/>
+              </a:rPr>
+              <a:t> die </a:t>
+            </a:r>
+            <a:r>
+              <a:rPr lang="en-GB" dirty="0" err="1">
+                <a:cs typeface="Arial"/>
+              </a:rPr>
+              <a:t>Oxidschicht</a:t>
+            </a:r>
+            <a:r>
+              <a:rPr lang="en-GB" dirty="0">
+                <a:cs typeface="Arial"/>
+              </a:rPr>
+              <a:t>. Sie </a:t>
+            </a:r>
+            <a:r>
+              <a:rPr lang="en-GB" dirty="0" err="1">
+                <a:cs typeface="Arial"/>
+              </a:rPr>
+              <a:t>isoliert</a:t>
+            </a:r>
+            <a:r>
+              <a:rPr lang="en-GB" dirty="0">
+                <a:cs typeface="Arial"/>
+              </a:rPr>
+              <a:t> die Gate-</a:t>
+            </a:r>
+            <a:r>
+              <a:rPr lang="en-GB" dirty="0" err="1">
+                <a:cs typeface="Arial"/>
+              </a:rPr>
+              <a:t>Elektrode</a:t>
+            </a:r>
+            <a:r>
+              <a:rPr lang="en-GB" dirty="0">
+                <a:cs typeface="Arial"/>
+              </a:rPr>
+              <a:t> </a:t>
+            </a:r>
+            <a:r>
+              <a:rPr lang="en-GB" dirty="0" err="1">
+                <a:cs typeface="Arial"/>
+              </a:rPr>
+              <a:t>vom</a:t>
+            </a:r>
+            <a:r>
+              <a:rPr lang="en-GB" dirty="0">
+                <a:cs typeface="Arial"/>
+              </a:rPr>
+              <a:t> </a:t>
+            </a:r>
+            <a:r>
+              <a:rPr lang="en-GB" dirty="0" err="1">
+                <a:cs typeface="Arial"/>
+              </a:rPr>
+              <a:t>Substrat</a:t>
+            </a:r>
+            <a:r>
+              <a:rPr lang="en-GB" dirty="0">
+                <a:cs typeface="Arial"/>
+              </a:rPr>
+              <a:t>.</a:t>
+            </a:r>
+          </a:p>
+        </p:txBody>
+      </p:sp>
+    </p:spTree>
+    <p:extLst>
+      <p:ext uri="{BB962C8B-B14F-4D97-AF65-F5344CB8AC3E}">
+        <p14:creationId xmlns:p14="http://schemas.microsoft.com/office/powerpoint/2010/main" val="4238772283"/>
+      </p:ext>
+    </p:extLst>
+  </p:cSld>
+  <p:clrMapOvr>
+    <a:masterClrMapping/>
+  </p:clrMapOvr>
+</p:sld>
+</file>
+
 <file path=ppt/slides/slide4.xml><?xml version="1.0" encoding="utf-8"?>
 <p:sld xmlns:a="http://schemas.openxmlformats.org/drawingml/2006/main" xmlns:r="http://schemas.openxmlformats.org/officeDocument/2006/relationships" xmlns:p="http://schemas.openxmlformats.org/presentationml/2006/main">
   <p:cSld>
@@ -17916,7 +18224,7 @@
           <a:lstStyle/>
           <a:p>
             <a:r>
-              <a:rPr lang="de-DE" dirty="0"/>
+              <a:rPr lang="de-DE"/>
               <a:t>Aufgabe 1.3</a:t>
             </a:r>
           </a:p>
@@ -18008,7 +18316,7 @@
                   </m:oMath>
                 </a14:m>
                 <a:r>
-                  <a:rPr lang="de-DE" sz="2800" dirty="0"/>
+                  <a:rPr lang="de-DE" sz="2800"/>
                   <a:t>, </a:t>
                 </a:r>
                 <a14:m>
@@ -18079,7 +18387,7 @@
                     </m:sSub>
                   </m:oMath>
                 </a14:m>
-                <a:endParaRPr lang="de-DE" sz="2800" dirty="0"/>
+                <a:endParaRPr lang="de-DE" sz="2800"/>
               </a:p>
               <a:p>
                 <a:pPr marL="457200" indent="-457200">
@@ -18177,7 +18485,7 @@
                     </m:sSub>
                   </m:oMath>
                 </a14:m>
-                <a:endParaRPr lang="de-DE" sz="2800" dirty="0"/>
+                <a:endParaRPr lang="de-DE" sz="2800"/>
               </a:p>
               <a:p>
                 <a:pPr marL="457200" indent="-457200">
@@ -18219,13 +18527,13 @@
                     </m:r>
                   </m:oMath>
                 </a14:m>
-                <a:endParaRPr lang="de-DE" sz="2800" dirty="0"/>
+                <a:endParaRPr lang="de-DE" sz="2800"/>
               </a:p>
               <a:p>
                 <a:pPr marL="0" indent="0">
                   <a:buNone/>
                 </a:pPr>
-                <a:endParaRPr lang="de-DE" dirty="0"/>
+                <a:endParaRPr lang="de-DE"/>
               </a:p>
             </p:txBody>
           </p:sp>
@@ -18264,7 +18572,7 @@
               <a:lstStyle/>
               <a:p>
                 <a:r>
-                  <a:rPr lang="de-DE">
+                  <a:rPr lang="en-US">
                     <a:noFill/>
                   </a:rPr>
                   <a:t> </a:t>
@@ -18503,7 +18811,7 @@
           <a:lstStyle/>
           <a:p>
             <a:r>
-              <a:rPr lang="de-DE" dirty="0"/>
+              <a:rPr lang="de-DE"/>
               <a:t>Aufgabe 2.1</a:t>
             </a:r>
           </a:p>
@@ -18622,7 +18930,7 @@
                     </m:oMath>
                   </m:oMathPara>
                 </a14:m>
-                <a:endParaRPr lang="de-DE" dirty="0"/>
+                <a:endParaRPr lang="de-DE"/>
               </a:p>
               <a:p>
                 <a:pPr marL="457200" indent="-457200">
@@ -18826,7 +19134,7 @@
                     </m:acc>
                   </m:oMath>
                 </a14:m>
-                <a:endParaRPr lang="de-DE" dirty="0"/>
+                <a:endParaRPr lang="de-DE"/>
               </a:p>
               <a:p>
                 <a:pPr marL="457200" indent="-457200">
@@ -19005,7 +19313,7 @@
                     </m:r>
                   </m:oMath>
                 </a14:m>
-                <a:endParaRPr lang="de-DE" dirty="0"/>
+                <a:endParaRPr lang="de-DE"/>
               </a:p>
               <a:p>
                 <a:pPr marL="457200" indent="-457200">
@@ -19177,7 +19485,7 @@
                     </m:r>
                   </m:oMath>
                 </a14:m>
-                <a:endParaRPr lang="de-DE" dirty="0"/>
+                <a:endParaRPr lang="de-DE"/>
               </a:p>
               <a:p>
                 <a:pPr marL="457200" indent="-457200">
@@ -19354,7 +19662,7 @@
                     </m:r>
                   </m:oMath>
                 </a14:m>
-                <a:endParaRPr lang="de-DE" dirty="0"/>
+                <a:endParaRPr lang="de-DE"/>
               </a:p>
               <a:p>
                 <a:pPr marL="457200" indent="-457200">
@@ -19459,7 +19767,7 @@
                     </m:r>
                   </m:oMath>
                 </a14:m>
-                <a:endParaRPr lang="de-DE" dirty="0"/>
+                <a:endParaRPr lang="de-DE"/>
               </a:p>
             </p:txBody>
           </p:sp>
@@ -19494,7 +19802,7 @@
               <a:lstStyle/>
               <a:p>
                 <a:r>
-                  <a:rPr lang="de-DE">
+                  <a:rPr lang="en-US">
                     <a:noFill/>
                   </a:rPr>
                   <a:t> </a:t>
@@ -19831,7 +20139,7 @@
           <a:lstStyle/>
           <a:p>
             <a:r>
-              <a:rPr lang="de-DE" dirty="0"/>
+              <a:rPr lang="de-DE"/>
               <a:t>Aufgabe 2.1</a:t>
             </a:r>
           </a:p>
@@ -20045,7 +20353,7 @@
                     </m:oMath>
                   </m:oMathPara>
                 </a14:m>
-                <a:endParaRPr lang="de-DE" b="0" dirty="0">
+                <a:endParaRPr lang="de-DE" b="0">
                   <a:ea typeface="Cambria Math" panose="02040503050406030204" pitchFamily="18" charset="0"/>
                 </a:endParaRPr>
               </a:p>
@@ -20464,7 +20772,7 @@
                     </m:d>
                   </m:oMath>
                 </a14:m>
-                <a:endParaRPr lang="de-DE" dirty="0"/>
+                <a:endParaRPr lang="de-DE"/>
               </a:p>
               <a:p>
                 <a:pPr marL="457200" indent="-457200">
@@ -20871,7 +21179,7 @@
                     </m:d>
                   </m:oMath>
                 </a14:m>
-                <a:endParaRPr lang="de-DE" dirty="0"/>
+                <a:endParaRPr lang="de-DE"/>
               </a:p>
               <a:p>
                 <a:pPr marL="457200" indent="-457200">
@@ -21102,7 +21410,7 @@
                     </m:r>
                   </m:oMath>
                 </a14:m>
-                <a:endParaRPr lang="de-DE" b="0" dirty="0">
+                <a:endParaRPr lang="de-DE" b="0">
                   <a:ea typeface="Cambria Math" panose="02040503050406030204" pitchFamily="18" charset="0"/>
                 </a:endParaRPr>
               </a:p>
@@ -21166,7 +21474,7 @@
                   </m:oMath>
                 </a14:m>
                 <a:r>
-                  <a:rPr lang="de-DE" dirty="0">
+                  <a:rPr lang="de-DE">
                     <a:ea typeface="Cambria Math" panose="02040503050406030204" pitchFamily="18" charset="0"/>
                   </a:rPr>
                   <a:t> = </a:t>
@@ -21207,7 +21515,7 @@
                     </m:r>
                   </m:oMath>
                 </a14:m>
-                <a:endParaRPr lang="de-DE" dirty="0">
+                <a:endParaRPr lang="de-DE">
                   <a:ea typeface="Cambria Math" panose="02040503050406030204" pitchFamily="18" charset="0"/>
                 </a:endParaRPr>
               </a:p>
@@ -21216,7 +21524,7 @@
                   <a:buFont typeface="+mj-lt"/>
                   <a:buAutoNum type="arabicPeriod"/>
                 </a:pPr>
-                <a:endParaRPr lang="de-DE" dirty="0"/>
+                <a:endParaRPr lang="de-DE"/>
               </a:p>
             </p:txBody>
           </p:sp>
@@ -21251,7 +21559,7 @@
               <a:lstStyle/>
               <a:p>
                 <a:r>
-                  <a:rPr lang="de-DE">
+                  <a:rPr lang="en-US">
                     <a:noFill/>
                   </a:rPr>
                   <a:t> </a:t>
@@ -21539,7 +21847,7 @@
           <a:lstStyle/>
           <a:p>
             <a:r>
-              <a:rPr lang="de-DE" dirty="0"/>
+              <a:rPr lang="de-DE"/>
               <a:t>Aufgabe 2.2</a:t>
             </a:r>
           </a:p>
@@ -21573,19 +21881,19 @@
                   <a:buAutoNum type="arabicPeriod"/>
                 </a:pPr>
                 <a:r>
-                  <a:rPr lang="de-DE" dirty="0"/>
+                  <a:rPr lang="de-DE"/>
                   <a:t>Ein Huntington’sches Axiom besagt (a ∧ b) ∨ a = a </a:t>
                 </a:r>
                 <a:r>
-                  <a:rPr lang="de-DE" b="1" dirty="0"/>
+                  <a:rPr lang="de-DE" b="1"/>
                   <a:t>(Falsch</a:t>
                 </a:r>
                 <a:r>
-                  <a:rPr lang="de-DE" dirty="0"/>
+                  <a:rPr lang="de-DE"/>
                   <a:t>, Absorptionsgesetz folgt aus HA ist aber kein HA</a:t>
                 </a:r>
                 <a:r>
-                  <a:rPr lang="de-DE" b="1" dirty="0"/>
+                  <a:rPr lang="de-DE" b="1"/>
                   <a:t>)</a:t>
                 </a:r>
               </a:p>
@@ -21595,19 +21903,19 @@
                   <a:buAutoNum type="arabicPeriod"/>
                 </a:pPr>
                 <a:r>
-                  <a:rPr lang="de-DE" dirty="0"/>
+                  <a:rPr lang="de-DE"/>
                   <a:t>{¬, xor} ist ein vollständiges Operatorensystem </a:t>
                 </a:r>
                 <a:r>
-                  <a:rPr lang="de-DE" b="1" dirty="0"/>
+                  <a:rPr lang="de-DE" b="1"/>
                   <a:t>(Falsch</a:t>
                 </a:r>
                 <a:r>
-                  <a:rPr lang="de-DE" dirty="0"/>
+                  <a:rPr lang="de-DE"/>
                   <a:t>, geht nicht [siehe ÜB]</a:t>
                 </a:r>
                 <a:r>
-                  <a:rPr lang="de-DE" b="1" dirty="0"/>
+                  <a:rPr lang="de-DE" b="1"/>
                   <a:t>)</a:t>
                 </a:r>
               </a:p>
@@ -21617,7 +21925,7 @@
                   <a:buAutoNum type="arabicPeriod"/>
                 </a:pPr>
                 <a:r>
-                  <a:rPr lang="de-DE" dirty="0"/>
+                  <a:rPr lang="de-DE"/>
                   <a:t>{</a:t>
                 </a:r>
                 <a14:m>
@@ -21644,19 +21952,19 @@
                   </m:oMath>
                 </a14:m>
                 <a:r>
-                  <a:rPr lang="de-DE" dirty="0"/>
+                  <a:rPr lang="de-DE"/>
                   <a:t>} ist ein vollst¨andiges Operatorensystem </a:t>
                 </a:r>
                 <a:r>
-                  <a:rPr lang="de-DE" b="1" dirty="0"/>
+                  <a:rPr lang="de-DE" b="1"/>
                   <a:t>(Wahr</a:t>
                 </a:r>
                 <a:r>
-                  <a:rPr lang="de-DE" dirty="0"/>
+                  <a:rPr lang="de-DE"/>
                   <a:t>, geht [siehe ÜB]</a:t>
                 </a:r>
                 <a:r>
-                  <a:rPr lang="de-DE" b="1" dirty="0"/>
+                  <a:rPr lang="de-DE" b="1"/>
                   <a:t>)</a:t>
                 </a:r>
               </a:p>
@@ -21666,7 +21974,7 @@
                   <a:buAutoNum type="arabicPeriod"/>
                 </a:pPr>
                 <a:r>
-                  <a:rPr lang="de-DE" dirty="0"/>
+                  <a:rPr lang="de-DE"/>
                   <a:t>Der Term </a:t>
                 </a:r>
                 <a14:m>
@@ -21740,19 +22048,19 @@
                   </m:oMath>
                 </a14:m>
                 <a:r>
-                  <a:rPr lang="de-DE" dirty="0"/>
+                  <a:rPr lang="de-DE"/>
                   <a:t>kommt in der DNF von ((a ∨ b) → c) vor </a:t>
                 </a:r>
                 <a:r>
-                  <a:rPr lang="de-DE" b="1" dirty="0"/>
+                  <a:rPr lang="de-DE" b="1"/>
                   <a:t>(Falsch</a:t>
                 </a:r>
                 <a:r>
-                  <a:rPr lang="de-DE" dirty="0"/>
+                  <a:rPr lang="de-DE"/>
                   <a:t>, (0, 1, 0) ist falsch</a:t>
                 </a:r>
                 <a:r>
-                  <a:rPr lang="de-DE" b="1" dirty="0"/>
+                  <a:rPr lang="de-DE" b="1"/>
                   <a:t>)</a:t>
                 </a:r>
               </a:p>
@@ -21916,19 +22224,19 @@
                   </m:oMath>
                 </a14:m>
                 <a:r>
-                  <a:rPr lang="de-DE" dirty="0"/>
+                  <a:rPr lang="de-DE"/>
                   <a:t>ist eine Tautologie </a:t>
                 </a:r>
                 <a:r>
-                  <a:rPr lang="de-DE" b="1" dirty="0"/>
+                  <a:rPr lang="de-DE" b="1"/>
                   <a:t>(Wahr</a:t>
                 </a:r>
                 <a:r>
-                  <a:rPr lang="de-DE" dirty="0"/>
+                  <a:rPr lang="de-DE"/>
                   <a:t>, Mit Term 1 haben wir alles außer (0, 1) mit Term 2 haben wir (0, 1) also immer wahr.</a:t>
                 </a:r>
                 <a:r>
-                  <a:rPr lang="de-DE" b="1" dirty="0"/>
+                  <a:rPr lang="de-DE" b="1"/>
                   <a:t>)</a:t>
                 </a:r>
               </a:p>
@@ -21938,19 +22246,19 @@
                   <a:buAutoNum type="arabicPeriod"/>
                 </a:pPr>
                 <a:r>
-                  <a:rPr lang="de-DE" dirty="0"/>
+                  <a:rPr lang="de-DE"/>
                   <a:t>Erfüllen die boole’schen Ausdrücke A und B die gleiche logische Funktion, so gilt A xor B ist eine Kontradiktion </a:t>
                 </a:r>
                 <a:r>
-                  <a:rPr lang="de-DE" b="1" dirty="0"/>
+                  <a:rPr lang="de-DE" b="1"/>
                   <a:t>(Wahr, </a:t>
                 </a:r>
                 <a:r>
-                  <a:rPr lang="de-DE" dirty="0"/>
+                  <a:rPr lang="de-DE"/>
                   <a:t>beide Ausdrücke sind immer gleichzeitig wahr oder falsch</a:t>
                 </a:r>
                 <a:r>
-                  <a:rPr lang="de-DE" b="1" dirty="0"/>
+                  <a:rPr lang="de-DE" b="1"/>
                   <a:t>)</a:t>
                 </a:r>
               </a:p>
@@ -21987,7 +22295,7 @@
               <a:lstStyle/>
               <a:p>
                 <a:r>
-                  <a:rPr lang="de-DE">
+                  <a:rPr lang="en-US">
                     <a:noFill/>
                   </a:rPr>
                   <a:t> </a:t>
@@ -22379,7 +22687,7 @@
           <a:lstStyle/>
           <a:p>
             <a:r>
-              <a:rPr lang="de-DE" dirty="0"/>
+              <a:rPr lang="de-DE"/>
               <a:t>Aufgabe 3.1</a:t>
             </a:r>
           </a:p>
@@ -22410,7 +22718,7 @@
               <a:buNone/>
             </a:pPr>
             <a:r>
-              <a:rPr lang="en-GB" dirty="0">
+              <a:rPr lang="en-GB">
                 <a:cs typeface="Arial"/>
               </a:rPr>
               <a:t>a)</a:t>
@@ -22489,13 +22797,13 @@
           <a:p>
             <a:pPr algn="l"/>
             <a:r>
-              <a:rPr lang="en-GB" sz="2400" dirty="0">
+              <a:rPr lang="en-GB" sz="2400">
                 <a:latin typeface="Arial"/>
                 <a:cs typeface="Arial"/>
               </a:rPr>
               <a:t>*</a:t>
             </a:r>
-            <a:endParaRPr lang="en-GB" sz="3200" dirty="0">
+            <a:endParaRPr lang="en-GB" sz="3200">
               <a:latin typeface="Arial"/>
               <a:cs typeface="Arial"/>
             </a:endParaRPr>
@@ -22535,12 +22843,12 @@
           <a:p>
             <a:pPr algn="ctr"/>
             <a:r>
-              <a:rPr lang="en-GB" dirty="0">
+              <a:rPr lang="en-GB">
                 <a:cs typeface="Arial"/>
               </a:rPr>
               <a:t>1</a:t>
             </a:r>
-            <a:endParaRPr lang="en-GB" dirty="0">
+            <a:endParaRPr lang="en-GB">
               <a:cs typeface="Arial" charset="0"/>
             </a:endParaRPr>
           </a:p>
@@ -22579,13 +22887,13 @@
           <a:p>
             <a:pPr algn="ctr"/>
             <a:r>
-              <a:rPr lang="en-GB" dirty="0">
+              <a:rPr lang="en-GB">
                 <a:latin typeface="Arial"/>
                 <a:cs typeface="Arial"/>
               </a:rPr>
               <a:t>0</a:t>
             </a:r>
-            <a:endParaRPr lang="en-GB" dirty="0">
+            <a:endParaRPr lang="en-GB">
               <a:cs typeface="Arial" charset="0"/>
             </a:endParaRPr>
           </a:p>
@@ -22624,12 +22932,12 @@
           <a:p>
             <a:pPr algn="ctr"/>
             <a:r>
-              <a:rPr lang="en-GB" dirty="0">
+              <a:rPr lang="en-GB">
                 <a:cs typeface="Arial"/>
               </a:rPr>
               <a:t>1</a:t>
             </a:r>
-            <a:endParaRPr lang="en-GB" dirty="0">
+            <a:endParaRPr lang="en-GB">
               <a:cs typeface="Arial" charset="0"/>
             </a:endParaRPr>
           </a:p>
@@ -22668,12 +22976,12 @@
           <a:p>
             <a:pPr algn="ctr"/>
             <a:r>
-              <a:rPr lang="en-GB" dirty="0">
+              <a:rPr lang="en-GB">
                 <a:cs typeface="Arial"/>
               </a:rPr>
               <a:t>1</a:t>
             </a:r>
-            <a:endParaRPr lang="en-GB" dirty="0">
+            <a:endParaRPr lang="en-GB">
               <a:cs typeface="Arial" charset="0"/>
             </a:endParaRPr>
           </a:p>
@@ -22712,13 +23020,13 @@
           <a:p>
             <a:pPr algn="ctr"/>
             <a:r>
-              <a:rPr lang="en-GB" dirty="0">
+              <a:rPr lang="en-GB">
                 <a:latin typeface="Arial"/>
                 <a:cs typeface="Arial"/>
               </a:rPr>
               <a:t>0</a:t>
             </a:r>
-            <a:endParaRPr lang="en-GB" dirty="0">
+            <a:endParaRPr lang="en-GB">
               <a:cs typeface="Arial" charset="0"/>
             </a:endParaRPr>
           </a:p>
@@ -22757,13 +23065,13 @@
           <a:p>
             <a:pPr algn="ctr"/>
             <a:r>
-              <a:rPr lang="en-GB" dirty="0">
+              <a:rPr lang="en-GB">
                 <a:latin typeface="Arial"/>
                 <a:cs typeface="Arial"/>
               </a:rPr>
               <a:t>0</a:t>
             </a:r>
-            <a:endParaRPr lang="en-GB" dirty="0">
+            <a:endParaRPr lang="en-GB">
               <a:cs typeface="Arial" charset="0"/>
             </a:endParaRPr>
           </a:p>
@@ -22802,13 +23110,13 @@
           <a:p>
             <a:pPr algn="ctr"/>
             <a:r>
-              <a:rPr lang="en-GB" dirty="0">
+              <a:rPr lang="en-GB">
                 <a:latin typeface="Arial"/>
                 <a:cs typeface="Arial"/>
               </a:rPr>
               <a:t>0</a:t>
             </a:r>
-            <a:endParaRPr lang="en-GB" dirty="0">
+            <a:endParaRPr lang="en-GB">
               <a:cs typeface="Arial" charset="0"/>
             </a:endParaRPr>
           </a:p>
@@ -22847,13 +23155,13 @@
           <a:p>
             <a:pPr algn="ctr"/>
             <a:r>
-              <a:rPr lang="en-GB" dirty="0">
+              <a:rPr lang="en-GB">
                 <a:latin typeface="Arial"/>
                 <a:cs typeface="Arial"/>
               </a:rPr>
               <a:t>0</a:t>
             </a:r>
-            <a:endParaRPr lang="en-GB" dirty="0">
+            <a:endParaRPr lang="en-GB">
               <a:cs typeface="Arial" charset="0"/>
             </a:endParaRPr>
           </a:p>
@@ -22892,12 +23200,12 @@
           <a:p>
             <a:pPr algn="ctr"/>
             <a:r>
-              <a:rPr lang="en-GB" dirty="0">
+              <a:rPr lang="en-GB">
                 <a:cs typeface="Arial"/>
               </a:rPr>
               <a:t>1</a:t>
             </a:r>
-            <a:endParaRPr lang="en-GB" dirty="0">
+            <a:endParaRPr lang="en-GB">
               <a:cs typeface="Arial" charset="0"/>
             </a:endParaRPr>
           </a:p>
@@ -22936,13 +23244,13 @@
           <a:p>
             <a:pPr algn="ctr"/>
             <a:r>
-              <a:rPr lang="en-GB" dirty="0">
+              <a:rPr lang="en-GB">
                 <a:latin typeface="Arial"/>
                 <a:cs typeface="Arial"/>
               </a:rPr>
               <a:t>0</a:t>
             </a:r>
-            <a:endParaRPr lang="en-GB" dirty="0">
+            <a:endParaRPr lang="en-GB">
               <a:cs typeface="Arial" charset="0"/>
             </a:endParaRPr>
           </a:p>
@@ -22981,13 +23289,13 @@
           <a:p>
             <a:pPr algn="ctr"/>
             <a:r>
-              <a:rPr lang="en-GB" sz="2400" dirty="0">
+              <a:rPr lang="en-GB" sz="2400">
                 <a:latin typeface="Arial"/>
                 <a:cs typeface="Arial"/>
               </a:rPr>
               <a:t>*</a:t>
             </a:r>
-            <a:endParaRPr lang="en-GB" sz="2000" dirty="0">
+            <a:endParaRPr lang="en-GB" sz="2000">
               <a:cs typeface="Arial" charset="0"/>
             </a:endParaRPr>
           </a:p>
@@ -23026,12 +23334,12 @@
           <a:p>
             <a:pPr algn="ctr"/>
             <a:r>
-              <a:rPr lang="en-GB" dirty="0">
+              <a:rPr lang="en-GB">
                 <a:cs typeface="Arial"/>
               </a:rPr>
               <a:t>1</a:t>
             </a:r>
-            <a:endParaRPr lang="en-GB" dirty="0">
+            <a:endParaRPr lang="en-GB">
               <a:cs typeface="Arial" charset="0"/>
             </a:endParaRPr>
           </a:p>
@@ -23070,13 +23378,13 @@
           <a:p>
             <a:pPr algn="ctr"/>
             <a:r>
-              <a:rPr lang="en-GB" dirty="0">
+              <a:rPr lang="en-GB">
                 <a:latin typeface="Arial"/>
                 <a:cs typeface="Arial"/>
               </a:rPr>
               <a:t>0</a:t>
             </a:r>
-            <a:endParaRPr lang="en-GB" dirty="0">
+            <a:endParaRPr lang="en-GB">
               <a:cs typeface="Arial" charset="0"/>
             </a:endParaRPr>
           </a:p>
@@ -23115,13 +23423,13 @@
           <a:p>
             <a:pPr algn="ctr"/>
             <a:r>
-              <a:rPr lang="en-GB" dirty="0">
+              <a:rPr lang="en-GB">
                 <a:latin typeface="Arial"/>
                 <a:cs typeface="Arial"/>
               </a:rPr>
               <a:t>0</a:t>
             </a:r>
-            <a:endParaRPr lang="en-US" dirty="0"/>
+            <a:endParaRPr lang="en-US"/>
           </a:p>
         </p:txBody>
       </p:sp>
@@ -23158,12 +23466,12 @@
           <a:p>
             <a:pPr algn="ctr"/>
             <a:r>
-              <a:rPr lang="en-GB" dirty="0">
+              <a:rPr lang="en-GB">
                 <a:cs typeface="Arial"/>
               </a:rPr>
               <a:t>1</a:t>
             </a:r>
-            <a:endParaRPr lang="en-GB" dirty="0">
+            <a:endParaRPr lang="en-GB">
               <a:cs typeface="Arial" charset="0"/>
             </a:endParaRPr>
           </a:p>
@@ -23227,7 +23535,7 @@
           <a:lstStyle/>
           <a:p>
             <a:r>
-              <a:rPr lang="de-DE" dirty="0"/>
+              <a:rPr lang="de-DE"/>
               <a:t>Aufgabe 3.1</a:t>
             </a:r>
           </a:p>
@@ -23258,7 +23566,7 @@
               <a:buNone/>
             </a:pPr>
             <a:r>
-              <a:rPr lang="en-GB" dirty="0">
+              <a:rPr lang="en-GB">
                 <a:cs typeface="Arial"/>
               </a:rPr>
               <a:t>a)</a:t>
@@ -23337,7 +23645,7 @@
           <a:p>
             <a:pPr algn="l"/>
             <a:r>
-              <a:rPr lang="en-GB" sz="2400" dirty="0">
+              <a:rPr lang="en-GB" sz="2400">
                 <a:latin typeface="Arial"/>
                 <a:cs typeface="Arial"/>
               </a:rPr>
@@ -23383,12 +23691,12 @@
           <a:p>
             <a:pPr algn="ctr"/>
             <a:r>
-              <a:rPr lang="en-GB" dirty="0">
+              <a:rPr lang="en-GB">
                 <a:cs typeface="Arial"/>
               </a:rPr>
               <a:t>1</a:t>
             </a:r>
-            <a:endParaRPr lang="en-GB" dirty="0">
+            <a:endParaRPr lang="en-GB">
               <a:cs typeface="Arial" charset="0"/>
             </a:endParaRPr>
           </a:p>
@@ -23427,13 +23735,13 @@
           <a:p>
             <a:pPr algn="ctr"/>
             <a:r>
-              <a:rPr lang="en-GB" dirty="0">
+              <a:rPr lang="en-GB">
                 <a:latin typeface="Arial"/>
                 <a:cs typeface="Arial"/>
               </a:rPr>
               <a:t>1</a:t>
             </a:r>
-            <a:endParaRPr lang="en-GB" dirty="0">
+            <a:endParaRPr lang="en-GB">
               <a:cs typeface="Arial" charset="0"/>
             </a:endParaRPr>
           </a:p>
@@ -23472,12 +23780,12 @@
           <a:p>
             <a:pPr algn="ctr"/>
             <a:r>
-              <a:rPr lang="en-GB" dirty="0">
+              <a:rPr lang="en-GB">
                 <a:cs typeface="Arial"/>
               </a:rPr>
               <a:t>1</a:t>
             </a:r>
-            <a:endParaRPr lang="en-GB" dirty="0">
+            <a:endParaRPr lang="en-GB">
               <a:cs typeface="Arial" charset="0"/>
             </a:endParaRPr>
           </a:p>
@@ -23516,13 +23824,13 @@
           <a:p>
             <a:pPr algn="ctr"/>
             <a:r>
-              <a:rPr lang="en-GB" dirty="0">
+              <a:rPr lang="en-GB">
                 <a:latin typeface="Arial"/>
                 <a:cs typeface="Arial"/>
               </a:rPr>
               <a:t>1</a:t>
             </a:r>
-            <a:endParaRPr lang="en-GB" dirty="0">
+            <a:endParaRPr lang="en-GB">
               <a:cs typeface="Arial" charset="0"/>
             </a:endParaRPr>
           </a:p>
@@ -23561,13 +23869,13 @@
           <a:p>
             <a:pPr algn="ctr"/>
             <a:r>
-              <a:rPr lang="en-GB" dirty="0">
+              <a:rPr lang="en-GB">
                 <a:latin typeface="Arial"/>
                 <a:cs typeface="Arial"/>
               </a:rPr>
               <a:t>0</a:t>
             </a:r>
-            <a:endParaRPr lang="en-GB" dirty="0">
+            <a:endParaRPr lang="en-GB">
               <a:cs typeface="Arial" charset="0"/>
             </a:endParaRPr>
           </a:p>
@@ -23606,13 +23914,13 @@
           <a:p>
             <a:pPr algn="ctr"/>
             <a:r>
-              <a:rPr lang="en-GB" dirty="0">
+              <a:rPr lang="en-GB">
                 <a:latin typeface="Arial"/>
                 <a:cs typeface="Arial"/>
               </a:rPr>
               <a:t>0</a:t>
             </a:r>
-            <a:endParaRPr lang="en-GB" dirty="0">
+            <a:endParaRPr lang="en-GB">
               <a:cs typeface="Arial" charset="0"/>
             </a:endParaRPr>
           </a:p>
@@ -23651,13 +23959,13 @@
           <a:p>
             <a:pPr algn="ctr"/>
             <a:r>
-              <a:rPr lang="en-GB" dirty="0">
+              <a:rPr lang="en-GB">
                 <a:latin typeface="Arial"/>
                 <a:cs typeface="Arial"/>
               </a:rPr>
               <a:t>0</a:t>
             </a:r>
-            <a:endParaRPr lang="en-GB" dirty="0">
+            <a:endParaRPr lang="en-GB">
               <a:cs typeface="Arial" charset="0"/>
             </a:endParaRPr>
           </a:p>
@@ -23696,12 +24004,12 @@
           <a:p>
             <a:pPr algn="ctr"/>
             <a:r>
-              <a:rPr lang="en-GB" dirty="0">
+              <a:rPr lang="en-GB">
                 <a:cs typeface="Arial"/>
               </a:rPr>
               <a:t>1</a:t>
             </a:r>
-            <a:endParaRPr lang="en-GB" dirty="0">
+            <a:endParaRPr lang="en-GB">
               <a:cs typeface="Arial" charset="0"/>
             </a:endParaRPr>
           </a:p>
@@ -23740,13 +24048,13 @@
           <a:p>
             <a:pPr algn="ctr"/>
             <a:r>
-              <a:rPr lang="en-GB" dirty="0">
+              <a:rPr lang="en-GB">
                 <a:latin typeface="Arial"/>
                 <a:cs typeface="Arial"/>
               </a:rPr>
               <a:t>0</a:t>
             </a:r>
-            <a:endParaRPr lang="en-GB" dirty="0">
+            <a:endParaRPr lang="en-GB">
               <a:cs typeface="Arial" charset="0"/>
             </a:endParaRPr>
           </a:p>
@@ -23785,13 +24093,13 @@
           <a:p>
             <a:pPr algn="ctr"/>
             <a:r>
-              <a:rPr lang="en-GB" sz="2400" dirty="0">
+              <a:rPr lang="en-GB" sz="2400">
                 <a:latin typeface="Arial"/>
                 <a:cs typeface="Arial"/>
               </a:rPr>
               <a:t>*</a:t>
             </a:r>
-            <a:endParaRPr lang="en-GB" sz="2000" dirty="0">
+            <a:endParaRPr lang="en-GB" sz="2000">
               <a:cs typeface="Arial" charset="0"/>
             </a:endParaRPr>
           </a:p>
@@ -23830,13 +24138,13 @@
           <a:p>
             <a:pPr algn="ctr"/>
             <a:r>
-              <a:rPr lang="en-GB" dirty="0">
+              <a:rPr lang="en-GB">
                 <a:latin typeface="Arial"/>
                 <a:cs typeface="Arial"/>
               </a:rPr>
               <a:t>0</a:t>
             </a:r>
-            <a:endParaRPr lang="en-GB" dirty="0">
+            <a:endParaRPr lang="en-GB">
               <a:cs typeface="Arial" charset="0"/>
             </a:endParaRPr>
           </a:p>
@@ -23875,13 +24183,13 @@
           <a:p>
             <a:pPr algn="ctr"/>
             <a:r>
-              <a:rPr lang="en-GB" dirty="0">
+              <a:rPr lang="en-GB">
                 <a:latin typeface="Arial"/>
                 <a:cs typeface="Arial"/>
               </a:rPr>
               <a:t>0</a:t>
             </a:r>
-            <a:endParaRPr lang="en-GB" dirty="0">
+            <a:endParaRPr lang="en-GB">
               <a:cs typeface="Arial" charset="0"/>
             </a:endParaRPr>
           </a:p>
@@ -23920,13 +24228,13 @@
           <a:p>
             <a:pPr algn="ctr"/>
             <a:r>
-              <a:rPr lang="en-GB" dirty="0">
+              <a:rPr lang="en-GB">
                 <a:latin typeface="Arial"/>
                 <a:cs typeface="Arial"/>
               </a:rPr>
               <a:t>0</a:t>
             </a:r>
-            <a:endParaRPr lang="en-US" dirty="0"/>
+            <a:endParaRPr lang="en-US"/>
           </a:p>
         </p:txBody>
       </p:sp>
@@ -23963,12 +24271,12 @@
           <a:p>
             <a:pPr algn="ctr"/>
             <a:r>
-              <a:rPr lang="en-GB" dirty="0">
+              <a:rPr lang="en-GB">
                 <a:cs typeface="Arial"/>
               </a:rPr>
               <a:t>1</a:t>
             </a:r>
-            <a:endParaRPr lang="en-GB" dirty="0">
+            <a:endParaRPr lang="en-GB">
               <a:cs typeface="Arial" charset="0"/>
             </a:endParaRPr>
           </a:p>
@@ -24007,13 +24315,13 @@
           <a:p>
             <a:pPr algn="ctr"/>
             <a:r>
-              <a:rPr lang="en-GB" sz="2400" dirty="0">
+              <a:rPr lang="en-GB" sz="2400">
                 <a:latin typeface="Arial"/>
                 <a:cs typeface="Arial"/>
               </a:rPr>
               <a:t>*</a:t>
             </a:r>
-            <a:endParaRPr lang="en-GB" sz="2000" dirty="0">
+            <a:endParaRPr lang="en-GB" sz="2000">
               <a:cs typeface="Arial" charset="0"/>
             </a:endParaRPr>
           </a:p>
@@ -24894,12 +25202,14 @@
 </file>
 
 <file path=customXml/item1.xml><?xml version="1.0" encoding="utf-8"?>
-<?mso-contentType ?>
-<FormTemplates xmlns="http://schemas.microsoft.com/sharepoint/v3/contenttype/forms">
-  <Display>DocumentLibraryForm</Display>
-  <Edit>DocumentLibraryForm</Edit>
-  <New>DocumentLibraryForm</New>
-</FormTemplates>
+<p:properties xmlns:p="http://schemas.microsoft.com/office/2006/metadata/properties" xmlns:xsi="http://www.w3.org/2001/XMLSchema-instance" xmlns:pc="http://schemas.microsoft.com/office/infopath/2007/PartnerControls">
+  <documentManagement>
+    <TaxCatchAll xmlns="e08cfc56-8307-41e5-898e-b333c51beffa" xsi:nil="true"/>
+    <lcf76f155ced4ddcb4097134ff3c332f xmlns="f957fcc5-14ca-4ecf-9842-9f00d595875c">
+      <Terms xmlns="http://schemas.microsoft.com/office/infopath/2007/PartnerControls"/>
+    </lcf76f155ced4ddcb4097134ff3c332f>
+  </documentManagement>
+</p:properties>
 </file>
 
 <file path=customXml/item2.xml><?xml version="1.0" encoding="utf-8"?>
@@ -25140,20 +25450,27 @@
 </file>
 
 <file path=customXml/item3.xml><?xml version="1.0" encoding="utf-8"?>
-<p:properties xmlns:p="http://schemas.microsoft.com/office/2006/metadata/properties" xmlns:xsi="http://www.w3.org/2001/XMLSchema-instance" xmlns:pc="http://schemas.microsoft.com/office/infopath/2007/PartnerControls">
-  <documentManagement>
-    <TaxCatchAll xmlns="e08cfc56-8307-41e5-898e-b333c51beffa" xsi:nil="true"/>
-    <lcf76f155ced4ddcb4097134ff3c332f xmlns="f957fcc5-14ca-4ecf-9842-9f00d595875c">
-      <Terms xmlns="http://schemas.microsoft.com/office/infopath/2007/PartnerControls"/>
-    </lcf76f155ced4ddcb4097134ff3c332f>
-  </documentManagement>
-</p:properties>
+<?mso-contentType ?>
+<FormTemplates xmlns="http://schemas.microsoft.com/sharepoint/v3/contenttype/forms">
+  <Display>DocumentLibraryForm</Display>
+  <Edit>DocumentLibraryForm</Edit>
+  <New>DocumentLibraryForm</New>
+</FormTemplates>
 </file>
 
 <file path=customXml/itemProps1.xml><?xml version="1.0" encoding="utf-8"?>
-<ds:datastoreItem xmlns:ds="http://schemas.openxmlformats.org/officeDocument/2006/customXml" ds:itemID="{AC48F4C2-72FB-464C-8474-E470A160399A}">
+<ds:datastoreItem xmlns:ds="http://schemas.openxmlformats.org/officeDocument/2006/customXml" ds:itemID="{01C86142-AC43-4D34-9C61-6017C7A1D49D}">
   <ds:schemaRefs>
-    <ds:schemaRef ds:uri="http://schemas.microsoft.com/sharepoint/v3/contenttype/forms"/>
+    <ds:schemaRef ds:uri="e08cfc56-8307-41e5-898e-b333c51beffa"/>
+    <ds:schemaRef ds:uri="f957fcc5-14ca-4ecf-9842-9f00d595875c"/>
+    <ds:schemaRef ds:uri="http://purl.org/dc/dcmitype/"/>
+    <ds:schemaRef ds:uri="http://purl.org/dc/elements/1.1/"/>
+    <ds:schemaRef ds:uri="http://purl.org/dc/terms/"/>
+    <ds:schemaRef ds:uri="http://schemas.microsoft.com/office/2006/documentManagement/types"/>
+    <ds:schemaRef ds:uri="http://schemas.microsoft.com/office/2006/metadata/properties"/>
+    <ds:schemaRef ds:uri="http://schemas.microsoft.com/office/infopath/2007/PartnerControls"/>
+    <ds:schemaRef ds:uri="http://schemas.openxmlformats.org/package/2006/metadata/core-properties"/>
+    <ds:schemaRef ds:uri="http://www.w3.org/XML/1998/namespace"/>
   </ds:schemaRefs>
 </ds:datastoreItem>
 </file>
@@ -25178,18 +25495,9 @@
 </file>
 
 <file path=customXml/itemProps3.xml><?xml version="1.0" encoding="utf-8"?>
-<ds:datastoreItem xmlns:ds="http://schemas.openxmlformats.org/officeDocument/2006/customXml" ds:itemID="{01C86142-AC43-4D34-9C61-6017C7A1D49D}">
+<ds:datastoreItem xmlns:ds="http://schemas.openxmlformats.org/officeDocument/2006/customXml" ds:itemID="{AC48F4C2-72FB-464C-8474-E470A160399A}">
   <ds:schemaRefs>
-    <ds:schemaRef ds:uri="e08cfc56-8307-41e5-898e-b333c51beffa"/>
-    <ds:schemaRef ds:uri="f957fcc5-14ca-4ecf-9842-9f00d595875c"/>
-    <ds:schemaRef ds:uri="http://schemas.openxmlformats.org/package/2006/metadata/core-properties"/>
-    <ds:schemaRef ds:uri="http://purl.org/dc/elements/1.1/"/>
-    <ds:schemaRef ds:uri="http://schemas.microsoft.com/office/2006/documentManagement/types"/>
-    <ds:schemaRef ds:uri="http://www.w3.org/XML/1998/namespace"/>
-    <ds:schemaRef ds:uri="http://schemas.microsoft.com/office/infopath/2007/PartnerControls"/>
-    <ds:schemaRef ds:uri="http://schemas.microsoft.com/office/2006/metadata/properties"/>
-    <ds:schemaRef ds:uri="http://purl.org/dc/dcmitype/"/>
-    <ds:schemaRef ds:uri="http://purl.org/dc/terms/"/>
+    <ds:schemaRef ds:uri="http://schemas.microsoft.com/sharepoint/v3/contenttype/forms"/>
   </ds:schemaRefs>
 </ds:datastoreItem>
 </file>
--- a/Probeklausur.pptx
+++ b/Probeklausur.pptx
@@ -20145,8 +20145,8 @@
           </a:p>
         </p:txBody>
       </p:sp>
-      <mc:AlternateContent xmlns:mc="http://schemas.openxmlformats.org/markup-compatibility/2006" xmlns:a14="http://schemas.microsoft.com/office/drawing/2010/main">
-        <mc:Choice Requires="a14">
+      <mc:AlternateContent xmlns:mc="http://schemas.openxmlformats.org/markup-compatibility/2006">
+        <mc:Choice xmlns:a14="http://schemas.microsoft.com/office/drawing/2010/main" Requires="a14">
           <p:sp>
             <p:nvSpPr>
               <p:cNvPr id="3" name="Inhaltsplatzhalter 2">
@@ -20322,11 +20322,11 @@
                             <m:t>𝑏</m:t>
                           </m:r>
                           <m:r>
-                            <a:rPr lang="de-DE" b="0" i="1" smtClean="0">
+                            <a:rPr lang="de-DE" i="1">
                               <a:latin typeface="Cambria Math" panose="02040503050406030204" pitchFamily="18" charset="0"/>
                               <a:ea typeface="Cambria Math" panose="02040503050406030204" pitchFamily="18" charset="0"/>
                             </a:rPr>
-                            <m:t>∨</m:t>
+                            <m:t>∧</m:t>
                           </m:r>
                           <m:acc>
                             <m:accPr>
@@ -20353,7 +20353,7 @@
                     </m:oMath>
                   </m:oMathPara>
                 </a14:m>
-                <a:endParaRPr lang="de-DE" b="0">
+                <a:endParaRPr lang="de-DE" b="0" dirty="0">
                   <a:ea typeface="Cambria Math" panose="02040503050406030204" pitchFamily="18" charset="0"/>
                 </a:endParaRPr>
               </a:p>
@@ -20513,7 +20513,315 @@
                             <a:latin typeface="Cambria Math" panose="02040503050406030204" pitchFamily="18" charset="0"/>
                             <a:ea typeface="Cambria Math" panose="02040503050406030204" pitchFamily="18" charset="0"/>
                           </a:rPr>
+                          <m:t>∧</m:t>
+                        </m:r>
+                        <m:acc>
+                          <m:accPr>
+                            <m:chr m:val="̅"/>
+                            <m:ctrlPr>
+                              <a:rPr lang="de-DE" i="1">
+                                <a:latin typeface="Cambria Math" panose="02040503050406030204" pitchFamily="18" charset="0"/>
+                                <a:ea typeface="Cambria Math" panose="02040503050406030204" pitchFamily="18" charset="0"/>
+                              </a:rPr>
+                            </m:ctrlPr>
+                          </m:accPr>
+                          <m:e>
+                            <m:r>
+                              <a:rPr lang="de-DE" i="1">
+                                <a:latin typeface="Cambria Math" panose="02040503050406030204" pitchFamily="18" charset="0"/>
+                                <a:ea typeface="Cambria Math" panose="02040503050406030204" pitchFamily="18" charset="0"/>
+                              </a:rPr>
+                              <m:t>𝑎</m:t>
+                            </m:r>
+                          </m:e>
+                        </m:acc>
+                      </m:e>
+                    </m:d>
+                    <m:r>
+                      <a:rPr lang="de-DE" b="0" i="1" smtClean="0">
+                        <a:latin typeface="Cambria Math" panose="02040503050406030204" pitchFamily="18" charset="0"/>
+                        <a:ea typeface="Cambria Math" panose="02040503050406030204" pitchFamily="18" charset="0"/>
+                      </a:rPr>
+                      <m:t>=</m:t>
+                    </m:r>
+                    <m:d>
+                      <m:dPr>
+                        <m:ctrlPr>
+                          <a:rPr lang="de-DE" b="0" i="1" smtClean="0">
+                            <a:latin typeface="Cambria Math" panose="02040503050406030204" pitchFamily="18" charset="0"/>
+                            <a:ea typeface="Cambria Math" panose="02040503050406030204" pitchFamily="18" charset="0"/>
+                          </a:rPr>
+                        </m:ctrlPr>
+                      </m:dPr>
+                      <m:e>
+                        <m:acc>
+                          <m:accPr>
+                            <m:chr m:val="̅"/>
+                            <m:ctrlPr>
+                              <a:rPr lang="de-DE" b="0" i="1" smtClean="0">
+                                <a:latin typeface="Cambria Math" panose="02040503050406030204" pitchFamily="18" charset="0"/>
+                                <a:ea typeface="Cambria Math" panose="02040503050406030204" pitchFamily="18" charset="0"/>
+                              </a:rPr>
+                            </m:ctrlPr>
+                          </m:accPr>
+                          <m:e>
+                            <m:r>
+                              <a:rPr lang="de-DE" b="0" i="1" smtClean="0">
+                                <a:latin typeface="Cambria Math" panose="02040503050406030204" pitchFamily="18" charset="0"/>
+                                <a:ea typeface="Cambria Math" panose="02040503050406030204" pitchFamily="18" charset="0"/>
+                              </a:rPr>
+                              <m:t>𝑎</m:t>
+                            </m:r>
+                          </m:e>
+                        </m:acc>
+                        <m:r>
+                          <a:rPr lang="de-DE" b="0" i="1" smtClean="0">
+                            <a:latin typeface="Cambria Math" panose="02040503050406030204" pitchFamily="18" charset="0"/>
+                          </a:rPr>
+                          <m:t> </m:t>
+                        </m:r>
+                        <m:r>
+                          <a:rPr lang="de-DE" b="0" i="1" smtClean="0">
+                            <a:latin typeface="Cambria Math" panose="02040503050406030204" pitchFamily="18" charset="0"/>
+                            <a:ea typeface="Cambria Math" panose="02040503050406030204" pitchFamily="18" charset="0"/>
+                          </a:rPr>
                           <m:t>∨</m:t>
+                        </m:r>
+                        <m:d>
+                          <m:dPr>
+                            <m:ctrlPr>
+                              <a:rPr lang="de-DE" b="0" i="1" smtClean="0">
+                                <a:latin typeface="Cambria Math" panose="02040503050406030204" pitchFamily="18" charset="0"/>
+                                <a:ea typeface="Cambria Math" panose="02040503050406030204" pitchFamily="18" charset="0"/>
+                              </a:rPr>
+                            </m:ctrlPr>
+                          </m:dPr>
+                          <m:e>
+                            <m:r>
+                              <a:rPr lang="de-DE" b="0" i="1" smtClean="0">
+                                <a:latin typeface="Cambria Math" panose="02040503050406030204" pitchFamily="18" charset="0"/>
+                                <a:ea typeface="Cambria Math" panose="02040503050406030204" pitchFamily="18" charset="0"/>
+                              </a:rPr>
+                              <m:t>𝑏</m:t>
+                            </m:r>
+                            <m:r>
+                              <a:rPr lang="de-DE" b="0" i="1" smtClean="0">
+                                <a:latin typeface="Cambria Math" panose="02040503050406030204" pitchFamily="18" charset="0"/>
+                                <a:ea typeface="Cambria Math" panose="02040503050406030204" pitchFamily="18" charset="0"/>
+                              </a:rPr>
+                              <m:t>∧</m:t>
+                            </m:r>
+                            <m:acc>
+                              <m:accPr>
+                                <m:chr m:val="̅"/>
+                                <m:ctrlPr>
+                                  <a:rPr lang="de-DE" b="0" i="1" smtClean="0">
+                                    <a:latin typeface="Cambria Math" panose="02040503050406030204" pitchFamily="18" charset="0"/>
+                                    <a:ea typeface="Cambria Math" panose="02040503050406030204" pitchFamily="18" charset="0"/>
+                                  </a:rPr>
+                                </m:ctrlPr>
+                              </m:accPr>
+                              <m:e>
+                                <m:r>
+                                  <a:rPr lang="de-DE" b="0" i="1" smtClean="0">
+                                    <a:latin typeface="Cambria Math" panose="02040503050406030204" pitchFamily="18" charset="0"/>
+                                    <a:ea typeface="Cambria Math" panose="02040503050406030204" pitchFamily="18" charset="0"/>
+                                  </a:rPr>
+                                  <m:t>𝑏</m:t>
+                                </m:r>
+                              </m:e>
+                            </m:acc>
+                          </m:e>
+                        </m:d>
+                      </m:e>
+                    </m:d>
+                    <m:r>
+                      <a:rPr lang="de-DE" i="1">
+                        <a:latin typeface="Cambria Math" panose="02040503050406030204" pitchFamily="18" charset="0"/>
+                        <a:ea typeface="Cambria Math" panose="02040503050406030204" pitchFamily="18" charset="0"/>
+                      </a:rPr>
+                      <m:t>∨</m:t>
+                    </m:r>
+                    <m:d>
+                      <m:dPr>
+                        <m:ctrlPr>
+                          <a:rPr lang="de-DE" i="1">
+                            <a:latin typeface="Cambria Math" panose="02040503050406030204" pitchFamily="18" charset="0"/>
+                            <a:ea typeface="Cambria Math" panose="02040503050406030204" pitchFamily="18" charset="0"/>
+                          </a:rPr>
+                        </m:ctrlPr>
+                      </m:dPr>
+                      <m:e>
+                        <m:r>
+                          <a:rPr lang="de-DE" i="1">
+                            <a:latin typeface="Cambria Math" panose="02040503050406030204" pitchFamily="18" charset="0"/>
+                            <a:ea typeface="Cambria Math" panose="02040503050406030204" pitchFamily="18" charset="0"/>
+                          </a:rPr>
+                          <m:t>𝑏</m:t>
+                        </m:r>
+                        <m:r>
+                          <a:rPr lang="de-DE" i="1">
+                            <a:latin typeface="Cambria Math" panose="02040503050406030204" pitchFamily="18" charset="0"/>
+                            <a:ea typeface="Cambria Math" panose="02040503050406030204" pitchFamily="18" charset="0"/>
+                          </a:rPr>
+                          <m:t>∧</m:t>
+                        </m:r>
+                        <m:acc>
+                          <m:accPr>
+                            <m:chr m:val="̅"/>
+                            <m:ctrlPr>
+                              <a:rPr lang="de-DE" i="1">
+                                <a:latin typeface="Cambria Math" panose="02040503050406030204" pitchFamily="18" charset="0"/>
+                                <a:ea typeface="Cambria Math" panose="02040503050406030204" pitchFamily="18" charset="0"/>
+                              </a:rPr>
+                            </m:ctrlPr>
+                          </m:accPr>
+                          <m:e>
+                            <m:r>
+                              <a:rPr lang="de-DE" i="1">
+                                <a:latin typeface="Cambria Math" panose="02040503050406030204" pitchFamily="18" charset="0"/>
+                                <a:ea typeface="Cambria Math" panose="02040503050406030204" pitchFamily="18" charset="0"/>
+                              </a:rPr>
+                              <m:t>𝑎</m:t>
+                            </m:r>
+                          </m:e>
+                        </m:acc>
+                      </m:e>
+                    </m:d>
+                  </m:oMath>
+                </a14:m>
+                <a:endParaRPr lang="de-DE" dirty="0">
+                  <a:ea typeface="Cambria Math" panose="02040503050406030204" pitchFamily="18" charset="0"/>
+                </a:endParaRPr>
+              </a:p>
+              <a:p>
+                <a:pPr marL="457200" indent="-457200">
+                  <a:buFont typeface="+mj-lt"/>
+                  <a:buAutoNum type="arabicPeriod"/>
+                </a:pPr>
+                <a14:m>
+                  <m:oMath xmlns:m="http://schemas.openxmlformats.org/officeDocument/2006/math">
+                    <m:d>
+                      <m:dPr>
+                        <m:ctrlPr>
+                          <a:rPr lang="de-DE" i="1">
+                            <a:latin typeface="Cambria Math" panose="02040503050406030204" pitchFamily="18" charset="0"/>
+                            <a:ea typeface="Cambria Math" panose="02040503050406030204" pitchFamily="18" charset="0"/>
+                          </a:rPr>
+                        </m:ctrlPr>
+                      </m:dPr>
+                      <m:e>
+                        <m:acc>
+                          <m:accPr>
+                            <m:chr m:val="̅"/>
+                            <m:ctrlPr>
+                              <a:rPr lang="de-DE" i="1">
+                                <a:latin typeface="Cambria Math" panose="02040503050406030204" pitchFamily="18" charset="0"/>
+                                <a:ea typeface="Cambria Math" panose="02040503050406030204" pitchFamily="18" charset="0"/>
+                              </a:rPr>
+                            </m:ctrlPr>
+                          </m:accPr>
+                          <m:e>
+                            <m:r>
+                              <a:rPr lang="de-DE" i="1">
+                                <a:latin typeface="Cambria Math" panose="02040503050406030204" pitchFamily="18" charset="0"/>
+                                <a:ea typeface="Cambria Math" panose="02040503050406030204" pitchFamily="18" charset="0"/>
+                              </a:rPr>
+                              <m:t>𝑎</m:t>
+                            </m:r>
+                          </m:e>
+                        </m:acc>
+                        <m:r>
+                          <a:rPr lang="de-DE" i="1">
+                            <a:latin typeface="Cambria Math" panose="02040503050406030204" pitchFamily="18" charset="0"/>
+                          </a:rPr>
+                          <m:t> </m:t>
+                        </m:r>
+                        <m:r>
+                          <a:rPr lang="de-DE" i="1">
+                            <a:latin typeface="Cambria Math" panose="02040503050406030204" pitchFamily="18" charset="0"/>
+                            <a:ea typeface="Cambria Math" panose="02040503050406030204" pitchFamily="18" charset="0"/>
+                          </a:rPr>
+                          <m:t>∨</m:t>
+                        </m:r>
+                        <m:d>
+                          <m:dPr>
+                            <m:ctrlPr>
+                              <a:rPr lang="de-DE" i="1">
+                                <a:latin typeface="Cambria Math" panose="02040503050406030204" pitchFamily="18" charset="0"/>
+                                <a:ea typeface="Cambria Math" panose="02040503050406030204" pitchFamily="18" charset="0"/>
+                              </a:rPr>
+                            </m:ctrlPr>
+                          </m:dPr>
+                          <m:e>
+                            <m:r>
+                              <a:rPr lang="de-DE" i="1">
+                                <a:latin typeface="Cambria Math" panose="02040503050406030204" pitchFamily="18" charset="0"/>
+                                <a:ea typeface="Cambria Math" panose="02040503050406030204" pitchFamily="18" charset="0"/>
+                              </a:rPr>
+                              <m:t>𝑏</m:t>
+                            </m:r>
+                            <m:r>
+                              <a:rPr lang="de-DE" i="1">
+                                <a:latin typeface="Cambria Math" panose="02040503050406030204" pitchFamily="18" charset="0"/>
+                                <a:ea typeface="Cambria Math" panose="02040503050406030204" pitchFamily="18" charset="0"/>
+                              </a:rPr>
+                              <m:t>∧</m:t>
+                            </m:r>
+                            <m:acc>
+                              <m:accPr>
+                                <m:chr m:val="̅"/>
+                                <m:ctrlPr>
+                                  <a:rPr lang="de-DE" i="1">
+                                    <a:latin typeface="Cambria Math" panose="02040503050406030204" pitchFamily="18" charset="0"/>
+                                    <a:ea typeface="Cambria Math" panose="02040503050406030204" pitchFamily="18" charset="0"/>
+                                  </a:rPr>
+                                </m:ctrlPr>
+                              </m:accPr>
+                              <m:e>
+                                <m:r>
+                                  <a:rPr lang="de-DE" i="1">
+                                    <a:latin typeface="Cambria Math" panose="02040503050406030204" pitchFamily="18" charset="0"/>
+                                    <a:ea typeface="Cambria Math" panose="02040503050406030204" pitchFamily="18" charset="0"/>
+                                  </a:rPr>
+                                  <m:t>𝑏</m:t>
+                                </m:r>
+                              </m:e>
+                            </m:acc>
+                          </m:e>
+                        </m:d>
+                      </m:e>
+                    </m:d>
+                    <m:r>
+                      <a:rPr lang="de-DE" i="1">
+                        <a:latin typeface="Cambria Math" panose="02040503050406030204" pitchFamily="18" charset="0"/>
+                        <a:ea typeface="Cambria Math" panose="02040503050406030204" pitchFamily="18" charset="0"/>
+                      </a:rPr>
+                      <m:t>∨</m:t>
+                    </m:r>
+                    <m:d>
+                      <m:dPr>
+                        <m:ctrlPr>
+                          <a:rPr lang="de-DE" i="1">
+                            <a:latin typeface="Cambria Math" panose="02040503050406030204" pitchFamily="18" charset="0"/>
+                            <a:ea typeface="Cambria Math" panose="02040503050406030204" pitchFamily="18" charset="0"/>
+                          </a:rPr>
+                        </m:ctrlPr>
+                      </m:dPr>
+                      <m:e>
+                        <m:r>
+                          <a:rPr lang="de-DE" i="1">
+                            <a:latin typeface="Cambria Math" panose="02040503050406030204" pitchFamily="18" charset="0"/>
+                            <a:ea typeface="Cambria Math" panose="02040503050406030204" pitchFamily="18" charset="0"/>
+                          </a:rPr>
+                          <m:t>𝑏</m:t>
+                        </m:r>
+                        <m:r>
+                          <a:rPr lang="de-DE" i="1">
+                            <a:latin typeface="Cambria Math" panose="02040503050406030204" pitchFamily="18" charset="0"/>
+                            <a:ea typeface="Cambria Math" panose="02040503050406030204" pitchFamily="18" charset="0"/>
+                          </a:rPr>
+                          <m:t>∧</m:t>
                         </m:r>
                         <m:acc>
                           <m:accPr>
@@ -20549,537 +20857,11 @@
                         <m:ctrlPr>
                           <a:rPr lang="de-DE" i="1">
                             <a:latin typeface="Cambria Math" panose="02040503050406030204" pitchFamily="18" charset="0"/>
+                            <a:ea typeface="Cambria Math" panose="02040503050406030204" pitchFamily="18" charset="0"/>
                           </a:rPr>
                         </m:ctrlPr>
                       </m:dPr>
                       <m:e>
-                        <m:d>
-                          <m:dPr>
-                            <m:ctrlPr>
-                              <a:rPr lang="de-DE" i="1">
-                                <a:latin typeface="Cambria Math" panose="02040503050406030204" pitchFamily="18" charset="0"/>
-                              </a:rPr>
-                            </m:ctrlPr>
-                          </m:dPr>
-                          <m:e>
-                            <m:acc>
-                              <m:accPr>
-                                <m:chr m:val="̅"/>
-                                <m:ctrlPr>
-                                  <a:rPr lang="de-DE" i="1">
-                                    <a:latin typeface="Cambria Math" panose="02040503050406030204" pitchFamily="18" charset="0"/>
-                                  </a:rPr>
-                                </m:ctrlPr>
-                              </m:accPr>
-                              <m:e>
-                                <m:r>
-                                  <a:rPr lang="de-DE" i="1">
-                                    <a:latin typeface="Cambria Math" panose="02040503050406030204" pitchFamily="18" charset="0"/>
-                                  </a:rPr>
-                                  <m:t>𝑎</m:t>
-                                </m:r>
-                              </m:e>
-                            </m:acc>
-                            <m:r>
-                              <a:rPr lang="de-DE" i="1">
-                                <a:latin typeface="Cambria Math" panose="02040503050406030204" pitchFamily="18" charset="0"/>
-                                <a:ea typeface="Cambria Math" panose="02040503050406030204" pitchFamily="18" charset="0"/>
-                              </a:rPr>
-                              <m:t>∨</m:t>
-                            </m:r>
-                            <m:r>
-                              <a:rPr lang="de-DE" i="1">
-                                <a:latin typeface="Cambria Math" panose="02040503050406030204" pitchFamily="18" charset="0"/>
-                                <a:ea typeface="Cambria Math" panose="02040503050406030204" pitchFamily="18" charset="0"/>
-                              </a:rPr>
-                              <m:t>𝑏</m:t>
-                            </m:r>
-                          </m:e>
-                        </m:d>
-                        <m:r>
-                          <a:rPr lang="de-DE" i="1" smtClean="0">
-                            <a:latin typeface="Cambria Math" panose="02040503050406030204" pitchFamily="18" charset="0"/>
-                            <a:ea typeface="Cambria Math" panose="02040503050406030204" pitchFamily="18" charset="0"/>
-                          </a:rPr>
-                          <m:t>∨</m:t>
-                        </m:r>
-                        <m:d>
-                          <m:dPr>
-                            <m:ctrlPr>
-                              <a:rPr lang="de-DE" i="1">
-                                <a:latin typeface="Cambria Math" panose="02040503050406030204" pitchFamily="18" charset="0"/>
-                                <a:ea typeface="Cambria Math" panose="02040503050406030204" pitchFamily="18" charset="0"/>
-                              </a:rPr>
-                            </m:ctrlPr>
-                          </m:dPr>
-                          <m:e>
-                            <m:r>
-                              <a:rPr lang="de-DE" i="1">
-                                <a:latin typeface="Cambria Math" panose="02040503050406030204" pitchFamily="18" charset="0"/>
-                                <a:ea typeface="Cambria Math" panose="02040503050406030204" pitchFamily="18" charset="0"/>
-                              </a:rPr>
-                              <m:t>𝑏</m:t>
-                            </m:r>
-                            <m:r>
-                              <a:rPr lang="de-DE" i="1">
-                                <a:latin typeface="Cambria Math" panose="02040503050406030204" pitchFamily="18" charset="0"/>
-                                <a:ea typeface="Cambria Math" panose="02040503050406030204" pitchFamily="18" charset="0"/>
-                              </a:rPr>
-                              <m:t>∨</m:t>
-                            </m:r>
-                            <m:acc>
-                              <m:accPr>
-                                <m:chr m:val="̅"/>
-                                <m:ctrlPr>
-                                  <a:rPr lang="de-DE" i="1">
-                                    <a:latin typeface="Cambria Math" panose="02040503050406030204" pitchFamily="18" charset="0"/>
-                                    <a:ea typeface="Cambria Math" panose="02040503050406030204" pitchFamily="18" charset="0"/>
-                                  </a:rPr>
-                                </m:ctrlPr>
-                              </m:accPr>
-                              <m:e>
-                                <m:r>
-                                  <a:rPr lang="de-DE" i="1">
-                                    <a:latin typeface="Cambria Math" panose="02040503050406030204" pitchFamily="18" charset="0"/>
-                                    <a:ea typeface="Cambria Math" panose="02040503050406030204" pitchFamily="18" charset="0"/>
-                                  </a:rPr>
-                                  <m:t>𝑎</m:t>
-                                </m:r>
-                              </m:e>
-                            </m:acc>
-                          </m:e>
-                        </m:d>
-                        <m:r>
-                          <a:rPr lang="de-DE" i="1">
-                            <a:latin typeface="Cambria Math" panose="02040503050406030204" pitchFamily="18" charset="0"/>
-                            <a:ea typeface="Cambria Math" panose="02040503050406030204" pitchFamily="18" charset="0"/>
-                          </a:rPr>
-                          <m:t>∧</m:t>
-                        </m:r>
-                        <m:d>
-                          <m:dPr>
-                            <m:ctrlPr>
-                              <a:rPr lang="de-DE" i="1">
-                                <a:latin typeface="Cambria Math" panose="02040503050406030204" pitchFamily="18" charset="0"/>
-                                <a:ea typeface="Cambria Math" panose="02040503050406030204" pitchFamily="18" charset="0"/>
-                              </a:rPr>
-                            </m:ctrlPr>
-                          </m:dPr>
-                          <m:e>
-                            <m:acc>
-                              <m:accPr>
-                                <m:chr m:val="̅"/>
-                                <m:ctrlPr>
-                                  <a:rPr lang="de-DE" i="1">
-                                    <a:latin typeface="Cambria Math" panose="02040503050406030204" pitchFamily="18" charset="0"/>
-                                    <a:ea typeface="Cambria Math" panose="02040503050406030204" pitchFamily="18" charset="0"/>
-                                  </a:rPr>
-                                </m:ctrlPr>
-                              </m:accPr>
-                              <m:e>
-                                <m:r>
-                                  <a:rPr lang="de-DE" i="1">
-                                    <a:latin typeface="Cambria Math" panose="02040503050406030204" pitchFamily="18" charset="0"/>
-                                    <a:ea typeface="Cambria Math" panose="02040503050406030204" pitchFamily="18" charset="0"/>
-                                  </a:rPr>
-                                  <m:t>𝑎</m:t>
-                                </m:r>
-                              </m:e>
-                            </m:acc>
-                            <m:r>
-                              <a:rPr lang="de-DE" i="1">
-                                <a:latin typeface="Cambria Math" panose="02040503050406030204" pitchFamily="18" charset="0"/>
-                                <a:ea typeface="Cambria Math" panose="02040503050406030204" pitchFamily="18" charset="0"/>
-                              </a:rPr>
-                              <m:t>∨</m:t>
-                            </m:r>
-                            <m:acc>
-                              <m:accPr>
-                                <m:chr m:val="̅"/>
-                                <m:ctrlPr>
-                                  <a:rPr lang="de-DE" i="1">
-                                    <a:latin typeface="Cambria Math" panose="02040503050406030204" pitchFamily="18" charset="0"/>
-                                    <a:ea typeface="Cambria Math" panose="02040503050406030204" pitchFamily="18" charset="0"/>
-                                  </a:rPr>
-                                </m:ctrlPr>
-                              </m:accPr>
-                              <m:e>
-                                <m:r>
-                                  <a:rPr lang="de-DE" i="1">
-                                    <a:latin typeface="Cambria Math" panose="02040503050406030204" pitchFamily="18" charset="0"/>
-                                    <a:ea typeface="Cambria Math" panose="02040503050406030204" pitchFamily="18" charset="0"/>
-                                  </a:rPr>
-                                  <m:t>𝑏</m:t>
-                                </m:r>
-                              </m:e>
-                            </m:acc>
-                          </m:e>
-                        </m:d>
-                        <m:r>
-                          <a:rPr lang="de-DE" i="1">
-                            <a:latin typeface="Cambria Math" panose="02040503050406030204" pitchFamily="18" charset="0"/>
-                            <a:ea typeface="Cambria Math" panose="02040503050406030204" pitchFamily="18" charset="0"/>
-                          </a:rPr>
-                          <m:t>∨</m:t>
-                        </m:r>
-                        <m:d>
-                          <m:dPr>
-                            <m:ctrlPr>
-                              <a:rPr lang="de-DE" i="1">
-                                <a:latin typeface="Cambria Math" panose="02040503050406030204" pitchFamily="18" charset="0"/>
-                                <a:ea typeface="Cambria Math" panose="02040503050406030204" pitchFamily="18" charset="0"/>
-                              </a:rPr>
-                            </m:ctrlPr>
-                          </m:dPr>
-                          <m:e>
-                            <m:r>
-                              <a:rPr lang="de-DE" i="1">
-                                <a:latin typeface="Cambria Math" panose="02040503050406030204" pitchFamily="18" charset="0"/>
-                                <a:ea typeface="Cambria Math" panose="02040503050406030204" pitchFamily="18" charset="0"/>
-                              </a:rPr>
-                              <m:t>𝑏</m:t>
-                            </m:r>
-                            <m:r>
-                              <a:rPr lang="de-DE" i="1">
-                                <a:latin typeface="Cambria Math" panose="02040503050406030204" pitchFamily="18" charset="0"/>
-                                <a:ea typeface="Cambria Math" panose="02040503050406030204" pitchFamily="18" charset="0"/>
-                              </a:rPr>
-                              <m:t>∨</m:t>
-                            </m:r>
-                            <m:acc>
-                              <m:accPr>
-                                <m:chr m:val="̅"/>
-                                <m:ctrlPr>
-                                  <a:rPr lang="de-DE" i="1">
-                                    <a:latin typeface="Cambria Math" panose="02040503050406030204" pitchFamily="18" charset="0"/>
-                                    <a:ea typeface="Cambria Math" panose="02040503050406030204" pitchFamily="18" charset="0"/>
-                                  </a:rPr>
-                                </m:ctrlPr>
-                              </m:accPr>
-                              <m:e>
-                                <m:r>
-                                  <a:rPr lang="de-DE" i="1">
-                                    <a:latin typeface="Cambria Math" panose="02040503050406030204" pitchFamily="18" charset="0"/>
-                                    <a:ea typeface="Cambria Math" panose="02040503050406030204" pitchFamily="18" charset="0"/>
-                                  </a:rPr>
-                                  <m:t>𝑎</m:t>
-                                </m:r>
-                              </m:e>
-                            </m:acc>
-                          </m:e>
-                        </m:d>
-                      </m:e>
-                    </m:d>
-                  </m:oMath>
-                </a14:m>
-                <a:endParaRPr lang="de-DE"/>
-              </a:p>
-              <a:p>
-                <a:pPr marL="457200" indent="-457200">
-                  <a:buFont typeface="+mj-lt"/>
-                  <a:buAutoNum type="arabicPeriod"/>
-                </a:pPr>
-                <a14:m>
-                  <m:oMath xmlns:m="http://schemas.openxmlformats.org/officeDocument/2006/math">
-                    <m:d>
-                      <m:dPr>
-                        <m:ctrlPr>
-                          <a:rPr lang="de-DE" i="1">
-                            <a:latin typeface="Cambria Math" panose="02040503050406030204" pitchFamily="18" charset="0"/>
-                          </a:rPr>
-                        </m:ctrlPr>
-                      </m:dPr>
-                      <m:e>
-                        <m:d>
-                          <m:dPr>
-                            <m:ctrlPr>
-                              <a:rPr lang="de-DE" i="1">
-                                <a:latin typeface="Cambria Math" panose="02040503050406030204" pitchFamily="18" charset="0"/>
-                              </a:rPr>
-                            </m:ctrlPr>
-                          </m:dPr>
-                          <m:e>
-                            <m:acc>
-                              <m:accPr>
-                                <m:chr m:val="̅"/>
-                                <m:ctrlPr>
-                                  <a:rPr lang="de-DE" i="1">
-                                    <a:latin typeface="Cambria Math" panose="02040503050406030204" pitchFamily="18" charset="0"/>
-                                  </a:rPr>
-                                </m:ctrlPr>
-                              </m:accPr>
-                              <m:e>
-                                <m:r>
-                                  <a:rPr lang="de-DE" i="1">
-                                    <a:latin typeface="Cambria Math" panose="02040503050406030204" pitchFamily="18" charset="0"/>
-                                  </a:rPr>
-                                  <m:t>𝑎</m:t>
-                                </m:r>
-                              </m:e>
-                            </m:acc>
-                            <m:r>
-                              <a:rPr lang="de-DE" i="1">
-                                <a:latin typeface="Cambria Math" panose="02040503050406030204" pitchFamily="18" charset="0"/>
-                                <a:ea typeface="Cambria Math" panose="02040503050406030204" pitchFamily="18" charset="0"/>
-                              </a:rPr>
-                              <m:t>∨</m:t>
-                            </m:r>
-                            <m:r>
-                              <a:rPr lang="de-DE" i="1">
-                                <a:latin typeface="Cambria Math" panose="02040503050406030204" pitchFamily="18" charset="0"/>
-                                <a:ea typeface="Cambria Math" panose="02040503050406030204" pitchFamily="18" charset="0"/>
-                              </a:rPr>
-                              <m:t>𝑏</m:t>
-                            </m:r>
-                          </m:e>
-                        </m:d>
-                        <m:r>
-                          <a:rPr lang="de-DE" i="1">
-                            <a:latin typeface="Cambria Math" panose="02040503050406030204" pitchFamily="18" charset="0"/>
-                            <a:ea typeface="Cambria Math" panose="02040503050406030204" pitchFamily="18" charset="0"/>
-                          </a:rPr>
-                          <m:t>∨</m:t>
-                        </m:r>
-                        <m:d>
-                          <m:dPr>
-                            <m:ctrlPr>
-                              <a:rPr lang="de-DE" i="1">
-                                <a:latin typeface="Cambria Math" panose="02040503050406030204" pitchFamily="18" charset="0"/>
-                                <a:ea typeface="Cambria Math" panose="02040503050406030204" pitchFamily="18" charset="0"/>
-                              </a:rPr>
-                            </m:ctrlPr>
-                          </m:dPr>
-                          <m:e>
-                            <m:r>
-                              <a:rPr lang="de-DE" i="1">
-                                <a:latin typeface="Cambria Math" panose="02040503050406030204" pitchFamily="18" charset="0"/>
-                                <a:ea typeface="Cambria Math" panose="02040503050406030204" pitchFamily="18" charset="0"/>
-                              </a:rPr>
-                              <m:t>𝑏</m:t>
-                            </m:r>
-                            <m:r>
-                              <a:rPr lang="de-DE" i="1">
-                                <a:latin typeface="Cambria Math" panose="02040503050406030204" pitchFamily="18" charset="0"/>
-                                <a:ea typeface="Cambria Math" panose="02040503050406030204" pitchFamily="18" charset="0"/>
-                              </a:rPr>
-                              <m:t>∨</m:t>
-                            </m:r>
-                            <m:acc>
-                              <m:accPr>
-                                <m:chr m:val="̅"/>
-                                <m:ctrlPr>
-                                  <a:rPr lang="de-DE" i="1">
-                                    <a:latin typeface="Cambria Math" panose="02040503050406030204" pitchFamily="18" charset="0"/>
-                                    <a:ea typeface="Cambria Math" panose="02040503050406030204" pitchFamily="18" charset="0"/>
-                                  </a:rPr>
-                                </m:ctrlPr>
-                              </m:accPr>
-                              <m:e>
-                                <m:r>
-                                  <a:rPr lang="de-DE" i="1">
-                                    <a:latin typeface="Cambria Math" panose="02040503050406030204" pitchFamily="18" charset="0"/>
-                                    <a:ea typeface="Cambria Math" panose="02040503050406030204" pitchFamily="18" charset="0"/>
-                                  </a:rPr>
-                                  <m:t>𝑎</m:t>
-                                </m:r>
-                              </m:e>
-                            </m:acc>
-                          </m:e>
-                        </m:d>
-                        <m:r>
-                          <a:rPr lang="de-DE" i="1">
-                            <a:latin typeface="Cambria Math" panose="02040503050406030204" pitchFamily="18" charset="0"/>
-                            <a:ea typeface="Cambria Math" panose="02040503050406030204" pitchFamily="18" charset="0"/>
-                          </a:rPr>
-                          <m:t>∧</m:t>
-                        </m:r>
-                        <m:d>
-                          <m:dPr>
-                            <m:ctrlPr>
-                              <a:rPr lang="de-DE" i="1">
-                                <a:latin typeface="Cambria Math" panose="02040503050406030204" pitchFamily="18" charset="0"/>
-                                <a:ea typeface="Cambria Math" panose="02040503050406030204" pitchFamily="18" charset="0"/>
-                              </a:rPr>
-                            </m:ctrlPr>
-                          </m:dPr>
-                          <m:e>
-                            <m:acc>
-                              <m:accPr>
-                                <m:chr m:val="̅"/>
-                                <m:ctrlPr>
-                                  <a:rPr lang="de-DE" i="1">
-                                    <a:latin typeface="Cambria Math" panose="02040503050406030204" pitchFamily="18" charset="0"/>
-                                    <a:ea typeface="Cambria Math" panose="02040503050406030204" pitchFamily="18" charset="0"/>
-                                  </a:rPr>
-                                </m:ctrlPr>
-                              </m:accPr>
-                              <m:e>
-                                <m:r>
-                                  <a:rPr lang="de-DE" i="1">
-                                    <a:latin typeface="Cambria Math" panose="02040503050406030204" pitchFamily="18" charset="0"/>
-                                    <a:ea typeface="Cambria Math" panose="02040503050406030204" pitchFamily="18" charset="0"/>
-                                  </a:rPr>
-                                  <m:t>𝑎</m:t>
-                                </m:r>
-                              </m:e>
-                            </m:acc>
-                            <m:r>
-                              <a:rPr lang="de-DE" i="1">
-                                <a:latin typeface="Cambria Math" panose="02040503050406030204" pitchFamily="18" charset="0"/>
-                                <a:ea typeface="Cambria Math" panose="02040503050406030204" pitchFamily="18" charset="0"/>
-                              </a:rPr>
-                              <m:t>∨</m:t>
-                            </m:r>
-                            <m:acc>
-                              <m:accPr>
-                                <m:chr m:val="̅"/>
-                                <m:ctrlPr>
-                                  <a:rPr lang="de-DE" i="1">
-                                    <a:latin typeface="Cambria Math" panose="02040503050406030204" pitchFamily="18" charset="0"/>
-                                    <a:ea typeface="Cambria Math" panose="02040503050406030204" pitchFamily="18" charset="0"/>
-                                  </a:rPr>
-                                </m:ctrlPr>
-                              </m:accPr>
-                              <m:e>
-                                <m:r>
-                                  <a:rPr lang="de-DE" i="1">
-                                    <a:latin typeface="Cambria Math" panose="02040503050406030204" pitchFamily="18" charset="0"/>
-                                    <a:ea typeface="Cambria Math" panose="02040503050406030204" pitchFamily="18" charset="0"/>
-                                  </a:rPr>
-                                  <m:t>𝑏</m:t>
-                                </m:r>
-                              </m:e>
-                            </m:acc>
-                          </m:e>
-                        </m:d>
-                        <m:r>
-                          <a:rPr lang="de-DE" i="1">
-                            <a:latin typeface="Cambria Math" panose="02040503050406030204" pitchFamily="18" charset="0"/>
-                            <a:ea typeface="Cambria Math" panose="02040503050406030204" pitchFamily="18" charset="0"/>
-                          </a:rPr>
-                          <m:t>∨</m:t>
-                        </m:r>
-                        <m:d>
-                          <m:dPr>
-                            <m:ctrlPr>
-                              <a:rPr lang="de-DE" i="1">
-                                <a:latin typeface="Cambria Math" panose="02040503050406030204" pitchFamily="18" charset="0"/>
-                                <a:ea typeface="Cambria Math" panose="02040503050406030204" pitchFamily="18" charset="0"/>
-                              </a:rPr>
-                            </m:ctrlPr>
-                          </m:dPr>
-                          <m:e>
-                            <m:r>
-                              <a:rPr lang="de-DE" i="1">
-                                <a:latin typeface="Cambria Math" panose="02040503050406030204" pitchFamily="18" charset="0"/>
-                                <a:ea typeface="Cambria Math" panose="02040503050406030204" pitchFamily="18" charset="0"/>
-                              </a:rPr>
-                              <m:t>𝑏</m:t>
-                            </m:r>
-                            <m:r>
-                              <a:rPr lang="de-DE" i="1">
-                                <a:latin typeface="Cambria Math" panose="02040503050406030204" pitchFamily="18" charset="0"/>
-                                <a:ea typeface="Cambria Math" panose="02040503050406030204" pitchFamily="18" charset="0"/>
-                              </a:rPr>
-                              <m:t>∨</m:t>
-                            </m:r>
-                            <m:acc>
-                              <m:accPr>
-                                <m:chr m:val="̅"/>
-                                <m:ctrlPr>
-                                  <a:rPr lang="de-DE" i="1">
-                                    <a:latin typeface="Cambria Math" panose="02040503050406030204" pitchFamily="18" charset="0"/>
-                                    <a:ea typeface="Cambria Math" panose="02040503050406030204" pitchFamily="18" charset="0"/>
-                                  </a:rPr>
-                                </m:ctrlPr>
-                              </m:accPr>
-                              <m:e>
-                                <m:r>
-                                  <a:rPr lang="de-DE" i="1">
-                                    <a:latin typeface="Cambria Math" panose="02040503050406030204" pitchFamily="18" charset="0"/>
-                                    <a:ea typeface="Cambria Math" panose="02040503050406030204" pitchFamily="18" charset="0"/>
-                                  </a:rPr>
-                                  <m:t>𝑎</m:t>
-                                </m:r>
-                              </m:e>
-                            </m:acc>
-                          </m:e>
-                        </m:d>
-                      </m:e>
-                    </m:d>
-                    <m:r>
-                      <a:rPr lang="de-DE" i="1">
-                        <a:latin typeface="Cambria Math" panose="02040503050406030204" pitchFamily="18" charset="0"/>
-                        <a:ea typeface="Cambria Math" panose="02040503050406030204" pitchFamily="18" charset="0"/>
-                      </a:rPr>
-                      <m:t>=</m:t>
-                    </m:r>
-                    <m:d>
-                      <m:dPr>
-                        <m:ctrlPr>
-                          <a:rPr lang="de-DE" i="1">
-                            <a:latin typeface="Cambria Math" panose="02040503050406030204" pitchFamily="18" charset="0"/>
-                          </a:rPr>
-                        </m:ctrlPr>
-                      </m:dPr>
-                      <m:e>
-                        <m:d>
-                          <m:dPr>
-                            <m:ctrlPr>
-                              <a:rPr lang="de-DE" i="1">
-                                <a:latin typeface="Cambria Math" panose="02040503050406030204" pitchFamily="18" charset="0"/>
-                              </a:rPr>
-                            </m:ctrlPr>
-                          </m:dPr>
-                          <m:e>
-                            <m:acc>
-                              <m:accPr>
-                                <m:chr m:val="̅"/>
-                                <m:ctrlPr>
-                                  <a:rPr lang="de-DE" i="1">
-                                    <a:latin typeface="Cambria Math" panose="02040503050406030204" pitchFamily="18" charset="0"/>
-                                  </a:rPr>
-                                </m:ctrlPr>
-                              </m:accPr>
-                              <m:e>
-                                <m:r>
-                                  <a:rPr lang="de-DE" i="1">
-                                    <a:latin typeface="Cambria Math" panose="02040503050406030204" pitchFamily="18" charset="0"/>
-                                  </a:rPr>
-                                  <m:t>𝑎</m:t>
-                                </m:r>
-                              </m:e>
-                            </m:acc>
-                            <m:r>
-                              <a:rPr lang="de-DE" i="1">
-                                <a:latin typeface="Cambria Math" panose="02040503050406030204" pitchFamily="18" charset="0"/>
-                                <a:ea typeface="Cambria Math" panose="02040503050406030204" pitchFamily="18" charset="0"/>
-                              </a:rPr>
-                              <m:t>∨</m:t>
-                            </m:r>
-                            <m:r>
-                              <a:rPr lang="de-DE" i="1">
-                                <a:latin typeface="Cambria Math" panose="02040503050406030204" pitchFamily="18" charset="0"/>
-                                <a:ea typeface="Cambria Math" panose="02040503050406030204" pitchFamily="18" charset="0"/>
-                              </a:rPr>
-                              <m:t>𝑏</m:t>
-                            </m:r>
-                          </m:e>
-                        </m:d>
-                        <m:r>
-                          <a:rPr lang="de-DE" i="1">
-                            <a:latin typeface="Cambria Math" panose="02040503050406030204" pitchFamily="18" charset="0"/>
-                            <a:ea typeface="Cambria Math" panose="02040503050406030204" pitchFamily="18" charset="0"/>
-                          </a:rPr>
-                          <m:t>∧</m:t>
-                        </m:r>
-                        <m:r>
-                          <a:rPr lang="de-DE" b="0" i="1" smtClean="0">
-                            <a:latin typeface="Cambria Math" panose="02040503050406030204" pitchFamily="18" charset="0"/>
-                            <a:ea typeface="Cambria Math" panose="02040503050406030204" pitchFamily="18" charset="0"/>
-                          </a:rPr>
-                          <m:t>(</m:t>
-                        </m:r>
                         <m:acc>
                           <m:accPr>
                             <m:chr m:val="̅"/>
@@ -21103,30 +20885,9 @@
                         <m:r>
                           <a:rPr lang="de-DE" i="1">
                             <a:latin typeface="Cambria Math" panose="02040503050406030204" pitchFamily="18" charset="0"/>
-                            <a:ea typeface="Cambria Math" panose="02040503050406030204" pitchFamily="18" charset="0"/>
                           </a:rPr>
-                          <m:t>∨</m:t>
+                          <m:t> </m:t>
                         </m:r>
-                        <m:acc>
-                          <m:accPr>
-                            <m:chr m:val="̅"/>
-                            <m:ctrlPr>
-                              <a:rPr lang="de-DE" i="1">
-                                <a:latin typeface="Cambria Math" panose="02040503050406030204" pitchFamily="18" charset="0"/>
-                                <a:ea typeface="Cambria Math" panose="02040503050406030204" pitchFamily="18" charset="0"/>
-                              </a:rPr>
-                            </m:ctrlPr>
-                          </m:accPr>
-                          <m:e>
-                            <m:r>
-                              <a:rPr lang="de-DE" i="1">
-                                <a:latin typeface="Cambria Math" panose="02040503050406030204" pitchFamily="18" charset="0"/>
-                                <a:ea typeface="Cambria Math" panose="02040503050406030204" pitchFamily="18" charset="0"/>
-                              </a:rPr>
-                              <m:t>𝑏</m:t>
-                            </m:r>
-                          </m:e>
-                        </m:acc>
                         <m:r>
                           <a:rPr lang="de-DE" i="1">
                             <a:latin typeface="Cambria Math" panose="02040503050406030204" pitchFamily="18" charset="0"/>
@@ -21134,6 +20895,44 @@
                           </a:rPr>
                           <m:t>∨</m:t>
                         </m:r>
+                        <m:d>
+                          <m:dPr>
+                            <m:ctrlPr>
+                              <a:rPr lang="de-DE" i="1">
+                                <a:latin typeface="Cambria Math" panose="02040503050406030204" pitchFamily="18" charset="0"/>
+                                <a:ea typeface="Cambria Math" panose="02040503050406030204" pitchFamily="18" charset="0"/>
+                              </a:rPr>
+                            </m:ctrlPr>
+                          </m:dPr>
+                          <m:e>
+                            <m:r>
+                              <a:rPr lang="de-DE" b="0" i="1" smtClean="0">
+                                <a:latin typeface="Cambria Math" panose="02040503050406030204" pitchFamily="18" charset="0"/>
+                                <a:ea typeface="Cambria Math" panose="02040503050406030204" pitchFamily="18" charset="0"/>
+                              </a:rPr>
+                              <m:t>0</m:t>
+                            </m:r>
+                          </m:e>
+                        </m:d>
+                      </m:e>
+                    </m:d>
+                    <m:r>
+                      <a:rPr lang="de-DE" i="1">
+                        <a:latin typeface="Cambria Math" panose="02040503050406030204" pitchFamily="18" charset="0"/>
+                        <a:ea typeface="Cambria Math" panose="02040503050406030204" pitchFamily="18" charset="0"/>
+                      </a:rPr>
+                      <m:t>∨</m:t>
+                    </m:r>
+                    <m:d>
+                      <m:dPr>
+                        <m:ctrlPr>
+                          <a:rPr lang="de-DE" i="1">
+                            <a:latin typeface="Cambria Math" panose="02040503050406030204" pitchFamily="18" charset="0"/>
+                            <a:ea typeface="Cambria Math" panose="02040503050406030204" pitchFamily="18" charset="0"/>
+                          </a:rPr>
+                        </m:ctrlPr>
+                      </m:dPr>
+                      <m:e>
                         <m:r>
                           <a:rPr lang="de-DE" i="1">
                             <a:latin typeface="Cambria Math" panose="02040503050406030204" pitchFamily="18" charset="0"/>
@@ -21146,7 +20945,7 @@
                             <a:latin typeface="Cambria Math" panose="02040503050406030204" pitchFamily="18" charset="0"/>
                             <a:ea typeface="Cambria Math" panose="02040503050406030204" pitchFamily="18" charset="0"/>
                           </a:rPr>
-                          <m:t>∨</m:t>
+                          <m:t>∧</m:t>
                         </m:r>
                         <m:acc>
                           <m:accPr>
@@ -21168,18 +20967,11 @@
                             </m:r>
                           </m:e>
                         </m:acc>
-                        <m:r>
-                          <a:rPr lang="de-DE" b="0" i="1" smtClean="0">
-                            <a:latin typeface="Cambria Math" panose="02040503050406030204" pitchFamily="18" charset="0"/>
-                            <a:ea typeface="Cambria Math" panose="02040503050406030204" pitchFamily="18" charset="0"/>
-                          </a:rPr>
-                          <m:t>)</m:t>
-                        </m:r>
                       </m:e>
                     </m:d>
                   </m:oMath>
                 </a14:m>
-                <a:endParaRPr lang="de-DE"/>
+                <a:endParaRPr lang="de-DE" dirty="0"/>
               </a:p>
               <a:p>
                 <a:pPr marL="457200" indent="-457200">
@@ -21193,60 +20985,11 @@
                         <m:ctrlPr>
                           <a:rPr lang="de-DE" i="1">
                             <a:latin typeface="Cambria Math" panose="02040503050406030204" pitchFamily="18" charset="0"/>
+                            <a:ea typeface="Cambria Math" panose="02040503050406030204" pitchFamily="18" charset="0"/>
                           </a:rPr>
                         </m:ctrlPr>
                       </m:dPr>
                       <m:e>
-                        <m:d>
-                          <m:dPr>
-                            <m:ctrlPr>
-                              <a:rPr lang="de-DE" i="1">
-                                <a:latin typeface="Cambria Math" panose="02040503050406030204" pitchFamily="18" charset="0"/>
-                              </a:rPr>
-                            </m:ctrlPr>
-                          </m:dPr>
-                          <m:e>
-                            <m:acc>
-                              <m:accPr>
-                                <m:chr m:val="̅"/>
-                                <m:ctrlPr>
-                                  <a:rPr lang="de-DE" i="1">
-                                    <a:latin typeface="Cambria Math" panose="02040503050406030204" pitchFamily="18" charset="0"/>
-                                  </a:rPr>
-                                </m:ctrlPr>
-                              </m:accPr>
-                              <m:e>
-                                <m:r>
-                                  <a:rPr lang="de-DE" i="1">
-                                    <a:latin typeface="Cambria Math" panose="02040503050406030204" pitchFamily="18" charset="0"/>
-                                  </a:rPr>
-                                  <m:t>𝑎</m:t>
-                                </m:r>
-                              </m:e>
-                            </m:acc>
-                            <m:r>
-                              <a:rPr lang="de-DE" i="1">
-                                <a:latin typeface="Cambria Math" panose="02040503050406030204" pitchFamily="18" charset="0"/>
-                                <a:ea typeface="Cambria Math" panose="02040503050406030204" pitchFamily="18" charset="0"/>
-                              </a:rPr>
-                              <m:t>∨</m:t>
-                            </m:r>
-                            <m:r>
-                              <a:rPr lang="de-DE" i="1">
-                                <a:latin typeface="Cambria Math" panose="02040503050406030204" pitchFamily="18" charset="0"/>
-                                <a:ea typeface="Cambria Math" panose="02040503050406030204" pitchFamily="18" charset="0"/>
-                              </a:rPr>
-                              <m:t>𝑏</m:t>
-                            </m:r>
-                          </m:e>
-                        </m:d>
-                        <m:r>
-                          <a:rPr lang="de-DE" i="1">
-                            <a:latin typeface="Cambria Math" panose="02040503050406030204" pitchFamily="18" charset="0"/>
-                            <a:ea typeface="Cambria Math" panose="02040503050406030204" pitchFamily="18" charset="0"/>
-                          </a:rPr>
-                          <m:t>∧(</m:t>
-                        </m:r>
                         <m:acc>
                           <m:accPr>
                             <m:chr m:val="̅"/>
@@ -21270,30 +21013,9 @@
                         <m:r>
                           <a:rPr lang="de-DE" i="1">
                             <a:latin typeface="Cambria Math" panose="02040503050406030204" pitchFamily="18" charset="0"/>
-                            <a:ea typeface="Cambria Math" panose="02040503050406030204" pitchFamily="18" charset="0"/>
                           </a:rPr>
-                          <m:t>∨</m:t>
+                          <m:t> </m:t>
                         </m:r>
-                        <m:acc>
-                          <m:accPr>
-                            <m:chr m:val="̅"/>
-                            <m:ctrlPr>
-                              <a:rPr lang="de-DE" i="1">
-                                <a:latin typeface="Cambria Math" panose="02040503050406030204" pitchFamily="18" charset="0"/>
-                                <a:ea typeface="Cambria Math" panose="02040503050406030204" pitchFamily="18" charset="0"/>
-                              </a:rPr>
-                            </m:ctrlPr>
-                          </m:accPr>
-                          <m:e>
-                            <m:r>
-                              <a:rPr lang="de-DE" i="1">
-                                <a:latin typeface="Cambria Math" panose="02040503050406030204" pitchFamily="18" charset="0"/>
-                                <a:ea typeface="Cambria Math" panose="02040503050406030204" pitchFamily="18" charset="0"/>
-                              </a:rPr>
-                              <m:t>𝑏</m:t>
-                            </m:r>
-                          </m:e>
-                        </m:acc>
                         <m:r>
                           <a:rPr lang="de-DE" i="1">
                             <a:latin typeface="Cambria Math" panose="02040503050406030204" pitchFamily="18" charset="0"/>
@@ -21301,6 +21023,44 @@
                           </a:rPr>
                           <m:t>∨</m:t>
                         </m:r>
+                        <m:d>
+                          <m:dPr>
+                            <m:ctrlPr>
+                              <a:rPr lang="de-DE" i="1">
+                                <a:latin typeface="Cambria Math" panose="02040503050406030204" pitchFamily="18" charset="0"/>
+                                <a:ea typeface="Cambria Math" panose="02040503050406030204" pitchFamily="18" charset="0"/>
+                              </a:rPr>
+                            </m:ctrlPr>
+                          </m:dPr>
+                          <m:e>
+                            <m:r>
+                              <a:rPr lang="de-DE" i="1">
+                                <a:latin typeface="Cambria Math" panose="02040503050406030204" pitchFamily="18" charset="0"/>
+                                <a:ea typeface="Cambria Math" panose="02040503050406030204" pitchFamily="18" charset="0"/>
+                              </a:rPr>
+                              <m:t>0</m:t>
+                            </m:r>
+                          </m:e>
+                        </m:d>
+                      </m:e>
+                    </m:d>
+                    <m:r>
+                      <a:rPr lang="de-DE" i="1">
+                        <a:latin typeface="Cambria Math" panose="02040503050406030204" pitchFamily="18" charset="0"/>
+                        <a:ea typeface="Cambria Math" panose="02040503050406030204" pitchFamily="18" charset="0"/>
+                      </a:rPr>
+                      <m:t>∨</m:t>
+                    </m:r>
+                    <m:d>
+                      <m:dPr>
+                        <m:ctrlPr>
+                          <a:rPr lang="de-DE" i="1">
+                            <a:latin typeface="Cambria Math" panose="02040503050406030204" pitchFamily="18" charset="0"/>
+                            <a:ea typeface="Cambria Math" panose="02040503050406030204" pitchFamily="18" charset="0"/>
+                          </a:rPr>
+                        </m:ctrlPr>
+                      </m:dPr>
+                      <m:e>
                         <m:r>
                           <a:rPr lang="de-DE" i="1">
                             <a:latin typeface="Cambria Math" panose="02040503050406030204" pitchFamily="18" charset="0"/>
@@ -21313,7 +21073,7 @@
                             <a:latin typeface="Cambria Math" panose="02040503050406030204" pitchFamily="18" charset="0"/>
                             <a:ea typeface="Cambria Math" panose="02040503050406030204" pitchFamily="18" charset="0"/>
                           </a:rPr>
-                          <m:t>∨</m:t>
+                          <m:t>∧</m:t>
                         </m:r>
                         <m:acc>
                           <m:accPr>
@@ -21335,13 +21095,6 @@
                             </m:r>
                           </m:e>
                         </m:acc>
-                        <m:r>
-                          <a:rPr lang="de-DE" i="1">
-                            <a:latin typeface="Cambria Math" panose="02040503050406030204" pitchFamily="18" charset="0"/>
-                            <a:ea typeface="Cambria Math" panose="02040503050406030204" pitchFamily="18" charset="0"/>
-                          </a:rPr>
-                          <m:t>)</m:t>
-                        </m:r>
                       </m:e>
                     </m:d>
                     <m:r>
@@ -21351,142 +21104,13 @@
                       </a:rPr>
                       <m:t>=</m:t>
                     </m:r>
-                    <m:d>
-                      <m:dPr>
-                        <m:ctrlPr>
-                          <a:rPr lang="de-DE" i="1">
-                            <a:latin typeface="Cambria Math" panose="02040503050406030204" pitchFamily="18" charset="0"/>
-                          </a:rPr>
-                        </m:ctrlPr>
-                      </m:dPr>
-                      <m:e>
-                        <m:acc>
-                          <m:accPr>
-                            <m:chr m:val="̅"/>
-                            <m:ctrlPr>
-                              <a:rPr lang="de-DE" i="1">
-                                <a:latin typeface="Cambria Math" panose="02040503050406030204" pitchFamily="18" charset="0"/>
-                              </a:rPr>
-                            </m:ctrlPr>
-                          </m:accPr>
-                          <m:e>
-                            <m:r>
-                              <a:rPr lang="de-DE" i="1">
-                                <a:latin typeface="Cambria Math" panose="02040503050406030204" pitchFamily="18" charset="0"/>
-                              </a:rPr>
-                              <m:t>𝑎</m:t>
-                            </m:r>
-                          </m:e>
-                        </m:acc>
-                        <m:r>
-                          <a:rPr lang="de-DE" i="1">
-                            <a:latin typeface="Cambria Math" panose="02040503050406030204" pitchFamily="18" charset="0"/>
-                            <a:ea typeface="Cambria Math" panose="02040503050406030204" pitchFamily="18" charset="0"/>
-                          </a:rPr>
-                          <m:t>∨</m:t>
-                        </m:r>
-                        <m:r>
-                          <a:rPr lang="de-DE" i="1">
-                            <a:latin typeface="Cambria Math" panose="02040503050406030204" pitchFamily="18" charset="0"/>
-                            <a:ea typeface="Cambria Math" panose="02040503050406030204" pitchFamily="18" charset="0"/>
-                          </a:rPr>
-                          <m:t>𝑏</m:t>
-                        </m:r>
-                      </m:e>
-                    </m:d>
-                    <m:r>
-                      <a:rPr lang="de-DE" i="1">
-                        <a:latin typeface="Cambria Math" panose="02040503050406030204" pitchFamily="18" charset="0"/>
-                        <a:ea typeface="Cambria Math" panose="02040503050406030204" pitchFamily="18" charset="0"/>
-                      </a:rPr>
-                      <m:t>∧</m:t>
-                    </m:r>
-                    <m:r>
-                      <a:rPr lang="de-DE" b="0" i="1" smtClean="0">
-                        <a:latin typeface="Cambria Math" panose="02040503050406030204" pitchFamily="18" charset="0"/>
-                        <a:ea typeface="Cambria Math" panose="02040503050406030204" pitchFamily="18" charset="0"/>
-                      </a:rPr>
-                      <m:t>1</m:t>
-                    </m:r>
-                  </m:oMath>
-                </a14:m>
-                <a:endParaRPr lang="de-DE" b="0">
-                  <a:ea typeface="Cambria Math" panose="02040503050406030204" pitchFamily="18" charset="0"/>
-                </a:endParaRPr>
-              </a:p>
-              <a:p>
-                <a:pPr marL="457200" indent="-457200">
-                  <a:buFont typeface="+mj-lt"/>
-                  <a:buAutoNum type="arabicPeriod"/>
-                </a:pPr>
-                <a14:m>
-                  <m:oMath xmlns:m="http://schemas.openxmlformats.org/officeDocument/2006/math">
-                    <m:d>
-                      <m:dPr>
-                        <m:ctrlPr>
-                          <a:rPr lang="de-DE" i="1">
-                            <a:latin typeface="Cambria Math" panose="02040503050406030204" pitchFamily="18" charset="0"/>
-                          </a:rPr>
-                        </m:ctrlPr>
-                      </m:dPr>
-                      <m:e>
-                        <m:acc>
-                          <m:accPr>
-                            <m:chr m:val="̅"/>
-                            <m:ctrlPr>
-                              <a:rPr lang="de-DE" i="1">
-                                <a:latin typeface="Cambria Math" panose="02040503050406030204" pitchFamily="18" charset="0"/>
-                              </a:rPr>
-                            </m:ctrlPr>
-                          </m:accPr>
-                          <m:e>
-                            <m:r>
-                              <a:rPr lang="de-DE" i="1">
-                                <a:latin typeface="Cambria Math" panose="02040503050406030204" pitchFamily="18" charset="0"/>
-                              </a:rPr>
-                              <m:t>𝑎</m:t>
-                            </m:r>
-                          </m:e>
-                        </m:acc>
-                        <m:r>
-                          <a:rPr lang="de-DE" i="1">
-                            <a:latin typeface="Cambria Math" panose="02040503050406030204" pitchFamily="18" charset="0"/>
-                            <a:ea typeface="Cambria Math" panose="02040503050406030204" pitchFamily="18" charset="0"/>
-                          </a:rPr>
-                          <m:t>∨</m:t>
-                        </m:r>
-                        <m:r>
-                          <a:rPr lang="de-DE" i="1">
-                            <a:latin typeface="Cambria Math" panose="02040503050406030204" pitchFamily="18" charset="0"/>
-                            <a:ea typeface="Cambria Math" panose="02040503050406030204" pitchFamily="18" charset="0"/>
-                          </a:rPr>
-                          <m:t>𝑏</m:t>
-                        </m:r>
-                      </m:e>
-                    </m:d>
-                    <m:r>
-                      <a:rPr lang="de-DE" i="1">
-                        <a:latin typeface="Cambria Math" panose="02040503050406030204" pitchFamily="18" charset="0"/>
-                        <a:ea typeface="Cambria Math" panose="02040503050406030204" pitchFamily="18" charset="0"/>
-                      </a:rPr>
-                      <m:t>∧1</m:t>
-                    </m:r>
-                  </m:oMath>
-                </a14:m>
-                <a:r>
-                  <a:rPr lang="de-DE">
-                    <a:ea typeface="Cambria Math" panose="02040503050406030204" pitchFamily="18" charset="0"/>
-                  </a:rPr>
-                  <a:t> = </a:t>
-                </a:r>
-                <a14:m>
-                  <m:oMath xmlns:m="http://schemas.openxmlformats.org/officeDocument/2006/math">
                     <m:acc>
                       <m:accPr>
                         <m:chr m:val="̅"/>
                         <m:ctrlPr>
                           <a:rPr lang="de-DE" i="1">
                             <a:latin typeface="Cambria Math" panose="02040503050406030204" pitchFamily="18" charset="0"/>
+                            <a:ea typeface="Cambria Math" panose="02040503050406030204" pitchFamily="18" charset="0"/>
                           </a:rPr>
                         </m:ctrlPr>
                       </m:accPr>
@@ -21494,6 +21118,7 @@
                         <m:r>
                           <a:rPr lang="de-DE" i="1">
                             <a:latin typeface="Cambria Math" panose="02040503050406030204" pitchFamily="18" charset="0"/>
+                            <a:ea typeface="Cambria Math" panose="02040503050406030204" pitchFamily="18" charset="0"/>
                           </a:rPr>
                           <m:t>𝑎</m:t>
                         </m:r>
@@ -21506,16 +21131,55 @@
                       </a:rPr>
                       <m:t>∨</m:t>
                     </m:r>
-                    <m:r>
-                      <a:rPr lang="de-DE" i="1">
-                        <a:latin typeface="Cambria Math" panose="02040503050406030204" pitchFamily="18" charset="0"/>
-                        <a:ea typeface="Cambria Math" panose="02040503050406030204" pitchFamily="18" charset="0"/>
-                      </a:rPr>
-                      <m:t>𝑏</m:t>
-                    </m:r>
+                    <m:d>
+                      <m:dPr>
+                        <m:ctrlPr>
+                          <a:rPr lang="de-DE" i="1">
+                            <a:latin typeface="Cambria Math" panose="02040503050406030204" pitchFamily="18" charset="0"/>
+                            <a:ea typeface="Cambria Math" panose="02040503050406030204" pitchFamily="18" charset="0"/>
+                          </a:rPr>
+                        </m:ctrlPr>
+                      </m:dPr>
+                      <m:e>
+                        <m:r>
+                          <a:rPr lang="de-DE" i="1">
+                            <a:latin typeface="Cambria Math" panose="02040503050406030204" pitchFamily="18" charset="0"/>
+                            <a:ea typeface="Cambria Math" panose="02040503050406030204" pitchFamily="18" charset="0"/>
+                          </a:rPr>
+                          <m:t>𝑏</m:t>
+                        </m:r>
+                        <m:r>
+                          <a:rPr lang="de-DE" i="1">
+                            <a:latin typeface="Cambria Math" panose="02040503050406030204" pitchFamily="18" charset="0"/>
+                            <a:ea typeface="Cambria Math" panose="02040503050406030204" pitchFamily="18" charset="0"/>
+                          </a:rPr>
+                          <m:t>∧</m:t>
+                        </m:r>
+                        <m:acc>
+                          <m:accPr>
+                            <m:chr m:val="̅"/>
+                            <m:ctrlPr>
+                              <a:rPr lang="de-DE" i="1">
+                                <a:latin typeface="Cambria Math" panose="02040503050406030204" pitchFamily="18" charset="0"/>
+                                <a:ea typeface="Cambria Math" panose="02040503050406030204" pitchFamily="18" charset="0"/>
+                              </a:rPr>
+                            </m:ctrlPr>
+                          </m:accPr>
+                          <m:e>
+                            <m:r>
+                              <a:rPr lang="de-DE" i="1">
+                                <a:latin typeface="Cambria Math" panose="02040503050406030204" pitchFamily="18" charset="0"/>
+                                <a:ea typeface="Cambria Math" panose="02040503050406030204" pitchFamily="18" charset="0"/>
+                              </a:rPr>
+                              <m:t>𝑎</m:t>
+                            </m:r>
+                          </m:e>
+                        </m:acc>
+                      </m:e>
+                    </m:d>
                   </m:oMath>
                 </a14:m>
-                <a:endParaRPr lang="de-DE">
+                <a:endParaRPr lang="de-DE" dirty="0">
                   <a:ea typeface="Cambria Math" panose="02040503050406030204" pitchFamily="18" charset="0"/>
                 </a:endParaRPr>
               </a:p>
@@ -21524,12 +21188,123 @@
                   <a:buFont typeface="+mj-lt"/>
                   <a:buAutoNum type="arabicPeriod"/>
                 </a:pPr>
-                <a:endParaRPr lang="de-DE"/>
+                <a14:m>
+                  <m:oMath xmlns:m="http://schemas.openxmlformats.org/officeDocument/2006/math">
+                    <m:acc>
+                      <m:accPr>
+                        <m:chr m:val="̅"/>
+                        <m:ctrlPr>
+                          <a:rPr lang="de-DE" i="1">
+                            <a:latin typeface="Cambria Math" panose="02040503050406030204" pitchFamily="18" charset="0"/>
+                            <a:ea typeface="Cambria Math" panose="02040503050406030204" pitchFamily="18" charset="0"/>
+                          </a:rPr>
+                        </m:ctrlPr>
+                      </m:accPr>
+                      <m:e>
+                        <m:r>
+                          <a:rPr lang="de-DE" i="1">
+                            <a:latin typeface="Cambria Math" panose="02040503050406030204" pitchFamily="18" charset="0"/>
+                            <a:ea typeface="Cambria Math" panose="02040503050406030204" pitchFamily="18" charset="0"/>
+                          </a:rPr>
+                          <m:t>𝑎</m:t>
+                        </m:r>
+                      </m:e>
+                    </m:acc>
+                    <m:r>
+                      <a:rPr lang="de-DE" i="1">
+                        <a:latin typeface="Cambria Math" panose="02040503050406030204" pitchFamily="18" charset="0"/>
+                        <a:ea typeface="Cambria Math" panose="02040503050406030204" pitchFamily="18" charset="0"/>
+                      </a:rPr>
+                      <m:t>∨</m:t>
+                    </m:r>
+                    <m:d>
+                      <m:dPr>
+                        <m:ctrlPr>
+                          <a:rPr lang="de-DE" i="1">
+                            <a:latin typeface="Cambria Math" panose="02040503050406030204" pitchFamily="18" charset="0"/>
+                            <a:ea typeface="Cambria Math" panose="02040503050406030204" pitchFamily="18" charset="0"/>
+                          </a:rPr>
+                        </m:ctrlPr>
+                      </m:dPr>
+                      <m:e>
+                        <m:r>
+                          <a:rPr lang="de-DE" i="1">
+                            <a:latin typeface="Cambria Math" panose="02040503050406030204" pitchFamily="18" charset="0"/>
+                            <a:ea typeface="Cambria Math" panose="02040503050406030204" pitchFamily="18" charset="0"/>
+                          </a:rPr>
+                          <m:t>𝑏</m:t>
+                        </m:r>
+                        <m:r>
+                          <a:rPr lang="de-DE" i="1">
+                            <a:latin typeface="Cambria Math" panose="02040503050406030204" pitchFamily="18" charset="0"/>
+                            <a:ea typeface="Cambria Math" panose="02040503050406030204" pitchFamily="18" charset="0"/>
+                          </a:rPr>
+                          <m:t>∧</m:t>
+                        </m:r>
+                        <m:acc>
+                          <m:accPr>
+                            <m:chr m:val="̅"/>
+                            <m:ctrlPr>
+                              <a:rPr lang="de-DE" i="1">
+                                <a:latin typeface="Cambria Math" panose="02040503050406030204" pitchFamily="18" charset="0"/>
+                                <a:ea typeface="Cambria Math" panose="02040503050406030204" pitchFamily="18" charset="0"/>
+                              </a:rPr>
+                            </m:ctrlPr>
+                          </m:accPr>
+                          <m:e>
+                            <m:r>
+                              <a:rPr lang="de-DE" i="1">
+                                <a:latin typeface="Cambria Math" panose="02040503050406030204" pitchFamily="18" charset="0"/>
+                                <a:ea typeface="Cambria Math" panose="02040503050406030204" pitchFamily="18" charset="0"/>
+                              </a:rPr>
+                              <m:t>𝑎</m:t>
+                            </m:r>
+                          </m:e>
+                        </m:acc>
+                      </m:e>
+                    </m:d>
+                    <m:r>
+                      <a:rPr lang="de-DE" b="0" i="1" smtClean="0">
+                        <a:latin typeface="Cambria Math" panose="02040503050406030204" pitchFamily="18" charset="0"/>
+                        <a:ea typeface="Cambria Math" panose="02040503050406030204" pitchFamily="18" charset="0"/>
+                      </a:rPr>
+                      <m:t>=</m:t>
+                    </m:r>
+                    <m:acc>
+                      <m:accPr>
+                        <m:chr m:val="̅"/>
+                        <m:ctrlPr>
+                          <a:rPr lang="de-DE" i="1">
+                            <a:latin typeface="Cambria Math" panose="02040503050406030204" pitchFamily="18" charset="0"/>
+                            <a:ea typeface="Cambria Math" panose="02040503050406030204" pitchFamily="18" charset="0"/>
+                          </a:rPr>
+                        </m:ctrlPr>
+                      </m:accPr>
+                      <m:e>
+                        <m:r>
+                          <a:rPr lang="de-DE" i="1">
+                            <a:latin typeface="Cambria Math" panose="02040503050406030204" pitchFamily="18" charset="0"/>
+                            <a:ea typeface="Cambria Math" panose="02040503050406030204" pitchFamily="18" charset="0"/>
+                          </a:rPr>
+                          <m:t>𝑎</m:t>
+                        </m:r>
+                      </m:e>
+                    </m:acc>
+                  </m:oMath>
+                </a14:m>
+                <a:endParaRPr lang="de-DE" dirty="0"/>
+              </a:p>
+              <a:p>
+                <a:pPr marL="457200" indent="-457200">
+                  <a:buFont typeface="+mj-lt"/>
+                  <a:buAutoNum type="arabicPeriod"/>
+                </a:pPr>
+                <a:endParaRPr lang="de-DE" dirty="0"/>
               </a:p>
             </p:txBody>
           </p:sp>
         </mc:Choice>
-        <mc:Fallback xmlns="">
+        <mc:Fallback>
           <p:sp>
             <p:nvSpPr>
               <p:cNvPr id="3" name="Inhaltsplatzhalter 2">
@@ -21559,7 +21334,7 @@
               <a:lstStyle/>
               <a:p>
                 <a:r>
-                  <a:rPr lang="en-US">
+                  <a:rPr lang="de-DE">
                     <a:noFill/>
                   </a:rPr>
                   <a:t> </a:t>
@@ -21579,232 +21354,6 @@
   <p:clrMapOvr>
     <a:masterClrMapping/>
   </p:clrMapOvr>
-  <p:timing>
-    <p:tnLst>
-      <p:par>
-        <p:cTn id="1" dur="indefinite" restart="never" nodeType="tmRoot">
-          <p:childTnLst>
-            <p:seq concurrent="1" nextAc="seek">
-              <p:cTn id="2" dur="indefinite" nodeType="mainSeq">
-                <p:childTnLst>
-                  <p:par>
-                    <p:cTn id="3" fill="hold">
-                      <p:stCondLst>
-                        <p:cond delay="indefinite"/>
-                      </p:stCondLst>
-                      <p:childTnLst>
-                        <p:par>
-                          <p:cTn id="4" fill="hold">
-                            <p:stCondLst>
-                              <p:cond delay="0"/>
-                            </p:stCondLst>
-                            <p:childTnLst>
-                              <p:par>
-                                <p:cTn id="5" presetID="1" presetClass="entr" presetSubtype="0" fill="hold" nodeType="clickEffect">
-                                  <p:stCondLst>
-                                    <p:cond delay="0"/>
-                                  </p:stCondLst>
-                                  <p:childTnLst>
-                                    <p:set>
-                                      <p:cBhvr>
-                                        <p:cTn id="6" dur="1" fill="hold">
-                                          <p:stCondLst>
-                                            <p:cond delay="0"/>
-                                          </p:stCondLst>
-                                        </p:cTn>
-                                        <p:tgtEl>
-                                          <p:spTgt spid="3">
-                                            <p:txEl>
-                                              <p:pRg st="1" end="1"/>
-                                            </p:txEl>
-                                          </p:spTgt>
-                                        </p:tgtEl>
-                                        <p:attrNameLst>
-                                          <p:attrName>style.visibility</p:attrName>
-                                        </p:attrNameLst>
-                                      </p:cBhvr>
-                                      <p:to>
-                                        <p:strVal val="visible"/>
-                                      </p:to>
-                                    </p:set>
-                                  </p:childTnLst>
-                                </p:cTn>
-                              </p:par>
-                            </p:childTnLst>
-                          </p:cTn>
-                        </p:par>
-                      </p:childTnLst>
-                    </p:cTn>
-                  </p:par>
-                  <p:par>
-                    <p:cTn id="7" fill="hold">
-                      <p:stCondLst>
-                        <p:cond delay="indefinite"/>
-                      </p:stCondLst>
-                      <p:childTnLst>
-                        <p:par>
-                          <p:cTn id="8" fill="hold">
-                            <p:stCondLst>
-                              <p:cond delay="0"/>
-                            </p:stCondLst>
-                            <p:childTnLst>
-                              <p:par>
-                                <p:cTn id="9" presetID="1" presetClass="entr" presetSubtype="0" fill="hold" nodeType="clickEffect">
-                                  <p:stCondLst>
-                                    <p:cond delay="0"/>
-                                  </p:stCondLst>
-                                  <p:childTnLst>
-                                    <p:set>
-                                      <p:cBhvr>
-                                        <p:cTn id="10" dur="1" fill="hold">
-                                          <p:stCondLst>
-                                            <p:cond delay="0"/>
-                                          </p:stCondLst>
-                                        </p:cTn>
-                                        <p:tgtEl>
-                                          <p:spTgt spid="3">
-                                            <p:txEl>
-                                              <p:pRg st="2" end="2"/>
-                                            </p:txEl>
-                                          </p:spTgt>
-                                        </p:tgtEl>
-                                        <p:attrNameLst>
-                                          <p:attrName>style.visibility</p:attrName>
-                                        </p:attrNameLst>
-                                      </p:cBhvr>
-                                      <p:to>
-                                        <p:strVal val="visible"/>
-                                      </p:to>
-                                    </p:set>
-                                  </p:childTnLst>
-                                </p:cTn>
-                              </p:par>
-                            </p:childTnLst>
-                          </p:cTn>
-                        </p:par>
-                      </p:childTnLst>
-                    </p:cTn>
-                  </p:par>
-                  <p:par>
-                    <p:cTn id="11" fill="hold">
-                      <p:stCondLst>
-                        <p:cond delay="indefinite"/>
-                      </p:stCondLst>
-                      <p:childTnLst>
-                        <p:par>
-                          <p:cTn id="12" fill="hold">
-                            <p:stCondLst>
-                              <p:cond delay="0"/>
-                            </p:stCondLst>
-                            <p:childTnLst>
-                              <p:par>
-                                <p:cTn id="13" presetID="1" presetClass="entr" presetSubtype="0" fill="hold" nodeType="clickEffect">
-                                  <p:stCondLst>
-                                    <p:cond delay="0"/>
-                                  </p:stCondLst>
-                                  <p:childTnLst>
-                                    <p:set>
-                                      <p:cBhvr>
-                                        <p:cTn id="14" dur="1" fill="hold">
-                                          <p:stCondLst>
-                                            <p:cond delay="0"/>
-                                          </p:stCondLst>
-                                        </p:cTn>
-                                        <p:tgtEl>
-                                          <p:spTgt spid="3">
-                                            <p:txEl>
-                                              <p:pRg st="3" end="3"/>
-                                            </p:txEl>
-                                          </p:spTgt>
-                                        </p:tgtEl>
-                                        <p:attrNameLst>
-                                          <p:attrName>style.visibility</p:attrName>
-                                        </p:attrNameLst>
-                                      </p:cBhvr>
-                                      <p:to>
-                                        <p:strVal val="visible"/>
-                                      </p:to>
-                                    </p:set>
-                                  </p:childTnLst>
-                                </p:cTn>
-                              </p:par>
-                            </p:childTnLst>
-                          </p:cTn>
-                        </p:par>
-                      </p:childTnLst>
-                    </p:cTn>
-                  </p:par>
-                  <p:par>
-                    <p:cTn id="15" fill="hold">
-                      <p:stCondLst>
-                        <p:cond delay="indefinite"/>
-                      </p:stCondLst>
-                      <p:childTnLst>
-                        <p:par>
-                          <p:cTn id="16" fill="hold">
-                            <p:stCondLst>
-                              <p:cond delay="0"/>
-                            </p:stCondLst>
-                            <p:childTnLst>
-                              <p:par>
-                                <p:cTn id="17" presetID="1" presetClass="entr" presetSubtype="0" fill="hold" nodeType="clickEffect">
-                                  <p:stCondLst>
-                                    <p:cond delay="0"/>
-                                  </p:stCondLst>
-                                  <p:childTnLst>
-                                    <p:set>
-                                      <p:cBhvr>
-                                        <p:cTn id="18" dur="1" fill="hold">
-                                          <p:stCondLst>
-                                            <p:cond delay="0"/>
-                                          </p:stCondLst>
-                                        </p:cTn>
-                                        <p:tgtEl>
-                                          <p:spTgt spid="3">
-                                            <p:txEl>
-                                              <p:pRg st="4" end="4"/>
-                                            </p:txEl>
-                                          </p:spTgt>
-                                        </p:tgtEl>
-                                        <p:attrNameLst>
-                                          <p:attrName>style.visibility</p:attrName>
-                                        </p:attrNameLst>
-                                      </p:cBhvr>
-                                      <p:to>
-                                        <p:strVal val="visible"/>
-                                      </p:to>
-                                    </p:set>
-                                  </p:childTnLst>
-                                </p:cTn>
-                              </p:par>
-                            </p:childTnLst>
-                          </p:cTn>
-                        </p:par>
-                      </p:childTnLst>
-                    </p:cTn>
-                  </p:par>
-                </p:childTnLst>
-              </p:cTn>
-              <p:prevCondLst>
-                <p:cond evt="onPrev" delay="0">
-                  <p:tgtEl>
-                    <p:sldTgt/>
-                  </p:tgtEl>
-                </p:cond>
-              </p:prevCondLst>
-              <p:nextCondLst>
-                <p:cond evt="onNext" delay="0">
-                  <p:tgtEl>
-                    <p:sldTgt/>
-                  </p:tgtEl>
-                </p:cond>
-              </p:nextCondLst>
-            </p:seq>
-          </p:childTnLst>
-        </p:cTn>
-      </p:par>
-    </p:tnLst>
-  </p:timing>
 </p:sld>
 </file>
 
@@ -25202,17 +24751,6 @@
 </file>
 
 <file path=customXml/item1.xml><?xml version="1.0" encoding="utf-8"?>
-<p:properties xmlns:p="http://schemas.microsoft.com/office/2006/metadata/properties" xmlns:xsi="http://www.w3.org/2001/XMLSchema-instance" xmlns:pc="http://schemas.microsoft.com/office/infopath/2007/PartnerControls">
-  <documentManagement>
-    <TaxCatchAll xmlns="e08cfc56-8307-41e5-898e-b333c51beffa" xsi:nil="true"/>
-    <lcf76f155ced4ddcb4097134ff3c332f xmlns="f957fcc5-14ca-4ecf-9842-9f00d595875c">
-      <Terms xmlns="http://schemas.microsoft.com/office/infopath/2007/PartnerControls"/>
-    </lcf76f155ced4ddcb4097134ff3c332f>
-  </documentManagement>
-</p:properties>
-</file>
-
-<file path=customXml/item2.xml><?xml version="1.0" encoding="utf-8"?>
 <ct:contentTypeSchema xmlns:ct="http://schemas.microsoft.com/office/2006/metadata/contentType" xmlns:ma="http://schemas.microsoft.com/office/2006/metadata/properties/metaAttributes" ct:_="" ma:_="" ma:contentTypeName="Document" ma:contentTypeID="0x0101008799F1A435591F42BCDE2557FA51CDDA" ma:contentTypeVersion="15" ma:contentTypeDescription="Create a new document." ma:contentTypeScope="" ma:versionID="baa9c65a0a545f65583643df3cf8d9f4">
   <xsd:schema xmlns:xsd="http://www.w3.org/2001/XMLSchema" xmlns:xs="http://www.w3.org/2001/XMLSchema" xmlns:p="http://schemas.microsoft.com/office/2006/metadata/properties" xmlns:ns2="f957fcc5-14ca-4ecf-9842-9f00d595875c" xmlns:ns3="e08cfc56-8307-41e5-898e-b333c51beffa" targetNamespace="http://schemas.microsoft.com/office/2006/metadata/properties" ma:root="true" ma:fieldsID="015d39312a6521742bc57e13b2dae392" ns2:_="" ns3:_="">
     <xsd:import namespace="f957fcc5-14ca-4ecf-9842-9f00d595875c"/>
@@ -25449,6 +24987,17 @@
 </ct:contentTypeSchema>
 </file>
 
+<file path=customXml/item2.xml><?xml version="1.0" encoding="utf-8"?>
+<p:properties xmlns:p="http://schemas.microsoft.com/office/2006/metadata/properties" xmlns:xsi="http://www.w3.org/2001/XMLSchema-instance" xmlns:pc="http://schemas.microsoft.com/office/infopath/2007/PartnerControls">
+  <documentManagement>
+    <TaxCatchAll xmlns="e08cfc56-8307-41e5-898e-b333c51beffa" xsi:nil="true"/>
+    <lcf76f155ced4ddcb4097134ff3c332f xmlns="f957fcc5-14ca-4ecf-9842-9f00d595875c">
+      <Terms xmlns="http://schemas.microsoft.com/office/infopath/2007/PartnerControls"/>
+    </lcf76f155ced4ddcb4097134ff3c332f>
+  </documentManagement>
+</p:properties>
+</file>
+
 <file path=customXml/item3.xml><?xml version="1.0" encoding="utf-8"?>
 <?mso-contentType ?>
 <FormTemplates xmlns="http://schemas.microsoft.com/sharepoint/v3/contenttype/forms">
@@ -25459,23 +25008,6 @@
 </file>
 
 <file path=customXml/itemProps1.xml><?xml version="1.0" encoding="utf-8"?>
-<ds:datastoreItem xmlns:ds="http://schemas.openxmlformats.org/officeDocument/2006/customXml" ds:itemID="{01C86142-AC43-4D34-9C61-6017C7A1D49D}">
-  <ds:schemaRefs>
-    <ds:schemaRef ds:uri="e08cfc56-8307-41e5-898e-b333c51beffa"/>
-    <ds:schemaRef ds:uri="f957fcc5-14ca-4ecf-9842-9f00d595875c"/>
-    <ds:schemaRef ds:uri="http://purl.org/dc/dcmitype/"/>
-    <ds:schemaRef ds:uri="http://purl.org/dc/elements/1.1/"/>
-    <ds:schemaRef ds:uri="http://purl.org/dc/terms/"/>
-    <ds:schemaRef ds:uri="http://schemas.microsoft.com/office/2006/documentManagement/types"/>
-    <ds:schemaRef ds:uri="http://schemas.microsoft.com/office/2006/metadata/properties"/>
-    <ds:schemaRef ds:uri="http://schemas.microsoft.com/office/infopath/2007/PartnerControls"/>
-    <ds:schemaRef ds:uri="http://schemas.openxmlformats.org/package/2006/metadata/core-properties"/>
-    <ds:schemaRef ds:uri="http://www.w3.org/XML/1998/namespace"/>
-  </ds:schemaRefs>
-</ds:datastoreItem>
-</file>
-
-<file path=customXml/itemProps2.xml><?xml version="1.0" encoding="utf-8"?>
 <ds:datastoreItem xmlns:ds="http://schemas.openxmlformats.org/officeDocument/2006/customXml" ds:itemID="{96F35E4A-19A6-42ED-B9B2-B9FDCAD1EAA1}">
   <ds:schemaRefs>
     <ds:schemaRef ds:uri="e08cfc56-8307-41e5-898e-b333c51beffa"/>
@@ -25494,6 +25026,23 @@
 </ds:datastoreItem>
 </file>
 
+<file path=customXml/itemProps2.xml><?xml version="1.0" encoding="utf-8"?>
+<ds:datastoreItem xmlns:ds="http://schemas.openxmlformats.org/officeDocument/2006/customXml" ds:itemID="{01C86142-AC43-4D34-9C61-6017C7A1D49D}">
+  <ds:schemaRefs>
+    <ds:schemaRef ds:uri="e08cfc56-8307-41e5-898e-b333c51beffa"/>
+    <ds:schemaRef ds:uri="f957fcc5-14ca-4ecf-9842-9f00d595875c"/>
+    <ds:schemaRef ds:uri="http://purl.org/dc/dcmitype/"/>
+    <ds:schemaRef ds:uri="http://purl.org/dc/elements/1.1/"/>
+    <ds:schemaRef ds:uri="http://purl.org/dc/terms/"/>
+    <ds:schemaRef ds:uri="http://schemas.microsoft.com/office/2006/documentManagement/types"/>
+    <ds:schemaRef ds:uri="http://schemas.microsoft.com/office/2006/metadata/properties"/>
+    <ds:schemaRef ds:uri="http://schemas.microsoft.com/office/infopath/2007/PartnerControls"/>
+    <ds:schemaRef ds:uri="http://schemas.openxmlformats.org/package/2006/metadata/core-properties"/>
+    <ds:schemaRef ds:uri="http://www.w3.org/XML/1998/namespace"/>
+  </ds:schemaRefs>
+</ds:datastoreItem>
+</file>
+
 <file path=customXml/itemProps3.xml><?xml version="1.0" encoding="utf-8"?>
 <ds:datastoreItem xmlns:ds="http://schemas.openxmlformats.org/officeDocument/2006/customXml" ds:itemID="{AC48F4C2-72FB-464C-8474-E470A160399A}">
   <ds:schemaRefs>
